--- a/Formation_2018/Quizz_Pomme/Quizz_Pomme.pptx
+++ b/Formation_2018/Quizz_Pomme/Quizz_Pomme.pptx
@@ -5,10 +5,10 @@
     <p:sldMasterId id="2147483792" r:id="rId1"/>
   </p:sldMasterIdLst>
   <p:notesMasterIdLst>
-    <p:notesMasterId r:id="rId27"/>
+    <p:notesMasterId r:id="rId28"/>
   </p:notesMasterIdLst>
   <p:handoutMasterIdLst>
-    <p:handoutMasterId r:id="rId28"/>
+    <p:handoutMasterId r:id="rId29"/>
   </p:handoutMasterIdLst>
   <p:sldIdLst>
     <p:sldId id="256" r:id="rId2"/>
@@ -19,23 +19,24 @@
     <p:sldId id="281" r:id="rId7"/>
     <p:sldId id="283" r:id="rId8"/>
     <p:sldId id="284" r:id="rId9"/>
-    <p:sldId id="275" r:id="rId10"/>
-    <p:sldId id="260" r:id="rId11"/>
-    <p:sldId id="261" r:id="rId12"/>
-    <p:sldId id="262" r:id="rId13"/>
-    <p:sldId id="263" r:id="rId14"/>
-    <p:sldId id="264" r:id="rId15"/>
-    <p:sldId id="265" r:id="rId16"/>
-    <p:sldId id="266" r:id="rId17"/>
-    <p:sldId id="267" r:id="rId18"/>
-    <p:sldId id="268" r:id="rId19"/>
-    <p:sldId id="269" r:id="rId20"/>
-    <p:sldId id="270" r:id="rId21"/>
-    <p:sldId id="271" r:id="rId22"/>
-    <p:sldId id="272" r:id="rId23"/>
-    <p:sldId id="273" r:id="rId24"/>
-    <p:sldId id="274" r:id="rId25"/>
-    <p:sldId id="258" r:id="rId26"/>
+    <p:sldId id="285" r:id="rId10"/>
+    <p:sldId id="275" r:id="rId11"/>
+    <p:sldId id="260" r:id="rId12"/>
+    <p:sldId id="261" r:id="rId13"/>
+    <p:sldId id="262" r:id="rId14"/>
+    <p:sldId id="263" r:id="rId15"/>
+    <p:sldId id="264" r:id="rId16"/>
+    <p:sldId id="265" r:id="rId17"/>
+    <p:sldId id="266" r:id="rId18"/>
+    <p:sldId id="267" r:id="rId19"/>
+    <p:sldId id="268" r:id="rId20"/>
+    <p:sldId id="269" r:id="rId21"/>
+    <p:sldId id="270" r:id="rId22"/>
+    <p:sldId id="271" r:id="rId23"/>
+    <p:sldId id="272" r:id="rId24"/>
+    <p:sldId id="273" r:id="rId25"/>
+    <p:sldId id="274" r:id="rId26"/>
+    <p:sldId id="258" r:id="rId27"/>
   </p:sldIdLst>
   <p:sldSz cx="9144000" cy="6858000" type="screen4x3"/>
   <p:notesSz cx="6858000" cy="9144000"/>
@@ -4884,12 +4885,21 @@
         </p:nvSpPr>
         <p:spPr/>
         <p:txBody>
-          <a:bodyPr/>
+          <a:bodyPr>
+            <a:normAutofit fontScale="90000"/>
+          </a:bodyPr>
           <a:lstStyle/>
           <a:p>
             <a:r>
               <a:rPr lang="fr-FR" dirty="0"/>
-              <a:t>Notions de variable informatique</a:t>
+              <a:t>1. Bases de la programmation avec Scratch </a:t>
+            </a:r>
+            <a:br>
+              <a:rPr lang="fr-FR" dirty="0"/>
+            </a:br>
+            <a:r>
+              <a:rPr lang="fr-FR" dirty="0"/>
+              <a:t>Notion de variable</a:t>
             </a:r>
           </a:p>
         </p:txBody>
@@ -4949,25 +4959,159 @@
             <p:ph sz="quarter" idx="1"/>
           </p:nvPr>
         </p:nvSpPr>
-        <p:spPr/>
+        <p:spPr>
+          <a:xfrm>
+            <a:off x="251520" y="980727"/>
+            <a:ext cx="6428956" cy="5483503"/>
+          </a:xfrm>
+        </p:spPr>
         <p:txBody>
-          <a:bodyPr/>
+          <a:bodyPr>
+            <a:normAutofit fontScale="92500" lnSpcReduction="20000"/>
+          </a:bodyPr>
           <a:lstStyle/>
           <a:p>
             <a:r>
               <a:rPr lang="fr-FR" dirty="0"/>
-              <a:t>Comment modifier la simulation pour prendre en compte la délimitation de la zone élastique et de la zone plastique ?</a:t>
+              <a:t>On souhaite afficher le score. Pour cela :</a:t>
             </a:r>
           </a:p>
           <a:p>
+            <a:pPr lvl="1"/>
+            <a:r>
+              <a:rPr lang="fr-FR" dirty="0"/>
+              <a:t>on définit une variable « Score »</a:t>
+            </a:r>
+          </a:p>
+          <a:p>
+            <a:pPr lvl="1"/>
+            <a:r>
+              <a:rPr lang="fr-FR" dirty="0"/>
+              <a:t>Cette variable doit être incrémentée de +1 lorsqu’on fait l’action de manger une pomme et qu’une pomme est sur la case. </a:t>
+            </a:r>
+          </a:p>
+          <a:p>
+            <a:pPr lvl="1"/>
+            <a:r>
+              <a:rPr lang="fr-FR" dirty="0"/>
+              <a:t>Cette variable doit être décrémentée de 1 lorsqu’on fait l’action de manger une pomme et qu’il n’y a pas de pomme est sur la case. </a:t>
+            </a:r>
+          </a:p>
+          <a:p>
+            <a:pPr lvl="1"/>
+            <a:endParaRPr lang="fr-FR" dirty="0"/>
+          </a:p>
+          <a:p>
+            <a:r>
+              <a:rPr lang="fr-FR" dirty="0"/>
+              <a:t>La fonction « </a:t>
+            </a:r>
+            <a:r>
+              <a:rPr lang="fr-FR" dirty="0" err="1"/>
+              <a:t>MangerPomme</a:t>
+            </a:r>
+            <a:r>
+              <a:rPr lang="fr-FR" dirty="0"/>
+              <a:t> » est définie ci-contre. </a:t>
+            </a:r>
+          </a:p>
+          <a:p>
+            <a:r>
+              <a:rPr lang="fr-FR" dirty="0"/>
+              <a:t>Expliquer pourquoi après exécution du code le score affiche -1 ?</a:t>
+            </a:r>
+          </a:p>
+          <a:p>
+            <a:endParaRPr lang="fr-FR" dirty="0"/>
+          </a:p>
+          <a:p>
+            <a:r>
+              <a:rPr lang="fr-FR" dirty="0">
+                <a:solidFill>
+                  <a:srgbClr val="FF0000"/>
+                </a:solidFill>
+              </a:rPr>
+              <a:t>Solution : car pomme 2 et pomme 3 ne sont pas touchées et provoquent un décrément de -1. On a donc +1-1-1 = -1. </a:t>
+            </a:r>
+            <a:endParaRPr lang="fr-FR" dirty="0"/>
+          </a:p>
+          <a:p>
+            <a:pPr lvl="1"/>
+            <a:endParaRPr lang="fr-FR" dirty="0"/>
+          </a:p>
+          <a:p>
+            <a:endParaRPr lang="fr-FR" dirty="0"/>
+          </a:p>
+          <a:p>
+            <a:pPr lvl="1"/>
             <a:endParaRPr lang="fr-FR" dirty="0"/>
           </a:p>
         </p:txBody>
       </p:sp>
+      <p:pic>
+        <p:nvPicPr>
+          <p:cNvPr id="6" name="Image 5">
+            <a:extLst>
+              <a:ext uri="{FF2B5EF4-FFF2-40B4-BE49-F238E27FC236}">
+                <a16:creationId xmlns:a16="http://schemas.microsoft.com/office/drawing/2014/main" id="{B04C115A-AD3C-4466-92FC-82EBEC44A19C}"/>
+              </a:ext>
+            </a:extLst>
+          </p:cNvPr>
+          <p:cNvPicPr>
+            <a:picLocks noChangeAspect="1"/>
+          </p:cNvPicPr>
+          <p:nvPr/>
+        </p:nvPicPr>
+        <p:blipFill>
+          <a:blip r:embed="rId2"/>
+          <a:stretch>
+            <a:fillRect/>
+          </a:stretch>
+        </p:blipFill>
+        <p:spPr>
+          <a:xfrm>
+            <a:off x="6680476" y="92248"/>
+            <a:ext cx="2362124" cy="5483503"/>
+          </a:xfrm>
+          <a:prstGeom prst="rect">
+            <a:avLst/>
+          </a:prstGeom>
+        </p:spPr>
+      </p:pic>
+      <p:pic>
+        <p:nvPicPr>
+          <p:cNvPr id="7" name="Image 6">
+            <a:extLst>
+              <a:ext uri="{FF2B5EF4-FFF2-40B4-BE49-F238E27FC236}">
+                <a16:creationId xmlns:a16="http://schemas.microsoft.com/office/drawing/2014/main" id="{05B13936-50E7-423B-8912-23682D98AC98}"/>
+              </a:ext>
+            </a:extLst>
+          </p:cNvPr>
+          <p:cNvPicPr>
+            <a:picLocks noChangeAspect="1"/>
+          </p:cNvPicPr>
+          <p:nvPr/>
+        </p:nvPicPr>
+        <p:blipFill>
+          <a:blip r:embed="rId3"/>
+          <a:stretch>
+            <a:fillRect/>
+          </a:stretch>
+        </p:blipFill>
+        <p:spPr>
+          <a:xfrm>
+            <a:off x="6924002" y="5616710"/>
+            <a:ext cx="1512166" cy="1196666"/>
+          </a:xfrm>
+          <a:prstGeom prst="rect">
+            <a:avLst/>
+          </a:prstGeom>
+        </p:spPr>
+      </p:pic>
     </p:spTree>
     <p:extLst>
       <p:ext uri="{BB962C8B-B14F-4D97-AF65-F5344CB8AC3E}">
-        <p14:creationId xmlns:p14="http://schemas.microsoft.com/office/powerpoint/2010/main" val="4097941839"/>
+        <p14:creationId xmlns:p14="http://schemas.microsoft.com/office/powerpoint/2010/main" val="1587110190"/>
       </p:ext>
     </p:extLst>
   </p:cSld>
@@ -5007,13 +5151,20 @@
         <p:spPr/>
         <p:txBody>
           <a:bodyPr>
-            <a:normAutofit/>
+            <a:normAutofit fontScale="90000"/>
           </a:bodyPr>
           <a:lstStyle/>
           <a:p>
             <a:r>
               <a:rPr lang="fr-FR" dirty="0"/>
-              <a:t>Notion d’événement</a:t>
+              <a:t>1. Bases de la programmation avec Scratch </a:t>
+            </a:r>
+            <a:br>
+              <a:rPr lang="fr-FR" dirty="0"/>
+            </a:br>
+            <a:r>
+              <a:rPr lang="fr-FR" dirty="0"/>
+              <a:t>Notion de variable</a:t>
             </a:r>
           </a:p>
         </p:txBody>
@@ -5073,25 +5224,85 @@
             <p:ph sz="quarter" idx="1"/>
           </p:nvPr>
         </p:nvSpPr>
-        <p:spPr/>
+        <p:spPr>
+          <a:xfrm>
+            <a:off x="251520" y="980728"/>
+            <a:ext cx="8640960" cy="5328592"/>
+          </a:xfrm>
+        </p:spPr>
         <p:txBody>
           <a:bodyPr/>
           <a:lstStyle/>
           <a:p>
             <a:r>
               <a:rPr lang="fr-FR" dirty="0"/>
-              <a:t>Arrêter la simulation à la fin de l’essai pour une valeur donnée.</a:t>
+              <a:t>Le programme suivant permet-il de manger les pommes tout en mettant le score à jour ?</a:t>
             </a:r>
           </a:p>
           <a:p>
             <a:endParaRPr lang="fr-FR" dirty="0"/>
+          </a:p>
+          <a:p>
+            <a:endParaRPr lang="fr-FR" dirty="0"/>
+          </a:p>
+          <a:p>
+            <a:endParaRPr lang="fr-FR" dirty="0"/>
+          </a:p>
+          <a:p>
+            <a:endParaRPr lang="fr-FR" dirty="0"/>
+          </a:p>
+          <a:p>
+            <a:endParaRPr lang="fr-FR" dirty="0"/>
+          </a:p>
+          <a:p>
+            <a:endParaRPr lang="fr-FR" dirty="0"/>
+          </a:p>
+          <a:p>
+            <a:r>
+              <a:rPr lang="fr-FR" dirty="0">
+                <a:solidFill>
+                  <a:srgbClr val="FF0000"/>
+                </a:solidFill>
+              </a:rPr>
+              <a:t>Solution : le score est bien mis à jour MAIS les pommes 2 et 3 n’ont pas disparu.</a:t>
+            </a:r>
           </a:p>
         </p:txBody>
       </p:sp>
+      <p:pic>
+        <p:nvPicPr>
+          <p:cNvPr id="7" name="Image 6">
+            <a:extLst>
+              <a:ext uri="{FF2B5EF4-FFF2-40B4-BE49-F238E27FC236}">
+                <a16:creationId xmlns:a16="http://schemas.microsoft.com/office/drawing/2014/main" id="{D44839DF-3A5A-4B9E-A112-FF65D7CD0C33}"/>
+              </a:ext>
+            </a:extLst>
+          </p:cNvPr>
+          <p:cNvPicPr>
+            <a:picLocks noChangeAspect="1"/>
+          </p:cNvPicPr>
+          <p:nvPr/>
+        </p:nvPicPr>
+        <p:blipFill>
+          <a:blip r:embed="rId2"/>
+          <a:stretch>
+            <a:fillRect/>
+          </a:stretch>
+        </p:blipFill>
+        <p:spPr>
+          <a:xfrm>
+            <a:off x="251520" y="1916831"/>
+            <a:ext cx="8640960" cy="2342155"/>
+          </a:xfrm>
+          <a:prstGeom prst="rect">
+            <a:avLst/>
+          </a:prstGeom>
+        </p:spPr>
+      </p:pic>
     </p:spTree>
     <p:extLst>
       <p:ext uri="{BB962C8B-B14F-4D97-AF65-F5344CB8AC3E}">
-        <p14:creationId xmlns:p14="http://schemas.microsoft.com/office/powerpoint/2010/main" val="2250224819"/>
+        <p14:creationId xmlns:p14="http://schemas.microsoft.com/office/powerpoint/2010/main" val="4097941839"/>
       </p:ext>
     </p:extLst>
   </p:cSld>
@@ -5131,13 +5342,20 @@
         <p:spPr/>
         <p:txBody>
           <a:bodyPr>
-            <a:normAutofit/>
+            <a:normAutofit fontScale="90000"/>
           </a:bodyPr>
           <a:lstStyle/>
           <a:p>
             <a:r>
               <a:rPr lang="fr-FR" dirty="0"/>
-              <a:t>Séquence d’instruction</a:t>
+              <a:t>1. Bases de la programmation avec Scratch </a:t>
+            </a:r>
+            <a:br>
+              <a:rPr lang="fr-FR" dirty="0"/>
+            </a:br>
+            <a:r>
+              <a:rPr lang="fr-FR" dirty="0"/>
+              <a:t>Notion de variable</a:t>
             </a:r>
           </a:p>
         </p:txBody>
@@ -5202,14 +5420,117 @@
           <a:bodyPr/>
           <a:lstStyle/>
           <a:p>
+            <a:r>
+              <a:rPr lang="fr-FR" dirty="0"/>
+              <a:t>Quel sera le score après l’exécution du code suivant</a:t>
+            </a:r>
+          </a:p>
+          <a:p>
+            <a:endParaRPr lang="fr-FR" dirty="0"/>
+          </a:p>
+          <a:p>
+            <a:endParaRPr lang="fr-FR" dirty="0"/>
+          </a:p>
+          <a:p>
+            <a:endParaRPr lang="fr-FR" dirty="0"/>
+          </a:p>
+          <a:p>
+            <a:endParaRPr lang="fr-FR" dirty="0"/>
+          </a:p>
+          <a:p>
+            <a:endParaRPr lang="fr-FR" dirty="0"/>
+          </a:p>
+          <a:p>
+            <a:endParaRPr lang="fr-FR" dirty="0"/>
+          </a:p>
+          <a:p>
+            <a:endParaRPr lang="fr-FR" dirty="0"/>
+          </a:p>
+          <a:p>
+            <a:endParaRPr lang="fr-FR" dirty="0"/>
+          </a:p>
+          <a:p>
+            <a:endParaRPr lang="fr-FR" dirty="0"/>
+          </a:p>
+          <a:p>
+            <a:r>
+              <a:rPr lang="fr-FR" dirty="0">
+                <a:solidFill>
+                  <a:srgbClr val="FF0000"/>
+                </a:solidFill>
+              </a:rPr>
+              <a:t>Solution : 2</a:t>
+            </a:r>
+          </a:p>
+          <a:p>
             <a:endParaRPr lang="fr-FR" dirty="0"/>
           </a:p>
         </p:txBody>
       </p:sp>
+      <p:pic>
+        <p:nvPicPr>
+          <p:cNvPr id="6" name="Image 5">
+            <a:extLst>
+              <a:ext uri="{FF2B5EF4-FFF2-40B4-BE49-F238E27FC236}">
+                <a16:creationId xmlns:a16="http://schemas.microsoft.com/office/drawing/2014/main" id="{97998113-6F67-4122-8C7C-3494D318CB06}"/>
+              </a:ext>
+            </a:extLst>
+          </p:cNvPr>
+          <p:cNvPicPr>
+            <a:picLocks noChangeAspect="1"/>
+          </p:cNvPicPr>
+          <p:nvPr/>
+        </p:nvPicPr>
+        <p:blipFill>
+          <a:blip r:embed="rId2"/>
+          <a:stretch>
+            <a:fillRect/>
+          </a:stretch>
+        </p:blipFill>
+        <p:spPr>
+          <a:xfrm>
+            <a:off x="454518" y="1556792"/>
+            <a:ext cx="4438650" cy="3962400"/>
+          </a:xfrm>
+          <a:prstGeom prst="rect">
+            <a:avLst/>
+          </a:prstGeom>
+        </p:spPr>
+      </p:pic>
+      <p:pic>
+        <p:nvPicPr>
+          <p:cNvPr id="7" name="Image 6">
+            <a:extLst>
+              <a:ext uri="{FF2B5EF4-FFF2-40B4-BE49-F238E27FC236}">
+                <a16:creationId xmlns:a16="http://schemas.microsoft.com/office/drawing/2014/main" id="{79296190-7E7C-4BF5-89E2-B767E1861F21}"/>
+              </a:ext>
+            </a:extLst>
+          </p:cNvPr>
+          <p:cNvPicPr>
+            <a:picLocks noChangeAspect="1"/>
+          </p:cNvPicPr>
+          <p:nvPr/>
+        </p:nvPicPr>
+        <p:blipFill>
+          <a:blip r:embed="rId3"/>
+          <a:stretch>
+            <a:fillRect/>
+          </a:stretch>
+        </p:blipFill>
+        <p:spPr>
+          <a:xfrm>
+            <a:off x="5106601" y="2061828"/>
+            <a:ext cx="3730707" cy="2952328"/>
+          </a:xfrm>
+          <a:prstGeom prst="rect">
+            <a:avLst/>
+          </a:prstGeom>
+        </p:spPr>
+      </p:pic>
     </p:spTree>
     <p:extLst>
       <p:ext uri="{BB962C8B-B14F-4D97-AF65-F5344CB8AC3E}">
-        <p14:creationId xmlns:p14="http://schemas.microsoft.com/office/powerpoint/2010/main" val="1325778931"/>
+        <p14:creationId xmlns:p14="http://schemas.microsoft.com/office/powerpoint/2010/main" val="2250224819"/>
       </p:ext>
     </p:extLst>
   </p:cSld>
@@ -5249,13 +5570,20 @@
         <p:spPr/>
         <p:txBody>
           <a:bodyPr>
-            <a:normAutofit/>
+            <a:normAutofit fontScale="90000"/>
           </a:bodyPr>
           <a:lstStyle/>
           <a:p>
             <a:r>
               <a:rPr lang="fr-FR" dirty="0"/>
-              <a:t>Boucles</a:t>
+              <a:t>2. Gérer des périphériques avec Scratch</a:t>
+            </a:r>
+            <a:br>
+              <a:rPr lang="fr-FR" dirty="0"/>
+            </a:br>
+            <a:r>
+              <a:rPr lang="fr-FR" dirty="0"/>
+              <a:t>Gestion du clavier</a:t>
             </a:r>
           </a:p>
         </p:txBody>
@@ -5315,19 +5643,120 @@
             <p:ph sz="quarter" idx="1"/>
           </p:nvPr>
         </p:nvSpPr>
-        <p:spPr/>
+        <p:spPr>
+          <a:xfrm>
+            <a:off x="251520" y="980728"/>
+            <a:ext cx="5400600" cy="5400600"/>
+          </a:xfrm>
+        </p:spPr>
         <p:txBody>
           <a:bodyPr/>
           <a:lstStyle/>
           <a:p>
+            <a:r>
+              <a:rPr lang="fr-FR" dirty="0"/>
+              <a:t>Le script associé au lutin est le suivant. </a:t>
+            </a:r>
+          </a:p>
+          <a:p>
+            <a:r>
+              <a:rPr lang="fr-FR" dirty="0"/>
+              <a:t>Quel est le but de script ?</a:t>
+            </a:r>
+          </a:p>
+          <a:p>
             <a:endParaRPr lang="fr-FR" dirty="0"/>
+          </a:p>
+          <a:p>
+            <a:r>
+              <a:rPr lang="fr-FR" dirty="0">
+                <a:solidFill>
+                  <a:srgbClr val="FF0000"/>
+                </a:solidFill>
+              </a:rPr>
+              <a:t>QCM</a:t>
+            </a:r>
+          </a:p>
+          <a:p>
+            <a:pPr lvl="1"/>
+            <a:r>
+              <a:rPr lang="fr-FR" b="1" dirty="0">
+                <a:solidFill>
+                  <a:srgbClr val="FF0000"/>
+                </a:solidFill>
+              </a:rPr>
+              <a:t>Déplacer le lutin avec le pavé numérique</a:t>
+            </a:r>
+          </a:p>
+          <a:p>
+            <a:pPr lvl="1"/>
+            <a:r>
+              <a:rPr lang="fr-FR" dirty="0">
+                <a:solidFill>
+                  <a:srgbClr val="FF0000"/>
+                </a:solidFill>
+              </a:rPr>
+              <a:t>Déplacer aléatoirement le lutin dans toutes les directions</a:t>
+            </a:r>
+          </a:p>
+          <a:p>
+            <a:pPr lvl="1"/>
+            <a:r>
+              <a:rPr lang="fr-FR" dirty="0">
+                <a:solidFill>
+                  <a:srgbClr val="FF0000"/>
+                </a:solidFill>
+              </a:rPr>
+              <a:t>Déplacer le lutin avec la souris</a:t>
+            </a:r>
+          </a:p>
+          <a:p>
+            <a:pPr lvl="1"/>
+            <a:r>
+              <a:rPr lang="fr-FR" dirty="0">
+                <a:solidFill>
+                  <a:srgbClr val="FF0000"/>
+                </a:solidFill>
+              </a:rPr>
+              <a:t>Ce script ne marche pas, le lutin ne se déplace pas. </a:t>
+            </a:r>
           </a:p>
         </p:txBody>
       </p:sp>
+      <p:pic>
+        <p:nvPicPr>
+          <p:cNvPr id="6" name="Image 5">
+            <a:extLst>
+              <a:ext uri="{FF2B5EF4-FFF2-40B4-BE49-F238E27FC236}">
+                <a16:creationId xmlns:a16="http://schemas.microsoft.com/office/drawing/2014/main" id="{3DA1429C-F38B-47FC-9516-BF723844CE69}"/>
+              </a:ext>
+            </a:extLst>
+          </p:cNvPr>
+          <p:cNvPicPr>
+            <a:picLocks noChangeAspect="1"/>
+          </p:cNvPicPr>
+          <p:nvPr/>
+        </p:nvPicPr>
+        <p:blipFill>
+          <a:blip r:embed="rId2"/>
+          <a:stretch>
+            <a:fillRect/>
+          </a:stretch>
+        </p:blipFill>
+        <p:spPr>
+          <a:xfrm>
+            <a:off x="5992159" y="975008"/>
+            <a:ext cx="2900322" cy="5400600"/>
+          </a:xfrm>
+          <a:prstGeom prst="rect">
+            <a:avLst/>
+          </a:prstGeom>
+        </p:spPr>
+      </p:pic>
     </p:spTree>
     <p:extLst>
       <p:ext uri="{BB962C8B-B14F-4D97-AF65-F5344CB8AC3E}">
-        <p14:creationId xmlns:p14="http://schemas.microsoft.com/office/powerpoint/2010/main" val="888481918"/>
+        <p14:creationId xmlns:p14="http://schemas.microsoft.com/office/powerpoint/2010/main" val="1325778931"/>
       </p:ext>
     </p:extLst>
   </p:cSld>
@@ -5367,13 +5796,20 @@
         <p:spPr/>
         <p:txBody>
           <a:bodyPr>
-            <a:normAutofit/>
+            <a:normAutofit fontScale="90000"/>
           </a:bodyPr>
           <a:lstStyle/>
           <a:p>
             <a:r>
               <a:rPr lang="fr-FR" dirty="0"/>
-              <a:t>Instructions conditionnelles</a:t>
+              <a:t>2. Gérer des périphériques avec Scratch</a:t>
+            </a:r>
+            <a:br>
+              <a:rPr lang="fr-FR" dirty="0"/>
+            </a:br>
+            <a:r>
+              <a:rPr lang="fr-FR" dirty="0"/>
+              <a:t>Gestion du clavier</a:t>
             </a:r>
           </a:p>
         </p:txBody>
@@ -5440,15 +5876,38 @@
           <a:p>
             <a:r>
               <a:rPr lang="fr-FR" dirty="0"/>
-              <a:t>Comment délimiter la zone élastique de la zone plastique ?</a:t>
+              <a:t>Comment faire disparaitre le lutin « pomme » pour que celui-ci disparaisse lorsqu’il est touché et que la touche espace est appuyée ?</a:t>
             </a:r>
+          </a:p>
+          <a:p>
+            <a:r>
+              <a:rPr lang="fr-FR" dirty="0"/>
+              <a:t>La détection doit commencée dés que le message GO est reçu. </a:t>
+            </a:r>
+          </a:p>
+          <a:p>
+            <a:r>
+              <a:rPr lang="fr-FR" dirty="0"/>
+              <a:t>Il s’agit de réaliser les instructions du lutin « Pomme ». </a:t>
+            </a:r>
+            <a:r>
+              <a:rPr lang="fr-FR"/>
+              <a:t>Les </a:t>
+            </a:r>
+            <a:r>
+              <a:rPr lang="fr-FR" dirty="0"/>
+              <a:t>Blocs disponibles : « Quand je reçois Go », répéter indéfiniment, Si… alors, </a:t>
+            </a:r>
+          </a:p>
+          <a:p>
+            <a:endParaRPr lang="fr-FR" dirty="0"/>
           </a:p>
         </p:txBody>
       </p:sp>
     </p:spTree>
     <p:extLst>
       <p:ext uri="{BB962C8B-B14F-4D97-AF65-F5344CB8AC3E}">
-        <p14:creationId xmlns:p14="http://schemas.microsoft.com/office/powerpoint/2010/main" val="3007939428"/>
+        <p14:creationId xmlns:p14="http://schemas.microsoft.com/office/powerpoint/2010/main" val="888481918"/>
       </p:ext>
     </p:extLst>
   </p:cSld>
@@ -5487,12 +5946,14 @@
         </p:nvSpPr>
         <p:spPr/>
         <p:txBody>
-          <a:bodyPr/>
+          <a:bodyPr>
+            <a:normAutofit/>
+          </a:bodyPr>
           <a:lstStyle/>
           <a:p>
             <a:r>
               <a:rPr lang="fr-FR" dirty="0"/>
-              <a:t>Systèmes embarqués</a:t>
+              <a:t>Instructions conditionnelles</a:t>
             </a:r>
           </a:p>
         </p:txBody>
@@ -5557,14 +6018,17 @@
           <a:bodyPr/>
           <a:lstStyle/>
           <a:p>
-            <a:endParaRPr lang="fr-FR"/>
+            <a:r>
+              <a:rPr lang="fr-FR" dirty="0"/>
+              <a:t>Comment délimiter la zone élastique de la zone plastique ?</a:t>
+            </a:r>
           </a:p>
         </p:txBody>
       </p:sp>
     </p:spTree>
     <p:extLst>
       <p:ext uri="{BB962C8B-B14F-4D97-AF65-F5344CB8AC3E}">
-        <p14:creationId xmlns:p14="http://schemas.microsoft.com/office/powerpoint/2010/main" val="387407079"/>
+        <p14:creationId xmlns:p14="http://schemas.microsoft.com/office/powerpoint/2010/main" val="3007939428"/>
       </p:ext>
     </p:extLst>
   </p:cSld>
@@ -5603,14 +6067,12 @@
         </p:nvSpPr>
         <p:spPr/>
         <p:txBody>
-          <a:bodyPr>
-            <a:normAutofit/>
-          </a:bodyPr>
+          <a:bodyPr/>
           <a:lstStyle/>
           <a:p>
             <a:r>
               <a:rPr lang="fr-FR" dirty="0"/>
-              <a:t>Forme et traitement du signal</a:t>
+              <a:t>Systèmes embarqués</a:t>
             </a:r>
           </a:p>
         </p:txBody>
@@ -5675,14 +6137,14 @@
           <a:bodyPr/>
           <a:lstStyle/>
           <a:p>
-            <a:endParaRPr lang="fr-FR" dirty="0"/>
+            <a:endParaRPr lang="fr-FR"/>
           </a:p>
         </p:txBody>
       </p:sp>
     </p:spTree>
     <p:extLst>
       <p:ext uri="{BB962C8B-B14F-4D97-AF65-F5344CB8AC3E}">
-        <p14:creationId xmlns:p14="http://schemas.microsoft.com/office/powerpoint/2010/main" val="1852829141"/>
+        <p14:creationId xmlns:p14="http://schemas.microsoft.com/office/powerpoint/2010/main" val="387407079"/>
       </p:ext>
     </p:extLst>
   </p:cSld>
@@ -5728,7 +6190,7 @@
           <a:p>
             <a:r>
               <a:rPr lang="fr-FR" dirty="0"/>
-              <a:t>Capteur, actionneur, interface </a:t>
+              <a:t>Forme et traitement du signal</a:t>
             </a:r>
           </a:p>
         </p:txBody>
@@ -5800,7 +6262,7 @@
     </p:spTree>
     <p:extLst>
       <p:ext uri="{BB962C8B-B14F-4D97-AF65-F5344CB8AC3E}">
-        <p14:creationId xmlns:p14="http://schemas.microsoft.com/office/powerpoint/2010/main" val="3539831573"/>
+        <p14:creationId xmlns:p14="http://schemas.microsoft.com/office/powerpoint/2010/main" val="1852829141"/>
       </p:ext>
     </p:extLst>
   </p:cSld>
@@ -5846,7 +6308,7 @@
           <a:p>
             <a:r>
               <a:rPr lang="fr-FR" dirty="0"/>
-              <a:t>Décomposer un problème en sous problèmes</a:t>
+              <a:t>Capteur, actionneur, interface </a:t>
             </a:r>
           </a:p>
         </p:txBody>
@@ -5918,7 +6380,7 @@
     </p:spTree>
     <p:extLst>
       <p:ext uri="{BB962C8B-B14F-4D97-AF65-F5344CB8AC3E}">
-        <p14:creationId xmlns:p14="http://schemas.microsoft.com/office/powerpoint/2010/main" val="3346476942"/>
+        <p14:creationId xmlns:p14="http://schemas.microsoft.com/office/powerpoint/2010/main" val="3539831573"/>
       </p:ext>
     </p:extLst>
   </p:cSld>
@@ -5958,13 +6420,13 @@
         <p:spPr/>
         <p:txBody>
           <a:bodyPr>
-            <a:normAutofit fontScale="90000"/>
+            <a:normAutofit/>
           </a:bodyPr>
           <a:lstStyle/>
           <a:p>
             <a:r>
               <a:rPr lang="fr-FR" dirty="0"/>
-              <a:t>Écrire, mettre au point et exécuter un programme pour répondre à un problème donné</a:t>
+              <a:t>Décomposer un problème en sous problèmes</a:t>
             </a:r>
           </a:p>
         </p:txBody>
@@ -6036,7 +6498,7 @@
     </p:spTree>
     <p:extLst>
       <p:ext uri="{BB962C8B-B14F-4D97-AF65-F5344CB8AC3E}">
-        <p14:creationId xmlns:p14="http://schemas.microsoft.com/office/powerpoint/2010/main" val="3244722732"/>
+        <p14:creationId xmlns:p14="http://schemas.microsoft.com/office/powerpoint/2010/main" val="3346476942"/>
       </p:ext>
     </p:extLst>
   </p:cSld>
@@ -6206,7 +6668,7 @@
           <a:p>
             <a:r>
               <a:rPr lang="fr-FR" dirty="0"/>
-              <a:t>Écrire un programme dans lequel les actions sont déclenchées par des événements extérieurs</a:t>
+              <a:t>Écrire, mettre au point et exécuter un programme pour répondre à un problème donné</a:t>
             </a:r>
           </a:p>
         </p:txBody>
@@ -6271,14 +6733,14 @@
           <a:bodyPr/>
           <a:lstStyle/>
           <a:p>
-            <a:endParaRPr lang="fr-FR"/>
+            <a:endParaRPr lang="fr-FR" dirty="0"/>
           </a:p>
         </p:txBody>
       </p:sp>
     </p:spTree>
     <p:extLst>
       <p:ext uri="{BB962C8B-B14F-4D97-AF65-F5344CB8AC3E}">
-        <p14:creationId xmlns:p14="http://schemas.microsoft.com/office/powerpoint/2010/main" val="1115609818"/>
+        <p14:creationId xmlns:p14="http://schemas.microsoft.com/office/powerpoint/2010/main" val="3244722732"/>
       </p:ext>
     </p:extLst>
   </p:cSld>
@@ -6324,7 +6786,7 @@
           <a:p>
             <a:r>
               <a:rPr lang="fr-FR" dirty="0"/>
-              <a:t>Programmer des scripts se déroulant en parallèle</a:t>
+              <a:t>Écrire un programme dans lequel les actions sont déclenchées par des événements extérieurs</a:t>
             </a:r>
           </a:p>
         </p:txBody>
@@ -6396,7 +6858,7 @@
     </p:spTree>
     <p:extLst>
       <p:ext uri="{BB962C8B-B14F-4D97-AF65-F5344CB8AC3E}">
-        <p14:creationId xmlns:p14="http://schemas.microsoft.com/office/powerpoint/2010/main" val="2618725795"/>
+        <p14:creationId xmlns:p14="http://schemas.microsoft.com/office/powerpoint/2010/main" val="1115609818"/>
       </p:ext>
     </p:extLst>
   </p:cSld>
@@ -6436,13 +6898,13 @@
         <p:spPr/>
         <p:txBody>
           <a:bodyPr>
-            <a:noAutofit/>
+            <a:normAutofit fontScale="90000"/>
           </a:bodyPr>
           <a:lstStyle/>
           <a:p>
             <a:r>
-              <a:rPr lang="fr-FR" sz="2800" dirty="0"/>
-              <a:t>Composants d’un réseau, architecture d’un réseau local, moyens de connexion d’un moyen informatique</a:t>
+              <a:rPr lang="fr-FR" dirty="0"/>
+              <a:t>Programmer des scripts se déroulant en parallèle</a:t>
             </a:r>
           </a:p>
         </p:txBody>
@@ -6514,7 +6976,7 @@
     </p:spTree>
     <p:extLst>
       <p:ext uri="{BB962C8B-B14F-4D97-AF65-F5344CB8AC3E}">
-        <p14:creationId xmlns:p14="http://schemas.microsoft.com/office/powerpoint/2010/main" val="314138527"/>
+        <p14:creationId xmlns:p14="http://schemas.microsoft.com/office/powerpoint/2010/main" val="2618725795"/>
       </p:ext>
     </p:extLst>
   </p:cSld>
@@ -6554,13 +7016,13 @@
         <p:spPr/>
         <p:txBody>
           <a:bodyPr>
-            <a:normAutofit fontScale="90000"/>
+            <a:noAutofit/>
           </a:bodyPr>
           <a:lstStyle/>
           <a:p>
             <a:r>
-              <a:rPr lang="fr-FR" dirty="0"/>
-              <a:t>Notion de protocole, d’organisation de protocoles en couche, d’algorithme de routage</a:t>
+              <a:rPr lang="fr-FR" sz="2800" dirty="0"/>
+              <a:t>Composants d’un réseau, architecture d’un réseau local, moyens de connexion d’un moyen informatique</a:t>
             </a:r>
           </a:p>
         </p:txBody>
@@ -6632,7 +7094,7 @@
     </p:spTree>
     <p:extLst>
       <p:ext uri="{BB962C8B-B14F-4D97-AF65-F5344CB8AC3E}">
-        <p14:creationId xmlns:p14="http://schemas.microsoft.com/office/powerpoint/2010/main" val="2872177264"/>
+        <p14:creationId xmlns:p14="http://schemas.microsoft.com/office/powerpoint/2010/main" val="314138527"/>
       </p:ext>
     </p:extLst>
   </p:cSld>
@@ -6672,15 +7134,14 @@
         <p:spPr/>
         <p:txBody>
           <a:bodyPr>
-            <a:normAutofit/>
+            <a:normAutofit fontScale="90000"/>
           </a:bodyPr>
           <a:lstStyle/>
           <a:p>
             <a:r>
-              <a:rPr lang="fr-FR"/>
-              <a:t>Internet</a:t>
+              <a:rPr lang="fr-FR" dirty="0"/>
+              <a:t>Notion de protocole, d’organisation de protocoles en couche, d’algorithme de routage</a:t>
             </a:r>
-            <a:endParaRPr lang="fr-FR" dirty="0"/>
           </a:p>
         </p:txBody>
       </p:sp>
@@ -6751,7 +7212,7 @@
     </p:spTree>
     <p:extLst>
       <p:ext uri="{BB962C8B-B14F-4D97-AF65-F5344CB8AC3E}">
-        <p14:creationId xmlns:p14="http://schemas.microsoft.com/office/powerpoint/2010/main" val="2551425432"/>
+        <p14:creationId xmlns:p14="http://schemas.microsoft.com/office/powerpoint/2010/main" val="2872177264"/>
       </p:ext>
     </p:extLst>
   </p:cSld>
@@ -6790,13 +7251,16 @@
         </p:nvSpPr>
         <p:spPr/>
         <p:txBody>
-          <a:bodyPr/>
+          <a:bodyPr>
+            <a:normAutofit/>
+          </a:bodyPr>
           <a:lstStyle/>
           <a:p>
             <a:r>
-              <a:rPr lang="fr-FR" dirty="0"/>
-              <a:t>Définitions</a:t>
+              <a:rPr lang="fr-FR"/>
+              <a:t>Internet</a:t>
             </a:r>
+            <a:endParaRPr lang="fr-FR" dirty="0"/>
           </a:p>
         </p:txBody>
       </p:sp>
@@ -6840,6 +7304,122 @@
             <a:fld id="{69AC6D6E-35D0-489D-B18A-03530B324155}" type="slidenum">
               <a:rPr lang="fr-FR" smtClean="0"/>
               <a:t>25</a:t>
+            </a:fld>
+            <a:endParaRPr lang="fr-FR"/>
+          </a:p>
+        </p:txBody>
+      </p:sp>
+      <p:sp>
+        <p:nvSpPr>
+          <p:cNvPr id="5" name="Espace réservé du contenu 4"/>
+          <p:cNvSpPr>
+            <a:spLocks noGrp="1"/>
+          </p:cNvSpPr>
+          <p:nvPr>
+            <p:ph sz="quarter" idx="1"/>
+          </p:nvPr>
+        </p:nvSpPr>
+        <p:spPr/>
+        <p:txBody>
+          <a:bodyPr/>
+          <a:lstStyle/>
+          <a:p>
+            <a:endParaRPr lang="fr-FR"/>
+          </a:p>
+        </p:txBody>
+      </p:sp>
+    </p:spTree>
+    <p:extLst>
+      <p:ext uri="{BB962C8B-B14F-4D97-AF65-F5344CB8AC3E}">
+        <p14:creationId xmlns:p14="http://schemas.microsoft.com/office/powerpoint/2010/main" val="2551425432"/>
+      </p:ext>
+    </p:extLst>
+  </p:cSld>
+  <p:clrMapOvr>
+    <a:masterClrMapping/>
+  </p:clrMapOvr>
+</p:sld>
+</file>
+
+<file path=ppt/slides/slide26.xml><?xml version="1.0" encoding="utf-8"?>
+<p:sld xmlns:a="http://schemas.openxmlformats.org/drawingml/2006/main" xmlns:r="http://schemas.openxmlformats.org/officeDocument/2006/relationships" xmlns:p="http://schemas.openxmlformats.org/presentationml/2006/main">
+  <p:cSld>
+    <p:spTree>
+      <p:nvGrpSpPr>
+        <p:cNvPr id="1" name=""/>
+        <p:cNvGrpSpPr/>
+        <p:nvPr/>
+      </p:nvGrpSpPr>
+      <p:grpSpPr>
+        <a:xfrm>
+          <a:off x="0" y="0"/>
+          <a:ext cx="0" cy="0"/>
+          <a:chOff x="0" y="0"/>
+          <a:chExt cx="0" cy="0"/>
+        </a:xfrm>
+      </p:grpSpPr>
+      <p:sp>
+        <p:nvSpPr>
+          <p:cNvPr id="2" name="Titre 1"/>
+          <p:cNvSpPr>
+            <a:spLocks noGrp="1"/>
+          </p:cNvSpPr>
+          <p:nvPr>
+            <p:ph type="title"/>
+          </p:nvPr>
+        </p:nvSpPr>
+        <p:spPr/>
+        <p:txBody>
+          <a:bodyPr/>
+          <a:lstStyle/>
+          <a:p>
+            <a:r>
+              <a:rPr lang="fr-FR" dirty="0"/>
+              <a:t>Définitions</a:t>
+            </a:r>
+          </a:p>
+        </p:txBody>
+      </p:sp>
+      <p:sp>
+        <p:nvSpPr>
+          <p:cNvPr id="3" name="Espace réservé du pied de page 2"/>
+          <p:cNvSpPr>
+            <a:spLocks noGrp="1"/>
+          </p:cNvSpPr>
+          <p:nvPr>
+            <p:ph type="ftr" sz="quarter" idx="11"/>
+          </p:nvPr>
+        </p:nvSpPr>
+        <p:spPr/>
+        <p:txBody>
+          <a:bodyPr/>
+          <a:lstStyle/>
+          <a:p>
+            <a:r>
+              <a:rPr lang="fr-FR"/>
+              <a:t>David Violeau – Xavier Pessoles</a:t>
+            </a:r>
+          </a:p>
+        </p:txBody>
+      </p:sp>
+      <p:sp>
+        <p:nvSpPr>
+          <p:cNvPr id="4" name="Espace réservé du numéro de diapositive 3"/>
+          <p:cNvSpPr>
+            <a:spLocks noGrp="1"/>
+          </p:cNvSpPr>
+          <p:nvPr>
+            <p:ph type="sldNum" sz="quarter" idx="12"/>
+          </p:nvPr>
+        </p:nvSpPr>
+        <p:spPr/>
+        <p:txBody>
+          <a:bodyPr/>
+          <a:lstStyle/>
+          <a:p>
+            <a:fld id="{69AC6D6E-35D0-489D-B18A-03530B324155}" type="slidenum">
+              <a:rPr lang="fr-FR" smtClean="0"/>
+              <a:t>26</a:t>
             </a:fld>
             <a:endParaRPr lang="fr-FR"/>
           </a:p>
@@ -7029,9 +7609,18 @@
         </p:nvSpPr>
         <p:spPr/>
         <p:txBody>
-          <a:bodyPr/>
+          <a:bodyPr>
+            <a:normAutofit fontScale="90000"/>
+          </a:bodyPr>
           <a:lstStyle/>
           <a:p>
+            <a:r>
+              <a:rPr lang="fr-FR" dirty="0"/>
+              <a:t>1. Bases de la programmation avec Scratch</a:t>
+            </a:r>
+            <a:br>
+              <a:rPr lang="fr-FR" dirty="0"/>
+            </a:br>
             <a:r>
               <a:rPr lang="fr-FR" dirty="0"/>
               <a:t>Séquences d’instruction</a:t>
@@ -8552,12 +9141,14 @@
         </p:nvSpPr>
         <p:spPr/>
         <p:txBody>
-          <a:bodyPr/>
+          <a:bodyPr>
+            <a:normAutofit fontScale="90000"/>
+          </a:bodyPr>
           <a:lstStyle/>
           <a:p>
             <a:r>
               <a:rPr lang="fr-FR" dirty="0"/>
-              <a:t>Séquences d’instruction</a:t>
+              <a:t>1. Bases de la programmation avec Scratch Séquences d’instruction</a:t>
             </a:r>
           </a:p>
         </p:txBody>
@@ -12844,9 +13435,18 @@
         </p:nvSpPr>
         <p:spPr/>
         <p:txBody>
-          <a:bodyPr/>
+          <a:bodyPr>
+            <a:normAutofit fontScale="90000"/>
+          </a:bodyPr>
           <a:lstStyle/>
           <a:p>
+            <a:r>
+              <a:rPr lang="fr-FR" dirty="0"/>
+              <a:t>1. Bases de la programmation avec Scratch </a:t>
+            </a:r>
+            <a:br>
+              <a:rPr lang="fr-FR" dirty="0"/>
+            </a:br>
             <a:r>
               <a:rPr lang="fr-FR" dirty="0"/>
               <a:t>Boucles</a:t>
@@ -16154,9 +16754,18 @@
         </p:nvSpPr>
         <p:spPr/>
         <p:txBody>
-          <a:bodyPr/>
+          <a:bodyPr>
+            <a:normAutofit fontScale="90000"/>
+          </a:bodyPr>
           <a:lstStyle/>
           <a:p>
+            <a:r>
+              <a:rPr lang="fr-FR" dirty="0"/>
+              <a:t>1. Bases de la programmation avec Scratch </a:t>
+            </a:r>
+            <a:br>
+              <a:rPr lang="fr-FR" dirty="0"/>
+            </a:br>
             <a:r>
               <a:rPr lang="fr-FR" dirty="0"/>
               <a:t>Boucles « Pour » et fonctions (procédures…)</a:t>
@@ -20256,9 +20865,18 @@
         </p:nvSpPr>
         <p:spPr/>
         <p:txBody>
-          <a:bodyPr/>
+          <a:bodyPr>
+            <a:normAutofit fontScale="90000"/>
+          </a:bodyPr>
           <a:lstStyle/>
           <a:p>
+            <a:r>
+              <a:rPr lang="fr-FR" dirty="0"/>
+              <a:t>1. Bases de la programmation avec Scratch </a:t>
+            </a:r>
+            <a:br>
+              <a:rPr lang="fr-FR" dirty="0"/>
+            </a:br>
             <a:r>
               <a:rPr lang="fr-FR" dirty="0"/>
               <a:t>Boucles « répéter jusqu’à… » et fonctions</a:t>
@@ -24505,9 +25123,18 @@
         </p:nvSpPr>
         <p:spPr/>
         <p:txBody>
-          <a:bodyPr/>
+          <a:bodyPr>
+            <a:normAutofit fontScale="90000"/>
+          </a:bodyPr>
           <a:lstStyle/>
           <a:p>
+            <a:r>
+              <a:rPr lang="fr-FR" dirty="0"/>
+              <a:t>1. Bases de la programmation avec Scratch </a:t>
+            </a:r>
+            <a:br>
+              <a:rPr lang="fr-FR" dirty="0"/>
+            </a:br>
             <a:r>
               <a:rPr lang="fr-FR" dirty="0"/>
               <a:t>Boucles « répéter jusqu’à… » et fonctions</a:t>
@@ -25747,7 +26374,13 @@
       </p:grpSpPr>
       <p:sp>
         <p:nvSpPr>
-          <p:cNvPr id="2" name="Titre 1"/>
+          <p:cNvPr id="2" name="Titre 1">
+            <a:extLst>
+              <a:ext uri="{FF2B5EF4-FFF2-40B4-BE49-F238E27FC236}">
+                <a16:creationId xmlns:a16="http://schemas.microsoft.com/office/drawing/2014/main" id="{A50E88D1-9F88-4DD9-B49F-E0B6DA92E401}"/>
+              </a:ext>
+            </a:extLst>
+          </p:cNvPr>
           <p:cNvSpPr>
             <a:spLocks noGrp="1"/>
           </p:cNvSpPr>
@@ -25757,19 +26390,34 @@
         </p:nvSpPr>
         <p:spPr/>
         <p:txBody>
-          <a:bodyPr/>
+          <a:bodyPr>
+            <a:normAutofit fontScale="90000"/>
+          </a:bodyPr>
           <a:lstStyle/>
           <a:p>
             <a:r>
               <a:rPr lang="fr-FR" dirty="0"/>
-              <a:t>Notions d’algorithmes et de programme</a:t>
+              <a:t>1. Bases de la programmation avec Scratch </a:t>
+            </a:r>
+            <a:br>
+              <a:rPr lang="fr-FR" dirty="0"/>
+            </a:br>
+            <a:r>
+              <a:rPr lang="fr-FR" dirty="0"/>
+              <a:t>Programmation évènementielle</a:t>
             </a:r>
           </a:p>
         </p:txBody>
       </p:sp>
       <p:sp>
         <p:nvSpPr>
-          <p:cNvPr id="3" name="Espace réservé du pied de page 2"/>
+          <p:cNvPr id="3" name="Espace réservé du pied de page 2">
+            <a:extLst>
+              <a:ext uri="{FF2B5EF4-FFF2-40B4-BE49-F238E27FC236}">
+                <a16:creationId xmlns:a16="http://schemas.microsoft.com/office/drawing/2014/main" id="{374C4879-A86D-4EED-816C-EBCBBEFE99DE}"/>
+              </a:ext>
+            </a:extLst>
+          </p:cNvPr>
           <p:cNvSpPr>
             <a:spLocks noGrp="1"/>
           </p:cNvSpPr>
@@ -25791,7 +26439,13 @@
       </p:sp>
       <p:sp>
         <p:nvSpPr>
-          <p:cNvPr id="4" name="Espace réservé du numéro de diapositive 3"/>
+          <p:cNvPr id="4" name="Espace réservé du numéro de diapositive 3">
+            <a:extLst>
+              <a:ext uri="{FF2B5EF4-FFF2-40B4-BE49-F238E27FC236}">
+                <a16:creationId xmlns:a16="http://schemas.microsoft.com/office/drawing/2014/main" id="{A638A11C-FC34-488C-84D2-D9C4BE342283}"/>
+              </a:ext>
+            </a:extLst>
+          </p:cNvPr>
           <p:cNvSpPr>
             <a:spLocks noGrp="1"/>
           </p:cNvSpPr>
@@ -25814,7 +26468,13 @@
       </p:sp>
       <p:sp>
         <p:nvSpPr>
-          <p:cNvPr id="5" name="Espace réservé du contenu 4"/>
+          <p:cNvPr id="5" name="Espace réservé du contenu 4">
+            <a:extLst>
+              <a:ext uri="{FF2B5EF4-FFF2-40B4-BE49-F238E27FC236}">
+                <a16:creationId xmlns:a16="http://schemas.microsoft.com/office/drawing/2014/main" id="{9BF805D8-C616-4736-9695-A9AC51FC4C31}"/>
+              </a:ext>
+            </a:extLst>
+          </p:cNvPr>
           <p:cNvSpPr>
             <a:spLocks noGrp="1"/>
           </p:cNvSpPr>
@@ -25829,28 +26489,842 @@
           <a:p>
             <a:r>
               <a:rPr lang="fr-FR" dirty="0"/>
-              <a:t>Comment simuler un essai de traction avec scratch ?</a:t>
+              <a:t>On souhaite qu’une pomme s’efface lorsqu’elle est mangée. </a:t>
             </a:r>
           </a:p>
           <a:p>
-            <a:pPr lvl="1"/>
             <a:r>
               <a:rPr lang="fr-FR" dirty="0"/>
-              <a:t>Modéliser la machine de traction : mors fixe, mors mobile éprouvette.</a:t>
+              <a:t>On donne les instructions liées à la pomme. </a:t>
             </a:r>
           </a:p>
           <a:p>
-            <a:pPr lvl="1"/>
             <a:r>
-              <a:rPr lang="fr-FR" dirty="0"/>
-              <a:t>Modéliser le déplacement du mors mobile.</a:t>
+              <a:rPr lang="fr-FR" dirty="0">
+                <a:solidFill>
+                  <a:srgbClr val="FF0000"/>
+                </a:solidFill>
+              </a:rPr>
+              <a:t>Parmi ces 3 blocs d’instructions, lequel correspond à une programmation évènementielle pour faire disparaître la pomme ?</a:t>
             </a:r>
           </a:p>
           <a:p>
-            <a:pPr lvl="1"/>
+            <a:endParaRPr lang="fr-FR" dirty="0"/>
+          </a:p>
+        </p:txBody>
+      </p:sp>
+      <p:pic>
+        <p:nvPicPr>
+          <p:cNvPr id="6" name="Image 5">
+            <a:extLst>
+              <a:ext uri="{FF2B5EF4-FFF2-40B4-BE49-F238E27FC236}">
+                <a16:creationId xmlns:a16="http://schemas.microsoft.com/office/drawing/2014/main" id="{D94F185B-CCE5-4782-8231-38E17005C9D3}"/>
+              </a:ext>
+            </a:extLst>
+          </p:cNvPr>
+          <p:cNvPicPr>
+            <a:picLocks noChangeAspect="1"/>
+          </p:cNvPicPr>
+          <p:nvPr/>
+        </p:nvPicPr>
+        <p:blipFill rotWithShape="1">
+          <a:blip r:embed="rId2"/>
+          <a:srcRect r="67441" b="48860"/>
+          <a:stretch/>
+        </p:blipFill>
+        <p:spPr>
+          <a:xfrm>
+            <a:off x="629347" y="3320794"/>
+            <a:ext cx="1504084" cy="959599"/>
+          </a:xfrm>
+          <a:prstGeom prst="rect">
+            <a:avLst/>
+          </a:prstGeom>
+        </p:spPr>
+      </p:pic>
+      <p:pic>
+        <p:nvPicPr>
+          <p:cNvPr id="8" name="Image 7">
+            <a:extLst>
+              <a:ext uri="{FF2B5EF4-FFF2-40B4-BE49-F238E27FC236}">
+                <a16:creationId xmlns:a16="http://schemas.microsoft.com/office/drawing/2014/main" id="{8C7975D4-9548-4DB8-BB05-D8A340D8E2FC}"/>
+              </a:ext>
+            </a:extLst>
+          </p:cNvPr>
+          <p:cNvPicPr>
+            <a:picLocks noChangeAspect="1"/>
+          </p:cNvPicPr>
+          <p:nvPr/>
+        </p:nvPicPr>
+        <p:blipFill rotWithShape="1">
+          <a:blip r:embed="rId2"/>
+          <a:srcRect t="65770" r="49028"/>
+          <a:stretch/>
+        </p:blipFill>
+        <p:spPr>
+          <a:xfrm>
+            <a:off x="2884134" y="3359881"/>
+            <a:ext cx="2354710" cy="642294"/>
+          </a:xfrm>
+          <a:prstGeom prst="rect">
+            <a:avLst/>
+          </a:prstGeom>
+        </p:spPr>
+      </p:pic>
+      <p:pic>
+        <p:nvPicPr>
+          <p:cNvPr id="9" name="Image 8">
+            <a:extLst>
+              <a:ext uri="{FF2B5EF4-FFF2-40B4-BE49-F238E27FC236}">
+                <a16:creationId xmlns:a16="http://schemas.microsoft.com/office/drawing/2014/main" id="{CDA311BF-3DC3-40D9-B00F-39C51A44EFB0}"/>
+              </a:ext>
+            </a:extLst>
+          </p:cNvPr>
+          <p:cNvPicPr>
+            <a:picLocks noChangeAspect="1"/>
+          </p:cNvPicPr>
+          <p:nvPr/>
+        </p:nvPicPr>
+        <p:blipFill rotWithShape="1">
+          <a:blip r:embed="rId2"/>
+          <a:srcRect l="54308" t="3510" b="15903"/>
+          <a:stretch/>
+        </p:blipFill>
+        <p:spPr>
+          <a:xfrm>
+            <a:off x="6403848" y="2876430"/>
+            <a:ext cx="2110805" cy="1512169"/>
+          </a:xfrm>
+          <a:prstGeom prst="rect">
+            <a:avLst/>
+          </a:prstGeom>
+        </p:spPr>
+      </p:pic>
+      <p:sp>
+        <p:nvSpPr>
+          <p:cNvPr id="10" name="Espace réservé du contenu 4">
+            <a:extLst>
+              <a:ext uri="{FF2B5EF4-FFF2-40B4-BE49-F238E27FC236}">
+                <a16:creationId xmlns:a16="http://schemas.microsoft.com/office/drawing/2014/main" id="{1E1A7E71-EF3C-4791-8B1A-8D54D07ABA46}"/>
+              </a:ext>
+            </a:extLst>
+          </p:cNvPr>
+          <p:cNvSpPr txBox="1">
+            <a:spLocks/>
+          </p:cNvSpPr>
+          <p:nvPr/>
+        </p:nvSpPr>
+        <p:spPr>
+          <a:xfrm>
+            <a:off x="251520" y="4388599"/>
+            <a:ext cx="2354711" cy="1849483"/>
+          </a:xfrm>
+          <a:prstGeom prst="rect">
+            <a:avLst/>
+          </a:prstGeom>
+          <a:solidFill>
+            <a:schemeClr val="accent5">
+              <a:lumMod val="20000"/>
+              <a:lumOff val="80000"/>
+            </a:schemeClr>
+          </a:solidFill>
+          <a:ln>
+            <a:noFill/>
+            <a:prstDash val="lgDash"/>
+          </a:ln>
+        </p:spPr>
+        <p:txBody>
+          <a:bodyPr vert="horz">
+            <a:normAutofit/>
+          </a:bodyPr>
+          <a:lstStyle>
+            <a:lvl1pPr marL="274320" indent="-274320" algn="l" rtl="0" eaLnBrk="1" latinLnBrk="0" hangingPunct="1">
+              <a:spcBef>
+                <a:spcPts val="600"/>
+              </a:spcBef>
+              <a:buClr>
+                <a:schemeClr val="accent5">
+                  <a:lumMod val="50000"/>
+                </a:schemeClr>
+              </a:buClr>
+              <a:buSzPct val="76000"/>
+              <a:buFont typeface="Wingdings 3"/>
+              <a:buChar char=""/>
+              <a:defRPr kumimoji="0" sz="2600" kern="1200">
+                <a:solidFill>
+                  <a:schemeClr val="tx1"/>
+                </a:solidFill>
+                <a:latin typeface="+mn-lt"/>
+                <a:ea typeface="+mn-ea"/>
+                <a:cs typeface="+mn-cs"/>
+              </a:defRPr>
+            </a:lvl1pPr>
+            <a:lvl2pPr marL="548640" indent="-274320" algn="l" rtl="0" eaLnBrk="1" latinLnBrk="0" hangingPunct="1">
+              <a:spcBef>
+                <a:spcPts val="500"/>
+              </a:spcBef>
+              <a:buClr>
+                <a:schemeClr val="accent5">
+                  <a:lumMod val="75000"/>
+                </a:schemeClr>
+              </a:buClr>
+              <a:buSzPct val="76000"/>
+              <a:buFont typeface="Wingdings 3"/>
+              <a:buChar char=""/>
+              <a:defRPr kumimoji="0" sz="2300" kern="1200">
+                <a:solidFill>
+                  <a:schemeClr val="tx1"/>
+                </a:solidFill>
+                <a:latin typeface="+mn-lt"/>
+                <a:ea typeface="+mn-ea"/>
+                <a:cs typeface="+mn-cs"/>
+              </a:defRPr>
+            </a:lvl2pPr>
+            <a:lvl3pPr marL="822960" indent="-228600" algn="l" rtl="0" eaLnBrk="1" latinLnBrk="0" hangingPunct="1">
+              <a:spcBef>
+                <a:spcPts val="500"/>
+              </a:spcBef>
+              <a:buClr>
+                <a:schemeClr val="accent5">
+                  <a:lumMod val="75000"/>
+                </a:schemeClr>
+              </a:buClr>
+              <a:buSzPct val="76000"/>
+              <a:buFont typeface="Wingdings 3"/>
+              <a:buChar char=""/>
+              <a:defRPr kumimoji="0" sz="2000" kern="1200">
+                <a:solidFill>
+                  <a:schemeClr val="tx1"/>
+                </a:solidFill>
+                <a:latin typeface="+mn-lt"/>
+                <a:ea typeface="+mn-ea"/>
+                <a:cs typeface="+mn-cs"/>
+              </a:defRPr>
+            </a:lvl3pPr>
+            <a:lvl4pPr marL="1097280" indent="-228600" algn="l" rtl="0" eaLnBrk="1" latinLnBrk="0" hangingPunct="1">
+              <a:spcBef>
+                <a:spcPts val="400"/>
+              </a:spcBef>
+              <a:buClr>
+                <a:schemeClr val="accent5">
+                  <a:lumMod val="75000"/>
+                </a:schemeClr>
+              </a:buClr>
+              <a:buSzPct val="70000"/>
+              <a:buFont typeface="Wingdings"/>
+              <a:buChar char=""/>
+              <a:defRPr kumimoji="0" sz="1800" kern="1200">
+                <a:solidFill>
+                  <a:schemeClr val="tx1"/>
+                </a:solidFill>
+                <a:latin typeface="+mn-lt"/>
+                <a:ea typeface="+mn-ea"/>
+                <a:cs typeface="+mn-cs"/>
+              </a:defRPr>
+            </a:lvl4pPr>
+            <a:lvl5pPr marL="1371600" indent="-228600" algn="l" rtl="0" eaLnBrk="1" latinLnBrk="0" hangingPunct="1">
+              <a:spcBef>
+                <a:spcPts val="300"/>
+              </a:spcBef>
+              <a:buClr>
+                <a:schemeClr val="accent5">
+                  <a:lumMod val="75000"/>
+                </a:schemeClr>
+              </a:buClr>
+              <a:buSzPct val="70000"/>
+              <a:buFont typeface="Wingdings"/>
+              <a:buChar char=""/>
+              <a:defRPr kumimoji="0" sz="1600" kern="1200">
+                <a:solidFill>
+                  <a:schemeClr val="tx1"/>
+                </a:solidFill>
+                <a:latin typeface="+mn-lt"/>
+                <a:ea typeface="+mn-ea"/>
+                <a:cs typeface="+mn-cs"/>
+              </a:defRPr>
+            </a:lvl5pPr>
+            <a:lvl6pPr marL="1645920" indent="-182880" algn="l" rtl="0" eaLnBrk="1" latinLnBrk="0" hangingPunct="1">
+              <a:spcBef>
+                <a:spcPts val="300"/>
+              </a:spcBef>
+              <a:buClr>
+                <a:srgbClr val="9FB8CD">
+                  <a:shade val="75000"/>
+                </a:srgbClr>
+              </a:buClr>
+              <a:buSzPct val="75000"/>
+              <a:buFont typeface="Wingdings 3"/>
+              <a:buChar char=""/>
+              <a:defRPr kumimoji="0" lang="en-US" sz="1600" kern="1200" smtClean="0">
+                <a:solidFill>
+                  <a:schemeClr val="tx1"/>
+                </a:solidFill>
+                <a:latin typeface="+mn-lt"/>
+                <a:ea typeface="+mn-ea"/>
+                <a:cs typeface="+mn-cs"/>
+              </a:defRPr>
+            </a:lvl6pPr>
+            <a:lvl7pPr marL="1828800" indent="-182880" algn="l" rtl="0" eaLnBrk="1" latinLnBrk="0" hangingPunct="1">
+              <a:spcBef>
+                <a:spcPts val="300"/>
+              </a:spcBef>
+              <a:buClr>
+                <a:srgbClr val="727CA3">
+                  <a:shade val="75000"/>
+                </a:srgbClr>
+              </a:buClr>
+              <a:buSzPct val="75000"/>
+              <a:buFont typeface="Wingdings 3"/>
+              <a:buChar char=""/>
+              <a:defRPr kumimoji="0" lang="en-US" sz="1400" kern="1200" smtClean="0">
+                <a:solidFill>
+                  <a:schemeClr val="tx1"/>
+                </a:solidFill>
+                <a:latin typeface="+mn-lt"/>
+                <a:ea typeface="+mn-ea"/>
+                <a:cs typeface="+mn-cs"/>
+              </a:defRPr>
+            </a:lvl7pPr>
+            <a:lvl8pPr marL="2011680" indent="-182880" algn="l" rtl="0" eaLnBrk="1" latinLnBrk="0" hangingPunct="1">
+              <a:spcBef>
+                <a:spcPts val="300"/>
+              </a:spcBef>
+              <a:buClr>
+                <a:prstClr val="white">
+                  <a:shade val="50000"/>
+                </a:prstClr>
+              </a:buClr>
+              <a:buSzPct val="75000"/>
+              <a:buFont typeface="Wingdings 3"/>
+              <a:buChar char=""/>
+              <a:defRPr kumimoji="0" lang="en-US" sz="1400" kern="1200" smtClean="0">
+                <a:solidFill>
+                  <a:schemeClr val="tx1"/>
+                </a:solidFill>
+                <a:latin typeface="+mn-lt"/>
+                <a:ea typeface="+mn-ea"/>
+                <a:cs typeface="+mn-cs"/>
+              </a:defRPr>
+            </a:lvl8pPr>
+            <a:lvl9pPr marL="2194560" indent="-182880" algn="l" rtl="0" eaLnBrk="1" latinLnBrk="0" hangingPunct="1">
+              <a:spcBef>
+                <a:spcPts val="300"/>
+              </a:spcBef>
+              <a:buClr>
+                <a:srgbClr val="9FB8CD"/>
+              </a:buClr>
+              <a:buSzPct val="75000"/>
+              <a:buFont typeface="Wingdings 3"/>
+              <a:buChar char=""/>
+              <a:defRPr kumimoji="0" lang="en-US" sz="1200" kern="1200" smtClean="0">
+                <a:solidFill>
+                  <a:schemeClr val="tx1"/>
+                </a:solidFill>
+                <a:latin typeface="+mn-lt"/>
+                <a:ea typeface="+mn-ea"/>
+                <a:cs typeface="+mn-cs"/>
+              </a:defRPr>
+            </a:lvl9pPr>
+          </a:lstStyle>
+          <a:p>
+            <a:pPr marL="0" indent="0">
+              <a:buNone/>
+            </a:pPr>
             <a:r>
-              <a:rPr lang="fr-FR" dirty="0"/>
-              <a:t>Synchroniser l’évolution de la courbe avec l’évolution des mors</a:t>
+              <a:rPr lang="fr-FR" sz="1600" dirty="0"/>
+              <a:t>Ce bloc est événementiel car il est déclenché au démarrage de l’application. Il permet de positionner la pomme à un endroit précis au démarrage. </a:t>
+            </a:r>
+          </a:p>
+        </p:txBody>
+      </p:sp>
+      <p:sp>
+        <p:nvSpPr>
+          <p:cNvPr id="11" name="Espace réservé du contenu 4">
+            <a:extLst>
+              <a:ext uri="{FF2B5EF4-FFF2-40B4-BE49-F238E27FC236}">
+                <a16:creationId xmlns:a16="http://schemas.microsoft.com/office/drawing/2014/main" id="{9AEB556E-8C9C-49DE-A707-7756BAB2F86E}"/>
+              </a:ext>
+            </a:extLst>
+          </p:cNvPr>
+          <p:cNvSpPr txBox="1">
+            <a:spLocks/>
+          </p:cNvSpPr>
+          <p:nvPr/>
+        </p:nvSpPr>
+        <p:spPr>
+          <a:xfrm>
+            <a:off x="3091284" y="4290652"/>
+            <a:ext cx="2354711" cy="1849483"/>
+          </a:xfrm>
+          <a:prstGeom prst="rect">
+            <a:avLst/>
+          </a:prstGeom>
+          <a:solidFill>
+            <a:schemeClr val="accent5">
+              <a:lumMod val="20000"/>
+              <a:lumOff val="80000"/>
+            </a:schemeClr>
+          </a:solidFill>
+          <a:ln>
+            <a:noFill/>
+            <a:prstDash val="lgDash"/>
+          </a:ln>
+        </p:spPr>
+        <p:txBody>
+          <a:bodyPr vert="horz">
+            <a:normAutofit/>
+          </a:bodyPr>
+          <a:lstStyle>
+            <a:lvl1pPr marL="274320" indent="-274320" algn="l" rtl="0" eaLnBrk="1" latinLnBrk="0" hangingPunct="1">
+              <a:spcBef>
+                <a:spcPts val="600"/>
+              </a:spcBef>
+              <a:buClr>
+                <a:schemeClr val="accent5">
+                  <a:lumMod val="50000"/>
+                </a:schemeClr>
+              </a:buClr>
+              <a:buSzPct val="76000"/>
+              <a:buFont typeface="Wingdings 3"/>
+              <a:buChar char=""/>
+              <a:defRPr kumimoji="0" sz="2600" kern="1200">
+                <a:solidFill>
+                  <a:schemeClr val="tx1"/>
+                </a:solidFill>
+                <a:latin typeface="+mn-lt"/>
+                <a:ea typeface="+mn-ea"/>
+                <a:cs typeface="+mn-cs"/>
+              </a:defRPr>
+            </a:lvl1pPr>
+            <a:lvl2pPr marL="548640" indent="-274320" algn="l" rtl="0" eaLnBrk="1" latinLnBrk="0" hangingPunct="1">
+              <a:spcBef>
+                <a:spcPts val="500"/>
+              </a:spcBef>
+              <a:buClr>
+                <a:schemeClr val="accent5">
+                  <a:lumMod val="75000"/>
+                </a:schemeClr>
+              </a:buClr>
+              <a:buSzPct val="76000"/>
+              <a:buFont typeface="Wingdings 3"/>
+              <a:buChar char=""/>
+              <a:defRPr kumimoji="0" sz="2300" kern="1200">
+                <a:solidFill>
+                  <a:schemeClr val="tx1"/>
+                </a:solidFill>
+                <a:latin typeface="+mn-lt"/>
+                <a:ea typeface="+mn-ea"/>
+                <a:cs typeface="+mn-cs"/>
+              </a:defRPr>
+            </a:lvl2pPr>
+            <a:lvl3pPr marL="822960" indent="-228600" algn="l" rtl="0" eaLnBrk="1" latinLnBrk="0" hangingPunct="1">
+              <a:spcBef>
+                <a:spcPts val="500"/>
+              </a:spcBef>
+              <a:buClr>
+                <a:schemeClr val="accent5">
+                  <a:lumMod val="75000"/>
+                </a:schemeClr>
+              </a:buClr>
+              <a:buSzPct val="76000"/>
+              <a:buFont typeface="Wingdings 3"/>
+              <a:buChar char=""/>
+              <a:defRPr kumimoji="0" sz="2000" kern="1200">
+                <a:solidFill>
+                  <a:schemeClr val="tx1"/>
+                </a:solidFill>
+                <a:latin typeface="+mn-lt"/>
+                <a:ea typeface="+mn-ea"/>
+                <a:cs typeface="+mn-cs"/>
+              </a:defRPr>
+            </a:lvl3pPr>
+            <a:lvl4pPr marL="1097280" indent="-228600" algn="l" rtl="0" eaLnBrk="1" latinLnBrk="0" hangingPunct="1">
+              <a:spcBef>
+                <a:spcPts val="400"/>
+              </a:spcBef>
+              <a:buClr>
+                <a:schemeClr val="accent5">
+                  <a:lumMod val="75000"/>
+                </a:schemeClr>
+              </a:buClr>
+              <a:buSzPct val="70000"/>
+              <a:buFont typeface="Wingdings"/>
+              <a:buChar char=""/>
+              <a:defRPr kumimoji="0" sz="1800" kern="1200">
+                <a:solidFill>
+                  <a:schemeClr val="tx1"/>
+                </a:solidFill>
+                <a:latin typeface="+mn-lt"/>
+                <a:ea typeface="+mn-ea"/>
+                <a:cs typeface="+mn-cs"/>
+              </a:defRPr>
+            </a:lvl4pPr>
+            <a:lvl5pPr marL="1371600" indent="-228600" algn="l" rtl="0" eaLnBrk="1" latinLnBrk="0" hangingPunct="1">
+              <a:spcBef>
+                <a:spcPts val="300"/>
+              </a:spcBef>
+              <a:buClr>
+                <a:schemeClr val="accent5">
+                  <a:lumMod val="75000"/>
+                </a:schemeClr>
+              </a:buClr>
+              <a:buSzPct val="70000"/>
+              <a:buFont typeface="Wingdings"/>
+              <a:buChar char=""/>
+              <a:defRPr kumimoji="0" sz="1600" kern="1200">
+                <a:solidFill>
+                  <a:schemeClr val="tx1"/>
+                </a:solidFill>
+                <a:latin typeface="+mn-lt"/>
+                <a:ea typeface="+mn-ea"/>
+                <a:cs typeface="+mn-cs"/>
+              </a:defRPr>
+            </a:lvl5pPr>
+            <a:lvl6pPr marL="1645920" indent="-182880" algn="l" rtl="0" eaLnBrk="1" latinLnBrk="0" hangingPunct="1">
+              <a:spcBef>
+                <a:spcPts val="300"/>
+              </a:spcBef>
+              <a:buClr>
+                <a:srgbClr val="9FB8CD">
+                  <a:shade val="75000"/>
+                </a:srgbClr>
+              </a:buClr>
+              <a:buSzPct val="75000"/>
+              <a:buFont typeface="Wingdings 3"/>
+              <a:buChar char=""/>
+              <a:defRPr kumimoji="0" lang="en-US" sz="1600" kern="1200" smtClean="0">
+                <a:solidFill>
+                  <a:schemeClr val="tx1"/>
+                </a:solidFill>
+                <a:latin typeface="+mn-lt"/>
+                <a:ea typeface="+mn-ea"/>
+                <a:cs typeface="+mn-cs"/>
+              </a:defRPr>
+            </a:lvl6pPr>
+            <a:lvl7pPr marL="1828800" indent="-182880" algn="l" rtl="0" eaLnBrk="1" latinLnBrk="0" hangingPunct="1">
+              <a:spcBef>
+                <a:spcPts val="300"/>
+              </a:spcBef>
+              <a:buClr>
+                <a:srgbClr val="727CA3">
+                  <a:shade val="75000"/>
+                </a:srgbClr>
+              </a:buClr>
+              <a:buSzPct val="75000"/>
+              <a:buFont typeface="Wingdings 3"/>
+              <a:buChar char=""/>
+              <a:defRPr kumimoji="0" lang="en-US" sz="1400" kern="1200" smtClean="0">
+                <a:solidFill>
+                  <a:schemeClr val="tx1"/>
+                </a:solidFill>
+                <a:latin typeface="+mn-lt"/>
+                <a:ea typeface="+mn-ea"/>
+                <a:cs typeface="+mn-cs"/>
+              </a:defRPr>
+            </a:lvl7pPr>
+            <a:lvl8pPr marL="2011680" indent="-182880" algn="l" rtl="0" eaLnBrk="1" latinLnBrk="0" hangingPunct="1">
+              <a:spcBef>
+                <a:spcPts val="300"/>
+              </a:spcBef>
+              <a:buClr>
+                <a:prstClr val="white">
+                  <a:shade val="50000"/>
+                </a:prstClr>
+              </a:buClr>
+              <a:buSzPct val="75000"/>
+              <a:buFont typeface="Wingdings 3"/>
+              <a:buChar char=""/>
+              <a:defRPr kumimoji="0" lang="en-US" sz="1400" kern="1200" smtClean="0">
+                <a:solidFill>
+                  <a:schemeClr val="tx1"/>
+                </a:solidFill>
+                <a:latin typeface="+mn-lt"/>
+                <a:ea typeface="+mn-ea"/>
+                <a:cs typeface="+mn-cs"/>
+              </a:defRPr>
+            </a:lvl8pPr>
+            <a:lvl9pPr marL="2194560" indent="-182880" algn="l" rtl="0" eaLnBrk="1" latinLnBrk="0" hangingPunct="1">
+              <a:spcBef>
+                <a:spcPts val="300"/>
+              </a:spcBef>
+              <a:buClr>
+                <a:srgbClr val="9FB8CD"/>
+              </a:buClr>
+              <a:buSzPct val="75000"/>
+              <a:buFont typeface="Wingdings 3"/>
+              <a:buChar char=""/>
+              <a:defRPr kumimoji="0" lang="en-US" sz="1200" kern="1200" smtClean="0">
+                <a:solidFill>
+                  <a:schemeClr val="tx1"/>
+                </a:solidFill>
+                <a:latin typeface="+mn-lt"/>
+                <a:ea typeface="+mn-ea"/>
+                <a:cs typeface="+mn-cs"/>
+              </a:defRPr>
+            </a:lvl9pPr>
+          </a:lstStyle>
+          <a:p>
+            <a:pPr marL="0" indent="0">
+              <a:buNone/>
+            </a:pPr>
+            <a:r>
+              <a:rPr lang="fr-FR" sz="1600" dirty="0"/>
+              <a:t>Ce bloc permet de faire disparaitre la pomme lorsqu’un message est émis. Il s’agit d’une disparition purement événementielle. </a:t>
+            </a:r>
+          </a:p>
+        </p:txBody>
+      </p:sp>
+      <p:sp>
+        <p:nvSpPr>
+          <p:cNvPr id="12" name="Espace réservé du contenu 4">
+            <a:extLst>
+              <a:ext uri="{FF2B5EF4-FFF2-40B4-BE49-F238E27FC236}">
+                <a16:creationId xmlns:a16="http://schemas.microsoft.com/office/drawing/2014/main" id="{ECBDC822-6D98-409B-9897-7DFF5B4DFF33}"/>
+              </a:ext>
+            </a:extLst>
+          </p:cNvPr>
+          <p:cNvSpPr txBox="1">
+            <a:spLocks/>
+          </p:cNvSpPr>
+          <p:nvPr/>
+        </p:nvSpPr>
+        <p:spPr>
+          <a:xfrm>
+            <a:off x="6281894" y="4434818"/>
+            <a:ext cx="2354711" cy="2012798"/>
+          </a:xfrm>
+          <a:prstGeom prst="rect">
+            <a:avLst/>
+          </a:prstGeom>
+          <a:solidFill>
+            <a:schemeClr val="accent5">
+              <a:lumMod val="20000"/>
+              <a:lumOff val="80000"/>
+            </a:schemeClr>
+          </a:solidFill>
+          <a:ln>
+            <a:noFill/>
+            <a:prstDash val="lgDash"/>
+          </a:ln>
+        </p:spPr>
+        <p:txBody>
+          <a:bodyPr vert="horz">
+            <a:normAutofit fontScale="77500" lnSpcReduction="20000"/>
+          </a:bodyPr>
+          <a:lstStyle>
+            <a:lvl1pPr marL="274320" indent="-274320" algn="l" rtl="0" eaLnBrk="1" latinLnBrk="0" hangingPunct="1">
+              <a:spcBef>
+                <a:spcPts val="600"/>
+              </a:spcBef>
+              <a:buClr>
+                <a:schemeClr val="accent5">
+                  <a:lumMod val="50000"/>
+                </a:schemeClr>
+              </a:buClr>
+              <a:buSzPct val="76000"/>
+              <a:buFont typeface="Wingdings 3"/>
+              <a:buChar char=""/>
+              <a:defRPr kumimoji="0" sz="2600" kern="1200">
+                <a:solidFill>
+                  <a:schemeClr val="tx1"/>
+                </a:solidFill>
+                <a:latin typeface="+mn-lt"/>
+                <a:ea typeface="+mn-ea"/>
+                <a:cs typeface="+mn-cs"/>
+              </a:defRPr>
+            </a:lvl1pPr>
+            <a:lvl2pPr marL="548640" indent="-274320" algn="l" rtl="0" eaLnBrk="1" latinLnBrk="0" hangingPunct="1">
+              <a:spcBef>
+                <a:spcPts val="500"/>
+              </a:spcBef>
+              <a:buClr>
+                <a:schemeClr val="accent5">
+                  <a:lumMod val="75000"/>
+                </a:schemeClr>
+              </a:buClr>
+              <a:buSzPct val="76000"/>
+              <a:buFont typeface="Wingdings 3"/>
+              <a:buChar char=""/>
+              <a:defRPr kumimoji="0" sz="2300" kern="1200">
+                <a:solidFill>
+                  <a:schemeClr val="tx1"/>
+                </a:solidFill>
+                <a:latin typeface="+mn-lt"/>
+                <a:ea typeface="+mn-ea"/>
+                <a:cs typeface="+mn-cs"/>
+              </a:defRPr>
+            </a:lvl2pPr>
+            <a:lvl3pPr marL="822960" indent="-228600" algn="l" rtl="0" eaLnBrk="1" latinLnBrk="0" hangingPunct="1">
+              <a:spcBef>
+                <a:spcPts val="500"/>
+              </a:spcBef>
+              <a:buClr>
+                <a:schemeClr val="accent5">
+                  <a:lumMod val="75000"/>
+                </a:schemeClr>
+              </a:buClr>
+              <a:buSzPct val="76000"/>
+              <a:buFont typeface="Wingdings 3"/>
+              <a:buChar char=""/>
+              <a:defRPr kumimoji="0" sz="2000" kern="1200">
+                <a:solidFill>
+                  <a:schemeClr val="tx1"/>
+                </a:solidFill>
+                <a:latin typeface="+mn-lt"/>
+                <a:ea typeface="+mn-ea"/>
+                <a:cs typeface="+mn-cs"/>
+              </a:defRPr>
+            </a:lvl3pPr>
+            <a:lvl4pPr marL="1097280" indent="-228600" algn="l" rtl="0" eaLnBrk="1" latinLnBrk="0" hangingPunct="1">
+              <a:spcBef>
+                <a:spcPts val="400"/>
+              </a:spcBef>
+              <a:buClr>
+                <a:schemeClr val="accent5">
+                  <a:lumMod val="75000"/>
+                </a:schemeClr>
+              </a:buClr>
+              <a:buSzPct val="70000"/>
+              <a:buFont typeface="Wingdings"/>
+              <a:buChar char=""/>
+              <a:defRPr kumimoji="0" sz="1800" kern="1200">
+                <a:solidFill>
+                  <a:schemeClr val="tx1"/>
+                </a:solidFill>
+                <a:latin typeface="+mn-lt"/>
+                <a:ea typeface="+mn-ea"/>
+                <a:cs typeface="+mn-cs"/>
+              </a:defRPr>
+            </a:lvl4pPr>
+            <a:lvl5pPr marL="1371600" indent="-228600" algn="l" rtl="0" eaLnBrk="1" latinLnBrk="0" hangingPunct="1">
+              <a:spcBef>
+                <a:spcPts val="300"/>
+              </a:spcBef>
+              <a:buClr>
+                <a:schemeClr val="accent5">
+                  <a:lumMod val="75000"/>
+                </a:schemeClr>
+              </a:buClr>
+              <a:buSzPct val="70000"/>
+              <a:buFont typeface="Wingdings"/>
+              <a:buChar char=""/>
+              <a:defRPr kumimoji="0" sz="1600" kern="1200">
+                <a:solidFill>
+                  <a:schemeClr val="tx1"/>
+                </a:solidFill>
+                <a:latin typeface="+mn-lt"/>
+                <a:ea typeface="+mn-ea"/>
+                <a:cs typeface="+mn-cs"/>
+              </a:defRPr>
+            </a:lvl5pPr>
+            <a:lvl6pPr marL="1645920" indent="-182880" algn="l" rtl="0" eaLnBrk="1" latinLnBrk="0" hangingPunct="1">
+              <a:spcBef>
+                <a:spcPts val="300"/>
+              </a:spcBef>
+              <a:buClr>
+                <a:srgbClr val="9FB8CD">
+                  <a:shade val="75000"/>
+                </a:srgbClr>
+              </a:buClr>
+              <a:buSzPct val="75000"/>
+              <a:buFont typeface="Wingdings 3"/>
+              <a:buChar char=""/>
+              <a:defRPr kumimoji="0" lang="en-US" sz="1600" kern="1200" smtClean="0">
+                <a:solidFill>
+                  <a:schemeClr val="tx1"/>
+                </a:solidFill>
+                <a:latin typeface="+mn-lt"/>
+                <a:ea typeface="+mn-ea"/>
+                <a:cs typeface="+mn-cs"/>
+              </a:defRPr>
+            </a:lvl6pPr>
+            <a:lvl7pPr marL="1828800" indent="-182880" algn="l" rtl="0" eaLnBrk="1" latinLnBrk="0" hangingPunct="1">
+              <a:spcBef>
+                <a:spcPts val="300"/>
+              </a:spcBef>
+              <a:buClr>
+                <a:srgbClr val="727CA3">
+                  <a:shade val="75000"/>
+                </a:srgbClr>
+              </a:buClr>
+              <a:buSzPct val="75000"/>
+              <a:buFont typeface="Wingdings 3"/>
+              <a:buChar char=""/>
+              <a:defRPr kumimoji="0" lang="en-US" sz="1400" kern="1200" smtClean="0">
+                <a:solidFill>
+                  <a:schemeClr val="tx1"/>
+                </a:solidFill>
+                <a:latin typeface="+mn-lt"/>
+                <a:ea typeface="+mn-ea"/>
+                <a:cs typeface="+mn-cs"/>
+              </a:defRPr>
+            </a:lvl7pPr>
+            <a:lvl8pPr marL="2011680" indent="-182880" algn="l" rtl="0" eaLnBrk="1" latinLnBrk="0" hangingPunct="1">
+              <a:spcBef>
+                <a:spcPts val="300"/>
+              </a:spcBef>
+              <a:buClr>
+                <a:prstClr val="white">
+                  <a:shade val="50000"/>
+                </a:prstClr>
+              </a:buClr>
+              <a:buSzPct val="75000"/>
+              <a:buFont typeface="Wingdings 3"/>
+              <a:buChar char=""/>
+              <a:defRPr kumimoji="0" lang="en-US" sz="1400" kern="1200" smtClean="0">
+                <a:solidFill>
+                  <a:schemeClr val="tx1"/>
+                </a:solidFill>
+                <a:latin typeface="+mn-lt"/>
+                <a:ea typeface="+mn-ea"/>
+                <a:cs typeface="+mn-cs"/>
+              </a:defRPr>
+            </a:lvl8pPr>
+            <a:lvl9pPr marL="2194560" indent="-182880" algn="l" rtl="0" eaLnBrk="1" latinLnBrk="0" hangingPunct="1">
+              <a:spcBef>
+                <a:spcPts val="300"/>
+              </a:spcBef>
+              <a:buClr>
+                <a:srgbClr val="9FB8CD"/>
+              </a:buClr>
+              <a:buSzPct val="75000"/>
+              <a:buFont typeface="Wingdings 3"/>
+              <a:buChar char=""/>
+              <a:defRPr kumimoji="0" lang="en-US" sz="1200" kern="1200" smtClean="0">
+                <a:solidFill>
+                  <a:schemeClr val="tx1"/>
+                </a:solidFill>
+                <a:latin typeface="+mn-lt"/>
+                <a:ea typeface="+mn-ea"/>
+                <a:cs typeface="+mn-cs"/>
+              </a:defRPr>
+            </a:lvl9pPr>
+          </a:lstStyle>
+          <a:p>
+            <a:pPr marL="0" indent="0">
+              <a:buNone/>
+            </a:pPr>
+            <a:r>
+              <a:rPr lang="fr-FR" sz="1600" dirty="0"/>
+              <a:t>Ce bloc est déclenché au démarrage. Il comporte une boucle infinie qui va scruter si le lutin a touché la pomme. </a:t>
+            </a:r>
+          </a:p>
+          <a:p>
+            <a:pPr marL="0" indent="0">
+              <a:buNone/>
+            </a:pPr>
+            <a:r>
+              <a:rPr lang="fr-FR" sz="1600" dirty="0"/>
+              <a:t>L’action de cacher est donc déclenchée par un événement. Cependant l’utilisation de la boucle répétition n’est pas optimale. </a:t>
+            </a:r>
+          </a:p>
+          <a:p>
+            <a:pPr marL="0" indent="0">
+              <a:buNone/>
+            </a:pPr>
+            <a:r>
+              <a:rPr lang="fr-FR" sz="1600" dirty="0"/>
+              <a:t>(En effet, le lutin pourrait avoir été touché à un instant ou le test n’est pas effectué.)</a:t>
             </a:r>
           </a:p>
         </p:txBody>
@@ -25858,7 +27332,7 @@
     </p:spTree>
     <p:extLst>
       <p:ext uri="{BB962C8B-B14F-4D97-AF65-F5344CB8AC3E}">
-        <p14:creationId xmlns:p14="http://schemas.microsoft.com/office/powerpoint/2010/main" val="1587110190"/>
+        <p14:creationId xmlns:p14="http://schemas.microsoft.com/office/powerpoint/2010/main" val="3996279214"/>
       </p:ext>
     </p:extLst>
   </p:cSld>

--- a/Formation_2018/Quizz_Pomme/Quizz_Pomme.pptx
+++ b/Formation_2018/Quizz_Pomme/Quizz_Pomme.pptx
@@ -5888,15 +5888,7 @@
           <a:p>
             <a:r>
               <a:rPr lang="fr-FR" dirty="0"/>
-              <a:t>Il s’agit de réaliser les instructions du lutin « Pomme ». </a:t>
-            </a:r>
-            <a:r>
-              <a:rPr lang="fr-FR"/>
-              <a:t>Les </a:t>
-            </a:r>
-            <a:r>
-              <a:rPr lang="fr-FR" dirty="0"/>
-              <a:t>Blocs disponibles : « Quand je reçois Go », répéter indéfiniment, Si… alors, </a:t>
+              <a:t>Réaliser les instructions du lutin « Pomme ». Les Blocs disponibles : « Quand je reçois Go », répéter indéfiniment, Si… alors, </a:t>
             </a:r>
           </a:p>
           <a:p>

--- a/Formation_2018/Quizz_Pomme/Quizz_Pomme.pptx
+++ b/Formation_2018/Quizz_Pomme/Quizz_Pomme.pptx
@@ -5,10 +5,10 @@
     <p:sldMasterId id="2147483792" r:id="rId1"/>
   </p:sldMasterIdLst>
   <p:notesMasterIdLst>
-    <p:notesMasterId r:id="rId28"/>
+    <p:notesMasterId r:id="rId22"/>
   </p:notesMasterIdLst>
   <p:handoutMasterIdLst>
-    <p:handoutMasterId r:id="rId29"/>
+    <p:handoutMasterId r:id="rId23"/>
   </p:handoutMasterIdLst>
   <p:sldIdLst>
     <p:sldId id="256" r:id="rId2"/>
@@ -19,24 +19,18 @@
     <p:sldId id="281" r:id="rId7"/>
     <p:sldId id="283" r:id="rId8"/>
     <p:sldId id="284" r:id="rId9"/>
-    <p:sldId id="285" r:id="rId10"/>
-    <p:sldId id="275" r:id="rId11"/>
-    <p:sldId id="260" r:id="rId12"/>
-    <p:sldId id="261" r:id="rId13"/>
-    <p:sldId id="262" r:id="rId14"/>
-    <p:sldId id="263" r:id="rId15"/>
-    <p:sldId id="264" r:id="rId16"/>
-    <p:sldId id="265" r:id="rId17"/>
-    <p:sldId id="266" r:id="rId18"/>
-    <p:sldId id="267" r:id="rId19"/>
-    <p:sldId id="268" r:id="rId20"/>
-    <p:sldId id="269" r:id="rId21"/>
-    <p:sldId id="270" r:id="rId22"/>
-    <p:sldId id="271" r:id="rId23"/>
-    <p:sldId id="272" r:id="rId24"/>
-    <p:sldId id="273" r:id="rId25"/>
-    <p:sldId id="274" r:id="rId26"/>
-    <p:sldId id="258" r:id="rId27"/>
+    <p:sldId id="286" r:id="rId10"/>
+    <p:sldId id="288" r:id="rId11"/>
+    <p:sldId id="285" r:id="rId12"/>
+    <p:sldId id="275" r:id="rId13"/>
+    <p:sldId id="260" r:id="rId14"/>
+    <p:sldId id="261" r:id="rId15"/>
+    <p:sldId id="262" r:id="rId16"/>
+    <p:sldId id="263" r:id="rId17"/>
+    <p:sldId id="289" r:id="rId18"/>
+    <p:sldId id="264" r:id="rId19"/>
+    <p:sldId id="265" r:id="rId20"/>
+    <p:sldId id="258" r:id="rId21"/>
   </p:sldIdLst>
   <p:sldSz cx="9144000" cy="6858000" type="screen4x3"/>
   <p:notesSz cx="6858000" cy="9144000"/>
@@ -137,7 +131,7 @@
   </p:defaultTextStyle>
   <p:extLst>
     <p:ext uri="{EFAFB233-063F-42B5-8137-9DF3F51BA10A}">
-      <p15:sldGuideLst xmlns:p15="http://schemas.microsoft.com/office/powerpoint/2012/main">
+      <p15:sldGuideLst xmlns:p15="http://schemas.microsoft.com/office/powerpoint/2012/main" xmlns="">
         <p15:guide id="1" orient="horz" pos="2160">
           <p15:clr>
             <a:srgbClr val="A4A3A4"/>
@@ -151,7 +145,7 @@
       </p15:sldGuideLst>
     </p:ext>
     <p:ext uri="{2D200454-40CA-4A62-9FC3-DE9A4176ACB9}">
-      <p15:notesGuideLst xmlns:p15="http://schemas.microsoft.com/office/powerpoint/2012/main">
+      <p15:notesGuideLst xmlns:p15="http://schemas.microsoft.com/office/powerpoint/2012/main" xmlns="">
         <p15:guide id="1" orient="horz" pos="2880">
           <p15:clr>
             <a:srgbClr val="A4A3A4"/>
@@ -250,7 +244,7 @@
           <a:p>
             <a:fld id="{DE31C971-D258-4D6D-9DC9-5DF2494A45B4}" type="datetimeFigureOut">
               <a:rPr lang="fr-FR" smtClean="0"/>
-              <a:t>13/02/2018</a:t>
+              <a:t>15/02/2018</a:t>
             </a:fld>
             <a:endParaRPr lang="fr-FR"/>
           </a:p>
@@ -415,7 +409,7 @@
           <a:p>
             <a:fld id="{350F3BCA-AB8A-46C8-8A42-C0A5BA7DD142}" type="datetimeFigureOut">
               <a:rPr lang="fr-FR" smtClean="0"/>
-              <a:t>13/02/2018</a:t>
+              <a:t>15/02/2018</a:t>
             </a:fld>
             <a:endParaRPr lang="fr-FR"/>
           </a:p>
@@ -1022,7 +1016,7 @@
           <a:p>
             <a:fld id="{43EDBBC6-2D63-46FD-ABC6-E1F134FD04E2}" type="datetime1">
               <a:rPr lang="fr-FR" smtClean="0"/>
-              <a:t>13/02/2018</a:t>
+              <a:t>15/02/2018</a:t>
             </a:fld>
             <a:endParaRPr lang="fr-FR"/>
           </a:p>
@@ -1409,7 +1403,7 @@
           <a:p>
             <a:fld id="{4DFBFD84-D93F-442F-A602-357CDB446FDC}" type="datetime1">
               <a:rPr lang="fr-FR" smtClean="0"/>
-              <a:t>13/02/2018</a:t>
+              <a:t>15/02/2018</a:t>
             </a:fld>
             <a:endParaRPr lang="fr-FR"/>
           </a:p>
@@ -1587,7 +1581,7 @@
           <a:p>
             <a:fld id="{19531FEF-BB6F-4B6B-8956-86E0FE15D740}" type="datetime1">
               <a:rPr lang="fr-FR" smtClean="0"/>
-              <a:t>13/02/2018</a:t>
+              <a:t>15/02/2018</a:t>
             </a:fld>
             <a:endParaRPr lang="fr-FR"/>
           </a:p>
@@ -1830,7 +1824,7 @@
           <a:p>
             <a:fld id="{8EF631AA-AABC-42BF-900C-C6621A4626C8}" type="datetime1">
               <a:rPr lang="fr-FR" smtClean="0"/>
-              <a:t>13/02/2018</a:t>
+              <a:t>15/02/2018</a:t>
             </a:fld>
             <a:endParaRPr lang="fr-FR"/>
           </a:p>
@@ -2102,7 +2096,7 @@
           <a:p>
             <a:fld id="{3771B4AD-2B1B-4BD7-A6A0-4490B395611F}" type="datetime1">
               <a:rPr lang="fr-FR" smtClean="0"/>
-              <a:t>13/02/2018</a:t>
+              <a:t>15/02/2018</a:t>
             </a:fld>
             <a:endParaRPr lang="fr-FR"/>
           </a:p>
@@ -2325,7 +2319,7 @@
           <a:p>
             <a:fld id="{44CCAC25-14A7-446E-A75F-54A01CA50A5C}" type="datetime1">
               <a:rPr lang="fr-FR" smtClean="0"/>
-              <a:t>13/02/2018</a:t>
+              <a:t>15/02/2018</a:t>
             </a:fld>
             <a:endParaRPr lang="fr-FR"/>
           </a:p>
@@ -2724,7 +2718,7 @@
           <a:p>
             <a:fld id="{60A27700-5B66-4B1F-90F2-3CD185A5B719}" type="datetime1">
               <a:rPr lang="fr-FR" smtClean="0"/>
-              <a:t>13/02/2018</a:t>
+              <a:t>15/02/2018</a:t>
             </a:fld>
             <a:endParaRPr lang="fr-FR"/>
           </a:p>
@@ -2997,7 +2991,7 @@
           <a:p>
             <a:fld id="{478B5CBA-452B-4B17-8269-A42B00F0CEBE}" type="datetime1">
               <a:rPr lang="fr-FR" smtClean="0"/>
-              <a:t>13/02/2018</a:t>
+              <a:t>15/02/2018</a:t>
             </a:fld>
             <a:endParaRPr lang="fr-FR"/>
           </a:p>
@@ -3180,7 +3174,7 @@
           <a:p>
             <a:fld id="{45508475-A478-4BAB-8F61-22D3A6621EA8}" type="datetime1">
               <a:rPr lang="fr-FR" smtClean="0"/>
-              <a:t>13/02/2018</a:t>
+              <a:t>15/02/2018</a:t>
             </a:fld>
             <a:endParaRPr lang="fr-FR"/>
           </a:p>
@@ -3460,7 +3454,7 @@
           <a:p>
             <a:fld id="{57FB6246-9265-4A37-AE94-154F729C6121}" type="datetime1">
               <a:rPr lang="fr-FR" smtClean="0"/>
-              <a:t>13/02/2018</a:t>
+              <a:t>15/02/2018</a:t>
             </a:fld>
             <a:endParaRPr lang="fr-FR"/>
           </a:p>
@@ -3870,7 +3864,7 @@
           <a:p>
             <a:fld id="{11E4C19F-0CBE-4C69-86E6-5F6A0E64BC9E}" type="datetime1">
               <a:rPr lang="fr-FR" smtClean="0"/>
-              <a:t>13/02/2018</a:t>
+              <a:t>15/02/2018</a:t>
             </a:fld>
             <a:endParaRPr lang="fr-FR"/>
           </a:p>
@@ -4213,7 +4207,7 @@
           <a:p>
             <a:fld id="{A738F9E9-3041-4AFC-BF6D-A63CE5E484E1}" type="datetime1">
               <a:rPr lang="fr-FR" smtClean="0"/>
-              <a:t>13/02/2018</a:t>
+              <a:t>15/02/2018</a:t>
             </a:fld>
             <a:endParaRPr lang="fr-FR"/>
           </a:p>
@@ -4898,9 +4892,10 @@
               <a:rPr lang="fr-FR" dirty="0"/>
             </a:br>
             <a:r>
-              <a:rPr lang="fr-FR" dirty="0"/>
-              <a:t>Notion de variable</a:t>
+              <a:rPr lang="fr-FR" dirty="0" smtClean="0"/>
+              <a:t>Structures conditionnelles</a:t>
             </a:r>
+            <a:endParaRPr lang="fr-FR" dirty="0"/>
           </a:p>
         </p:txBody>
       </p:sp>
@@ -4951,7 +4946,245 @@
       </p:sp>
       <p:sp>
         <p:nvSpPr>
-          <p:cNvPr id="5" name="Espace réservé du contenu 4"/>
+          <p:cNvPr id="126" name="Espace réservé du contenu 4">
+            <a:extLst>
+              <a:ext uri="{FF2B5EF4-FFF2-40B4-BE49-F238E27FC236}">
+                <a16:creationId xmlns:a16="http://schemas.microsoft.com/office/drawing/2014/main" xmlns="" id="{E0ECA4FB-A27A-4EF4-8C7D-5B9524C6BE3F}"/>
+              </a:ext>
+            </a:extLst>
+          </p:cNvPr>
+          <p:cNvSpPr txBox="1">
+            <a:spLocks/>
+          </p:cNvSpPr>
+          <p:nvPr/>
+        </p:nvSpPr>
+        <p:spPr>
+          <a:xfrm>
+            <a:off x="4644008" y="986448"/>
+            <a:ext cx="4238836" cy="5466888"/>
+          </a:xfrm>
+          <a:prstGeom prst="rect">
+            <a:avLst/>
+          </a:prstGeom>
+          <a:ln>
+            <a:solidFill>
+              <a:schemeClr val="accent5">
+                <a:lumMod val="50000"/>
+              </a:schemeClr>
+            </a:solidFill>
+            <a:prstDash val="lgDash"/>
+          </a:ln>
+        </p:spPr>
+        <p:txBody>
+          <a:bodyPr vert="horz">
+            <a:normAutofit/>
+          </a:bodyPr>
+          <a:lstStyle>
+            <a:lvl1pPr marL="274320" indent="-274320" algn="l" rtl="0" eaLnBrk="1" latinLnBrk="0" hangingPunct="1">
+              <a:spcBef>
+                <a:spcPts val="600"/>
+              </a:spcBef>
+              <a:buClr>
+                <a:schemeClr val="accent5">
+                  <a:lumMod val="50000"/>
+                </a:schemeClr>
+              </a:buClr>
+              <a:buSzPct val="76000"/>
+              <a:buFont typeface="Wingdings 3"/>
+              <a:buChar char=""/>
+              <a:defRPr kumimoji="0" sz="2600" kern="1200">
+                <a:solidFill>
+                  <a:schemeClr val="tx1"/>
+                </a:solidFill>
+                <a:latin typeface="+mn-lt"/>
+                <a:ea typeface="+mn-ea"/>
+                <a:cs typeface="+mn-cs"/>
+              </a:defRPr>
+            </a:lvl1pPr>
+            <a:lvl2pPr marL="548640" indent="-274320" algn="l" rtl="0" eaLnBrk="1" latinLnBrk="0" hangingPunct="1">
+              <a:spcBef>
+                <a:spcPts val="500"/>
+              </a:spcBef>
+              <a:buClr>
+                <a:schemeClr val="accent5">
+                  <a:lumMod val="75000"/>
+                </a:schemeClr>
+              </a:buClr>
+              <a:buSzPct val="76000"/>
+              <a:buFont typeface="Wingdings 3"/>
+              <a:buChar char=""/>
+              <a:defRPr kumimoji="0" sz="2300" kern="1200">
+                <a:solidFill>
+                  <a:schemeClr val="tx1"/>
+                </a:solidFill>
+                <a:latin typeface="+mn-lt"/>
+                <a:ea typeface="+mn-ea"/>
+                <a:cs typeface="+mn-cs"/>
+              </a:defRPr>
+            </a:lvl2pPr>
+            <a:lvl3pPr marL="822960" indent="-228600" algn="l" rtl="0" eaLnBrk="1" latinLnBrk="0" hangingPunct="1">
+              <a:spcBef>
+                <a:spcPts val="500"/>
+              </a:spcBef>
+              <a:buClr>
+                <a:schemeClr val="accent5">
+                  <a:lumMod val="75000"/>
+                </a:schemeClr>
+              </a:buClr>
+              <a:buSzPct val="76000"/>
+              <a:buFont typeface="Wingdings 3"/>
+              <a:buChar char=""/>
+              <a:defRPr kumimoji="0" sz="2000" kern="1200">
+                <a:solidFill>
+                  <a:schemeClr val="tx1"/>
+                </a:solidFill>
+                <a:latin typeface="+mn-lt"/>
+                <a:ea typeface="+mn-ea"/>
+                <a:cs typeface="+mn-cs"/>
+              </a:defRPr>
+            </a:lvl3pPr>
+            <a:lvl4pPr marL="1097280" indent="-228600" algn="l" rtl="0" eaLnBrk="1" latinLnBrk="0" hangingPunct="1">
+              <a:spcBef>
+                <a:spcPts val="400"/>
+              </a:spcBef>
+              <a:buClr>
+                <a:schemeClr val="accent5">
+                  <a:lumMod val="75000"/>
+                </a:schemeClr>
+              </a:buClr>
+              <a:buSzPct val="70000"/>
+              <a:buFont typeface="Wingdings"/>
+              <a:buChar char=""/>
+              <a:defRPr kumimoji="0" sz="1800" kern="1200">
+                <a:solidFill>
+                  <a:schemeClr val="tx1"/>
+                </a:solidFill>
+                <a:latin typeface="+mn-lt"/>
+                <a:ea typeface="+mn-ea"/>
+                <a:cs typeface="+mn-cs"/>
+              </a:defRPr>
+            </a:lvl4pPr>
+            <a:lvl5pPr marL="1371600" indent="-228600" algn="l" rtl="0" eaLnBrk="1" latinLnBrk="0" hangingPunct="1">
+              <a:spcBef>
+                <a:spcPts val="300"/>
+              </a:spcBef>
+              <a:buClr>
+                <a:schemeClr val="accent5">
+                  <a:lumMod val="75000"/>
+                </a:schemeClr>
+              </a:buClr>
+              <a:buSzPct val="70000"/>
+              <a:buFont typeface="Wingdings"/>
+              <a:buChar char=""/>
+              <a:defRPr kumimoji="0" sz="1600" kern="1200">
+                <a:solidFill>
+                  <a:schemeClr val="tx1"/>
+                </a:solidFill>
+                <a:latin typeface="+mn-lt"/>
+                <a:ea typeface="+mn-ea"/>
+                <a:cs typeface="+mn-cs"/>
+              </a:defRPr>
+            </a:lvl5pPr>
+            <a:lvl6pPr marL="1645920" indent="-182880" algn="l" rtl="0" eaLnBrk="1" latinLnBrk="0" hangingPunct="1">
+              <a:spcBef>
+                <a:spcPts val="300"/>
+              </a:spcBef>
+              <a:buClr>
+                <a:srgbClr val="9FB8CD">
+                  <a:shade val="75000"/>
+                </a:srgbClr>
+              </a:buClr>
+              <a:buSzPct val="75000"/>
+              <a:buFont typeface="Wingdings 3"/>
+              <a:buChar char=""/>
+              <a:defRPr kumimoji="0" lang="en-US" sz="1600" kern="1200" smtClean="0">
+                <a:solidFill>
+                  <a:schemeClr val="tx1"/>
+                </a:solidFill>
+                <a:latin typeface="+mn-lt"/>
+                <a:ea typeface="+mn-ea"/>
+                <a:cs typeface="+mn-cs"/>
+              </a:defRPr>
+            </a:lvl6pPr>
+            <a:lvl7pPr marL="1828800" indent="-182880" algn="l" rtl="0" eaLnBrk="1" latinLnBrk="0" hangingPunct="1">
+              <a:spcBef>
+                <a:spcPts val="300"/>
+              </a:spcBef>
+              <a:buClr>
+                <a:srgbClr val="727CA3">
+                  <a:shade val="75000"/>
+                </a:srgbClr>
+              </a:buClr>
+              <a:buSzPct val="75000"/>
+              <a:buFont typeface="Wingdings 3"/>
+              <a:buChar char=""/>
+              <a:defRPr kumimoji="0" lang="en-US" sz="1400" kern="1200" smtClean="0">
+                <a:solidFill>
+                  <a:schemeClr val="tx1"/>
+                </a:solidFill>
+                <a:latin typeface="+mn-lt"/>
+                <a:ea typeface="+mn-ea"/>
+                <a:cs typeface="+mn-cs"/>
+              </a:defRPr>
+            </a:lvl7pPr>
+            <a:lvl8pPr marL="2011680" indent="-182880" algn="l" rtl="0" eaLnBrk="1" latinLnBrk="0" hangingPunct="1">
+              <a:spcBef>
+                <a:spcPts val="300"/>
+              </a:spcBef>
+              <a:buClr>
+                <a:prstClr val="white">
+                  <a:shade val="50000"/>
+                </a:prstClr>
+              </a:buClr>
+              <a:buSzPct val="75000"/>
+              <a:buFont typeface="Wingdings 3"/>
+              <a:buChar char=""/>
+              <a:defRPr kumimoji="0" lang="en-US" sz="1400" kern="1200" smtClean="0">
+                <a:solidFill>
+                  <a:schemeClr val="tx1"/>
+                </a:solidFill>
+                <a:latin typeface="+mn-lt"/>
+                <a:ea typeface="+mn-ea"/>
+                <a:cs typeface="+mn-cs"/>
+              </a:defRPr>
+            </a:lvl8pPr>
+            <a:lvl9pPr marL="2194560" indent="-182880" algn="l" rtl="0" eaLnBrk="1" latinLnBrk="0" hangingPunct="1">
+              <a:spcBef>
+                <a:spcPts val="300"/>
+              </a:spcBef>
+              <a:buClr>
+                <a:srgbClr val="9FB8CD"/>
+              </a:buClr>
+              <a:buSzPct val="75000"/>
+              <a:buFont typeface="Wingdings 3"/>
+              <a:buChar char=""/>
+              <a:defRPr kumimoji="0" lang="en-US" sz="1200" kern="1200" smtClean="0">
+                <a:solidFill>
+                  <a:schemeClr val="tx1"/>
+                </a:solidFill>
+                <a:latin typeface="+mn-lt"/>
+                <a:ea typeface="+mn-ea"/>
+                <a:cs typeface="+mn-cs"/>
+              </a:defRPr>
+            </a:lvl9pPr>
+          </a:lstStyle>
+          <a:p>
+            <a:r>
+              <a:rPr lang="fr-FR" sz="2000" dirty="0" smtClean="0"/>
+              <a:t>Solution : pour avoir un algorithme plus cohérent,  le requin devrait dire je t’ai mangé lorsque le lutin le touche. </a:t>
+            </a:r>
+          </a:p>
+        </p:txBody>
+      </p:sp>
+      <p:sp>
+        <p:nvSpPr>
+          <p:cNvPr id="7" name="Espace réservé du contenu 6">
+            <a:extLst>
+              <a:ext uri="{FF2B5EF4-FFF2-40B4-BE49-F238E27FC236}">
+                <a16:creationId xmlns:a16="http://schemas.microsoft.com/office/drawing/2014/main" xmlns="" id="{DB2A2F5A-13F4-4B6B-B9B0-2031D32AD019}"/>
+              </a:ext>
+            </a:extLst>
+          </p:cNvPr>
           <p:cNvSpPr>
             <a:spLocks noGrp="1"/>
           </p:cNvSpPr>
@@ -4961,157 +5194,723 @@
         </p:nvSpPr>
         <p:spPr>
           <a:xfrm>
-            <a:off x="251520" y="980727"/>
-            <a:ext cx="6428956" cy="5483503"/>
+            <a:off x="251519" y="980728"/>
+            <a:ext cx="4325969" cy="5328592"/>
           </a:xfrm>
         </p:spPr>
         <p:txBody>
           <a:bodyPr>
-            <a:normAutofit fontScale="92500" lnSpcReduction="20000"/>
+            <a:normAutofit/>
           </a:bodyPr>
           <a:lstStyle/>
           <a:p>
             <a:r>
-              <a:rPr lang="fr-FR" dirty="0"/>
-              <a:t>On souhaite afficher le score. Pour cela :</a:t>
+              <a:rPr lang="fr-FR" sz="2400" dirty="0" smtClean="0"/>
+              <a:t>L’algorithme défini précédemment vous parait-il logique ? Si non, cliquer sur les blocs à modifier.</a:t>
             </a:r>
+            <a:endParaRPr lang="fr-FR" sz="2400" dirty="0" smtClean="0"/>
+          </a:p>
+          <a:p>
+            <a:endParaRPr lang="fr-FR" sz="2400" dirty="0"/>
+          </a:p>
+          <a:p>
+            <a:pPr marL="0" indent="0">
+              <a:buNone/>
+            </a:pPr>
+            <a:endParaRPr lang="fr-FR" sz="2400" dirty="0" smtClean="0"/>
+          </a:p>
+          <a:p>
+            <a:endParaRPr lang="fr-FR" sz="2400" dirty="0"/>
+          </a:p>
+          <a:p>
+            <a:endParaRPr lang="fr-FR" sz="2400" dirty="0"/>
           </a:p>
           <a:p>
             <a:pPr lvl="1"/>
-            <a:r>
-              <a:rPr lang="fr-FR" dirty="0"/>
-              <a:t>on définit une variable « Score »</a:t>
-            </a:r>
-          </a:p>
-          <a:p>
-            <a:pPr lvl="1"/>
-            <a:r>
-              <a:rPr lang="fr-FR" dirty="0"/>
-              <a:t>Cette variable doit être incrémentée de +1 lorsqu’on fait l’action de manger une pomme et qu’une pomme est sur la case. </a:t>
-            </a:r>
-          </a:p>
-          <a:p>
-            <a:pPr lvl="1"/>
-            <a:r>
-              <a:rPr lang="fr-FR" dirty="0"/>
-              <a:t>Cette variable doit être décrémentée de 1 lorsqu’on fait l’action de manger une pomme et qu’il n’y a pas de pomme est sur la case. </a:t>
-            </a:r>
-          </a:p>
-          <a:p>
-            <a:pPr lvl="1"/>
-            <a:endParaRPr lang="fr-FR" dirty="0"/>
-          </a:p>
-          <a:p>
-            <a:r>
-              <a:rPr lang="fr-FR" dirty="0"/>
-              <a:t>La fonction « </a:t>
-            </a:r>
-            <a:r>
-              <a:rPr lang="fr-FR" dirty="0" err="1"/>
-              <a:t>MangerPomme</a:t>
-            </a:r>
-            <a:r>
-              <a:rPr lang="fr-FR" dirty="0"/>
-              <a:t> » est définie ci-contre. </a:t>
-            </a:r>
-          </a:p>
-          <a:p>
-            <a:r>
-              <a:rPr lang="fr-FR" dirty="0"/>
-              <a:t>Expliquer pourquoi après exécution du code le score affiche -1 ?</a:t>
-            </a:r>
-          </a:p>
-          <a:p>
-            <a:endParaRPr lang="fr-FR" dirty="0"/>
-          </a:p>
-          <a:p>
-            <a:r>
-              <a:rPr lang="fr-FR" dirty="0">
-                <a:solidFill>
-                  <a:srgbClr val="FF0000"/>
-                </a:solidFill>
-              </a:rPr>
-              <a:t>Solution : car pomme 2 et pomme 3 ne sont pas touchées et provoquent un décrément de -1. On a donc +1-1-1 = -1. </a:t>
-            </a:r>
-            <a:endParaRPr lang="fr-FR" dirty="0"/>
-          </a:p>
-          <a:p>
-            <a:pPr lvl="1"/>
-            <a:endParaRPr lang="fr-FR" dirty="0"/>
-          </a:p>
-          <a:p>
-            <a:endParaRPr lang="fr-FR" dirty="0"/>
-          </a:p>
-          <a:p>
-            <a:pPr lvl="1"/>
-            <a:endParaRPr lang="fr-FR" dirty="0"/>
+            <a:endParaRPr lang="fr-FR" sz="2000" b="1" dirty="0"/>
+          </a:p>
+          <a:p>
+            <a:endParaRPr lang="fr-FR" sz="2400" dirty="0"/>
           </a:p>
         </p:txBody>
       </p:sp>
       <p:pic>
         <p:nvPicPr>
-          <p:cNvPr id="6" name="Image 5">
-            <a:extLst>
-              <a:ext uri="{FF2B5EF4-FFF2-40B4-BE49-F238E27FC236}">
-                <a16:creationId xmlns:a16="http://schemas.microsoft.com/office/drawing/2014/main" id="{B04C115A-AD3C-4466-92FC-82EBEC44A19C}"/>
-              </a:ext>
-            </a:extLst>
-          </p:cNvPr>
+          <p:cNvPr id="1029" name="Picture 5"/>
           <p:cNvPicPr>
-            <a:picLocks noChangeAspect="1"/>
+            <a:picLocks noChangeAspect="1" noChangeArrowheads="1"/>
           </p:cNvPicPr>
           <p:nvPr/>
         </p:nvPicPr>
         <p:blipFill>
-          <a:blip r:embed="rId2"/>
+          <a:blip r:embed="rId2">
+            <a:extLst>
+              <a:ext uri="{28A0092B-C50C-407E-A947-70E740481C1C}">
+                <a14:useLocalDpi xmlns:a14="http://schemas.microsoft.com/office/drawing/2010/main" val="0"/>
+              </a:ext>
+            </a:extLst>
+          </a:blip>
+          <a:srcRect/>
           <a:stretch>
             <a:fillRect/>
           </a:stretch>
         </p:blipFill>
-        <p:spPr>
+        <p:spPr bwMode="auto">
           <a:xfrm>
-            <a:off x="6680476" y="92248"/>
-            <a:ext cx="2362124" cy="5483503"/>
+            <a:off x="179512" y="2636912"/>
+            <a:ext cx="3744416" cy="3632224"/>
           </a:xfrm>
           <a:prstGeom prst="rect">
             <a:avLst/>
           </a:prstGeom>
+          <a:noFill/>
+          <a:ln>
+            <a:noFill/>
+          </a:ln>
+          <a:effectLst/>
+          <a:extLst>
+            <a:ext uri="{909E8E84-426E-40DD-AFC4-6F175D3DCCD1}">
+              <a14:hiddenFill xmlns:a14="http://schemas.microsoft.com/office/drawing/2010/main">
+                <a:solidFill>
+                  <a:schemeClr val="accent1"/>
+                </a:solidFill>
+              </a14:hiddenFill>
+            </a:ext>
+            <a:ext uri="{91240B29-F687-4F45-9708-019B960494DF}">
+              <a14:hiddenLine xmlns:a14="http://schemas.microsoft.com/office/drawing/2010/main" w="9525">
+                <a:solidFill>
+                  <a:schemeClr val="tx1"/>
+                </a:solidFill>
+                <a:miter lim="800000"/>
+                <a:headEnd/>
+                <a:tailEnd/>
+              </a14:hiddenLine>
+            </a:ext>
+            <a:ext uri="{AF507438-7753-43E0-B8FC-AC1667EBCBE1}">
+              <a14:hiddenEffects xmlns:a14="http://schemas.microsoft.com/office/drawing/2010/main">
+                <a:effectLst>
+                  <a:outerShdw dist="35921" dir="2700000" algn="ctr" rotWithShape="0">
+                    <a:schemeClr val="bg2"/>
+                  </a:outerShdw>
+                </a:effectLst>
+              </a14:hiddenEffects>
+            </a:ext>
+          </a:extLst>
         </p:spPr>
       </p:pic>
+      <p:sp>
+        <p:nvSpPr>
+          <p:cNvPr id="6" name="Rectangle 5"/>
+          <p:cNvSpPr/>
+          <p:nvPr/>
+        </p:nvSpPr>
+        <p:spPr>
+          <a:xfrm>
+            <a:off x="179512" y="2636912"/>
+            <a:ext cx="3744416" cy="576064"/>
+          </a:xfrm>
+          <a:prstGeom prst="rect">
+            <a:avLst/>
+          </a:prstGeom>
+          <a:noFill/>
+          <a:ln w="28575">
+            <a:solidFill>
+              <a:srgbClr val="00B050"/>
+            </a:solidFill>
+          </a:ln>
+        </p:spPr>
+        <p:style>
+          <a:lnRef idx="2">
+            <a:schemeClr val="accent1">
+              <a:shade val="50000"/>
+            </a:schemeClr>
+          </a:lnRef>
+          <a:fillRef idx="1">
+            <a:schemeClr val="accent1"/>
+          </a:fillRef>
+          <a:effectRef idx="0">
+            <a:schemeClr val="accent1"/>
+          </a:effectRef>
+          <a:fontRef idx="minor">
+            <a:schemeClr val="lt1"/>
+          </a:fontRef>
+        </p:style>
+        <p:txBody>
+          <a:bodyPr rtlCol="0" anchor="ctr"/>
+          <a:lstStyle/>
+          <a:p>
+            <a:pPr algn="ctr"/>
+            <a:endParaRPr lang="fr-FR"/>
+          </a:p>
+        </p:txBody>
+      </p:sp>
+      <p:sp>
+        <p:nvSpPr>
+          <p:cNvPr id="14" name="Rectangle 13"/>
+          <p:cNvSpPr/>
+          <p:nvPr/>
+        </p:nvSpPr>
+        <p:spPr>
+          <a:xfrm>
+            <a:off x="179512" y="3212976"/>
+            <a:ext cx="3744416" cy="288032"/>
+          </a:xfrm>
+          <a:prstGeom prst="rect">
+            <a:avLst/>
+          </a:prstGeom>
+          <a:noFill/>
+          <a:ln w="28575">
+            <a:solidFill>
+              <a:srgbClr val="00B050"/>
+            </a:solidFill>
+          </a:ln>
+        </p:spPr>
+        <p:style>
+          <a:lnRef idx="2">
+            <a:schemeClr val="accent1">
+              <a:shade val="50000"/>
+            </a:schemeClr>
+          </a:lnRef>
+          <a:fillRef idx="1">
+            <a:schemeClr val="accent1"/>
+          </a:fillRef>
+          <a:effectRef idx="0">
+            <a:schemeClr val="accent1"/>
+          </a:effectRef>
+          <a:fontRef idx="minor">
+            <a:schemeClr val="lt1"/>
+          </a:fontRef>
+        </p:style>
+        <p:txBody>
+          <a:bodyPr rtlCol="0" anchor="ctr"/>
+          <a:lstStyle/>
+          <a:p>
+            <a:pPr algn="ctr"/>
+            <a:endParaRPr lang="fr-FR"/>
+          </a:p>
+        </p:txBody>
+      </p:sp>
+      <p:sp>
+        <p:nvSpPr>
+          <p:cNvPr id="15" name="Rectangle 14"/>
+          <p:cNvSpPr/>
+          <p:nvPr/>
+        </p:nvSpPr>
+        <p:spPr>
+          <a:xfrm>
+            <a:off x="179512" y="3501008"/>
+            <a:ext cx="3744416" cy="288032"/>
+          </a:xfrm>
+          <a:prstGeom prst="rect">
+            <a:avLst/>
+          </a:prstGeom>
+          <a:noFill/>
+          <a:ln w="28575">
+            <a:solidFill>
+              <a:srgbClr val="00B050"/>
+            </a:solidFill>
+          </a:ln>
+        </p:spPr>
+        <p:style>
+          <a:lnRef idx="2">
+            <a:schemeClr val="accent1">
+              <a:shade val="50000"/>
+            </a:schemeClr>
+          </a:lnRef>
+          <a:fillRef idx="1">
+            <a:schemeClr val="accent1"/>
+          </a:fillRef>
+          <a:effectRef idx="0">
+            <a:schemeClr val="accent1"/>
+          </a:effectRef>
+          <a:fontRef idx="minor">
+            <a:schemeClr val="lt1"/>
+          </a:fontRef>
+        </p:style>
+        <p:txBody>
+          <a:bodyPr rtlCol="0" anchor="ctr"/>
+          <a:lstStyle/>
+          <a:p>
+            <a:pPr algn="ctr"/>
+            <a:endParaRPr lang="fr-FR"/>
+          </a:p>
+        </p:txBody>
+      </p:sp>
+      <p:sp>
+        <p:nvSpPr>
+          <p:cNvPr id="16" name="Rectangle 15"/>
+          <p:cNvSpPr/>
+          <p:nvPr/>
+        </p:nvSpPr>
+        <p:spPr>
+          <a:xfrm>
+            <a:off x="179512" y="3797424"/>
+            <a:ext cx="3744416" cy="423664"/>
+          </a:xfrm>
+          <a:prstGeom prst="rect">
+            <a:avLst/>
+          </a:prstGeom>
+          <a:noFill/>
+          <a:ln w="28575">
+            <a:solidFill>
+              <a:srgbClr val="00B050"/>
+            </a:solidFill>
+          </a:ln>
+        </p:spPr>
+        <p:style>
+          <a:lnRef idx="2">
+            <a:schemeClr val="accent1">
+              <a:shade val="50000"/>
+            </a:schemeClr>
+          </a:lnRef>
+          <a:fillRef idx="1">
+            <a:schemeClr val="accent1"/>
+          </a:fillRef>
+          <a:effectRef idx="0">
+            <a:schemeClr val="accent1"/>
+          </a:effectRef>
+          <a:fontRef idx="minor">
+            <a:schemeClr val="lt1"/>
+          </a:fontRef>
+        </p:style>
+        <p:txBody>
+          <a:bodyPr rtlCol="0" anchor="ctr"/>
+          <a:lstStyle/>
+          <a:p>
+            <a:pPr algn="ctr"/>
+            <a:endParaRPr lang="fr-FR"/>
+          </a:p>
+        </p:txBody>
+      </p:sp>
+      <p:sp>
+        <p:nvSpPr>
+          <p:cNvPr id="17" name="Rectangle 16"/>
+          <p:cNvSpPr/>
+          <p:nvPr/>
+        </p:nvSpPr>
+        <p:spPr>
+          <a:xfrm>
+            <a:off x="180107" y="4221088"/>
+            <a:ext cx="3744416" cy="231936"/>
+          </a:xfrm>
+          <a:prstGeom prst="rect">
+            <a:avLst/>
+          </a:prstGeom>
+          <a:noFill/>
+          <a:ln w="28575">
+            <a:solidFill>
+              <a:srgbClr val="00B050"/>
+            </a:solidFill>
+          </a:ln>
+        </p:spPr>
+        <p:style>
+          <a:lnRef idx="2">
+            <a:schemeClr val="accent1">
+              <a:shade val="50000"/>
+            </a:schemeClr>
+          </a:lnRef>
+          <a:fillRef idx="1">
+            <a:schemeClr val="accent1"/>
+          </a:fillRef>
+          <a:effectRef idx="0">
+            <a:schemeClr val="accent1"/>
+          </a:effectRef>
+          <a:fontRef idx="minor">
+            <a:schemeClr val="lt1"/>
+          </a:fontRef>
+        </p:style>
+        <p:txBody>
+          <a:bodyPr rtlCol="0" anchor="ctr"/>
+          <a:lstStyle/>
+          <a:p>
+            <a:pPr algn="ctr"/>
+            <a:endParaRPr lang="fr-FR"/>
+          </a:p>
+        </p:txBody>
+      </p:sp>
+      <p:sp>
+        <p:nvSpPr>
+          <p:cNvPr id="18" name="Rectangle 17"/>
+          <p:cNvSpPr/>
+          <p:nvPr/>
+        </p:nvSpPr>
+        <p:spPr>
+          <a:xfrm>
+            <a:off x="180702" y="4453024"/>
+            <a:ext cx="3744416" cy="423664"/>
+          </a:xfrm>
+          <a:prstGeom prst="rect">
+            <a:avLst/>
+          </a:prstGeom>
+          <a:noFill/>
+          <a:ln w="28575">
+            <a:solidFill>
+              <a:srgbClr val="00B050"/>
+            </a:solidFill>
+          </a:ln>
+        </p:spPr>
+        <p:style>
+          <a:lnRef idx="2">
+            <a:schemeClr val="accent1">
+              <a:shade val="50000"/>
+            </a:schemeClr>
+          </a:lnRef>
+          <a:fillRef idx="1">
+            <a:schemeClr val="accent1"/>
+          </a:fillRef>
+          <a:effectRef idx="0">
+            <a:schemeClr val="accent1"/>
+          </a:effectRef>
+          <a:fontRef idx="minor">
+            <a:schemeClr val="lt1"/>
+          </a:fontRef>
+        </p:style>
+        <p:txBody>
+          <a:bodyPr rtlCol="0" anchor="ctr"/>
+          <a:lstStyle/>
+          <a:p>
+            <a:pPr algn="ctr"/>
+            <a:endParaRPr lang="fr-FR"/>
+          </a:p>
+        </p:txBody>
+      </p:sp>
+      <p:sp>
+        <p:nvSpPr>
+          <p:cNvPr id="19" name="Rectangle 18"/>
+          <p:cNvSpPr/>
+          <p:nvPr/>
+        </p:nvSpPr>
+        <p:spPr>
+          <a:xfrm>
+            <a:off x="181297" y="4870387"/>
+            <a:ext cx="3744416" cy="286805"/>
+          </a:xfrm>
+          <a:prstGeom prst="rect">
+            <a:avLst/>
+          </a:prstGeom>
+          <a:noFill/>
+          <a:ln w="28575">
+            <a:solidFill>
+              <a:srgbClr val="00B050"/>
+            </a:solidFill>
+          </a:ln>
+        </p:spPr>
+        <p:style>
+          <a:lnRef idx="2">
+            <a:schemeClr val="accent1">
+              <a:shade val="50000"/>
+            </a:schemeClr>
+          </a:lnRef>
+          <a:fillRef idx="1">
+            <a:schemeClr val="accent1"/>
+          </a:fillRef>
+          <a:effectRef idx="0">
+            <a:schemeClr val="accent1"/>
+          </a:effectRef>
+          <a:fontRef idx="minor">
+            <a:schemeClr val="lt1"/>
+          </a:fontRef>
+        </p:style>
+        <p:txBody>
+          <a:bodyPr rtlCol="0" anchor="ctr"/>
+          <a:lstStyle/>
+          <a:p>
+            <a:pPr algn="ctr"/>
+            <a:endParaRPr lang="fr-FR"/>
+          </a:p>
+        </p:txBody>
+      </p:sp>
+      <p:sp>
+        <p:nvSpPr>
+          <p:cNvPr id="20" name="Rectangle 19"/>
+          <p:cNvSpPr/>
+          <p:nvPr/>
+        </p:nvSpPr>
+        <p:spPr>
+          <a:xfrm>
+            <a:off x="179513" y="5157192"/>
+            <a:ext cx="3744416" cy="720080"/>
+          </a:xfrm>
+          <a:prstGeom prst="rect">
+            <a:avLst/>
+          </a:prstGeom>
+          <a:noFill/>
+          <a:ln w="28575">
+            <a:solidFill>
+              <a:srgbClr val="00B050"/>
+            </a:solidFill>
+          </a:ln>
+        </p:spPr>
+        <p:style>
+          <a:lnRef idx="2">
+            <a:schemeClr val="accent1">
+              <a:shade val="50000"/>
+            </a:schemeClr>
+          </a:lnRef>
+          <a:fillRef idx="1">
+            <a:schemeClr val="accent1"/>
+          </a:fillRef>
+          <a:effectRef idx="0">
+            <a:schemeClr val="accent1"/>
+          </a:effectRef>
+          <a:fontRef idx="minor">
+            <a:schemeClr val="lt1"/>
+          </a:fontRef>
+        </p:style>
+        <p:txBody>
+          <a:bodyPr rtlCol="0" anchor="ctr"/>
+          <a:lstStyle/>
+          <a:p>
+            <a:pPr algn="ctr"/>
+            <a:endParaRPr lang="fr-FR"/>
+          </a:p>
+        </p:txBody>
+      </p:sp>
+      <p:cxnSp>
+        <p:nvCxnSpPr>
+          <p:cNvPr id="23" name="Connecteur droit avec flèche 22"/>
+          <p:cNvCxnSpPr>
+            <a:endCxn id="17" idx="3"/>
+          </p:cNvCxnSpPr>
+          <p:nvPr/>
+        </p:nvCxnSpPr>
+        <p:spPr>
+          <a:xfrm flipH="1">
+            <a:off x="3924523" y="2420888"/>
+            <a:ext cx="1367557" cy="1916168"/>
+          </a:xfrm>
+          <a:prstGeom prst="straightConnector1">
+            <a:avLst/>
+          </a:prstGeom>
+          <a:ln>
+            <a:solidFill>
+              <a:srgbClr val="FF0000"/>
+            </a:solidFill>
+            <a:tailEnd type="stealth" w="med" len="lg"/>
+          </a:ln>
+        </p:spPr>
+        <p:style>
+          <a:lnRef idx="1">
+            <a:schemeClr val="accent1"/>
+          </a:lnRef>
+          <a:fillRef idx="0">
+            <a:schemeClr val="accent1"/>
+          </a:fillRef>
+          <a:effectRef idx="0">
+            <a:schemeClr val="accent1"/>
+          </a:effectRef>
+          <a:fontRef idx="minor">
+            <a:schemeClr val="tx1"/>
+          </a:fontRef>
+        </p:style>
+      </p:cxnSp>
+      <p:sp>
+        <p:nvSpPr>
+          <p:cNvPr id="13" name="ZoneTexte 12"/>
+          <p:cNvSpPr txBox="1"/>
+          <p:nvPr/>
+        </p:nvSpPr>
+        <p:spPr>
+          <a:xfrm>
+            <a:off x="5292080" y="2206605"/>
+            <a:ext cx="3312368" cy="646331"/>
+          </a:xfrm>
+          <a:prstGeom prst="rect">
+            <a:avLst/>
+          </a:prstGeom>
+          <a:noFill/>
+        </p:spPr>
+        <p:txBody>
+          <a:bodyPr wrap="square" rtlCol="0">
+            <a:spAutoFit/>
+          </a:bodyPr>
+          <a:lstStyle/>
+          <a:p>
+            <a:r>
+              <a:rPr lang="fr-FR" dirty="0" smtClean="0"/>
+              <a:t>Solution 1 : modifier la condition : </a:t>
+            </a:r>
+          </a:p>
+          <a:p>
+            <a:endParaRPr lang="fr-FR" dirty="0"/>
+          </a:p>
+        </p:txBody>
+      </p:sp>
       <p:pic>
         <p:nvPicPr>
-          <p:cNvPr id="7" name="Image 6">
-            <a:extLst>
-              <a:ext uri="{FF2B5EF4-FFF2-40B4-BE49-F238E27FC236}">
-                <a16:creationId xmlns:a16="http://schemas.microsoft.com/office/drawing/2014/main" id="{05B13936-50E7-423B-8912-23682D98AC98}"/>
-              </a:ext>
-            </a:extLst>
-          </p:cNvPr>
+          <p:cNvPr id="2050" name="Picture 2"/>
           <p:cNvPicPr>
-            <a:picLocks noChangeAspect="1"/>
+            <a:picLocks noChangeAspect="1" noChangeArrowheads="1"/>
           </p:cNvPicPr>
           <p:nvPr/>
         </p:nvPicPr>
         <p:blipFill>
-          <a:blip r:embed="rId3"/>
+          <a:blip r:embed="rId3">
+            <a:extLst>
+              <a:ext uri="{28A0092B-C50C-407E-A947-70E740481C1C}">
+                <a14:useLocalDpi xmlns:a14="http://schemas.microsoft.com/office/drawing/2010/main" val="0"/>
+              </a:ext>
+            </a:extLst>
+          </a:blip>
+          <a:srcRect/>
           <a:stretch>
             <a:fillRect/>
           </a:stretch>
         </p:blipFill>
-        <p:spPr>
+        <p:spPr bwMode="auto">
           <a:xfrm>
-            <a:off x="6924002" y="5616710"/>
-            <a:ext cx="1512166" cy="1196666"/>
+            <a:off x="5920463" y="2579070"/>
+            <a:ext cx="1685925" cy="266700"/>
           </a:xfrm>
           <a:prstGeom prst="rect">
             <a:avLst/>
           </a:prstGeom>
+          <a:noFill/>
+          <a:ln>
+            <a:noFill/>
+          </a:ln>
+          <a:effectLst/>
+          <a:extLst>
+            <a:ext uri="{909E8E84-426E-40DD-AFC4-6F175D3DCCD1}">
+              <a14:hiddenFill xmlns:a14="http://schemas.microsoft.com/office/drawing/2010/main">
+                <a:solidFill>
+                  <a:schemeClr val="accent1"/>
+                </a:solidFill>
+              </a14:hiddenFill>
+            </a:ext>
+            <a:ext uri="{91240B29-F687-4F45-9708-019B960494DF}">
+              <a14:hiddenLine xmlns:a14="http://schemas.microsoft.com/office/drawing/2010/main" w="9525">
+                <a:solidFill>
+                  <a:schemeClr val="tx1"/>
+                </a:solidFill>
+                <a:miter lim="800000"/>
+                <a:headEnd/>
+                <a:tailEnd/>
+              </a14:hiddenLine>
+            </a:ext>
+            <a:ext uri="{AF507438-7753-43E0-B8FC-AC1667EBCBE1}">
+              <a14:hiddenEffects xmlns:a14="http://schemas.microsoft.com/office/drawing/2010/main">
+                <a:effectLst>
+                  <a:outerShdw dist="35921" dir="2700000" algn="ctr" rotWithShape="0">
+                    <a:schemeClr val="bg2"/>
+                  </a:outerShdw>
+                </a:effectLst>
+              </a14:hiddenEffects>
+            </a:ext>
+          </a:extLst>
         </p:spPr>
       </p:pic>
+      <p:sp>
+        <p:nvSpPr>
+          <p:cNvPr id="30" name="ZoneTexte 29"/>
+          <p:cNvSpPr txBox="1"/>
+          <p:nvPr/>
+        </p:nvSpPr>
+        <p:spPr>
+          <a:xfrm>
+            <a:off x="5301778" y="4690623"/>
+            <a:ext cx="3312368" cy="646331"/>
+          </a:xfrm>
+          <a:prstGeom prst="rect">
+            <a:avLst/>
+          </a:prstGeom>
+          <a:noFill/>
+        </p:spPr>
+        <p:txBody>
+          <a:bodyPr wrap="square" rtlCol="0">
+            <a:spAutoFit/>
+          </a:bodyPr>
+          <a:lstStyle/>
+          <a:p>
+            <a:r>
+              <a:rPr lang="fr-FR" dirty="0" smtClean="0"/>
+              <a:t>Solution 2 : permuter les deux blocs</a:t>
+            </a:r>
+          </a:p>
+        </p:txBody>
+      </p:sp>
+      <p:cxnSp>
+        <p:nvCxnSpPr>
+          <p:cNvPr id="31" name="Connecteur droit avec flèche 30"/>
+          <p:cNvCxnSpPr>
+            <a:stCxn id="30" idx="1"/>
+            <a:endCxn id="18" idx="3"/>
+          </p:cNvCxnSpPr>
+          <p:nvPr/>
+        </p:nvCxnSpPr>
+        <p:spPr>
+          <a:xfrm flipH="1" flipV="1">
+            <a:off x="3925118" y="4664856"/>
+            <a:ext cx="1376660" cy="348933"/>
+          </a:xfrm>
+          <a:prstGeom prst="straightConnector1">
+            <a:avLst/>
+          </a:prstGeom>
+          <a:ln>
+            <a:solidFill>
+              <a:srgbClr val="FF0000"/>
+            </a:solidFill>
+            <a:tailEnd type="stealth" w="med" len="lg"/>
+          </a:ln>
+        </p:spPr>
+        <p:style>
+          <a:lnRef idx="1">
+            <a:schemeClr val="accent1"/>
+          </a:lnRef>
+          <a:fillRef idx="0">
+            <a:schemeClr val="accent1"/>
+          </a:fillRef>
+          <a:effectRef idx="0">
+            <a:schemeClr val="accent1"/>
+          </a:effectRef>
+          <a:fontRef idx="minor">
+            <a:schemeClr val="tx1"/>
+          </a:fontRef>
+        </p:style>
+      </p:cxnSp>
+      <p:cxnSp>
+        <p:nvCxnSpPr>
+          <p:cNvPr id="36" name="Connecteur droit avec flèche 35"/>
+          <p:cNvCxnSpPr>
+            <a:stCxn id="30" idx="1"/>
+            <a:endCxn id="20" idx="3"/>
+          </p:cNvCxnSpPr>
+          <p:nvPr/>
+        </p:nvCxnSpPr>
+        <p:spPr>
+          <a:xfrm flipH="1">
+            <a:off x="3923929" y="5013789"/>
+            <a:ext cx="1377849" cy="503443"/>
+          </a:xfrm>
+          <a:prstGeom prst="straightConnector1">
+            <a:avLst/>
+          </a:prstGeom>
+          <a:ln>
+            <a:solidFill>
+              <a:srgbClr val="FF0000"/>
+            </a:solidFill>
+            <a:tailEnd type="stealth" w="med" len="lg"/>
+          </a:ln>
+        </p:spPr>
+        <p:style>
+          <a:lnRef idx="1">
+            <a:schemeClr val="accent1"/>
+          </a:lnRef>
+          <a:fillRef idx="0">
+            <a:schemeClr val="accent1"/>
+          </a:fillRef>
+          <a:effectRef idx="0">
+            <a:schemeClr val="accent1"/>
+          </a:effectRef>
+          <a:fontRef idx="minor">
+            <a:schemeClr val="tx1"/>
+          </a:fontRef>
+        </p:style>
+      </p:cxnSp>
     </p:spTree>
     <p:extLst>
       <p:ext uri="{BB962C8B-B14F-4D97-AF65-F5344CB8AC3E}">
-        <p14:creationId xmlns:p14="http://schemas.microsoft.com/office/powerpoint/2010/main" val="1587110190"/>
+        <p14:creationId xmlns:p14="http://schemas.microsoft.com/office/powerpoint/2010/main" val="1750146207"/>
       </p:ext>
     </p:extLst>
   </p:cSld>
@@ -5140,7 +5939,13 @@
       </p:grpSpPr>
       <p:sp>
         <p:nvSpPr>
-          <p:cNvPr id="2" name="Titre 1"/>
+          <p:cNvPr id="2" name="Titre 1">
+            <a:extLst>
+              <a:ext uri="{FF2B5EF4-FFF2-40B4-BE49-F238E27FC236}">
+                <a16:creationId xmlns:a16="http://schemas.microsoft.com/office/drawing/2014/main" xmlns="" id="{A50E88D1-9F88-4DD9-B49F-E0B6DA92E401}"/>
+              </a:ext>
+            </a:extLst>
+          </p:cNvPr>
           <p:cNvSpPr>
             <a:spLocks noGrp="1"/>
           </p:cNvSpPr>
@@ -5164,14 +5969,20 @@
             </a:br>
             <a:r>
               <a:rPr lang="fr-FR" dirty="0"/>
-              <a:t>Notion de variable</a:t>
+              <a:t>Programmation évènementielle</a:t>
             </a:r>
           </a:p>
         </p:txBody>
       </p:sp>
       <p:sp>
         <p:nvSpPr>
-          <p:cNvPr id="3" name="Espace réservé du pied de page 2"/>
+          <p:cNvPr id="3" name="Espace réservé du pied de page 2">
+            <a:extLst>
+              <a:ext uri="{FF2B5EF4-FFF2-40B4-BE49-F238E27FC236}">
+                <a16:creationId xmlns:a16="http://schemas.microsoft.com/office/drawing/2014/main" xmlns="" id="{374C4879-A86D-4EED-816C-EBCBBEFE99DE}"/>
+              </a:ext>
+            </a:extLst>
+          </p:cNvPr>
           <p:cNvSpPr>
             <a:spLocks noGrp="1"/>
           </p:cNvSpPr>
@@ -5193,7 +6004,13 @@
       </p:sp>
       <p:sp>
         <p:nvSpPr>
-          <p:cNvPr id="4" name="Espace réservé du numéro de diapositive 3"/>
+          <p:cNvPr id="4" name="Espace réservé du numéro de diapositive 3">
+            <a:extLst>
+              <a:ext uri="{FF2B5EF4-FFF2-40B4-BE49-F238E27FC236}">
+                <a16:creationId xmlns:a16="http://schemas.microsoft.com/office/drawing/2014/main" xmlns="" id="{A638A11C-FC34-488C-84D2-D9C4BE342283}"/>
+              </a:ext>
+            </a:extLst>
+          </p:cNvPr>
           <p:cNvSpPr>
             <a:spLocks noGrp="1"/>
           </p:cNvSpPr>
@@ -5216,7 +6033,13 @@
       </p:sp>
       <p:sp>
         <p:nvSpPr>
-          <p:cNvPr id="5" name="Espace réservé du contenu 4"/>
+          <p:cNvPr id="5" name="Espace réservé du contenu 4">
+            <a:extLst>
+              <a:ext uri="{FF2B5EF4-FFF2-40B4-BE49-F238E27FC236}">
+                <a16:creationId xmlns:a16="http://schemas.microsoft.com/office/drawing/2014/main" xmlns="" id="{9BF805D8-C616-4736-9695-A9AC51FC4C31}"/>
+              </a:ext>
+            </a:extLst>
+          </p:cNvPr>
           <p:cNvSpPr>
             <a:spLocks noGrp="1"/>
           </p:cNvSpPr>
@@ -5224,38 +6047,21 @@
             <p:ph sz="quarter" idx="1"/>
           </p:nvPr>
         </p:nvSpPr>
-        <p:spPr>
-          <a:xfrm>
-            <a:off x="251520" y="980728"/>
-            <a:ext cx="8640960" cy="5328592"/>
-          </a:xfrm>
-        </p:spPr>
+        <p:spPr/>
         <p:txBody>
           <a:bodyPr/>
           <a:lstStyle/>
           <a:p>
             <a:r>
               <a:rPr lang="fr-FR" dirty="0"/>
-              <a:t>Le programme suivant permet-il de manger les pommes tout en mettant le score à jour ?</a:t>
+              <a:t>On souhaite qu’une pomme s’efface lorsqu’elle est mangée. </a:t>
             </a:r>
           </a:p>
           <a:p>
-            <a:endParaRPr lang="fr-FR" dirty="0"/>
-          </a:p>
-          <a:p>
-            <a:endParaRPr lang="fr-FR" dirty="0"/>
-          </a:p>
-          <a:p>
-            <a:endParaRPr lang="fr-FR" dirty="0"/>
-          </a:p>
-          <a:p>
-            <a:endParaRPr lang="fr-FR" dirty="0"/>
-          </a:p>
-          <a:p>
-            <a:endParaRPr lang="fr-FR" dirty="0"/>
-          </a:p>
-          <a:p>
-            <a:endParaRPr lang="fr-FR" dirty="0"/>
+            <a:r>
+              <a:rPr lang="fr-FR" dirty="0"/>
+              <a:t>On donne les instructions liées à la pomme. </a:t>
+            </a:r>
           </a:p>
           <a:p>
             <a:r>
@@ -5264,17 +6070,20 @@
                   <a:srgbClr val="FF0000"/>
                 </a:solidFill>
               </a:rPr>
-              <a:t>Solution : le score est bien mis à jour MAIS les pommes 2 et 3 n’ont pas disparu.</a:t>
+              <a:t>Parmi ces 3 blocs d’instructions, lequel correspond à une programmation évènementielle pour faire disparaître la pomme ?</a:t>
             </a:r>
+          </a:p>
+          <a:p>
+            <a:endParaRPr lang="fr-FR" dirty="0"/>
           </a:p>
         </p:txBody>
       </p:sp>
       <p:pic>
         <p:nvPicPr>
-          <p:cNvPr id="7" name="Image 6">
+          <p:cNvPr id="6" name="Image 5">
             <a:extLst>
               <a:ext uri="{FF2B5EF4-FFF2-40B4-BE49-F238E27FC236}">
-                <a16:creationId xmlns:a16="http://schemas.microsoft.com/office/drawing/2014/main" id="{D44839DF-3A5A-4B9E-A112-FF65D7CD0C33}"/>
+                <a16:creationId xmlns:a16="http://schemas.microsoft.com/office/drawing/2014/main" xmlns="" id="{D94F185B-CCE5-4782-8231-38E17005C9D3}"/>
               </a:ext>
             </a:extLst>
           </p:cNvPr>
@@ -5283,26 +6092,1044 @@
           </p:cNvPicPr>
           <p:nvPr/>
         </p:nvPicPr>
-        <p:blipFill>
+        <p:blipFill rotWithShape="1">
           <a:blip r:embed="rId2"/>
-          <a:stretch>
-            <a:fillRect/>
-          </a:stretch>
+          <a:srcRect r="67441" b="48860"/>
+          <a:stretch/>
         </p:blipFill>
         <p:spPr>
           <a:xfrm>
-            <a:off x="251520" y="1916831"/>
-            <a:ext cx="8640960" cy="2342155"/>
+            <a:off x="676833" y="3191438"/>
+            <a:ext cx="1504084" cy="959599"/>
           </a:xfrm>
           <a:prstGeom prst="rect">
             <a:avLst/>
           </a:prstGeom>
         </p:spPr>
       </p:pic>
+      <p:pic>
+        <p:nvPicPr>
+          <p:cNvPr id="8" name="Image 7">
+            <a:extLst>
+              <a:ext uri="{FF2B5EF4-FFF2-40B4-BE49-F238E27FC236}">
+                <a16:creationId xmlns:a16="http://schemas.microsoft.com/office/drawing/2014/main" xmlns="" id="{8C7975D4-9548-4DB8-BB05-D8A340D8E2FC}"/>
+              </a:ext>
+            </a:extLst>
+          </p:cNvPr>
+          <p:cNvPicPr>
+            <a:picLocks noChangeAspect="1"/>
+          </p:cNvPicPr>
+          <p:nvPr/>
+        </p:nvPicPr>
+        <p:blipFill rotWithShape="1">
+          <a:blip r:embed="rId2"/>
+          <a:srcRect t="65770" r="49028"/>
+          <a:stretch/>
+        </p:blipFill>
+        <p:spPr>
+          <a:xfrm>
+            <a:off x="3394645" y="3158299"/>
+            <a:ext cx="2354710" cy="642294"/>
+          </a:xfrm>
+          <a:prstGeom prst="rect">
+            <a:avLst/>
+          </a:prstGeom>
+        </p:spPr>
+      </p:pic>
+      <p:pic>
+        <p:nvPicPr>
+          <p:cNvPr id="9" name="Image 8">
+            <a:extLst>
+              <a:ext uri="{FF2B5EF4-FFF2-40B4-BE49-F238E27FC236}">
+                <a16:creationId xmlns:a16="http://schemas.microsoft.com/office/drawing/2014/main" xmlns="" id="{CDA311BF-3DC3-40D9-B00F-39C51A44EFB0}"/>
+              </a:ext>
+            </a:extLst>
+          </p:cNvPr>
+          <p:cNvPicPr>
+            <a:picLocks noChangeAspect="1"/>
+          </p:cNvPicPr>
+          <p:nvPr/>
+        </p:nvPicPr>
+        <p:blipFill rotWithShape="1">
+          <a:blip r:embed="rId2"/>
+          <a:srcRect l="54308" t="3510" b="15903"/>
+          <a:stretch/>
+        </p:blipFill>
+        <p:spPr>
+          <a:xfrm>
+            <a:off x="6392957" y="2681848"/>
+            <a:ext cx="2110805" cy="1512169"/>
+          </a:xfrm>
+          <a:prstGeom prst="rect">
+            <a:avLst/>
+          </a:prstGeom>
+        </p:spPr>
+      </p:pic>
+      <p:sp>
+        <p:nvSpPr>
+          <p:cNvPr id="10" name="Espace réservé du contenu 4">
+            <a:extLst>
+              <a:ext uri="{FF2B5EF4-FFF2-40B4-BE49-F238E27FC236}">
+                <a16:creationId xmlns:a16="http://schemas.microsoft.com/office/drawing/2014/main" xmlns="" id="{1E1A7E71-EF3C-4791-8B1A-8D54D07ABA46}"/>
+              </a:ext>
+            </a:extLst>
+          </p:cNvPr>
+          <p:cNvSpPr txBox="1">
+            <a:spLocks/>
+          </p:cNvSpPr>
+          <p:nvPr/>
+        </p:nvSpPr>
+        <p:spPr>
+          <a:xfrm>
+            <a:off x="539552" y="4581128"/>
+            <a:ext cx="2354711" cy="1656954"/>
+          </a:xfrm>
+          <a:prstGeom prst="rect">
+            <a:avLst/>
+          </a:prstGeom>
+          <a:solidFill>
+            <a:schemeClr val="accent5">
+              <a:lumMod val="20000"/>
+              <a:lumOff val="80000"/>
+            </a:schemeClr>
+          </a:solidFill>
+          <a:ln>
+            <a:noFill/>
+            <a:prstDash val="lgDash"/>
+          </a:ln>
+        </p:spPr>
+        <p:txBody>
+          <a:bodyPr vert="horz">
+            <a:normAutofit lnSpcReduction="10000"/>
+          </a:bodyPr>
+          <a:lstStyle>
+            <a:lvl1pPr marL="274320" indent="-274320" algn="l" rtl="0" eaLnBrk="1" latinLnBrk="0" hangingPunct="1">
+              <a:spcBef>
+                <a:spcPts val="600"/>
+              </a:spcBef>
+              <a:buClr>
+                <a:schemeClr val="accent5">
+                  <a:lumMod val="50000"/>
+                </a:schemeClr>
+              </a:buClr>
+              <a:buSzPct val="76000"/>
+              <a:buFont typeface="Wingdings 3"/>
+              <a:buChar char=""/>
+              <a:defRPr kumimoji="0" sz="2600" kern="1200">
+                <a:solidFill>
+                  <a:schemeClr val="tx1"/>
+                </a:solidFill>
+                <a:latin typeface="+mn-lt"/>
+                <a:ea typeface="+mn-ea"/>
+                <a:cs typeface="+mn-cs"/>
+              </a:defRPr>
+            </a:lvl1pPr>
+            <a:lvl2pPr marL="548640" indent="-274320" algn="l" rtl="0" eaLnBrk="1" latinLnBrk="0" hangingPunct="1">
+              <a:spcBef>
+                <a:spcPts val="500"/>
+              </a:spcBef>
+              <a:buClr>
+                <a:schemeClr val="accent5">
+                  <a:lumMod val="75000"/>
+                </a:schemeClr>
+              </a:buClr>
+              <a:buSzPct val="76000"/>
+              <a:buFont typeface="Wingdings 3"/>
+              <a:buChar char=""/>
+              <a:defRPr kumimoji="0" sz="2300" kern="1200">
+                <a:solidFill>
+                  <a:schemeClr val="tx1"/>
+                </a:solidFill>
+                <a:latin typeface="+mn-lt"/>
+                <a:ea typeface="+mn-ea"/>
+                <a:cs typeface="+mn-cs"/>
+              </a:defRPr>
+            </a:lvl2pPr>
+            <a:lvl3pPr marL="822960" indent="-228600" algn="l" rtl="0" eaLnBrk="1" latinLnBrk="0" hangingPunct="1">
+              <a:spcBef>
+                <a:spcPts val="500"/>
+              </a:spcBef>
+              <a:buClr>
+                <a:schemeClr val="accent5">
+                  <a:lumMod val="75000"/>
+                </a:schemeClr>
+              </a:buClr>
+              <a:buSzPct val="76000"/>
+              <a:buFont typeface="Wingdings 3"/>
+              <a:buChar char=""/>
+              <a:defRPr kumimoji="0" sz="2000" kern="1200">
+                <a:solidFill>
+                  <a:schemeClr val="tx1"/>
+                </a:solidFill>
+                <a:latin typeface="+mn-lt"/>
+                <a:ea typeface="+mn-ea"/>
+                <a:cs typeface="+mn-cs"/>
+              </a:defRPr>
+            </a:lvl3pPr>
+            <a:lvl4pPr marL="1097280" indent="-228600" algn="l" rtl="0" eaLnBrk="1" latinLnBrk="0" hangingPunct="1">
+              <a:spcBef>
+                <a:spcPts val="400"/>
+              </a:spcBef>
+              <a:buClr>
+                <a:schemeClr val="accent5">
+                  <a:lumMod val="75000"/>
+                </a:schemeClr>
+              </a:buClr>
+              <a:buSzPct val="70000"/>
+              <a:buFont typeface="Wingdings"/>
+              <a:buChar char=""/>
+              <a:defRPr kumimoji="0" sz="1800" kern="1200">
+                <a:solidFill>
+                  <a:schemeClr val="tx1"/>
+                </a:solidFill>
+                <a:latin typeface="+mn-lt"/>
+                <a:ea typeface="+mn-ea"/>
+                <a:cs typeface="+mn-cs"/>
+              </a:defRPr>
+            </a:lvl4pPr>
+            <a:lvl5pPr marL="1371600" indent="-228600" algn="l" rtl="0" eaLnBrk="1" latinLnBrk="0" hangingPunct="1">
+              <a:spcBef>
+                <a:spcPts val="300"/>
+              </a:spcBef>
+              <a:buClr>
+                <a:schemeClr val="accent5">
+                  <a:lumMod val="75000"/>
+                </a:schemeClr>
+              </a:buClr>
+              <a:buSzPct val="70000"/>
+              <a:buFont typeface="Wingdings"/>
+              <a:buChar char=""/>
+              <a:defRPr kumimoji="0" sz="1600" kern="1200">
+                <a:solidFill>
+                  <a:schemeClr val="tx1"/>
+                </a:solidFill>
+                <a:latin typeface="+mn-lt"/>
+                <a:ea typeface="+mn-ea"/>
+                <a:cs typeface="+mn-cs"/>
+              </a:defRPr>
+            </a:lvl5pPr>
+            <a:lvl6pPr marL="1645920" indent="-182880" algn="l" rtl="0" eaLnBrk="1" latinLnBrk="0" hangingPunct="1">
+              <a:spcBef>
+                <a:spcPts val="300"/>
+              </a:spcBef>
+              <a:buClr>
+                <a:srgbClr val="9FB8CD">
+                  <a:shade val="75000"/>
+                </a:srgbClr>
+              </a:buClr>
+              <a:buSzPct val="75000"/>
+              <a:buFont typeface="Wingdings 3"/>
+              <a:buChar char=""/>
+              <a:defRPr kumimoji="0" lang="en-US" sz="1600" kern="1200" smtClean="0">
+                <a:solidFill>
+                  <a:schemeClr val="tx1"/>
+                </a:solidFill>
+                <a:latin typeface="+mn-lt"/>
+                <a:ea typeface="+mn-ea"/>
+                <a:cs typeface="+mn-cs"/>
+              </a:defRPr>
+            </a:lvl6pPr>
+            <a:lvl7pPr marL="1828800" indent="-182880" algn="l" rtl="0" eaLnBrk="1" latinLnBrk="0" hangingPunct="1">
+              <a:spcBef>
+                <a:spcPts val="300"/>
+              </a:spcBef>
+              <a:buClr>
+                <a:srgbClr val="727CA3">
+                  <a:shade val="75000"/>
+                </a:srgbClr>
+              </a:buClr>
+              <a:buSzPct val="75000"/>
+              <a:buFont typeface="Wingdings 3"/>
+              <a:buChar char=""/>
+              <a:defRPr kumimoji="0" lang="en-US" sz="1400" kern="1200" smtClean="0">
+                <a:solidFill>
+                  <a:schemeClr val="tx1"/>
+                </a:solidFill>
+                <a:latin typeface="+mn-lt"/>
+                <a:ea typeface="+mn-ea"/>
+                <a:cs typeface="+mn-cs"/>
+              </a:defRPr>
+            </a:lvl7pPr>
+            <a:lvl8pPr marL="2011680" indent="-182880" algn="l" rtl="0" eaLnBrk="1" latinLnBrk="0" hangingPunct="1">
+              <a:spcBef>
+                <a:spcPts val="300"/>
+              </a:spcBef>
+              <a:buClr>
+                <a:prstClr val="white">
+                  <a:shade val="50000"/>
+                </a:prstClr>
+              </a:buClr>
+              <a:buSzPct val="75000"/>
+              <a:buFont typeface="Wingdings 3"/>
+              <a:buChar char=""/>
+              <a:defRPr kumimoji="0" lang="en-US" sz="1400" kern="1200" smtClean="0">
+                <a:solidFill>
+                  <a:schemeClr val="tx1"/>
+                </a:solidFill>
+                <a:latin typeface="+mn-lt"/>
+                <a:ea typeface="+mn-ea"/>
+                <a:cs typeface="+mn-cs"/>
+              </a:defRPr>
+            </a:lvl8pPr>
+            <a:lvl9pPr marL="2194560" indent="-182880" algn="l" rtl="0" eaLnBrk="1" latinLnBrk="0" hangingPunct="1">
+              <a:spcBef>
+                <a:spcPts val="300"/>
+              </a:spcBef>
+              <a:buClr>
+                <a:srgbClr val="9FB8CD"/>
+              </a:buClr>
+              <a:buSzPct val="75000"/>
+              <a:buFont typeface="Wingdings 3"/>
+              <a:buChar char=""/>
+              <a:defRPr kumimoji="0" lang="en-US" sz="1200" kern="1200" smtClean="0">
+                <a:solidFill>
+                  <a:schemeClr val="tx1"/>
+                </a:solidFill>
+                <a:latin typeface="+mn-lt"/>
+                <a:ea typeface="+mn-ea"/>
+                <a:cs typeface="+mn-cs"/>
+              </a:defRPr>
+            </a:lvl9pPr>
+          </a:lstStyle>
+          <a:p>
+            <a:pPr marL="0" indent="0">
+              <a:buNone/>
+            </a:pPr>
+            <a:r>
+              <a:rPr lang="fr-FR" sz="1600" dirty="0"/>
+              <a:t>Ce bloc est événementiel car il est déclenché au démarrage de l’application. Il permet de positionner la pomme à un endroit précis au démarrage. </a:t>
+            </a:r>
+          </a:p>
+        </p:txBody>
+      </p:sp>
+      <p:sp>
+        <p:nvSpPr>
+          <p:cNvPr id="11" name="Espace réservé du contenu 4">
+            <a:extLst>
+              <a:ext uri="{FF2B5EF4-FFF2-40B4-BE49-F238E27FC236}">
+                <a16:creationId xmlns:a16="http://schemas.microsoft.com/office/drawing/2014/main" xmlns="" id="{9AEB556E-8C9C-49DE-A707-7756BAB2F86E}"/>
+              </a:ext>
+            </a:extLst>
+          </p:cNvPr>
+          <p:cNvSpPr txBox="1">
+            <a:spLocks/>
+          </p:cNvSpPr>
+          <p:nvPr/>
+        </p:nvSpPr>
+        <p:spPr>
+          <a:xfrm>
+            <a:off x="3091284" y="4581128"/>
+            <a:ext cx="2354711" cy="1656954"/>
+          </a:xfrm>
+          <a:prstGeom prst="rect">
+            <a:avLst/>
+          </a:prstGeom>
+          <a:solidFill>
+            <a:schemeClr val="accent5">
+              <a:lumMod val="20000"/>
+              <a:lumOff val="80000"/>
+            </a:schemeClr>
+          </a:solidFill>
+          <a:ln>
+            <a:noFill/>
+            <a:prstDash val="lgDash"/>
+          </a:ln>
+        </p:spPr>
+        <p:txBody>
+          <a:bodyPr vert="horz">
+            <a:normAutofit/>
+          </a:bodyPr>
+          <a:lstStyle>
+            <a:lvl1pPr marL="274320" indent="-274320" algn="l" rtl="0" eaLnBrk="1" latinLnBrk="0" hangingPunct="1">
+              <a:spcBef>
+                <a:spcPts val="600"/>
+              </a:spcBef>
+              <a:buClr>
+                <a:schemeClr val="accent5">
+                  <a:lumMod val="50000"/>
+                </a:schemeClr>
+              </a:buClr>
+              <a:buSzPct val="76000"/>
+              <a:buFont typeface="Wingdings 3"/>
+              <a:buChar char=""/>
+              <a:defRPr kumimoji="0" sz="2600" kern="1200">
+                <a:solidFill>
+                  <a:schemeClr val="tx1"/>
+                </a:solidFill>
+                <a:latin typeface="+mn-lt"/>
+                <a:ea typeface="+mn-ea"/>
+                <a:cs typeface="+mn-cs"/>
+              </a:defRPr>
+            </a:lvl1pPr>
+            <a:lvl2pPr marL="548640" indent="-274320" algn="l" rtl="0" eaLnBrk="1" latinLnBrk="0" hangingPunct="1">
+              <a:spcBef>
+                <a:spcPts val="500"/>
+              </a:spcBef>
+              <a:buClr>
+                <a:schemeClr val="accent5">
+                  <a:lumMod val="75000"/>
+                </a:schemeClr>
+              </a:buClr>
+              <a:buSzPct val="76000"/>
+              <a:buFont typeface="Wingdings 3"/>
+              <a:buChar char=""/>
+              <a:defRPr kumimoji="0" sz="2300" kern="1200">
+                <a:solidFill>
+                  <a:schemeClr val="tx1"/>
+                </a:solidFill>
+                <a:latin typeface="+mn-lt"/>
+                <a:ea typeface="+mn-ea"/>
+                <a:cs typeface="+mn-cs"/>
+              </a:defRPr>
+            </a:lvl2pPr>
+            <a:lvl3pPr marL="822960" indent="-228600" algn="l" rtl="0" eaLnBrk="1" latinLnBrk="0" hangingPunct="1">
+              <a:spcBef>
+                <a:spcPts val="500"/>
+              </a:spcBef>
+              <a:buClr>
+                <a:schemeClr val="accent5">
+                  <a:lumMod val="75000"/>
+                </a:schemeClr>
+              </a:buClr>
+              <a:buSzPct val="76000"/>
+              <a:buFont typeface="Wingdings 3"/>
+              <a:buChar char=""/>
+              <a:defRPr kumimoji="0" sz="2000" kern="1200">
+                <a:solidFill>
+                  <a:schemeClr val="tx1"/>
+                </a:solidFill>
+                <a:latin typeface="+mn-lt"/>
+                <a:ea typeface="+mn-ea"/>
+                <a:cs typeface="+mn-cs"/>
+              </a:defRPr>
+            </a:lvl3pPr>
+            <a:lvl4pPr marL="1097280" indent="-228600" algn="l" rtl="0" eaLnBrk="1" latinLnBrk="0" hangingPunct="1">
+              <a:spcBef>
+                <a:spcPts val="400"/>
+              </a:spcBef>
+              <a:buClr>
+                <a:schemeClr val="accent5">
+                  <a:lumMod val="75000"/>
+                </a:schemeClr>
+              </a:buClr>
+              <a:buSzPct val="70000"/>
+              <a:buFont typeface="Wingdings"/>
+              <a:buChar char=""/>
+              <a:defRPr kumimoji="0" sz="1800" kern="1200">
+                <a:solidFill>
+                  <a:schemeClr val="tx1"/>
+                </a:solidFill>
+                <a:latin typeface="+mn-lt"/>
+                <a:ea typeface="+mn-ea"/>
+                <a:cs typeface="+mn-cs"/>
+              </a:defRPr>
+            </a:lvl4pPr>
+            <a:lvl5pPr marL="1371600" indent="-228600" algn="l" rtl="0" eaLnBrk="1" latinLnBrk="0" hangingPunct="1">
+              <a:spcBef>
+                <a:spcPts val="300"/>
+              </a:spcBef>
+              <a:buClr>
+                <a:schemeClr val="accent5">
+                  <a:lumMod val="75000"/>
+                </a:schemeClr>
+              </a:buClr>
+              <a:buSzPct val="70000"/>
+              <a:buFont typeface="Wingdings"/>
+              <a:buChar char=""/>
+              <a:defRPr kumimoji="0" sz="1600" kern="1200">
+                <a:solidFill>
+                  <a:schemeClr val="tx1"/>
+                </a:solidFill>
+                <a:latin typeface="+mn-lt"/>
+                <a:ea typeface="+mn-ea"/>
+                <a:cs typeface="+mn-cs"/>
+              </a:defRPr>
+            </a:lvl5pPr>
+            <a:lvl6pPr marL="1645920" indent="-182880" algn="l" rtl="0" eaLnBrk="1" latinLnBrk="0" hangingPunct="1">
+              <a:spcBef>
+                <a:spcPts val="300"/>
+              </a:spcBef>
+              <a:buClr>
+                <a:srgbClr val="9FB8CD">
+                  <a:shade val="75000"/>
+                </a:srgbClr>
+              </a:buClr>
+              <a:buSzPct val="75000"/>
+              <a:buFont typeface="Wingdings 3"/>
+              <a:buChar char=""/>
+              <a:defRPr kumimoji="0" lang="en-US" sz="1600" kern="1200" smtClean="0">
+                <a:solidFill>
+                  <a:schemeClr val="tx1"/>
+                </a:solidFill>
+                <a:latin typeface="+mn-lt"/>
+                <a:ea typeface="+mn-ea"/>
+                <a:cs typeface="+mn-cs"/>
+              </a:defRPr>
+            </a:lvl6pPr>
+            <a:lvl7pPr marL="1828800" indent="-182880" algn="l" rtl="0" eaLnBrk="1" latinLnBrk="0" hangingPunct="1">
+              <a:spcBef>
+                <a:spcPts val="300"/>
+              </a:spcBef>
+              <a:buClr>
+                <a:srgbClr val="727CA3">
+                  <a:shade val="75000"/>
+                </a:srgbClr>
+              </a:buClr>
+              <a:buSzPct val="75000"/>
+              <a:buFont typeface="Wingdings 3"/>
+              <a:buChar char=""/>
+              <a:defRPr kumimoji="0" lang="en-US" sz="1400" kern="1200" smtClean="0">
+                <a:solidFill>
+                  <a:schemeClr val="tx1"/>
+                </a:solidFill>
+                <a:latin typeface="+mn-lt"/>
+                <a:ea typeface="+mn-ea"/>
+                <a:cs typeface="+mn-cs"/>
+              </a:defRPr>
+            </a:lvl7pPr>
+            <a:lvl8pPr marL="2011680" indent="-182880" algn="l" rtl="0" eaLnBrk="1" latinLnBrk="0" hangingPunct="1">
+              <a:spcBef>
+                <a:spcPts val="300"/>
+              </a:spcBef>
+              <a:buClr>
+                <a:prstClr val="white">
+                  <a:shade val="50000"/>
+                </a:prstClr>
+              </a:buClr>
+              <a:buSzPct val="75000"/>
+              <a:buFont typeface="Wingdings 3"/>
+              <a:buChar char=""/>
+              <a:defRPr kumimoji="0" lang="en-US" sz="1400" kern="1200" smtClean="0">
+                <a:solidFill>
+                  <a:schemeClr val="tx1"/>
+                </a:solidFill>
+                <a:latin typeface="+mn-lt"/>
+                <a:ea typeface="+mn-ea"/>
+                <a:cs typeface="+mn-cs"/>
+              </a:defRPr>
+            </a:lvl8pPr>
+            <a:lvl9pPr marL="2194560" indent="-182880" algn="l" rtl="0" eaLnBrk="1" latinLnBrk="0" hangingPunct="1">
+              <a:spcBef>
+                <a:spcPts val="300"/>
+              </a:spcBef>
+              <a:buClr>
+                <a:srgbClr val="9FB8CD"/>
+              </a:buClr>
+              <a:buSzPct val="75000"/>
+              <a:buFont typeface="Wingdings 3"/>
+              <a:buChar char=""/>
+              <a:defRPr kumimoji="0" lang="en-US" sz="1200" kern="1200" smtClean="0">
+                <a:solidFill>
+                  <a:schemeClr val="tx1"/>
+                </a:solidFill>
+                <a:latin typeface="+mn-lt"/>
+                <a:ea typeface="+mn-ea"/>
+                <a:cs typeface="+mn-cs"/>
+              </a:defRPr>
+            </a:lvl9pPr>
+          </a:lstStyle>
+          <a:p>
+            <a:pPr marL="0" indent="0">
+              <a:buNone/>
+            </a:pPr>
+            <a:r>
+              <a:rPr lang="fr-FR" sz="1600" dirty="0"/>
+              <a:t>Ce bloc permet de faire disparaitre la pomme lorsqu’un message est émis. Il s’agit d’une disparition purement événementielle. </a:t>
+            </a:r>
+          </a:p>
+        </p:txBody>
+      </p:sp>
+      <p:sp>
+        <p:nvSpPr>
+          <p:cNvPr id="12" name="Espace réservé du contenu 4">
+            <a:extLst>
+              <a:ext uri="{FF2B5EF4-FFF2-40B4-BE49-F238E27FC236}">
+                <a16:creationId xmlns:a16="http://schemas.microsoft.com/office/drawing/2014/main" xmlns="" id="{ECBDC822-6D98-409B-9897-7DFF5B4DFF33}"/>
+              </a:ext>
+            </a:extLst>
+          </p:cNvPr>
+          <p:cNvSpPr txBox="1">
+            <a:spLocks/>
+          </p:cNvSpPr>
+          <p:nvPr/>
+        </p:nvSpPr>
+        <p:spPr>
+          <a:xfrm>
+            <a:off x="5940152" y="4434818"/>
+            <a:ext cx="2696453" cy="1803264"/>
+          </a:xfrm>
+          <a:prstGeom prst="rect">
+            <a:avLst/>
+          </a:prstGeom>
+          <a:solidFill>
+            <a:schemeClr val="accent5">
+              <a:lumMod val="20000"/>
+              <a:lumOff val="80000"/>
+            </a:schemeClr>
+          </a:solidFill>
+          <a:ln>
+            <a:noFill/>
+            <a:prstDash val="lgDash"/>
+          </a:ln>
+        </p:spPr>
+        <p:txBody>
+          <a:bodyPr vert="horz">
+            <a:normAutofit fontScale="77500" lnSpcReduction="20000"/>
+          </a:bodyPr>
+          <a:lstStyle>
+            <a:lvl1pPr marL="274320" indent="-274320" algn="l" rtl="0" eaLnBrk="1" latinLnBrk="0" hangingPunct="1">
+              <a:spcBef>
+                <a:spcPts val="600"/>
+              </a:spcBef>
+              <a:buClr>
+                <a:schemeClr val="accent5">
+                  <a:lumMod val="50000"/>
+                </a:schemeClr>
+              </a:buClr>
+              <a:buSzPct val="76000"/>
+              <a:buFont typeface="Wingdings 3"/>
+              <a:buChar char=""/>
+              <a:defRPr kumimoji="0" sz="2600" kern="1200">
+                <a:solidFill>
+                  <a:schemeClr val="tx1"/>
+                </a:solidFill>
+                <a:latin typeface="+mn-lt"/>
+                <a:ea typeface="+mn-ea"/>
+                <a:cs typeface="+mn-cs"/>
+              </a:defRPr>
+            </a:lvl1pPr>
+            <a:lvl2pPr marL="548640" indent="-274320" algn="l" rtl="0" eaLnBrk="1" latinLnBrk="0" hangingPunct="1">
+              <a:spcBef>
+                <a:spcPts val="500"/>
+              </a:spcBef>
+              <a:buClr>
+                <a:schemeClr val="accent5">
+                  <a:lumMod val="75000"/>
+                </a:schemeClr>
+              </a:buClr>
+              <a:buSzPct val="76000"/>
+              <a:buFont typeface="Wingdings 3"/>
+              <a:buChar char=""/>
+              <a:defRPr kumimoji="0" sz="2300" kern="1200">
+                <a:solidFill>
+                  <a:schemeClr val="tx1"/>
+                </a:solidFill>
+                <a:latin typeface="+mn-lt"/>
+                <a:ea typeface="+mn-ea"/>
+                <a:cs typeface="+mn-cs"/>
+              </a:defRPr>
+            </a:lvl2pPr>
+            <a:lvl3pPr marL="822960" indent="-228600" algn="l" rtl="0" eaLnBrk="1" latinLnBrk="0" hangingPunct="1">
+              <a:spcBef>
+                <a:spcPts val="500"/>
+              </a:spcBef>
+              <a:buClr>
+                <a:schemeClr val="accent5">
+                  <a:lumMod val="75000"/>
+                </a:schemeClr>
+              </a:buClr>
+              <a:buSzPct val="76000"/>
+              <a:buFont typeface="Wingdings 3"/>
+              <a:buChar char=""/>
+              <a:defRPr kumimoji="0" sz="2000" kern="1200">
+                <a:solidFill>
+                  <a:schemeClr val="tx1"/>
+                </a:solidFill>
+                <a:latin typeface="+mn-lt"/>
+                <a:ea typeface="+mn-ea"/>
+                <a:cs typeface="+mn-cs"/>
+              </a:defRPr>
+            </a:lvl3pPr>
+            <a:lvl4pPr marL="1097280" indent="-228600" algn="l" rtl="0" eaLnBrk="1" latinLnBrk="0" hangingPunct="1">
+              <a:spcBef>
+                <a:spcPts val="400"/>
+              </a:spcBef>
+              <a:buClr>
+                <a:schemeClr val="accent5">
+                  <a:lumMod val="75000"/>
+                </a:schemeClr>
+              </a:buClr>
+              <a:buSzPct val="70000"/>
+              <a:buFont typeface="Wingdings"/>
+              <a:buChar char=""/>
+              <a:defRPr kumimoji="0" sz="1800" kern="1200">
+                <a:solidFill>
+                  <a:schemeClr val="tx1"/>
+                </a:solidFill>
+                <a:latin typeface="+mn-lt"/>
+                <a:ea typeface="+mn-ea"/>
+                <a:cs typeface="+mn-cs"/>
+              </a:defRPr>
+            </a:lvl4pPr>
+            <a:lvl5pPr marL="1371600" indent="-228600" algn="l" rtl="0" eaLnBrk="1" latinLnBrk="0" hangingPunct="1">
+              <a:spcBef>
+                <a:spcPts val="300"/>
+              </a:spcBef>
+              <a:buClr>
+                <a:schemeClr val="accent5">
+                  <a:lumMod val="75000"/>
+                </a:schemeClr>
+              </a:buClr>
+              <a:buSzPct val="70000"/>
+              <a:buFont typeface="Wingdings"/>
+              <a:buChar char=""/>
+              <a:defRPr kumimoji="0" sz="1600" kern="1200">
+                <a:solidFill>
+                  <a:schemeClr val="tx1"/>
+                </a:solidFill>
+                <a:latin typeface="+mn-lt"/>
+                <a:ea typeface="+mn-ea"/>
+                <a:cs typeface="+mn-cs"/>
+              </a:defRPr>
+            </a:lvl5pPr>
+            <a:lvl6pPr marL="1645920" indent="-182880" algn="l" rtl="0" eaLnBrk="1" latinLnBrk="0" hangingPunct="1">
+              <a:spcBef>
+                <a:spcPts val="300"/>
+              </a:spcBef>
+              <a:buClr>
+                <a:srgbClr val="9FB8CD">
+                  <a:shade val="75000"/>
+                </a:srgbClr>
+              </a:buClr>
+              <a:buSzPct val="75000"/>
+              <a:buFont typeface="Wingdings 3"/>
+              <a:buChar char=""/>
+              <a:defRPr kumimoji="0" lang="en-US" sz="1600" kern="1200" smtClean="0">
+                <a:solidFill>
+                  <a:schemeClr val="tx1"/>
+                </a:solidFill>
+                <a:latin typeface="+mn-lt"/>
+                <a:ea typeface="+mn-ea"/>
+                <a:cs typeface="+mn-cs"/>
+              </a:defRPr>
+            </a:lvl6pPr>
+            <a:lvl7pPr marL="1828800" indent="-182880" algn="l" rtl="0" eaLnBrk="1" latinLnBrk="0" hangingPunct="1">
+              <a:spcBef>
+                <a:spcPts val="300"/>
+              </a:spcBef>
+              <a:buClr>
+                <a:srgbClr val="727CA3">
+                  <a:shade val="75000"/>
+                </a:srgbClr>
+              </a:buClr>
+              <a:buSzPct val="75000"/>
+              <a:buFont typeface="Wingdings 3"/>
+              <a:buChar char=""/>
+              <a:defRPr kumimoji="0" lang="en-US" sz="1400" kern="1200" smtClean="0">
+                <a:solidFill>
+                  <a:schemeClr val="tx1"/>
+                </a:solidFill>
+                <a:latin typeface="+mn-lt"/>
+                <a:ea typeface="+mn-ea"/>
+                <a:cs typeface="+mn-cs"/>
+              </a:defRPr>
+            </a:lvl7pPr>
+            <a:lvl8pPr marL="2011680" indent="-182880" algn="l" rtl="0" eaLnBrk="1" latinLnBrk="0" hangingPunct="1">
+              <a:spcBef>
+                <a:spcPts val="300"/>
+              </a:spcBef>
+              <a:buClr>
+                <a:prstClr val="white">
+                  <a:shade val="50000"/>
+                </a:prstClr>
+              </a:buClr>
+              <a:buSzPct val="75000"/>
+              <a:buFont typeface="Wingdings 3"/>
+              <a:buChar char=""/>
+              <a:defRPr kumimoji="0" lang="en-US" sz="1400" kern="1200" smtClean="0">
+                <a:solidFill>
+                  <a:schemeClr val="tx1"/>
+                </a:solidFill>
+                <a:latin typeface="+mn-lt"/>
+                <a:ea typeface="+mn-ea"/>
+                <a:cs typeface="+mn-cs"/>
+              </a:defRPr>
+            </a:lvl8pPr>
+            <a:lvl9pPr marL="2194560" indent="-182880" algn="l" rtl="0" eaLnBrk="1" latinLnBrk="0" hangingPunct="1">
+              <a:spcBef>
+                <a:spcPts val="300"/>
+              </a:spcBef>
+              <a:buClr>
+                <a:srgbClr val="9FB8CD"/>
+              </a:buClr>
+              <a:buSzPct val="75000"/>
+              <a:buFont typeface="Wingdings 3"/>
+              <a:buChar char=""/>
+              <a:defRPr kumimoji="0" lang="en-US" sz="1200" kern="1200" smtClean="0">
+                <a:solidFill>
+                  <a:schemeClr val="tx1"/>
+                </a:solidFill>
+                <a:latin typeface="+mn-lt"/>
+                <a:ea typeface="+mn-ea"/>
+                <a:cs typeface="+mn-cs"/>
+              </a:defRPr>
+            </a:lvl9pPr>
+          </a:lstStyle>
+          <a:p>
+            <a:pPr marL="0" indent="0">
+              <a:buNone/>
+            </a:pPr>
+            <a:r>
+              <a:rPr lang="fr-FR" sz="1600" dirty="0"/>
+              <a:t>Ce bloc est déclenché au démarrage. Il comporte une boucle infinie qui va scruter si le lutin a touché la pomme. </a:t>
+            </a:r>
+          </a:p>
+          <a:p>
+            <a:pPr marL="0" indent="0">
+              <a:buNone/>
+            </a:pPr>
+            <a:r>
+              <a:rPr lang="fr-FR" sz="1600" dirty="0"/>
+              <a:t>L’action de cacher est donc déclenchée par un événement. Cependant l’utilisation de la boucle répétition n’est pas optimale. </a:t>
+            </a:r>
+          </a:p>
+          <a:p>
+            <a:pPr marL="0" indent="0">
+              <a:buNone/>
+            </a:pPr>
+            <a:r>
+              <a:rPr lang="fr-FR" sz="1600" dirty="0"/>
+              <a:t>(En effet, le lutin pourrait avoir été touché à un instant ou le test n’est pas effectué.)</a:t>
+            </a:r>
+          </a:p>
+        </p:txBody>
+      </p:sp>
+      <p:sp>
+        <p:nvSpPr>
+          <p:cNvPr id="13" name="Espace réservé du contenu 4">
+            <a:extLst>
+              <a:ext uri="{FF2B5EF4-FFF2-40B4-BE49-F238E27FC236}">
+                <a16:creationId xmlns:a16="http://schemas.microsoft.com/office/drawing/2014/main" xmlns="" id="{E0ECA4FB-A27A-4EF4-8C7D-5B9524C6BE3F}"/>
+              </a:ext>
+            </a:extLst>
+          </p:cNvPr>
+          <p:cNvSpPr txBox="1">
+            <a:spLocks/>
+          </p:cNvSpPr>
+          <p:nvPr/>
+        </p:nvSpPr>
+        <p:spPr>
+          <a:xfrm>
+            <a:off x="251520" y="4151037"/>
+            <a:ext cx="8631324" cy="2158283"/>
+          </a:xfrm>
+          <a:prstGeom prst="rect">
+            <a:avLst/>
+          </a:prstGeom>
+          <a:ln>
+            <a:solidFill>
+              <a:schemeClr val="accent5">
+                <a:lumMod val="50000"/>
+              </a:schemeClr>
+            </a:solidFill>
+            <a:prstDash val="lgDash"/>
+          </a:ln>
+        </p:spPr>
+        <p:txBody>
+          <a:bodyPr vert="horz">
+            <a:normAutofit/>
+          </a:bodyPr>
+          <a:lstStyle>
+            <a:lvl1pPr marL="274320" indent="-274320" algn="l" rtl="0" eaLnBrk="1" latinLnBrk="0" hangingPunct="1">
+              <a:spcBef>
+                <a:spcPts val="600"/>
+              </a:spcBef>
+              <a:buClr>
+                <a:schemeClr val="accent5">
+                  <a:lumMod val="50000"/>
+                </a:schemeClr>
+              </a:buClr>
+              <a:buSzPct val="76000"/>
+              <a:buFont typeface="Wingdings 3"/>
+              <a:buChar char=""/>
+              <a:defRPr kumimoji="0" sz="2600" kern="1200">
+                <a:solidFill>
+                  <a:schemeClr val="tx1"/>
+                </a:solidFill>
+                <a:latin typeface="+mn-lt"/>
+                <a:ea typeface="+mn-ea"/>
+                <a:cs typeface="+mn-cs"/>
+              </a:defRPr>
+            </a:lvl1pPr>
+            <a:lvl2pPr marL="548640" indent="-274320" algn="l" rtl="0" eaLnBrk="1" latinLnBrk="0" hangingPunct="1">
+              <a:spcBef>
+                <a:spcPts val="500"/>
+              </a:spcBef>
+              <a:buClr>
+                <a:schemeClr val="accent5">
+                  <a:lumMod val="75000"/>
+                </a:schemeClr>
+              </a:buClr>
+              <a:buSzPct val="76000"/>
+              <a:buFont typeface="Wingdings 3"/>
+              <a:buChar char=""/>
+              <a:defRPr kumimoji="0" sz="2300" kern="1200">
+                <a:solidFill>
+                  <a:schemeClr val="tx1"/>
+                </a:solidFill>
+                <a:latin typeface="+mn-lt"/>
+                <a:ea typeface="+mn-ea"/>
+                <a:cs typeface="+mn-cs"/>
+              </a:defRPr>
+            </a:lvl2pPr>
+            <a:lvl3pPr marL="822960" indent="-228600" algn="l" rtl="0" eaLnBrk="1" latinLnBrk="0" hangingPunct="1">
+              <a:spcBef>
+                <a:spcPts val="500"/>
+              </a:spcBef>
+              <a:buClr>
+                <a:schemeClr val="accent5">
+                  <a:lumMod val="75000"/>
+                </a:schemeClr>
+              </a:buClr>
+              <a:buSzPct val="76000"/>
+              <a:buFont typeface="Wingdings 3"/>
+              <a:buChar char=""/>
+              <a:defRPr kumimoji="0" sz="2000" kern="1200">
+                <a:solidFill>
+                  <a:schemeClr val="tx1"/>
+                </a:solidFill>
+                <a:latin typeface="+mn-lt"/>
+                <a:ea typeface="+mn-ea"/>
+                <a:cs typeface="+mn-cs"/>
+              </a:defRPr>
+            </a:lvl3pPr>
+            <a:lvl4pPr marL="1097280" indent="-228600" algn="l" rtl="0" eaLnBrk="1" latinLnBrk="0" hangingPunct="1">
+              <a:spcBef>
+                <a:spcPts val="400"/>
+              </a:spcBef>
+              <a:buClr>
+                <a:schemeClr val="accent5">
+                  <a:lumMod val="75000"/>
+                </a:schemeClr>
+              </a:buClr>
+              <a:buSzPct val="70000"/>
+              <a:buFont typeface="Wingdings"/>
+              <a:buChar char=""/>
+              <a:defRPr kumimoji="0" sz="1800" kern="1200">
+                <a:solidFill>
+                  <a:schemeClr val="tx1"/>
+                </a:solidFill>
+                <a:latin typeface="+mn-lt"/>
+                <a:ea typeface="+mn-ea"/>
+                <a:cs typeface="+mn-cs"/>
+              </a:defRPr>
+            </a:lvl4pPr>
+            <a:lvl5pPr marL="1371600" indent="-228600" algn="l" rtl="0" eaLnBrk="1" latinLnBrk="0" hangingPunct="1">
+              <a:spcBef>
+                <a:spcPts val="300"/>
+              </a:spcBef>
+              <a:buClr>
+                <a:schemeClr val="accent5">
+                  <a:lumMod val="75000"/>
+                </a:schemeClr>
+              </a:buClr>
+              <a:buSzPct val="70000"/>
+              <a:buFont typeface="Wingdings"/>
+              <a:buChar char=""/>
+              <a:defRPr kumimoji="0" sz="1600" kern="1200">
+                <a:solidFill>
+                  <a:schemeClr val="tx1"/>
+                </a:solidFill>
+                <a:latin typeface="+mn-lt"/>
+                <a:ea typeface="+mn-ea"/>
+                <a:cs typeface="+mn-cs"/>
+              </a:defRPr>
+            </a:lvl5pPr>
+            <a:lvl6pPr marL="1645920" indent="-182880" algn="l" rtl="0" eaLnBrk="1" latinLnBrk="0" hangingPunct="1">
+              <a:spcBef>
+                <a:spcPts val="300"/>
+              </a:spcBef>
+              <a:buClr>
+                <a:srgbClr val="9FB8CD">
+                  <a:shade val="75000"/>
+                </a:srgbClr>
+              </a:buClr>
+              <a:buSzPct val="75000"/>
+              <a:buFont typeface="Wingdings 3"/>
+              <a:buChar char=""/>
+              <a:defRPr kumimoji="0" lang="en-US" sz="1600" kern="1200" smtClean="0">
+                <a:solidFill>
+                  <a:schemeClr val="tx1"/>
+                </a:solidFill>
+                <a:latin typeface="+mn-lt"/>
+                <a:ea typeface="+mn-ea"/>
+                <a:cs typeface="+mn-cs"/>
+              </a:defRPr>
+            </a:lvl6pPr>
+            <a:lvl7pPr marL="1828800" indent="-182880" algn="l" rtl="0" eaLnBrk="1" latinLnBrk="0" hangingPunct="1">
+              <a:spcBef>
+                <a:spcPts val="300"/>
+              </a:spcBef>
+              <a:buClr>
+                <a:srgbClr val="727CA3">
+                  <a:shade val="75000"/>
+                </a:srgbClr>
+              </a:buClr>
+              <a:buSzPct val="75000"/>
+              <a:buFont typeface="Wingdings 3"/>
+              <a:buChar char=""/>
+              <a:defRPr kumimoji="0" lang="en-US" sz="1400" kern="1200" smtClean="0">
+                <a:solidFill>
+                  <a:schemeClr val="tx1"/>
+                </a:solidFill>
+                <a:latin typeface="+mn-lt"/>
+                <a:ea typeface="+mn-ea"/>
+                <a:cs typeface="+mn-cs"/>
+              </a:defRPr>
+            </a:lvl7pPr>
+            <a:lvl8pPr marL="2011680" indent="-182880" algn="l" rtl="0" eaLnBrk="1" latinLnBrk="0" hangingPunct="1">
+              <a:spcBef>
+                <a:spcPts val="300"/>
+              </a:spcBef>
+              <a:buClr>
+                <a:prstClr val="white">
+                  <a:shade val="50000"/>
+                </a:prstClr>
+              </a:buClr>
+              <a:buSzPct val="75000"/>
+              <a:buFont typeface="Wingdings 3"/>
+              <a:buChar char=""/>
+              <a:defRPr kumimoji="0" lang="en-US" sz="1400" kern="1200" smtClean="0">
+                <a:solidFill>
+                  <a:schemeClr val="tx1"/>
+                </a:solidFill>
+                <a:latin typeface="+mn-lt"/>
+                <a:ea typeface="+mn-ea"/>
+                <a:cs typeface="+mn-cs"/>
+              </a:defRPr>
+            </a:lvl8pPr>
+            <a:lvl9pPr marL="2194560" indent="-182880" algn="l" rtl="0" eaLnBrk="1" latinLnBrk="0" hangingPunct="1">
+              <a:spcBef>
+                <a:spcPts val="300"/>
+              </a:spcBef>
+              <a:buClr>
+                <a:srgbClr val="9FB8CD"/>
+              </a:buClr>
+              <a:buSzPct val="75000"/>
+              <a:buFont typeface="Wingdings 3"/>
+              <a:buChar char=""/>
+              <a:defRPr kumimoji="0" lang="en-US" sz="1200" kern="1200" smtClean="0">
+                <a:solidFill>
+                  <a:schemeClr val="tx1"/>
+                </a:solidFill>
+                <a:latin typeface="+mn-lt"/>
+                <a:ea typeface="+mn-ea"/>
+                <a:cs typeface="+mn-cs"/>
+              </a:defRPr>
+            </a:lvl9pPr>
+          </a:lstStyle>
+          <a:p>
+            <a:r>
+              <a:rPr lang="fr-FR" sz="2000" dirty="0" smtClean="0"/>
+              <a:t>Solution </a:t>
+            </a:r>
+          </a:p>
+        </p:txBody>
+      </p:sp>
     </p:spTree>
     <p:extLst>
       <p:ext uri="{BB962C8B-B14F-4D97-AF65-F5344CB8AC3E}">
-        <p14:creationId xmlns:p14="http://schemas.microsoft.com/office/powerpoint/2010/main" val="4097941839"/>
+        <p14:creationId xmlns:p14="http://schemas.microsoft.com/office/powerpoint/2010/main" val="3996279214"/>
       </p:ext>
     </p:extLst>
   </p:cSld>
@@ -5415,54 +7242,71 @@
             <p:ph sz="quarter" idx="1"/>
           </p:nvPr>
         </p:nvSpPr>
-        <p:spPr/>
+        <p:spPr>
+          <a:xfrm>
+            <a:off x="251520" y="980728"/>
+            <a:ext cx="6428956" cy="4032448"/>
+          </a:xfrm>
+        </p:spPr>
         <p:txBody>
-          <a:bodyPr/>
+          <a:bodyPr>
+            <a:normAutofit fontScale="92500" lnSpcReduction="20000"/>
+          </a:bodyPr>
           <a:lstStyle/>
           <a:p>
             <a:r>
               <a:rPr lang="fr-FR" dirty="0"/>
-              <a:t>Quel sera le score après l’exécution du code suivant</a:t>
+              <a:t>On souhaite afficher le score. Pour cela :</a:t>
             </a:r>
           </a:p>
           <a:p>
+            <a:pPr lvl="1"/>
+            <a:r>
+              <a:rPr lang="fr-FR" dirty="0"/>
+              <a:t>on définit une variable « Score »</a:t>
+            </a:r>
+          </a:p>
+          <a:p>
+            <a:pPr lvl="1"/>
+            <a:r>
+              <a:rPr lang="fr-FR" dirty="0"/>
+              <a:t>Cette variable doit être incrémentée de +1 lorsqu’on fait l’action de manger une pomme et qu’une pomme est sur la case. </a:t>
+            </a:r>
+          </a:p>
+          <a:p>
+            <a:pPr lvl="1"/>
+            <a:r>
+              <a:rPr lang="fr-FR" dirty="0"/>
+              <a:t>Cette variable doit être décrémentée de 1 lorsqu’on fait l’action de manger une pomme et qu’il n’y a pas de pomme est sur la case. </a:t>
+            </a:r>
+          </a:p>
+          <a:p>
+            <a:pPr lvl="1"/>
             <a:endParaRPr lang="fr-FR" dirty="0"/>
           </a:p>
           <a:p>
-            <a:endParaRPr lang="fr-FR" dirty="0"/>
-          </a:p>
-          <a:p>
-            <a:endParaRPr lang="fr-FR" dirty="0"/>
-          </a:p>
-          <a:p>
-            <a:endParaRPr lang="fr-FR" dirty="0"/>
-          </a:p>
-          <a:p>
-            <a:endParaRPr lang="fr-FR" dirty="0"/>
-          </a:p>
-          <a:p>
-            <a:endParaRPr lang="fr-FR" dirty="0"/>
-          </a:p>
-          <a:p>
-            <a:endParaRPr lang="fr-FR" dirty="0"/>
-          </a:p>
-          <a:p>
-            <a:endParaRPr lang="fr-FR" dirty="0"/>
-          </a:p>
-          <a:p>
-            <a:endParaRPr lang="fr-FR" dirty="0"/>
-          </a:p>
-          <a:p>
             <a:r>
-              <a:rPr lang="fr-FR" dirty="0">
-                <a:solidFill>
-                  <a:srgbClr val="FF0000"/>
-                </a:solidFill>
-              </a:rPr>
-              <a:t>Solution : 2</a:t>
+              <a:rPr lang="fr-FR" dirty="0"/>
+              <a:t>La fonction « </a:t>
             </a:r>
-          </a:p>
-          <a:p>
+            <a:r>
+              <a:rPr lang="fr-FR" dirty="0" err="1"/>
+              <a:t>MangerPomme</a:t>
+            </a:r>
+            <a:r>
+              <a:rPr lang="fr-FR" dirty="0"/>
+              <a:t> » est définie ci-contre. </a:t>
+            </a:r>
+          </a:p>
+          <a:p>
+            <a:r>
+              <a:rPr lang="fr-FR" dirty="0"/>
+              <a:t>Expliquer pourquoi après exécution du code le score affiche -1 </a:t>
+            </a:r>
+            <a:r>
+              <a:rPr lang="fr-FR" dirty="0" smtClean="0"/>
+              <a:t>?</a:t>
+            </a:r>
             <a:endParaRPr lang="fr-FR" dirty="0"/>
           </a:p>
         </p:txBody>
@@ -5472,7 +7316,7 @@
           <p:cNvPr id="6" name="Image 5">
             <a:extLst>
               <a:ext uri="{FF2B5EF4-FFF2-40B4-BE49-F238E27FC236}">
-                <a16:creationId xmlns:a16="http://schemas.microsoft.com/office/drawing/2014/main" id="{97998113-6F67-4122-8C7C-3494D318CB06}"/>
+                <a16:creationId xmlns:a16="http://schemas.microsoft.com/office/drawing/2014/main" xmlns="" id="{B04C115A-AD3C-4466-92FC-82EBEC44A19C}"/>
               </a:ext>
             </a:extLst>
           </p:cNvPr>
@@ -5489,8 +7333,8 @@
         </p:blipFill>
         <p:spPr>
           <a:xfrm>
-            <a:off x="454518" y="1556792"/>
-            <a:ext cx="4438650" cy="3962400"/>
+            <a:off x="6680476" y="92248"/>
+            <a:ext cx="2362124" cy="5483503"/>
           </a:xfrm>
           <a:prstGeom prst="rect">
             <a:avLst/>
@@ -5502,7 +7346,7 @@
           <p:cNvPr id="7" name="Image 6">
             <a:extLst>
               <a:ext uri="{FF2B5EF4-FFF2-40B4-BE49-F238E27FC236}">
-                <a16:creationId xmlns:a16="http://schemas.microsoft.com/office/drawing/2014/main" id="{79296190-7E7C-4BF5-89E2-B767E1861F21}"/>
+                <a16:creationId xmlns:a16="http://schemas.microsoft.com/office/drawing/2014/main" xmlns="" id="{05B13936-50E7-423B-8912-23682D98AC98}"/>
               </a:ext>
             </a:extLst>
           </p:cNvPr>
@@ -5519,18 +7363,271 @@
         </p:blipFill>
         <p:spPr>
           <a:xfrm>
-            <a:off x="5106601" y="2061828"/>
-            <a:ext cx="3730707" cy="2952328"/>
+            <a:off x="6924002" y="5616710"/>
+            <a:ext cx="1512166" cy="1196666"/>
           </a:xfrm>
           <a:prstGeom prst="rect">
             <a:avLst/>
           </a:prstGeom>
         </p:spPr>
       </p:pic>
+      <p:sp>
+        <p:nvSpPr>
+          <p:cNvPr id="8" name="Espace réservé du contenu 4">
+            <a:extLst>
+              <a:ext uri="{FF2B5EF4-FFF2-40B4-BE49-F238E27FC236}">
+                <a16:creationId xmlns:a16="http://schemas.microsoft.com/office/drawing/2014/main" xmlns="" id="{E0ECA4FB-A27A-4EF4-8C7D-5B9524C6BE3F}"/>
+              </a:ext>
+            </a:extLst>
+          </p:cNvPr>
+          <p:cNvSpPr txBox="1">
+            <a:spLocks/>
+          </p:cNvSpPr>
+          <p:nvPr/>
+        </p:nvSpPr>
+        <p:spPr>
+          <a:xfrm>
+            <a:off x="251520" y="5157192"/>
+            <a:ext cx="6428956" cy="1152128"/>
+          </a:xfrm>
+          <a:prstGeom prst="rect">
+            <a:avLst/>
+          </a:prstGeom>
+          <a:ln>
+            <a:solidFill>
+              <a:schemeClr val="accent5">
+                <a:lumMod val="50000"/>
+              </a:schemeClr>
+            </a:solidFill>
+            <a:prstDash val="lgDash"/>
+          </a:ln>
+        </p:spPr>
+        <p:txBody>
+          <a:bodyPr vert="horz">
+            <a:normAutofit/>
+          </a:bodyPr>
+          <a:lstStyle>
+            <a:lvl1pPr marL="274320" indent="-274320" algn="l" rtl="0" eaLnBrk="1" latinLnBrk="0" hangingPunct="1">
+              <a:spcBef>
+                <a:spcPts val="600"/>
+              </a:spcBef>
+              <a:buClr>
+                <a:schemeClr val="accent5">
+                  <a:lumMod val="50000"/>
+                </a:schemeClr>
+              </a:buClr>
+              <a:buSzPct val="76000"/>
+              <a:buFont typeface="Wingdings 3"/>
+              <a:buChar char=""/>
+              <a:defRPr kumimoji="0" sz="2600" kern="1200">
+                <a:solidFill>
+                  <a:schemeClr val="tx1"/>
+                </a:solidFill>
+                <a:latin typeface="+mn-lt"/>
+                <a:ea typeface="+mn-ea"/>
+                <a:cs typeface="+mn-cs"/>
+              </a:defRPr>
+            </a:lvl1pPr>
+            <a:lvl2pPr marL="548640" indent="-274320" algn="l" rtl="0" eaLnBrk="1" latinLnBrk="0" hangingPunct="1">
+              <a:spcBef>
+                <a:spcPts val="500"/>
+              </a:spcBef>
+              <a:buClr>
+                <a:schemeClr val="accent5">
+                  <a:lumMod val="75000"/>
+                </a:schemeClr>
+              </a:buClr>
+              <a:buSzPct val="76000"/>
+              <a:buFont typeface="Wingdings 3"/>
+              <a:buChar char=""/>
+              <a:defRPr kumimoji="0" sz="2300" kern="1200">
+                <a:solidFill>
+                  <a:schemeClr val="tx1"/>
+                </a:solidFill>
+                <a:latin typeface="+mn-lt"/>
+                <a:ea typeface="+mn-ea"/>
+                <a:cs typeface="+mn-cs"/>
+              </a:defRPr>
+            </a:lvl2pPr>
+            <a:lvl3pPr marL="822960" indent="-228600" algn="l" rtl="0" eaLnBrk="1" latinLnBrk="0" hangingPunct="1">
+              <a:spcBef>
+                <a:spcPts val="500"/>
+              </a:spcBef>
+              <a:buClr>
+                <a:schemeClr val="accent5">
+                  <a:lumMod val="75000"/>
+                </a:schemeClr>
+              </a:buClr>
+              <a:buSzPct val="76000"/>
+              <a:buFont typeface="Wingdings 3"/>
+              <a:buChar char=""/>
+              <a:defRPr kumimoji="0" sz="2000" kern="1200">
+                <a:solidFill>
+                  <a:schemeClr val="tx1"/>
+                </a:solidFill>
+                <a:latin typeface="+mn-lt"/>
+                <a:ea typeface="+mn-ea"/>
+                <a:cs typeface="+mn-cs"/>
+              </a:defRPr>
+            </a:lvl3pPr>
+            <a:lvl4pPr marL="1097280" indent="-228600" algn="l" rtl="0" eaLnBrk="1" latinLnBrk="0" hangingPunct="1">
+              <a:spcBef>
+                <a:spcPts val="400"/>
+              </a:spcBef>
+              <a:buClr>
+                <a:schemeClr val="accent5">
+                  <a:lumMod val="75000"/>
+                </a:schemeClr>
+              </a:buClr>
+              <a:buSzPct val="70000"/>
+              <a:buFont typeface="Wingdings"/>
+              <a:buChar char=""/>
+              <a:defRPr kumimoji="0" sz="1800" kern="1200">
+                <a:solidFill>
+                  <a:schemeClr val="tx1"/>
+                </a:solidFill>
+                <a:latin typeface="+mn-lt"/>
+                <a:ea typeface="+mn-ea"/>
+                <a:cs typeface="+mn-cs"/>
+              </a:defRPr>
+            </a:lvl4pPr>
+            <a:lvl5pPr marL="1371600" indent="-228600" algn="l" rtl="0" eaLnBrk="1" latinLnBrk="0" hangingPunct="1">
+              <a:spcBef>
+                <a:spcPts val="300"/>
+              </a:spcBef>
+              <a:buClr>
+                <a:schemeClr val="accent5">
+                  <a:lumMod val="75000"/>
+                </a:schemeClr>
+              </a:buClr>
+              <a:buSzPct val="70000"/>
+              <a:buFont typeface="Wingdings"/>
+              <a:buChar char=""/>
+              <a:defRPr kumimoji="0" sz="1600" kern="1200">
+                <a:solidFill>
+                  <a:schemeClr val="tx1"/>
+                </a:solidFill>
+                <a:latin typeface="+mn-lt"/>
+                <a:ea typeface="+mn-ea"/>
+                <a:cs typeface="+mn-cs"/>
+              </a:defRPr>
+            </a:lvl5pPr>
+            <a:lvl6pPr marL="1645920" indent="-182880" algn="l" rtl="0" eaLnBrk="1" latinLnBrk="0" hangingPunct="1">
+              <a:spcBef>
+                <a:spcPts val="300"/>
+              </a:spcBef>
+              <a:buClr>
+                <a:srgbClr val="9FB8CD">
+                  <a:shade val="75000"/>
+                </a:srgbClr>
+              </a:buClr>
+              <a:buSzPct val="75000"/>
+              <a:buFont typeface="Wingdings 3"/>
+              <a:buChar char=""/>
+              <a:defRPr kumimoji="0" lang="en-US" sz="1600" kern="1200" smtClean="0">
+                <a:solidFill>
+                  <a:schemeClr val="tx1"/>
+                </a:solidFill>
+                <a:latin typeface="+mn-lt"/>
+                <a:ea typeface="+mn-ea"/>
+                <a:cs typeface="+mn-cs"/>
+              </a:defRPr>
+            </a:lvl6pPr>
+            <a:lvl7pPr marL="1828800" indent="-182880" algn="l" rtl="0" eaLnBrk="1" latinLnBrk="0" hangingPunct="1">
+              <a:spcBef>
+                <a:spcPts val="300"/>
+              </a:spcBef>
+              <a:buClr>
+                <a:srgbClr val="727CA3">
+                  <a:shade val="75000"/>
+                </a:srgbClr>
+              </a:buClr>
+              <a:buSzPct val="75000"/>
+              <a:buFont typeface="Wingdings 3"/>
+              <a:buChar char=""/>
+              <a:defRPr kumimoji="0" lang="en-US" sz="1400" kern="1200" smtClean="0">
+                <a:solidFill>
+                  <a:schemeClr val="tx1"/>
+                </a:solidFill>
+                <a:latin typeface="+mn-lt"/>
+                <a:ea typeface="+mn-ea"/>
+                <a:cs typeface="+mn-cs"/>
+              </a:defRPr>
+            </a:lvl7pPr>
+            <a:lvl8pPr marL="2011680" indent="-182880" algn="l" rtl="0" eaLnBrk="1" latinLnBrk="0" hangingPunct="1">
+              <a:spcBef>
+                <a:spcPts val="300"/>
+              </a:spcBef>
+              <a:buClr>
+                <a:prstClr val="white">
+                  <a:shade val="50000"/>
+                </a:prstClr>
+              </a:buClr>
+              <a:buSzPct val="75000"/>
+              <a:buFont typeface="Wingdings 3"/>
+              <a:buChar char=""/>
+              <a:defRPr kumimoji="0" lang="en-US" sz="1400" kern="1200" smtClean="0">
+                <a:solidFill>
+                  <a:schemeClr val="tx1"/>
+                </a:solidFill>
+                <a:latin typeface="+mn-lt"/>
+                <a:ea typeface="+mn-ea"/>
+                <a:cs typeface="+mn-cs"/>
+              </a:defRPr>
+            </a:lvl8pPr>
+            <a:lvl9pPr marL="2194560" indent="-182880" algn="l" rtl="0" eaLnBrk="1" latinLnBrk="0" hangingPunct="1">
+              <a:spcBef>
+                <a:spcPts val="300"/>
+              </a:spcBef>
+              <a:buClr>
+                <a:srgbClr val="9FB8CD"/>
+              </a:buClr>
+              <a:buSzPct val="75000"/>
+              <a:buFont typeface="Wingdings 3"/>
+              <a:buChar char=""/>
+              <a:defRPr kumimoji="0" lang="en-US" sz="1200" kern="1200" smtClean="0">
+                <a:solidFill>
+                  <a:schemeClr val="tx1"/>
+                </a:solidFill>
+                <a:latin typeface="+mn-lt"/>
+                <a:ea typeface="+mn-ea"/>
+                <a:cs typeface="+mn-cs"/>
+              </a:defRPr>
+            </a:lvl9pPr>
+          </a:lstStyle>
+          <a:p>
+            <a:r>
+              <a:rPr lang="fr-FR" sz="2000" dirty="0">
+                <a:solidFill>
+                  <a:srgbClr val="FF0000"/>
+                </a:solidFill>
+              </a:rPr>
+              <a:t>Solution : </a:t>
+            </a:r>
+            <a:r>
+              <a:rPr lang="fr-FR" sz="2000" dirty="0" smtClean="0">
+                <a:solidFill>
+                  <a:srgbClr val="FF0000"/>
+                </a:solidFill>
+              </a:rPr>
+              <a:t>Parce que pomme </a:t>
+            </a:r>
+            <a:r>
+              <a:rPr lang="fr-FR" sz="2000" dirty="0">
+                <a:solidFill>
+                  <a:srgbClr val="FF0000"/>
+                </a:solidFill>
+              </a:rPr>
+              <a:t>2 et pomme 3 ne sont pas touchées et provoquent un décrément de -1. On a donc +1-1-1 = -1. </a:t>
+            </a:r>
+            <a:endParaRPr lang="fr-FR" sz="2000" dirty="0"/>
+          </a:p>
+        </p:txBody>
+      </p:sp>
     </p:spTree>
     <p:extLst>
       <p:ext uri="{BB962C8B-B14F-4D97-AF65-F5344CB8AC3E}">
-        <p14:creationId xmlns:p14="http://schemas.microsoft.com/office/powerpoint/2010/main" val="2250224819"/>
+        <p14:creationId xmlns:p14="http://schemas.microsoft.com/office/powerpoint/2010/main" val="1587110190"/>
       </p:ext>
     </p:extLst>
   </p:cSld>
@@ -5576,14 +7673,14 @@
           <a:p>
             <a:r>
               <a:rPr lang="fr-FR" dirty="0"/>
-              <a:t>2. Gérer des périphériques avec Scratch</a:t>
+              <a:t>1. Bases de la programmation avec Scratch </a:t>
             </a:r>
             <a:br>
               <a:rPr lang="fr-FR" dirty="0"/>
             </a:br>
             <a:r>
               <a:rPr lang="fr-FR" dirty="0"/>
-              <a:t>Gestion du clavier</a:t>
+              <a:t>Notion de variable</a:t>
             </a:r>
           </a:p>
         </p:txBody>
@@ -5646,7 +7743,7 @@
         <p:spPr>
           <a:xfrm>
             <a:off x="251520" y="980728"/>
-            <a:ext cx="5400600" cy="5400600"/>
+            <a:ext cx="8640960" cy="5328592"/>
           </a:xfrm>
         </p:spPr>
         <p:txBody>
@@ -5655,14 +7752,23 @@
           <a:p>
             <a:r>
               <a:rPr lang="fr-FR" dirty="0"/>
-              <a:t>Le script associé au lutin est le suivant. </a:t>
+              <a:t>Le programme suivant permet-il de manger les pommes tout en mettant le score à jour ?</a:t>
             </a:r>
           </a:p>
           <a:p>
-            <a:r>
-              <a:rPr lang="fr-FR" dirty="0"/>
-              <a:t>Quel est le but de script ?</a:t>
-            </a:r>
+            <a:endParaRPr lang="fr-FR" dirty="0"/>
+          </a:p>
+          <a:p>
+            <a:endParaRPr lang="fr-FR" dirty="0"/>
+          </a:p>
+          <a:p>
+            <a:endParaRPr lang="fr-FR" dirty="0"/>
+          </a:p>
+          <a:p>
+            <a:endParaRPr lang="fr-FR" dirty="0"/>
+          </a:p>
+          <a:p>
+            <a:endParaRPr lang="fr-FR" dirty="0"/>
           </a:p>
           <a:p>
             <a:endParaRPr lang="fr-FR" dirty="0"/>
@@ -5674,61 +7780,17 @@
                   <a:srgbClr val="FF0000"/>
                 </a:solidFill>
               </a:rPr>
-              <a:t>QCM</a:t>
-            </a:r>
-          </a:p>
-          <a:p>
-            <a:pPr lvl="1"/>
-            <a:r>
-              <a:rPr lang="fr-FR" b="1" dirty="0">
-                <a:solidFill>
-                  <a:srgbClr val="FF0000"/>
-                </a:solidFill>
-              </a:rPr>
-              <a:t>Déplacer le lutin avec le pavé numérique</a:t>
-            </a:r>
-          </a:p>
-          <a:p>
-            <a:pPr lvl="1"/>
-            <a:r>
-              <a:rPr lang="fr-FR" dirty="0">
-                <a:solidFill>
-                  <a:srgbClr val="FF0000"/>
-                </a:solidFill>
-              </a:rPr>
-              <a:t>Déplacer aléatoirement le lutin dans toutes les directions</a:t>
-            </a:r>
-          </a:p>
-          <a:p>
-            <a:pPr lvl="1"/>
-            <a:r>
-              <a:rPr lang="fr-FR" dirty="0">
-                <a:solidFill>
-                  <a:srgbClr val="FF0000"/>
-                </a:solidFill>
-              </a:rPr>
-              <a:t>Déplacer le lutin avec la souris</a:t>
-            </a:r>
-          </a:p>
-          <a:p>
-            <a:pPr lvl="1"/>
-            <a:r>
-              <a:rPr lang="fr-FR" dirty="0">
-                <a:solidFill>
-                  <a:srgbClr val="FF0000"/>
-                </a:solidFill>
-              </a:rPr>
-              <a:t>Ce script ne marche pas, le lutin ne se déplace pas. </a:t>
+              <a:t>Solution : le score est bien mis à jour MAIS les pommes 2 et 3 n’ont pas disparu.</a:t>
             </a:r>
           </a:p>
         </p:txBody>
       </p:sp>
       <p:pic>
         <p:nvPicPr>
-          <p:cNvPr id="6" name="Image 5">
+          <p:cNvPr id="7" name="Image 6">
             <a:extLst>
               <a:ext uri="{FF2B5EF4-FFF2-40B4-BE49-F238E27FC236}">
-                <a16:creationId xmlns:a16="http://schemas.microsoft.com/office/drawing/2014/main" id="{3DA1429C-F38B-47FC-9516-BF723844CE69}"/>
+                <a16:creationId xmlns:a16="http://schemas.microsoft.com/office/drawing/2014/main" xmlns="" id="{D44839DF-3A5A-4B9E-A112-FF65D7CD0C33}"/>
               </a:ext>
             </a:extLst>
           </p:cNvPr>
@@ -5745,8 +7807,8 @@
         </p:blipFill>
         <p:spPr>
           <a:xfrm>
-            <a:off x="5992159" y="975008"/>
-            <a:ext cx="2900322" cy="5400600"/>
+            <a:off x="251520" y="1916831"/>
+            <a:ext cx="8640960" cy="2342155"/>
           </a:xfrm>
           <a:prstGeom prst="rect">
             <a:avLst/>
@@ -5756,7 +7818,7 @@
     </p:spTree>
     <p:extLst>
       <p:ext uri="{BB962C8B-B14F-4D97-AF65-F5344CB8AC3E}">
-        <p14:creationId xmlns:p14="http://schemas.microsoft.com/office/powerpoint/2010/main" val="1325778931"/>
+        <p14:creationId xmlns:p14="http://schemas.microsoft.com/office/powerpoint/2010/main" val="4097941839"/>
       </p:ext>
     </p:extLst>
   </p:cSld>
@@ -5802,14 +7864,14 @@
           <a:p>
             <a:r>
               <a:rPr lang="fr-FR" dirty="0"/>
-              <a:t>2. Gérer des périphériques avec Scratch</a:t>
+              <a:t>1. Bases de la programmation avec Scratch </a:t>
             </a:r>
             <a:br>
               <a:rPr lang="fr-FR" dirty="0"/>
             </a:br>
             <a:r>
               <a:rPr lang="fr-FR" dirty="0"/>
-              <a:t>Gestion du clavier</a:t>
+              <a:t>Notion de variable</a:t>
             </a:r>
           </a:p>
         </p:txBody>
@@ -5876,30 +7938,355 @@
           <a:p>
             <a:r>
               <a:rPr lang="fr-FR" dirty="0"/>
-              <a:t>Comment faire disparaitre le lutin « pomme » pour que celui-ci disparaisse lorsqu’il est touché et que la touche espace est appuyée ?</a:t>
+              <a:t>Quel sera le score après l’exécution du code suivant</a:t>
             </a:r>
           </a:p>
           <a:p>
+            <a:endParaRPr lang="fr-FR" dirty="0"/>
+          </a:p>
+          <a:p>
+            <a:endParaRPr lang="fr-FR" dirty="0"/>
+          </a:p>
+          <a:p>
+            <a:endParaRPr lang="fr-FR" dirty="0"/>
+          </a:p>
+          <a:p>
+            <a:endParaRPr lang="fr-FR" dirty="0"/>
+          </a:p>
+          <a:p>
+            <a:endParaRPr lang="fr-FR" dirty="0"/>
+          </a:p>
+          <a:p>
+            <a:endParaRPr lang="fr-FR" dirty="0"/>
+          </a:p>
+          <a:p>
+            <a:endParaRPr lang="fr-FR" dirty="0"/>
+          </a:p>
+          <a:p>
+            <a:endParaRPr lang="fr-FR" dirty="0"/>
+          </a:p>
+          <a:p>
+            <a:endParaRPr lang="fr-FR" dirty="0"/>
+          </a:p>
+        </p:txBody>
+      </p:sp>
+      <p:pic>
+        <p:nvPicPr>
+          <p:cNvPr id="6" name="Image 5">
+            <a:extLst>
+              <a:ext uri="{FF2B5EF4-FFF2-40B4-BE49-F238E27FC236}">
+                <a16:creationId xmlns:a16="http://schemas.microsoft.com/office/drawing/2014/main" xmlns="" id="{97998113-6F67-4122-8C7C-3494D318CB06}"/>
+              </a:ext>
+            </a:extLst>
+          </p:cNvPr>
+          <p:cNvPicPr>
+            <a:picLocks noChangeAspect="1"/>
+          </p:cNvPicPr>
+          <p:nvPr/>
+        </p:nvPicPr>
+        <p:blipFill>
+          <a:blip r:embed="rId2"/>
+          <a:stretch>
+            <a:fillRect/>
+          </a:stretch>
+        </p:blipFill>
+        <p:spPr>
+          <a:xfrm>
+            <a:off x="454518" y="1556792"/>
+            <a:ext cx="4438650" cy="3962400"/>
+          </a:xfrm>
+          <a:prstGeom prst="rect">
+            <a:avLst/>
+          </a:prstGeom>
+        </p:spPr>
+      </p:pic>
+      <p:pic>
+        <p:nvPicPr>
+          <p:cNvPr id="7" name="Image 6">
+            <a:extLst>
+              <a:ext uri="{FF2B5EF4-FFF2-40B4-BE49-F238E27FC236}">
+                <a16:creationId xmlns:a16="http://schemas.microsoft.com/office/drawing/2014/main" xmlns="" id="{79296190-7E7C-4BF5-89E2-B767E1861F21}"/>
+              </a:ext>
+            </a:extLst>
+          </p:cNvPr>
+          <p:cNvPicPr>
+            <a:picLocks noChangeAspect="1"/>
+          </p:cNvPicPr>
+          <p:nvPr/>
+        </p:nvPicPr>
+        <p:blipFill>
+          <a:blip r:embed="rId3"/>
+          <a:stretch>
+            <a:fillRect/>
+          </a:stretch>
+        </p:blipFill>
+        <p:spPr>
+          <a:xfrm>
+            <a:off x="5106601" y="2061828"/>
+            <a:ext cx="3730707" cy="2952328"/>
+          </a:xfrm>
+          <a:prstGeom prst="rect">
+            <a:avLst/>
+          </a:prstGeom>
+        </p:spPr>
+      </p:pic>
+      <p:sp>
+        <p:nvSpPr>
+          <p:cNvPr id="8" name="Espace réservé du contenu 4">
+            <a:extLst>
+              <a:ext uri="{FF2B5EF4-FFF2-40B4-BE49-F238E27FC236}">
+                <a16:creationId xmlns:a16="http://schemas.microsoft.com/office/drawing/2014/main" xmlns="" id="{E0ECA4FB-A27A-4EF4-8C7D-5B9524C6BE3F}"/>
+              </a:ext>
+            </a:extLst>
+          </p:cNvPr>
+          <p:cNvSpPr txBox="1">
+            <a:spLocks/>
+          </p:cNvSpPr>
+          <p:nvPr/>
+        </p:nvSpPr>
+        <p:spPr>
+          <a:xfrm>
+            <a:off x="251520" y="5519192"/>
+            <a:ext cx="8585788" cy="832395"/>
+          </a:xfrm>
+          <a:prstGeom prst="rect">
+            <a:avLst/>
+          </a:prstGeom>
+          <a:ln>
+            <a:solidFill>
+              <a:schemeClr val="accent5">
+                <a:lumMod val="50000"/>
+              </a:schemeClr>
+            </a:solidFill>
+            <a:prstDash val="lgDash"/>
+          </a:ln>
+        </p:spPr>
+        <p:txBody>
+          <a:bodyPr vert="horz">
+            <a:normAutofit/>
+          </a:bodyPr>
+          <a:lstStyle>
+            <a:lvl1pPr marL="274320" indent="-274320" algn="l" rtl="0" eaLnBrk="1" latinLnBrk="0" hangingPunct="1">
+              <a:spcBef>
+                <a:spcPts val="600"/>
+              </a:spcBef>
+              <a:buClr>
+                <a:schemeClr val="accent5">
+                  <a:lumMod val="50000"/>
+                </a:schemeClr>
+              </a:buClr>
+              <a:buSzPct val="76000"/>
+              <a:buFont typeface="Wingdings 3"/>
+              <a:buChar char=""/>
+              <a:defRPr kumimoji="0" sz="2600" kern="1200">
+                <a:solidFill>
+                  <a:schemeClr val="tx1"/>
+                </a:solidFill>
+                <a:latin typeface="+mn-lt"/>
+                <a:ea typeface="+mn-ea"/>
+                <a:cs typeface="+mn-cs"/>
+              </a:defRPr>
+            </a:lvl1pPr>
+            <a:lvl2pPr marL="548640" indent="-274320" algn="l" rtl="0" eaLnBrk="1" latinLnBrk="0" hangingPunct="1">
+              <a:spcBef>
+                <a:spcPts val="500"/>
+              </a:spcBef>
+              <a:buClr>
+                <a:schemeClr val="accent5">
+                  <a:lumMod val="75000"/>
+                </a:schemeClr>
+              </a:buClr>
+              <a:buSzPct val="76000"/>
+              <a:buFont typeface="Wingdings 3"/>
+              <a:buChar char=""/>
+              <a:defRPr kumimoji="0" sz="2300" kern="1200">
+                <a:solidFill>
+                  <a:schemeClr val="tx1"/>
+                </a:solidFill>
+                <a:latin typeface="+mn-lt"/>
+                <a:ea typeface="+mn-ea"/>
+                <a:cs typeface="+mn-cs"/>
+              </a:defRPr>
+            </a:lvl2pPr>
+            <a:lvl3pPr marL="822960" indent="-228600" algn="l" rtl="0" eaLnBrk="1" latinLnBrk="0" hangingPunct="1">
+              <a:spcBef>
+                <a:spcPts val="500"/>
+              </a:spcBef>
+              <a:buClr>
+                <a:schemeClr val="accent5">
+                  <a:lumMod val="75000"/>
+                </a:schemeClr>
+              </a:buClr>
+              <a:buSzPct val="76000"/>
+              <a:buFont typeface="Wingdings 3"/>
+              <a:buChar char=""/>
+              <a:defRPr kumimoji="0" sz="2000" kern="1200">
+                <a:solidFill>
+                  <a:schemeClr val="tx1"/>
+                </a:solidFill>
+                <a:latin typeface="+mn-lt"/>
+                <a:ea typeface="+mn-ea"/>
+                <a:cs typeface="+mn-cs"/>
+              </a:defRPr>
+            </a:lvl3pPr>
+            <a:lvl4pPr marL="1097280" indent="-228600" algn="l" rtl="0" eaLnBrk="1" latinLnBrk="0" hangingPunct="1">
+              <a:spcBef>
+                <a:spcPts val="400"/>
+              </a:spcBef>
+              <a:buClr>
+                <a:schemeClr val="accent5">
+                  <a:lumMod val="75000"/>
+                </a:schemeClr>
+              </a:buClr>
+              <a:buSzPct val="70000"/>
+              <a:buFont typeface="Wingdings"/>
+              <a:buChar char=""/>
+              <a:defRPr kumimoji="0" sz="1800" kern="1200">
+                <a:solidFill>
+                  <a:schemeClr val="tx1"/>
+                </a:solidFill>
+                <a:latin typeface="+mn-lt"/>
+                <a:ea typeface="+mn-ea"/>
+                <a:cs typeface="+mn-cs"/>
+              </a:defRPr>
+            </a:lvl4pPr>
+            <a:lvl5pPr marL="1371600" indent="-228600" algn="l" rtl="0" eaLnBrk="1" latinLnBrk="0" hangingPunct="1">
+              <a:spcBef>
+                <a:spcPts val="300"/>
+              </a:spcBef>
+              <a:buClr>
+                <a:schemeClr val="accent5">
+                  <a:lumMod val="75000"/>
+                </a:schemeClr>
+              </a:buClr>
+              <a:buSzPct val="70000"/>
+              <a:buFont typeface="Wingdings"/>
+              <a:buChar char=""/>
+              <a:defRPr kumimoji="0" sz="1600" kern="1200">
+                <a:solidFill>
+                  <a:schemeClr val="tx1"/>
+                </a:solidFill>
+                <a:latin typeface="+mn-lt"/>
+                <a:ea typeface="+mn-ea"/>
+                <a:cs typeface="+mn-cs"/>
+              </a:defRPr>
+            </a:lvl5pPr>
+            <a:lvl6pPr marL="1645920" indent="-182880" algn="l" rtl="0" eaLnBrk="1" latinLnBrk="0" hangingPunct="1">
+              <a:spcBef>
+                <a:spcPts val="300"/>
+              </a:spcBef>
+              <a:buClr>
+                <a:srgbClr val="9FB8CD">
+                  <a:shade val="75000"/>
+                </a:srgbClr>
+              </a:buClr>
+              <a:buSzPct val="75000"/>
+              <a:buFont typeface="Wingdings 3"/>
+              <a:buChar char=""/>
+              <a:defRPr kumimoji="0" lang="en-US" sz="1600" kern="1200" smtClean="0">
+                <a:solidFill>
+                  <a:schemeClr val="tx1"/>
+                </a:solidFill>
+                <a:latin typeface="+mn-lt"/>
+                <a:ea typeface="+mn-ea"/>
+                <a:cs typeface="+mn-cs"/>
+              </a:defRPr>
+            </a:lvl6pPr>
+            <a:lvl7pPr marL="1828800" indent="-182880" algn="l" rtl="0" eaLnBrk="1" latinLnBrk="0" hangingPunct="1">
+              <a:spcBef>
+                <a:spcPts val="300"/>
+              </a:spcBef>
+              <a:buClr>
+                <a:srgbClr val="727CA3">
+                  <a:shade val="75000"/>
+                </a:srgbClr>
+              </a:buClr>
+              <a:buSzPct val="75000"/>
+              <a:buFont typeface="Wingdings 3"/>
+              <a:buChar char=""/>
+              <a:defRPr kumimoji="0" lang="en-US" sz="1400" kern="1200" smtClean="0">
+                <a:solidFill>
+                  <a:schemeClr val="tx1"/>
+                </a:solidFill>
+                <a:latin typeface="+mn-lt"/>
+                <a:ea typeface="+mn-ea"/>
+                <a:cs typeface="+mn-cs"/>
+              </a:defRPr>
+            </a:lvl7pPr>
+            <a:lvl8pPr marL="2011680" indent="-182880" algn="l" rtl="0" eaLnBrk="1" latinLnBrk="0" hangingPunct="1">
+              <a:spcBef>
+                <a:spcPts val="300"/>
+              </a:spcBef>
+              <a:buClr>
+                <a:prstClr val="white">
+                  <a:shade val="50000"/>
+                </a:prstClr>
+              </a:buClr>
+              <a:buSzPct val="75000"/>
+              <a:buFont typeface="Wingdings 3"/>
+              <a:buChar char=""/>
+              <a:defRPr kumimoji="0" lang="en-US" sz="1400" kern="1200" smtClean="0">
+                <a:solidFill>
+                  <a:schemeClr val="tx1"/>
+                </a:solidFill>
+                <a:latin typeface="+mn-lt"/>
+                <a:ea typeface="+mn-ea"/>
+                <a:cs typeface="+mn-cs"/>
+              </a:defRPr>
+            </a:lvl8pPr>
+            <a:lvl9pPr marL="2194560" indent="-182880" algn="l" rtl="0" eaLnBrk="1" latinLnBrk="0" hangingPunct="1">
+              <a:spcBef>
+                <a:spcPts val="300"/>
+              </a:spcBef>
+              <a:buClr>
+                <a:srgbClr val="9FB8CD"/>
+              </a:buClr>
+              <a:buSzPct val="75000"/>
+              <a:buFont typeface="Wingdings 3"/>
+              <a:buChar char=""/>
+              <a:defRPr kumimoji="0" lang="en-US" sz="1200" kern="1200" smtClean="0">
+                <a:solidFill>
+                  <a:schemeClr val="tx1"/>
+                </a:solidFill>
+                <a:latin typeface="+mn-lt"/>
+                <a:ea typeface="+mn-ea"/>
+                <a:cs typeface="+mn-cs"/>
+              </a:defRPr>
+            </a:lvl9pPr>
+          </a:lstStyle>
+          <a:p>
             <a:r>
-              <a:rPr lang="fr-FR" dirty="0"/>
-              <a:t>La détection doit commencée dés que le message GO est reçu. </a:t>
+              <a:rPr lang="fr-FR" sz="2000" dirty="0">
+                <a:solidFill>
+                  <a:srgbClr val="FF0000"/>
+                </a:solidFill>
+              </a:rPr>
+              <a:t>Solution : </a:t>
             </a:r>
-          </a:p>
-          <a:p>
+            <a:endParaRPr lang="fr-FR" sz="2000" dirty="0" smtClean="0">
+              <a:solidFill>
+                <a:srgbClr val="FF0000"/>
+              </a:solidFill>
+            </a:endParaRPr>
+          </a:p>
+          <a:p>
+            <a:pPr lvl="1"/>
             <a:r>
-              <a:rPr lang="fr-FR" dirty="0"/>
-              <a:t>Réaliser les instructions du lutin « Pomme ». Les Blocs disponibles : « Quand je reçois Go », répéter indéfiniment, Si… alors, </a:t>
+              <a:rPr lang="fr-FR" sz="1700" dirty="0">
+                <a:solidFill>
+                  <a:srgbClr val="FF0000"/>
+                </a:solidFill>
+              </a:rPr>
+              <a:t>2</a:t>
             </a:r>
-          </a:p>
-          <a:p>
-            <a:endParaRPr lang="fr-FR" dirty="0"/>
+            <a:endParaRPr lang="fr-FR" sz="1700" dirty="0"/>
           </a:p>
         </p:txBody>
       </p:sp>
     </p:spTree>
     <p:extLst>
       <p:ext uri="{BB962C8B-B14F-4D97-AF65-F5344CB8AC3E}">
-        <p14:creationId xmlns:p14="http://schemas.microsoft.com/office/powerpoint/2010/main" val="888481918"/>
+        <p14:creationId xmlns:p14="http://schemas.microsoft.com/office/powerpoint/2010/main" val="2250224819"/>
       </p:ext>
     </p:extLst>
   </p:cSld>
@@ -5939,13 +8326,20 @@
         <p:spPr/>
         <p:txBody>
           <a:bodyPr>
-            <a:normAutofit/>
+            <a:normAutofit fontScale="90000"/>
           </a:bodyPr>
           <a:lstStyle/>
           <a:p>
             <a:r>
               <a:rPr lang="fr-FR" dirty="0"/>
-              <a:t>Instructions conditionnelles</a:t>
+              <a:t>2. Gérer des périphériques avec Scratch</a:t>
+            </a:r>
+            <a:br>
+              <a:rPr lang="fr-FR" dirty="0"/>
+            </a:br>
+            <a:r>
+              <a:rPr lang="fr-FR" dirty="0"/>
+              <a:t>Gestion du clavier</a:t>
             </a:r>
           </a:p>
         </p:txBody>
@@ -6005,22 +8399,133 @@
             <p:ph sz="quarter" idx="1"/>
           </p:nvPr>
         </p:nvSpPr>
-        <p:spPr/>
+        <p:spPr>
+          <a:xfrm>
+            <a:off x="251520" y="980728"/>
+            <a:ext cx="5400600" cy="5400600"/>
+          </a:xfrm>
+        </p:spPr>
         <p:txBody>
           <a:bodyPr/>
           <a:lstStyle/>
           <a:p>
             <a:r>
               <a:rPr lang="fr-FR" dirty="0"/>
-              <a:t>Comment délimiter la zone élastique de la zone plastique ?</a:t>
+              <a:t>Le script associé au lutin est le suivant. </a:t>
+            </a:r>
+          </a:p>
+          <a:p>
+            <a:r>
+              <a:rPr lang="fr-FR" dirty="0"/>
+              <a:t>Quel est le but de script ?</a:t>
+            </a:r>
+          </a:p>
+          <a:p>
+            <a:endParaRPr lang="fr-FR" dirty="0"/>
+          </a:p>
+          <a:p>
+            <a:r>
+              <a:rPr lang="fr-FR" dirty="0">
+                <a:solidFill>
+                  <a:srgbClr val="FF0000"/>
+                </a:solidFill>
+              </a:rPr>
+              <a:t>QCM</a:t>
+            </a:r>
+          </a:p>
+          <a:p>
+            <a:pPr lvl="1"/>
+            <a:r>
+              <a:rPr lang="fr-FR" b="1" u="sng" dirty="0">
+                <a:solidFill>
+                  <a:srgbClr val="FF0000"/>
+                </a:solidFill>
+              </a:rPr>
+              <a:t>Déplacer le lutin avec </a:t>
+            </a:r>
+            <a:r>
+              <a:rPr lang="fr-FR" b="1" u="sng" dirty="0" smtClean="0">
+                <a:solidFill>
+                  <a:srgbClr val="FF0000"/>
+                </a:solidFill>
+              </a:rPr>
+              <a:t>les flèches</a:t>
+            </a:r>
+            <a:endParaRPr lang="fr-FR" b="1" u="sng" dirty="0">
+              <a:solidFill>
+                <a:srgbClr val="FF0000"/>
+              </a:solidFill>
+            </a:endParaRPr>
+          </a:p>
+          <a:p>
+            <a:pPr lvl="1"/>
+            <a:r>
+              <a:rPr lang="fr-FR" dirty="0">
+                <a:solidFill>
+                  <a:srgbClr val="FF0000"/>
+                </a:solidFill>
+              </a:rPr>
+              <a:t>Déplacer aléatoirement le lutin dans toutes les directions</a:t>
+            </a:r>
+          </a:p>
+          <a:p>
+            <a:pPr lvl="1"/>
+            <a:r>
+              <a:rPr lang="fr-FR" dirty="0">
+                <a:solidFill>
+                  <a:srgbClr val="FF0000"/>
+                </a:solidFill>
+              </a:rPr>
+              <a:t>Déplacer le lutin avec la souris</a:t>
+            </a:r>
+          </a:p>
+          <a:p>
+            <a:pPr lvl="1"/>
+            <a:r>
+              <a:rPr lang="fr-FR" dirty="0">
+                <a:solidFill>
+                  <a:srgbClr val="FF0000"/>
+                </a:solidFill>
+              </a:rPr>
+              <a:t>Ce script ne marche pas, le lutin ne se déplace pas. </a:t>
             </a:r>
           </a:p>
         </p:txBody>
       </p:sp>
+      <p:pic>
+        <p:nvPicPr>
+          <p:cNvPr id="6" name="Image 5">
+            <a:extLst>
+              <a:ext uri="{FF2B5EF4-FFF2-40B4-BE49-F238E27FC236}">
+                <a16:creationId xmlns:a16="http://schemas.microsoft.com/office/drawing/2014/main" xmlns="" id="{3DA1429C-F38B-47FC-9516-BF723844CE69}"/>
+              </a:ext>
+            </a:extLst>
+          </p:cNvPr>
+          <p:cNvPicPr>
+            <a:picLocks noChangeAspect="1"/>
+          </p:cNvPicPr>
+          <p:nvPr/>
+        </p:nvPicPr>
+        <p:blipFill>
+          <a:blip r:embed="rId2"/>
+          <a:stretch>
+            <a:fillRect/>
+          </a:stretch>
+        </p:blipFill>
+        <p:spPr>
+          <a:xfrm>
+            <a:off x="5992159" y="975008"/>
+            <a:ext cx="2900322" cy="5400600"/>
+          </a:xfrm>
+          <a:prstGeom prst="rect">
+            <a:avLst/>
+          </a:prstGeom>
+        </p:spPr>
+      </p:pic>
     </p:spTree>
     <p:extLst>
       <p:ext uri="{BB962C8B-B14F-4D97-AF65-F5344CB8AC3E}">
-        <p14:creationId xmlns:p14="http://schemas.microsoft.com/office/powerpoint/2010/main" val="3007939428"/>
+        <p14:creationId xmlns:p14="http://schemas.microsoft.com/office/powerpoint/2010/main" val="1325778931"/>
       </p:ext>
     </p:extLst>
   </p:cSld>
@@ -6059,12 +8564,21 @@
         </p:nvSpPr>
         <p:spPr/>
         <p:txBody>
-          <a:bodyPr/>
+          <a:bodyPr>
+            <a:normAutofit fontScale="90000"/>
+          </a:bodyPr>
           <a:lstStyle/>
           <a:p>
             <a:r>
               <a:rPr lang="fr-FR" dirty="0"/>
-              <a:t>Systèmes embarqués</a:t>
+              <a:t>2. Gérer des périphériques avec Scratch</a:t>
+            </a:r>
+            <a:br>
+              <a:rPr lang="fr-FR" dirty="0"/>
+            </a:br>
+            <a:r>
+              <a:rPr lang="fr-FR" dirty="0"/>
+              <a:t>Gestion du clavier</a:t>
             </a:r>
           </a:p>
         </p:txBody>
@@ -6124,19 +8638,389 @@
             <p:ph sz="quarter" idx="1"/>
           </p:nvPr>
         </p:nvSpPr>
-        <p:spPr/>
+        <p:spPr>
+          <a:xfrm>
+            <a:off x="251520" y="980728"/>
+            <a:ext cx="8585788" cy="3744416"/>
+          </a:xfrm>
+        </p:spPr>
         <p:txBody>
-          <a:bodyPr/>
+          <a:bodyPr>
+            <a:normAutofit lnSpcReduction="10000"/>
+          </a:bodyPr>
           <a:lstStyle/>
           <a:p>
-            <a:endParaRPr lang="fr-FR"/>
+            <a:r>
+              <a:rPr lang="fr-FR" dirty="0" smtClean="0"/>
+              <a:t>On souhaite que le lutin « pomme » disparaisse s’il est touché par le lutin et que la touche espace est pressée. </a:t>
+            </a:r>
+            <a:endParaRPr lang="fr-FR" dirty="0"/>
+          </a:p>
+          <a:p>
+            <a:r>
+              <a:rPr lang="fr-FR" dirty="0"/>
+              <a:t>La détection doit commencée dés que le message GO est reçu. </a:t>
+            </a:r>
+          </a:p>
+          <a:p>
+            <a:r>
+              <a:rPr lang="fr-FR" dirty="0"/>
+              <a:t>Réaliser les instructions du lutin « Pomme ». Les Blocs </a:t>
+            </a:r>
+            <a:r>
+              <a:rPr lang="fr-FR" dirty="0" smtClean="0"/>
+              <a:t>et les conditions booléennes disponibles </a:t>
+            </a:r>
+            <a:r>
+              <a:rPr lang="fr-FR" dirty="0"/>
+              <a:t>s</a:t>
+            </a:r>
+            <a:r>
+              <a:rPr lang="fr-FR" dirty="0" smtClean="0"/>
+              <a:t>ont :</a:t>
+            </a:r>
+          </a:p>
+          <a:p>
+            <a:pPr lvl="1"/>
+            <a:r>
+              <a:rPr lang="fr-FR" dirty="0" smtClean="0"/>
+              <a:t>«</a:t>
+            </a:r>
+            <a:r>
+              <a:rPr lang="fr-FR" dirty="0"/>
+              <a:t> Quand je reçois Go », répéter indéfiniment, Si… alors, </a:t>
+            </a:r>
+            <a:r>
+              <a:rPr lang="fr-FR" dirty="0" smtClean="0"/>
+              <a:t> répéter n fois,  si… alors sinon, montrer, cacher</a:t>
+            </a:r>
+          </a:p>
+          <a:p>
+            <a:pPr lvl="1"/>
+            <a:r>
+              <a:rPr lang="fr-FR" dirty="0" smtClean="0"/>
+              <a:t>Touche espace pressée, lutin1 touché, pomme touchée</a:t>
+            </a:r>
+            <a:endParaRPr lang="fr-FR" dirty="0"/>
+          </a:p>
+          <a:p>
+            <a:endParaRPr lang="fr-FR" dirty="0"/>
           </a:p>
         </p:txBody>
       </p:sp>
+      <p:sp>
+        <p:nvSpPr>
+          <p:cNvPr id="6" name="Espace réservé du contenu 4">
+            <a:extLst>
+              <a:ext uri="{FF2B5EF4-FFF2-40B4-BE49-F238E27FC236}">
+                <a16:creationId xmlns:a16="http://schemas.microsoft.com/office/drawing/2014/main" xmlns="" id="{E0ECA4FB-A27A-4EF4-8C7D-5B9524C6BE3F}"/>
+              </a:ext>
+            </a:extLst>
+          </p:cNvPr>
+          <p:cNvSpPr txBox="1">
+            <a:spLocks/>
+          </p:cNvSpPr>
+          <p:nvPr/>
+        </p:nvSpPr>
+        <p:spPr>
+          <a:xfrm>
+            <a:off x="251520" y="4869160"/>
+            <a:ext cx="8640960" cy="1440160"/>
+          </a:xfrm>
+          <a:prstGeom prst="rect">
+            <a:avLst/>
+          </a:prstGeom>
+          <a:ln>
+            <a:solidFill>
+              <a:schemeClr val="accent5">
+                <a:lumMod val="50000"/>
+              </a:schemeClr>
+            </a:solidFill>
+            <a:prstDash val="lgDash"/>
+          </a:ln>
+        </p:spPr>
+        <p:txBody>
+          <a:bodyPr vert="horz">
+            <a:normAutofit/>
+          </a:bodyPr>
+          <a:lstStyle>
+            <a:lvl1pPr marL="274320" indent="-274320" algn="l" rtl="0" eaLnBrk="1" latinLnBrk="0" hangingPunct="1">
+              <a:spcBef>
+                <a:spcPts val="600"/>
+              </a:spcBef>
+              <a:buClr>
+                <a:schemeClr val="accent5">
+                  <a:lumMod val="50000"/>
+                </a:schemeClr>
+              </a:buClr>
+              <a:buSzPct val="76000"/>
+              <a:buFont typeface="Wingdings 3"/>
+              <a:buChar char=""/>
+              <a:defRPr kumimoji="0" sz="2600" kern="1200">
+                <a:solidFill>
+                  <a:schemeClr val="tx1"/>
+                </a:solidFill>
+                <a:latin typeface="+mn-lt"/>
+                <a:ea typeface="+mn-ea"/>
+                <a:cs typeface="+mn-cs"/>
+              </a:defRPr>
+            </a:lvl1pPr>
+            <a:lvl2pPr marL="548640" indent="-274320" algn="l" rtl="0" eaLnBrk="1" latinLnBrk="0" hangingPunct="1">
+              <a:spcBef>
+                <a:spcPts val="500"/>
+              </a:spcBef>
+              <a:buClr>
+                <a:schemeClr val="accent5">
+                  <a:lumMod val="75000"/>
+                </a:schemeClr>
+              </a:buClr>
+              <a:buSzPct val="76000"/>
+              <a:buFont typeface="Wingdings 3"/>
+              <a:buChar char=""/>
+              <a:defRPr kumimoji="0" sz="2300" kern="1200">
+                <a:solidFill>
+                  <a:schemeClr val="tx1"/>
+                </a:solidFill>
+                <a:latin typeface="+mn-lt"/>
+                <a:ea typeface="+mn-ea"/>
+                <a:cs typeface="+mn-cs"/>
+              </a:defRPr>
+            </a:lvl2pPr>
+            <a:lvl3pPr marL="822960" indent="-228600" algn="l" rtl="0" eaLnBrk="1" latinLnBrk="0" hangingPunct="1">
+              <a:spcBef>
+                <a:spcPts val="500"/>
+              </a:spcBef>
+              <a:buClr>
+                <a:schemeClr val="accent5">
+                  <a:lumMod val="75000"/>
+                </a:schemeClr>
+              </a:buClr>
+              <a:buSzPct val="76000"/>
+              <a:buFont typeface="Wingdings 3"/>
+              <a:buChar char=""/>
+              <a:defRPr kumimoji="0" sz="2000" kern="1200">
+                <a:solidFill>
+                  <a:schemeClr val="tx1"/>
+                </a:solidFill>
+                <a:latin typeface="+mn-lt"/>
+                <a:ea typeface="+mn-ea"/>
+                <a:cs typeface="+mn-cs"/>
+              </a:defRPr>
+            </a:lvl3pPr>
+            <a:lvl4pPr marL="1097280" indent="-228600" algn="l" rtl="0" eaLnBrk="1" latinLnBrk="0" hangingPunct="1">
+              <a:spcBef>
+                <a:spcPts val="400"/>
+              </a:spcBef>
+              <a:buClr>
+                <a:schemeClr val="accent5">
+                  <a:lumMod val="75000"/>
+                </a:schemeClr>
+              </a:buClr>
+              <a:buSzPct val="70000"/>
+              <a:buFont typeface="Wingdings"/>
+              <a:buChar char=""/>
+              <a:defRPr kumimoji="0" sz="1800" kern="1200">
+                <a:solidFill>
+                  <a:schemeClr val="tx1"/>
+                </a:solidFill>
+                <a:latin typeface="+mn-lt"/>
+                <a:ea typeface="+mn-ea"/>
+                <a:cs typeface="+mn-cs"/>
+              </a:defRPr>
+            </a:lvl4pPr>
+            <a:lvl5pPr marL="1371600" indent="-228600" algn="l" rtl="0" eaLnBrk="1" latinLnBrk="0" hangingPunct="1">
+              <a:spcBef>
+                <a:spcPts val="300"/>
+              </a:spcBef>
+              <a:buClr>
+                <a:schemeClr val="accent5">
+                  <a:lumMod val="75000"/>
+                </a:schemeClr>
+              </a:buClr>
+              <a:buSzPct val="70000"/>
+              <a:buFont typeface="Wingdings"/>
+              <a:buChar char=""/>
+              <a:defRPr kumimoji="0" sz="1600" kern="1200">
+                <a:solidFill>
+                  <a:schemeClr val="tx1"/>
+                </a:solidFill>
+                <a:latin typeface="+mn-lt"/>
+                <a:ea typeface="+mn-ea"/>
+                <a:cs typeface="+mn-cs"/>
+              </a:defRPr>
+            </a:lvl5pPr>
+            <a:lvl6pPr marL="1645920" indent="-182880" algn="l" rtl="0" eaLnBrk="1" latinLnBrk="0" hangingPunct="1">
+              <a:spcBef>
+                <a:spcPts val="300"/>
+              </a:spcBef>
+              <a:buClr>
+                <a:srgbClr val="9FB8CD">
+                  <a:shade val="75000"/>
+                </a:srgbClr>
+              </a:buClr>
+              <a:buSzPct val="75000"/>
+              <a:buFont typeface="Wingdings 3"/>
+              <a:buChar char=""/>
+              <a:defRPr kumimoji="0" lang="en-US" sz="1600" kern="1200" smtClean="0">
+                <a:solidFill>
+                  <a:schemeClr val="tx1"/>
+                </a:solidFill>
+                <a:latin typeface="+mn-lt"/>
+                <a:ea typeface="+mn-ea"/>
+                <a:cs typeface="+mn-cs"/>
+              </a:defRPr>
+            </a:lvl6pPr>
+            <a:lvl7pPr marL="1828800" indent="-182880" algn="l" rtl="0" eaLnBrk="1" latinLnBrk="0" hangingPunct="1">
+              <a:spcBef>
+                <a:spcPts val="300"/>
+              </a:spcBef>
+              <a:buClr>
+                <a:srgbClr val="727CA3">
+                  <a:shade val="75000"/>
+                </a:srgbClr>
+              </a:buClr>
+              <a:buSzPct val="75000"/>
+              <a:buFont typeface="Wingdings 3"/>
+              <a:buChar char=""/>
+              <a:defRPr kumimoji="0" lang="en-US" sz="1400" kern="1200" smtClean="0">
+                <a:solidFill>
+                  <a:schemeClr val="tx1"/>
+                </a:solidFill>
+                <a:latin typeface="+mn-lt"/>
+                <a:ea typeface="+mn-ea"/>
+                <a:cs typeface="+mn-cs"/>
+              </a:defRPr>
+            </a:lvl7pPr>
+            <a:lvl8pPr marL="2011680" indent="-182880" algn="l" rtl="0" eaLnBrk="1" latinLnBrk="0" hangingPunct="1">
+              <a:spcBef>
+                <a:spcPts val="300"/>
+              </a:spcBef>
+              <a:buClr>
+                <a:prstClr val="white">
+                  <a:shade val="50000"/>
+                </a:prstClr>
+              </a:buClr>
+              <a:buSzPct val="75000"/>
+              <a:buFont typeface="Wingdings 3"/>
+              <a:buChar char=""/>
+              <a:defRPr kumimoji="0" lang="en-US" sz="1400" kern="1200" smtClean="0">
+                <a:solidFill>
+                  <a:schemeClr val="tx1"/>
+                </a:solidFill>
+                <a:latin typeface="+mn-lt"/>
+                <a:ea typeface="+mn-ea"/>
+                <a:cs typeface="+mn-cs"/>
+              </a:defRPr>
+            </a:lvl8pPr>
+            <a:lvl9pPr marL="2194560" indent="-182880" algn="l" rtl="0" eaLnBrk="1" latinLnBrk="0" hangingPunct="1">
+              <a:spcBef>
+                <a:spcPts val="300"/>
+              </a:spcBef>
+              <a:buClr>
+                <a:srgbClr val="9FB8CD"/>
+              </a:buClr>
+              <a:buSzPct val="75000"/>
+              <a:buFont typeface="Wingdings 3"/>
+              <a:buChar char=""/>
+              <a:defRPr kumimoji="0" lang="en-US" sz="1200" kern="1200" smtClean="0">
+                <a:solidFill>
+                  <a:schemeClr val="tx1"/>
+                </a:solidFill>
+                <a:latin typeface="+mn-lt"/>
+                <a:ea typeface="+mn-ea"/>
+                <a:cs typeface="+mn-cs"/>
+              </a:defRPr>
+            </a:lvl9pPr>
+          </a:lstStyle>
+          <a:p>
+            <a:r>
+              <a:rPr lang="fr-FR" sz="2000" dirty="0">
+                <a:solidFill>
+                  <a:srgbClr val="FF0000"/>
+                </a:solidFill>
+              </a:rPr>
+              <a:t>Solution : </a:t>
+            </a:r>
+            <a:endParaRPr lang="fr-FR" sz="2000" dirty="0" smtClean="0">
+              <a:solidFill>
+                <a:srgbClr val="FF0000"/>
+              </a:solidFill>
+            </a:endParaRPr>
+          </a:p>
+          <a:p>
+            <a:pPr lvl="1"/>
+            <a:endParaRPr lang="fr-FR" sz="1700" dirty="0"/>
+          </a:p>
+        </p:txBody>
+      </p:sp>
+      <p:pic>
+        <p:nvPicPr>
+          <p:cNvPr id="3075" name="Picture 3"/>
+          <p:cNvPicPr>
+            <a:picLocks noChangeAspect="1" noChangeArrowheads="1"/>
+          </p:cNvPicPr>
+          <p:nvPr/>
+        </p:nvPicPr>
+        <p:blipFill>
+          <a:blip r:embed="rId2">
+            <a:extLst>
+              <a:ext uri="{28A0092B-C50C-407E-A947-70E740481C1C}">
+                <a14:useLocalDpi xmlns:a14="http://schemas.microsoft.com/office/drawing/2010/main" val="0"/>
+              </a:ext>
+            </a:extLst>
+          </a:blip>
+          <a:srcRect/>
+          <a:stretch>
+            <a:fillRect/>
+          </a:stretch>
+        </p:blipFill>
+        <p:spPr bwMode="auto">
+          <a:xfrm>
+            <a:off x="2195736" y="4913907"/>
+            <a:ext cx="4267200" cy="1381125"/>
+          </a:xfrm>
+          <a:prstGeom prst="rect">
+            <a:avLst/>
+          </a:prstGeom>
+          <a:noFill/>
+          <a:ln>
+            <a:noFill/>
+          </a:ln>
+          <a:effectLst/>
+          <a:extLst>
+            <a:ext uri="{909E8E84-426E-40DD-AFC4-6F175D3DCCD1}">
+              <a14:hiddenFill xmlns:a14="http://schemas.microsoft.com/office/drawing/2010/main">
+                <a:solidFill>
+                  <a:schemeClr val="accent1"/>
+                </a:solidFill>
+              </a14:hiddenFill>
+            </a:ext>
+            <a:ext uri="{91240B29-F687-4F45-9708-019B960494DF}">
+              <a14:hiddenLine xmlns:a14="http://schemas.microsoft.com/office/drawing/2010/main" w="9525">
+                <a:solidFill>
+                  <a:schemeClr val="tx1"/>
+                </a:solidFill>
+                <a:miter lim="800000"/>
+                <a:headEnd/>
+                <a:tailEnd/>
+              </a14:hiddenLine>
+            </a:ext>
+            <a:ext uri="{AF507438-7753-43E0-B8FC-AC1667EBCBE1}">
+              <a14:hiddenEffects xmlns:a14="http://schemas.microsoft.com/office/drawing/2010/main">
+                <a:effectLst>
+                  <a:outerShdw dist="35921" dir="2700000" algn="ctr" rotWithShape="0">
+                    <a:schemeClr val="bg2"/>
+                  </a:outerShdw>
+                </a:effectLst>
+              </a14:hiddenEffects>
+            </a:ext>
+          </a:extLst>
+        </p:spPr>
+      </p:pic>
     </p:spTree>
     <p:extLst>
       <p:ext uri="{BB962C8B-B14F-4D97-AF65-F5344CB8AC3E}">
-        <p14:creationId xmlns:p14="http://schemas.microsoft.com/office/powerpoint/2010/main" val="387407079"/>
+        <p14:creationId xmlns:p14="http://schemas.microsoft.com/office/powerpoint/2010/main" val="888481918"/>
       </p:ext>
     </p:extLst>
   </p:cSld>
@@ -6176,14 +9060,26 @@
         <p:spPr/>
         <p:txBody>
           <a:bodyPr>
-            <a:normAutofit/>
+            <a:normAutofit fontScale="90000"/>
           </a:bodyPr>
           <a:lstStyle/>
           <a:p>
             <a:r>
               <a:rPr lang="fr-FR" dirty="0"/>
-              <a:t>Forme et traitement du signal</a:t>
+              <a:t>2. Gérer des périphériques avec Scratch</a:t>
             </a:r>
+            <a:br>
+              <a:rPr lang="fr-FR" dirty="0"/>
+            </a:br>
+            <a:r>
+              <a:rPr lang="fr-FR" dirty="0"/>
+              <a:t>Gestion </a:t>
+            </a:r>
+            <a:r>
+              <a:rPr lang="fr-FR" dirty="0" smtClean="0"/>
+              <a:t>de la souris</a:t>
+            </a:r>
+            <a:endParaRPr lang="fr-FR" dirty="0"/>
           </a:p>
         </p:txBody>
       </p:sp>
@@ -6242,19 +9138,179 @@
             <p:ph sz="quarter" idx="1"/>
           </p:nvPr>
         </p:nvSpPr>
-        <p:spPr/>
+        <p:spPr>
+          <a:xfrm>
+            <a:off x="251521" y="980728"/>
+            <a:ext cx="6408712" cy="5400600"/>
+          </a:xfrm>
+        </p:spPr>
         <p:txBody>
-          <a:bodyPr/>
+          <a:bodyPr>
+            <a:normAutofit/>
+          </a:bodyPr>
           <a:lstStyle/>
           <a:p>
+            <a:r>
+              <a:rPr lang="fr-FR" dirty="0" smtClean="0"/>
+              <a:t>On transforme le mode de déplacement du lutin principal par l’algorithme suivant. </a:t>
+            </a:r>
+          </a:p>
+          <a:p>
+            <a:r>
+              <a:rPr lang="fr-FR" dirty="0" smtClean="0"/>
+              <a:t>Quel est son effet ?</a:t>
+            </a:r>
             <a:endParaRPr lang="fr-FR" dirty="0"/>
+          </a:p>
+          <a:p>
+            <a:endParaRPr lang="fr-FR" dirty="0" smtClean="0"/>
+          </a:p>
+          <a:p>
+            <a:endParaRPr lang="fr-FR" dirty="0"/>
+          </a:p>
+          <a:p>
+            <a:endParaRPr lang="fr-FR" dirty="0" smtClean="0"/>
+          </a:p>
+          <a:p>
+            <a:endParaRPr lang="fr-FR" dirty="0" smtClean="0"/>
+          </a:p>
+          <a:p>
+            <a:endParaRPr lang="fr-FR" dirty="0"/>
+          </a:p>
+          <a:p>
+            <a:r>
+              <a:rPr lang="fr-FR" dirty="0" smtClean="0">
+                <a:solidFill>
+                  <a:srgbClr val="FF0000"/>
+                </a:solidFill>
+              </a:rPr>
+              <a:t>Solution :</a:t>
+            </a:r>
+          </a:p>
+          <a:p>
+            <a:pPr lvl="1"/>
+            <a:r>
+              <a:rPr lang="fr-FR" dirty="0" smtClean="0">
+                <a:solidFill>
+                  <a:srgbClr val="FF0000"/>
+                </a:solidFill>
+              </a:rPr>
+              <a:t>Le lutin principal est dirigé par la position de </a:t>
+            </a:r>
+            <a:r>
+              <a:rPr lang="fr-FR" smtClean="0">
+                <a:solidFill>
+                  <a:srgbClr val="FF0000"/>
+                </a:solidFill>
+              </a:rPr>
+              <a:t>la souris. </a:t>
+            </a:r>
+            <a:endParaRPr lang="fr-FR" dirty="0">
+              <a:solidFill>
+                <a:srgbClr val="FF0000"/>
+              </a:solidFill>
+            </a:endParaRPr>
           </a:p>
         </p:txBody>
       </p:sp>
+      <p:pic>
+        <p:nvPicPr>
+          <p:cNvPr id="7" name="Image 6">
+            <a:extLst>
+              <a:ext uri="{FF2B5EF4-FFF2-40B4-BE49-F238E27FC236}">
+                <a16:creationId xmlns:a16="http://schemas.microsoft.com/office/drawing/2014/main" xmlns="" id="{79296190-7E7C-4BF5-89E2-B767E1861F21}"/>
+              </a:ext>
+            </a:extLst>
+          </p:cNvPr>
+          <p:cNvPicPr>
+            <a:picLocks noChangeAspect="1"/>
+          </p:cNvPicPr>
+          <p:nvPr/>
+        </p:nvPicPr>
+        <p:blipFill>
+          <a:blip r:embed="rId2"/>
+          <a:stretch>
+            <a:fillRect/>
+          </a:stretch>
+        </p:blipFill>
+        <p:spPr>
+          <a:xfrm>
+            <a:off x="6814464" y="1124744"/>
+            <a:ext cx="2299770" cy="1819944"/>
+          </a:xfrm>
+          <a:prstGeom prst="rect">
+            <a:avLst/>
+          </a:prstGeom>
+        </p:spPr>
+      </p:pic>
+      <p:pic>
+        <p:nvPicPr>
+          <p:cNvPr id="5122" name="Picture 2"/>
+          <p:cNvPicPr>
+            <a:picLocks noChangeAspect="1" noChangeArrowheads="1"/>
+          </p:cNvPicPr>
+          <p:nvPr/>
+        </p:nvPicPr>
+        <p:blipFill>
+          <a:blip r:embed="rId3">
+            <a:extLst>
+              <a:ext uri="{28A0092B-C50C-407E-A947-70E740481C1C}">
+                <a14:useLocalDpi xmlns:a14="http://schemas.microsoft.com/office/drawing/2010/main" val="0"/>
+              </a:ext>
+            </a:extLst>
+          </a:blip>
+          <a:srcRect/>
+          <a:stretch>
+            <a:fillRect/>
+          </a:stretch>
+        </p:blipFill>
+        <p:spPr bwMode="auto">
+          <a:xfrm>
+            <a:off x="1331640" y="2344613"/>
+            <a:ext cx="2981325" cy="1200150"/>
+          </a:xfrm>
+          <a:prstGeom prst="rect">
+            <a:avLst/>
+          </a:prstGeom>
+          <a:noFill/>
+          <a:ln>
+            <a:noFill/>
+          </a:ln>
+          <a:effectLst/>
+          <a:extLst>
+            <a:ext uri="{909E8E84-426E-40DD-AFC4-6F175D3DCCD1}">
+              <a14:hiddenFill xmlns:a14="http://schemas.microsoft.com/office/drawing/2010/main">
+                <a:solidFill>
+                  <a:schemeClr val="accent1"/>
+                </a:solidFill>
+              </a14:hiddenFill>
+            </a:ext>
+            <a:ext uri="{91240B29-F687-4F45-9708-019B960494DF}">
+              <a14:hiddenLine xmlns:a14="http://schemas.microsoft.com/office/drawing/2010/main" w="9525">
+                <a:solidFill>
+                  <a:schemeClr val="tx1"/>
+                </a:solidFill>
+                <a:miter lim="800000"/>
+                <a:headEnd/>
+                <a:tailEnd/>
+              </a14:hiddenLine>
+            </a:ext>
+            <a:ext uri="{AF507438-7753-43E0-B8FC-AC1667EBCBE1}">
+              <a14:hiddenEffects xmlns:a14="http://schemas.microsoft.com/office/drawing/2010/main">
+                <a:effectLst>
+                  <a:outerShdw dist="35921" dir="2700000" algn="ctr" rotWithShape="0">
+                    <a:schemeClr val="bg2"/>
+                  </a:outerShdw>
+                </a:effectLst>
+              </a14:hiddenEffects>
+            </a:ext>
+          </a:extLst>
+        </p:spPr>
+      </p:pic>
     </p:spTree>
     <p:extLst>
       <p:ext uri="{BB962C8B-B14F-4D97-AF65-F5344CB8AC3E}">
-        <p14:creationId xmlns:p14="http://schemas.microsoft.com/office/powerpoint/2010/main" val="1852829141"/>
+        <p14:creationId xmlns:p14="http://schemas.microsoft.com/office/powerpoint/2010/main" val="4143272944"/>
       </p:ext>
     </p:extLst>
   </p:cSld>
@@ -6294,14 +9350,26 @@
         <p:spPr/>
         <p:txBody>
           <a:bodyPr>
-            <a:normAutofit/>
+            <a:normAutofit fontScale="90000"/>
           </a:bodyPr>
           <a:lstStyle/>
           <a:p>
             <a:r>
               <a:rPr lang="fr-FR" dirty="0"/>
-              <a:t>Capteur, actionneur, interface </a:t>
+              <a:t>2. Gérer des périphériques avec Scratch</a:t>
             </a:r>
+            <a:br>
+              <a:rPr lang="fr-FR" dirty="0"/>
+            </a:br>
+            <a:r>
+              <a:rPr lang="fr-FR" dirty="0"/>
+              <a:t>Gestion du </a:t>
+            </a:r>
+            <a:r>
+              <a:rPr lang="fr-FR" dirty="0" smtClean="0"/>
+              <a:t>son</a:t>
+            </a:r>
+            <a:endParaRPr lang="fr-FR" dirty="0"/>
           </a:p>
         </p:txBody>
       </p:sp>
@@ -6360,19 +9428,203 @@
             <p:ph sz="quarter" idx="1"/>
           </p:nvPr>
         </p:nvSpPr>
-        <p:spPr/>
+        <p:spPr>
+          <a:xfrm>
+            <a:off x="251521" y="980728"/>
+            <a:ext cx="6408712" cy="5400600"/>
+          </a:xfrm>
+        </p:spPr>
         <p:txBody>
-          <a:bodyPr/>
+          <a:bodyPr>
+            <a:normAutofit fontScale="92500" lnSpcReduction="20000"/>
+          </a:bodyPr>
           <a:lstStyle/>
           <a:p>
+            <a:r>
+              <a:rPr lang="fr-FR" dirty="0" smtClean="0"/>
+              <a:t>Quel est l’effet de cet algorithme associé au lutin ? </a:t>
+            </a:r>
+          </a:p>
+          <a:p>
+            <a:r>
+              <a:rPr lang="fr-FR" dirty="0" smtClean="0"/>
+              <a:t>Y voyez-vous d’éventuels « défauts » ?</a:t>
+            </a:r>
+          </a:p>
+          <a:p>
             <a:endParaRPr lang="fr-FR" dirty="0"/>
+          </a:p>
+          <a:p>
+            <a:endParaRPr lang="fr-FR" dirty="0" smtClean="0"/>
+          </a:p>
+          <a:p>
+            <a:endParaRPr lang="fr-FR" dirty="0"/>
+          </a:p>
+          <a:p>
+            <a:endParaRPr lang="fr-FR" dirty="0" smtClean="0"/>
+          </a:p>
+          <a:p>
+            <a:endParaRPr lang="fr-FR" dirty="0" smtClean="0"/>
+          </a:p>
+          <a:p>
+            <a:endParaRPr lang="fr-FR" dirty="0"/>
+          </a:p>
+          <a:p>
+            <a:r>
+              <a:rPr lang="fr-FR" dirty="0" smtClean="0">
+                <a:solidFill>
+                  <a:srgbClr val="FF0000"/>
+                </a:solidFill>
+              </a:rPr>
+              <a:t>Solution :</a:t>
+            </a:r>
+          </a:p>
+          <a:p>
+            <a:pPr lvl="1"/>
+            <a:r>
+              <a:rPr lang="fr-FR" dirty="0" smtClean="0">
+                <a:solidFill>
+                  <a:srgbClr val="FF0000"/>
+                </a:solidFill>
+              </a:rPr>
+              <a:t>Si une pomme est touchée un son de tambour est joué</a:t>
+            </a:r>
+          </a:p>
+          <a:p>
+            <a:pPr lvl="1"/>
+            <a:r>
+              <a:rPr lang="fr-FR" dirty="0" smtClean="0">
+                <a:solidFill>
+                  <a:srgbClr val="FF0000"/>
+                </a:solidFill>
+              </a:rPr>
+              <a:t>Si un requin est touché, un miaulement est joué. </a:t>
+            </a:r>
+          </a:p>
+          <a:p>
+            <a:pPr lvl="1"/>
+            <a:r>
+              <a:rPr lang="fr-FR" dirty="0" smtClean="0">
+                <a:solidFill>
+                  <a:srgbClr val="FF0000"/>
+                </a:solidFill>
+              </a:rPr>
+              <a:t>Le défau</a:t>
+            </a:r>
+            <a:r>
+              <a:rPr lang="fr-FR" dirty="0" smtClean="0">
+                <a:solidFill>
+                  <a:srgbClr val="FF0000"/>
+                </a:solidFill>
+              </a:rPr>
+              <a:t>t principal est que le son va être joué en boucle pendant toute la période ou le lutin est en contact avec la pomme ou le requin.</a:t>
+            </a:r>
+            <a:endParaRPr lang="fr-FR" dirty="0">
+              <a:solidFill>
+                <a:srgbClr val="FF0000"/>
+              </a:solidFill>
+            </a:endParaRPr>
           </a:p>
         </p:txBody>
       </p:sp>
+      <p:pic>
+        <p:nvPicPr>
+          <p:cNvPr id="7" name="Image 6">
+            <a:extLst>
+              <a:ext uri="{FF2B5EF4-FFF2-40B4-BE49-F238E27FC236}">
+                <a16:creationId xmlns:a16="http://schemas.microsoft.com/office/drawing/2014/main" xmlns="" id="{79296190-7E7C-4BF5-89E2-B767E1861F21}"/>
+              </a:ext>
+            </a:extLst>
+          </p:cNvPr>
+          <p:cNvPicPr>
+            <a:picLocks noChangeAspect="1"/>
+          </p:cNvPicPr>
+          <p:nvPr/>
+        </p:nvPicPr>
+        <p:blipFill>
+          <a:blip r:embed="rId2"/>
+          <a:stretch>
+            <a:fillRect/>
+          </a:stretch>
+        </p:blipFill>
+        <p:spPr>
+          <a:xfrm>
+            <a:off x="6814464" y="1124744"/>
+            <a:ext cx="2299770" cy="1819944"/>
+          </a:xfrm>
+          <a:prstGeom prst="rect">
+            <a:avLst/>
+          </a:prstGeom>
+        </p:spPr>
+      </p:pic>
+      <p:pic>
+        <p:nvPicPr>
+          <p:cNvPr id="4099" name="Picture 3"/>
+          <p:cNvPicPr>
+            <a:picLocks noChangeAspect="1" noChangeArrowheads="1"/>
+          </p:cNvPicPr>
+          <p:nvPr/>
+        </p:nvPicPr>
+        <p:blipFill>
+          <a:blip r:embed="rId3">
+            <a:extLst>
+              <a:ext uri="{28A0092B-C50C-407E-A947-70E740481C1C}">
+                <a14:useLocalDpi xmlns:a14="http://schemas.microsoft.com/office/drawing/2010/main" val="0"/>
+              </a:ext>
+            </a:extLst>
+          </a:blip>
+          <a:srcRect/>
+          <a:stretch>
+            <a:fillRect/>
+          </a:stretch>
+        </p:blipFill>
+        <p:spPr bwMode="auto">
+          <a:xfrm>
+            <a:off x="734442" y="2068388"/>
+            <a:ext cx="4819650" cy="1752600"/>
+          </a:xfrm>
+          <a:prstGeom prst="rect">
+            <a:avLst/>
+          </a:prstGeom>
+          <a:noFill/>
+          <a:ln>
+            <a:noFill/>
+          </a:ln>
+          <a:effectLst/>
+          <a:extLst>
+            <a:ext uri="{909E8E84-426E-40DD-AFC4-6F175D3DCCD1}">
+              <a14:hiddenFill xmlns:a14="http://schemas.microsoft.com/office/drawing/2010/main">
+                <a:solidFill>
+                  <a:schemeClr val="accent1"/>
+                </a:solidFill>
+              </a14:hiddenFill>
+            </a:ext>
+            <a:ext uri="{91240B29-F687-4F45-9708-019B960494DF}">
+              <a14:hiddenLine xmlns:a14="http://schemas.microsoft.com/office/drawing/2010/main" w="9525">
+                <a:solidFill>
+                  <a:schemeClr val="tx1"/>
+                </a:solidFill>
+                <a:miter lim="800000"/>
+                <a:headEnd/>
+                <a:tailEnd/>
+              </a14:hiddenLine>
+            </a:ext>
+            <a:ext uri="{AF507438-7753-43E0-B8FC-AC1667EBCBE1}">
+              <a14:hiddenEffects xmlns:a14="http://schemas.microsoft.com/office/drawing/2010/main">
+                <a:effectLst>
+                  <a:outerShdw dist="35921" dir="2700000" algn="ctr" rotWithShape="0">
+                    <a:schemeClr val="bg2"/>
+                  </a:outerShdw>
+                </a:effectLst>
+              </a14:hiddenEffects>
+            </a:ext>
+          </a:extLst>
+        </p:spPr>
+      </p:pic>
     </p:spTree>
     <p:extLst>
       <p:ext uri="{BB962C8B-B14F-4D97-AF65-F5344CB8AC3E}">
-        <p14:creationId xmlns:p14="http://schemas.microsoft.com/office/powerpoint/2010/main" val="3539831573"/>
+        <p14:creationId xmlns:p14="http://schemas.microsoft.com/office/powerpoint/2010/main" val="3007939428"/>
       </p:ext>
     </p:extLst>
   </p:cSld>
@@ -6411,14 +9663,12 @@
         </p:nvSpPr>
         <p:spPr/>
         <p:txBody>
-          <a:bodyPr>
-            <a:normAutofit/>
-          </a:bodyPr>
+          <a:bodyPr/>
           <a:lstStyle/>
           <a:p>
             <a:r>
               <a:rPr lang="fr-FR" dirty="0"/>
-              <a:t>Décomposer un problème en sous problèmes</a:t>
+              <a:t>Systèmes embarqués</a:t>
             </a:r>
           </a:p>
         </p:txBody>
@@ -6483,14 +9733,14 @@
           <a:bodyPr/>
           <a:lstStyle/>
           <a:p>
-            <a:endParaRPr lang="fr-FR" dirty="0"/>
+            <a:endParaRPr lang="fr-FR"/>
           </a:p>
         </p:txBody>
       </p:sp>
     </p:spTree>
     <p:extLst>
       <p:ext uri="{BB962C8B-B14F-4D97-AF65-F5344CB8AC3E}">
-        <p14:creationId xmlns:p14="http://schemas.microsoft.com/office/powerpoint/2010/main" val="3346476942"/>
+        <p14:creationId xmlns:p14="http://schemas.microsoft.com/office/powerpoint/2010/main" val="387407079"/>
       </p:ext>
     </p:extLst>
   </p:cSld>
@@ -6653,14 +9903,12 @@
         </p:nvSpPr>
         <p:spPr/>
         <p:txBody>
-          <a:bodyPr>
-            <a:normAutofit fontScale="90000"/>
-          </a:bodyPr>
+          <a:bodyPr/>
           <a:lstStyle/>
           <a:p>
             <a:r>
               <a:rPr lang="fr-FR" dirty="0"/>
-              <a:t>Écrire, mettre au point et exécuter un programme pour répondre à un problème donné</a:t>
+              <a:t>Définitions</a:t>
             </a:r>
           </a:p>
         </p:txBody>
@@ -6705,713 +9953,6 @@
             <a:fld id="{69AC6D6E-35D0-489D-B18A-03530B324155}" type="slidenum">
               <a:rPr lang="fr-FR" smtClean="0"/>
               <a:t>20</a:t>
-            </a:fld>
-            <a:endParaRPr lang="fr-FR"/>
-          </a:p>
-        </p:txBody>
-      </p:sp>
-      <p:sp>
-        <p:nvSpPr>
-          <p:cNvPr id="5" name="Espace réservé du contenu 4"/>
-          <p:cNvSpPr>
-            <a:spLocks noGrp="1"/>
-          </p:cNvSpPr>
-          <p:nvPr>
-            <p:ph sz="quarter" idx="1"/>
-          </p:nvPr>
-        </p:nvSpPr>
-        <p:spPr/>
-        <p:txBody>
-          <a:bodyPr/>
-          <a:lstStyle/>
-          <a:p>
-            <a:endParaRPr lang="fr-FR" dirty="0"/>
-          </a:p>
-        </p:txBody>
-      </p:sp>
-    </p:spTree>
-    <p:extLst>
-      <p:ext uri="{BB962C8B-B14F-4D97-AF65-F5344CB8AC3E}">
-        <p14:creationId xmlns:p14="http://schemas.microsoft.com/office/powerpoint/2010/main" val="3244722732"/>
-      </p:ext>
-    </p:extLst>
-  </p:cSld>
-  <p:clrMapOvr>
-    <a:masterClrMapping/>
-  </p:clrMapOvr>
-</p:sld>
-</file>
-
-<file path=ppt/slides/slide21.xml><?xml version="1.0" encoding="utf-8"?>
-<p:sld xmlns:a="http://schemas.openxmlformats.org/drawingml/2006/main" xmlns:r="http://schemas.openxmlformats.org/officeDocument/2006/relationships" xmlns:p="http://schemas.openxmlformats.org/presentationml/2006/main">
-  <p:cSld>
-    <p:spTree>
-      <p:nvGrpSpPr>
-        <p:cNvPr id="1" name=""/>
-        <p:cNvGrpSpPr/>
-        <p:nvPr/>
-      </p:nvGrpSpPr>
-      <p:grpSpPr>
-        <a:xfrm>
-          <a:off x="0" y="0"/>
-          <a:ext cx="0" cy="0"/>
-          <a:chOff x="0" y="0"/>
-          <a:chExt cx="0" cy="0"/>
-        </a:xfrm>
-      </p:grpSpPr>
-      <p:sp>
-        <p:nvSpPr>
-          <p:cNvPr id="2" name="Titre 1"/>
-          <p:cNvSpPr>
-            <a:spLocks noGrp="1"/>
-          </p:cNvSpPr>
-          <p:nvPr>
-            <p:ph type="title"/>
-          </p:nvPr>
-        </p:nvSpPr>
-        <p:spPr/>
-        <p:txBody>
-          <a:bodyPr>
-            <a:normAutofit fontScale="90000"/>
-          </a:bodyPr>
-          <a:lstStyle/>
-          <a:p>
-            <a:r>
-              <a:rPr lang="fr-FR" dirty="0"/>
-              <a:t>Écrire un programme dans lequel les actions sont déclenchées par des événements extérieurs</a:t>
-            </a:r>
-          </a:p>
-        </p:txBody>
-      </p:sp>
-      <p:sp>
-        <p:nvSpPr>
-          <p:cNvPr id="3" name="Espace réservé du pied de page 2"/>
-          <p:cNvSpPr>
-            <a:spLocks noGrp="1"/>
-          </p:cNvSpPr>
-          <p:nvPr>
-            <p:ph type="ftr" sz="quarter" idx="11"/>
-          </p:nvPr>
-        </p:nvSpPr>
-        <p:spPr/>
-        <p:txBody>
-          <a:bodyPr/>
-          <a:lstStyle/>
-          <a:p>
-            <a:r>
-              <a:rPr lang="fr-FR"/>
-              <a:t>David Violeau – Xavier Pessoles</a:t>
-            </a:r>
-          </a:p>
-        </p:txBody>
-      </p:sp>
-      <p:sp>
-        <p:nvSpPr>
-          <p:cNvPr id="4" name="Espace réservé du numéro de diapositive 3"/>
-          <p:cNvSpPr>
-            <a:spLocks noGrp="1"/>
-          </p:cNvSpPr>
-          <p:nvPr>
-            <p:ph type="sldNum" sz="quarter" idx="12"/>
-          </p:nvPr>
-        </p:nvSpPr>
-        <p:spPr/>
-        <p:txBody>
-          <a:bodyPr/>
-          <a:lstStyle/>
-          <a:p>
-            <a:fld id="{69AC6D6E-35D0-489D-B18A-03530B324155}" type="slidenum">
-              <a:rPr lang="fr-FR" smtClean="0"/>
-              <a:t>21</a:t>
-            </a:fld>
-            <a:endParaRPr lang="fr-FR"/>
-          </a:p>
-        </p:txBody>
-      </p:sp>
-      <p:sp>
-        <p:nvSpPr>
-          <p:cNvPr id="5" name="Espace réservé du contenu 4"/>
-          <p:cNvSpPr>
-            <a:spLocks noGrp="1"/>
-          </p:cNvSpPr>
-          <p:nvPr>
-            <p:ph sz="quarter" idx="1"/>
-          </p:nvPr>
-        </p:nvSpPr>
-        <p:spPr/>
-        <p:txBody>
-          <a:bodyPr/>
-          <a:lstStyle/>
-          <a:p>
-            <a:endParaRPr lang="fr-FR"/>
-          </a:p>
-        </p:txBody>
-      </p:sp>
-    </p:spTree>
-    <p:extLst>
-      <p:ext uri="{BB962C8B-B14F-4D97-AF65-F5344CB8AC3E}">
-        <p14:creationId xmlns:p14="http://schemas.microsoft.com/office/powerpoint/2010/main" val="1115609818"/>
-      </p:ext>
-    </p:extLst>
-  </p:cSld>
-  <p:clrMapOvr>
-    <a:masterClrMapping/>
-  </p:clrMapOvr>
-</p:sld>
-</file>
-
-<file path=ppt/slides/slide22.xml><?xml version="1.0" encoding="utf-8"?>
-<p:sld xmlns:a="http://schemas.openxmlformats.org/drawingml/2006/main" xmlns:r="http://schemas.openxmlformats.org/officeDocument/2006/relationships" xmlns:p="http://schemas.openxmlformats.org/presentationml/2006/main">
-  <p:cSld>
-    <p:spTree>
-      <p:nvGrpSpPr>
-        <p:cNvPr id="1" name=""/>
-        <p:cNvGrpSpPr/>
-        <p:nvPr/>
-      </p:nvGrpSpPr>
-      <p:grpSpPr>
-        <a:xfrm>
-          <a:off x="0" y="0"/>
-          <a:ext cx="0" cy="0"/>
-          <a:chOff x="0" y="0"/>
-          <a:chExt cx="0" cy="0"/>
-        </a:xfrm>
-      </p:grpSpPr>
-      <p:sp>
-        <p:nvSpPr>
-          <p:cNvPr id="2" name="Titre 1"/>
-          <p:cNvSpPr>
-            <a:spLocks noGrp="1"/>
-          </p:cNvSpPr>
-          <p:nvPr>
-            <p:ph type="title"/>
-          </p:nvPr>
-        </p:nvSpPr>
-        <p:spPr/>
-        <p:txBody>
-          <a:bodyPr>
-            <a:normAutofit fontScale="90000"/>
-          </a:bodyPr>
-          <a:lstStyle/>
-          <a:p>
-            <a:r>
-              <a:rPr lang="fr-FR" dirty="0"/>
-              <a:t>Programmer des scripts se déroulant en parallèle</a:t>
-            </a:r>
-          </a:p>
-        </p:txBody>
-      </p:sp>
-      <p:sp>
-        <p:nvSpPr>
-          <p:cNvPr id="3" name="Espace réservé du pied de page 2"/>
-          <p:cNvSpPr>
-            <a:spLocks noGrp="1"/>
-          </p:cNvSpPr>
-          <p:nvPr>
-            <p:ph type="ftr" sz="quarter" idx="11"/>
-          </p:nvPr>
-        </p:nvSpPr>
-        <p:spPr/>
-        <p:txBody>
-          <a:bodyPr/>
-          <a:lstStyle/>
-          <a:p>
-            <a:r>
-              <a:rPr lang="fr-FR"/>
-              <a:t>David Violeau – Xavier Pessoles</a:t>
-            </a:r>
-          </a:p>
-        </p:txBody>
-      </p:sp>
-      <p:sp>
-        <p:nvSpPr>
-          <p:cNvPr id="4" name="Espace réservé du numéro de diapositive 3"/>
-          <p:cNvSpPr>
-            <a:spLocks noGrp="1"/>
-          </p:cNvSpPr>
-          <p:nvPr>
-            <p:ph type="sldNum" sz="quarter" idx="12"/>
-          </p:nvPr>
-        </p:nvSpPr>
-        <p:spPr/>
-        <p:txBody>
-          <a:bodyPr/>
-          <a:lstStyle/>
-          <a:p>
-            <a:fld id="{69AC6D6E-35D0-489D-B18A-03530B324155}" type="slidenum">
-              <a:rPr lang="fr-FR" smtClean="0"/>
-              <a:t>22</a:t>
-            </a:fld>
-            <a:endParaRPr lang="fr-FR"/>
-          </a:p>
-        </p:txBody>
-      </p:sp>
-      <p:sp>
-        <p:nvSpPr>
-          <p:cNvPr id="5" name="Espace réservé du contenu 4"/>
-          <p:cNvSpPr>
-            <a:spLocks noGrp="1"/>
-          </p:cNvSpPr>
-          <p:nvPr>
-            <p:ph sz="quarter" idx="1"/>
-          </p:nvPr>
-        </p:nvSpPr>
-        <p:spPr/>
-        <p:txBody>
-          <a:bodyPr/>
-          <a:lstStyle/>
-          <a:p>
-            <a:endParaRPr lang="fr-FR"/>
-          </a:p>
-        </p:txBody>
-      </p:sp>
-    </p:spTree>
-    <p:extLst>
-      <p:ext uri="{BB962C8B-B14F-4D97-AF65-F5344CB8AC3E}">
-        <p14:creationId xmlns:p14="http://schemas.microsoft.com/office/powerpoint/2010/main" val="2618725795"/>
-      </p:ext>
-    </p:extLst>
-  </p:cSld>
-  <p:clrMapOvr>
-    <a:masterClrMapping/>
-  </p:clrMapOvr>
-</p:sld>
-</file>
-
-<file path=ppt/slides/slide23.xml><?xml version="1.0" encoding="utf-8"?>
-<p:sld xmlns:a="http://schemas.openxmlformats.org/drawingml/2006/main" xmlns:r="http://schemas.openxmlformats.org/officeDocument/2006/relationships" xmlns:p="http://schemas.openxmlformats.org/presentationml/2006/main">
-  <p:cSld>
-    <p:spTree>
-      <p:nvGrpSpPr>
-        <p:cNvPr id="1" name=""/>
-        <p:cNvGrpSpPr/>
-        <p:nvPr/>
-      </p:nvGrpSpPr>
-      <p:grpSpPr>
-        <a:xfrm>
-          <a:off x="0" y="0"/>
-          <a:ext cx="0" cy="0"/>
-          <a:chOff x="0" y="0"/>
-          <a:chExt cx="0" cy="0"/>
-        </a:xfrm>
-      </p:grpSpPr>
-      <p:sp>
-        <p:nvSpPr>
-          <p:cNvPr id="2" name="Titre 1"/>
-          <p:cNvSpPr>
-            <a:spLocks noGrp="1"/>
-          </p:cNvSpPr>
-          <p:nvPr>
-            <p:ph type="title"/>
-          </p:nvPr>
-        </p:nvSpPr>
-        <p:spPr/>
-        <p:txBody>
-          <a:bodyPr>
-            <a:noAutofit/>
-          </a:bodyPr>
-          <a:lstStyle/>
-          <a:p>
-            <a:r>
-              <a:rPr lang="fr-FR" sz="2800" dirty="0"/>
-              <a:t>Composants d’un réseau, architecture d’un réseau local, moyens de connexion d’un moyen informatique</a:t>
-            </a:r>
-          </a:p>
-        </p:txBody>
-      </p:sp>
-      <p:sp>
-        <p:nvSpPr>
-          <p:cNvPr id="3" name="Espace réservé du pied de page 2"/>
-          <p:cNvSpPr>
-            <a:spLocks noGrp="1"/>
-          </p:cNvSpPr>
-          <p:nvPr>
-            <p:ph type="ftr" sz="quarter" idx="11"/>
-          </p:nvPr>
-        </p:nvSpPr>
-        <p:spPr/>
-        <p:txBody>
-          <a:bodyPr/>
-          <a:lstStyle/>
-          <a:p>
-            <a:r>
-              <a:rPr lang="fr-FR"/>
-              <a:t>David Violeau – Xavier Pessoles</a:t>
-            </a:r>
-          </a:p>
-        </p:txBody>
-      </p:sp>
-      <p:sp>
-        <p:nvSpPr>
-          <p:cNvPr id="4" name="Espace réservé du numéro de diapositive 3"/>
-          <p:cNvSpPr>
-            <a:spLocks noGrp="1"/>
-          </p:cNvSpPr>
-          <p:nvPr>
-            <p:ph type="sldNum" sz="quarter" idx="12"/>
-          </p:nvPr>
-        </p:nvSpPr>
-        <p:spPr/>
-        <p:txBody>
-          <a:bodyPr/>
-          <a:lstStyle/>
-          <a:p>
-            <a:fld id="{69AC6D6E-35D0-489D-B18A-03530B324155}" type="slidenum">
-              <a:rPr lang="fr-FR" smtClean="0"/>
-              <a:t>23</a:t>
-            </a:fld>
-            <a:endParaRPr lang="fr-FR"/>
-          </a:p>
-        </p:txBody>
-      </p:sp>
-      <p:sp>
-        <p:nvSpPr>
-          <p:cNvPr id="5" name="Espace réservé du contenu 4"/>
-          <p:cNvSpPr>
-            <a:spLocks noGrp="1"/>
-          </p:cNvSpPr>
-          <p:nvPr>
-            <p:ph sz="quarter" idx="1"/>
-          </p:nvPr>
-        </p:nvSpPr>
-        <p:spPr/>
-        <p:txBody>
-          <a:bodyPr/>
-          <a:lstStyle/>
-          <a:p>
-            <a:endParaRPr lang="fr-FR"/>
-          </a:p>
-        </p:txBody>
-      </p:sp>
-    </p:spTree>
-    <p:extLst>
-      <p:ext uri="{BB962C8B-B14F-4D97-AF65-F5344CB8AC3E}">
-        <p14:creationId xmlns:p14="http://schemas.microsoft.com/office/powerpoint/2010/main" val="314138527"/>
-      </p:ext>
-    </p:extLst>
-  </p:cSld>
-  <p:clrMapOvr>
-    <a:masterClrMapping/>
-  </p:clrMapOvr>
-</p:sld>
-</file>
-
-<file path=ppt/slides/slide24.xml><?xml version="1.0" encoding="utf-8"?>
-<p:sld xmlns:a="http://schemas.openxmlformats.org/drawingml/2006/main" xmlns:r="http://schemas.openxmlformats.org/officeDocument/2006/relationships" xmlns:p="http://schemas.openxmlformats.org/presentationml/2006/main">
-  <p:cSld>
-    <p:spTree>
-      <p:nvGrpSpPr>
-        <p:cNvPr id="1" name=""/>
-        <p:cNvGrpSpPr/>
-        <p:nvPr/>
-      </p:nvGrpSpPr>
-      <p:grpSpPr>
-        <a:xfrm>
-          <a:off x="0" y="0"/>
-          <a:ext cx="0" cy="0"/>
-          <a:chOff x="0" y="0"/>
-          <a:chExt cx="0" cy="0"/>
-        </a:xfrm>
-      </p:grpSpPr>
-      <p:sp>
-        <p:nvSpPr>
-          <p:cNvPr id="2" name="Titre 1"/>
-          <p:cNvSpPr>
-            <a:spLocks noGrp="1"/>
-          </p:cNvSpPr>
-          <p:nvPr>
-            <p:ph type="title"/>
-          </p:nvPr>
-        </p:nvSpPr>
-        <p:spPr/>
-        <p:txBody>
-          <a:bodyPr>
-            <a:normAutofit fontScale="90000"/>
-          </a:bodyPr>
-          <a:lstStyle/>
-          <a:p>
-            <a:r>
-              <a:rPr lang="fr-FR" dirty="0"/>
-              <a:t>Notion de protocole, d’organisation de protocoles en couche, d’algorithme de routage</a:t>
-            </a:r>
-          </a:p>
-        </p:txBody>
-      </p:sp>
-      <p:sp>
-        <p:nvSpPr>
-          <p:cNvPr id="3" name="Espace réservé du pied de page 2"/>
-          <p:cNvSpPr>
-            <a:spLocks noGrp="1"/>
-          </p:cNvSpPr>
-          <p:nvPr>
-            <p:ph type="ftr" sz="quarter" idx="11"/>
-          </p:nvPr>
-        </p:nvSpPr>
-        <p:spPr/>
-        <p:txBody>
-          <a:bodyPr/>
-          <a:lstStyle/>
-          <a:p>
-            <a:r>
-              <a:rPr lang="fr-FR"/>
-              <a:t>David Violeau – Xavier Pessoles</a:t>
-            </a:r>
-          </a:p>
-        </p:txBody>
-      </p:sp>
-      <p:sp>
-        <p:nvSpPr>
-          <p:cNvPr id="4" name="Espace réservé du numéro de diapositive 3"/>
-          <p:cNvSpPr>
-            <a:spLocks noGrp="1"/>
-          </p:cNvSpPr>
-          <p:nvPr>
-            <p:ph type="sldNum" sz="quarter" idx="12"/>
-          </p:nvPr>
-        </p:nvSpPr>
-        <p:spPr/>
-        <p:txBody>
-          <a:bodyPr/>
-          <a:lstStyle/>
-          <a:p>
-            <a:fld id="{69AC6D6E-35D0-489D-B18A-03530B324155}" type="slidenum">
-              <a:rPr lang="fr-FR" smtClean="0"/>
-              <a:t>24</a:t>
-            </a:fld>
-            <a:endParaRPr lang="fr-FR"/>
-          </a:p>
-        </p:txBody>
-      </p:sp>
-      <p:sp>
-        <p:nvSpPr>
-          <p:cNvPr id="5" name="Espace réservé du contenu 4"/>
-          <p:cNvSpPr>
-            <a:spLocks noGrp="1"/>
-          </p:cNvSpPr>
-          <p:nvPr>
-            <p:ph sz="quarter" idx="1"/>
-          </p:nvPr>
-        </p:nvSpPr>
-        <p:spPr/>
-        <p:txBody>
-          <a:bodyPr/>
-          <a:lstStyle/>
-          <a:p>
-            <a:endParaRPr lang="fr-FR"/>
-          </a:p>
-        </p:txBody>
-      </p:sp>
-    </p:spTree>
-    <p:extLst>
-      <p:ext uri="{BB962C8B-B14F-4D97-AF65-F5344CB8AC3E}">
-        <p14:creationId xmlns:p14="http://schemas.microsoft.com/office/powerpoint/2010/main" val="2872177264"/>
-      </p:ext>
-    </p:extLst>
-  </p:cSld>
-  <p:clrMapOvr>
-    <a:masterClrMapping/>
-  </p:clrMapOvr>
-</p:sld>
-</file>
-
-<file path=ppt/slides/slide25.xml><?xml version="1.0" encoding="utf-8"?>
-<p:sld xmlns:a="http://schemas.openxmlformats.org/drawingml/2006/main" xmlns:r="http://schemas.openxmlformats.org/officeDocument/2006/relationships" xmlns:p="http://schemas.openxmlformats.org/presentationml/2006/main">
-  <p:cSld>
-    <p:spTree>
-      <p:nvGrpSpPr>
-        <p:cNvPr id="1" name=""/>
-        <p:cNvGrpSpPr/>
-        <p:nvPr/>
-      </p:nvGrpSpPr>
-      <p:grpSpPr>
-        <a:xfrm>
-          <a:off x="0" y="0"/>
-          <a:ext cx="0" cy="0"/>
-          <a:chOff x="0" y="0"/>
-          <a:chExt cx="0" cy="0"/>
-        </a:xfrm>
-      </p:grpSpPr>
-      <p:sp>
-        <p:nvSpPr>
-          <p:cNvPr id="2" name="Titre 1"/>
-          <p:cNvSpPr>
-            <a:spLocks noGrp="1"/>
-          </p:cNvSpPr>
-          <p:nvPr>
-            <p:ph type="title"/>
-          </p:nvPr>
-        </p:nvSpPr>
-        <p:spPr/>
-        <p:txBody>
-          <a:bodyPr>
-            <a:normAutofit/>
-          </a:bodyPr>
-          <a:lstStyle/>
-          <a:p>
-            <a:r>
-              <a:rPr lang="fr-FR"/>
-              <a:t>Internet</a:t>
-            </a:r>
-            <a:endParaRPr lang="fr-FR" dirty="0"/>
-          </a:p>
-        </p:txBody>
-      </p:sp>
-      <p:sp>
-        <p:nvSpPr>
-          <p:cNvPr id="3" name="Espace réservé du pied de page 2"/>
-          <p:cNvSpPr>
-            <a:spLocks noGrp="1"/>
-          </p:cNvSpPr>
-          <p:nvPr>
-            <p:ph type="ftr" sz="quarter" idx="11"/>
-          </p:nvPr>
-        </p:nvSpPr>
-        <p:spPr/>
-        <p:txBody>
-          <a:bodyPr/>
-          <a:lstStyle/>
-          <a:p>
-            <a:r>
-              <a:rPr lang="fr-FR"/>
-              <a:t>David Violeau – Xavier Pessoles</a:t>
-            </a:r>
-          </a:p>
-        </p:txBody>
-      </p:sp>
-      <p:sp>
-        <p:nvSpPr>
-          <p:cNvPr id="4" name="Espace réservé du numéro de diapositive 3"/>
-          <p:cNvSpPr>
-            <a:spLocks noGrp="1"/>
-          </p:cNvSpPr>
-          <p:nvPr>
-            <p:ph type="sldNum" sz="quarter" idx="12"/>
-          </p:nvPr>
-        </p:nvSpPr>
-        <p:spPr/>
-        <p:txBody>
-          <a:bodyPr/>
-          <a:lstStyle/>
-          <a:p>
-            <a:fld id="{69AC6D6E-35D0-489D-B18A-03530B324155}" type="slidenum">
-              <a:rPr lang="fr-FR" smtClean="0"/>
-              <a:t>25</a:t>
-            </a:fld>
-            <a:endParaRPr lang="fr-FR"/>
-          </a:p>
-        </p:txBody>
-      </p:sp>
-      <p:sp>
-        <p:nvSpPr>
-          <p:cNvPr id="5" name="Espace réservé du contenu 4"/>
-          <p:cNvSpPr>
-            <a:spLocks noGrp="1"/>
-          </p:cNvSpPr>
-          <p:nvPr>
-            <p:ph sz="quarter" idx="1"/>
-          </p:nvPr>
-        </p:nvSpPr>
-        <p:spPr/>
-        <p:txBody>
-          <a:bodyPr/>
-          <a:lstStyle/>
-          <a:p>
-            <a:endParaRPr lang="fr-FR"/>
-          </a:p>
-        </p:txBody>
-      </p:sp>
-    </p:spTree>
-    <p:extLst>
-      <p:ext uri="{BB962C8B-B14F-4D97-AF65-F5344CB8AC3E}">
-        <p14:creationId xmlns:p14="http://schemas.microsoft.com/office/powerpoint/2010/main" val="2551425432"/>
-      </p:ext>
-    </p:extLst>
-  </p:cSld>
-  <p:clrMapOvr>
-    <a:masterClrMapping/>
-  </p:clrMapOvr>
-</p:sld>
-</file>
-
-<file path=ppt/slides/slide26.xml><?xml version="1.0" encoding="utf-8"?>
-<p:sld xmlns:a="http://schemas.openxmlformats.org/drawingml/2006/main" xmlns:r="http://schemas.openxmlformats.org/officeDocument/2006/relationships" xmlns:p="http://schemas.openxmlformats.org/presentationml/2006/main">
-  <p:cSld>
-    <p:spTree>
-      <p:nvGrpSpPr>
-        <p:cNvPr id="1" name=""/>
-        <p:cNvGrpSpPr/>
-        <p:nvPr/>
-      </p:nvGrpSpPr>
-      <p:grpSpPr>
-        <a:xfrm>
-          <a:off x="0" y="0"/>
-          <a:ext cx="0" cy="0"/>
-          <a:chOff x="0" y="0"/>
-          <a:chExt cx="0" cy="0"/>
-        </a:xfrm>
-      </p:grpSpPr>
-      <p:sp>
-        <p:nvSpPr>
-          <p:cNvPr id="2" name="Titre 1"/>
-          <p:cNvSpPr>
-            <a:spLocks noGrp="1"/>
-          </p:cNvSpPr>
-          <p:nvPr>
-            <p:ph type="title"/>
-          </p:nvPr>
-        </p:nvSpPr>
-        <p:spPr/>
-        <p:txBody>
-          <a:bodyPr/>
-          <a:lstStyle/>
-          <a:p>
-            <a:r>
-              <a:rPr lang="fr-FR" dirty="0"/>
-              <a:t>Définitions</a:t>
-            </a:r>
-          </a:p>
-        </p:txBody>
-      </p:sp>
-      <p:sp>
-        <p:nvSpPr>
-          <p:cNvPr id="3" name="Espace réservé du pied de page 2"/>
-          <p:cNvSpPr>
-            <a:spLocks noGrp="1"/>
-          </p:cNvSpPr>
-          <p:nvPr>
-            <p:ph type="ftr" sz="quarter" idx="11"/>
-          </p:nvPr>
-        </p:nvSpPr>
-        <p:spPr/>
-        <p:txBody>
-          <a:bodyPr/>
-          <a:lstStyle/>
-          <a:p>
-            <a:r>
-              <a:rPr lang="fr-FR"/>
-              <a:t>David Violeau – Xavier Pessoles</a:t>
-            </a:r>
-          </a:p>
-        </p:txBody>
-      </p:sp>
-      <p:sp>
-        <p:nvSpPr>
-          <p:cNvPr id="4" name="Espace réservé du numéro de diapositive 3"/>
-          <p:cNvSpPr>
-            <a:spLocks noGrp="1"/>
-          </p:cNvSpPr>
-          <p:nvPr>
-            <p:ph type="sldNum" sz="quarter" idx="12"/>
-          </p:nvPr>
-        </p:nvSpPr>
-        <p:spPr/>
-        <p:txBody>
-          <a:bodyPr/>
-          <a:lstStyle/>
-          <a:p>
-            <a:fld id="{69AC6D6E-35D0-489D-B18A-03530B324155}" type="slidenum">
-              <a:rPr lang="fr-FR" smtClean="0"/>
-              <a:t>26</a:t>
             </a:fld>
             <a:endParaRPr lang="fr-FR"/>
           </a:p>
@@ -16856,7 +19397,7 @@
           <p:cNvPr id="56" name="Groupe 55">
             <a:extLst>
               <a:ext uri="{FF2B5EF4-FFF2-40B4-BE49-F238E27FC236}">
-                <a16:creationId xmlns:a16="http://schemas.microsoft.com/office/drawing/2014/main" id="{829E4CAB-EA83-4DC5-88DD-088B85284F44}"/>
+                <a16:creationId xmlns:a16="http://schemas.microsoft.com/office/drawing/2014/main" xmlns="" id="{829E4CAB-EA83-4DC5-88DD-088B85284F44}"/>
               </a:ext>
             </a:extLst>
           </p:cNvPr>
@@ -16876,7 +19417,7 @@
             <p:cNvPr id="8" name="Groupe 7">
               <a:extLst>
                 <a:ext uri="{FF2B5EF4-FFF2-40B4-BE49-F238E27FC236}">
-                  <a16:creationId xmlns:a16="http://schemas.microsoft.com/office/drawing/2014/main" id="{420C7BCC-6D63-4B9F-A036-311AB999F576}"/>
+                  <a16:creationId xmlns:a16="http://schemas.microsoft.com/office/drawing/2014/main" xmlns="" id="{420C7BCC-6D63-4B9F-A036-311AB999F576}"/>
                 </a:ext>
               </a:extLst>
             </p:cNvPr>
@@ -16896,7 +19437,7 @@
               <p:cNvPr id="38" name="Groupe 37">
                 <a:extLst>
                   <a:ext uri="{FF2B5EF4-FFF2-40B4-BE49-F238E27FC236}">
-                    <a16:creationId xmlns:a16="http://schemas.microsoft.com/office/drawing/2014/main" id="{473E1171-AF8C-403A-ADE2-506F820B68F9}"/>
+                    <a16:creationId xmlns:a16="http://schemas.microsoft.com/office/drawing/2014/main" xmlns="" id="{473E1171-AF8C-403A-ADE2-506F820B68F9}"/>
                   </a:ext>
                 </a:extLst>
               </p:cNvPr>
@@ -16916,7 +19457,7 @@
                 <p:cNvPr id="48" name="Chevron 184">
                   <a:extLst>
                     <a:ext uri="{FF2B5EF4-FFF2-40B4-BE49-F238E27FC236}">
-                      <a16:creationId xmlns:a16="http://schemas.microsoft.com/office/drawing/2014/main" id="{14E2E699-AB3C-4A93-A242-3D676BE1AE78}"/>
+                      <a16:creationId xmlns:a16="http://schemas.microsoft.com/office/drawing/2014/main" xmlns="" id="{14E2E699-AB3C-4A93-A242-3D676BE1AE78}"/>
                     </a:ext>
                   </a:extLst>
                 </p:cNvPr>
@@ -16966,7 +19507,7 @@
                 <p:cNvPr id="49" name="Rectangle 48">
                   <a:extLst>
                     <a:ext uri="{FF2B5EF4-FFF2-40B4-BE49-F238E27FC236}">
-                      <a16:creationId xmlns:a16="http://schemas.microsoft.com/office/drawing/2014/main" id="{0FB6D7F8-51B9-4825-805E-C852F6B67989}"/>
+                      <a16:creationId xmlns:a16="http://schemas.microsoft.com/office/drawing/2014/main" xmlns="" id="{0FB6D7F8-51B9-4825-805E-C852F6B67989}"/>
                     </a:ext>
                   </a:extLst>
                 </p:cNvPr>
@@ -17014,7 +19555,7 @@
               <p:cNvPr id="39" name="Groupe 38">
                 <a:extLst>
                   <a:ext uri="{FF2B5EF4-FFF2-40B4-BE49-F238E27FC236}">
-                    <a16:creationId xmlns:a16="http://schemas.microsoft.com/office/drawing/2014/main" id="{9A20EB79-0B5F-4A63-8F6C-ECC600105C0C}"/>
+                    <a16:creationId xmlns:a16="http://schemas.microsoft.com/office/drawing/2014/main" xmlns="" id="{9A20EB79-0B5F-4A63-8F6C-ECC600105C0C}"/>
                   </a:ext>
                 </a:extLst>
               </p:cNvPr>
@@ -17034,7 +19575,7 @@
                 <p:cNvPr id="45" name="Chevron 181">
                   <a:extLst>
                     <a:ext uri="{FF2B5EF4-FFF2-40B4-BE49-F238E27FC236}">
-                      <a16:creationId xmlns:a16="http://schemas.microsoft.com/office/drawing/2014/main" id="{2D5FFA58-5E36-468A-B57F-D7D3477028F4}"/>
+                      <a16:creationId xmlns:a16="http://schemas.microsoft.com/office/drawing/2014/main" xmlns="" id="{2D5FFA58-5E36-468A-B57F-D7D3477028F4}"/>
                     </a:ext>
                   </a:extLst>
                 </p:cNvPr>
@@ -17084,7 +19625,7 @@
                 <p:cNvPr id="46" name="Rectangle 45">
                   <a:extLst>
                     <a:ext uri="{FF2B5EF4-FFF2-40B4-BE49-F238E27FC236}">
-                      <a16:creationId xmlns:a16="http://schemas.microsoft.com/office/drawing/2014/main" id="{C7DFC75C-B66A-4291-A07E-891BC33B6B23}"/>
+                      <a16:creationId xmlns:a16="http://schemas.microsoft.com/office/drawing/2014/main" xmlns="" id="{C7DFC75C-B66A-4291-A07E-891BC33B6B23}"/>
                     </a:ext>
                   </a:extLst>
                 </p:cNvPr>
@@ -17131,7 +19672,7 @@
                 <p:cNvPr id="47" name="Rectangle 46">
                   <a:extLst>
                     <a:ext uri="{FF2B5EF4-FFF2-40B4-BE49-F238E27FC236}">
-                      <a16:creationId xmlns:a16="http://schemas.microsoft.com/office/drawing/2014/main" id="{F046E9A3-065D-4ED5-A94C-CC38C6BDE078}"/>
+                      <a16:creationId xmlns:a16="http://schemas.microsoft.com/office/drawing/2014/main" xmlns="" id="{F046E9A3-065D-4ED5-A94C-CC38C6BDE078}"/>
                     </a:ext>
                   </a:extLst>
                 </p:cNvPr>
@@ -17176,7 +19717,7 @@
               <p:cNvPr id="40" name="Groupe 39">
                 <a:extLst>
                   <a:ext uri="{FF2B5EF4-FFF2-40B4-BE49-F238E27FC236}">
-                    <a16:creationId xmlns:a16="http://schemas.microsoft.com/office/drawing/2014/main" id="{94CAF8A2-855E-4D6A-B7A1-48503B438EDC}"/>
+                    <a16:creationId xmlns:a16="http://schemas.microsoft.com/office/drawing/2014/main" xmlns="" id="{94CAF8A2-855E-4D6A-B7A1-48503B438EDC}"/>
                   </a:ext>
                 </a:extLst>
               </p:cNvPr>
@@ -17196,7 +19737,7 @@
                 <p:cNvPr id="41" name="Groupe 40">
                   <a:extLst>
                     <a:ext uri="{FF2B5EF4-FFF2-40B4-BE49-F238E27FC236}">
-                      <a16:creationId xmlns:a16="http://schemas.microsoft.com/office/drawing/2014/main" id="{0D6A2B82-9CA7-41F5-9195-B8CA328BEC73}"/>
+                      <a16:creationId xmlns:a16="http://schemas.microsoft.com/office/drawing/2014/main" xmlns="" id="{0D6A2B82-9CA7-41F5-9195-B8CA328BEC73}"/>
                     </a:ext>
                   </a:extLst>
                 </p:cNvPr>
@@ -17216,7 +19757,7 @@
                   <p:cNvPr id="43" name="Chevron 179">
                     <a:extLst>
                       <a:ext uri="{FF2B5EF4-FFF2-40B4-BE49-F238E27FC236}">
-                        <a16:creationId xmlns:a16="http://schemas.microsoft.com/office/drawing/2014/main" id="{F0E58AD2-F2F8-4179-8042-7F2895746C0C}"/>
+                        <a16:creationId xmlns:a16="http://schemas.microsoft.com/office/drawing/2014/main" xmlns="" id="{F0E58AD2-F2F8-4179-8042-7F2895746C0C}"/>
                       </a:ext>
                     </a:extLst>
                   </p:cNvPr>
@@ -17266,7 +19807,7 @@
                   <p:cNvPr id="44" name="Rectangle 43">
                     <a:extLst>
                       <a:ext uri="{FF2B5EF4-FFF2-40B4-BE49-F238E27FC236}">
-                        <a16:creationId xmlns:a16="http://schemas.microsoft.com/office/drawing/2014/main" id="{E89E9C67-9D70-4AAE-83CD-FFA6AC4166A0}"/>
+                        <a16:creationId xmlns:a16="http://schemas.microsoft.com/office/drawing/2014/main" xmlns="" id="{E89E9C67-9D70-4AAE-83CD-FFA6AC4166A0}"/>
                       </a:ext>
                     </a:extLst>
                   </p:cNvPr>
@@ -17314,7 +19855,7 @@
                 <p:cNvPr id="42" name="Rectangle 41">
                   <a:extLst>
                     <a:ext uri="{FF2B5EF4-FFF2-40B4-BE49-F238E27FC236}">
-                      <a16:creationId xmlns:a16="http://schemas.microsoft.com/office/drawing/2014/main" id="{9F940A4B-EF94-4D2B-A282-9D7E8A9E62B1}"/>
+                      <a16:creationId xmlns:a16="http://schemas.microsoft.com/office/drawing/2014/main" xmlns="" id="{9F940A4B-EF94-4D2B-A282-9D7E8A9E62B1}"/>
                     </a:ext>
                   </a:extLst>
                 </p:cNvPr>
@@ -17360,7 +19901,7 @@
             <p:cNvPr id="55" name="Groupe 54">
               <a:extLst>
                 <a:ext uri="{FF2B5EF4-FFF2-40B4-BE49-F238E27FC236}">
-                  <a16:creationId xmlns:a16="http://schemas.microsoft.com/office/drawing/2014/main" id="{513E2DEA-CB3B-4EB8-82C6-E59AC1AFBC53}"/>
+                  <a16:creationId xmlns:a16="http://schemas.microsoft.com/office/drawing/2014/main" xmlns="" id="{513E2DEA-CB3B-4EB8-82C6-E59AC1AFBC53}"/>
                 </a:ext>
               </a:extLst>
             </p:cNvPr>
@@ -17380,7 +19921,7 @@
               <p:cNvPr id="52" name="Chevron 181">
                 <a:extLst>
                   <a:ext uri="{FF2B5EF4-FFF2-40B4-BE49-F238E27FC236}">
-                    <a16:creationId xmlns:a16="http://schemas.microsoft.com/office/drawing/2014/main" id="{D139509A-2297-4537-B264-0518B3446CA0}"/>
+                    <a16:creationId xmlns:a16="http://schemas.microsoft.com/office/drawing/2014/main" xmlns="" id="{D139509A-2297-4537-B264-0518B3446CA0}"/>
                   </a:ext>
                 </a:extLst>
               </p:cNvPr>
@@ -17430,7 +19971,7 @@
               <p:cNvPr id="53" name="Rectangle 52">
                 <a:extLst>
                   <a:ext uri="{FF2B5EF4-FFF2-40B4-BE49-F238E27FC236}">
-                    <a16:creationId xmlns:a16="http://schemas.microsoft.com/office/drawing/2014/main" id="{4EBC1CE8-426C-46AF-8088-E34A0B46DF5A}"/>
+                    <a16:creationId xmlns:a16="http://schemas.microsoft.com/office/drawing/2014/main" xmlns="" id="{4EBC1CE8-426C-46AF-8088-E34A0B46DF5A}"/>
                   </a:ext>
                 </a:extLst>
               </p:cNvPr>
@@ -17479,7 +20020,7 @@
           <p:cNvPr id="57" name="Groupe 56">
             <a:extLst>
               <a:ext uri="{FF2B5EF4-FFF2-40B4-BE49-F238E27FC236}">
-                <a16:creationId xmlns:a16="http://schemas.microsoft.com/office/drawing/2014/main" id="{4B8D0827-97EC-477E-8FCC-C544CFC9AEB1}"/>
+                <a16:creationId xmlns:a16="http://schemas.microsoft.com/office/drawing/2014/main" xmlns="" id="{4B8D0827-97EC-477E-8FCC-C544CFC9AEB1}"/>
               </a:ext>
             </a:extLst>
           </p:cNvPr>
@@ -17499,7 +20040,7 @@
             <p:cNvPr id="58" name="Groupe 57">
               <a:extLst>
                 <a:ext uri="{FF2B5EF4-FFF2-40B4-BE49-F238E27FC236}">
-                  <a16:creationId xmlns:a16="http://schemas.microsoft.com/office/drawing/2014/main" id="{FF649601-B6D6-466F-93F4-B93F9D3F376F}"/>
+                  <a16:creationId xmlns:a16="http://schemas.microsoft.com/office/drawing/2014/main" xmlns="" id="{FF649601-B6D6-466F-93F4-B93F9D3F376F}"/>
                 </a:ext>
               </a:extLst>
             </p:cNvPr>
@@ -17519,7 +20060,7 @@
               <p:cNvPr id="62" name="Groupe 61">
                 <a:extLst>
                   <a:ext uri="{FF2B5EF4-FFF2-40B4-BE49-F238E27FC236}">
-                    <a16:creationId xmlns:a16="http://schemas.microsoft.com/office/drawing/2014/main" id="{A705152C-F305-46C3-BFC8-963DE257480E}"/>
+                    <a16:creationId xmlns:a16="http://schemas.microsoft.com/office/drawing/2014/main" xmlns="" id="{A705152C-F305-46C3-BFC8-963DE257480E}"/>
                   </a:ext>
                 </a:extLst>
               </p:cNvPr>
@@ -17539,7 +20080,7 @@
                 <p:cNvPr id="72" name="Chevron 184">
                   <a:extLst>
                     <a:ext uri="{FF2B5EF4-FFF2-40B4-BE49-F238E27FC236}">
-                      <a16:creationId xmlns:a16="http://schemas.microsoft.com/office/drawing/2014/main" id="{D0479429-1365-4B35-AA79-0E895466274C}"/>
+                      <a16:creationId xmlns:a16="http://schemas.microsoft.com/office/drawing/2014/main" xmlns="" id="{D0479429-1365-4B35-AA79-0E895466274C}"/>
                     </a:ext>
                   </a:extLst>
                 </p:cNvPr>
@@ -17589,7 +20130,7 @@
                 <p:cNvPr id="73" name="Rectangle 72">
                   <a:extLst>
                     <a:ext uri="{FF2B5EF4-FFF2-40B4-BE49-F238E27FC236}">
-                      <a16:creationId xmlns:a16="http://schemas.microsoft.com/office/drawing/2014/main" id="{A04C5625-C991-4331-A28E-327BCD831012}"/>
+                      <a16:creationId xmlns:a16="http://schemas.microsoft.com/office/drawing/2014/main" xmlns="" id="{A04C5625-C991-4331-A28E-327BCD831012}"/>
                     </a:ext>
                   </a:extLst>
                 </p:cNvPr>
@@ -17637,7 +20178,7 @@
               <p:cNvPr id="63" name="Groupe 62">
                 <a:extLst>
                   <a:ext uri="{FF2B5EF4-FFF2-40B4-BE49-F238E27FC236}">
-                    <a16:creationId xmlns:a16="http://schemas.microsoft.com/office/drawing/2014/main" id="{891EFF85-8551-4520-AF81-9FFF3FAB4B56}"/>
+                    <a16:creationId xmlns:a16="http://schemas.microsoft.com/office/drawing/2014/main" xmlns="" id="{891EFF85-8551-4520-AF81-9FFF3FAB4B56}"/>
                   </a:ext>
                 </a:extLst>
               </p:cNvPr>
@@ -17657,7 +20198,7 @@
                 <p:cNvPr id="69" name="Chevron 181">
                   <a:extLst>
                     <a:ext uri="{FF2B5EF4-FFF2-40B4-BE49-F238E27FC236}">
-                      <a16:creationId xmlns:a16="http://schemas.microsoft.com/office/drawing/2014/main" id="{09B6DD4D-C151-42D8-B898-1508D2D54892}"/>
+                      <a16:creationId xmlns:a16="http://schemas.microsoft.com/office/drawing/2014/main" xmlns="" id="{09B6DD4D-C151-42D8-B898-1508D2D54892}"/>
                     </a:ext>
                   </a:extLst>
                 </p:cNvPr>
@@ -17707,7 +20248,7 @@
                 <p:cNvPr id="70" name="Rectangle 69">
                   <a:extLst>
                     <a:ext uri="{FF2B5EF4-FFF2-40B4-BE49-F238E27FC236}">
-                      <a16:creationId xmlns:a16="http://schemas.microsoft.com/office/drawing/2014/main" id="{2015BB36-84CB-4CB2-BBA2-41000A5EA831}"/>
+                      <a16:creationId xmlns:a16="http://schemas.microsoft.com/office/drawing/2014/main" xmlns="" id="{2015BB36-84CB-4CB2-BBA2-41000A5EA831}"/>
                     </a:ext>
                   </a:extLst>
                 </p:cNvPr>
@@ -17754,7 +20295,7 @@
                 <p:cNvPr id="71" name="Rectangle 70">
                   <a:extLst>
                     <a:ext uri="{FF2B5EF4-FFF2-40B4-BE49-F238E27FC236}">
-                      <a16:creationId xmlns:a16="http://schemas.microsoft.com/office/drawing/2014/main" id="{2D477056-2DC6-468C-9457-E9F78969CA07}"/>
+                      <a16:creationId xmlns:a16="http://schemas.microsoft.com/office/drawing/2014/main" xmlns="" id="{2D477056-2DC6-468C-9457-E9F78969CA07}"/>
                     </a:ext>
                   </a:extLst>
                 </p:cNvPr>
@@ -17799,7 +20340,7 @@
               <p:cNvPr id="64" name="Groupe 63">
                 <a:extLst>
                   <a:ext uri="{FF2B5EF4-FFF2-40B4-BE49-F238E27FC236}">
-                    <a16:creationId xmlns:a16="http://schemas.microsoft.com/office/drawing/2014/main" id="{FA20EE8D-4845-4900-8094-1F2E19A74C78}"/>
+                    <a16:creationId xmlns:a16="http://schemas.microsoft.com/office/drawing/2014/main" xmlns="" id="{FA20EE8D-4845-4900-8094-1F2E19A74C78}"/>
                   </a:ext>
                 </a:extLst>
               </p:cNvPr>
@@ -17819,7 +20360,7 @@
                 <p:cNvPr id="65" name="Groupe 64">
                   <a:extLst>
                     <a:ext uri="{FF2B5EF4-FFF2-40B4-BE49-F238E27FC236}">
-                      <a16:creationId xmlns:a16="http://schemas.microsoft.com/office/drawing/2014/main" id="{939BDACC-5712-4813-B8A3-F2F299F86A28}"/>
+                      <a16:creationId xmlns:a16="http://schemas.microsoft.com/office/drawing/2014/main" xmlns="" id="{939BDACC-5712-4813-B8A3-F2F299F86A28}"/>
                     </a:ext>
                   </a:extLst>
                 </p:cNvPr>
@@ -17839,7 +20380,7 @@
                   <p:cNvPr id="67" name="Chevron 179">
                     <a:extLst>
                       <a:ext uri="{FF2B5EF4-FFF2-40B4-BE49-F238E27FC236}">
-                        <a16:creationId xmlns:a16="http://schemas.microsoft.com/office/drawing/2014/main" id="{AA50265B-A851-460A-B677-32B68888AC1E}"/>
+                        <a16:creationId xmlns:a16="http://schemas.microsoft.com/office/drawing/2014/main" xmlns="" id="{AA50265B-A851-460A-B677-32B68888AC1E}"/>
                       </a:ext>
                     </a:extLst>
                   </p:cNvPr>
@@ -17889,7 +20430,7 @@
                   <p:cNvPr id="68" name="Rectangle 67">
                     <a:extLst>
                       <a:ext uri="{FF2B5EF4-FFF2-40B4-BE49-F238E27FC236}">
-                        <a16:creationId xmlns:a16="http://schemas.microsoft.com/office/drawing/2014/main" id="{59F80878-C864-41F6-8E46-762F396D5DA8}"/>
+                        <a16:creationId xmlns:a16="http://schemas.microsoft.com/office/drawing/2014/main" xmlns="" id="{59F80878-C864-41F6-8E46-762F396D5DA8}"/>
                       </a:ext>
                     </a:extLst>
                   </p:cNvPr>
@@ -17937,7 +20478,7 @@
                 <p:cNvPr id="66" name="Rectangle 65">
                   <a:extLst>
                     <a:ext uri="{FF2B5EF4-FFF2-40B4-BE49-F238E27FC236}">
-                      <a16:creationId xmlns:a16="http://schemas.microsoft.com/office/drawing/2014/main" id="{4135BCA8-0C12-4BAD-BC07-A69BAB71BB1F}"/>
+                      <a16:creationId xmlns:a16="http://schemas.microsoft.com/office/drawing/2014/main" xmlns="" id="{4135BCA8-0C12-4BAD-BC07-A69BAB71BB1F}"/>
                     </a:ext>
                   </a:extLst>
                 </p:cNvPr>
@@ -17983,7 +20524,7 @@
             <p:cNvPr id="59" name="Groupe 58">
               <a:extLst>
                 <a:ext uri="{FF2B5EF4-FFF2-40B4-BE49-F238E27FC236}">
-                  <a16:creationId xmlns:a16="http://schemas.microsoft.com/office/drawing/2014/main" id="{C0F90D35-A22B-4BE7-931D-DAFAB5F92660}"/>
+                  <a16:creationId xmlns:a16="http://schemas.microsoft.com/office/drawing/2014/main" xmlns="" id="{C0F90D35-A22B-4BE7-931D-DAFAB5F92660}"/>
                 </a:ext>
               </a:extLst>
             </p:cNvPr>
@@ -18003,7 +20544,7 @@
               <p:cNvPr id="60" name="Chevron 181">
                 <a:extLst>
                   <a:ext uri="{FF2B5EF4-FFF2-40B4-BE49-F238E27FC236}">
-                    <a16:creationId xmlns:a16="http://schemas.microsoft.com/office/drawing/2014/main" id="{692291C0-CA8E-4354-9054-828EF65F4BA1}"/>
+                    <a16:creationId xmlns:a16="http://schemas.microsoft.com/office/drawing/2014/main" xmlns="" id="{692291C0-CA8E-4354-9054-828EF65F4BA1}"/>
                   </a:ext>
                 </a:extLst>
               </p:cNvPr>
@@ -18053,7 +20594,7 @@
               <p:cNvPr id="61" name="Rectangle 60">
                 <a:extLst>
                   <a:ext uri="{FF2B5EF4-FFF2-40B4-BE49-F238E27FC236}">
-                    <a16:creationId xmlns:a16="http://schemas.microsoft.com/office/drawing/2014/main" id="{C7CBCD65-7C6C-4B90-AEE1-5B574EA20C04}"/>
+                    <a16:creationId xmlns:a16="http://schemas.microsoft.com/office/drawing/2014/main" xmlns="" id="{C7CBCD65-7C6C-4B90-AEE1-5B574EA20C04}"/>
                   </a:ext>
                 </a:extLst>
               </p:cNvPr>
@@ -18102,7 +20643,7 @@
           <p:cNvPr id="74" name="Groupe 73">
             <a:extLst>
               <a:ext uri="{FF2B5EF4-FFF2-40B4-BE49-F238E27FC236}">
-                <a16:creationId xmlns:a16="http://schemas.microsoft.com/office/drawing/2014/main" id="{14BBF4AF-ED8A-44E8-837E-EE62A4D8B28E}"/>
+                <a16:creationId xmlns:a16="http://schemas.microsoft.com/office/drawing/2014/main" xmlns="" id="{14BBF4AF-ED8A-44E8-837E-EE62A4D8B28E}"/>
               </a:ext>
             </a:extLst>
           </p:cNvPr>
@@ -18122,7 +20663,7 @@
             <p:cNvPr id="75" name="Groupe 74">
               <a:extLst>
                 <a:ext uri="{FF2B5EF4-FFF2-40B4-BE49-F238E27FC236}">
-                  <a16:creationId xmlns:a16="http://schemas.microsoft.com/office/drawing/2014/main" id="{B056B36F-72C6-4732-B08D-51FD3E5EFC4F}"/>
+                  <a16:creationId xmlns:a16="http://schemas.microsoft.com/office/drawing/2014/main" xmlns="" id="{B056B36F-72C6-4732-B08D-51FD3E5EFC4F}"/>
                 </a:ext>
               </a:extLst>
             </p:cNvPr>
@@ -18142,7 +20683,7 @@
               <p:cNvPr id="79" name="Groupe 78">
                 <a:extLst>
                   <a:ext uri="{FF2B5EF4-FFF2-40B4-BE49-F238E27FC236}">
-                    <a16:creationId xmlns:a16="http://schemas.microsoft.com/office/drawing/2014/main" id="{694D587B-FF31-40E1-8F41-E195E1433F91}"/>
+                    <a16:creationId xmlns:a16="http://schemas.microsoft.com/office/drawing/2014/main" xmlns="" id="{694D587B-FF31-40E1-8F41-E195E1433F91}"/>
                   </a:ext>
                 </a:extLst>
               </p:cNvPr>
@@ -18162,7 +20703,7 @@
                 <p:cNvPr id="89" name="Chevron 184">
                   <a:extLst>
                     <a:ext uri="{FF2B5EF4-FFF2-40B4-BE49-F238E27FC236}">
-                      <a16:creationId xmlns:a16="http://schemas.microsoft.com/office/drawing/2014/main" id="{A2E1914A-1C07-42AA-8CCA-6F4AC79DAB83}"/>
+                      <a16:creationId xmlns:a16="http://schemas.microsoft.com/office/drawing/2014/main" xmlns="" id="{A2E1914A-1C07-42AA-8CCA-6F4AC79DAB83}"/>
                     </a:ext>
                   </a:extLst>
                 </p:cNvPr>
@@ -18212,7 +20753,7 @@
                 <p:cNvPr id="90" name="Rectangle 89">
                   <a:extLst>
                     <a:ext uri="{FF2B5EF4-FFF2-40B4-BE49-F238E27FC236}">
-                      <a16:creationId xmlns:a16="http://schemas.microsoft.com/office/drawing/2014/main" id="{24A85BAD-D086-495E-80D1-FDC7F8D2F05C}"/>
+                      <a16:creationId xmlns:a16="http://schemas.microsoft.com/office/drawing/2014/main" xmlns="" id="{24A85BAD-D086-495E-80D1-FDC7F8D2F05C}"/>
                     </a:ext>
                   </a:extLst>
                 </p:cNvPr>
@@ -18260,7 +20801,7 @@
               <p:cNvPr id="80" name="Groupe 79">
                 <a:extLst>
                   <a:ext uri="{FF2B5EF4-FFF2-40B4-BE49-F238E27FC236}">
-                    <a16:creationId xmlns:a16="http://schemas.microsoft.com/office/drawing/2014/main" id="{B411E08B-7E4A-47CF-9895-DD883EB8E3DF}"/>
+                    <a16:creationId xmlns:a16="http://schemas.microsoft.com/office/drawing/2014/main" xmlns="" id="{B411E08B-7E4A-47CF-9895-DD883EB8E3DF}"/>
                   </a:ext>
                 </a:extLst>
               </p:cNvPr>
@@ -18280,7 +20821,7 @@
                 <p:cNvPr id="86" name="Chevron 181">
                   <a:extLst>
                     <a:ext uri="{FF2B5EF4-FFF2-40B4-BE49-F238E27FC236}">
-                      <a16:creationId xmlns:a16="http://schemas.microsoft.com/office/drawing/2014/main" id="{37B26757-C735-4162-A94F-2C76580B9E9B}"/>
+                      <a16:creationId xmlns:a16="http://schemas.microsoft.com/office/drawing/2014/main" xmlns="" id="{37B26757-C735-4162-A94F-2C76580B9E9B}"/>
                     </a:ext>
                   </a:extLst>
                 </p:cNvPr>
@@ -18330,7 +20871,7 @@
                 <p:cNvPr id="87" name="Rectangle 86">
                   <a:extLst>
                     <a:ext uri="{FF2B5EF4-FFF2-40B4-BE49-F238E27FC236}">
-                      <a16:creationId xmlns:a16="http://schemas.microsoft.com/office/drawing/2014/main" id="{47A144DD-3077-4129-9E69-DD4063FB0968}"/>
+                      <a16:creationId xmlns:a16="http://schemas.microsoft.com/office/drawing/2014/main" xmlns="" id="{47A144DD-3077-4129-9E69-DD4063FB0968}"/>
                     </a:ext>
                   </a:extLst>
                 </p:cNvPr>
@@ -18377,7 +20918,7 @@
                 <p:cNvPr id="88" name="Rectangle 87">
                   <a:extLst>
                     <a:ext uri="{FF2B5EF4-FFF2-40B4-BE49-F238E27FC236}">
-                      <a16:creationId xmlns:a16="http://schemas.microsoft.com/office/drawing/2014/main" id="{B9EAFEF5-E5A1-411D-BB89-9F1B18193020}"/>
+                      <a16:creationId xmlns:a16="http://schemas.microsoft.com/office/drawing/2014/main" xmlns="" id="{B9EAFEF5-E5A1-411D-BB89-9F1B18193020}"/>
                     </a:ext>
                   </a:extLst>
                 </p:cNvPr>
@@ -18422,7 +20963,7 @@
               <p:cNvPr id="81" name="Groupe 80">
                 <a:extLst>
                   <a:ext uri="{FF2B5EF4-FFF2-40B4-BE49-F238E27FC236}">
-                    <a16:creationId xmlns:a16="http://schemas.microsoft.com/office/drawing/2014/main" id="{D726288C-0E94-422C-90C0-9693DEAF072D}"/>
+                    <a16:creationId xmlns:a16="http://schemas.microsoft.com/office/drawing/2014/main" xmlns="" id="{D726288C-0E94-422C-90C0-9693DEAF072D}"/>
                   </a:ext>
                 </a:extLst>
               </p:cNvPr>
@@ -18442,7 +20983,7 @@
                 <p:cNvPr id="82" name="Groupe 81">
                   <a:extLst>
                     <a:ext uri="{FF2B5EF4-FFF2-40B4-BE49-F238E27FC236}">
-                      <a16:creationId xmlns:a16="http://schemas.microsoft.com/office/drawing/2014/main" id="{03BD84C5-663C-4A89-9FC2-5AA7516D9709}"/>
+                      <a16:creationId xmlns:a16="http://schemas.microsoft.com/office/drawing/2014/main" xmlns="" id="{03BD84C5-663C-4A89-9FC2-5AA7516D9709}"/>
                     </a:ext>
                   </a:extLst>
                 </p:cNvPr>
@@ -18462,7 +21003,7 @@
                   <p:cNvPr id="84" name="Chevron 179">
                     <a:extLst>
                       <a:ext uri="{FF2B5EF4-FFF2-40B4-BE49-F238E27FC236}">
-                        <a16:creationId xmlns:a16="http://schemas.microsoft.com/office/drawing/2014/main" id="{82C8625C-15DA-4DB4-88FE-73E3E46521FF}"/>
+                        <a16:creationId xmlns:a16="http://schemas.microsoft.com/office/drawing/2014/main" xmlns="" id="{82C8625C-15DA-4DB4-88FE-73E3E46521FF}"/>
                       </a:ext>
                     </a:extLst>
                   </p:cNvPr>
@@ -18512,7 +21053,7 @@
                   <p:cNvPr id="85" name="Rectangle 84">
                     <a:extLst>
                       <a:ext uri="{FF2B5EF4-FFF2-40B4-BE49-F238E27FC236}">
-                        <a16:creationId xmlns:a16="http://schemas.microsoft.com/office/drawing/2014/main" id="{6623DF70-698B-4249-9AB1-0CE53018952B}"/>
+                        <a16:creationId xmlns:a16="http://schemas.microsoft.com/office/drawing/2014/main" xmlns="" id="{6623DF70-698B-4249-9AB1-0CE53018952B}"/>
                       </a:ext>
                     </a:extLst>
                   </p:cNvPr>
@@ -18560,7 +21101,7 @@
                 <p:cNvPr id="83" name="Rectangle 82">
                   <a:extLst>
                     <a:ext uri="{FF2B5EF4-FFF2-40B4-BE49-F238E27FC236}">
-                      <a16:creationId xmlns:a16="http://schemas.microsoft.com/office/drawing/2014/main" id="{718ECBC4-0CC4-4875-B56E-F1FB5FB0DBB1}"/>
+                      <a16:creationId xmlns:a16="http://schemas.microsoft.com/office/drawing/2014/main" xmlns="" id="{718ECBC4-0CC4-4875-B56E-F1FB5FB0DBB1}"/>
                     </a:ext>
                   </a:extLst>
                 </p:cNvPr>
@@ -18606,7 +21147,7 @@
             <p:cNvPr id="76" name="Groupe 75">
               <a:extLst>
                 <a:ext uri="{FF2B5EF4-FFF2-40B4-BE49-F238E27FC236}">
-                  <a16:creationId xmlns:a16="http://schemas.microsoft.com/office/drawing/2014/main" id="{5BDED342-DF47-4F9A-B955-EB2887BC88ED}"/>
+                  <a16:creationId xmlns:a16="http://schemas.microsoft.com/office/drawing/2014/main" xmlns="" id="{5BDED342-DF47-4F9A-B955-EB2887BC88ED}"/>
                 </a:ext>
               </a:extLst>
             </p:cNvPr>
@@ -18626,7 +21167,7 @@
               <p:cNvPr id="77" name="Chevron 181">
                 <a:extLst>
                   <a:ext uri="{FF2B5EF4-FFF2-40B4-BE49-F238E27FC236}">
-                    <a16:creationId xmlns:a16="http://schemas.microsoft.com/office/drawing/2014/main" id="{1070B61D-8E6B-43EF-8430-24892B000525}"/>
+                    <a16:creationId xmlns:a16="http://schemas.microsoft.com/office/drawing/2014/main" xmlns="" id="{1070B61D-8E6B-43EF-8430-24892B000525}"/>
                   </a:ext>
                 </a:extLst>
               </p:cNvPr>
@@ -18676,7 +21217,7 @@
               <p:cNvPr id="78" name="Rectangle 77">
                 <a:extLst>
                   <a:ext uri="{FF2B5EF4-FFF2-40B4-BE49-F238E27FC236}">
-                    <a16:creationId xmlns:a16="http://schemas.microsoft.com/office/drawing/2014/main" id="{DFD96C01-E121-4117-84FA-EE95BB844198}"/>
+                    <a16:creationId xmlns:a16="http://schemas.microsoft.com/office/drawing/2014/main" xmlns="" id="{DFD96C01-E121-4117-84FA-EE95BB844198}"/>
                   </a:ext>
                 </a:extLst>
               </p:cNvPr>
@@ -18725,7 +21266,7 @@
           <p:cNvPr id="91" name="Groupe 90">
             <a:extLst>
               <a:ext uri="{FF2B5EF4-FFF2-40B4-BE49-F238E27FC236}">
-                <a16:creationId xmlns:a16="http://schemas.microsoft.com/office/drawing/2014/main" id="{17F3F0D3-23C5-45CD-B181-B456ABBB5089}"/>
+                <a16:creationId xmlns:a16="http://schemas.microsoft.com/office/drawing/2014/main" xmlns="" id="{17F3F0D3-23C5-45CD-B181-B456ABBB5089}"/>
               </a:ext>
             </a:extLst>
           </p:cNvPr>
@@ -18745,7 +21286,7 @@
             <p:cNvPr id="92" name="Groupe 91">
               <a:extLst>
                 <a:ext uri="{FF2B5EF4-FFF2-40B4-BE49-F238E27FC236}">
-                  <a16:creationId xmlns:a16="http://schemas.microsoft.com/office/drawing/2014/main" id="{C48ED8B1-BA99-4948-8595-47CB433E7C3A}"/>
+                  <a16:creationId xmlns:a16="http://schemas.microsoft.com/office/drawing/2014/main" xmlns="" id="{C48ED8B1-BA99-4948-8595-47CB433E7C3A}"/>
                 </a:ext>
               </a:extLst>
             </p:cNvPr>
@@ -18765,7 +21306,7 @@
               <p:cNvPr id="96" name="Groupe 95">
                 <a:extLst>
                   <a:ext uri="{FF2B5EF4-FFF2-40B4-BE49-F238E27FC236}">
-                    <a16:creationId xmlns:a16="http://schemas.microsoft.com/office/drawing/2014/main" id="{25CBD622-74C7-4A82-9FDE-4A2BAD12F32E}"/>
+                    <a16:creationId xmlns:a16="http://schemas.microsoft.com/office/drawing/2014/main" xmlns="" id="{25CBD622-74C7-4A82-9FDE-4A2BAD12F32E}"/>
                   </a:ext>
                 </a:extLst>
               </p:cNvPr>
@@ -18785,7 +21326,7 @@
                 <p:cNvPr id="106" name="Chevron 184">
                   <a:extLst>
                     <a:ext uri="{FF2B5EF4-FFF2-40B4-BE49-F238E27FC236}">
-                      <a16:creationId xmlns:a16="http://schemas.microsoft.com/office/drawing/2014/main" id="{2A4144C6-4235-46DB-81D0-82DF827AD946}"/>
+                      <a16:creationId xmlns:a16="http://schemas.microsoft.com/office/drawing/2014/main" xmlns="" id="{2A4144C6-4235-46DB-81D0-82DF827AD946}"/>
                     </a:ext>
                   </a:extLst>
                 </p:cNvPr>
@@ -18835,7 +21376,7 @@
                 <p:cNvPr id="107" name="Rectangle 106">
                   <a:extLst>
                     <a:ext uri="{FF2B5EF4-FFF2-40B4-BE49-F238E27FC236}">
-                      <a16:creationId xmlns:a16="http://schemas.microsoft.com/office/drawing/2014/main" id="{6CF36787-137A-4551-84C9-38570AD213A3}"/>
+                      <a16:creationId xmlns:a16="http://schemas.microsoft.com/office/drawing/2014/main" xmlns="" id="{6CF36787-137A-4551-84C9-38570AD213A3}"/>
                     </a:ext>
                   </a:extLst>
                 </p:cNvPr>
@@ -18883,7 +21424,7 @@
               <p:cNvPr id="97" name="Groupe 96">
                 <a:extLst>
                   <a:ext uri="{FF2B5EF4-FFF2-40B4-BE49-F238E27FC236}">
-                    <a16:creationId xmlns:a16="http://schemas.microsoft.com/office/drawing/2014/main" id="{2E616337-BB6B-45A2-8163-A1652452118C}"/>
+                    <a16:creationId xmlns:a16="http://schemas.microsoft.com/office/drawing/2014/main" xmlns="" id="{2E616337-BB6B-45A2-8163-A1652452118C}"/>
                   </a:ext>
                 </a:extLst>
               </p:cNvPr>
@@ -18903,7 +21444,7 @@
                 <p:cNvPr id="103" name="Chevron 181">
                   <a:extLst>
                     <a:ext uri="{FF2B5EF4-FFF2-40B4-BE49-F238E27FC236}">
-                      <a16:creationId xmlns:a16="http://schemas.microsoft.com/office/drawing/2014/main" id="{C3FDFFDD-65D6-4312-B0CA-57B463C6FB82}"/>
+                      <a16:creationId xmlns:a16="http://schemas.microsoft.com/office/drawing/2014/main" xmlns="" id="{C3FDFFDD-65D6-4312-B0CA-57B463C6FB82}"/>
                     </a:ext>
                   </a:extLst>
                 </p:cNvPr>
@@ -18953,7 +21494,7 @@
                 <p:cNvPr id="104" name="Rectangle 103">
                   <a:extLst>
                     <a:ext uri="{FF2B5EF4-FFF2-40B4-BE49-F238E27FC236}">
-                      <a16:creationId xmlns:a16="http://schemas.microsoft.com/office/drawing/2014/main" id="{A9E5BADC-6BA1-4AC5-A6B7-531B7B2B7AFD}"/>
+                      <a16:creationId xmlns:a16="http://schemas.microsoft.com/office/drawing/2014/main" xmlns="" id="{A9E5BADC-6BA1-4AC5-A6B7-531B7B2B7AFD}"/>
                     </a:ext>
                   </a:extLst>
                 </p:cNvPr>
@@ -19000,7 +21541,7 @@
                 <p:cNvPr id="105" name="Rectangle 104">
                   <a:extLst>
                     <a:ext uri="{FF2B5EF4-FFF2-40B4-BE49-F238E27FC236}">
-                      <a16:creationId xmlns:a16="http://schemas.microsoft.com/office/drawing/2014/main" id="{970B1975-9D51-4AC3-B5B3-5153D8C34557}"/>
+                      <a16:creationId xmlns:a16="http://schemas.microsoft.com/office/drawing/2014/main" xmlns="" id="{970B1975-9D51-4AC3-B5B3-5153D8C34557}"/>
                     </a:ext>
                   </a:extLst>
                 </p:cNvPr>
@@ -19045,7 +21586,7 @@
               <p:cNvPr id="98" name="Groupe 97">
                 <a:extLst>
                   <a:ext uri="{FF2B5EF4-FFF2-40B4-BE49-F238E27FC236}">
-                    <a16:creationId xmlns:a16="http://schemas.microsoft.com/office/drawing/2014/main" id="{9340A004-8E05-424D-8634-DB267649A5F5}"/>
+                    <a16:creationId xmlns:a16="http://schemas.microsoft.com/office/drawing/2014/main" xmlns="" id="{9340A004-8E05-424D-8634-DB267649A5F5}"/>
                   </a:ext>
                 </a:extLst>
               </p:cNvPr>
@@ -19065,7 +21606,7 @@
                 <p:cNvPr id="99" name="Groupe 98">
                   <a:extLst>
                     <a:ext uri="{FF2B5EF4-FFF2-40B4-BE49-F238E27FC236}">
-                      <a16:creationId xmlns:a16="http://schemas.microsoft.com/office/drawing/2014/main" id="{09F20627-7421-4CC8-977B-2A703BC19EFC}"/>
+                      <a16:creationId xmlns:a16="http://schemas.microsoft.com/office/drawing/2014/main" xmlns="" id="{09F20627-7421-4CC8-977B-2A703BC19EFC}"/>
                     </a:ext>
                   </a:extLst>
                 </p:cNvPr>
@@ -19085,7 +21626,7 @@
                   <p:cNvPr id="101" name="Chevron 179">
                     <a:extLst>
                       <a:ext uri="{FF2B5EF4-FFF2-40B4-BE49-F238E27FC236}">
-                        <a16:creationId xmlns:a16="http://schemas.microsoft.com/office/drawing/2014/main" id="{45A8018B-7A5C-48D9-BBB8-DCB38F23D79F}"/>
+                        <a16:creationId xmlns:a16="http://schemas.microsoft.com/office/drawing/2014/main" xmlns="" id="{45A8018B-7A5C-48D9-BBB8-DCB38F23D79F}"/>
                       </a:ext>
                     </a:extLst>
                   </p:cNvPr>
@@ -19135,7 +21676,7 @@
                   <p:cNvPr id="102" name="Rectangle 101">
                     <a:extLst>
                       <a:ext uri="{FF2B5EF4-FFF2-40B4-BE49-F238E27FC236}">
-                        <a16:creationId xmlns:a16="http://schemas.microsoft.com/office/drawing/2014/main" id="{2AEAB818-4520-4146-8887-252B8A58E1A3}"/>
+                        <a16:creationId xmlns:a16="http://schemas.microsoft.com/office/drawing/2014/main" xmlns="" id="{2AEAB818-4520-4146-8887-252B8A58E1A3}"/>
                       </a:ext>
                     </a:extLst>
                   </p:cNvPr>
@@ -19183,7 +21724,7 @@
                 <p:cNvPr id="100" name="Rectangle 99">
                   <a:extLst>
                     <a:ext uri="{FF2B5EF4-FFF2-40B4-BE49-F238E27FC236}">
-                      <a16:creationId xmlns:a16="http://schemas.microsoft.com/office/drawing/2014/main" id="{1C46400A-8CFC-4335-A64A-811A3C7C8562}"/>
+                      <a16:creationId xmlns:a16="http://schemas.microsoft.com/office/drawing/2014/main" xmlns="" id="{1C46400A-8CFC-4335-A64A-811A3C7C8562}"/>
                     </a:ext>
                   </a:extLst>
                 </p:cNvPr>
@@ -19229,7 +21770,7 @@
             <p:cNvPr id="93" name="Groupe 92">
               <a:extLst>
                 <a:ext uri="{FF2B5EF4-FFF2-40B4-BE49-F238E27FC236}">
-                  <a16:creationId xmlns:a16="http://schemas.microsoft.com/office/drawing/2014/main" id="{31E7A2DC-4A4B-4E40-A3B1-19C3E4E0BF76}"/>
+                  <a16:creationId xmlns:a16="http://schemas.microsoft.com/office/drawing/2014/main" xmlns="" id="{31E7A2DC-4A4B-4E40-A3B1-19C3E4E0BF76}"/>
                 </a:ext>
               </a:extLst>
             </p:cNvPr>
@@ -19249,7 +21790,7 @@
               <p:cNvPr id="94" name="Chevron 181">
                 <a:extLst>
                   <a:ext uri="{FF2B5EF4-FFF2-40B4-BE49-F238E27FC236}">
-                    <a16:creationId xmlns:a16="http://schemas.microsoft.com/office/drawing/2014/main" id="{98A2BB87-41B0-4227-8DCF-4460658C4385}"/>
+                    <a16:creationId xmlns:a16="http://schemas.microsoft.com/office/drawing/2014/main" xmlns="" id="{98A2BB87-41B0-4227-8DCF-4460658C4385}"/>
                   </a:ext>
                 </a:extLst>
               </p:cNvPr>
@@ -19299,7 +21840,7 @@
               <p:cNvPr id="95" name="Rectangle 94">
                 <a:extLst>
                   <a:ext uri="{FF2B5EF4-FFF2-40B4-BE49-F238E27FC236}">
-                    <a16:creationId xmlns:a16="http://schemas.microsoft.com/office/drawing/2014/main" id="{68CEDC2E-F75F-4945-A591-4D74AA47A872}"/>
+                    <a16:creationId xmlns:a16="http://schemas.microsoft.com/office/drawing/2014/main" xmlns="" id="{68CEDC2E-F75F-4945-A591-4D74AA47A872}"/>
                   </a:ext>
                 </a:extLst>
               </p:cNvPr>
@@ -19348,7 +21889,7 @@
           <p:cNvPr id="108" name="Espace réservé du contenu 4">
             <a:extLst>
               <a:ext uri="{FF2B5EF4-FFF2-40B4-BE49-F238E27FC236}">
-                <a16:creationId xmlns:a16="http://schemas.microsoft.com/office/drawing/2014/main" id="{60D7FE11-2136-447F-AFC6-6E9AFCACCBAE}"/>
+                <a16:creationId xmlns:a16="http://schemas.microsoft.com/office/drawing/2014/main" xmlns="" id="{60D7FE11-2136-447F-AFC6-6E9AFCACCBAE}"/>
               </a:ext>
             </a:extLst>
           </p:cNvPr>
@@ -19602,7 +22143,7 @@
           <p:cNvPr id="126" name="Espace réservé du contenu 4">
             <a:extLst>
               <a:ext uri="{FF2B5EF4-FFF2-40B4-BE49-F238E27FC236}">
-                <a16:creationId xmlns:a16="http://schemas.microsoft.com/office/drawing/2014/main" id="{E0ECA4FB-A27A-4EF4-8C7D-5B9524C6BE3F}"/>
+                <a16:creationId xmlns:a16="http://schemas.microsoft.com/office/drawing/2014/main" xmlns="" id="{E0ECA4FB-A27A-4EF4-8C7D-5B9524C6BE3F}"/>
               </a:ext>
             </a:extLst>
           </p:cNvPr>
@@ -19834,7 +22375,7 @@
           <p:cNvPr id="156" name="Groupe 155">
             <a:extLst>
               <a:ext uri="{FF2B5EF4-FFF2-40B4-BE49-F238E27FC236}">
-                <a16:creationId xmlns:a16="http://schemas.microsoft.com/office/drawing/2014/main" id="{6E7214D1-80B3-424F-8CED-56E1F3C85FBE}"/>
+                <a16:creationId xmlns:a16="http://schemas.microsoft.com/office/drawing/2014/main" xmlns="" id="{6E7214D1-80B3-424F-8CED-56E1F3C85FBE}"/>
               </a:ext>
             </a:extLst>
           </p:cNvPr>
@@ -19854,7 +22395,7 @@
             <p:cNvPr id="132" name="Groupe 131">
               <a:extLst>
                 <a:ext uri="{FF2B5EF4-FFF2-40B4-BE49-F238E27FC236}">
-                  <a16:creationId xmlns:a16="http://schemas.microsoft.com/office/drawing/2014/main" id="{A6BFE50E-ABEE-40F4-9258-9C3B37D95C1A}"/>
+                  <a16:creationId xmlns:a16="http://schemas.microsoft.com/office/drawing/2014/main" xmlns="" id="{A6BFE50E-ABEE-40F4-9258-9C3B37D95C1A}"/>
                 </a:ext>
               </a:extLst>
             </p:cNvPr>
@@ -19874,7 +22415,7 @@
               <p:cNvPr id="142" name="Chevron 184">
                 <a:extLst>
                   <a:ext uri="{FF2B5EF4-FFF2-40B4-BE49-F238E27FC236}">
-                    <a16:creationId xmlns:a16="http://schemas.microsoft.com/office/drawing/2014/main" id="{060ADCA1-B048-4391-939D-CCC14D3E745E}"/>
+                    <a16:creationId xmlns:a16="http://schemas.microsoft.com/office/drawing/2014/main" xmlns="" id="{060ADCA1-B048-4391-939D-CCC14D3E745E}"/>
                   </a:ext>
                 </a:extLst>
               </p:cNvPr>
@@ -19924,7 +22465,7 @@
               <p:cNvPr id="143" name="Rectangle 142">
                 <a:extLst>
                   <a:ext uri="{FF2B5EF4-FFF2-40B4-BE49-F238E27FC236}">
-                    <a16:creationId xmlns:a16="http://schemas.microsoft.com/office/drawing/2014/main" id="{A692746D-F4E3-4388-A8FA-BB4A9C3B8D45}"/>
+                    <a16:creationId xmlns:a16="http://schemas.microsoft.com/office/drawing/2014/main" xmlns="" id="{A692746D-F4E3-4388-A8FA-BB4A9C3B8D45}"/>
                   </a:ext>
                 </a:extLst>
               </p:cNvPr>
@@ -19972,7 +22513,7 @@
             <p:cNvPr id="133" name="Groupe 132">
               <a:extLst>
                 <a:ext uri="{FF2B5EF4-FFF2-40B4-BE49-F238E27FC236}">
-                  <a16:creationId xmlns:a16="http://schemas.microsoft.com/office/drawing/2014/main" id="{DA07AC01-18D7-4482-BA61-0322FC131E05}"/>
+                  <a16:creationId xmlns:a16="http://schemas.microsoft.com/office/drawing/2014/main" xmlns="" id="{DA07AC01-18D7-4482-BA61-0322FC131E05}"/>
                 </a:ext>
               </a:extLst>
             </p:cNvPr>
@@ -19992,7 +22533,7 @@
               <p:cNvPr id="139" name="Chevron 181">
                 <a:extLst>
                   <a:ext uri="{FF2B5EF4-FFF2-40B4-BE49-F238E27FC236}">
-                    <a16:creationId xmlns:a16="http://schemas.microsoft.com/office/drawing/2014/main" id="{4FCC5054-5FDC-4322-8606-80F1EE94607C}"/>
+                    <a16:creationId xmlns:a16="http://schemas.microsoft.com/office/drawing/2014/main" xmlns="" id="{4FCC5054-5FDC-4322-8606-80F1EE94607C}"/>
                   </a:ext>
                 </a:extLst>
               </p:cNvPr>
@@ -20042,7 +22583,7 @@
               <p:cNvPr id="140" name="Rectangle 139">
                 <a:extLst>
                   <a:ext uri="{FF2B5EF4-FFF2-40B4-BE49-F238E27FC236}">
-                    <a16:creationId xmlns:a16="http://schemas.microsoft.com/office/drawing/2014/main" id="{C02523AE-FF50-4AE1-A7E7-A38B6123C54F}"/>
+                    <a16:creationId xmlns:a16="http://schemas.microsoft.com/office/drawing/2014/main" xmlns="" id="{C02523AE-FF50-4AE1-A7E7-A38B6123C54F}"/>
                   </a:ext>
                 </a:extLst>
               </p:cNvPr>
@@ -20089,7 +22630,7 @@
               <p:cNvPr id="141" name="Rectangle 140">
                 <a:extLst>
                   <a:ext uri="{FF2B5EF4-FFF2-40B4-BE49-F238E27FC236}">
-                    <a16:creationId xmlns:a16="http://schemas.microsoft.com/office/drawing/2014/main" id="{ED0FE0DB-058C-41A5-8ED9-4D4BE041A0D1}"/>
+                    <a16:creationId xmlns:a16="http://schemas.microsoft.com/office/drawing/2014/main" xmlns="" id="{ED0FE0DB-058C-41A5-8ED9-4D4BE041A0D1}"/>
                   </a:ext>
                 </a:extLst>
               </p:cNvPr>
@@ -20134,7 +22675,7 @@
             <p:cNvPr id="134" name="Groupe 133">
               <a:extLst>
                 <a:ext uri="{FF2B5EF4-FFF2-40B4-BE49-F238E27FC236}">
-                  <a16:creationId xmlns:a16="http://schemas.microsoft.com/office/drawing/2014/main" id="{30D18EFE-7523-425D-B741-410C7EFC7EEA}"/>
+                  <a16:creationId xmlns:a16="http://schemas.microsoft.com/office/drawing/2014/main" xmlns="" id="{30D18EFE-7523-425D-B741-410C7EFC7EEA}"/>
                 </a:ext>
               </a:extLst>
             </p:cNvPr>
@@ -20154,7 +22695,7 @@
               <p:cNvPr id="135" name="Groupe 134">
                 <a:extLst>
                   <a:ext uri="{FF2B5EF4-FFF2-40B4-BE49-F238E27FC236}">
-                    <a16:creationId xmlns:a16="http://schemas.microsoft.com/office/drawing/2014/main" id="{8607D004-D387-4B9A-8035-E29DB1803356}"/>
+                    <a16:creationId xmlns:a16="http://schemas.microsoft.com/office/drawing/2014/main" xmlns="" id="{8607D004-D387-4B9A-8035-E29DB1803356}"/>
                   </a:ext>
                 </a:extLst>
               </p:cNvPr>
@@ -20174,7 +22715,7 @@
                 <p:cNvPr id="137" name="Chevron 179">
                   <a:extLst>
                     <a:ext uri="{FF2B5EF4-FFF2-40B4-BE49-F238E27FC236}">
-                      <a16:creationId xmlns:a16="http://schemas.microsoft.com/office/drawing/2014/main" id="{D6F62799-2E13-447E-9A07-95F16FD66B3D}"/>
+                      <a16:creationId xmlns:a16="http://schemas.microsoft.com/office/drawing/2014/main" xmlns="" id="{D6F62799-2E13-447E-9A07-95F16FD66B3D}"/>
                     </a:ext>
                   </a:extLst>
                 </p:cNvPr>
@@ -20224,7 +22765,7 @@
                 <p:cNvPr id="138" name="Rectangle 137">
                   <a:extLst>
                     <a:ext uri="{FF2B5EF4-FFF2-40B4-BE49-F238E27FC236}">
-                      <a16:creationId xmlns:a16="http://schemas.microsoft.com/office/drawing/2014/main" id="{942291E3-BC16-4EAB-8372-037E05FC2ABF}"/>
+                      <a16:creationId xmlns:a16="http://schemas.microsoft.com/office/drawing/2014/main" xmlns="" id="{942291E3-BC16-4EAB-8372-037E05FC2ABF}"/>
                     </a:ext>
                   </a:extLst>
                 </p:cNvPr>
@@ -20272,7 +22813,7 @@
               <p:cNvPr id="136" name="Rectangle 135">
                 <a:extLst>
                   <a:ext uri="{FF2B5EF4-FFF2-40B4-BE49-F238E27FC236}">
-                    <a16:creationId xmlns:a16="http://schemas.microsoft.com/office/drawing/2014/main" id="{367E3550-F35B-4166-BBEE-8D7E67F86DBA}"/>
+                    <a16:creationId xmlns:a16="http://schemas.microsoft.com/office/drawing/2014/main" xmlns="" id="{367E3550-F35B-4166-BBEE-8D7E67F86DBA}"/>
                   </a:ext>
                 </a:extLst>
               </p:cNvPr>
@@ -20317,7 +22858,7 @@
             <p:cNvPr id="144" name="Groupe 143">
               <a:extLst>
                 <a:ext uri="{FF2B5EF4-FFF2-40B4-BE49-F238E27FC236}">
-                  <a16:creationId xmlns:a16="http://schemas.microsoft.com/office/drawing/2014/main" id="{0F80591A-1CC4-425A-B932-DBE18AFEF594}"/>
+                  <a16:creationId xmlns:a16="http://schemas.microsoft.com/office/drawing/2014/main" xmlns="" id="{0F80591A-1CC4-425A-B932-DBE18AFEF594}"/>
                 </a:ext>
               </a:extLst>
             </p:cNvPr>
@@ -20337,7 +22878,7 @@
               <p:cNvPr id="145" name="Chevron 184">
                 <a:extLst>
                   <a:ext uri="{FF2B5EF4-FFF2-40B4-BE49-F238E27FC236}">
-                    <a16:creationId xmlns:a16="http://schemas.microsoft.com/office/drawing/2014/main" id="{00811DAE-C41D-4CDC-9686-F289D7E36306}"/>
+                    <a16:creationId xmlns:a16="http://schemas.microsoft.com/office/drawing/2014/main" xmlns="" id="{00811DAE-C41D-4CDC-9686-F289D7E36306}"/>
                   </a:ext>
                 </a:extLst>
               </p:cNvPr>
@@ -20387,7 +22928,7 @@
               <p:cNvPr id="146" name="Rectangle 145">
                 <a:extLst>
                   <a:ext uri="{FF2B5EF4-FFF2-40B4-BE49-F238E27FC236}">
-                    <a16:creationId xmlns:a16="http://schemas.microsoft.com/office/drawing/2014/main" id="{0F0C62D7-7A92-4892-8E0E-7BE4D0CA5A6C}"/>
+                    <a16:creationId xmlns:a16="http://schemas.microsoft.com/office/drawing/2014/main" xmlns="" id="{0F0C62D7-7A92-4892-8E0E-7BE4D0CA5A6C}"/>
                   </a:ext>
                 </a:extLst>
               </p:cNvPr>
@@ -20435,7 +22976,7 @@
             <p:cNvPr id="147" name="Groupe 146">
               <a:extLst>
                 <a:ext uri="{FF2B5EF4-FFF2-40B4-BE49-F238E27FC236}">
-                  <a16:creationId xmlns:a16="http://schemas.microsoft.com/office/drawing/2014/main" id="{F76A4CF3-1975-456A-95FE-F8DF35C9D542}"/>
+                  <a16:creationId xmlns:a16="http://schemas.microsoft.com/office/drawing/2014/main" xmlns="" id="{F76A4CF3-1975-456A-95FE-F8DF35C9D542}"/>
                 </a:ext>
               </a:extLst>
             </p:cNvPr>
@@ -20455,7 +22996,7 @@
               <p:cNvPr id="148" name="Chevron 184">
                 <a:extLst>
                   <a:ext uri="{FF2B5EF4-FFF2-40B4-BE49-F238E27FC236}">
-                    <a16:creationId xmlns:a16="http://schemas.microsoft.com/office/drawing/2014/main" id="{4860BCAB-998B-4CB5-80AF-56355F42527B}"/>
+                    <a16:creationId xmlns:a16="http://schemas.microsoft.com/office/drawing/2014/main" xmlns="" id="{4860BCAB-998B-4CB5-80AF-56355F42527B}"/>
                   </a:ext>
                 </a:extLst>
               </p:cNvPr>
@@ -20505,7 +23046,7 @@
               <p:cNvPr id="149" name="Rectangle 148">
                 <a:extLst>
                   <a:ext uri="{FF2B5EF4-FFF2-40B4-BE49-F238E27FC236}">
-                    <a16:creationId xmlns:a16="http://schemas.microsoft.com/office/drawing/2014/main" id="{EB3A9658-097B-4D88-AA10-5CADDD7D7D28}"/>
+                    <a16:creationId xmlns:a16="http://schemas.microsoft.com/office/drawing/2014/main" xmlns="" id="{EB3A9658-097B-4D88-AA10-5CADDD7D7D28}"/>
                   </a:ext>
                 </a:extLst>
               </p:cNvPr>
@@ -20553,7 +23094,7 @@
             <p:cNvPr id="150" name="Groupe 149">
               <a:extLst>
                 <a:ext uri="{FF2B5EF4-FFF2-40B4-BE49-F238E27FC236}">
-                  <a16:creationId xmlns:a16="http://schemas.microsoft.com/office/drawing/2014/main" id="{038411FF-2CA7-40D7-A5AC-22731C19A6FA}"/>
+                  <a16:creationId xmlns:a16="http://schemas.microsoft.com/office/drawing/2014/main" xmlns="" id="{038411FF-2CA7-40D7-A5AC-22731C19A6FA}"/>
                 </a:ext>
               </a:extLst>
             </p:cNvPr>
@@ -20573,7 +23114,7 @@
               <p:cNvPr id="151" name="Chevron 184">
                 <a:extLst>
                   <a:ext uri="{FF2B5EF4-FFF2-40B4-BE49-F238E27FC236}">
-                    <a16:creationId xmlns:a16="http://schemas.microsoft.com/office/drawing/2014/main" id="{873B35CB-050E-446E-ADF7-343153489B34}"/>
+                    <a16:creationId xmlns:a16="http://schemas.microsoft.com/office/drawing/2014/main" xmlns="" id="{873B35CB-050E-446E-ADF7-343153489B34}"/>
                   </a:ext>
                 </a:extLst>
               </p:cNvPr>
@@ -20623,7 +23164,7 @@
               <p:cNvPr id="152" name="Rectangle 151">
                 <a:extLst>
                   <a:ext uri="{FF2B5EF4-FFF2-40B4-BE49-F238E27FC236}">
-                    <a16:creationId xmlns:a16="http://schemas.microsoft.com/office/drawing/2014/main" id="{7C37E744-A46A-4139-8FA3-6313D04339A3}"/>
+                    <a16:creationId xmlns:a16="http://schemas.microsoft.com/office/drawing/2014/main" xmlns="" id="{7C37E744-A46A-4139-8FA3-6313D04339A3}"/>
                   </a:ext>
                 </a:extLst>
               </p:cNvPr>
@@ -20671,7 +23212,7 @@
             <p:cNvPr id="153" name="Groupe 152">
               <a:extLst>
                 <a:ext uri="{FF2B5EF4-FFF2-40B4-BE49-F238E27FC236}">
-                  <a16:creationId xmlns:a16="http://schemas.microsoft.com/office/drawing/2014/main" id="{D375954A-451E-4A8D-B2E7-5959FD68C3BB}"/>
+                  <a16:creationId xmlns:a16="http://schemas.microsoft.com/office/drawing/2014/main" xmlns="" id="{D375954A-451E-4A8D-B2E7-5959FD68C3BB}"/>
                 </a:ext>
               </a:extLst>
             </p:cNvPr>
@@ -20691,7 +23232,7 @@
               <p:cNvPr id="154" name="Chevron 184">
                 <a:extLst>
                   <a:ext uri="{FF2B5EF4-FFF2-40B4-BE49-F238E27FC236}">
-                    <a16:creationId xmlns:a16="http://schemas.microsoft.com/office/drawing/2014/main" id="{D0565C31-EFE6-48CA-B604-9D0634DD9067}"/>
+                    <a16:creationId xmlns:a16="http://schemas.microsoft.com/office/drawing/2014/main" xmlns="" id="{D0565C31-EFE6-48CA-B604-9D0634DD9067}"/>
                   </a:ext>
                 </a:extLst>
               </p:cNvPr>
@@ -20741,7 +23282,7 @@
               <p:cNvPr id="155" name="Rectangle 154">
                 <a:extLst>
                   <a:ext uri="{FF2B5EF4-FFF2-40B4-BE49-F238E27FC236}">
-                    <a16:creationId xmlns:a16="http://schemas.microsoft.com/office/drawing/2014/main" id="{92F3A312-D8C0-4AE7-8FD1-A9A446C3DB6C}"/>
+                    <a16:creationId xmlns:a16="http://schemas.microsoft.com/office/drawing/2014/main" xmlns="" id="{92F3A312-D8C0-4AE7-8FD1-A9A446C3DB6C}"/>
                   </a:ext>
                 </a:extLst>
               </p:cNvPr>
@@ -20790,7 +23331,7 @@
           <p:cNvPr id="157" name="Image 156">
             <a:extLst>
               <a:ext uri="{FF2B5EF4-FFF2-40B4-BE49-F238E27FC236}">
-                <a16:creationId xmlns:a16="http://schemas.microsoft.com/office/drawing/2014/main" id="{649265A4-F60A-437A-817D-C460759ABDAC}"/>
+                <a16:creationId xmlns:a16="http://schemas.microsoft.com/office/drawing/2014/main" xmlns="" id="{649265A4-F60A-437A-817D-C460759ABDAC}"/>
               </a:ext>
             </a:extLst>
           </p:cNvPr>
@@ -20926,7 +23467,7 @@
           <p:cNvPr id="126" name="Espace réservé du contenu 4">
             <a:extLst>
               <a:ext uri="{FF2B5EF4-FFF2-40B4-BE49-F238E27FC236}">
-                <a16:creationId xmlns:a16="http://schemas.microsoft.com/office/drawing/2014/main" id="{E0ECA4FB-A27A-4EF4-8C7D-5B9524C6BE3F}"/>
+                <a16:creationId xmlns:a16="http://schemas.microsoft.com/office/drawing/2014/main" xmlns="" id="{E0ECA4FB-A27A-4EF4-8C7D-5B9524C6BE3F}"/>
               </a:ext>
             </a:extLst>
           </p:cNvPr>
@@ -21158,7 +23699,7 @@
           <p:cNvPr id="157" name="Image 156">
             <a:extLst>
               <a:ext uri="{FF2B5EF4-FFF2-40B4-BE49-F238E27FC236}">
-                <a16:creationId xmlns:a16="http://schemas.microsoft.com/office/drawing/2014/main" id="{649265A4-F60A-437A-817D-C460759ABDAC}"/>
+                <a16:creationId xmlns:a16="http://schemas.microsoft.com/office/drawing/2014/main" xmlns="" id="{649265A4-F60A-437A-817D-C460759ABDAC}"/>
               </a:ext>
             </a:extLst>
           </p:cNvPr>
@@ -21188,7 +23729,7 @@
           <p:cNvPr id="7" name="Espace réservé du contenu 6">
             <a:extLst>
               <a:ext uri="{FF2B5EF4-FFF2-40B4-BE49-F238E27FC236}">
-                <a16:creationId xmlns:a16="http://schemas.microsoft.com/office/drawing/2014/main" id="{DB2A2F5A-13F4-4B6B-B9B0-2031D32AD019}"/>
+                <a16:creationId xmlns:a16="http://schemas.microsoft.com/office/drawing/2014/main" xmlns="" id="{DB2A2F5A-13F4-4B6B-B9B0-2031D32AD019}"/>
               </a:ext>
             </a:extLst>
           </p:cNvPr>
@@ -21246,7 +23787,7 @@
           <p:cNvPr id="9" name="Groupe 8">
             <a:extLst>
               <a:ext uri="{FF2B5EF4-FFF2-40B4-BE49-F238E27FC236}">
-                <a16:creationId xmlns:a16="http://schemas.microsoft.com/office/drawing/2014/main" id="{536B939E-4EC3-4DC9-8186-A7D9B3034CF2}"/>
+                <a16:creationId xmlns:a16="http://schemas.microsoft.com/office/drawing/2014/main" xmlns="" id="{536B939E-4EC3-4DC9-8186-A7D9B3034CF2}"/>
               </a:ext>
             </a:extLst>
           </p:cNvPr>
@@ -21266,7 +23807,7 @@
             <p:cNvPr id="114" name="Groupe 113">
               <a:extLst>
                 <a:ext uri="{FF2B5EF4-FFF2-40B4-BE49-F238E27FC236}">
-                  <a16:creationId xmlns:a16="http://schemas.microsoft.com/office/drawing/2014/main" id="{C9A4DD3A-F434-47D5-AD2A-A0C9A0F9E46E}"/>
+                  <a16:creationId xmlns:a16="http://schemas.microsoft.com/office/drawing/2014/main" xmlns="" id="{C9A4DD3A-F434-47D5-AD2A-A0C9A0F9E46E}"/>
                 </a:ext>
               </a:extLst>
             </p:cNvPr>
@@ -21286,7 +23827,7 @@
               <p:cNvPr id="124" name="Chevron 184">
                 <a:extLst>
                   <a:ext uri="{FF2B5EF4-FFF2-40B4-BE49-F238E27FC236}">
-                    <a16:creationId xmlns:a16="http://schemas.microsoft.com/office/drawing/2014/main" id="{D4C18C82-27D2-4CB7-99C8-97F8CD29B99D}"/>
+                    <a16:creationId xmlns:a16="http://schemas.microsoft.com/office/drawing/2014/main" xmlns="" id="{D4C18C82-27D2-4CB7-99C8-97F8CD29B99D}"/>
                   </a:ext>
                 </a:extLst>
               </p:cNvPr>
@@ -21336,7 +23877,7 @@
               <p:cNvPr id="125" name="Rectangle 124">
                 <a:extLst>
                   <a:ext uri="{FF2B5EF4-FFF2-40B4-BE49-F238E27FC236}">
-                    <a16:creationId xmlns:a16="http://schemas.microsoft.com/office/drawing/2014/main" id="{33C13121-840B-49FA-BF30-BD54E2AB3157}"/>
+                    <a16:creationId xmlns:a16="http://schemas.microsoft.com/office/drawing/2014/main" xmlns="" id="{33C13121-840B-49FA-BF30-BD54E2AB3157}"/>
                   </a:ext>
                 </a:extLst>
               </p:cNvPr>
@@ -21384,7 +23925,7 @@
             <p:cNvPr id="115" name="Groupe 114">
               <a:extLst>
                 <a:ext uri="{FF2B5EF4-FFF2-40B4-BE49-F238E27FC236}">
-                  <a16:creationId xmlns:a16="http://schemas.microsoft.com/office/drawing/2014/main" id="{A61414D3-8BAF-4661-B8DD-838D7816C07E}"/>
+                  <a16:creationId xmlns:a16="http://schemas.microsoft.com/office/drawing/2014/main" xmlns="" id="{A61414D3-8BAF-4661-B8DD-838D7816C07E}"/>
                 </a:ext>
               </a:extLst>
             </p:cNvPr>
@@ -21404,7 +23945,7 @@
               <p:cNvPr id="121" name="Chevron 181">
                 <a:extLst>
                   <a:ext uri="{FF2B5EF4-FFF2-40B4-BE49-F238E27FC236}">
-                    <a16:creationId xmlns:a16="http://schemas.microsoft.com/office/drawing/2014/main" id="{4EABBEBD-32BF-4F8F-9CA5-C37626840FF4}"/>
+                    <a16:creationId xmlns:a16="http://schemas.microsoft.com/office/drawing/2014/main" xmlns="" id="{4EABBEBD-32BF-4F8F-9CA5-C37626840FF4}"/>
                   </a:ext>
                 </a:extLst>
               </p:cNvPr>
@@ -21454,7 +23995,7 @@
               <p:cNvPr id="122" name="Rectangle 121">
                 <a:extLst>
                   <a:ext uri="{FF2B5EF4-FFF2-40B4-BE49-F238E27FC236}">
-                    <a16:creationId xmlns:a16="http://schemas.microsoft.com/office/drawing/2014/main" id="{AE9C24A8-4F3A-43B0-ADE2-9CCB4B658FF6}"/>
+                    <a16:creationId xmlns:a16="http://schemas.microsoft.com/office/drawing/2014/main" xmlns="" id="{AE9C24A8-4F3A-43B0-ADE2-9CCB4B658FF6}"/>
                   </a:ext>
                 </a:extLst>
               </p:cNvPr>
@@ -21501,7 +24042,7 @@
               <p:cNvPr id="123" name="Rectangle 122">
                 <a:extLst>
                   <a:ext uri="{FF2B5EF4-FFF2-40B4-BE49-F238E27FC236}">
-                    <a16:creationId xmlns:a16="http://schemas.microsoft.com/office/drawing/2014/main" id="{55FFCF1D-B9D0-454A-BEFF-1E66B7875144}"/>
+                    <a16:creationId xmlns:a16="http://schemas.microsoft.com/office/drawing/2014/main" xmlns="" id="{55FFCF1D-B9D0-454A-BEFF-1E66B7875144}"/>
                   </a:ext>
                 </a:extLst>
               </p:cNvPr>
@@ -21546,7 +24087,7 @@
             <p:cNvPr id="116" name="Groupe 115">
               <a:extLst>
                 <a:ext uri="{FF2B5EF4-FFF2-40B4-BE49-F238E27FC236}">
-                  <a16:creationId xmlns:a16="http://schemas.microsoft.com/office/drawing/2014/main" id="{F3FFB96C-19DC-43CB-97B4-826FD6EAC44F}"/>
+                  <a16:creationId xmlns:a16="http://schemas.microsoft.com/office/drawing/2014/main" xmlns="" id="{F3FFB96C-19DC-43CB-97B4-826FD6EAC44F}"/>
                 </a:ext>
               </a:extLst>
             </p:cNvPr>
@@ -21566,7 +24107,7 @@
               <p:cNvPr id="117" name="Groupe 116">
                 <a:extLst>
                   <a:ext uri="{FF2B5EF4-FFF2-40B4-BE49-F238E27FC236}">
-                    <a16:creationId xmlns:a16="http://schemas.microsoft.com/office/drawing/2014/main" id="{A81A49A5-78C1-4051-8A78-70C08DACDC5D}"/>
+                    <a16:creationId xmlns:a16="http://schemas.microsoft.com/office/drawing/2014/main" xmlns="" id="{A81A49A5-78C1-4051-8A78-70C08DACDC5D}"/>
                   </a:ext>
                 </a:extLst>
               </p:cNvPr>
@@ -21586,7 +24127,7 @@
                 <p:cNvPr id="119" name="Chevron 179">
                   <a:extLst>
                     <a:ext uri="{FF2B5EF4-FFF2-40B4-BE49-F238E27FC236}">
-                      <a16:creationId xmlns:a16="http://schemas.microsoft.com/office/drawing/2014/main" id="{CDE422D4-A13E-4AC2-B431-A076E8006208}"/>
+                      <a16:creationId xmlns:a16="http://schemas.microsoft.com/office/drawing/2014/main" xmlns="" id="{CDE422D4-A13E-4AC2-B431-A076E8006208}"/>
                     </a:ext>
                   </a:extLst>
                 </p:cNvPr>
@@ -21636,7 +24177,7 @@
                 <p:cNvPr id="120" name="Rectangle 119">
                   <a:extLst>
                     <a:ext uri="{FF2B5EF4-FFF2-40B4-BE49-F238E27FC236}">
-                      <a16:creationId xmlns:a16="http://schemas.microsoft.com/office/drawing/2014/main" id="{232466EE-ED5F-49E5-B238-C3EECA4164DA}"/>
+                      <a16:creationId xmlns:a16="http://schemas.microsoft.com/office/drawing/2014/main" xmlns="" id="{232466EE-ED5F-49E5-B238-C3EECA4164DA}"/>
                     </a:ext>
                   </a:extLst>
                 </p:cNvPr>
@@ -21684,7 +24225,7 @@
               <p:cNvPr id="118" name="Rectangle 117">
                 <a:extLst>
                   <a:ext uri="{FF2B5EF4-FFF2-40B4-BE49-F238E27FC236}">
-                    <a16:creationId xmlns:a16="http://schemas.microsoft.com/office/drawing/2014/main" id="{E7C7902C-8361-43D6-80FA-93EC12535167}"/>
+                    <a16:creationId xmlns:a16="http://schemas.microsoft.com/office/drawing/2014/main" xmlns="" id="{E7C7902C-8361-43D6-80FA-93EC12535167}"/>
                   </a:ext>
                 </a:extLst>
               </p:cNvPr>
@@ -21729,7 +24270,7 @@
             <p:cNvPr id="127" name="Groupe 126">
               <a:extLst>
                 <a:ext uri="{FF2B5EF4-FFF2-40B4-BE49-F238E27FC236}">
-                  <a16:creationId xmlns:a16="http://schemas.microsoft.com/office/drawing/2014/main" id="{66AE943C-39FC-4313-822F-75A7D8C71A50}"/>
+                  <a16:creationId xmlns:a16="http://schemas.microsoft.com/office/drawing/2014/main" xmlns="" id="{66AE943C-39FC-4313-822F-75A7D8C71A50}"/>
                 </a:ext>
               </a:extLst>
             </p:cNvPr>
@@ -21749,7 +24290,7 @@
               <p:cNvPr id="128" name="Chevron 184">
                 <a:extLst>
                   <a:ext uri="{FF2B5EF4-FFF2-40B4-BE49-F238E27FC236}">
-                    <a16:creationId xmlns:a16="http://schemas.microsoft.com/office/drawing/2014/main" id="{08083D15-8586-4C86-B11B-FBDA5CF985B8}"/>
+                    <a16:creationId xmlns:a16="http://schemas.microsoft.com/office/drawing/2014/main" xmlns="" id="{08083D15-8586-4C86-B11B-FBDA5CF985B8}"/>
                   </a:ext>
                 </a:extLst>
               </p:cNvPr>
@@ -21799,7 +24340,7 @@
               <p:cNvPr id="129" name="Rectangle 128">
                 <a:extLst>
                   <a:ext uri="{FF2B5EF4-FFF2-40B4-BE49-F238E27FC236}">
-                    <a16:creationId xmlns:a16="http://schemas.microsoft.com/office/drawing/2014/main" id="{AEDA7288-2DDE-4829-B1AA-AA9C2E0CCE8C}"/>
+                    <a16:creationId xmlns:a16="http://schemas.microsoft.com/office/drawing/2014/main" xmlns="" id="{AEDA7288-2DDE-4829-B1AA-AA9C2E0CCE8C}"/>
                   </a:ext>
                 </a:extLst>
               </p:cNvPr>
@@ -21847,7 +24388,7 @@
             <p:cNvPr id="130" name="Groupe 129">
               <a:extLst>
                 <a:ext uri="{FF2B5EF4-FFF2-40B4-BE49-F238E27FC236}">
-                  <a16:creationId xmlns:a16="http://schemas.microsoft.com/office/drawing/2014/main" id="{9A13244F-CE74-4175-B165-D81B8FEF6D11}"/>
+                  <a16:creationId xmlns:a16="http://schemas.microsoft.com/office/drawing/2014/main" xmlns="" id="{9A13244F-CE74-4175-B165-D81B8FEF6D11}"/>
                 </a:ext>
               </a:extLst>
             </p:cNvPr>
@@ -21867,7 +24408,7 @@
               <p:cNvPr id="131" name="Chevron 184">
                 <a:extLst>
                   <a:ext uri="{FF2B5EF4-FFF2-40B4-BE49-F238E27FC236}">
-                    <a16:creationId xmlns:a16="http://schemas.microsoft.com/office/drawing/2014/main" id="{2D792480-A2FF-4222-9B04-A588C555A44A}"/>
+                    <a16:creationId xmlns:a16="http://schemas.microsoft.com/office/drawing/2014/main" xmlns="" id="{2D792480-A2FF-4222-9B04-A588C555A44A}"/>
                   </a:ext>
                 </a:extLst>
               </p:cNvPr>
@@ -21917,7 +24458,7 @@
               <p:cNvPr id="158" name="Rectangle 157">
                 <a:extLst>
                   <a:ext uri="{FF2B5EF4-FFF2-40B4-BE49-F238E27FC236}">
-                    <a16:creationId xmlns:a16="http://schemas.microsoft.com/office/drawing/2014/main" id="{0E0FF4D2-8C45-4A59-B77E-E224D1EEF8FB}"/>
+                    <a16:creationId xmlns:a16="http://schemas.microsoft.com/office/drawing/2014/main" xmlns="" id="{0E0FF4D2-8C45-4A59-B77E-E224D1EEF8FB}"/>
                   </a:ext>
                 </a:extLst>
               </p:cNvPr>
@@ -21966,7 +24507,7 @@
           <p:cNvPr id="159" name="Groupe 158">
             <a:extLst>
               <a:ext uri="{FF2B5EF4-FFF2-40B4-BE49-F238E27FC236}">
-                <a16:creationId xmlns:a16="http://schemas.microsoft.com/office/drawing/2014/main" id="{33970DFB-60CB-4B31-B928-1896A515DF87}"/>
+                <a16:creationId xmlns:a16="http://schemas.microsoft.com/office/drawing/2014/main" xmlns="" id="{33970DFB-60CB-4B31-B928-1896A515DF87}"/>
               </a:ext>
             </a:extLst>
           </p:cNvPr>
@@ -21986,7 +24527,7 @@
             <p:cNvPr id="160" name="Groupe 159">
               <a:extLst>
                 <a:ext uri="{FF2B5EF4-FFF2-40B4-BE49-F238E27FC236}">
-                  <a16:creationId xmlns:a16="http://schemas.microsoft.com/office/drawing/2014/main" id="{9BD63A40-7C0D-462F-9E1A-59A172A911F6}"/>
+                  <a16:creationId xmlns:a16="http://schemas.microsoft.com/office/drawing/2014/main" xmlns="" id="{9BD63A40-7C0D-462F-9E1A-59A172A911F6}"/>
                 </a:ext>
               </a:extLst>
             </p:cNvPr>
@@ -22006,7 +24547,7 @@
               <p:cNvPr id="176" name="Chevron 184">
                 <a:extLst>
                   <a:ext uri="{FF2B5EF4-FFF2-40B4-BE49-F238E27FC236}">
-                    <a16:creationId xmlns:a16="http://schemas.microsoft.com/office/drawing/2014/main" id="{DE1720F0-91B5-425E-8AAA-453791773973}"/>
+                    <a16:creationId xmlns:a16="http://schemas.microsoft.com/office/drawing/2014/main" xmlns="" id="{DE1720F0-91B5-425E-8AAA-453791773973}"/>
                   </a:ext>
                 </a:extLst>
               </p:cNvPr>
@@ -22056,7 +24597,7 @@
               <p:cNvPr id="177" name="Rectangle 176">
                 <a:extLst>
                   <a:ext uri="{FF2B5EF4-FFF2-40B4-BE49-F238E27FC236}">
-                    <a16:creationId xmlns:a16="http://schemas.microsoft.com/office/drawing/2014/main" id="{A443344C-E7D4-4703-997C-F204F87E6BFA}"/>
+                    <a16:creationId xmlns:a16="http://schemas.microsoft.com/office/drawing/2014/main" xmlns="" id="{A443344C-E7D4-4703-997C-F204F87E6BFA}"/>
                   </a:ext>
                 </a:extLst>
               </p:cNvPr>
@@ -22104,7 +24645,7 @@
             <p:cNvPr id="161" name="Groupe 160">
               <a:extLst>
                 <a:ext uri="{FF2B5EF4-FFF2-40B4-BE49-F238E27FC236}">
-                  <a16:creationId xmlns:a16="http://schemas.microsoft.com/office/drawing/2014/main" id="{AC690727-5AE5-4E0B-A752-21ACF4690BD3}"/>
+                  <a16:creationId xmlns:a16="http://schemas.microsoft.com/office/drawing/2014/main" xmlns="" id="{AC690727-5AE5-4E0B-A752-21ACF4690BD3}"/>
                 </a:ext>
               </a:extLst>
             </p:cNvPr>
@@ -22124,7 +24665,7 @@
               <p:cNvPr id="173" name="Chevron 181">
                 <a:extLst>
                   <a:ext uri="{FF2B5EF4-FFF2-40B4-BE49-F238E27FC236}">
-                    <a16:creationId xmlns:a16="http://schemas.microsoft.com/office/drawing/2014/main" id="{DA9AA604-DD50-4B12-BCDA-2514FFFCC53C}"/>
+                    <a16:creationId xmlns:a16="http://schemas.microsoft.com/office/drawing/2014/main" xmlns="" id="{DA9AA604-DD50-4B12-BCDA-2514FFFCC53C}"/>
                   </a:ext>
                 </a:extLst>
               </p:cNvPr>
@@ -22174,7 +24715,7 @@
               <p:cNvPr id="174" name="Rectangle 173">
                 <a:extLst>
                   <a:ext uri="{FF2B5EF4-FFF2-40B4-BE49-F238E27FC236}">
-                    <a16:creationId xmlns:a16="http://schemas.microsoft.com/office/drawing/2014/main" id="{9C116F8B-6D0B-43AC-96A1-3C82DB95CDEF}"/>
+                    <a16:creationId xmlns:a16="http://schemas.microsoft.com/office/drawing/2014/main" xmlns="" id="{9C116F8B-6D0B-43AC-96A1-3C82DB95CDEF}"/>
                   </a:ext>
                 </a:extLst>
               </p:cNvPr>
@@ -22221,7 +24762,7 @@
               <p:cNvPr id="175" name="Rectangle 174">
                 <a:extLst>
                   <a:ext uri="{FF2B5EF4-FFF2-40B4-BE49-F238E27FC236}">
-                    <a16:creationId xmlns:a16="http://schemas.microsoft.com/office/drawing/2014/main" id="{CD8494DE-AA20-4CEA-B4BD-5F86E05798D5}"/>
+                    <a16:creationId xmlns:a16="http://schemas.microsoft.com/office/drawing/2014/main" xmlns="" id="{CD8494DE-AA20-4CEA-B4BD-5F86E05798D5}"/>
                   </a:ext>
                 </a:extLst>
               </p:cNvPr>
@@ -22266,7 +24807,7 @@
             <p:cNvPr id="162" name="Groupe 161">
               <a:extLst>
                 <a:ext uri="{FF2B5EF4-FFF2-40B4-BE49-F238E27FC236}">
-                  <a16:creationId xmlns:a16="http://schemas.microsoft.com/office/drawing/2014/main" id="{AF8609D3-E454-422B-96EE-EA19837A0128}"/>
+                  <a16:creationId xmlns:a16="http://schemas.microsoft.com/office/drawing/2014/main" xmlns="" id="{AF8609D3-E454-422B-96EE-EA19837A0128}"/>
                 </a:ext>
               </a:extLst>
             </p:cNvPr>
@@ -22286,7 +24827,7 @@
               <p:cNvPr id="169" name="Groupe 168">
                 <a:extLst>
                   <a:ext uri="{FF2B5EF4-FFF2-40B4-BE49-F238E27FC236}">
-                    <a16:creationId xmlns:a16="http://schemas.microsoft.com/office/drawing/2014/main" id="{28D36A66-525D-49C9-96EA-E239578742E3}"/>
+                    <a16:creationId xmlns:a16="http://schemas.microsoft.com/office/drawing/2014/main" xmlns="" id="{28D36A66-525D-49C9-96EA-E239578742E3}"/>
                   </a:ext>
                 </a:extLst>
               </p:cNvPr>
@@ -22306,7 +24847,7 @@
                 <p:cNvPr id="171" name="Chevron 179">
                   <a:extLst>
                     <a:ext uri="{FF2B5EF4-FFF2-40B4-BE49-F238E27FC236}">
-                      <a16:creationId xmlns:a16="http://schemas.microsoft.com/office/drawing/2014/main" id="{CD074C14-C84F-40D8-9D5F-0DC3BE6D3B58}"/>
+                      <a16:creationId xmlns:a16="http://schemas.microsoft.com/office/drawing/2014/main" xmlns="" id="{CD074C14-C84F-40D8-9D5F-0DC3BE6D3B58}"/>
                     </a:ext>
                   </a:extLst>
                 </p:cNvPr>
@@ -22356,7 +24897,7 @@
                 <p:cNvPr id="172" name="Rectangle 171">
                   <a:extLst>
                     <a:ext uri="{FF2B5EF4-FFF2-40B4-BE49-F238E27FC236}">
-                      <a16:creationId xmlns:a16="http://schemas.microsoft.com/office/drawing/2014/main" id="{1371C12B-3919-45C6-AC75-04204AEE862B}"/>
+                      <a16:creationId xmlns:a16="http://schemas.microsoft.com/office/drawing/2014/main" xmlns="" id="{1371C12B-3919-45C6-AC75-04204AEE862B}"/>
                     </a:ext>
                   </a:extLst>
                 </p:cNvPr>
@@ -22404,7 +24945,7 @@
               <p:cNvPr id="170" name="Rectangle 169">
                 <a:extLst>
                   <a:ext uri="{FF2B5EF4-FFF2-40B4-BE49-F238E27FC236}">
-                    <a16:creationId xmlns:a16="http://schemas.microsoft.com/office/drawing/2014/main" id="{17E2F57C-6E9D-46F1-8AB6-757ED5EF793E}"/>
+                    <a16:creationId xmlns:a16="http://schemas.microsoft.com/office/drawing/2014/main" xmlns="" id="{17E2F57C-6E9D-46F1-8AB6-757ED5EF793E}"/>
                   </a:ext>
                 </a:extLst>
               </p:cNvPr>
@@ -22449,7 +24990,7 @@
             <p:cNvPr id="163" name="Groupe 162">
               <a:extLst>
                 <a:ext uri="{FF2B5EF4-FFF2-40B4-BE49-F238E27FC236}">
-                  <a16:creationId xmlns:a16="http://schemas.microsoft.com/office/drawing/2014/main" id="{4F4A299C-AA64-40E0-AD20-E20FB8DEC0C8}"/>
+                  <a16:creationId xmlns:a16="http://schemas.microsoft.com/office/drawing/2014/main" xmlns="" id="{4F4A299C-AA64-40E0-AD20-E20FB8DEC0C8}"/>
                 </a:ext>
               </a:extLst>
             </p:cNvPr>
@@ -22469,7 +25010,7 @@
               <p:cNvPr id="167" name="Chevron 184">
                 <a:extLst>
                   <a:ext uri="{FF2B5EF4-FFF2-40B4-BE49-F238E27FC236}">
-                    <a16:creationId xmlns:a16="http://schemas.microsoft.com/office/drawing/2014/main" id="{F35CF838-A072-4261-98DC-CD06C1915C7F}"/>
+                    <a16:creationId xmlns:a16="http://schemas.microsoft.com/office/drawing/2014/main" xmlns="" id="{F35CF838-A072-4261-98DC-CD06C1915C7F}"/>
                   </a:ext>
                 </a:extLst>
               </p:cNvPr>
@@ -22519,7 +25060,7 @@
               <p:cNvPr id="168" name="Rectangle 167">
                 <a:extLst>
                   <a:ext uri="{FF2B5EF4-FFF2-40B4-BE49-F238E27FC236}">
-                    <a16:creationId xmlns:a16="http://schemas.microsoft.com/office/drawing/2014/main" id="{708E5A46-A52A-4907-8D30-A361432D9727}"/>
+                    <a16:creationId xmlns:a16="http://schemas.microsoft.com/office/drawing/2014/main" xmlns="" id="{708E5A46-A52A-4907-8D30-A361432D9727}"/>
                   </a:ext>
                 </a:extLst>
               </p:cNvPr>
@@ -22567,7 +25108,7 @@
             <p:cNvPr id="164" name="Groupe 163">
               <a:extLst>
                 <a:ext uri="{FF2B5EF4-FFF2-40B4-BE49-F238E27FC236}">
-                  <a16:creationId xmlns:a16="http://schemas.microsoft.com/office/drawing/2014/main" id="{BD9E69AA-8190-44F6-9F99-E059439D93B6}"/>
+                  <a16:creationId xmlns:a16="http://schemas.microsoft.com/office/drawing/2014/main" xmlns="" id="{BD9E69AA-8190-44F6-9F99-E059439D93B6}"/>
                 </a:ext>
               </a:extLst>
             </p:cNvPr>
@@ -22587,7 +25128,7 @@
               <p:cNvPr id="165" name="Chevron 184">
                 <a:extLst>
                   <a:ext uri="{FF2B5EF4-FFF2-40B4-BE49-F238E27FC236}">
-                    <a16:creationId xmlns:a16="http://schemas.microsoft.com/office/drawing/2014/main" id="{4A49DFA6-600C-4E2C-BECB-8F26509A2C04}"/>
+                    <a16:creationId xmlns:a16="http://schemas.microsoft.com/office/drawing/2014/main" xmlns="" id="{4A49DFA6-600C-4E2C-BECB-8F26509A2C04}"/>
                   </a:ext>
                 </a:extLst>
               </p:cNvPr>
@@ -22637,7 +25178,7 @@
               <p:cNvPr id="166" name="Rectangle 165">
                 <a:extLst>
                   <a:ext uri="{FF2B5EF4-FFF2-40B4-BE49-F238E27FC236}">
-                    <a16:creationId xmlns:a16="http://schemas.microsoft.com/office/drawing/2014/main" id="{CBD6F808-29C7-4635-984B-AB8B8118669A}"/>
+                    <a16:creationId xmlns:a16="http://schemas.microsoft.com/office/drawing/2014/main" xmlns="" id="{CBD6F808-29C7-4635-984B-AB8B8118669A}"/>
                   </a:ext>
                 </a:extLst>
               </p:cNvPr>
@@ -22686,7 +25227,7 @@
           <p:cNvPr id="178" name="Groupe 177">
             <a:extLst>
               <a:ext uri="{FF2B5EF4-FFF2-40B4-BE49-F238E27FC236}">
-                <a16:creationId xmlns:a16="http://schemas.microsoft.com/office/drawing/2014/main" id="{EE726740-5853-4A49-886D-C22E8B33E639}"/>
+                <a16:creationId xmlns:a16="http://schemas.microsoft.com/office/drawing/2014/main" xmlns="" id="{EE726740-5853-4A49-886D-C22E8B33E639}"/>
               </a:ext>
             </a:extLst>
           </p:cNvPr>
@@ -22706,7 +25247,7 @@
             <p:cNvPr id="179" name="Groupe 178">
               <a:extLst>
                 <a:ext uri="{FF2B5EF4-FFF2-40B4-BE49-F238E27FC236}">
-                  <a16:creationId xmlns:a16="http://schemas.microsoft.com/office/drawing/2014/main" id="{54CD7A7B-614E-477C-A1AB-997AA577A0C5}"/>
+                  <a16:creationId xmlns:a16="http://schemas.microsoft.com/office/drawing/2014/main" xmlns="" id="{54CD7A7B-614E-477C-A1AB-997AA577A0C5}"/>
                 </a:ext>
               </a:extLst>
             </p:cNvPr>
@@ -22726,7 +25267,7 @@
               <p:cNvPr id="195" name="Chevron 184">
                 <a:extLst>
                   <a:ext uri="{FF2B5EF4-FFF2-40B4-BE49-F238E27FC236}">
-                    <a16:creationId xmlns:a16="http://schemas.microsoft.com/office/drawing/2014/main" id="{44EF42D8-B4A0-4EF5-9060-35031FDBA049}"/>
+                    <a16:creationId xmlns:a16="http://schemas.microsoft.com/office/drawing/2014/main" xmlns="" id="{44EF42D8-B4A0-4EF5-9060-35031FDBA049}"/>
                   </a:ext>
                 </a:extLst>
               </p:cNvPr>
@@ -22776,7 +25317,7 @@
               <p:cNvPr id="196" name="Rectangle 195">
                 <a:extLst>
                   <a:ext uri="{FF2B5EF4-FFF2-40B4-BE49-F238E27FC236}">
-                    <a16:creationId xmlns:a16="http://schemas.microsoft.com/office/drawing/2014/main" id="{B6E2B9BA-77EF-4410-971D-DAC3D2EECE84}"/>
+                    <a16:creationId xmlns:a16="http://schemas.microsoft.com/office/drawing/2014/main" xmlns="" id="{B6E2B9BA-77EF-4410-971D-DAC3D2EECE84}"/>
                   </a:ext>
                 </a:extLst>
               </p:cNvPr>
@@ -22824,7 +25365,7 @@
             <p:cNvPr id="180" name="Groupe 179">
               <a:extLst>
                 <a:ext uri="{FF2B5EF4-FFF2-40B4-BE49-F238E27FC236}">
-                  <a16:creationId xmlns:a16="http://schemas.microsoft.com/office/drawing/2014/main" id="{A4D18A42-9AF2-4881-8762-52912450E9E2}"/>
+                  <a16:creationId xmlns:a16="http://schemas.microsoft.com/office/drawing/2014/main" xmlns="" id="{A4D18A42-9AF2-4881-8762-52912450E9E2}"/>
                 </a:ext>
               </a:extLst>
             </p:cNvPr>
@@ -22844,7 +25385,7 @@
               <p:cNvPr id="192" name="Chevron 181">
                 <a:extLst>
                   <a:ext uri="{FF2B5EF4-FFF2-40B4-BE49-F238E27FC236}">
-                    <a16:creationId xmlns:a16="http://schemas.microsoft.com/office/drawing/2014/main" id="{75A7E3F1-381B-4555-8385-0A871F66333C}"/>
+                    <a16:creationId xmlns:a16="http://schemas.microsoft.com/office/drawing/2014/main" xmlns="" id="{75A7E3F1-381B-4555-8385-0A871F66333C}"/>
                   </a:ext>
                 </a:extLst>
               </p:cNvPr>
@@ -22894,7 +25435,7 @@
               <p:cNvPr id="193" name="Rectangle 192">
                 <a:extLst>
                   <a:ext uri="{FF2B5EF4-FFF2-40B4-BE49-F238E27FC236}">
-                    <a16:creationId xmlns:a16="http://schemas.microsoft.com/office/drawing/2014/main" id="{EC039605-027A-4188-BBAF-B4A8B1B270F5}"/>
+                    <a16:creationId xmlns:a16="http://schemas.microsoft.com/office/drawing/2014/main" xmlns="" id="{EC039605-027A-4188-BBAF-B4A8B1B270F5}"/>
                   </a:ext>
                 </a:extLst>
               </p:cNvPr>
@@ -22941,7 +25482,7 @@
               <p:cNvPr id="194" name="Rectangle 193">
                 <a:extLst>
                   <a:ext uri="{FF2B5EF4-FFF2-40B4-BE49-F238E27FC236}">
-                    <a16:creationId xmlns:a16="http://schemas.microsoft.com/office/drawing/2014/main" id="{24B3C0C1-8C19-453C-81CD-F46A426E190B}"/>
+                    <a16:creationId xmlns:a16="http://schemas.microsoft.com/office/drawing/2014/main" xmlns="" id="{24B3C0C1-8C19-453C-81CD-F46A426E190B}"/>
                   </a:ext>
                 </a:extLst>
               </p:cNvPr>
@@ -22986,7 +25527,7 @@
             <p:cNvPr id="181" name="Groupe 180">
               <a:extLst>
                 <a:ext uri="{FF2B5EF4-FFF2-40B4-BE49-F238E27FC236}">
-                  <a16:creationId xmlns:a16="http://schemas.microsoft.com/office/drawing/2014/main" id="{5E8CF3A9-5A64-4E0D-BC6B-6B003455C1DE}"/>
+                  <a16:creationId xmlns:a16="http://schemas.microsoft.com/office/drawing/2014/main" xmlns="" id="{5E8CF3A9-5A64-4E0D-BC6B-6B003455C1DE}"/>
                 </a:ext>
               </a:extLst>
             </p:cNvPr>
@@ -23006,7 +25547,7 @@
               <p:cNvPr id="188" name="Groupe 187">
                 <a:extLst>
                   <a:ext uri="{FF2B5EF4-FFF2-40B4-BE49-F238E27FC236}">
-                    <a16:creationId xmlns:a16="http://schemas.microsoft.com/office/drawing/2014/main" id="{7C715C9A-13A3-4CE2-87DD-9859B3A9C4AB}"/>
+                    <a16:creationId xmlns:a16="http://schemas.microsoft.com/office/drawing/2014/main" xmlns="" id="{7C715C9A-13A3-4CE2-87DD-9859B3A9C4AB}"/>
                   </a:ext>
                 </a:extLst>
               </p:cNvPr>
@@ -23026,7 +25567,7 @@
                 <p:cNvPr id="190" name="Chevron 179">
                   <a:extLst>
                     <a:ext uri="{FF2B5EF4-FFF2-40B4-BE49-F238E27FC236}">
-                      <a16:creationId xmlns:a16="http://schemas.microsoft.com/office/drawing/2014/main" id="{325CEDAD-2B0F-4003-8168-8420E24BF83E}"/>
+                      <a16:creationId xmlns:a16="http://schemas.microsoft.com/office/drawing/2014/main" xmlns="" id="{325CEDAD-2B0F-4003-8168-8420E24BF83E}"/>
                     </a:ext>
                   </a:extLst>
                 </p:cNvPr>
@@ -23076,7 +25617,7 @@
                 <p:cNvPr id="191" name="Rectangle 190">
                   <a:extLst>
                     <a:ext uri="{FF2B5EF4-FFF2-40B4-BE49-F238E27FC236}">
-                      <a16:creationId xmlns:a16="http://schemas.microsoft.com/office/drawing/2014/main" id="{BCC64859-7FDA-4F9E-B4FA-54904F962E82}"/>
+                      <a16:creationId xmlns:a16="http://schemas.microsoft.com/office/drawing/2014/main" xmlns="" id="{BCC64859-7FDA-4F9E-B4FA-54904F962E82}"/>
                     </a:ext>
                   </a:extLst>
                 </p:cNvPr>
@@ -23124,7 +25665,7 @@
               <p:cNvPr id="189" name="Rectangle 188">
                 <a:extLst>
                   <a:ext uri="{FF2B5EF4-FFF2-40B4-BE49-F238E27FC236}">
-                    <a16:creationId xmlns:a16="http://schemas.microsoft.com/office/drawing/2014/main" id="{48CCF4FF-D989-404B-B7D1-737238AF654B}"/>
+                    <a16:creationId xmlns:a16="http://schemas.microsoft.com/office/drawing/2014/main" xmlns="" id="{48CCF4FF-D989-404B-B7D1-737238AF654B}"/>
                   </a:ext>
                 </a:extLst>
               </p:cNvPr>
@@ -23169,7 +25710,7 @@
             <p:cNvPr id="182" name="Groupe 181">
               <a:extLst>
                 <a:ext uri="{FF2B5EF4-FFF2-40B4-BE49-F238E27FC236}">
-                  <a16:creationId xmlns:a16="http://schemas.microsoft.com/office/drawing/2014/main" id="{F16FCC4E-916E-4FA2-B3E1-3D8F1E62A50B}"/>
+                  <a16:creationId xmlns:a16="http://schemas.microsoft.com/office/drawing/2014/main" xmlns="" id="{F16FCC4E-916E-4FA2-B3E1-3D8F1E62A50B}"/>
                 </a:ext>
               </a:extLst>
             </p:cNvPr>
@@ -23189,7 +25730,7 @@
               <p:cNvPr id="186" name="Chevron 184">
                 <a:extLst>
                   <a:ext uri="{FF2B5EF4-FFF2-40B4-BE49-F238E27FC236}">
-                    <a16:creationId xmlns:a16="http://schemas.microsoft.com/office/drawing/2014/main" id="{1B986730-A297-42A8-A8EC-EEAE39F2C590}"/>
+                    <a16:creationId xmlns:a16="http://schemas.microsoft.com/office/drawing/2014/main" xmlns="" id="{1B986730-A297-42A8-A8EC-EEAE39F2C590}"/>
                   </a:ext>
                 </a:extLst>
               </p:cNvPr>
@@ -23239,7 +25780,7 @@
               <p:cNvPr id="187" name="Rectangle 186">
                 <a:extLst>
                   <a:ext uri="{FF2B5EF4-FFF2-40B4-BE49-F238E27FC236}">
-                    <a16:creationId xmlns:a16="http://schemas.microsoft.com/office/drawing/2014/main" id="{BDE4ABAE-5B28-48BE-AF24-F64682FD4F19}"/>
+                    <a16:creationId xmlns:a16="http://schemas.microsoft.com/office/drawing/2014/main" xmlns="" id="{BDE4ABAE-5B28-48BE-AF24-F64682FD4F19}"/>
                   </a:ext>
                 </a:extLst>
               </p:cNvPr>
@@ -23287,7 +25828,7 @@
             <p:cNvPr id="183" name="Groupe 182">
               <a:extLst>
                 <a:ext uri="{FF2B5EF4-FFF2-40B4-BE49-F238E27FC236}">
-                  <a16:creationId xmlns:a16="http://schemas.microsoft.com/office/drawing/2014/main" id="{CF8D83B9-EE96-4F36-8314-13B9AF804E1E}"/>
+                  <a16:creationId xmlns:a16="http://schemas.microsoft.com/office/drawing/2014/main" xmlns="" id="{CF8D83B9-EE96-4F36-8314-13B9AF804E1E}"/>
                 </a:ext>
               </a:extLst>
             </p:cNvPr>
@@ -23307,7 +25848,7 @@
               <p:cNvPr id="184" name="Chevron 184">
                 <a:extLst>
                   <a:ext uri="{FF2B5EF4-FFF2-40B4-BE49-F238E27FC236}">
-                    <a16:creationId xmlns:a16="http://schemas.microsoft.com/office/drawing/2014/main" id="{69D93EE8-761E-4FC6-A40B-41C19ED50BB8}"/>
+                    <a16:creationId xmlns:a16="http://schemas.microsoft.com/office/drawing/2014/main" xmlns="" id="{69D93EE8-761E-4FC6-A40B-41C19ED50BB8}"/>
                   </a:ext>
                 </a:extLst>
               </p:cNvPr>
@@ -23357,7 +25898,7 @@
               <p:cNvPr id="185" name="Rectangle 184">
                 <a:extLst>
                   <a:ext uri="{FF2B5EF4-FFF2-40B4-BE49-F238E27FC236}">
-                    <a16:creationId xmlns:a16="http://schemas.microsoft.com/office/drawing/2014/main" id="{15A4F52D-D327-4138-8017-DA7288805A11}"/>
+                    <a16:creationId xmlns:a16="http://schemas.microsoft.com/office/drawing/2014/main" xmlns="" id="{15A4F52D-D327-4138-8017-DA7288805A11}"/>
                   </a:ext>
                 </a:extLst>
               </p:cNvPr>
@@ -23406,7 +25947,7 @@
           <p:cNvPr id="197" name="Groupe 196">
             <a:extLst>
               <a:ext uri="{FF2B5EF4-FFF2-40B4-BE49-F238E27FC236}">
-                <a16:creationId xmlns:a16="http://schemas.microsoft.com/office/drawing/2014/main" id="{870C8519-EAC6-43F0-85C2-C8344619B720}"/>
+                <a16:creationId xmlns:a16="http://schemas.microsoft.com/office/drawing/2014/main" xmlns="" id="{870C8519-EAC6-43F0-85C2-C8344619B720}"/>
               </a:ext>
             </a:extLst>
           </p:cNvPr>
@@ -23426,7 +25967,7 @@
             <p:cNvPr id="198" name="Groupe 197">
               <a:extLst>
                 <a:ext uri="{FF2B5EF4-FFF2-40B4-BE49-F238E27FC236}">
-                  <a16:creationId xmlns:a16="http://schemas.microsoft.com/office/drawing/2014/main" id="{3592F38C-6FF7-42BE-87B4-03159EF7F194}"/>
+                  <a16:creationId xmlns:a16="http://schemas.microsoft.com/office/drawing/2014/main" xmlns="" id="{3592F38C-6FF7-42BE-87B4-03159EF7F194}"/>
                 </a:ext>
               </a:extLst>
             </p:cNvPr>
@@ -23446,7 +25987,7 @@
               <p:cNvPr id="214" name="Chevron 184">
                 <a:extLst>
                   <a:ext uri="{FF2B5EF4-FFF2-40B4-BE49-F238E27FC236}">
-                    <a16:creationId xmlns:a16="http://schemas.microsoft.com/office/drawing/2014/main" id="{DCE12F21-E636-4779-B429-000C57D9F713}"/>
+                    <a16:creationId xmlns:a16="http://schemas.microsoft.com/office/drawing/2014/main" xmlns="" id="{DCE12F21-E636-4779-B429-000C57D9F713}"/>
                   </a:ext>
                 </a:extLst>
               </p:cNvPr>
@@ -23496,7 +26037,7 @@
               <p:cNvPr id="215" name="Rectangle 214">
                 <a:extLst>
                   <a:ext uri="{FF2B5EF4-FFF2-40B4-BE49-F238E27FC236}">
-                    <a16:creationId xmlns:a16="http://schemas.microsoft.com/office/drawing/2014/main" id="{9FF54DF4-193F-4491-8F49-E262C5D6DE66}"/>
+                    <a16:creationId xmlns:a16="http://schemas.microsoft.com/office/drawing/2014/main" xmlns="" id="{9FF54DF4-193F-4491-8F49-E262C5D6DE66}"/>
                   </a:ext>
                 </a:extLst>
               </p:cNvPr>
@@ -23544,7 +26085,7 @@
             <p:cNvPr id="199" name="Groupe 198">
               <a:extLst>
                 <a:ext uri="{FF2B5EF4-FFF2-40B4-BE49-F238E27FC236}">
-                  <a16:creationId xmlns:a16="http://schemas.microsoft.com/office/drawing/2014/main" id="{14FC723C-29C9-4B4C-ACAA-9329910116E9}"/>
+                  <a16:creationId xmlns:a16="http://schemas.microsoft.com/office/drawing/2014/main" xmlns="" id="{14FC723C-29C9-4B4C-ACAA-9329910116E9}"/>
                 </a:ext>
               </a:extLst>
             </p:cNvPr>
@@ -23564,7 +26105,7 @@
               <p:cNvPr id="211" name="Chevron 181">
                 <a:extLst>
                   <a:ext uri="{FF2B5EF4-FFF2-40B4-BE49-F238E27FC236}">
-                    <a16:creationId xmlns:a16="http://schemas.microsoft.com/office/drawing/2014/main" id="{DEC6596A-AC05-47E1-91B9-16D64012EEB9}"/>
+                    <a16:creationId xmlns:a16="http://schemas.microsoft.com/office/drawing/2014/main" xmlns="" id="{DEC6596A-AC05-47E1-91B9-16D64012EEB9}"/>
                   </a:ext>
                 </a:extLst>
               </p:cNvPr>
@@ -23614,7 +26155,7 @@
               <p:cNvPr id="212" name="Rectangle 211">
                 <a:extLst>
                   <a:ext uri="{FF2B5EF4-FFF2-40B4-BE49-F238E27FC236}">
-                    <a16:creationId xmlns:a16="http://schemas.microsoft.com/office/drawing/2014/main" id="{A59E242B-1442-439B-9168-576E8499B45D}"/>
+                    <a16:creationId xmlns:a16="http://schemas.microsoft.com/office/drawing/2014/main" xmlns="" id="{A59E242B-1442-439B-9168-576E8499B45D}"/>
                   </a:ext>
                 </a:extLst>
               </p:cNvPr>
@@ -23661,7 +26202,7 @@
               <p:cNvPr id="213" name="Rectangle 212">
                 <a:extLst>
                   <a:ext uri="{FF2B5EF4-FFF2-40B4-BE49-F238E27FC236}">
-                    <a16:creationId xmlns:a16="http://schemas.microsoft.com/office/drawing/2014/main" id="{C9E36343-2405-4A22-B410-2BE0334B1DEA}"/>
+                    <a16:creationId xmlns:a16="http://schemas.microsoft.com/office/drawing/2014/main" xmlns="" id="{C9E36343-2405-4A22-B410-2BE0334B1DEA}"/>
                   </a:ext>
                 </a:extLst>
               </p:cNvPr>
@@ -23706,7 +26247,7 @@
             <p:cNvPr id="200" name="Groupe 199">
               <a:extLst>
                 <a:ext uri="{FF2B5EF4-FFF2-40B4-BE49-F238E27FC236}">
-                  <a16:creationId xmlns:a16="http://schemas.microsoft.com/office/drawing/2014/main" id="{631AAFF0-1ED1-4F4B-815B-53744929EBDB}"/>
+                  <a16:creationId xmlns:a16="http://schemas.microsoft.com/office/drawing/2014/main" xmlns="" id="{631AAFF0-1ED1-4F4B-815B-53744929EBDB}"/>
                 </a:ext>
               </a:extLst>
             </p:cNvPr>
@@ -23726,7 +26267,7 @@
               <p:cNvPr id="207" name="Groupe 206">
                 <a:extLst>
                   <a:ext uri="{FF2B5EF4-FFF2-40B4-BE49-F238E27FC236}">
-                    <a16:creationId xmlns:a16="http://schemas.microsoft.com/office/drawing/2014/main" id="{A8555EE5-E7E4-4DF9-BF70-57526435B48C}"/>
+                    <a16:creationId xmlns:a16="http://schemas.microsoft.com/office/drawing/2014/main" xmlns="" id="{A8555EE5-E7E4-4DF9-BF70-57526435B48C}"/>
                   </a:ext>
                 </a:extLst>
               </p:cNvPr>
@@ -23746,7 +26287,7 @@
                 <p:cNvPr id="209" name="Chevron 179">
                   <a:extLst>
                     <a:ext uri="{FF2B5EF4-FFF2-40B4-BE49-F238E27FC236}">
-                      <a16:creationId xmlns:a16="http://schemas.microsoft.com/office/drawing/2014/main" id="{A247C88C-2C20-4499-9B6D-3EFA423CEC48}"/>
+                      <a16:creationId xmlns:a16="http://schemas.microsoft.com/office/drawing/2014/main" xmlns="" id="{A247C88C-2C20-4499-9B6D-3EFA423CEC48}"/>
                     </a:ext>
                   </a:extLst>
                 </p:cNvPr>
@@ -23796,7 +26337,7 @@
                 <p:cNvPr id="210" name="Rectangle 209">
                   <a:extLst>
                     <a:ext uri="{FF2B5EF4-FFF2-40B4-BE49-F238E27FC236}">
-                      <a16:creationId xmlns:a16="http://schemas.microsoft.com/office/drawing/2014/main" id="{166BC918-B6CE-4023-88C6-848E166B014D}"/>
+                      <a16:creationId xmlns:a16="http://schemas.microsoft.com/office/drawing/2014/main" xmlns="" id="{166BC918-B6CE-4023-88C6-848E166B014D}"/>
                     </a:ext>
                   </a:extLst>
                 </p:cNvPr>
@@ -23844,7 +26385,7 @@
               <p:cNvPr id="208" name="Rectangle 207">
                 <a:extLst>
                   <a:ext uri="{FF2B5EF4-FFF2-40B4-BE49-F238E27FC236}">
-                    <a16:creationId xmlns:a16="http://schemas.microsoft.com/office/drawing/2014/main" id="{2D11BD0B-266A-44E7-85B6-3E363B62ED35}"/>
+                    <a16:creationId xmlns:a16="http://schemas.microsoft.com/office/drawing/2014/main" xmlns="" id="{2D11BD0B-266A-44E7-85B6-3E363B62ED35}"/>
                   </a:ext>
                 </a:extLst>
               </p:cNvPr>
@@ -23889,7 +26430,7 @@
             <p:cNvPr id="201" name="Groupe 200">
               <a:extLst>
                 <a:ext uri="{FF2B5EF4-FFF2-40B4-BE49-F238E27FC236}">
-                  <a16:creationId xmlns:a16="http://schemas.microsoft.com/office/drawing/2014/main" id="{3CF55348-05E8-4578-B6D7-4EFD5F1FABE9}"/>
+                  <a16:creationId xmlns:a16="http://schemas.microsoft.com/office/drawing/2014/main" xmlns="" id="{3CF55348-05E8-4578-B6D7-4EFD5F1FABE9}"/>
                 </a:ext>
               </a:extLst>
             </p:cNvPr>
@@ -23909,7 +26450,7 @@
               <p:cNvPr id="205" name="Chevron 184">
                 <a:extLst>
                   <a:ext uri="{FF2B5EF4-FFF2-40B4-BE49-F238E27FC236}">
-                    <a16:creationId xmlns:a16="http://schemas.microsoft.com/office/drawing/2014/main" id="{FD04B26B-0292-478E-889D-A94A3F4087DE}"/>
+                    <a16:creationId xmlns:a16="http://schemas.microsoft.com/office/drawing/2014/main" xmlns="" id="{FD04B26B-0292-478E-889D-A94A3F4087DE}"/>
                   </a:ext>
                 </a:extLst>
               </p:cNvPr>
@@ -23959,7 +26500,7 @@
               <p:cNvPr id="206" name="Rectangle 205">
                 <a:extLst>
                   <a:ext uri="{FF2B5EF4-FFF2-40B4-BE49-F238E27FC236}">
-                    <a16:creationId xmlns:a16="http://schemas.microsoft.com/office/drawing/2014/main" id="{9CA5B48D-DDFB-427B-A7D4-8023AA3C908A}"/>
+                    <a16:creationId xmlns:a16="http://schemas.microsoft.com/office/drawing/2014/main" xmlns="" id="{9CA5B48D-DDFB-427B-A7D4-8023AA3C908A}"/>
                   </a:ext>
                 </a:extLst>
               </p:cNvPr>
@@ -24007,7 +26548,7 @@
             <p:cNvPr id="202" name="Groupe 201">
               <a:extLst>
                 <a:ext uri="{FF2B5EF4-FFF2-40B4-BE49-F238E27FC236}">
-                  <a16:creationId xmlns:a16="http://schemas.microsoft.com/office/drawing/2014/main" id="{309BADCA-8E44-4DD6-8833-CF6906EC1BE2}"/>
+                  <a16:creationId xmlns:a16="http://schemas.microsoft.com/office/drawing/2014/main" xmlns="" id="{309BADCA-8E44-4DD6-8833-CF6906EC1BE2}"/>
                 </a:ext>
               </a:extLst>
             </p:cNvPr>
@@ -24027,7 +26568,7 @@
               <p:cNvPr id="203" name="Chevron 184">
                 <a:extLst>
                   <a:ext uri="{FF2B5EF4-FFF2-40B4-BE49-F238E27FC236}">
-                    <a16:creationId xmlns:a16="http://schemas.microsoft.com/office/drawing/2014/main" id="{27E5F47F-EA1C-4B1F-A51C-62841B8C85BA}"/>
+                    <a16:creationId xmlns:a16="http://schemas.microsoft.com/office/drawing/2014/main" xmlns="" id="{27E5F47F-EA1C-4B1F-A51C-62841B8C85BA}"/>
                   </a:ext>
                 </a:extLst>
               </p:cNvPr>
@@ -24077,7 +26618,7 @@
               <p:cNvPr id="204" name="Rectangle 203">
                 <a:extLst>
                   <a:ext uri="{FF2B5EF4-FFF2-40B4-BE49-F238E27FC236}">
-                    <a16:creationId xmlns:a16="http://schemas.microsoft.com/office/drawing/2014/main" id="{A2721E10-54F0-44BE-8610-3CD4535EA994}"/>
+                    <a16:creationId xmlns:a16="http://schemas.microsoft.com/office/drawing/2014/main" xmlns="" id="{A2721E10-54F0-44BE-8610-3CD4535EA994}"/>
                   </a:ext>
                 </a:extLst>
               </p:cNvPr>
@@ -24126,7 +26667,7 @@
           <p:cNvPr id="216" name="Groupe 215">
             <a:extLst>
               <a:ext uri="{FF2B5EF4-FFF2-40B4-BE49-F238E27FC236}">
-                <a16:creationId xmlns:a16="http://schemas.microsoft.com/office/drawing/2014/main" id="{75F41C04-627B-472B-B8BD-D619F9B6303C}"/>
+                <a16:creationId xmlns:a16="http://schemas.microsoft.com/office/drawing/2014/main" xmlns="" id="{75F41C04-627B-472B-B8BD-D619F9B6303C}"/>
               </a:ext>
             </a:extLst>
           </p:cNvPr>
@@ -24146,7 +26687,7 @@
             <p:cNvPr id="217" name="Groupe 216">
               <a:extLst>
                 <a:ext uri="{FF2B5EF4-FFF2-40B4-BE49-F238E27FC236}">
-                  <a16:creationId xmlns:a16="http://schemas.microsoft.com/office/drawing/2014/main" id="{D0542D0B-D263-4A77-AC26-87B591CF0DB0}"/>
+                  <a16:creationId xmlns:a16="http://schemas.microsoft.com/office/drawing/2014/main" xmlns="" id="{D0542D0B-D263-4A77-AC26-87B591CF0DB0}"/>
                 </a:ext>
               </a:extLst>
             </p:cNvPr>
@@ -24166,7 +26707,7 @@
               <p:cNvPr id="233" name="Chevron 184">
                 <a:extLst>
                   <a:ext uri="{FF2B5EF4-FFF2-40B4-BE49-F238E27FC236}">
-                    <a16:creationId xmlns:a16="http://schemas.microsoft.com/office/drawing/2014/main" id="{933D535A-F3F4-4920-B090-1AAAA257B112}"/>
+                    <a16:creationId xmlns:a16="http://schemas.microsoft.com/office/drawing/2014/main" xmlns="" id="{933D535A-F3F4-4920-B090-1AAAA257B112}"/>
                   </a:ext>
                 </a:extLst>
               </p:cNvPr>
@@ -24216,7 +26757,7 @@
               <p:cNvPr id="234" name="Rectangle 233">
                 <a:extLst>
                   <a:ext uri="{FF2B5EF4-FFF2-40B4-BE49-F238E27FC236}">
-                    <a16:creationId xmlns:a16="http://schemas.microsoft.com/office/drawing/2014/main" id="{015A77ED-C6C8-4CB8-B701-14F522EBB484}"/>
+                    <a16:creationId xmlns:a16="http://schemas.microsoft.com/office/drawing/2014/main" xmlns="" id="{015A77ED-C6C8-4CB8-B701-14F522EBB484}"/>
                   </a:ext>
                 </a:extLst>
               </p:cNvPr>
@@ -24264,7 +26805,7 @@
             <p:cNvPr id="218" name="Groupe 217">
               <a:extLst>
                 <a:ext uri="{FF2B5EF4-FFF2-40B4-BE49-F238E27FC236}">
-                  <a16:creationId xmlns:a16="http://schemas.microsoft.com/office/drawing/2014/main" id="{51B713CF-9928-41D0-8939-E490DC1858C7}"/>
+                  <a16:creationId xmlns:a16="http://schemas.microsoft.com/office/drawing/2014/main" xmlns="" id="{51B713CF-9928-41D0-8939-E490DC1858C7}"/>
                 </a:ext>
               </a:extLst>
             </p:cNvPr>
@@ -24284,7 +26825,7 @@
               <p:cNvPr id="230" name="Chevron 181">
                 <a:extLst>
                   <a:ext uri="{FF2B5EF4-FFF2-40B4-BE49-F238E27FC236}">
-                    <a16:creationId xmlns:a16="http://schemas.microsoft.com/office/drawing/2014/main" id="{DCE29611-C5C8-43BC-9226-6C3C4C1F41D6}"/>
+                    <a16:creationId xmlns:a16="http://schemas.microsoft.com/office/drawing/2014/main" xmlns="" id="{DCE29611-C5C8-43BC-9226-6C3C4C1F41D6}"/>
                   </a:ext>
                 </a:extLst>
               </p:cNvPr>
@@ -24334,7 +26875,7 @@
               <p:cNvPr id="231" name="Rectangle 230">
                 <a:extLst>
                   <a:ext uri="{FF2B5EF4-FFF2-40B4-BE49-F238E27FC236}">
-                    <a16:creationId xmlns:a16="http://schemas.microsoft.com/office/drawing/2014/main" id="{922956CD-CA7F-43CD-94A1-DD53AE422349}"/>
+                    <a16:creationId xmlns:a16="http://schemas.microsoft.com/office/drawing/2014/main" xmlns="" id="{922956CD-CA7F-43CD-94A1-DD53AE422349}"/>
                   </a:ext>
                 </a:extLst>
               </p:cNvPr>
@@ -24381,7 +26922,7 @@
               <p:cNvPr id="232" name="Rectangle 231">
                 <a:extLst>
                   <a:ext uri="{FF2B5EF4-FFF2-40B4-BE49-F238E27FC236}">
-                    <a16:creationId xmlns:a16="http://schemas.microsoft.com/office/drawing/2014/main" id="{535A17D0-0F37-4EBC-9FA3-D662D9F27F78}"/>
+                    <a16:creationId xmlns:a16="http://schemas.microsoft.com/office/drawing/2014/main" xmlns="" id="{535A17D0-0F37-4EBC-9FA3-D662D9F27F78}"/>
                   </a:ext>
                 </a:extLst>
               </p:cNvPr>
@@ -24426,7 +26967,7 @@
             <p:cNvPr id="219" name="Groupe 218">
               <a:extLst>
                 <a:ext uri="{FF2B5EF4-FFF2-40B4-BE49-F238E27FC236}">
-                  <a16:creationId xmlns:a16="http://schemas.microsoft.com/office/drawing/2014/main" id="{6075E884-FA8F-4762-B694-2E92D301C098}"/>
+                  <a16:creationId xmlns:a16="http://schemas.microsoft.com/office/drawing/2014/main" xmlns="" id="{6075E884-FA8F-4762-B694-2E92D301C098}"/>
                 </a:ext>
               </a:extLst>
             </p:cNvPr>
@@ -24446,7 +26987,7 @@
               <p:cNvPr id="226" name="Groupe 225">
                 <a:extLst>
                   <a:ext uri="{FF2B5EF4-FFF2-40B4-BE49-F238E27FC236}">
-                    <a16:creationId xmlns:a16="http://schemas.microsoft.com/office/drawing/2014/main" id="{B4A57067-106C-4988-9013-D8B2B4949B6A}"/>
+                    <a16:creationId xmlns:a16="http://schemas.microsoft.com/office/drawing/2014/main" xmlns="" id="{B4A57067-106C-4988-9013-D8B2B4949B6A}"/>
                   </a:ext>
                 </a:extLst>
               </p:cNvPr>
@@ -24466,7 +27007,7 @@
                 <p:cNvPr id="228" name="Chevron 179">
                   <a:extLst>
                     <a:ext uri="{FF2B5EF4-FFF2-40B4-BE49-F238E27FC236}">
-                      <a16:creationId xmlns:a16="http://schemas.microsoft.com/office/drawing/2014/main" id="{5DCA07FB-B616-40BA-8727-A98183DC1499}"/>
+                      <a16:creationId xmlns:a16="http://schemas.microsoft.com/office/drawing/2014/main" xmlns="" id="{5DCA07FB-B616-40BA-8727-A98183DC1499}"/>
                     </a:ext>
                   </a:extLst>
                 </p:cNvPr>
@@ -24516,7 +27057,7 @@
                 <p:cNvPr id="229" name="Rectangle 228">
                   <a:extLst>
                     <a:ext uri="{FF2B5EF4-FFF2-40B4-BE49-F238E27FC236}">
-                      <a16:creationId xmlns:a16="http://schemas.microsoft.com/office/drawing/2014/main" id="{2E304AD9-A0F6-449D-881D-982D990DDAAA}"/>
+                      <a16:creationId xmlns:a16="http://schemas.microsoft.com/office/drawing/2014/main" xmlns="" id="{2E304AD9-A0F6-449D-881D-982D990DDAAA}"/>
                     </a:ext>
                   </a:extLst>
                 </p:cNvPr>
@@ -24564,7 +27105,7 @@
               <p:cNvPr id="227" name="Rectangle 226">
                 <a:extLst>
                   <a:ext uri="{FF2B5EF4-FFF2-40B4-BE49-F238E27FC236}">
-                    <a16:creationId xmlns:a16="http://schemas.microsoft.com/office/drawing/2014/main" id="{C2C25DDB-9724-47D0-A40B-F662F0874729}"/>
+                    <a16:creationId xmlns:a16="http://schemas.microsoft.com/office/drawing/2014/main" xmlns="" id="{C2C25DDB-9724-47D0-A40B-F662F0874729}"/>
                   </a:ext>
                 </a:extLst>
               </p:cNvPr>
@@ -24609,7 +27150,7 @@
             <p:cNvPr id="220" name="Groupe 219">
               <a:extLst>
                 <a:ext uri="{FF2B5EF4-FFF2-40B4-BE49-F238E27FC236}">
-                  <a16:creationId xmlns:a16="http://schemas.microsoft.com/office/drawing/2014/main" id="{069A4548-FED4-4DFA-9758-8FAB79CD8937}"/>
+                  <a16:creationId xmlns:a16="http://schemas.microsoft.com/office/drawing/2014/main" xmlns="" id="{069A4548-FED4-4DFA-9758-8FAB79CD8937}"/>
                 </a:ext>
               </a:extLst>
             </p:cNvPr>
@@ -24629,7 +27170,7 @@
               <p:cNvPr id="224" name="Chevron 184">
                 <a:extLst>
                   <a:ext uri="{FF2B5EF4-FFF2-40B4-BE49-F238E27FC236}">
-                    <a16:creationId xmlns:a16="http://schemas.microsoft.com/office/drawing/2014/main" id="{45AA3AF7-DF40-415B-A3DB-54CC6EF7B8E4}"/>
+                    <a16:creationId xmlns:a16="http://schemas.microsoft.com/office/drawing/2014/main" xmlns="" id="{45AA3AF7-DF40-415B-A3DB-54CC6EF7B8E4}"/>
                   </a:ext>
                 </a:extLst>
               </p:cNvPr>
@@ -24679,7 +27220,7 @@
               <p:cNvPr id="225" name="Rectangle 224">
                 <a:extLst>
                   <a:ext uri="{FF2B5EF4-FFF2-40B4-BE49-F238E27FC236}">
-                    <a16:creationId xmlns:a16="http://schemas.microsoft.com/office/drawing/2014/main" id="{F316CDEC-9A20-46BC-8710-00CE61E7810F}"/>
+                    <a16:creationId xmlns:a16="http://schemas.microsoft.com/office/drawing/2014/main" xmlns="" id="{F316CDEC-9A20-46BC-8710-00CE61E7810F}"/>
                   </a:ext>
                 </a:extLst>
               </p:cNvPr>
@@ -24727,7 +27268,7 @@
             <p:cNvPr id="221" name="Groupe 220">
               <a:extLst>
                 <a:ext uri="{FF2B5EF4-FFF2-40B4-BE49-F238E27FC236}">
-                  <a16:creationId xmlns:a16="http://schemas.microsoft.com/office/drawing/2014/main" id="{F93B3397-0203-470F-8025-8CB8CF33CD2A}"/>
+                  <a16:creationId xmlns:a16="http://schemas.microsoft.com/office/drawing/2014/main" xmlns="" id="{F93B3397-0203-470F-8025-8CB8CF33CD2A}"/>
                 </a:ext>
               </a:extLst>
             </p:cNvPr>
@@ -24747,7 +27288,7 @@
               <p:cNvPr id="222" name="Chevron 184">
                 <a:extLst>
                   <a:ext uri="{FF2B5EF4-FFF2-40B4-BE49-F238E27FC236}">
-                    <a16:creationId xmlns:a16="http://schemas.microsoft.com/office/drawing/2014/main" id="{FD9084C1-7DBE-4D55-B2F8-45BB04E3C274}"/>
+                    <a16:creationId xmlns:a16="http://schemas.microsoft.com/office/drawing/2014/main" xmlns="" id="{FD9084C1-7DBE-4D55-B2F8-45BB04E3C274}"/>
                   </a:ext>
                 </a:extLst>
               </p:cNvPr>
@@ -24797,7 +27338,7 @@
               <p:cNvPr id="223" name="Rectangle 222">
                 <a:extLst>
                   <a:ext uri="{FF2B5EF4-FFF2-40B4-BE49-F238E27FC236}">
-                    <a16:creationId xmlns:a16="http://schemas.microsoft.com/office/drawing/2014/main" id="{7AA106D0-5989-4829-A999-1EA484E01652}"/>
+                    <a16:creationId xmlns:a16="http://schemas.microsoft.com/office/drawing/2014/main" xmlns="" id="{7AA106D0-5989-4829-A999-1EA484E01652}"/>
                   </a:ext>
                 </a:extLst>
               </p:cNvPr>
@@ -24846,7 +27387,7 @@
           <p:cNvPr id="235" name="Espace réservé du contenu 4">
             <a:extLst>
               <a:ext uri="{FF2B5EF4-FFF2-40B4-BE49-F238E27FC236}">
-                <a16:creationId xmlns:a16="http://schemas.microsoft.com/office/drawing/2014/main" id="{C1FF215B-08F1-4C35-B85A-6B6B08E5DE04}"/>
+                <a16:creationId xmlns:a16="http://schemas.microsoft.com/office/drawing/2014/main" xmlns="" id="{C1FF215B-08F1-4C35-B85A-6B6B08E5DE04}"/>
               </a:ext>
             </a:extLst>
           </p:cNvPr>
@@ -25184,7 +27725,7 @@
           <p:cNvPr id="126" name="Espace réservé du contenu 4">
             <a:extLst>
               <a:ext uri="{FF2B5EF4-FFF2-40B4-BE49-F238E27FC236}">
-                <a16:creationId xmlns:a16="http://schemas.microsoft.com/office/drawing/2014/main" id="{E0ECA4FB-A27A-4EF4-8C7D-5B9524C6BE3F}"/>
+                <a16:creationId xmlns:a16="http://schemas.microsoft.com/office/drawing/2014/main" xmlns="" id="{E0ECA4FB-A27A-4EF4-8C7D-5B9524C6BE3F}"/>
               </a:ext>
             </a:extLst>
           </p:cNvPr>
@@ -25416,7 +27957,7 @@
           <p:cNvPr id="157" name="Image 156">
             <a:extLst>
               <a:ext uri="{FF2B5EF4-FFF2-40B4-BE49-F238E27FC236}">
-                <a16:creationId xmlns:a16="http://schemas.microsoft.com/office/drawing/2014/main" id="{649265A4-F60A-437A-817D-C460759ABDAC}"/>
+                <a16:creationId xmlns:a16="http://schemas.microsoft.com/office/drawing/2014/main" xmlns="" id="{649265A4-F60A-437A-817D-C460759ABDAC}"/>
               </a:ext>
             </a:extLst>
           </p:cNvPr>
@@ -25446,7 +27987,7 @@
           <p:cNvPr id="7" name="Espace réservé du contenu 6">
             <a:extLst>
               <a:ext uri="{FF2B5EF4-FFF2-40B4-BE49-F238E27FC236}">
-                <a16:creationId xmlns:a16="http://schemas.microsoft.com/office/drawing/2014/main" id="{DB2A2F5A-13F4-4B6B-B9B0-2031D32AD019}"/>
+                <a16:creationId xmlns:a16="http://schemas.microsoft.com/office/drawing/2014/main" xmlns="" id="{DB2A2F5A-13F4-4B6B-B9B0-2031D32AD019}"/>
               </a:ext>
             </a:extLst>
           </p:cNvPr>
@@ -25522,7 +28063,7 @@
           <p:cNvPr id="114" name="Groupe 113">
             <a:extLst>
               <a:ext uri="{FF2B5EF4-FFF2-40B4-BE49-F238E27FC236}">
-                <a16:creationId xmlns:a16="http://schemas.microsoft.com/office/drawing/2014/main" id="{C9A4DD3A-F434-47D5-AD2A-A0C9A0F9E46E}"/>
+                <a16:creationId xmlns:a16="http://schemas.microsoft.com/office/drawing/2014/main" xmlns="" id="{C9A4DD3A-F434-47D5-AD2A-A0C9A0F9E46E}"/>
               </a:ext>
             </a:extLst>
           </p:cNvPr>
@@ -25542,7 +28083,7 @@
             <p:cNvPr id="124" name="Chevron 184">
               <a:extLst>
                 <a:ext uri="{FF2B5EF4-FFF2-40B4-BE49-F238E27FC236}">
-                  <a16:creationId xmlns:a16="http://schemas.microsoft.com/office/drawing/2014/main" id="{D4C18C82-27D2-4CB7-99C8-97F8CD29B99D}"/>
+                  <a16:creationId xmlns:a16="http://schemas.microsoft.com/office/drawing/2014/main" xmlns="" id="{D4C18C82-27D2-4CB7-99C8-97F8CD29B99D}"/>
                 </a:ext>
               </a:extLst>
             </p:cNvPr>
@@ -25592,7 +28133,7 @@
             <p:cNvPr id="125" name="Rectangle 124">
               <a:extLst>
                 <a:ext uri="{FF2B5EF4-FFF2-40B4-BE49-F238E27FC236}">
-                  <a16:creationId xmlns:a16="http://schemas.microsoft.com/office/drawing/2014/main" id="{33C13121-840B-49FA-BF30-BD54E2AB3157}"/>
+                  <a16:creationId xmlns:a16="http://schemas.microsoft.com/office/drawing/2014/main" xmlns="" id="{33C13121-840B-49FA-BF30-BD54E2AB3157}"/>
                 </a:ext>
               </a:extLst>
             </p:cNvPr>
@@ -25640,7 +28181,7 @@
           <p:cNvPr id="115" name="Groupe 114">
             <a:extLst>
               <a:ext uri="{FF2B5EF4-FFF2-40B4-BE49-F238E27FC236}">
-                <a16:creationId xmlns:a16="http://schemas.microsoft.com/office/drawing/2014/main" id="{A61414D3-8BAF-4661-B8DD-838D7816C07E}"/>
+                <a16:creationId xmlns:a16="http://schemas.microsoft.com/office/drawing/2014/main" xmlns="" id="{A61414D3-8BAF-4661-B8DD-838D7816C07E}"/>
               </a:ext>
             </a:extLst>
           </p:cNvPr>
@@ -25660,7 +28201,7 @@
             <p:cNvPr id="121" name="Chevron 181">
               <a:extLst>
                 <a:ext uri="{FF2B5EF4-FFF2-40B4-BE49-F238E27FC236}">
-                  <a16:creationId xmlns:a16="http://schemas.microsoft.com/office/drawing/2014/main" id="{4EABBEBD-32BF-4F8F-9CA5-C37626840FF4}"/>
+                  <a16:creationId xmlns:a16="http://schemas.microsoft.com/office/drawing/2014/main" xmlns="" id="{4EABBEBD-32BF-4F8F-9CA5-C37626840FF4}"/>
                 </a:ext>
               </a:extLst>
             </p:cNvPr>
@@ -25710,7 +28251,7 @@
             <p:cNvPr id="122" name="Rectangle 121">
               <a:extLst>
                 <a:ext uri="{FF2B5EF4-FFF2-40B4-BE49-F238E27FC236}">
-                  <a16:creationId xmlns:a16="http://schemas.microsoft.com/office/drawing/2014/main" id="{AE9C24A8-4F3A-43B0-ADE2-9CCB4B658FF6}"/>
+                  <a16:creationId xmlns:a16="http://schemas.microsoft.com/office/drawing/2014/main" xmlns="" id="{AE9C24A8-4F3A-43B0-ADE2-9CCB4B658FF6}"/>
                 </a:ext>
               </a:extLst>
             </p:cNvPr>
@@ -25757,7 +28298,7 @@
             <p:cNvPr id="123" name="Rectangle 122">
               <a:extLst>
                 <a:ext uri="{FF2B5EF4-FFF2-40B4-BE49-F238E27FC236}">
-                  <a16:creationId xmlns:a16="http://schemas.microsoft.com/office/drawing/2014/main" id="{55FFCF1D-B9D0-454A-BEFF-1E66B7875144}"/>
+                  <a16:creationId xmlns:a16="http://schemas.microsoft.com/office/drawing/2014/main" xmlns="" id="{55FFCF1D-B9D0-454A-BEFF-1E66B7875144}"/>
                 </a:ext>
               </a:extLst>
             </p:cNvPr>
@@ -25802,7 +28343,7 @@
           <p:cNvPr id="116" name="Groupe 115">
             <a:extLst>
               <a:ext uri="{FF2B5EF4-FFF2-40B4-BE49-F238E27FC236}">
-                <a16:creationId xmlns:a16="http://schemas.microsoft.com/office/drawing/2014/main" id="{F3FFB96C-19DC-43CB-97B4-826FD6EAC44F}"/>
+                <a16:creationId xmlns:a16="http://schemas.microsoft.com/office/drawing/2014/main" xmlns="" id="{F3FFB96C-19DC-43CB-97B4-826FD6EAC44F}"/>
               </a:ext>
             </a:extLst>
           </p:cNvPr>
@@ -25822,7 +28363,7 @@
             <p:cNvPr id="117" name="Groupe 116">
               <a:extLst>
                 <a:ext uri="{FF2B5EF4-FFF2-40B4-BE49-F238E27FC236}">
-                  <a16:creationId xmlns:a16="http://schemas.microsoft.com/office/drawing/2014/main" id="{A81A49A5-78C1-4051-8A78-70C08DACDC5D}"/>
+                  <a16:creationId xmlns:a16="http://schemas.microsoft.com/office/drawing/2014/main" xmlns="" id="{A81A49A5-78C1-4051-8A78-70C08DACDC5D}"/>
                 </a:ext>
               </a:extLst>
             </p:cNvPr>
@@ -25842,7 +28383,7 @@
               <p:cNvPr id="119" name="Chevron 179">
                 <a:extLst>
                   <a:ext uri="{FF2B5EF4-FFF2-40B4-BE49-F238E27FC236}">
-                    <a16:creationId xmlns:a16="http://schemas.microsoft.com/office/drawing/2014/main" id="{CDE422D4-A13E-4AC2-B431-A076E8006208}"/>
+                    <a16:creationId xmlns:a16="http://schemas.microsoft.com/office/drawing/2014/main" xmlns="" id="{CDE422D4-A13E-4AC2-B431-A076E8006208}"/>
                   </a:ext>
                 </a:extLst>
               </p:cNvPr>
@@ -25892,7 +28433,7 @@
               <p:cNvPr id="120" name="Rectangle 119">
                 <a:extLst>
                   <a:ext uri="{FF2B5EF4-FFF2-40B4-BE49-F238E27FC236}">
-                    <a16:creationId xmlns:a16="http://schemas.microsoft.com/office/drawing/2014/main" id="{232466EE-ED5F-49E5-B238-C3EECA4164DA}"/>
+                    <a16:creationId xmlns:a16="http://schemas.microsoft.com/office/drawing/2014/main" xmlns="" id="{232466EE-ED5F-49E5-B238-C3EECA4164DA}"/>
                   </a:ext>
                 </a:extLst>
               </p:cNvPr>
@@ -25940,7 +28481,7 @@
             <p:cNvPr id="118" name="Rectangle 117">
               <a:extLst>
                 <a:ext uri="{FF2B5EF4-FFF2-40B4-BE49-F238E27FC236}">
-                  <a16:creationId xmlns:a16="http://schemas.microsoft.com/office/drawing/2014/main" id="{E7C7902C-8361-43D6-80FA-93EC12535167}"/>
+                  <a16:creationId xmlns:a16="http://schemas.microsoft.com/office/drawing/2014/main" xmlns="" id="{E7C7902C-8361-43D6-80FA-93EC12535167}"/>
                 </a:ext>
               </a:extLst>
             </p:cNvPr>
@@ -25985,7 +28526,7 @@
           <p:cNvPr id="127" name="Groupe 126">
             <a:extLst>
               <a:ext uri="{FF2B5EF4-FFF2-40B4-BE49-F238E27FC236}">
-                <a16:creationId xmlns:a16="http://schemas.microsoft.com/office/drawing/2014/main" id="{66AE943C-39FC-4313-822F-75A7D8C71A50}"/>
+                <a16:creationId xmlns:a16="http://schemas.microsoft.com/office/drawing/2014/main" xmlns="" id="{66AE943C-39FC-4313-822F-75A7D8C71A50}"/>
               </a:ext>
             </a:extLst>
           </p:cNvPr>
@@ -26005,7 +28546,7 @@
             <p:cNvPr id="128" name="Chevron 184">
               <a:extLst>
                 <a:ext uri="{FF2B5EF4-FFF2-40B4-BE49-F238E27FC236}">
-                  <a16:creationId xmlns:a16="http://schemas.microsoft.com/office/drawing/2014/main" id="{08083D15-8586-4C86-B11B-FBDA5CF985B8}"/>
+                  <a16:creationId xmlns:a16="http://schemas.microsoft.com/office/drawing/2014/main" xmlns="" id="{08083D15-8586-4C86-B11B-FBDA5CF985B8}"/>
                 </a:ext>
               </a:extLst>
             </p:cNvPr>
@@ -26055,7 +28596,7 @@
             <p:cNvPr id="129" name="Rectangle 128">
               <a:extLst>
                 <a:ext uri="{FF2B5EF4-FFF2-40B4-BE49-F238E27FC236}">
-                  <a16:creationId xmlns:a16="http://schemas.microsoft.com/office/drawing/2014/main" id="{AEDA7288-2DDE-4829-B1AA-AA9C2E0CCE8C}"/>
+                  <a16:creationId xmlns:a16="http://schemas.microsoft.com/office/drawing/2014/main" xmlns="" id="{AEDA7288-2DDE-4829-B1AA-AA9C2E0CCE8C}"/>
                 </a:ext>
               </a:extLst>
             </p:cNvPr>
@@ -26103,7 +28644,7 @@
           <p:cNvPr id="130" name="Groupe 129">
             <a:extLst>
               <a:ext uri="{FF2B5EF4-FFF2-40B4-BE49-F238E27FC236}">
-                <a16:creationId xmlns:a16="http://schemas.microsoft.com/office/drawing/2014/main" id="{9A13244F-CE74-4175-B165-D81B8FEF6D11}"/>
+                <a16:creationId xmlns:a16="http://schemas.microsoft.com/office/drawing/2014/main" xmlns="" id="{9A13244F-CE74-4175-B165-D81B8FEF6D11}"/>
               </a:ext>
             </a:extLst>
           </p:cNvPr>
@@ -26123,7 +28664,7 @@
             <p:cNvPr id="131" name="Chevron 184">
               <a:extLst>
                 <a:ext uri="{FF2B5EF4-FFF2-40B4-BE49-F238E27FC236}">
-                  <a16:creationId xmlns:a16="http://schemas.microsoft.com/office/drawing/2014/main" id="{2D792480-A2FF-4222-9B04-A588C555A44A}"/>
+                  <a16:creationId xmlns:a16="http://schemas.microsoft.com/office/drawing/2014/main" xmlns="" id="{2D792480-A2FF-4222-9B04-A588C555A44A}"/>
                 </a:ext>
               </a:extLst>
             </p:cNvPr>
@@ -26173,7 +28714,7 @@
             <p:cNvPr id="158" name="Rectangle 157">
               <a:extLst>
                 <a:ext uri="{FF2B5EF4-FFF2-40B4-BE49-F238E27FC236}">
-                  <a16:creationId xmlns:a16="http://schemas.microsoft.com/office/drawing/2014/main" id="{0E0FF4D2-8C45-4A59-B77E-E224D1EEF8FB}"/>
+                  <a16:creationId xmlns:a16="http://schemas.microsoft.com/office/drawing/2014/main" xmlns="" id="{0E0FF4D2-8C45-4A59-B77E-E224D1EEF8FB}"/>
                 </a:ext>
               </a:extLst>
             </p:cNvPr>
@@ -26221,7 +28762,7 @@
           <p:cNvPr id="104" name="Groupe 103">
             <a:extLst>
               <a:ext uri="{FF2B5EF4-FFF2-40B4-BE49-F238E27FC236}">
-                <a16:creationId xmlns:a16="http://schemas.microsoft.com/office/drawing/2014/main" id="{5A1CBCFF-BC5F-459E-9552-70EF549F7CAD}"/>
+                <a16:creationId xmlns:a16="http://schemas.microsoft.com/office/drawing/2014/main" xmlns="" id="{5A1CBCFF-BC5F-459E-9552-70EF549F7CAD}"/>
               </a:ext>
             </a:extLst>
           </p:cNvPr>
@@ -26241,7 +28782,7 @@
             <p:cNvPr id="105" name="Chevron 184">
               <a:extLst>
                 <a:ext uri="{FF2B5EF4-FFF2-40B4-BE49-F238E27FC236}">
-                  <a16:creationId xmlns:a16="http://schemas.microsoft.com/office/drawing/2014/main" id="{7A22324B-EDD9-4A15-8ADB-F1653A7A6646}"/>
+                  <a16:creationId xmlns:a16="http://schemas.microsoft.com/office/drawing/2014/main" xmlns="" id="{7A22324B-EDD9-4A15-8ADB-F1653A7A6646}"/>
                 </a:ext>
               </a:extLst>
             </p:cNvPr>
@@ -26291,7 +28832,7 @@
             <p:cNvPr id="106" name="Rectangle 105">
               <a:extLst>
                 <a:ext uri="{FF2B5EF4-FFF2-40B4-BE49-F238E27FC236}">
-                  <a16:creationId xmlns:a16="http://schemas.microsoft.com/office/drawing/2014/main" id="{AFC1508A-A877-4482-9726-F02FF1A612B2}"/>
+                  <a16:creationId xmlns:a16="http://schemas.microsoft.com/office/drawing/2014/main" xmlns="" id="{AFC1508A-A877-4482-9726-F02FF1A612B2}"/>
                 </a:ext>
               </a:extLst>
             </p:cNvPr>
@@ -26366,13 +28907,7 @@
       </p:grpSpPr>
       <p:sp>
         <p:nvSpPr>
-          <p:cNvPr id="2" name="Titre 1">
-            <a:extLst>
-              <a:ext uri="{FF2B5EF4-FFF2-40B4-BE49-F238E27FC236}">
-                <a16:creationId xmlns:a16="http://schemas.microsoft.com/office/drawing/2014/main" id="{A50E88D1-9F88-4DD9-B49F-E0B6DA92E401}"/>
-              </a:ext>
-            </a:extLst>
-          </p:cNvPr>
+          <p:cNvPr id="2" name="Titre 1"/>
           <p:cNvSpPr>
             <a:spLocks noGrp="1"/>
           </p:cNvSpPr>
@@ -26395,21 +28930,16 @@
               <a:rPr lang="fr-FR" dirty="0"/>
             </a:br>
             <a:r>
-              <a:rPr lang="fr-FR" dirty="0"/>
-              <a:t>Programmation évènementielle</a:t>
+              <a:rPr lang="fr-FR" dirty="0" smtClean="0"/>
+              <a:t>Structures conditionnelles</a:t>
             </a:r>
+            <a:endParaRPr lang="fr-FR" dirty="0"/>
           </a:p>
         </p:txBody>
       </p:sp>
       <p:sp>
         <p:nvSpPr>
-          <p:cNvPr id="3" name="Espace réservé du pied de page 2">
-            <a:extLst>
-              <a:ext uri="{FF2B5EF4-FFF2-40B4-BE49-F238E27FC236}">
-                <a16:creationId xmlns:a16="http://schemas.microsoft.com/office/drawing/2014/main" id="{374C4879-A86D-4EED-816C-EBCBBEFE99DE}"/>
-              </a:ext>
-            </a:extLst>
-          </p:cNvPr>
+          <p:cNvPr id="3" name="Espace réservé du pied de page 2"/>
           <p:cNvSpPr>
             <a:spLocks noGrp="1"/>
           </p:cNvSpPr>
@@ -26431,13 +28961,7 @@
       </p:sp>
       <p:sp>
         <p:nvSpPr>
-          <p:cNvPr id="4" name="Espace réservé du numéro de diapositive 3">
-            <a:extLst>
-              <a:ext uri="{FF2B5EF4-FFF2-40B4-BE49-F238E27FC236}">
-                <a16:creationId xmlns:a16="http://schemas.microsoft.com/office/drawing/2014/main" id="{A638A11C-FC34-488C-84D2-D9C4BE342283}"/>
-              </a:ext>
-            </a:extLst>
-          </p:cNvPr>
+          <p:cNvPr id="4" name="Espace réservé du numéro de diapositive 3"/>
           <p:cNvSpPr>
             <a:spLocks noGrp="1"/>
           </p:cNvSpPr>
@@ -26460,144 +28984,10 @@
       </p:sp>
       <p:sp>
         <p:nvSpPr>
-          <p:cNvPr id="5" name="Espace réservé du contenu 4">
+          <p:cNvPr id="126" name="Espace réservé du contenu 4">
             <a:extLst>
               <a:ext uri="{FF2B5EF4-FFF2-40B4-BE49-F238E27FC236}">
-                <a16:creationId xmlns:a16="http://schemas.microsoft.com/office/drawing/2014/main" id="{9BF805D8-C616-4736-9695-A9AC51FC4C31}"/>
-              </a:ext>
-            </a:extLst>
-          </p:cNvPr>
-          <p:cNvSpPr>
-            <a:spLocks noGrp="1"/>
-          </p:cNvSpPr>
-          <p:nvPr>
-            <p:ph sz="quarter" idx="1"/>
-          </p:nvPr>
-        </p:nvSpPr>
-        <p:spPr/>
-        <p:txBody>
-          <a:bodyPr/>
-          <a:lstStyle/>
-          <a:p>
-            <a:r>
-              <a:rPr lang="fr-FR" dirty="0"/>
-              <a:t>On souhaite qu’une pomme s’efface lorsqu’elle est mangée. </a:t>
-            </a:r>
-          </a:p>
-          <a:p>
-            <a:r>
-              <a:rPr lang="fr-FR" dirty="0"/>
-              <a:t>On donne les instructions liées à la pomme. </a:t>
-            </a:r>
-          </a:p>
-          <a:p>
-            <a:r>
-              <a:rPr lang="fr-FR" dirty="0">
-                <a:solidFill>
-                  <a:srgbClr val="FF0000"/>
-                </a:solidFill>
-              </a:rPr>
-              <a:t>Parmi ces 3 blocs d’instructions, lequel correspond à une programmation évènementielle pour faire disparaître la pomme ?</a:t>
-            </a:r>
-          </a:p>
-          <a:p>
-            <a:endParaRPr lang="fr-FR" dirty="0"/>
-          </a:p>
-        </p:txBody>
-      </p:sp>
-      <p:pic>
-        <p:nvPicPr>
-          <p:cNvPr id="6" name="Image 5">
-            <a:extLst>
-              <a:ext uri="{FF2B5EF4-FFF2-40B4-BE49-F238E27FC236}">
-                <a16:creationId xmlns:a16="http://schemas.microsoft.com/office/drawing/2014/main" id="{D94F185B-CCE5-4782-8231-38E17005C9D3}"/>
-              </a:ext>
-            </a:extLst>
-          </p:cNvPr>
-          <p:cNvPicPr>
-            <a:picLocks noChangeAspect="1"/>
-          </p:cNvPicPr>
-          <p:nvPr/>
-        </p:nvPicPr>
-        <p:blipFill rotWithShape="1">
-          <a:blip r:embed="rId2"/>
-          <a:srcRect r="67441" b="48860"/>
-          <a:stretch/>
-        </p:blipFill>
-        <p:spPr>
-          <a:xfrm>
-            <a:off x="629347" y="3320794"/>
-            <a:ext cx="1504084" cy="959599"/>
-          </a:xfrm>
-          <a:prstGeom prst="rect">
-            <a:avLst/>
-          </a:prstGeom>
-        </p:spPr>
-      </p:pic>
-      <p:pic>
-        <p:nvPicPr>
-          <p:cNvPr id="8" name="Image 7">
-            <a:extLst>
-              <a:ext uri="{FF2B5EF4-FFF2-40B4-BE49-F238E27FC236}">
-                <a16:creationId xmlns:a16="http://schemas.microsoft.com/office/drawing/2014/main" id="{8C7975D4-9548-4DB8-BB05-D8A340D8E2FC}"/>
-              </a:ext>
-            </a:extLst>
-          </p:cNvPr>
-          <p:cNvPicPr>
-            <a:picLocks noChangeAspect="1"/>
-          </p:cNvPicPr>
-          <p:nvPr/>
-        </p:nvPicPr>
-        <p:blipFill rotWithShape="1">
-          <a:blip r:embed="rId2"/>
-          <a:srcRect t="65770" r="49028"/>
-          <a:stretch/>
-        </p:blipFill>
-        <p:spPr>
-          <a:xfrm>
-            <a:off x="2884134" y="3359881"/>
-            <a:ext cx="2354710" cy="642294"/>
-          </a:xfrm>
-          <a:prstGeom prst="rect">
-            <a:avLst/>
-          </a:prstGeom>
-        </p:spPr>
-      </p:pic>
-      <p:pic>
-        <p:nvPicPr>
-          <p:cNvPr id="9" name="Image 8">
-            <a:extLst>
-              <a:ext uri="{FF2B5EF4-FFF2-40B4-BE49-F238E27FC236}">
-                <a16:creationId xmlns:a16="http://schemas.microsoft.com/office/drawing/2014/main" id="{CDA311BF-3DC3-40D9-B00F-39C51A44EFB0}"/>
-              </a:ext>
-            </a:extLst>
-          </p:cNvPr>
-          <p:cNvPicPr>
-            <a:picLocks noChangeAspect="1"/>
-          </p:cNvPicPr>
-          <p:nvPr/>
-        </p:nvPicPr>
-        <p:blipFill rotWithShape="1">
-          <a:blip r:embed="rId2"/>
-          <a:srcRect l="54308" t="3510" b="15903"/>
-          <a:stretch/>
-        </p:blipFill>
-        <p:spPr>
-          <a:xfrm>
-            <a:off x="6403848" y="2876430"/>
-            <a:ext cx="2110805" cy="1512169"/>
-          </a:xfrm>
-          <a:prstGeom prst="rect">
-            <a:avLst/>
-          </a:prstGeom>
-        </p:spPr>
-      </p:pic>
-      <p:sp>
-        <p:nvSpPr>
-          <p:cNvPr id="10" name="Espace réservé du contenu 4">
-            <a:extLst>
-              <a:ext uri="{FF2B5EF4-FFF2-40B4-BE49-F238E27FC236}">
-                <a16:creationId xmlns:a16="http://schemas.microsoft.com/office/drawing/2014/main" id="{1E1A7E71-EF3C-4791-8B1A-8D54D07ABA46}"/>
+                <a16:creationId xmlns:a16="http://schemas.microsoft.com/office/drawing/2014/main" xmlns="" id="{E0ECA4FB-A27A-4EF4-8C7D-5B9524C6BE3F}"/>
               </a:ext>
             </a:extLst>
           </p:cNvPr>
@@ -26608,20 +28998,18 @@
         </p:nvSpPr>
         <p:spPr>
           <a:xfrm>
-            <a:off x="251520" y="4388599"/>
-            <a:ext cx="2354711" cy="1849483"/>
+            <a:off x="4644008" y="3429000"/>
+            <a:ext cx="4238836" cy="3018616"/>
           </a:xfrm>
           <a:prstGeom prst="rect">
             <a:avLst/>
           </a:prstGeom>
-          <a:solidFill>
-            <a:schemeClr val="accent5">
-              <a:lumMod val="20000"/>
-              <a:lumOff val="80000"/>
-            </a:schemeClr>
-          </a:solidFill>
           <a:ln>
-            <a:noFill/>
+            <a:solidFill>
+              <a:schemeClr val="accent5">
+                <a:lumMod val="50000"/>
+              </a:schemeClr>
+            </a:solidFill>
             <a:prstDash val="lgDash"/>
           </a:ln>
         </p:spPr>
@@ -26819,512 +29207,400 @@
             </a:lvl9pPr>
           </a:lstStyle>
           <a:p>
+            <a:r>
+              <a:rPr lang="fr-FR" sz="2000" dirty="0" smtClean="0"/>
+              <a:t>Solution :</a:t>
+            </a:r>
+          </a:p>
+          <a:p>
+            <a:pPr lvl="1"/>
+            <a:r>
+              <a:rPr lang="fr-FR" sz="1700" dirty="0" smtClean="0"/>
+              <a:t>Au départ du script, on montre le requin et on bascule sur le costume a. </a:t>
+            </a:r>
+          </a:p>
+          <a:p>
+            <a:pPr lvl="1"/>
+            <a:r>
+              <a:rPr lang="fr-FR" sz="1700" dirty="0" smtClean="0"/>
+              <a:t>Pendant tout le temps d’exécution du programme, si le lutin touche le requin alors le requin met le costume a.</a:t>
+            </a:r>
+          </a:p>
+          <a:p>
+            <a:pPr lvl="1"/>
+            <a:r>
+              <a:rPr lang="fr-FR" sz="1700" dirty="0" smtClean="0"/>
+              <a:t>Sinon, lorsque le lutin ne touche pas le requin,  le requin utilise le costume b et dit « Je t’ai mangé ». </a:t>
+            </a:r>
+          </a:p>
+        </p:txBody>
+      </p:sp>
+      <p:pic>
+        <p:nvPicPr>
+          <p:cNvPr id="157" name="Image 156">
+            <a:extLst>
+              <a:ext uri="{FF2B5EF4-FFF2-40B4-BE49-F238E27FC236}">
+                <a16:creationId xmlns:a16="http://schemas.microsoft.com/office/drawing/2014/main" xmlns="" id="{649265A4-F60A-437A-817D-C460759ABDAC}"/>
+              </a:ext>
+            </a:extLst>
+          </p:cNvPr>
+          <p:cNvPicPr>
+            <a:picLocks noChangeAspect="1"/>
+          </p:cNvPicPr>
+          <p:nvPr/>
+        </p:nvPicPr>
+        <p:blipFill>
+          <a:blip r:embed="rId2"/>
+          <a:stretch>
+            <a:fillRect/>
+          </a:stretch>
+        </p:blipFill>
+        <p:spPr>
+          <a:xfrm>
+            <a:off x="5364088" y="952791"/>
+            <a:ext cx="2906740" cy="2300276"/>
+          </a:xfrm>
+          <a:prstGeom prst="rect">
+            <a:avLst/>
+          </a:prstGeom>
+        </p:spPr>
+      </p:pic>
+      <p:sp>
+        <p:nvSpPr>
+          <p:cNvPr id="7" name="Espace réservé du contenu 6">
+            <a:extLst>
+              <a:ext uri="{FF2B5EF4-FFF2-40B4-BE49-F238E27FC236}">
+                <a16:creationId xmlns:a16="http://schemas.microsoft.com/office/drawing/2014/main" xmlns="" id="{DB2A2F5A-13F4-4B6B-B9B0-2031D32AD019}"/>
+              </a:ext>
+            </a:extLst>
+          </p:cNvPr>
+          <p:cNvSpPr>
+            <a:spLocks noGrp="1"/>
+          </p:cNvSpPr>
+          <p:nvPr>
+            <p:ph sz="quarter" idx="1"/>
+          </p:nvPr>
+        </p:nvSpPr>
+        <p:spPr>
+          <a:xfrm>
+            <a:off x="251519" y="980728"/>
+            <a:ext cx="4325969" cy="5328592"/>
+          </a:xfrm>
+        </p:spPr>
+        <p:txBody>
+          <a:bodyPr>
+            <a:normAutofit/>
+          </a:bodyPr>
+          <a:lstStyle/>
+          <a:p>
+            <a:r>
+              <a:rPr lang="fr-FR" sz="2400" dirty="0" smtClean="0"/>
+              <a:t>On souhaite gérer le comportement du requin. </a:t>
+            </a:r>
+          </a:p>
+          <a:p>
+            <a:r>
+              <a:rPr lang="fr-FR" sz="2400" dirty="0" smtClean="0"/>
+              <a:t>Les costumes du requin sont les suivants :</a:t>
+            </a:r>
+          </a:p>
+          <a:p>
+            <a:endParaRPr lang="fr-FR" sz="2400" dirty="0"/>
+          </a:p>
+          <a:p>
             <a:pPr marL="0" indent="0">
               <a:buNone/>
             </a:pPr>
+            <a:endParaRPr lang="fr-FR" sz="2400" dirty="0" smtClean="0"/>
+          </a:p>
+          <a:p>
             <a:r>
-              <a:rPr lang="fr-FR" sz="1600" dirty="0"/>
-              <a:t>Ce bloc est événementiel car il est déclenché au démarrage de l’application. Il permet de positionner la pomme à un endroit précis au démarrage. </a:t>
+              <a:rPr lang="fr-FR" sz="2400" dirty="0" smtClean="0"/>
+              <a:t>Que signifie le code suivant : </a:t>
             </a:r>
+          </a:p>
+          <a:p>
+            <a:endParaRPr lang="fr-FR" sz="2400" dirty="0"/>
+          </a:p>
+          <a:p>
+            <a:pPr marL="0" indent="0">
+              <a:buNone/>
+            </a:pPr>
+            <a:endParaRPr lang="fr-FR" sz="2400" dirty="0" smtClean="0"/>
+          </a:p>
+          <a:p>
+            <a:endParaRPr lang="fr-FR" sz="2400" dirty="0"/>
+          </a:p>
+          <a:p>
+            <a:endParaRPr lang="fr-FR" sz="2400" dirty="0"/>
+          </a:p>
+          <a:p>
+            <a:pPr lvl="1"/>
+            <a:endParaRPr lang="fr-FR" sz="2000" b="1" dirty="0"/>
+          </a:p>
+          <a:p>
+            <a:endParaRPr lang="fr-FR" sz="2400" dirty="0"/>
+          </a:p>
+        </p:txBody>
+      </p:sp>
+      <p:pic>
+        <p:nvPicPr>
+          <p:cNvPr id="1027" name="Picture 3"/>
+          <p:cNvPicPr>
+            <a:picLocks noChangeAspect="1" noChangeArrowheads="1"/>
+          </p:cNvPicPr>
+          <p:nvPr/>
+        </p:nvPicPr>
+        <p:blipFill>
+          <a:blip r:embed="rId3">
+            <a:extLst>
+              <a:ext uri="{28A0092B-C50C-407E-A947-70E740481C1C}">
+                <a14:useLocalDpi xmlns:a14="http://schemas.microsoft.com/office/drawing/2010/main" val="0"/>
+              </a:ext>
+            </a:extLst>
+          </a:blip>
+          <a:srcRect/>
+          <a:stretch>
+            <a:fillRect/>
+          </a:stretch>
+        </p:blipFill>
+        <p:spPr bwMode="auto">
+          <a:xfrm>
+            <a:off x="1020167" y="2656357"/>
+            <a:ext cx="1114425" cy="809625"/>
+          </a:xfrm>
+          <a:prstGeom prst="rect">
+            <a:avLst/>
+          </a:prstGeom>
+          <a:noFill/>
+          <a:ln>
+            <a:noFill/>
+          </a:ln>
+          <a:effectLst/>
+          <a:extLst>
+            <a:ext uri="{909E8E84-426E-40DD-AFC4-6F175D3DCCD1}">
+              <a14:hiddenFill xmlns:a14="http://schemas.microsoft.com/office/drawing/2010/main">
+                <a:solidFill>
+                  <a:schemeClr val="accent1"/>
+                </a:solidFill>
+              </a14:hiddenFill>
+            </a:ext>
+            <a:ext uri="{91240B29-F687-4F45-9708-019B960494DF}">
+              <a14:hiddenLine xmlns:a14="http://schemas.microsoft.com/office/drawing/2010/main" w="9525">
+                <a:solidFill>
+                  <a:schemeClr val="tx1"/>
+                </a:solidFill>
+                <a:miter lim="800000"/>
+                <a:headEnd/>
+                <a:tailEnd/>
+              </a14:hiddenLine>
+            </a:ext>
+            <a:ext uri="{AF507438-7753-43E0-B8FC-AC1667EBCBE1}">
+              <a14:hiddenEffects xmlns:a14="http://schemas.microsoft.com/office/drawing/2010/main">
+                <a:effectLst>
+                  <a:outerShdw dist="35921" dir="2700000" algn="ctr" rotWithShape="0">
+                    <a:schemeClr val="bg2"/>
+                  </a:outerShdw>
+                </a:effectLst>
+              </a14:hiddenEffects>
+            </a:ext>
+          </a:extLst>
+        </p:spPr>
+      </p:pic>
+      <p:sp>
+        <p:nvSpPr>
+          <p:cNvPr id="5" name="ZoneTexte 4"/>
+          <p:cNvSpPr txBox="1"/>
+          <p:nvPr/>
+        </p:nvSpPr>
+        <p:spPr>
+          <a:xfrm>
+            <a:off x="12055" y="2883735"/>
+            <a:ext cx="1008112" cy="369332"/>
+          </a:xfrm>
+          <a:prstGeom prst="rect">
+            <a:avLst/>
+          </a:prstGeom>
+          <a:noFill/>
+        </p:spPr>
+        <p:txBody>
+          <a:bodyPr wrap="square" rtlCol="0">
+            <a:spAutoFit/>
+          </a:bodyPr>
+          <a:lstStyle/>
+          <a:p>
+            <a:pPr algn="ctr"/>
+            <a:r>
+              <a:rPr lang="fr-FR" dirty="0" smtClean="0"/>
+              <a:t>Shark-a</a:t>
+            </a:r>
+            <a:endParaRPr lang="fr-FR" dirty="0"/>
           </a:p>
         </p:txBody>
       </p:sp>
       <p:sp>
         <p:nvSpPr>
-          <p:cNvPr id="11" name="Espace réservé du contenu 4">
-            <a:extLst>
-              <a:ext uri="{FF2B5EF4-FFF2-40B4-BE49-F238E27FC236}">
-                <a16:creationId xmlns:a16="http://schemas.microsoft.com/office/drawing/2014/main" id="{9AEB556E-8C9C-49DE-A707-7756BAB2F86E}"/>
-              </a:ext>
-            </a:extLst>
-          </p:cNvPr>
-          <p:cNvSpPr txBox="1">
-            <a:spLocks/>
-          </p:cNvSpPr>
+          <p:cNvPr id="33" name="ZoneTexte 32"/>
+          <p:cNvSpPr txBox="1"/>
           <p:nvPr/>
         </p:nvSpPr>
         <p:spPr>
           <a:xfrm>
-            <a:off x="3091284" y="4290652"/>
-            <a:ext cx="2354711" cy="1849483"/>
+            <a:off x="2520380" y="2876503"/>
+            <a:ext cx="1008112" cy="369332"/>
           </a:xfrm>
           <a:prstGeom prst="rect">
             <a:avLst/>
           </a:prstGeom>
-          <a:solidFill>
-            <a:schemeClr val="accent5">
-              <a:lumMod val="20000"/>
-              <a:lumOff val="80000"/>
-            </a:schemeClr>
-          </a:solidFill>
-          <a:ln>
-            <a:noFill/>
-            <a:prstDash val="lgDash"/>
-          </a:ln>
+          <a:noFill/>
         </p:spPr>
         <p:txBody>
-          <a:bodyPr vert="horz">
-            <a:normAutofit/>
+          <a:bodyPr wrap="square" rtlCol="0">
+            <a:spAutoFit/>
           </a:bodyPr>
-          <a:lstStyle>
-            <a:lvl1pPr marL="274320" indent="-274320" algn="l" rtl="0" eaLnBrk="1" latinLnBrk="0" hangingPunct="1">
-              <a:spcBef>
-                <a:spcPts val="600"/>
-              </a:spcBef>
-              <a:buClr>
-                <a:schemeClr val="accent5">
-                  <a:lumMod val="50000"/>
-                </a:schemeClr>
-              </a:buClr>
-              <a:buSzPct val="76000"/>
-              <a:buFont typeface="Wingdings 3"/>
-              <a:buChar char=""/>
-              <a:defRPr kumimoji="0" sz="2600" kern="1200">
-                <a:solidFill>
-                  <a:schemeClr val="tx1"/>
-                </a:solidFill>
-                <a:latin typeface="+mn-lt"/>
-                <a:ea typeface="+mn-ea"/>
-                <a:cs typeface="+mn-cs"/>
-              </a:defRPr>
-            </a:lvl1pPr>
-            <a:lvl2pPr marL="548640" indent="-274320" algn="l" rtl="0" eaLnBrk="1" latinLnBrk="0" hangingPunct="1">
-              <a:spcBef>
-                <a:spcPts val="500"/>
-              </a:spcBef>
-              <a:buClr>
-                <a:schemeClr val="accent5">
-                  <a:lumMod val="75000"/>
-                </a:schemeClr>
-              </a:buClr>
-              <a:buSzPct val="76000"/>
-              <a:buFont typeface="Wingdings 3"/>
-              <a:buChar char=""/>
-              <a:defRPr kumimoji="0" sz="2300" kern="1200">
-                <a:solidFill>
-                  <a:schemeClr val="tx1"/>
-                </a:solidFill>
-                <a:latin typeface="+mn-lt"/>
-                <a:ea typeface="+mn-ea"/>
-                <a:cs typeface="+mn-cs"/>
-              </a:defRPr>
-            </a:lvl2pPr>
-            <a:lvl3pPr marL="822960" indent="-228600" algn="l" rtl="0" eaLnBrk="1" latinLnBrk="0" hangingPunct="1">
-              <a:spcBef>
-                <a:spcPts val="500"/>
-              </a:spcBef>
-              <a:buClr>
-                <a:schemeClr val="accent5">
-                  <a:lumMod val="75000"/>
-                </a:schemeClr>
-              </a:buClr>
-              <a:buSzPct val="76000"/>
-              <a:buFont typeface="Wingdings 3"/>
-              <a:buChar char=""/>
-              <a:defRPr kumimoji="0" sz="2000" kern="1200">
-                <a:solidFill>
-                  <a:schemeClr val="tx1"/>
-                </a:solidFill>
-                <a:latin typeface="+mn-lt"/>
-                <a:ea typeface="+mn-ea"/>
-                <a:cs typeface="+mn-cs"/>
-              </a:defRPr>
-            </a:lvl3pPr>
-            <a:lvl4pPr marL="1097280" indent="-228600" algn="l" rtl="0" eaLnBrk="1" latinLnBrk="0" hangingPunct="1">
-              <a:spcBef>
-                <a:spcPts val="400"/>
-              </a:spcBef>
-              <a:buClr>
-                <a:schemeClr val="accent5">
-                  <a:lumMod val="75000"/>
-                </a:schemeClr>
-              </a:buClr>
-              <a:buSzPct val="70000"/>
-              <a:buFont typeface="Wingdings"/>
-              <a:buChar char=""/>
-              <a:defRPr kumimoji="0" sz="1800" kern="1200">
-                <a:solidFill>
-                  <a:schemeClr val="tx1"/>
-                </a:solidFill>
-                <a:latin typeface="+mn-lt"/>
-                <a:ea typeface="+mn-ea"/>
-                <a:cs typeface="+mn-cs"/>
-              </a:defRPr>
-            </a:lvl4pPr>
-            <a:lvl5pPr marL="1371600" indent="-228600" algn="l" rtl="0" eaLnBrk="1" latinLnBrk="0" hangingPunct="1">
-              <a:spcBef>
-                <a:spcPts val="300"/>
-              </a:spcBef>
-              <a:buClr>
-                <a:schemeClr val="accent5">
-                  <a:lumMod val="75000"/>
-                </a:schemeClr>
-              </a:buClr>
-              <a:buSzPct val="70000"/>
-              <a:buFont typeface="Wingdings"/>
-              <a:buChar char=""/>
-              <a:defRPr kumimoji="0" sz="1600" kern="1200">
-                <a:solidFill>
-                  <a:schemeClr val="tx1"/>
-                </a:solidFill>
-                <a:latin typeface="+mn-lt"/>
-                <a:ea typeface="+mn-ea"/>
-                <a:cs typeface="+mn-cs"/>
-              </a:defRPr>
-            </a:lvl5pPr>
-            <a:lvl6pPr marL="1645920" indent="-182880" algn="l" rtl="0" eaLnBrk="1" latinLnBrk="0" hangingPunct="1">
-              <a:spcBef>
-                <a:spcPts val="300"/>
-              </a:spcBef>
-              <a:buClr>
-                <a:srgbClr val="9FB8CD">
-                  <a:shade val="75000"/>
-                </a:srgbClr>
-              </a:buClr>
-              <a:buSzPct val="75000"/>
-              <a:buFont typeface="Wingdings 3"/>
-              <a:buChar char=""/>
-              <a:defRPr kumimoji="0" lang="en-US" sz="1600" kern="1200" smtClean="0">
-                <a:solidFill>
-                  <a:schemeClr val="tx1"/>
-                </a:solidFill>
-                <a:latin typeface="+mn-lt"/>
-                <a:ea typeface="+mn-ea"/>
-                <a:cs typeface="+mn-cs"/>
-              </a:defRPr>
-            </a:lvl6pPr>
-            <a:lvl7pPr marL="1828800" indent="-182880" algn="l" rtl="0" eaLnBrk="1" latinLnBrk="0" hangingPunct="1">
-              <a:spcBef>
-                <a:spcPts val="300"/>
-              </a:spcBef>
-              <a:buClr>
-                <a:srgbClr val="727CA3">
-                  <a:shade val="75000"/>
-                </a:srgbClr>
-              </a:buClr>
-              <a:buSzPct val="75000"/>
-              <a:buFont typeface="Wingdings 3"/>
-              <a:buChar char=""/>
-              <a:defRPr kumimoji="0" lang="en-US" sz="1400" kern="1200" smtClean="0">
-                <a:solidFill>
-                  <a:schemeClr val="tx1"/>
-                </a:solidFill>
-                <a:latin typeface="+mn-lt"/>
-                <a:ea typeface="+mn-ea"/>
-                <a:cs typeface="+mn-cs"/>
-              </a:defRPr>
-            </a:lvl7pPr>
-            <a:lvl8pPr marL="2011680" indent="-182880" algn="l" rtl="0" eaLnBrk="1" latinLnBrk="0" hangingPunct="1">
-              <a:spcBef>
-                <a:spcPts val="300"/>
-              </a:spcBef>
-              <a:buClr>
-                <a:prstClr val="white">
-                  <a:shade val="50000"/>
-                </a:prstClr>
-              </a:buClr>
-              <a:buSzPct val="75000"/>
-              <a:buFont typeface="Wingdings 3"/>
-              <a:buChar char=""/>
-              <a:defRPr kumimoji="0" lang="en-US" sz="1400" kern="1200" smtClean="0">
-                <a:solidFill>
-                  <a:schemeClr val="tx1"/>
-                </a:solidFill>
-                <a:latin typeface="+mn-lt"/>
-                <a:ea typeface="+mn-ea"/>
-                <a:cs typeface="+mn-cs"/>
-              </a:defRPr>
-            </a:lvl8pPr>
-            <a:lvl9pPr marL="2194560" indent="-182880" algn="l" rtl="0" eaLnBrk="1" latinLnBrk="0" hangingPunct="1">
-              <a:spcBef>
-                <a:spcPts val="300"/>
-              </a:spcBef>
-              <a:buClr>
-                <a:srgbClr val="9FB8CD"/>
-              </a:buClr>
-              <a:buSzPct val="75000"/>
-              <a:buFont typeface="Wingdings 3"/>
-              <a:buChar char=""/>
-              <a:defRPr kumimoji="0" lang="en-US" sz="1200" kern="1200" smtClean="0">
-                <a:solidFill>
-                  <a:schemeClr val="tx1"/>
-                </a:solidFill>
-                <a:latin typeface="+mn-lt"/>
-                <a:ea typeface="+mn-ea"/>
-                <a:cs typeface="+mn-cs"/>
-              </a:defRPr>
-            </a:lvl9pPr>
-          </a:lstStyle>
-          <a:p>
-            <a:pPr marL="0" indent="0">
-              <a:buNone/>
-            </a:pPr>
+          <a:lstStyle/>
+          <a:p>
+            <a:pPr algn="ctr"/>
             <a:r>
-              <a:rPr lang="fr-FR" sz="1600" dirty="0"/>
-              <a:t>Ce bloc permet de faire disparaitre la pomme lorsqu’un message est émis. Il s’agit d’une disparition purement événementielle. </a:t>
+              <a:rPr lang="fr-FR" dirty="0" smtClean="0"/>
+              <a:t>Shark-b</a:t>
             </a:r>
+            <a:endParaRPr lang="fr-FR" dirty="0"/>
           </a:p>
         </p:txBody>
       </p:sp>
-      <p:sp>
-        <p:nvSpPr>
-          <p:cNvPr id="12" name="Espace réservé du contenu 4">
+      <p:pic>
+        <p:nvPicPr>
+          <p:cNvPr id="1028" name="Picture 4"/>
+          <p:cNvPicPr>
+            <a:picLocks noChangeAspect="1" noChangeArrowheads="1"/>
+          </p:cNvPicPr>
+          <p:nvPr/>
+        </p:nvPicPr>
+        <p:blipFill>
+          <a:blip r:embed="rId4">
             <a:extLst>
-              <a:ext uri="{FF2B5EF4-FFF2-40B4-BE49-F238E27FC236}">
-                <a16:creationId xmlns:a16="http://schemas.microsoft.com/office/drawing/2014/main" id="{ECBDC822-6D98-409B-9897-7DFF5B4DFF33}"/>
+              <a:ext uri="{28A0092B-C50C-407E-A947-70E740481C1C}">
+                <a14:useLocalDpi xmlns:a14="http://schemas.microsoft.com/office/drawing/2010/main" val="0"/>
               </a:ext>
             </a:extLst>
-          </p:cNvPr>
-          <p:cNvSpPr txBox="1">
-            <a:spLocks/>
-          </p:cNvSpPr>
-          <p:nvPr/>
-        </p:nvSpPr>
-        <p:spPr>
+          </a:blip>
+          <a:srcRect/>
+          <a:stretch>
+            <a:fillRect/>
+          </a:stretch>
+        </p:blipFill>
+        <p:spPr bwMode="auto">
           <a:xfrm>
-            <a:off x="6281894" y="4434818"/>
-            <a:ext cx="2354711" cy="2012798"/>
+            <a:off x="3470151" y="2586317"/>
+            <a:ext cx="1085850" cy="723900"/>
           </a:xfrm>
           <a:prstGeom prst="rect">
             <a:avLst/>
           </a:prstGeom>
-          <a:solidFill>
-            <a:schemeClr val="accent5">
-              <a:lumMod val="20000"/>
-              <a:lumOff val="80000"/>
-            </a:schemeClr>
-          </a:solidFill>
+          <a:noFill/>
           <a:ln>
             <a:noFill/>
-            <a:prstDash val="lgDash"/>
           </a:ln>
-        </p:spPr>
-        <p:txBody>
-          <a:bodyPr vert="horz">
-            <a:normAutofit fontScale="77500" lnSpcReduction="20000"/>
-          </a:bodyPr>
-          <a:lstStyle>
-            <a:lvl1pPr marL="274320" indent="-274320" algn="l" rtl="0" eaLnBrk="1" latinLnBrk="0" hangingPunct="1">
-              <a:spcBef>
-                <a:spcPts val="600"/>
-              </a:spcBef>
-              <a:buClr>
-                <a:schemeClr val="accent5">
-                  <a:lumMod val="50000"/>
-                </a:schemeClr>
-              </a:buClr>
-              <a:buSzPct val="76000"/>
-              <a:buFont typeface="Wingdings 3"/>
-              <a:buChar char=""/>
-              <a:defRPr kumimoji="0" sz="2600" kern="1200">
+          <a:effectLst/>
+          <a:extLst>
+            <a:ext uri="{909E8E84-426E-40DD-AFC4-6F175D3DCCD1}">
+              <a14:hiddenFill xmlns:a14="http://schemas.microsoft.com/office/drawing/2010/main">
+                <a:solidFill>
+                  <a:schemeClr val="accent1"/>
+                </a:solidFill>
+              </a14:hiddenFill>
+            </a:ext>
+            <a:ext uri="{91240B29-F687-4F45-9708-019B960494DF}">
+              <a14:hiddenLine xmlns:a14="http://schemas.microsoft.com/office/drawing/2010/main" w="9525">
                 <a:solidFill>
                   <a:schemeClr val="tx1"/>
                 </a:solidFill>
-                <a:latin typeface="+mn-lt"/>
-                <a:ea typeface="+mn-ea"/>
-                <a:cs typeface="+mn-cs"/>
-              </a:defRPr>
-            </a:lvl1pPr>
-            <a:lvl2pPr marL="548640" indent="-274320" algn="l" rtl="0" eaLnBrk="1" latinLnBrk="0" hangingPunct="1">
-              <a:spcBef>
-                <a:spcPts val="500"/>
-              </a:spcBef>
-              <a:buClr>
-                <a:schemeClr val="accent5">
-                  <a:lumMod val="75000"/>
-                </a:schemeClr>
-              </a:buClr>
-              <a:buSzPct val="76000"/>
-              <a:buFont typeface="Wingdings 3"/>
-              <a:buChar char=""/>
-              <a:defRPr kumimoji="0" sz="2300" kern="1200">
+                <a:miter lim="800000"/>
+                <a:headEnd/>
+                <a:tailEnd/>
+              </a14:hiddenLine>
+            </a:ext>
+            <a:ext uri="{AF507438-7753-43E0-B8FC-AC1667EBCBE1}">
+              <a14:hiddenEffects xmlns:a14="http://schemas.microsoft.com/office/drawing/2010/main">
+                <a:effectLst>
+                  <a:outerShdw dist="35921" dir="2700000" algn="ctr" rotWithShape="0">
+                    <a:schemeClr val="bg2"/>
+                  </a:outerShdw>
+                </a:effectLst>
+              </a14:hiddenEffects>
+            </a:ext>
+          </a:extLst>
+        </p:spPr>
+      </p:pic>
+      <p:pic>
+        <p:nvPicPr>
+          <p:cNvPr id="1029" name="Picture 5"/>
+          <p:cNvPicPr>
+            <a:picLocks noChangeAspect="1" noChangeArrowheads="1"/>
+          </p:cNvPicPr>
+          <p:nvPr/>
+        </p:nvPicPr>
+        <p:blipFill>
+          <a:blip r:embed="rId5">
+            <a:extLst>
+              <a:ext uri="{28A0092B-C50C-407E-A947-70E740481C1C}">
+                <a14:useLocalDpi xmlns:a14="http://schemas.microsoft.com/office/drawing/2010/main" val="0"/>
+              </a:ext>
+            </a:extLst>
+          </a:blip>
+          <a:srcRect/>
+          <a:stretch>
+            <a:fillRect/>
+          </a:stretch>
+        </p:blipFill>
+        <p:spPr bwMode="auto">
+          <a:xfrm>
+            <a:off x="863003" y="3980641"/>
+            <a:ext cx="2543175" cy="2466975"/>
+          </a:xfrm>
+          <a:prstGeom prst="rect">
+            <a:avLst/>
+          </a:prstGeom>
+          <a:noFill/>
+          <a:ln>
+            <a:noFill/>
+          </a:ln>
+          <a:effectLst/>
+          <a:extLst>
+            <a:ext uri="{909E8E84-426E-40DD-AFC4-6F175D3DCCD1}">
+              <a14:hiddenFill xmlns:a14="http://schemas.microsoft.com/office/drawing/2010/main">
+                <a:solidFill>
+                  <a:schemeClr val="accent1"/>
+                </a:solidFill>
+              </a14:hiddenFill>
+            </a:ext>
+            <a:ext uri="{91240B29-F687-4F45-9708-019B960494DF}">
+              <a14:hiddenLine xmlns:a14="http://schemas.microsoft.com/office/drawing/2010/main" w="9525">
                 <a:solidFill>
                   <a:schemeClr val="tx1"/>
                 </a:solidFill>
-                <a:latin typeface="+mn-lt"/>
-                <a:ea typeface="+mn-ea"/>
-                <a:cs typeface="+mn-cs"/>
-              </a:defRPr>
-            </a:lvl2pPr>
-            <a:lvl3pPr marL="822960" indent="-228600" algn="l" rtl="0" eaLnBrk="1" latinLnBrk="0" hangingPunct="1">
-              <a:spcBef>
-                <a:spcPts val="500"/>
-              </a:spcBef>
-              <a:buClr>
-                <a:schemeClr val="accent5">
-                  <a:lumMod val="75000"/>
-                </a:schemeClr>
-              </a:buClr>
-              <a:buSzPct val="76000"/>
-              <a:buFont typeface="Wingdings 3"/>
-              <a:buChar char=""/>
-              <a:defRPr kumimoji="0" sz="2000" kern="1200">
-                <a:solidFill>
-                  <a:schemeClr val="tx1"/>
-                </a:solidFill>
-                <a:latin typeface="+mn-lt"/>
-                <a:ea typeface="+mn-ea"/>
-                <a:cs typeface="+mn-cs"/>
-              </a:defRPr>
-            </a:lvl3pPr>
-            <a:lvl4pPr marL="1097280" indent="-228600" algn="l" rtl="0" eaLnBrk="1" latinLnBrk="0" hangingPunct="1">
-              <a:spcBef>
-                <a:spcPts val="400"/>
-              </a:spcBef>
-              <a:buClr>
-                <a:schemeClr val="accent5">
-                  <a:lumMod val="75000"/>
-                </a:schemeClr>
-              </a:buClr>
-              <a:buSzPct val="70000"/>
-              <a:buFont typeface="Wingdings"/>
-              <a:buChar char=""/>
-              <a:defRPr kumimoji="0" sz="1800" kern="1200">
-                <a:solidFill>
-                  <a:schemeClr val="tx1"/>
-                </a:solidFill>
-                <a:latin typeface="+mn-lt"/>
-                <a:ea typeface="+mn-ea"/>
-                <a:cs typeface="+mn-cs"/>
-              </a:defRPr>
-            </a:lvl4pPr>
-            <a:lvl5pPr marL="1371600" indent="-228600" algn="l" rtl="0" eaLnBrk="1" latinLnBrk="0" hangingPunct="1">
-              <a:spcBef>
-                <a:spcPts val="300"/>
-              </a:spcBef>
-              <a:buClr>
-                <a:schemeClr val="accent5">
-                  <a:lumMod val="75000"/>
-                </a:schemeClr>
-              </a:buClr>
-              <a:buSzPct val="70000"/>
-              <a:buFont typeface="Wingdings"/>
-              <a:buChar char=""/>
-              <a:defRPr kumimoji="0" sz="1600" kern="1200">
-                <a:solidFill>
-                  <a:schemeClr val="tx1"/>
-                </a:solidFill>
-                <a:latin typeface="+mn-lt"/>
-                <a:ea typeface="+mn-ea"/>
-                <a:cs typeface="+mn-cs"/>
-              </a:defRPr>
-            </a:lvl5pPr>
-            <a:lvl6pPr marL="1645920" indent="-182880" algn="l" rtl="0" eaLnBrk="1" latinLnBrk="0" hangingPunct="1">
-              <a:spcBef>
-                <a:spcPts val="300"/>
-              </a:spcBef>
-              <a:buClr>
-                <a:srgbClr val="9FB8CD">
-                  <a:shade val="75000"/>
-                </a:srgbClr>
-              </a:buClr>
-              <a:buSzPct val="75000"/>
-              <a:buFont typeface="Wingdings 3"/>
-              <a:buChar char=""/>
-              <a:defRPr kumimoji="0" lang="en-US" sz="1600" kern="1200" smtClean="0">
-                <a:solidFill>
-                  <a:schemeClr val="tx1"/>
-                </a:solidFill>
-                <a:latin typeface="+mn-lt"/>
-                <a:ea typeface="+mn-ea"/>
-                <a:cs typeface="+mn-cs"/>
-              </a:defRPr>
-            </a:lvl6pPr>
-            <a:lvl7pPr marL="1828800" indent="-182880" algn="l" rtl="0" eaLnBrk="1" latinLnBrk="0" hangingPunct="1">
-              <a:spcBef>
-                <a:spcPts val="300"/>
-              </a:spcBef>
-              <a:buClr>
-                <a:srgbClr val="727CA3">
-                  <a:shade val="75000"/>
-                </a:srgbClr>
-              </a:buClr>
-              <a:buSzPct val="75000"/>
-              <a:buFont typeface="Wingdings 3"/>
-              <a:buChar char=""/>
-              <a:defRPr kumimoji="0" lang="en-US" sz="1400" kern="1200" smtClean="0">
-                <a:solidFill>
-                  <a:schemeClr val="tx1"/>
-                </a:solidFill>
-                <a:latin typeface="+mn-lt"/>
-                <a:ea typeface="+mn-ea"/>
-                <a:cs typeface="+mn-cs"/>
-              </a:defRPr>
-            </a:lvl7pPr>
-            <a:lvl8pPr marL="2011680" indent="-182880" algn="l" rtl="0" eaLnBrk="1" latinLnBrk="0" hangingPunct="1">
-              <a:spcBef>
-                <a:spcPts val="300"/>
-              </a:spcBef>
-              <a:buClr>
-                <a:prstClr val="white">
-                  <a:shade val="50000"/>
-                </a:prstClr>
-              </a:buClr>
-              <a:buSzPct val="75000"/>
-              <a:buFont typeface="Wingdings 3"/>
-              <a:buChar char=""/>
-              <a:defRPr kumimoji="0" lang="en-US" sz="1400" kern="1200" smtClean="0">
-                <a:solidFill>
-                  <a:schemeClr val="tx1"/>
-                </a:solidFill>
-                <a:latin typeface="+mn-lt"/>
-                <a:ea typeface="+mn-ea"/>
-                <a:cs typeface="+mn-cs"/>
-              </a:defRPr>
-            </a:lvl8pPr>
-            <a:lvl9pPr marL="2194560" indent="-182880" algn="l" rtl="0" eaLnBrk="1" latinLnBrk="0" hangingPunct="1">
-              <a:spcBef>
-                <a:spcPts val="300"/>
-              </a:spcBef>
-              <a:buClr>
-                <a:srgbClr val="9FB8CD"/>
-              </a:buClr>
-              <a:buSzPct val="75000"/>
-              <a:buFont typeface="Wingdings 3"/>
-              <a:buChar char=""/>
-              <a:defRPr kumimoji="0" lang="en-US" sz="1200" kern="1200" smtClean="0">
-                <a:solidFill>
-                  <a:schemeClr val="tx1"/>
-                </a:solidFill>
-                <a:latin typeface="+mn-lt"/>
-                <a:ea typeface="+mn-ea"/>
-                <a:cs typeface="+mn-cs"/>
-              </a:defRPr>
-            </a:lvl9pPr>
-          </a:lstStyle>
-          <a:p>
-            <a:pPr marL="0" indent="0">
-              <a:buNone/>
-            </a:pPr>
-            <a:r>
-              <a:rPr lang="fr-FR" sz="1600" dirty="0"/>
-              <a:t>Ce bloc est déclenché au démarrage. Il comporte une boucle infinie qui va scruter si le lutin a touché la pomme. </a:t>
-            </a:r>
-          </a:p>
-          <a:p>
-            <a:pPr marL="0" indent="0">
-              <a:buNone/>
-            </a:pPr>
-            <a:r>
-              <a:rPr lang="fr-FR" sz="1600" dirty="0"/>
-              <a:t>L’action de cacher est donc déclenchée par un événement. Cependant l’utilisation de la boucle répétition n’est pas optimale. </a:t>
-            </a:r>
-          </a:p>
-          <a:p>
-            <a:pPr marL="0" indent="0">
-              <a:buNone/>
-            </a:pPr>
-            <a:r>
-              <a:rPr lang="fr-FR" sz="1600" dirty="0"/>
-              <a:t>(En effet, le lutin pourrait avoir été touché à un instant ou le test n’est pas effectué.)</a:t>
-            </a:r>
-          </a:p>
-        </p:txBody>
-      </p:sp>
+                <a:miter lim="800000"/>
+                <a:headEnd/>
+                <a:tailEnd/>
+              </a14:hiddenLine>
+            </a:ext>
+            <a:ext uri="{AF507438-7753-43E0-B8FC-AC1667EBCBE1}">
+              <a14:hiddenEffects xmlns:a14="http://schemas.microsoft.com/office/drawing/2010/main">
+                <a:effectLst>
+                  <a:outerShdw dist="35921" dir="2700000" algn="ctr" rotWithShape="0">
+                    <a:schemeClr val="bg2"/>
+                  </a:outerShdw>
+                </a:effectLst>
+              </a14:hiddenEffects>
+            </a:ext>
+          </a:extLst>
+        </p:spPr>
+      </p:pic>
     </p:spTree>
     <p:extLst>
       <p:ext uri="{BB962C8B-B14F-4D97-AF65-F5344CB8AC3E}">
-        <p14:creationId xmlns:p14="http://schemas.microsoft.com/office/powerpoint/2010/main" val="3996279214"/>
+        <p14:creationId xmlns:p14="http://schemas.microsoft.com/office/powerpoint/2010/main" val="3147746374"/>
       </p:ext>
     </p:extLst>
   </p:cSld>

--- a/Formation_2018/Quizz_Pomme/Quizz_Pomme.pptx
+++ b/Formation_2018/Quizz_Pomme/Quizz_Pomme.pptx
@@ -9195,15 +9195,7 @@
                   <a:srgbClr val="FF0000"/>
                 </a:solidFill>
               </a:rPr>
-              <a:t>Le lutin principal est dirigé par la position de </a:t>
-            </a:r>
-            <a:r>
-              <a:rPr lang="fr-FR" smtClean="0">
-                <a:solidFill>
-                  <a:srgbClr val="FF0000"/>
-                </a:solidFill>
-              </a:rPr>
-              <a:t>la souris. </a:t>
+              <a:t>Le lutin principal est dirigé par la position de la souris. </a:t>
             </a:r>
             <a:endParaRPr lang="fr-FR" dirty="0">
               <a:solidFill>
@@ -9737,6 +9729,47 @@
           </a:p>
         </p:txBody>
       </p:sp>
+      <p:pic>
+        <p:nvPicPr>
+          <p:cNvPr id="6146" name="Picture 2" descr="C:\Enseignement\GitHub\Informatique_College\Formation_2018\Quizz_Pomme\Images\terminal-server-300px.png"/>
+          <p:cNvPicPr>
+            <a:picLocks noChangeAspect="1" noChangeArrowheads="1"/>
+          </p:cNvPicPr>
+          <p:nvPr/>
+        </p:nvPicPr>
+        <p:blipFill>
+          <a:blip r:embed="rId2">
+            <a:extLst>
+              <a:ext uri="{28A0092B-C50C-407E-A947-70E740481C1C}">
+                <a14:useLocalDpi xmlns:a14="http://schemas.microsoft.com/office/drawing/2010/main" val="0"/>
+              </a:ext>
+            </a:extLst>
+          </a:blip>
+          <a:srcRect/>
+          <a:stretch>
+            <a:fillRect/>
+          </a:stretch>
+        </p:blipFill>
+        <p:spPr bwMode="auto">
+          <a:xfrm>
+            <a:off x="3059832" y="3068960"/>
+            <a:ext cx="1183580" cy="1437546"/>
+          </a:xfrm>
+          <a:prstGeom prst="rect">
+            <a:avLst/>
+          </a:prstGeom>
+          <a:noFill/>
+          <a:extLst>
+            <a:ext uri="{909E8E84-426E-40DD-AFC4-6F175D3DCCD1}">
+              <a14:hiddenFill xmlns:a14="http://schemas.microsoft.com/office/drawing/2010/main">
+                <a:solidFill>
+                  <a:srgbClr val="FFFFFF"/>
+                </a:solidFill>
+              </a14:hiddenFill>
+            </a:ext>
+          </a:extLst>
+        </p:spPr>
+      </p:pic>
     </p:spTree>
     <p:extLst>
       <p:ext uri="{BB962C8B-B14F-4D97-AF65-F5344CB8AC3E}">

--- a/Formation_2018/Quizz_Pomme/Quizz_Pomme.pptx
+++ b/Formation_2018/Quizz_Pomme/Quizz_Pomme.pptx
@@ -5,10 +5,10 @@
     <p:sldMasterId id="2147483792" r:id="rId1"/>
   </p:sldMasterIdLst>
   <p:notesMasterIdLst>
-    <p:notesMasterId r:id="rId27"/>
+    <p:notesMasterId r:id="rId29"/>
   </p:notesMasterIdLst>
   <p:handoutMasterIdLst>
-    <p:handoutMasterId r:id="rId28"/>
+    <p:handoutMasterId r:id="rId30"/>
   </p:handoutMasterIdLst>
   <p:sldIdLst>
     <p:sldId id="256" r:id="rId2"/>
@@ -30,12 +30,14 @@
     <p:sldId id="289" r:id="rId18"/>
     <p:sldId id="264" r:id="rId19"/>
     <p:sldId id="265" r:id="rId20"/>
-    <p:sldId id="290" r:id="rId21"/>
+    <p:sldId id="295" r:id="rId21"/>
     <p:sldId id="291" r:id="rId22"/>
     <p:sldId id="258" r:id="rId23"/>
     <p:sldId id="292" r:id="rId24"/>
     <p:sldId id="293" r:id="rId25"/>
-    <p:sldId id="294" r:id="rId26"/>
+    <p:sldId id="290" r:id="rId26"/>
+    <p:sldId id="296" r:id="rId27"/>
+    <p:sldId id="294" r:id="rId28"/>
   </p:sldIdLst>
   <p:sldSz cx="9144000" cy="6858000" type="screen4x3"/>
   <p:notesSz cx="6858000" cy="9144000"/>
@@ -136,7 +138,7 @@
   </p:defaultTextStyle>
   <p:extLst>
     <p:ext uri="{EFAFB233-063F-42B5-8137-9DF3F51BA10A}">
-      <p15:sldGuideLst xmlns="" xmlns:p15="http://schemas.microsoft.com/office/powerpoint/2012/main">
+      <p15:sldGuideLst xmlns:p15="http://schemas.microsoft.com/office/powerpoint/2012/main" xmlns="">
         <p15:guide id="1" orient="horz" pos="2160">
           <p15:clr>
             <a:srgbClr val="A4A3A4"/>
@@ -150,7 +152,7 @@
       </p15:sldGuideLst>
     </p:ext>
     <p:ext uri="{2D200454-40CA-4A62-9FC3-DE9A4176ACB9}">
-      <p15:notesGuideLst xmlns="" xmlns:p15="http://schemas.microsoft.com/office/powerpoint/2012/main">
+      <p15:notesGuideLst xmlns:p15="http://schemas.microsoft.com/office/powerpoint/2012/main" xmlns="">
         <p15:guide id="1" orient="horz" pos="2880">
           <p15:clr>
             <a:srgbClr val="A4A3A4"/>
@@ -4954,7 +4956,7 @@
           <p:cNvPr id="126" name="Espace réservé du contenu 4">
             <a:extLst>
               <a:ext uri="{FF2B5EF4-FFF2-40B4-BE49-F238E27FC236}">
-                <a16:creationId xmlns="" xmlns:a16="http://schemas.microsoft.com/office/drawing/2014/main" id="{E0ECA4FB-A27A-4EF4-8C7D-5B9524C6BE3F}"/>
+                <a16:creationId xmlns:a16="http://schemas.microsoft.com/office/drawing/2014/main" xmlns="" id="{E0ECA4FB-A27A-4EF4-8C7D-5B9524C6BE3F}"/>
               </a:ext>
             </a:extLst>
           </p:cNvPr>
@@ -5186,7 +5188,7 @@
           <p:cNvPr id="7" name="Espace réservé du contenu 6">
             <a:extLst>
               <a:ext uri="{FF2B5EF4-FFF2-40B4-BE49-F238E27FC236}">
-                <a16:creationId xmlns="" xmlns:a16="http://schemas.microsoft.com/office/drawing/2014/main" id="{DB2A2F5A-13F4-4B6B-B9B0-2031D32AD019}"/>
+                <a16:creationId xmlns:a16="http://schemas.microsoft.com/office/drawing/2014/main" xmlns="" id="{DB2A2F5A-13F4-4B6B-B9B0-2031D32AD019}"/>
               </a:ext>
             </a:extLst>
           </p:cNvPr>
@@ -5946,7 +5948,7 @@
           <p:cNvPr id="2" name="Titre 1">
             <a:extLst>
               <a:ext uri="{FF2B5EF4-FFF2-40B4-BE49-F238E27FC236}">
-                <a16:creationId xmlns="" xmlns:a16="http://schemas.microsoft.com/office/drawing/2014/main" id="{A50E88D1-9F88-4DD9-B49F-E0B6DA92E401}"/>
+                <a16:creationId xmlns:a16="http://schemas.microsoft.com/office/drawing/2014/main" xmlns="" id="{A50E88D1-9F88-4DD9-B49F-E0B6DA92E401}"/>
               </a:ext>
             </a:extLst>
           </p:cNvPr>
@@ -5983,7 +5985,7 @@
           <p:cNvPr id="3" name="Espace réservé du pied de page 2">
             <a:extLst>
               <a:ext uri="{FF2B5EF4-FFF2-40B4-BE49-F238E27FC236}">
-                <a16:creationId xmlns="" xmlns:a16="http://schemas.microsoft.com/office/drawing/2014/main" id="{374C4879-A86D-4EED-816C-EBCBBEFE99DE}"/>
+                <a16:creationId xmlns:a16="http://schemas.microsoft.com/office/drawing/2014/main" xmlns="" id="{374C4879-A86D-4EED-816C-EBCBBEFE99DE}"/>
               </a:ext>
             </a:extLst>
           </p:cNvPr>
@@ -6011,7 +6013,7 @@
           <p:cNvPr id="4" name="Espace réservé du numéro de diapositive 3">
             <a:extLst>
               <a:ext uri="{FF2B5EF4-FFF2-40B4-BE49-F238E27FC236}">
-                <a16:creationId xmlns="" xmlns:a16="http://schemas.microsoft.com/office/drawing/2014/main" id="{A638A11C-FC34-488C-84D2-D9C4BE342283}"/>
+                <a16:creationId xmlns:a16="http://schemas.microsoft.com/office/drawing/2014/main" xmlns="" id="{A638A11C-FC34-488C-84D2-D9C4BE342283}"/>
               </a:ext>
             </a:extLst>
           </p:cNvPr>
@@ -6040,7 +6042,7 @@
           <p:cNvPr id="5" name="Espace réservé du contenu 4">
             <a:extLst>
               <a:ext uri="{FF2B5EF4-FFF2-40B4-BE49-F238E27FC236}">
-                <a16:creationId xmlns="" xmlns:a16="http://schemas.microsoft.com/office/drawing/2014/main" id="{9BF805D8-C616-4736-9695-A9AC51FC4C31}"/>
+                <a16:creationId xmlns:a16="http://schemas.microsoft.com/office/drawing/2014/main" xmlns="" id="{9BF805D8-C616-4736-9695-A9AC51FC4C31}"/>
               </a:ext>
             </a:extLst>
           </p:cNvPr>
@@ -6087,7 +6089,7 @@
           <p:cNvPr id="6" name="Image 5">
             <a:extLst>
               <a:ext uri="{FF2B5EF4-FFF2-40B4-BE49-F238E27FC236}">
-                <a16:creationId xmlns="" xmlns:a16="http://schemas.microsoft.com/office/drawing/2014/main" id="{D94F185B-CCE5-4782-8231-38E17005C9D3}"/>
+                <a16:creationId xmlns:a16="http://schemas.microsoft.com/office/drawing/2014/main" xmlns="" id="{D94F185B-CCE5-4782-8231-38E17005C9D3}"/>
               </a:ext>
             </a:extLst>
           </p:cNvPr>
@@ -6116,7 +6118,7 @@
           <p:cNvPr id="8" name="Image 7">
             <a:extLst>
               <a:ext uri="{FF2B5EF4-FFF2-40B4-BE49-F238E27FC236}">
-                <a16:creationId xmlns="" xmlns:a16="http://schemas.microsoft.com/office/drawing/2014/main" id="{8C7975D4-9548-4DB8-BB05-D8A340D8E2FC}"/>
+                <a16:creationId xmlns:a16="http://schemas.microsoft.com/office/drawing/2014/main" xmlns="" id="{8C7975D4-9548-4DB8-BB05-D8A340D8E2FC}"/>
               </a:ext>
             </a:extLst>
           </p:cNvPr>
@@ -6145,7 +6147,7 @@
           <p:cNvPr id="9" name="Image 8">
             <a:extLst>
               <a:ext uri="{FF2B5EF4-FFF2-40B4-BE49-F238E27FC236}">
-                <a16:creationId xmlns="" xmlns:a16="http://schemas.microsoft.com/office/drawing/2014/main" id="{CDA311BF-3DC3-40D9-B00F-39C51A44EFB0}"/>
+                <a16:creationId xmlns:a16="http://schemas.microsoft.com/office/drawing/2014/main" xmlns="" id="{CDA311BF-3DC3-40D9-B00F-39C51A44EFB0}"/>
               </a:ext>
             </a:extLst>
           </p:cNvPr>
@@ -6174,7 +6176,7 @@
           <p:cNvPr id="10" name="Espace réservé du contenu 4">
             <a:extLst>
               <a:ext uri="{FF2B5EF4-FFF2-40B4-BE49-F238E27FC236}">
-                <a16:creationId xmlns="" xmlns:a16="http://schemas.microsoft.com/office/drawing/2014/main" id="{1E1A7E71-EF3C-4791-8B1A-8D54D07ABA46}"/>
+                <a16:creationId xmlns:a16="http://schemas.microsoft.com/office/drawing/2014/main" xmlns="" id="{1E1A7E71-EF3C-4791-8B1A-8D54D07ABA46}"/>
               </a:ext>
             </a:extLst>
           </p:cNvPr>
@@ -6411,7 +6413,7 @@
           <p:cNvPr id="11" name="Espace réservé du contenu 4">
             <a:extLst>
               <a:ext uri="{FF2B5EF4-FFF2-40B4-BE49-F238E27FC236}">
-                <a16:creationId xmlns="" xmlns:a16="http://schemas.microsoft.com/office/drawing/2014/main" id="{9AEB556E-8C9C-49DE-A707-7756BAB2F86E}"/>
+                <a16:creationId xmlns:a16="http://schemas.microsoft.com/office/drawing/2014/main" xmlns="" id="{9AEB556E-8C9C-49DE-A707-7756BAB2F86E}"/>
               </a:ext>
             </a:extLst>
           </p:cNvPr>
@@ -6648,7 +6650,7 @@
           <p:cNvPr id="12" name="Espace réservé du contenu 4">
             <a:extLst>
               <a:ext uri="{FF2B5EF4-FFF2-40B4-BE49-F238E27FC236}">
-                <a16:creationId xmlns="" xmlns:a16="http://schemas.microsoft.com/office/drawing/2014/main" id="{ECBDC822-6D98-409B-9897-7DFF5B4DFF33}"/>
+                <a16:creationId xmlns:a16="http://schemas.microsoft.com/office/drawing/2014/main" xmlns="" id="{ECBDC822-6D98-409B-9897-7DFF5B4DFF33}"/>
               </a:ext>
             </a:extLst>
           </p:cNvPr>
@@ -6903,7 +6905,7 @@
           <p:cNvPr id="13" name="Espace réservé du contenu 4">
             <a:extLst>
               <a:ext uri="{FF2B5EF4-FFF2-40B4-BE49-F238E27FC236}">
-                <a16:creationId xmlns="" xmlns:a16="http://schemas.microsoft.com/office/drawing/2014/main" id="{E0ECA4FB-A27A-4EF4-8C7D-5B9524C6BE3F}"/>
+                <a16:creationId xmlns:a16="http://schemas.microsoft.com/office/drawing/2014/main" xmlns="" id="{E0ECA4FB-A27A-4EF4-8C7D-5B9524C6BE3F}"/>
               </a:ext>
             </a:extLst>
           </p:cNvPr>
@@ -7320,7 +7322,7 @@
           <p:cNvPr id="6" name="Image 5">
             <a:extLst>
               <a:ext uri="{FF2B5EF4-FFF2-40B4-BE49-F238E27FC236}">
-                <a16:creationId xmlns="" xmlns:a16="http://schemas.microsoft.com/office/drawing/2014/main" id="{B04C115A-AD3C-4466-92FC-82EBEC44A19C}"/>
+                <a16:creationId xmlns:a16="http://schemas.microsoft.com/office/drawing/2014/main" xmlns="" id="{B04C115A-AD3C-4466-92FC-82EBEC44A19C}"/>
               </a:ext>
             </a:extLst>
           </p:cNvPr>
@@ -7350,7 +7352,7 @@
           <p:cNvPr id="7" name="Image 6">
             <a:extLst>
               <a:ext uri="{FF2B5EF4-FFF2-40B4-BE49-F238E27FC236}">
-                <a16:creationId xmlns="" xmlns:a16="http://schemas.microsoft.com/office/drawing/2014/main" id="{05B13936-50E7-423B-8912-23682D98AC98}"/>
+                <a16:creationId xmlns:a16="http://schemas.microsoft.com/office/drawing/2014/main" xmlns="" id="{05B13936-50E7-423B-8912-23682D98AC98}"/>
               </a:ext>
             </a:extLst>
           </p:cNvPr>
@@ -7380,7 +7382,7 @@
           <p:cNvPr id="8" name="Espace réservé du contenu 4">
             <a:extLst>
               <a:ext uri="{FF2B5EF4-FFF2-40B4-BE49-F238E27FC236}">
-                <a16:creationId xmlns="" xmlns:a16="http://schemas.microsoft.com/office/drawing/2014/main" id="{E0ECA4FB-A27A-4EF4-8C7D-5B9524C6BE3F}"/>
+                <a16:creationId xmlns:a16="http://schemas.microsoft.com/office/drawing/2014/main" xmlns="" id="{E0ECA4FB-A27A-4EF4-8C7D-5B9524C6BE3F}"/>
               </a:ext>
             </a:extLst>
           </p:cNvPr>
@@ -7794,7 +7796,7 @@
           <p:cNvPr id="7" name="Image 6">
             <a:extLst>
               <a:ext uri="{FF2B5EF4-FFF2-40B4-BE49-F238E27FC236}">
-                <a16:creationId xmlns="" xmlns:a16="http://schemas.microsoft.com/office/drawing/2014/main" id="{D44839DF-3A5A-4B9E-A112-FF65D7CD0C33}"/>
+                <a16:creationId xmlns:a16="http://schemas.microsoft.com/office/drawing/2014/main" xmlns="" id="{D44839DF-3A5A-4B9E-A112-FF65D7CD0C33}"/>
               </a:ext>
             </a:extLst>
           </p:cNvPr>
@@ -7984,7 +7986,7 @@
           <p:cNvPr id="6" name="Image 5">
             <a:extLst>
               <a:ext uri="{FF2B5EF4-FFF2-40B4-BE49-F238E27FC236}">
-                <a16:creationId xmlns="" xmlns:a16="http://schemas.microsoft.com/office/drawing/2014/main" id="{97998113-6F67-4122-8C7C-3494D318CB06}"/>
+                <a16:creationId xmlns:a16="http://schemas.microsoft.com/office/drawing/2014/main" xmlns="" id="{97998113-6F67-4122-8C7C-3494D318CB06}"/>
               </a:ext>
             </a:extLst>
           </p:cNvPr>
@@ -8014,7 +8016,7 @@
           <p:cNvPr id="7" name="Image 6">
             <a:extLst>
               <a:ext uri="{FF2B5EF4-FFF2-40B4-BE49-F238E27FC236}">
-                <a16:creationId xmlns="" xmlns:a16="http://schemas.microsoft.com/office/drawing/2014/main" id="{79296190-7E7C-4BF5-89E2-B767E1861F21}"/>
+                <a16:creationId xmlns:a16="http://schemas.microsoft.com/office/drawing/2014/main" xmlns="" id="{79296190-7E7C-4BF5-89E2-B767E1861F21}"/>
               </a:ext>
             </a:extLst>
           </p:cNvPr>
@@ -8044,7 +8046,7 @@
           <p:cNvPr id="8" name="Espace réservé du contenu 4">
             <a:extLst>
               <a:ext uri="{FF2B5EF4-FFF2-40B4-BE49-F238E27FC236}">
-                <a16:creationId xmlns="" xmlns:a16="http://schemas.microsoft.com/office/drawing/2014/main" id="{E0ECA4FB-A27A-4EF4-8C7D-5B9524C6BE3F}"/>
+                <a16:creationId xmlns:a16="http://schemas.microsoft.com/office/drawing/2014/main" xmlns="" id="{E0ECA4FB-A27A-4EF4-8C7D-5B9524C6BE3F}"/>
               </a:ext>
             </a:extLst>
           </p:cNvPr>
@@ -8506,7 +8508,7 @@
           <p:cNvPr id="6" name="Image 5">
             <a:extLst>
               <a:ext uri="{FF2B5EF4-FFF2-40B4-BE49-F238E27FC236}">
-                <a16:creationId xmlns="" xmlns:a16="http://schemas.microsoft.com/office/drawing/2014/main" id="{3DA1429C-F38B-47FC-9516-BF723844CE69}"/>
+                <a16:creationId xmlns:a16="http://schemas.microsoft.com/office/drawing/2014/main" xmlns="" id="{3DA1429C-F38B-47FC-9516-BF723844CE69}"/>
               </a:ext>
             </a:extLst>
           </p:cNvPr>
@@ -8722,7 +8724,7 @@
           <p:cNvPr id="6" name="Espace réservé du contenu 4">
             <a:extLst>
               <a:ext uri="{FF2B5EF4-FFF2-40B4-BE49-F238E27FC236}">
-                <a16:creationId xmlns="" xmlns:a16="http://schemas.microsoft.com/office/drawing/2014/main" id="{E0ECA4FB-A27A-4EF4-8C7D-5B9524C6BE3F}"/>
+                <a16:creationId xmlns:a16="http://schemas.microsoft.com/office/drawing/2014/main" xmlns="" id="{E0ECA4FB-A27A-4EF4-8C7D-5B9524C6BE3F}"/>
               </a:ext>
             </a:extLst>
           </p:cNvPr>
@@ -9193,7 +9195,7 @@
           <p:cNvPr id="7" name="Image 6">
             <a:extLst>
               <a:ext uri="{FF2B5EF4-FFF2-40B4-BE49-F238E27FC236}">
-                <a16:creationId xmlns="" xmlns:a16="http://schemas.microsoft.com/office/drawing/2014/main" id="{79296190-7E7C-4BF5-89E2-B767E1861F21}"/>
+                <a16:creationId xmlns:a16="http://schemas.microsoft.com/office/drawing/2014/main" xmlns="" id="{79296190-7E7C-4BF5-89E2-B767E1861F21}"/>
               </a:ext>
             </a:extLst>
           </p:cNvPr>
@@ -9287,7 +9289,7 @@
           <p:cNvPr id="8" name="Espace réservé du contenu 4">
             <a:extLst>
               <a:ext uri="{FF2B5EF4-FFF2-40B4-BE49-F238E27FC236}">
-                <a16:creationId xmlns="" xmlns:a16="http://schemas.microsoft.com/office/drawing/2014/main" id="{E0ECA4FB-A27A-4EF4-8C7D-5B9524C6BE3F}"/>
+                <a16:creationId xmlns:a16="http://schemas.microsoft.com/office/drawing/2014/main" xmlns="" id="{E0ECA4FB-A27A-4EF4-8C7D-5B9524C6BE3F}"/>
               </a:ext>
             </a:extLst>
           </p:cNvPr>
@@ -9526,11 +9528,6 @@
               </a:rPr>
               <a:t>Le lutin principal est dirigé par la position de la souris. </a:t>
             </a:r>
-            <a:endParaRPr lang="fr-FR" dirty="0">
-              <a:solidFill>
-                <a:srgbClr val="FF0000"/>
-              </a:solidFill>
-            </a:endParaRPr>
           </a:p>
         </p:txBody>
       </p:sp>
@@ -9703,7 +9700,7 @@
           <p:cNvPr id="7" name="Image 6">
             <a:extLst>
               <a:ext uri="{FF2B5EF4-FFF2-40B4-BE49-F238E27FC236}">
-                <a16:creationId xmlns="" xmlns:a16="http://schemas.microsoft.com/office/drawing/2014/main" id="{79296190-7E7C-4BF5-89E2-B767E1861F21}"/>
+                <a16:creationId xmlns:a16="http://schemas.microsoft.com/office/drawing/2014/main" xmlns="" id="{79296190-7E7C-4BF5-89E2-B767E1861F21}"/>
               </a:ext>
             </a:extLst>
           </p:cNvPr>
@@ -9797,7 +9794,7 @@
           <p:cNvPr id="8" name="Espace réservé du contenu 4">
             <a:extLst>
               <a:ext uri="{FF2B5EF4-FFF2-40B4-BE49-F238E27FC236}">
-                <a16:creationId xmlns="" xmlns:a16="http://schemas.microsoft.com/office/drawing/2014/main" id="{E0ECA4FB-A27A-4EF4-8C7D-5B9524C6BE3F}"/>
+                <a16:creationId xmlns:a16="http://schemas.microsoft.com/office/drawing/2014/main" xmlns="" id="{E0ECA4FB-A27A-4EF4-8C7D-5B9524C6BE3F}"/>
               </a:ext>
             </a:extLst>
           </p:cNvPr>
@@ -10058,11 +10055,6 @@
               </a:rPr>
               <a:t>Le défaut principal est que le son va être joué en boucle pendant toute la période ou le lutin est en contact avec la pomme ou le requin.</a:t>
             </a:r>
-            <a:endParaRPr lang="fr-FR" dirty="0">
-              <a:solidFill>
-                <a:srgbClr val="FF0000"/>
-              </a:solidFill>
-            </a:endParaRPr>
           </a:p>
         </p:txBody>
       </p:sp>
@@ -10195,7 +10187,11 @@
           <a:p>
             <a:r>
               <a:rPr lang="fr-FR" dirty="0" smtClean="0"/>
-              <a:t>Relier les différents matériels ci-dessous afin qu’ils soient en réa</a:t>
+              <a:t>Relier les différents matériels ci-dessous afin qu’ils soient en </a:t>
+            </a:r>
+            <a:r>
+              <a:rPr lang="fr-FR" dirty="0" smtClean="0"/>
+              <a:t>réseaux</a:t>
             </a:r>
             <a:endParaRPr lang="fr-FR" dirty="0"/>
           </a:p>
@@ -10206,7 +10202,7 @@
           <p:cNvPr id="26" name="Espace réservé du contenu 4">
             <a:extLst>
               <a:ext uri="{FF2B5EF4-FFF2-40B4-BE49-F238E27FC236}">
-                <a16:creationId xmlns="" xmlns:a16="http://schemas.microsoft.com/office/drawing/2014/main" id="{E0ECA4FB-A27A-4EF4-8C7D-5B9524C6BE3F}"/>
+                <a16:creationId xmlns:a16="http://schemas.microsoft.com/office/drawing/2014/main" xmlns="" id="{E0ECA4FB-A27A-4EF4-8C7D-5B9524C6BE3F}"/>
               </a:ext>
             </a:extLst>
           </p:cNvPr>
@@ -11473,7 +11469,7 @@
             </a:br>
             <a:r>
               <a:rPr lang="fr-FR" dirty="0" smtClean="0"/>
-              <a:t>Accès au web</a:t>
+              <a:t>Architecture réseau local</a:t>
             </a:r>
             <a:endParaRPr lang="fr-FR" dirty="0"/>
           </a:p>
@@ -11546,568 +11542,18 @@
           <a:p>
             <a:r>
               <a:rPr lang="fr-FR" dirty="0" smtClean="0"/>
-              <a:t>Relier les différents matériels ci-dessous afin que la tablette et le client PC aient accès à internet. </a:t>
+              <a:t>Relier les différents matériels ci-dessous afin qu’ils soient en réa</a:t>
             </a:r>
             <a:endParaRPr lang="fr-FR" dirty="0"/>
           </a:p>
         </p:txBody>
       </p:sp>
-      <p:grpSp>
-        <p:nvGrpSpPr>
-          <p:cNvPr id="8" name="Groupe 7"/>
-          <p:cNvGrpSpPr/>
-          <p:nvPr/>
-        </p:nvGrpSpPr>
-        <p:grpSpPr>
-          <a:xfrm>
-            <a:off x="278395" y="2115536"/>
-            <a:ext cx="1098378" cy="1170876"/>
-            <a:chOff x="3230723" y="2684721"/>
-            <a:chExt cx="1098378" cy="1170876"/>
-          </a:xfrm>
-        </p:grpSpPr>
-        <p:pic>
-          <p:nvPicPr>
-            <p:cNvPr id="1026" name="Picture 2" descr="C:\Enseignement\GitHub\Informatique_College\Formation_2018\Quizz_Pomme\Images\1427456029-300px.png"/>
-            <p:cNvPicPr>
-              <a:picLocks noChangeAspect="1" noChangeArrowheads="1"/>
-            </p:cNvPicPr>
-            <p:nvPr/>
-          </p:nvPicPr>
-          <p:blipFill>
-            <a:blip r:embed="rId2" cstate="print">
-              <a:extLst>
-                <a:ext uri="{28A0092B-C50C-407E-A947-70E740481C1C}">
-                  <a14:useLocalDpi xmlns:a14="http://schemas.microsoft.com/office/drawing/2010/main" val="0"/>
-                </a:ext>
-              </a:extLst>
-            </a:blip>
-            <a:srcRect/>
-            <a:stretch>
-              <a:fillRect/>
-            </a:stretch>
-          </p:blipFill>
-          <p:spPr bwMode="auto">
-            <a:xfrm>
-              <a:off x="3419872" y="2684721"/>
-              <a:ext cx="720080" cy="720080"/>
-            </a:xfrm>
-            <a:prstGeom prst="rect">
-              <a:avLst/>
-            </a:prstGeom>
-            <a:noFill/>
-            <a:extLst>
-              <a:ext uri="{909E8E84-426E-40DD-AFC4-6F175D3DCCD1}">
-                <a14:hiddenFill xmlns:a14="http://schemas.microsoft.com/office/drawing/2010/main">
-                  <a:solidFill>
-                    <a:srgbClr val="FFFFFF"/>
-                  </a:solidFill>
-                </a14:hiddenFill>
-              </a:ext>
-            </a:extLst>
-          </p:spPr>
-        </p:pic>
-        <p:sp>
-          <p:nvSpPr>
-            <p:cNvPr id="7" name="ZoneTexte 6"/>
-            <p:cNvSpPr txBox="1"/>
-            <p:nvPr/>
-          </p:nvSpPr>
-          <p:spPr>
-            <a:xfrm>
-              <a:off x="3230723" y="3486265"/>
-              <a:ext cx="1098378" cy="369332"/>
-            </a:xfrm>
-            <a:prstGeom prst="rect">
-              <a:avLst/>
-            </a:prstGeom>
-            <a:noFill/>
-          </p:spPr>
-          <p:txBody>
-            <a:bodyPr wrap="none" rtlCol="0">
-              <a:spAutoFit/>
-            </a:bodyPr>
-            <a:lstStyle/>
-            <a:p>
-              <a:r>
-                <a:rPr lang="fr-FR" dirty="0" smtClean="0"/>
-                <a:t>Client PC</a:t>
-              </a:r>
-              <a:endParaRPr lang="fr-FR" dirty="0"/>
-            </a:p>
-          </p:txBody>
-        </p:sp>
-      </p:grpSp>
-      <p:grpSp>
-        <p:nvGrpSpPr>
-          <p:cNvPr id="9" name="Groupe 8"/>
-          <p:cNvGrpSpPr/>
-          <p:nvPr/>
-        </p:nvGrpSpPr>
-        <p:grpSpPr>
-          <a:xfrm>
-            <a:off x="3185221" y="2288741"/>
-            <a:ext cx="934871" cy="824466"/>
-            <a:chOff x="5465850" y="3055263"/>
-            <a:chExt cx="934871" cy="824466"/>
-          </a:xfrm>
-        </p:grpSpPr>
-        <p:pic>
-          <p:nvPicPr>
-            <p:cNvPr id="1027" name="Picture 3" descr="C:\Enseignement\GitHub\Informatique_College\Formation_2018\Quizz_Pomme\Images\Moontab-300px.png"/>
-            <p:cNvPicPr>
-              <a:picLocks noChangeAspect="1" noChangeArrowheads="1"/>
-            </p:cNvPicPr>
-            <p:nvPr/>
-          </p:nvPicPr>
-          <p:blipFill>
-            <a:blip r:embed="rId3" cstate="print">
-              <a:extLst>
-                <a:ext uri="{28A0092B-C50C-407E-A947-70E740481C1C}">
-                  <a14:useLocalDpi xmlns:a14="http://schemas.microsoft.com/office/drawing/2010/main" val="0"/>
-                </a:ext>
-              </a:extLst>
-            </a:blip>
-            <a:srcRect/>
-            <a:stretch>
-              <a:fillRect/>
-            </a:stretch>
-          </p:blipFill>
-          <p:spPr bwMode="auto">
-            <a:xfrm>
-              <a:off x="5614449" y="3055263"/>
-              <a:ext cx="637674" cy="435378"/>
-            </a:xfrm>
-            <a:prstGeom prst="rect">
-              <a:avLst/>
-            </a:prstGeom>
-            <a:noFill/>
-            <a:extLst>
-              <a:ext uri="{909E8E84-426E-40DD-AFC4-6F175D3DCCD1}">
-                <a14:hiddenFill xmlns:a14="http://schemas.microsoft.com/office/drawing/2010/main">
-                  <a:solidFill>
-                    <a:srgbClr val="FFFFFF"/>
-                  </a:solidFill>
-                </a14:hiddenFill>
-              </a:ext>
-            </a:extLst>
-          </p:spPr>
-        </p:pic>
-        <p:sp>
-          <p:nvSpPr>
-            <p:cNvPr id="14" name="ZoneTexte 13"/>
-            <p:cNvSpPr txBox="1"/>
-            <p:nvPr/>
-          </p:nvSpPr>
-          <p:spPr>
-            <a:xfrm>
-              <a:off x="5465850" y="3510397"/>
-              <a:ext cx="934871" cy="369332"/>
-            </a:xfrm>
-            <a:prstGeom prst="rect">
-              <a:avLst/>
-            </a:prstGeom>
-            <a:noFill/>
-          </p:spPr>
-          <p:txBody>
-            <a:bodyPr wrap="none" rtlCol="0">
-              <a:spAutoFit/>
-            </a:bodyPr>
-            <a:lstStyle/>
-            <a:p>
-              <a:r>
-                <a:rPr lang="fr-FR" dirty="0" smtClean="0"/>
-                <a:t>Tablette</a:t>
-              </a:r>
-              <a:endParaRPr lang="fr-FR" dirty="0"/>
-            </a:p>
-          </p:txBody>
-        </p:sp>
-      </p:grpSp>
-      <p:grpSp>
-        <p:nvGrpSpPr>
-          <p:cNvPr id="10" name="Groupe 9"/>
-          <p:cNvGrpSpPr/>
-          <p:nvPr/>
-        </p:nvGrpSpPr>
-        <p:grpSpPr>
-          <a:xfrm>
-            <a:off x="1725396" y="1900940"/>
-            <a:ext cx="1111202" cy="1600068"/>
-            <a:chOff x="2006625" y="3729913"/>
-            <a:chExt cx="1111202" cy="1600068"/>
-          </a:xfrm>
-        </p:grpSpPr>
-        <p:pic>
-          <p:nvPicPr>
-            <p:cNvPr id="6146" name="Picture 2" descr="C:\Enseignement\GitHub\Informatique_College\Formation_2018\Quizz_Pomme\Images\terminal-server-300px.png"/>
-            <p:cNvPicPr>
-              <a:picLocks noChangeAspect="1" noChangeArrowheads="1"/>
-            </p:cNvPicPr>
-            <p:nvPr/>
-          </p:nvPicPr>
-          <p:blipFill>
-            <a:blip r:embed="rId4" cstate="print">
-              <a:extLst>
-                <a:ext uri="{28A0092B-C50C-407E-A947-70E740481C1C}">
-                  <a14:useLocalDpi xmlns:a14="http://schemas.microsoft.com/office/drawing/2010/main" val="0"/>
-                </a:ext>
-              </a:extLst>
-            </a:blip>
-            <a:srcRect/>
-            <a:stretch>
-              <a:fillRect/>
-            </a:stretch>
-          </p:blipFill>
-          <p:spPr bwMode="auto">
-            <a:xfrm>
-              <a:off x="2181631" y="3729913"/>
-              <a:ext cx="761189" cy="924521"/>
-            </a:xfrm>
-            <a:prstGeom prst="rect">
-              <a:avLst/>
-            </a:prstGeom>
-            <a:noFill/>
-            <a:extLst>
-              <a:ext uri="{909E8E84-426E-40DD-AFC4-6F175D3DCCD1}">
-                <a14:hiddenFill xmlns:a14="http://schemas.microsoft.com/office/drawing/2010/main">
-                  <a:solidFill>
-                    <a:srgbClr val="FFFFFF"/>
-                  </a:solidFill>
-                </a14:hiddenFill>
-              </a:ext>
-            </a:extLst>
-          </p:spPr>
-        </p:pic>
-        <p:sp>
-          <p:nvSpPr>
-            <p:cNvPr id="16" name="ZoneTexte 15"/>
-            <p:cNvSpPr txBox="1"/>
-            <p:nvPr/>
-          </p:nvSpPr>
-          <p:spPr>
-            <a:xfrm>
-              <a:off x="2006625" y="4683650"/>
-              <a:ext cx="1111202" cy="646331"/>
-            </a:xfrm>
-            <a:prstGeom prst="rect">
-              <a:avLst/>
-            </a:prstGeom>
-            <a:noFill/>
-          </p:spPr>
-          <p:txBody>
-            <a:bodyPr wrap="none" rtlCol="0">
-              <a:spAutoFit/>
-            </a:bodyPr>
-            <a:lstStyle/>
-            <a:p>
-              <a:pPr algn="ctr"/>
-              <a:r>
-                <a:rPr lang="fr-FR" dirty="0" smtClean="0"/>
-                <a:t>Serveur </a:t>
-              </a:r>
-            </a:p>
-            <a:p>
-              <a:pPr algn="ctr"/>
-              <a:r>
-                <a:rPr lang="fr-FR" dirty="0" smtClean="0"/>
-                <a:t>(Routeur)</a:t>
-              </a:r>
-            </a:p>
-          </p:txBody>
-        </p:sp>
-      </p:grpSp>
-      <p:grpSp>
-        <p:nvGrpSpPr>
-          <p:cNvPr id="11" name="Groupe 10"/>
-          <p:cNvGrpSpPr/>
-          <p:nvPr/>
-        </p:nvGrpSpPr>
-        <p:grpSpPr>
-          <a:xfrm>
-            <a:off x="5838492" y="2288157"/>
-            <a:ext cx="1121190" cy="825634"/>
-            <a:chOff x="5267525" y="4581825"/>
-            <a:chExt cx="1121190" cy="825634"/>
-          </a:xfrm>
-        </p:grpSpPr>
-        <p:pic>
-          <p:nvPicPr>
-            <p:cNvPr id="1028" name="Picture 4" descr="C:\Enseignement\GitHub\Informatique_College\Formation_2018\Quizz_Pomme\Images\rgtaylor-csc-net-switch-300px.png"/>
-            <p:cNvPicPr>
-              <a:picLocks noChangeAspect="1" noChangeArrowheads="1"/>
-            </p:cNvPicPr>
-            <p:nvPr/>
-          </p:nvPicPr>
-          <p:blipFill>
-            <a:blip r:embed="rId5" cstate="print">
-              <a:extLst>
-                <a:ext uri="{28A0092B-C50C-407E-A947-70E740481C1C}">
-                  <a14:useLocalDpi xmlns:a14="http://schemas.microsoft.com/office/drawing/2010/main" val="0"/>
-                </a:ext>
-              </a:extLst>
-            </a:blip>
-            <a:srcRect/>
-            <a:stretch>
-              <a:fillRect/>
-            </a:stretch>
-          </p:blipFill>
-          <p:spPr bwMode="auto">
-            <a:xfrm>
-              <a:off x="5267525" y="4581825"/>
-              <a:ext cx="1121190" cy="470408"/>
-            </a:xfrm>
-            <a:prstGeom prst="rect">
-              <a:avLst/>
-            </a:prstGeom>
-            <a:noFill/>
-            <a:extLst>
-              <a:ext uri="{909E8E84-426E-40DD-AFC4-6F175D3DCCD1}">
-                <a14:hiddenFill xmlns:a14="http://schemas.microsoft.com/office/drawing/2010/main">
-                  <a:solidFill>
-                    <a:srgbClr val="FFFFFF"/>
-                  </a:solidFill>
-                </a14:hiddenFill>
-              </a:ext>
-            </a:extLst>
-          </p:spPr>
-        </p:pic>
-        <p:sp>
-          <p:nvSpPr>
-            <p:cNvPr id="18" name="ZoneTexte 17"/>
-            <p:cNvSpPr txBox="1"/>
-            <p:nvPr/>
-          </p:nvSpPr>
-          <p:spPr>
-            <a:xfrm>
-              <a:off x="5427208" y="5038127"/>
-              <a:ext cx="801823" cy="369332"/>
-            </a:xfrm>
-            <a:prstGeom prst="rect">
-              <a:avLst/>
-            </a:prstGeom>
-            <a:noFill/>
-          </p:spPr>
-          <p:txBody>
-            <a:bodyPr wrap="none" rtlCol="0">
-              <a:spAutoFit/>
-            </a:bodyPr>
-            <a:lstStyle/>
-            <a:p>
-              <a:pPr algn="ctr"/>
-              <a:r>
-                <a:rPr lang="fr-FR" dirty="0" smtClean="0"/>
-                <a:t>Switch</a:t>
-              </a:r>
-            </a:p>
-          </p:txBody>
-        </p:sp>
-      </p:grpSp>
-      <p:grpSp>
-        <p:nvGrpSpPr>
-          <p:cNvPr id="12" name="Groupe 11"/>
-          <p:cNvGrpSpPr/>
-          <p:nvPr/>
-        </p:nvGrpSpPr>
-        <p:grpSpPr>
-          <a:xfrm>
-            <a:off x="4468715" y="2137688"/>
-            <a:ext cx="1021154" cy="1126572"/>
-            <a:chOff x="7444642" y="3664372"/>
-            <a:chExt cx="1021154" cy="1126572"/>
-          </a:xfrm>
-        </p:grpSpPr>
-        <p:pic>
-          <p:nvPicPr>
-            <p:cNvPr id="1030" name="Picture 6"/>
-            <p:cNvPicPr>
-              <a:picLocks noChangeAspect="1" noChangeArrowheads="1"/>
-            </p:cNvPicPr>
-            <p:nvPr/>
-          </p:nvPicPr>
-          <p:blipFill>
-            <a:blip r:embed="rId6">
-              <a:extLst>
-                <a:ext uri="{28A0092B-C50C-407E-A947-70E740481C1C}">
-                  <a14:useLocalDpi xmlns:a14="http://schemas.microsoft.com/office/drawing/2010/main" val="0"/>
-                </a:ext>
-              </a:extLst>
-            </a:blip>
-            <a:srcRect/>
-            <a:stretch>
-              <a:fillRect/>
-            </a:stretch>
-          </p:blipFill>
-          <p:spPr bwMode="auto">
-            <a:xfrm>
-              <a:off x="7444642" y="3664372"/>
-              <a:ext cx="962964" cy="757240"/>
-            </a:xfrm>
-            <a:prstGeom prst="rect">
-              <a:avLst/>
-            </a:prstGeom>
-            <a:noFill/>
-            <a:ln>
-              <a:noFill/>
-            </a:ln>
-            <a:effectLst/>
-            <a:extLst>
-              <a:ext uri="{909E8E84-426E-40DD-AFC4-6F175D3DCCD1}">
-                <a14:hiddenFill xmlns:a14="http://schemas.microsoft.com/office/drawing/2010/main">
-                  <a:solidFill>
-                    <a:schemeClr val="accent1"/>
-                  </a:solidFill>
-                </a14:hiddenFill>
-              </a:ext>
-              <a:ext uri="{91240B29-F687-4F45-9708-019B960494DF}">
-                <a14:hiddenLine xmlns:a14="http://schemas.microsoft.com/office/drawing/2010/main" w="9525">
-                  <a:solidFill>
-                    <a:schemeClr val="tx1"/>
-                  </a:solidFill>
-                  <a:miter lim="800000"/>
-                  <a:headEnd/>
-                  <a:tailEnd/>
-                </a14:hiddenLine>
-              </a:ext>
-              <a:ext uri="{AF507438-7753-43E0-B8FC-AC1667EBCBE1}">
-                <a14:hiddenEffects xmlns:a14="http://schemas.microsoft.com/office/drawing/2010/main">
-                  <a:effectLst>
-                    <a:outerShdw dist="35921" dir="2700000" algn="ctr" rotWithShape="0">
-                      <a:schemeClr val="bg2"/>
-                    </a:outerShdw>
-                  </a:effectLst>
-                </a14:hiddenEffects>
-              </a:ext>
-            </a:extLst>
-          </p:spPr>
-        </p:pic>
-        <p:sp>
-          <p:nvSpPr>
-            <p:cNvPr id="21" name="ZoneTexte 20"/>
-            <p:cNvSpPr txBox="1"/>
-            <p:nvPr/>
-          </p:nvSpPr>
-          <p:spPr>
-            <a:xfrm>
-              <a:off x="7473217" y="4421612"/>
-              <a:ext cx="992579" cy="369332"/>
-            </a:xfrm>
-            <a:prstGeom prst="rect">
-              <a:avLst/>
-            </a:prstGeom>
-            <a:noFill/>
-          </p:spPr>
-          <p:txBody>
-            <a:bodyPr wrap="none" rtlCol="0">
-              <a:spAutoFit/>
-            </a:bodyPr>
-            <a:lstStyle/>
-            <a:p>
-              <a:r>
-                <a:rPr lang="fr-FR" b="1" dirty="0" smtClean="0"/>
-                <a:t>WWW</a:t>
-              </a:r>
-              <a:endParaRPr lang="fr-FR" b="1" dirty="0"/>
-            </a:p>
-          </p:txBody>
-        </p:sp>
-      </p:grpSp>
-      <p:grpSp>
-        <p:nvGrpSpPr>
-          <p:cNvPr id="15" name="Groupe 14"/>
-          <p:cNvGrpSpPr/>
-          <p:nvPr/>
-        </p:nvGrpSpPr>
-        <p:grpSpPr>
-          <a:xfrm>
-            <a:off x="7308304" y="2091622"/>
-            <a:ext cx="1577759" cy="1218705"/>
-            <a:chOff x="4594173" y="4739867"/>
-            <a:chExt cx="1577759" cy="1218705"/>
-          </a:xfrm>
-        </p:grpSpPr>
-        <p:pic>
-          <p:nvPicPr>
-            <p:cNvPr id="1031" name="Picture 7" descr="C:\Enseignement\GitHub\Informatique_College\Formation_2018\Quizz_Pomme\Images\wireless-router-300px.png"/>
-            <p:cNvPicPr>
-              <a:picLocks noChangeAspect="1" noChangeArrowheads="1"/>
-            </p:cNvPicPr>
-            <p:nvPr/>
-          </p:nvPicPr>
-          <p:blipFill>
-            <a:blip r:embed="rId7" cstate="print">
-              <a:extLst>
-                <a:ext uri="{28A0092B-C50C-407E-A947-70E740481C1C}">
-                  <a14:useLocalDpi xmlns:a14="http://schemas.microsoft.com/office/drawing/2010/main" val="0"/>
-                </a:ext>
-              </a:extLst>
-            </a:blip>
-            <a:srcRect/>
-            <a:stretch>
-              <a:fillRect/>
-            </a:stretch>
-          </p:blipFill>
-          <p:spPr bwMode="auto">
-            <a:xfrm>
-              <a:off x="4816803" y="4739867"/>
-              <a:ext cx="1132497" cy="849373"/>
-            </a:xfrm>
-            <a:prstGeom prst="rect">
-              <a:avLst/>
-            </a:prstGeom>
-            <a:noFill/>
-            <a:extLst>
-              <a:ext uri="{909E8E84-426E-40DD-AFC4-6F175D3DCCD1}">
-                <a14:hiddenFill xmlns:a14="http://schemas.microsoft.com/office/drawing/2010/main">
-                  <a:solidFill>
-                    <a:srgbClr val="FFFFFF"/>
-                  </a:solidFill>
-                </a14:hiddenFill>
-              </a:ext>
-            </a:extLst>
-          </p:spPr>
-        </p:pic>
-        <p:sp>
-          <p:nvSpPr>
-            <p:cNvPr id="13" name="Rectangle 12"/>
-            <p:cNvSpPr/>
-            <p:nvPr/>
-          </p:nvSpPr>
-          <p:spPr>
-            <a:xfrm>
-              <a:off x="4594173" y="5589240"/>
-              <a:ext cx="1577759" cy="369332"/>
-            </a:xfrm>
-            <a:prstGeom prst="rect">
-              <a:avLst/>
-            </a:prstGeom>
-          </p:spPr>
-          <p:txBody>
-            <a:bodyPr wrap="square">
-              <a:spAutoFit/>
-            </a:bodyPr>
-            <a:lstStyle/>
-            <a:p>
-              <a:pPr algn="ctr"/>
-              <a:r>
-                <a:rPr lang="fr-FR" dirty="0" smtClean="0"/>
-                <a:t>Borne </a:t>
-              </a:r>
-              <a:r>
-                <a:rPr lang="fr-FR" dirty="0" err="1" smtClean="0"/>
-                <a:t>WiFi</a:t>
-              </a:r>
-              <a:endParaRPr lang="fr-FR" dirty="0"/>
-            </a:p>
-          </p:txBody>
-        </p:sp>
-      </p:grpSp>
       <p:sp>
         <p:nvSpPr>
           <p:cNvPr id="26" name="Espace réservé du contenu 4">
             <a:extLst>
               <a:ext uri="{FF2B5EF4-FFF2-40B4-BE49-F238E27FC236}">
-                <a16:creationId xmlns="" xmlns:a16="http://schemas.microsoft.com/office/drawing/2014/main" id="{E0ECA4FB-A27A-4EF4-8C7D-5B9524C6BE3F}"/>
+                <a16:creationId xmlns:a16="http://schemas.microsoft.com/office/drawing/2014/main" xmlns="" id="{E0ECA4FB-A27A-4EF4-8C7D-5B9524C6BE3F}"/>
               </a:ext>
             </a:extLst>
           </p:cNvPr>
@@ -12348,13 +11794,13 @@
       </p:sp>
       <p:grpSp>
         <p:nvGrpSpPr>
-          <p:cNvPr id="27" name="Groupe 26"/>
+          <p:cNvPr id="62" name="Groupe 61"/>
           <p:cNvGrpSpPr/>
           <p:nvPr/>
         </p:nvGrpSpPr>
         <p:grpSpPr>
           <a:xfrm>
-            <a:off x="572448" y="4033042"/>
+            <a:off x="1414460" y="2175311"/>
             <a:ext cx="793807" cy="930872"/>
             <a:chOff x="3153979" y="2684721"/>
             <a:chExt cx="973081" cy="1141100"/>
@@ -12362,14 +11808,14 @@
         </p:grpSpPr>
         <p:pic>
           <p:nvPicPr>
-            <p:cNvPr id="28" name="Picture 2" descr="C:\Enseignement\GitHub\Informatique_College\Formation_2018\Quizz_Pomme\Images\1427456029-300px.png"/>
+            <p:cNvPr id="63" name="Picture 2" descr="C:\Enseignement\GitHub\Informatique_College\Formation_2018\Quizz_Pomme\Images\1427456029-300px.png"/>
             <p:cNvPicPr>
               <a:picLocks noChangeAspect="1" noChangeArrowheads="1"/>
             </p:cNvPicPr>
             <p:nvPr/>
           </p:nvPicPr>
           <p:blipFill>
-            <a:blip r:embed="rId8" cstate="print">
+            <a:blip r:embed="rId2" cstate="print">
               <a:extLst>
                 <a:ext uri="{28A0092B-C50C-407E-A947-70E740481C1C}">
                   <a14:useLocalDpi xmlns:a14="http://schemas.microsoft.com/office/drawing/2010/main" val="0"/>
@@ -12403,7 +11849,7 @@
         </p:pic>
         <p:sp>
           <p:nvSpPr>
-            <p:cNvPr id="29" name="ZoneTexte 28"/>
+            <p:cNvPr id="64" name="ZoneTexte 63"/>
             <p:cNvSpPr txBox="1"/>
             <p:nvPr/>
           </p:nvSpPr>
@@ -12435,193 +11881,13 @@
       </p:grpSp>
       <p:grpSp>
         <p:nvGrpSpPr>
-          <p:cNvPr id="30" name="Groupe 29"/>
+          <p:cNvPr id="68" name="Groupe 67"/>
           <p:cNvGrpSpPr/>
           <p:nvPr/>
         </p:nvGrpSpPr>
         <p:grpSpPr>
           <a:xfrm>
-            <a:off x="629411" y="5301208"/>
-            <a:ext cx="684803" cy="632166"/>
-            <a:chOff x="5474081" y="3055263"/>
-            <a:chExt cx="839459" cy="774935"/>
-          </a:xfrm>
-        </p:grpSpPr>
-        <p:pic>
-          <p:nvPicPr>
-            <p:cNvPr id="31" name="Picture 3" descr="C:\Enseignement\GitHub\Informatique_College\Formation_2018\Quizz_Pomme\Images\Moontab-300px.png"/>
-            <p:cNvPicPr>
-              <a:picLocks noChangeAspect="1" noChangeArrowheads="1"/>
-            </p:cNvPicPr>
-            <p:nvPr/>
-          </p:nvPicPr>
-          <p:blipFill>
-            <a:blip r:embed="rId9" cstate="print">
-              <a:extLst>
-                <a:ext uri="{28A0092B-C50C-407E-A947-70E740481C1C}">
-                  <a14:useLocalDpi xmlns:a14="http://schemas.microsoft.com/office/drawing/2010/main" val="0"/>
-                </a:ext>
-              </a:extLst>
-            </a:blip>
-            <a:srcRect/>
-            <a:stretch>
-              <a:fillRect/>
-            </a:stretch>
-          </p:blipFill>
-          <p:spPr bwMode="auto">
-            <a:xfrm>
-              <a:off x="5574977" y="3055263"/>
-              <a:ext cx="637674" cy="435378"/>
-            </a:xfrm>
-            <a:prstGeom prst="rect">
-              <a:avLst/>
-            </a:prstGeom>
-            <a:noFill/>
-            <a:extLst>
-              <a:ext uri="{909E8E84-426E-40DD-AFC4-6F175D3DCCD1}">
-                <a14:hiddenFill xmlns:a14="http://schemas.microsoft.com/office/drawing/2010/main">
-                  <a:solidFill>
-                    <a:srgbClr val="FFFFFF"/>
-                  </a:solidFill>
-                </a14:hiddenFill>
-              </a:ext>
-            </a:extLst>
-          </p:spPr>
-        </p:pic>
-        <p:sp>
-          <p:nvSpPr>
-            <p:cNvPr id="32" name="ZoneTexte 31"/>
-            <p:cNvSpPr txBox="1"/>
-            <p:nvPr/>
-          </p:nvSpPr>
-          <p:spPr>
-            <a:xfrm>
-              <a:off x="5474081" y="3490641"/>
-              <a:ext cx="839459" cy="339557"/>
-            </a:xfrm>
-            <a:prstGeom prst="rect">
-              <a:avLst/>
-            </a:prstGeom>
-            <a:noFill/>
-          </p:spPr>
-          <p:txBody>
-            <a:bodyPr wrap="none" rtlCol="0">
-              <a:spAutoFit/>
-            </a:bodyPr>
-            <a:lstStyle/>
-            <a:p>
-              <a:pPr algn="ctr"/>
-              <a:r>
-                <a:rPr lang="fr-FR" sz="1200" dirty="0" smtClean="0"/>
-                <a:t>Tablette</a:t>
-              </a:r>
-              <a:endParaRPr lang="fr-FR" sz="1200" dirty="0"/>
-            </a:p>
-          </p:txBody>
-        </p:sp>
-      </p:grpSp>
-      <p:grpSp>
-        <p:nvGrpSpPr>
-          <p:cNvPr id="33" name="Groupe 32"/>
-          <p:cNvGrpSpPr/>
-          <p:nvPr/>
-        </p:nvGrpSpPr>
-        <p:grpSpPr>
-          <a:xfrm>
-            <a:off x="6157859" y="4117937"/>
-            <a:ext cx="801823" cy="1239693"/>
-            <a:chOff x="2070772" y="3729913"/>
-            <a:chExt cx="982906" cy="1519664"/>
-          </a:xfrm>
-        </p:grpSpPr>
-        <p:pic>
-          <p:nvPicPr>
-            <p:cNvPr id="34" name="Picture 2" descr="C:\Enseignement\GitHub\Informatique_College\Formation_2018\Quizz_Pomme\Images\terminal-server-300px.png"/>
-            <p:cNvPicPr>
-              <a:picLocks noChangeAspect="1" noChangeArrowheads="1"/>
-            </p:cNvPicPr>
-            <p:nvPr/>
-          </p:nvPicPr>
-          <p:blipFill>
-            <a:blip r:embed="rId10" cstate="print">
-              <a:extLst>
-                <a:ext uri="{28A0092B-C50C-407E-A947-70E740481C1C}">
-                  <a14:useLocalDpi xmlns:a14="http://schemas.microsoft.com/office/drawing/2010/main" val="0"/>
-                </a:ext>
-              </a:extLst>
-            </a:blip>
-            <a:srcRect/>
-            <a:stretch>
-              <a:fillRect/>
-            </a:stretch>
-          </p:blipFill>
-          <p:spPr bwMode="auto">
-            <a:xfrm>
-              <a:off x="2181631" y="3729913"/>
-              <a:ext cx="761189" cy="924521"/>
-            </a:xfrm>
-            <a:prstGeom prst="rect">
-              <a:avLst/>
-            </a:prstGeom>
-            <a:noFill/>
-            <a:extLst>
-              <a:ext uri="{909E8E84-426E-40DD-AFC4-6F175D3DCCD1}">
-                <a14:hiddenFill xmlns:a14="http://schemas.microsoft.com/office/drawing/2010/main">
-                  <a:solidFill>
-                    <a:srgbClr val="FFFFFF"/>
-                  </a:solidFill>
-                </a14:hiddenFill>
-              </a:ext>
-            </a:extLst>
-          </p:spPr>
-        </p:pic>
-        <p:sp>
-          <p:nvSpPr>
-            <p:cNvPr id="35" name="ZoneTexte 34"/>
-            <p:cNvSpPr txBox="1"/>
-            <p:nvPr/>
-          </p:nvSpPr>
-          <p:spPr>
-            <a:xfrm>
-              <a:off x="2070772" y="4683650"/>
-              <a:ext cx="982906" cy="565927"/>
-            </a:xfrm>
-            <a:prstGeom prst="rect">
-              <a:avLst/>
-            </a:prstGeom>
-            <a:noFill/>
-          </p:spPr>
-          <p:txBody>
-            <a:bodyPr wrap="none" rtlCol="0">
-              <a:spAutoFit/>
-            </a:bodyPr>
-            <a:lstStyle/>
-            <a:p>
-              <a:pPr algn="ctr"/>
-              <a:r>
-                <a:rPr lang="fr-FR" sz="1200" dirty="0" smtClean="0"/>
-                <a:t>Serveur </a:t>
-              </a:r>
-            </a:p>
-            <a:p>
-              <a:pPr algn="ctr"/>
-              <a:r>
-                <a:rPr lang="fr-FR" sz="1200" dirty="0" smtClean="0"/>
-                <a:t>(Routeur)</a:t>
-              </a:r>
-            </a:p>
-          </p:txBody>
-        </p:sp>
-      </p:grpSp>
-      <p:grpSp>
-        <p:nvGrpSpPr>
-          <p:cNvPr id="36" name="Groupe 35"/>
-          <p:cNvGrpSpPr/>
-          <p:nvPr/>
-        </p:nvGrpSpPr>
-        <p:grpSpPr>
-          <a:xfrm>
-            <a:off x="4120092" y="4440460"/>
+            <a:off x="2798510" y="3143568"/>
             <a:ext cx="914630" cy="649235"/>
             <a:chOff x="5267525" y="4581825"/>
             <a:chExt cx="1121190" cy="795858"/>
@@ -12629,14 +11895,14 @@
         </p:grpSpPr>
         <p:pic>
           <p:nvPicPr>
-            <p:cNvPr id="37" name="Picture 4" descr="C:\Enseignement\GitHub\Informatique_College\Formation_2018\Quizz_Pomme\Images\rgtaylor-csc-net-switch-300px.png"/>
+            <p:cNvPr id="69" name="Picture 4" descr="C:\Enseignement\GitHub\Informatique_College\Formation_2018\Quizz_Pomme\Images\rgtaylor-csc-net-switch-300px.png"/>
             <p:cNvPicPr>
               <a:picLocks noChangeAspect="1" noChangeArrowheads="1"/>
             </p:cNvPicPr>
             <p:nvPr/>
           </p:nvPicPr>
           <p:blipFill>
-            <a:blip r:embed="rId5" cstate="print">
+            <a:blip r:embed="rId3" cstate="print">
               <a:extLst>
                 <a:ext uri="{28A0092B-C50C-407E-A947-70E740481C1C}">
                   <a14:useLocalDpi xmlns:a14="http://schemas.microsoft.com/office/drawing/2010/main" val="0"/>
@@ -12670,7 +11936,7 @@
         </p:pic>
         <p:sp>
           <p:nvSpPr>
-            <p:cNvPr id="38" name="ZoneTexte 37"/>
+            <p:cNvPr id="70" name="ZoneTexte 69"/>
             <p:cNvSpPr txBox="1"/>
             <p:nvPr/>
           </p:nvSpPr>
@@ -12701,92 +11967,28 @@
       </p:grpSp>
       <p:grpSp>
         <p:nvGrpSpPr>
-          <p:cNvPr id="39" name="Groupe 38"/>
+          <p:cNvPr id="51" name="Groupe 50"/>
           <p:cNvGrpSpPr/>
           <p:nvPr/>
         </p:nvGrpSpPr>
         <p:grpSpPr>
           <a:xfrm>
-            <a:off x="7704405" y="4341358"/>
-            <a:ext cx="785555" cy="894731"/>
-            <a:chOff x="7418094" y="3664372"/>
-            <a:chExt cx="962964" cy="1096796"/>
+            <a:off x="7647380" y="2103168"/>
+            <a:ext cx="899605" cy="987065"/>
+            <a:chOff x="1924868" y="2138209"/>
+            <a:chExt cx="899605" cy="987065"/>
           </a:xfrm>
         </p:grpSpPr>
-        <p:pic>
-          <p:nvPicPr>
-            <p:cNvPr id="40" name="Picture 6"/>
-            <p:cNvPicPr>
-              <a:picLocks noChangeAspect="1" noChangeArrowheads="1"/>
-            </p:cNvPicPr>
-            <p:nvPr/>
-          </p:nvPicPr>
-          <p:blipFill>
-            <a:blip r:embed="rId11" cstate="print">
-              <a:extLst>
-                <a:ext uri="{28A0092B-C50C-407E-A947-70E740481C1C}">
-                  <a14:useLocalDpi xmlns:a14="http://schemas.microsoft.com/office/drawing/2010/main" val="0"/>
-                </a:ext>
-              </a:extLst>
-            </a:blip>
-            <a:srcRect/>
-            <a:stretch>
-              <a:fillRect/>
-            </a:stretch>
-          </p:blipFill>
-          <p:spPr bwMode="auto">
-            <a:xfrm>
-              <a:off x="7418094" y="3664372"/>
-              <a:ext cx="962964" cy="757240"/>
-            </a:xfrm>
-            <a:prstGeom prst="rect">
-              <a:avLst/>
-            </a:prstGeom>
-            <a:noFill/>
-            <a:ln>
-              <a:noFill/>
-            </a:ln>
-            <a:effectLst/>
-            <a:extLst>
-              <a:ext uri="{909E8E84-426E-40DD-AFC4-6F175D3DCCD1}">
-                <a14:hiddenFill xmlns:a14="http://schemas.microsoft.com/office/drawing/2010/main">
-                  <a:solidFill>
-                    <a:schemeClr val="accent1"/>
-                  </a:solidFill>
-                </a14:hiddenFill>
-              </a:ext>
-              <a:ext uri="{91240B29-F687-4F45-9708-019B960494DF}">
-                <a14:hiddenLine xmlns:a14="http://schemas.microsoft.com/office/drawing/2010/main" w="9525">
-                  <a:solidFill>
-                    <a:schemeClr val="tx1"/>
-                  </a:solidFill>
-                  <a:miter lim="800000"/>
-                  <a:headEnd/>
-                  <a:tailEnd/>
-                </a14:hiddenLine>
-              </a:ext>
-              <a:ext uri="{AF507438-7753-43E0-B8FC-AC1667EBCBE1}">
-                <a14:hiddenEffects xmlns:a14="http://schemas.microsoft.com/office/drawing/2010/main">
-                  <a:effectLst>
-                    <a:outerShdw dist="35921" dir="2700000" algn="ctr" rotWithShape="0">
-                      <a:schemeClr val="bg2"/>
-                    </a:outerShdw>
-                  </a:effectLst>
-                </a14:hiddenEffects>
-              </a:ext>
-            </a:extLst>
-          </p:spPr>
-        </p:pic>
         <p:sp>
           <p:nvSpPr>
-            <p:cNvPr id="41" name="ZoneTexte 40"/>
+            <p:cNvPr id="71" name="ZoneTexte 70"/>
             <p:cNvSpPr txBox="1"/>
             <p:nvPr/>
           </p:nvSpPr>
           <p:spPr>
             <a:xfrm>
-              <a:off x="7456267" y="4421612"/>
-              <a:ext cx="886619" cy="339556"/>
+              <a:off x="1924868" y="2663609"/>
+              <a:ext cx="899605" cy="461665"/>
             </a:xfrm>
             <a:prstGeom prst="rect">
               <a:avLst/>
@@ -12801,38 +12003,29 @@
             <a:p>
               <a:pPr algn="ctr"/>
               <a:r>
-                <a:rPr lang="fr-FR" sz="1200" b="1" dirty="0" smtClean="0"/>
-                <a:t>WWW</a:t>
+                <a:rPr lang="fr-FR" sz="1200" dirty="0" smtClean="0"/>
+                <a:t>Imprimante</a:t>
               </a:r>
-              <a:endParaRPr lang="fr-FR" sz="1200" b="1" dirty="0"/>
+            </a:p>
+            <a:p>
+              <a:pPr algn="ctr"/>
+              <a:r>
+                <a:rPr lang="fr-FR" sz="1200" dirty="0" smtClean="0"/>
+                <a:t>réseau</a:t>
+              </a:r>
             </a:p>
           </p:txBody>
         </p:sp>
-      </p:grpSp>
-      <p:grpSp>
-        <p:nvGrpSpPr>
-          <p:cNvPr id="42" name="Groupe 41"/>
-          <p:cNvGrpSpPr/>
-          <p:nvPr/>
-        </p:nvGrpSpPr>
-        <p:grpSpPr>
-          <a:xfrm>
-            <a:off x="2193055" y="5126797"/>
-            <a:ext cx="1287085" cy="969890"/>
-            <a:chOff x="4594173" y="4739867"/>
-            <a:chExt cx="1577759" cy="1188929"/>
-          </a:xfrm>
-        </p:grpSpPr>
         <p:pic>
           <p:nvPicPr>
-            <p:cNvPr id="43" name="Picture 7" descr="C:\Enseignement\GitHub\Informatique_College\Formation_2018\Quizz_Pomme\Images\wireless-router-300px.png"/>
+            <p:cNvPr id="1033" name="Picture 9" descr="C:\Enseignement\GitHub\Informatique_College\Formation_2018\Quizz_Pomme\Images\lnasto-Laser-Printer-ln-300px.png"/>
             <p:cNvPicPr>
               <a:picLocks noChangeAspect="1" noChangeArrowheads="1"/>
             </p:cNvPicPr>
             <p:nvPr/>
           </p:nvPicPr>
           <p:blipFill>
-            <a:blip r:embed="rId12" cstate="print">
+            <a:blip r:embed="rId4" cstate="print">
               <a:extLst>
                 <a:ext uri="{28A0092B-C50C-407E-A947-70E740481C1C}">
                   <a14:useLocalDpi xmlns:a14="http://schemas.microsoft.com/office/drawing/2010/main" val="0"/>
@@ -12846,8 +12039,64 @@
           </p:blipFill>
           <p:spPr bwMode="auto">
             <a:xfrm>
-              <a:off x="4816804" y="4739867"/>
-              <a:ext cx="1132497" cy="849373"/>
+              <a:off x="1937978" y="2138209"/>
+              <a:ext cx="873384" cy="617191"/>
+            </a:xfrm>
+            <a:prstGeom prst="rect">
+              <a:avLst/>
+            </a:prstGeom>
+            <a:noFill/>
+            <a:extLst>
+              <a:ext uri="{909E8E84-426E-40DD-AFC4-6F175D3DCCD1}">
+                <a14:hiddenFill xmlns:a14="http://schemas.microsoft.com/office/drawing/2010/main">
+                  <a:solidFill>
+                    <a:srgbClr val="FFFFFF"/>
+                  </a:solidFill>
+                </a14:hiddenFill>
+              </a:ext>
+            </a:extLst>
+          </p:spPr>
+        </p:pic>
+      </p:grpSp>
+      <p:grpSp>
+        <p:nvGrpSpPr>
+          <p:cNvPr id="75" name="Groupe 74"/>
+          <p:cNvGrpSpPr/>
+          <p:nvPr/>
+        </p:nvGrpSpPr>
+        <p:grpSpPr>
+          <a:xfrm>
+            <a:off x="665088" y="3995425"/>
+            <a:ext cx="793807" cy="930872"/>
+            <a:chOff x="3153979" y="2684721"/>
+            <a:chExt cx="973081" cy="1141100"/>
+          </a:xfrm>
+        </p:grpSpPr>
+        <p:pic>
+          <p:nvPicPr>
+            <p:cNvPr id="76" name="Picture 2" descr="C:\Enseignement\GitHub\Informatique_College\Formation_2018\Quizz_Pomme\Images\1427456029-300px.png"/>
+            <p:cNvPicPr>
+              <a:picLocks noChangeAspect="1" noChangeArrowheads="1"/>
+            </p:cNvPicPr>
+            <p:nvPr/>
+          </p:nvPicPr>
+          <p:blipFill>
+            <a:blip r:embed="rId2" cstate="print">
+              <a:extLst>
+                <a:ext uri="{28A0092B-C50C-407E-A947-70E740481C1C}">
+                  <a14:useLocalDpi xmlns:a14="http://schemas.microsoft.com/office/drawing/2010/main" val="0"/>
+                </a:ext>
+              </a:extLst>
+            </a:blip>
+            <a:srcRect/>
+            <a:stretch>
+              <a:fillRect/>
+            </a:stretch>
+          </p:blipFill>
+          <p:spPr bwMode="auto">
+            <a:xfrm>
+              <a:off x="3280481" y="2684721"/>
+              <a:ext cx="720080" cy="720080"/>
             </a:xfrm>
             <a:prstGeom prst="rect">
               <a:avLst/>
@@ -12866,21 +12115,22 @@
         </p:pic>
         <p:sp>
           <p:nvSpPr>
-            <p:cNvPr id="44" name="Rectangle 43"/>
-            <p:cNvSpPr/>
+            <p:cNvPr id="77" name="ZoneTexte 76"/>
+            <p:cNvSpPr txBox="1"/>
             <p:nvPr/>
           </p:nvSpPr>
           <p:spPr>
             <a:xfrm>
-              <a:off x="4594173" y="5589240"/>
-              <a:ext cx="1577759" cy="339556"/>
+              <a:off x="3153979" y="3486265"/>
+              <a:ext cx="973081" cy="339556"/>
             </a:xfrm>
             <a:prstGeom prst="rect">
               <a:avLst/>
             </a:prstGeom>
+            <a:noFill/>
           </p:spPr>
           <p:txBody>
-            <a:bodyPr wrap="square">
+            <a:bodyPr wrap="none" rtlCol="0">
               <a:spAutoFit/>
             </a:bodyPr>
             <a:lstStyle/>
@@ -12888,30 +12138,205 @@
               <a:pPr algn="ctr"/>
               <a:r>
                 <a:rPr lang="fr-FR" sz="1200" dirty="0" smtClean="0"/>
-                <a:t>Borne </a:t>
-              </a:r>
-              <a:r>
-                <a:rPr lang="fr-FR" sz="1200" dirty="0" err="1" smtClean="0"/>
-                <a:t>WiFi</a:t>
+                <a:t>Client PC</a:t>
               </a:r>
               <a:endParaRPr lang="fr-FR" sz="1200" dirty="0"/>
             </a:p>
           </p:txBody>
         </p:sp>
       </p:grpSp>
+      <p:grpSp>
+        <p:nvGrpSpPr>
+          <p:cNvPr id="81" name="Groupe 80"/>
+          <p:cNvGrpSpPr/>
+          <p:nvPr/>
+        </p:nvGrpSpPr>
+        <p:grpSpPr>
+          <a:xfrm>
+            <a:off x="2958307" y="4571475"/>
+            <a:ext cx="914630" cy="649235"/>
+            <a:chOff x="5267525" y="4581825"/>
+            <a:chExt cx="1121190" cy="795858"/>
+          </a:xfrm>
+        </p:grpSpPr>
+        <p:pic>
+          <p:nvPicPr>
+            <p:cNvPr id="82" name="Picture 4" descr="C:\Enseignement\GitHub\Informatique_College\Formation_2018\Quizz_Pomme\Images\rgtaylor-csc-net-switch-300px.png"/>
+            <p:cNvPicPr>
+              <a:picLocks noChangeAspect="1" noChangeArrowheads="1"/>
+            </p:cNvPicPr>
+            <p:nvPr/>
+          </p:nvPicPr>
+          <p:blipFill>
+            <a:blip r:embed="rId3" cstate="print">
+              <a:extLst>
+                <a:ext uri="{28A0092B-C50C-407E-A947-70E740481C1C}">
+                  <a14:useLocalDpi xmlns:a14="http://schemas.microsoft.com/office/drawing/2010/main" val="0"/>
+                </a:ext>
+              </a:extLst>
+            </a:blip>
+            <a:srcRect/>
+            <a:stretch>
+              <a:fillRect/>
+            </a:stretch>
+          </p:blipFill>
+          <p:spPr bwMode="auto">
+            <a:xfrm>
+              <a:off x="5267525" y="4581825"/>
+              <a:ext cx="1121190" cy="470409"/>
+            </a:xfrm>
+            <a:prstGeom prst="rect">
+              <a:avLst/>
+            </a:prstGeom>
+            <a:noFill/>
+            <a:extLst>
+              <a:ext uri="{909E8E84-426E-40DD-AFC4-6F175D3DCCD1}">
+                <a14:hiddenFill xmlns:a14="http://schemas.microsoft.com/office/drawing/2010/main">
+                  <a:solidFill>
+                    <a:srgbClr val="FFFFFF"/>
+                  </a:solidFill>
+                </a14:hiddenFill>
+              </a:ext>
+            </a:extLst>
+          </p:spPr>
+        </p:pic>
+        <p:sp>
+          <p:nvSpPr>
+            <p:cNvPr id="83" name="ZoneTexte 82"/>
+            <p:cNvSpPr txBox="1"/>
+            <p:nvPr/>
+          </p:nvSpPr>
+          <p:spPr>
+            <a:xfrm>
+              <a:off x="5463411" y="5038127"/>
+              <a:ext cx="729419" cy="339556"/>
+            </a:xfrm>
+            <a:prstGeom prst="rect">
+              <a:avLst/>
+            </a:prstGeom>
+            <a:noFill/>
+          </p:spPr>
+          <p:txBody>
+            <a:bodyPr wrap="none" rtlCol="0">
+              <a:spAutoFit/>
+            </a:bodyPr>
+            <a:lstStyle/>
+            <a:p>
+              <a:pPr algn="ctr"/>
+              <a:r>
+                <a:rPr lang="fr-FR" sz="1200" dirty="0" smtClean="0"/>
+                <a:t>Switch</a:t>
+              </a:r>
+            </a:p>
+          </p:txBody>
+        </p:sp>
+      </p:grpSp>
+      <p:grpSp>
+        <p:nvGrpSpPr>
+          <p:cNvPr id="87" name="Groupe 86"/>
+          <p:cNvGrpSpPr/>
+          <p:nvPr/>
+        </p:nvGrpSpPr>
+        <p:grpSpPr>
+          <a:xfrm>
+            <a:off x="595524" y="5271592"/>
+            <a:ext cx="899605" cy="987065"/>
+            <a:chOff x="1924867" y="2138209"/>
+            <a:chExt cx="899605" cy="987065"/>
+          </a:xfrm>
+        </p:grpSpPr>
+        <p:sp>
+          <p:nvSpPr>
+            <p:cNvPr id="88" name="ZoneTexte 87"/>
+            <p:cNvSpPr txBox="1"/>
+            <p:nvPr/>
+          </p:nvSpPr>
+          <p:spPr>
+            <a:xfrm>
+              <a:off x="1924867" y="2663609"/>
+              <a:ext cx="899605" cy="461665"/>
+            </a:xfrm>
+            <a:prstGeom prst="rect">
+              <a:avLst/>
+            </a:prstGeom>
+            <a:noFill/>
+          </p:spPr>
+          <p:txBody>
+            <a:bodyPr wrap="none" rtlCol="0">
+              <a:spAutoFit/>
+            </a:bodyPr>
+            <a:lstStyle/>
+            <a:p>
+              <a:pPr algn="ctr"/>
+              <a:r>
+                <a:rPr lang="fr-FR" sz="1200" dirty="0" smtClean="0"/>
+                <a:t>Imprimante</a:t>
+              </a:r>
+            </a:p>
+            <a:p>
+              <a:pPr algn="ctr"/>
+              <a:r>
+                <a:rPr lang="fr-FR" sz="1200" dirty="0" smtClean="0"/>
+                <a:t>réseau</a:t>
+              </a:r>
+            </a:p>
+          </p:txBody>
+        </p:sp>
+        <p:pic>
+          <p:nvPicPr>
+            <p:cNvPr id="89" name="Picture 9" descr="C:\Enseignement\GitHub\Informatique_College\Formation_2018\Quizz_Pomme\Images\lnasto-Laser-Printer-ln-300px.png"/>
+            <p:cNvPicPr>
+              <a:picLocks noChangeAspect="1" noChangeArrowheads="1"/>
+            </p:cNvPicPr>
+            <p:nvPr/>
+          </p:nvPicPr>
+          <p:blipFill>
+            <a:blip r:embed="rId4" cstate="print">
+              <a:extLst>
+                <a:ext uri="{28A0092B-C50C-407E-A947-70E740481C1C}">
+                  <a14:useLocalDpi xmlns:a14="http://schemas.microsoft.com/office/drawing/2010/main" val="0"/>
+                </a:ext>
+              </a:extLst>
+            </a:blip>
+            <a:srcRect/>
+            <a:stretch>
+              <a:fillRect/>
+            </a:stretch>
+          </p:blipFill>
+          <p:spPr bwMode="auto">
+            <a:xfrm>
+              <a:off x="1937978" y="2138209"/>
+              <a:ext cx="873384" cy="617191"/>
+            </a:xfrm>
+            <a:prstGeom prst="rect">
+              <a:avLst/>
+            </a:prstGeom>
+            <a:noFill/>
+            <a:extLst>
+              <a:ext uri="{909E8E84-426E-40DD-AFC4-6F175D3DCCD1}">
+                <a14:hiddenFill xmlns:a14="http://schemas.microsoft.com/office/drawing/2010/main">
+                  <a:solidFill>
+                    <a:srgbClr val="FFFFFF"/>
+                  </a:solidFill>
+                </a14:hiddenFill>
+              </a:ext>
+            </a:extLst>
+          </p:spPr>
+        </p:pic>
+      </p:grpSp>
       <p:cxnSp>
         <p:nvCxnSpPr>
-          <p:cNvPr id="19" name="Connecteur droit 18"/>
+          <p:cNvPr id="92" name="Connecteur droit 91"/>
           <p:cNvCxnSpPr>
-            <a:stCxn id="28" idx="3"/>
-            <a:endCxn id="37" idx="1"/>
+            <a:stCxn id="82" idx="1"/>
+            <a:endCxn id="76" idx="3"/>
           </p:cNvCxnSpPr>
           <p:nvPr/>
         </p:nvCxnSpPr>
         <p:spPr>
-          <a:xfrm>
-            <a:off x="1263061" y="4326751"/>
-            <a:ext cx="2857031" cy="305581"/>
+          <a:xfrm flipH="1" flipV="1">
+            <a:off x="1355701" y="4289134"/>
+            <a:ext cx="1602606" cy="474213"/>
           </a:xfrm>
           <a:prstGeom prst="line">
             <a:avLst/>
@@ -12941,17 +12366,17 @@
       </p:cxnSp>
       <p:cxnSp>
         <p:nvCxnSpPr>
-          <p:cNvPr id="47" name="Connecteur droit 46"/>
+          <p:cNvPr id="96" name="Connecteur droit 95"/>
           <p:cNvCxnSpPr>
-            <a:stCxn id="43" idx="3"/>
-            <a:endCxn id="37" idx="1"/>
+            <a:stCxn id="89" idx="3"/>
+            <a:endCxn id="82" idx="1"/>
           </p:cNvCxnSpPr>
           <p:nvPr/>
         </p:nvCxnSpPr>
         <p:spPr>
           <a:xfrm flipV="1">
-            <a:off x="3298525" y="4632332"/>
-            <a:ext cx="821567" cy="840911"/>
+            <a:off x="1482019" y="4763347"/>
+            <a:ext cx="1476288" cy="816841"/>
           </a:xfrm>
           <a:prstGeom prst="line">
             <a:avLst/>
@@ -12981,17 +12406,17 @@
       </p:cxnSp>
       <p:cxnSp>
         <p:nvCxnSpPr>
-          <p:cNvPr id="50" name="Connecteur droit 49"/>
+          <p:cNvPr id="34" name="Connecteur droit 33"/>
           <p:cNvCxnSpPr>
-            <a:stCxn id="37" idx="3"/>
-            <a:endCxn id="34" idx="1"/>
+            <a:stCxn id="69" idx="1"/>
+            <a:endCxn id="64" idx="3"/>
           </p:cNvCxnSpPr>
           <p:nvPr/>
         </p:nvCxnSpPr>
         <p:spPr>
-          <a:xfrm flipV="1">
-            <a:off x="5034722" y="4495034"/>
-            <a:ext cx="1213572" cy="137298"/>
+          <a:xfrm flipH="1" flipV="1">
+            <a:off x="2208267" y="2967684"/>
+            <a:ext cx="590243" cy="367756"/>
           </a:xfrm>
           <a:prstGeom prst="line">
             <a:avLst/>
@@ -13019,91 +12444,10 @@
           </a:fontRef>
         </p:style>
       </p:cxnSp>
-      <p:cxnSp>
-        <p:nvCxnSpPr>
-          <p:cNvPr id="53" name="Connecteur droit 52"/>
-          <p:cNvCxnSpPr>
-            <a:stCxn id="34" idx="3"/>
-            <a:endCxn id="40" idx="1"/>
-          </p:cNvCxnSpPr>
-          <p:nvPr/>
-        </p:nvCxnSpPr>
-        <p:spPr>
-          <a:xfrm>
-            <a:off x="6869247" y="4495034"/>
-            <a:ext cx="835158" cy="155190"/>
-          </a:xfrm>
-          <a:prstGeom prst="line">
-            <a:avLst/>
-          </a:prstGeom>
-          <a:ln w="28575">
-            <a:solidFill>
-              <a:schemeClr val="accent5">
-                <a:lumMod val="50000"/>
-              </a:schemeClr>
-            </a:solidFill>
-          </a:ln>
-        </p:spPr>
-        <p:style>
-          <a:lnRef idx="1">
-            <a:schemeClr val="accent1"/>
-          </a:lnRef>
-          <a:fillRef idx="0">
-            <a:schemeClr val="accent1"/>
-          </a:fillRef>
-          <a:effectRef idx="0">
-            <a:schemeClr val="accent1"/>
-          </a:effectRef>
-          <a:fontRef idx="minor">
-            <a:schemeClr val="tx1"/>
-          </a:fontRef>
-        </p:style>
-      </p:cxnSp>
-      <p:cxnSp>
-        <p:nvCxnSpPr>
-          <p:cNvPr id="56" name="Connecteur droit 55"/>
-          <p:cNvCxnSpPr>
-            <a:stCxn id="31" idx="3"/>
-            <a:endCxn id="43" idx="1"/>
-          </p:cNvCxnSpPr>
-          <p:nvPr/>
-        </p:nvCxnSpPr>
-        <p:spPr>
-          <a:xfrm flipV="1">
-            <a:off x="1231912" y="5473243"/>
-            <a:ext cx="1142758" cy="5549"/>
-          </a:xfrm>
-          <a:prstGeom prst="line">
-            <a:avLst/>
-          </a:prstGeom>
-          <a:ln w="28575">
-            <a:solidFill>
-              <a:schemeClr val="accent5">
-                <a:lumMod val="50000"/>
-              </a:schemeClr>
-            </a:solidFill>
-            <a:prstDash val="sysDash"/>
-          </a:ln>
-        </p:spPr>
-        <p:style>
-          <a:lnRef idx="1">
-            <a:schemeClr val="accent1"/>
-          </a:lnRef>
-          <a:fillRef idx="0">
-            <a:schemeClr val="accent1"/>
-          </a:fillRef>
-          <a:effectRef idx="0">
-            <a:schemeClr val="accent1"/>
-          </a:effectRef>
-          <a:fontRef idx="minor">
-            <a:schemeClr val="tx1"/>
-          </a:fontRef>
-        </p:style>
-      </p:cxnSp>
     </p:spTree>
     <p:extLst>
       <p:ext uri="{BB962C8B-B14F-4D97-AF65-F5344CB8AC3E}">
-        <p14:creationId xmlns:p14="http://schemas.microsoft.com/office/powerpoint/2010/main" val="1199161679"/>
+        <p14:creationId xmlns:p14="http://schemas.microsoft.com/office/powerpoint/2010/main" val="2944135320"/>
       </p:ext>
     </p:extLst>
   </p:cSld>
@@ -13720,7 +13064,7 @@
           <p:cNvPr id="9" name="Espace réservé du contenu 4">
             <a:extLst>
               <a:ext uri="{FF2B5EF4-FFF2-40B4-BE49-F238E27FC236}">
-                <a16:creationId xmlns="" xmlns:a16="http://schemas.microsoft.com/office/drawing/2014/main" id="{E0ECA4FB-A27A-4EF4-8C7D-5B9524C6BE3F}"/>
+                <a16:creationId xmlns:a16="http://schemas.microsoft.com/office/drawing/2014/main" xmlns="" id="{E0ECA4FB-A27A-4EF4-8C7D-5B9524C6BE3F}"/>
               </a:ext>
             </a:extLst>
           </p:cNvPr>
@@ -14719,7 +14063,7 @@
           <p:cNvPr id="6" name="Espace réservé du contenu 4">
             <a:extLst>
               <a:ext uri="{FF2B5EF4-FFF2-40B4-BE49-F238E27FC236}">
-                <a16:creationId xmlns="" xmlns:a16="http://schemas.microsoft.com/office/drawing/2014/main" id="{E0ECA4FB-A27A-4EF4-8C7D-5B9524C6BE3F}"/>
+                <a16:creationId xmlns:a16="http://schemas.microsoft.com/office/drawing/2014/main" xmlns="" id="{E0ECA4FB-A27A-4EF4-8C7D-5B9524C6BE3F}"/>
               </a:ext>
             </a:extLst>
           </p:cNvPr>
@@ -15249,7 +14593,7 @@
           <p:cNvPr id="6" name="Espace réservé du contenu 4">
             <a:extLst>
               <a:ext uri="{FF2B5EF4-FFF2-40B4-BE49-F238E27FC236}">
-                <a16:creationId xmlns="" xmlns:a16="http://schemas.microsoft.com/office/drawing/2014/main" id="{E0ECA4FB-A27A-4EF4-8C7D-5B9524C6BE3F}"/>
+                <a16:creationId xmlns:a16="http://schemas.microsoft.com/office/drawing/2014/main" xmlns="" id="{E0ECA4FB-A27A-4EF4-8C7D-5B9524C6BE3F}"/>
               </a:ext>
             </a:extLst>
           </p:cNvPr>
@@ -16936,15 +16280,7 @@
                             <a:schemeClr val="tx1"/>
                           </a:solidFill>
                         </a:rPr>
-                        <a:t> une seule carte </a:t>
-                      </a:r>
-                      <a:r>
-                        <a:rPr lang="fr-FR" sz="900" baseline="0" dirty="0" smtClean="0">
-                          <a:solidFill>
-                            <a:schemeClr val="tx1"/>
-                          </a:solidFill>
-                        </a:rPr>
-                        <a:t>réseau.</a:t>
+                        <a:t> une seule carte réseau.</a:t>
                       </a:r>
                       <a:endParaRPr lang="fr-FR" sz="900" dirty="0">
                         <a:solidFill>
@@ -18142,10 +17478,27 @@
         </p:nvSpPr>
         <p:spPr/>
         <p:txBody>
-          <a:bodyPr/>
+          <a:bodyPr>
+            <a:normAutofit fontScale="90000"/>
+          </a:bodyPr>
           <a:lstStyle/>
           <a:p>
-            <a:endParaRPr lang="fr-FR"/>
+            <a:r>
+              <a:rPr lang="fr-FR" dirty="0" smtClean="0"/>
+              <a:t>8. Mettre en place un réseau</a:t>
+            </a:r>
+            <a:br>
+              <a:rPr lang="fr-FR" dirty="0" smtClean="0"/>
+            </a:br>
+            <a:r>
+              <a:rPr lang="fr-FR" dirty="0" err="1" smtClean="0"/>
+              <a:t>Réseau</a:t>
+            </a:r>
+            <a:r>
+              <a:rPr lang="fr-FR" dirty="0" smtClean="0"/>
+              <a:t> local</a:t>
+            </a:r>
+            <a:endParaRPr lang="fr-FR" dirty="0"/>
           </a:p>
         </p:txBody>
       </p:sp>
@@ -18165,10 +17518,9 @@
           <a:lstStyle/>
           <a:p>
             <a:r>
-              <a:rPr lang="fr-FR" smtClean="0"/>
+              <a:rPr lang="fr-FR"/>
               <a:t>David Violeau – Xavier Pessoles</a:t>
             </a:r>
-            <a:endParaRPr lang="fr-FR"/>
           </a:p>
         </p:txBody>
       </p:sp>
@@ -18205,12 +17557,6025 @@
             <p:ph sz="quarter" idx="1"/>
           </p:nvPr>
         </p:nvSpPr>
+        <p:spPr>
+          <a:xfrm>
+            <a:off x="251520" y="980728"/>
+            <a:ext cx="8640960" cy="1080120"/>
+          </a:xfrm>
+        </p:spPr>
+        <p:txBody>
+          <a:bodyPr>
+            <a:normAutofit fontScale="55000" lnSpcReduction="20000"/>
+          </a:bodyPr>
+          <a:lstStyle/>
+          <a:p>
+            <a:r>
+              <a:rPr lang="fr-FR" dirty="0" smtClean="0"/>
+              <a:t>3 PC communiquent via un switch depuis un certain temps. </a:t>
+            </a:r>
+          </a:p>
+          <a:p>
+            <a:r>
+              <a:rPr lang="fr-FR" dirty="0" smtClean="0"/>
+              <a:t>PC 1doit envoyer un message à PC 3.</a:t>
+            </a:r>
+          </a:p>
+          <a:p>
+            <a:r>
+              <a:rPr lang="fr-FR" dirty="0" smtClean="0"/>
+              <a:t>Indiquer le chemin du message 1. </a:t>
+            </a:r>
+          </a:p>
+          <a:p>
+            <a:r>
+              <a:rPr lang="fr-FR" dirty="0" smtClean="0"/>
+              <a:t>Donner la table de correspondance Port – Mac </a:t>
+            </a:r>
+            <a:endParaRPr lang="fr-FR" dirty="0"/>
+          </a:p>
+        </p:txBody>
+      </p:sp>
+      <p:sp>
+        <p:nvSpPr>
+          <p:cNvPr id="26" name="Espace réservé du contenu 4">
+            <a:extLst>
+              <a:ext uri="{FF2B5EF4-FFF2-40B4-BE49-F238E27FC236}">
+                <a16:creationId xmlns:a16="http://schemas.microsoft.com/office/drawing/2014/main" xmlns="" id="{E0ECA4FB-A27A-4EF4-8C7D-5B9524C6BE3F}"/>
+              </a:ext>
+            </a:extLst>
+          </p:cNvPr>
+          <p:cNvSpPr txBox="1">
+            <a:spLocks/>
+          </p:cNvSpPr>
+          <p:nvPr/>
+        </p:nvSpPr>
+        <p:spPr>
+          <a:xfrm>
+            <a:off x="251520" y="4132022"/>
+            <a:ext cx="8585788" cy="2219566"/>
+          </a:xfrm>
+          <a:prstGeom prst="rect">
+            <a:avLst/>
+          </a:prstGeom>
+          <a:ln>
+            <a:solidFill>
+              <a:schemeClr val="accent5">
+                <a:lumMod val="50000"/>
+              </a:schemeClr>
+            </a:solidFill>
+            <a:prstDash val="lgDash"/>
+          </a:ln>
+        </p:spPr>
+        <p:txBody>
+          <a:bodyPr vert="horz">
+            <a:normAutofit/>
+          </a:bodyPr>
+          <a:lstStyle>
+            <a:lvl1pPr marL="274320" indent="-274320" algn="l" rtl="0" eaLnBrk="1" latinLnBrk="0" hangingPunct="1">
+              <a:spcBef>
+                <a:spcPts val="600"/>
+              </a:spcBef>
+              <a:buClr>
+                <a:schemeClr val="accent5">
+                  <a:lumMod val="50000"/>
+                </a:schemeClr>
+              </a:buClr>
+              <a:buSzPct val="76000"/>
+              <a:buFont typeface="Wingdings 3"/>
+              <a:buChar char=""/>
+              <a:defRPr kumimoji="0" sz="2600" kern="1200">
+                <a:solidFill>
+                  <a:schemeClr val="tx1"/>
+                </a:solidFill>
+                <a:latin typeface="+mn-lt"/>
+                <a:ea typeface="+mn-ea"/>
+                <a:cs typeface="+mn-cs"/>
+              </a:defRPr>
+            </a:lvl1pPr>
+            <a:lvl2pPr marL="548640" indent="-274320" algn="l" rtl="0" eaLnBrk="1" latinLnBrk="0" hangingPunct="1">
+              <a:spcBef>
+                <a:spcPts val="500"/>
+              </a:spcBef>
+              <a:buClr>
+                <a:schemeClr val="accent5">
+                  <a:lumMod val="75000"/>
+                </a:schemeClr>
+              </a:buClr>
+              <a:buSzPct val="76000"/>
+              <a:buFont typeface="Wingdings 3"/>
+              <a:buChar char=""/>
+              <a:defRPr kumimoji="0" sz="2300" kern="1200">
+                <a:solidFill>
+                  <a:schemeClr val="tx1"/>
+                </a:solidFill>
+                <a:latin typeface="+mn-lt"/>
+                <a:ea typeface="+mn-ea"/>
+                <a:cs typeface="+mn-cs"/>
+              </a:defRPr>
+            </a:lvl2pPr>
+            <a:lvl3pPr marL="822960" indent="-228600" algn="l" rtl="0" eaLnBrk="1" latinLnBrk="0" hangingPunct="1">
+              <a:spcBef>
+                <a:spcPts val="500"/>
+              </a:spcBef>
+              <a:buClr>
+                <a:schemeClr val="accent5">
+                  <a:lumMod val="75000"/>
+                </a:schemeClr>
+              </a:buClr>
+              <a:buSzPct val="76000"/>
+              <a:buFont typeface="Wingdings 3"/>
+              <a:buChar char=""/>
+              <a:defRPr kumimoji="0" sz="2000" kern="1200">
+                <a:solidFill>
+                  <a:schemeClr val="tx1"/>
+                </a:solidFill>
+                <a:latin typeface="+mn-lt"/>
+                <a:ea typeface="+mn-ea"/>
+                <a:cs typeface="+mn-cs"/>
+              </a:defRPr>
+            </a:lvl3pPr>
+            <a:lvl4pPr marL="1097280" indent="-228600" algn="l" rtl="0" eaLnBrk="1" latinLnBrk="0" hangingPunct="1">
+              <a:spcBef>
+                <a:spcPts val="400"/>
+              </a:spcBef>
+              <a:buClr>
+                <a:schemeClr val="accent5">
+                  <a:lumMod val="75000"/>
+                </a:schemeClr>
+              </a:buClr>
+              <a:buSzPct val="70000"/>
+              <a:buFont typeface="Wingdings"/>
+              <a:buChar char=""/>
+              <a:defRPr kumimoji="0" sz="1800" kern="1200">
+                <a:solidFill>
+                  <a:schemeClr val="tx1"/>
+                </a:solidFill>
+                <a:latin typeface="+mn-lt"/>
+                <a:ea typeface="+mn-ea"/>
+                <a:cs typeface="+mn-cs"/>
+              </a:defRPr>
+            </a:lvl4pPr>
+            <a:lvl5pPr marL="1371600" indent="-228600" algn="l" rtl="0" eaLnBrk="1" latinLnBrk="0" hangingPunct="1">
+              <a:spcBef>
+                <a:spcPts val="300"/>
+              </a:spcBef>
+              <a:buClr>
+                <a:schemeClr val="accent5">
+                  <a:lumMod val="75000"/>
+                </a:schemeClr>
+              </a:buClr>
+              <a:buSzPct val="70000"/>
+              <a:buFont typeface="Wingdings"/>
+              <a:buChar char=""/>
+              <a:defRPr kumimoji="0" sz="1600" kern="1200">
+                <a:solidFill>
+                  <a:schemeClr val="tx1"/>
+                </a:solidFill>
+                <a:latin typeface="+mn-lt"/>
+                <a:ea typeface="+mn-ea"/>
+                <a:cs typeface="+mn-cs"/>
+              </a:defRPr>
+            </a:lvl5pPr>
+            <a:lvl6pPr marL="1645920" indent="-182880" algn="l" rtl="0" eaLnBrk="1" latinLnBrk="0" hangingPunct="1">
+              <a:spcBef>
+                <a:spcPts val="300"/>
+              </a:spcBef>
+              <a:buClr>
+                <a:srgbClr val="9FB8CD">
+                  <a:shade val="75000"/>
+                </a:srgbClr>
+              </a:buClr>
+              <a:buSzPct val="75000"/>
+              <a:buFont typeface="Wingdings 3"/>
+              <a:buChar char=""/>
+              <a:defRPr kumimoji="0" lang="en-US" sz="1600" kern="1200" smtClean="0">
+                <a:solidFill>
+                  <a:schemeClr val="tx1"/>
+                </a:solidFill>
+                <a:latin typeface="+mn-lt"/>
+                <a:ea typeface="+mn-ea"/>
+                <a:cs typeface="+mn-cs"/>
+              </a:defRPr>
+            </a:lvl6pPr>
+            <a:lvl7pPr marL="1828800" indent="-182880" algn="l" rtl="0" eaLnBrk="1" latinLnBrk="0" hangingPunct="1">
+              <a:spcBef>
+                <a:spcPts val="300"/>
+              </a:spcBef>
+              <a:buClr>
+                <a:srgbClr val="727CA3">
+                  <a:shade val="75000"/>
+                </a:srgbClr>
+              </a:buClr>
+              <a:buSzPct val="75000"/>
+              <a:buFont typeface="Wingdings 3"/>
+              <a:buChar char=""/>
+              <a:defRPr kumimoji="0" lang="en-US" sz="1400" kern="1200" smtClean="0">
+                <a:solidFill>
+                  <a:schemeClr val="tx1"/>
+                </a:solidFill>
+                <a:latin typeface="+mn-lt"/>
+                <a:ea typeface="+mn-ea"/>
+                <a:cs typeface="+mn-cs"/>
+              </a:defRPr>
+            </a:lvl7pPr>
+            <a:lvl8pPr marL="2011680" indent="-182880" algn="l" rtl="0" eaLnBrk="1" latinLnBrk="0" hangingPunct="1">
+              <a:spcBef>
+                <a:spcPts val="300"/>
+              </a:spcBef>
+              <a:buClr>
+                <a:prstClr val="white">
+                  <a:shade val="50000"/>
+                </a:prstClr>
+              </a:buClr>
+              <a:buSzPct val="75000"/>
+              <a:buFont typeface="Wingdings 3"/>
+              <a:buChar char=""/>
+              <a:defRPr kumimoji="0" lang="en-US" sz="1400" kern="1200" smtClean="0">
+                <a:solidFill>
+                  <a:schemeClr val="tx1"/>
+                </a:solidFill>
+                <a:latin typeface="+mn-lt"/>
+                <a:ea typeface="+mn-ea"/>
+                <a:cs typeface="+mn-cs"/>
+              </a:defRPr>
+            </a:lvl8pPr>
+            <a:lvl9pPr marL="2194560" indent="-182880" algn="l" rtl="0" eaLnBrk="1" latinLnBrk="0" hangingPunct="1">
+              <a:spcBef>
+                <a:spcPts val="300"/>
+              </a:spcBef>
+              <a:buClr>
+                <a:srgbClr val="9FB8CD"/>
+              </a:buClr>
+              <a:buSzPct val="75000"/>
+              <a:buFont typeface="Wingdings 3"/>
+              <a:buChar char=""/>
+              <a:defRPr kumimoji="0" lang="en-US" sz="1200" kern="1200" smtClean="0">
+                <a:solidFill>
+                  <a:schemeClr val="tx1"/>
+                </a:solidFill>
+                <a:latin typeface="+mn-lt"/>
+                <a:ea typeface="+mn-ea"/>
+                <a:cs typeface="+mn-cs"/>
+              </a:defRPr>
+            </a:lvl9pPr>
+          </a:lstStyle>
+          <a:p>
+            <a:r>
+              <a:rPr lang="fr-FR" sz="2000" dirty="0">
+                <a:solidFill>
+                  <a:srgbClr val="FF0000"/>
+                </a:solidFill>
+              </a:rPr>
+              <a:t>Solution </a:t>
+            </a:r>
+            <a:r>
+              <a:rPr lang="fr-FR" sz="2000" dirty="0" smtClean="0">
+                <a:solidFill>
+                  <a:srgbClr val="FF0000"/>
+                </a:solidFill>
+              </a:rPr>
+              <a:t>: Le switch connait pas la table de relation port – adresse mac : </a:t>
+            </a:r>
+          </a:p>
+          <a:p>
+            <a:pPr lvl="1"/>
+            <a:r>
+              <a:rPr lang="fr-FR" sz="1800" dirty="0" smtClean="0">
+                <a:solidFill>
+                  <a:srgbClr val="FF0000"/>
+                </a:solidFill>
+              </a:rPr>
+              <a:t>Port 1 : Mac 1</a:t>
+            </a:r>
+          </a:p>
+          <a:p>
+            <a:pPr lvl="1"/>
+            <a:r>
+              <a:rPr lang="fr-FR" sz="1800" dirty="0" smtClean="0">
+                <a:solidFill>
+                  <a:srgbClr val="FF0000"/>
+                </a:solidFill>
+              </a:rPr>
+              <a:t>Port 2 : Mac 2</a:t>
+            </a:r>
+          </a:p>
+          <a:p>
+            <a:pPr lvl="1"/>
+            <a:r>
+              <a:rPr lang="fr-FR" sz="1800" dirty="0" smtClean="0">
+                <a:solidFill>
+                  <a:srgbClr val="FF0000"/>
+                </a:solidFill>
+              </a:rPr>
+              <a:t>Port 3 : Mac 3</a:t>
+            </a:r>
+            <a:r>
+              <a:rPr lang="fr-FR" sz="1800" dirty="0" smtClean="0">
+                <a:solidFill>
+                  <a:srgbClr val="FF0000"/>
+                </a:solidFill>
+              </a:rPr>
+              <a:t> </a:t>
+            </a:r>
+            <a:endParaRPr lang="fr-FR" sz="1800" dirty="0">
+              <a:solidFill>
+                <a:srgbClr val="FF0000"/>
+              </a:solidFill>
+            </a:endParaRPr>
+          </a:p>
+          <a:p>
+            <a:pPr lvl="1"/>
+            <a:endParaRPr lang="fr-FR" sz="1800" dirty="0">
+              <a:solidFill>
+                <a:srgbClr val="FF0000"/>
+              </a:solidFill>
+            </a:endParaRPr>
+          </a:p>
+        </p:txBody>
+      </p:sp>
+      <p:grpSp>
+        <p:nvGrpSpPr>
+          <p:cNvPr id="58" name="Groupe 57"/>
+          <p:cNvGrpSpPr/>
+          <p:nvPr/>
+        </p:nvGrpSpPr>
+        <p:grpSpPr>
+          <a:xfrm>
+            <a:off x="1533535" y="2070083"/>
+            <a:ext cx="5425556" cy="2061938"/>
+            <a:chOff x="1533535" y="2070083"/>
+            <a:chExt cx="5425556" cy="2061938"/>
+          </a:xfrm>
+        </p:grpSpPr>
+        <p:grpSp>
+          <p:nvGrpSpPr>
+            <p:cNvPr id="46" name="Groupe 45"/>
+            <p:cNvGrpSpPr/>
+            <p:nvPr/>
+          </p:nvGrpSpPr>
+          <p:grpSpPr>
+            <a:xfrm>
+              <a:off x="1533535" y="2070083"/>
+              <a:ext cx="5425556" cy="2061938"/>
+              <a:chOff x="651327" y="1596807"/>
+              <a:chExt cx="5425556" cy="2061938"/>
+            </a:xfrm>
+          </p:grpSpPr>
+          <p:grpSp>
+            <p:nvGrpSpPr>
+              <p:cNvPr id="27" name="Groupe 26"/>
+              <p:cNvGrpSpPr/>
+              <p:nvPr/>
+            </p:nvGrpSpPr>
+            <p:grpSpPr>
+              <a:xfrm>
+                <a:off x="2949352" y="1596807"/>
+                <a:ext cx="870751" cy="930869"/>
+                <a:chOff x="3106818" y="2380693"/>
+                <a:chExt cx="1067402" cy="1141097"/>
+              </a:xfrm>
+            </p:grpSpPr>
+            <p:pic>
+              <p:nvPicPr>
+                <p:cNvPr id="28" name="Picture 2" descr="C:\Enseignement\GitHub\Informatique_College\Formation_2018\Quizz_Pomme\Images\1427456029-300px.png"/>
+                <p:cNvPicPr>
+                  <a:picLocks noChangeAspect="1" noChangeArrowheads="1"/>
+                </p:cNvPicPr>
+                <p:nvPr/>
+              </p:nvPicPr>
+              <p:blipFill>
+                <a:blip r:embed="rId2" cstate="print">
+                  <a:extLst>
+                    <a:ext uri="{28A0092B-C50C-407E-A947-70E740481C1C}">
+                      <a14:useLocalDpi xmlns:a14="http://schemas.microsoft.com/office/drawing/2010/main" val="0"/>
+                    </a:ext>
+                  </a:extLst>
+                </a:blip>
+                <a:srcRect/>
+                <a:stretch>
+                  <a:fillRect/>
+                </a:stretch>
+              </p:blipFill>
+              <p:spPr bwMode="auto">
+                <a:xfrm>
+                  <a:off x="3280480" y="2380693"/>
+                  <a:ext cx="720080" cy="720081"/>
+                </a:xfrm>
+                <a:prstGeom prst="rect">
+                  <a:avLst/>
+                </a:prstGeom>
+                <a:noFill/>
+                <a:extLst>
+                  <a:ext uri="{909E8E84-426E-40DD-AFC4-6F175D3DCCD1}">
+                    <a14:hiddenFill xmlns:a14="http://schemas.microsoft.com/office/drawing/2010/main">
+                      <a:solidFill>
+                        <a:srgbClr val="FFFFFF"/>
+                      </a:solidFill>
+                    </a14:hiddenFill>
+                  </a:ext>
+                </a:extLst>
+              </p:spPr>
+            </p:pic>
+            <p:sp>
+              <p:nvSpPr>
+                <p:cNvPr id="29" name="ZoneTexte 28"/>
+                <p:cNvSpPr txBox="1"/>
+                <p:nvPr/>
+              </p:nvSpPr>
+              <p:spPr>
+                <a:xfrm>
+                  <a:off x="3106818" y="3182233"/>
+                  <a:ext cx="1067402" cy="339557"/>
+                </a:xfrm>
+                <a:prstGeom prst="rect">
+                  <a:avLst/>
+                </a:prstGeom>
+                <a:noFill/>
+              </p:spPr>
+              <p:txBody>
+                <a:bodyPr wrap="none" rtlCol="0">
+                  <a:spAutoFit/>
+                </a:bodyPr>
+                <a:lstStyle/>
+                <a:p>
+                  <a:pPr algn="ctr"/>
+                  <a:r>
+                    <a:rPr lang="fr-FR" sz="1200" dirty="0" smtClean="0"/>
+                    <a:t>Client </a:t>
+                  </a:r>
+                  <a:r>
+                    <a:rPr lang="fr-FR" sz="1200" dirty="0" smtClean="0"/>
+                    <a:t>PC2</a:t>
+                  </a:r>
+                  <a:endParaRPr lang="fr-FR" sz="1200" dirty="0"/>
+                </a:p>
+              </p:txBody>
+            </p:sp>
+          </p:grpSp>
+          <p:grpSp>
+            <p:nvGrpSpPr>
+              <p:cNvPr id="36" name="Groupe 35"/>
+              <p:cNvGrpSpPr/>
+              <p:nvPr/>
+            </p:nvGrpSpPr>
+            <p:grpSpPr>
+              <a:xfrm>
+                <a:off x="2927412" y="3009510"/>
+                <a:ext cx="914630" cy="649235"/>
+                <a:chOff x="5267525" y="4581825"/>
+                <a:chExt cx="1121190" cy="795858"/>
+              </a:xfrm>
+            </p:grpSpPr>
+            <p:pic>
+              <p:nvPicPr>
+                <p:cNvPr id="37" name="Picture 4" descr="C:\Enseignement\GitHub\Informatique_College\Formation_2018\Quizz_Pomme\Images\rgtaylor-csc-net-switch-300px.png"/>
+                <p:cNvPicPr>
+                  <a:picLocks noChangeAspect="1" noChangeArrowheads="1"/>
+                </p:cNvPicPr>
+                <p:nvPr/>
+              </p:nvPicPr>
+              <p:blipFill>
+                <a:blip r:embed="rId3" cstate="print">
+                  <a:extLst>
+                    <a:ext uri="{28A0092B-C50C-407E-A947-70E740481C1C}">
+                      <a14:useLocalDpi xmlns:a14="http://schemas.microsoft.com/office/drawing/2010/main" val="0"/>
+                    </a:ext>
+                  </a:extLst>
+                </a:blip>
+                <a:srcRect/>
+                <a:stretch>
+                  <a:fillRect/>
+                </a:stretch>
+              </p:blipFill>
+              <p:spPr bwMode="auto">
+                <a:xfrm>
+                  <a:off x="5267525" y="4581825"/>
+                  <a:ext cx="1121190" cy="470409"/>
+                </a:xfrm>
+                <a:prstGeom prst="rect">
+                  <a:avLst/>
+                </a:prstGeom>
+                <a:noFill/>
+                <a:extLst>
+                  <a:ext uri="{909E8E84-426E-40DD-AFC4-6F175D3DCCD1}">
+                    <a14:hiddenFill xmlns:a14="http://schemas.microsoft.com/office/drawing/2010/main">
+                      <a:solidFill>
+                        <a:srgbClr val="FFFFFF"/>
+                      </a:solidFill>
+                    </a14:hiddenFill>
+                  </a:ext>
+                </a:extLst>
+              </p:spPr>
+            </p:pic>
+            <p:sp>
+              <p:nvSpPr>
+                <p:cNvPr id="38" name="ZoneTexte 37"/>
+                <p:cNvSpPr txBox="1"/>
+                <p:nvPr/>
+              </p:nvSpPr>
+              <p:spPr>
+                <a:xfrm>
+                  <a:off x="5463411" y="5038127"/>
+                  <a:ext cx="729419" cy="339556"/>
+                </a:xfrm>
+                <a:prstGeom prst="rect">
+                  <a:avLst/>
+                </a:prstGeom>
+                <a:noFill/>
+              </p:spPr>
+              <p:txBody>
+                <a:bodyPr wrap="none" rtlCol="0">
+                  <a:spAutoFit/>
+                </a:bodyPr>
+                <a:lstStyle/>
+                <a:p>
+                  <a:pPr algn="ctr"/>
+                  <a:r>
+                    <a:rPr lang="fr-FR" sz="1200" dirty="0" smtClean="0"/>
+                    <a:t>Switch</a:t>
+                  </a:r>
+                </a:p>
+              </p:txBody>
+            </p:sp>
+          </p:grpSp>
+          <p:cxnSp>
+            <p:nvCxnSpPr>
+              <p:cNvPr id="50" name="Connecteur droit 49"/>
+              <p:cNvCxnSpPr>
+                <a:stCxn id="37" idx="3"/>
+                <a:endCxn id="54" idx="1"/>
+              </p:cNvCxnSpPr>
+              <p:nvPr/>
+            </p:nvCxnSpPr>
+            <p:spPr>
+              <a:xfrm flipV="1">
+                <a:off x="3842042" y="2132833"/>
+                <a:ext cx="1505758" cy="1068549"/>
+              </a:xfrm>
+              <a:prstGeom prst="line">
+                <a:avLst/>
+              </a:prstGeom>
+              <a:ln w="28575">
+                <a:solidFill>
+                  <a:schemeClr val="accent5">
+                    <a:lumMod val="50000"/>
+                  </a:schemeClr>
+                </a:solidFill>
+              </a:ln>
+            </p:spPr>
+            <p:style>
+              <a:lnRef idx="1">
+                <a:schemeClr val="accent1"/>
+              </a:lnRef>
+              <a:fillRef idx="0">
+                <a:schemeClr val="accent1"/>
+              </a:fillRef>
+              <a:effectRef idx="0">
+                <a:schemeClr val="accent1"/>
+              </a:effectRef>
+              <a:fontRef idx="minor">
+                <a:schemeClr val="tx1"/>
+              </a:fontRef>
+            </p:style>
+          </p:cxnSp>
+          <p:grpSp>
+            <p:nvGrpSpPr>
+              <p:cNvPr id="48" name="Groupe 47"/>
+              <p:cNvGrpSpPr/>
+              <p:nvPr/>
+            </p:nvGrpSpPr>
+            <p:grpSpPr>
+              <a:xfrm>
+                <a:off x="651327" y="1844824"/>
+                <a:ext cx="870751" cy="930872"/>
+                <a:chOff x="3106820" y="2684721"/>
+                <a:chExt cx="1067403" cy="1141100"/>
+              </a:xfrm>
+            </p:grpSpPr>
+            <p:pic>
+              <p:nvPicPr>
+                <p:cNvPr id="49" name="Picture 2" descr="C:\Enseignement\GitHub\Informatique_College\Formation_2018\Quizz_Pomme\Images\1427456029-300px.png"/>
+                <p:cNvPicPr>
+                  <a:picLocks noChangeAspect="1" noChangeArrowheads="1"/>
+                </p:cNvPicPr>
+                <p:nvPr/>
+              </p:nvPicPr>
+              <p:blipFill>
+                <a:blip r:embed="rId2" cstate="print">
+                  <a:extLst>
+                    <a:ext uri="{28A0092B-C50C-407E-A947-70E740481C1C}">
+                      <a14:useLocalDpi xmlns:a14="http://schemas.microsoft.com/office/drawing/2010/main" val="0"/>
+                    </a:ext>
+                  </a:extLst>
+                </a:blip>
+                <a:srcRect/>
+                <a:stretch>
+                  <a:fillRect/>
+                </a:stretch>
+              </p:blipFill>
+              <p:spPr bwMode="auto">
+                <a:xfrm>
+                  <a:off x="3280481" y="2684721"/>
+                  <a:ext cx="720080" cy="720080"/>
+                </a:xfrm>
+                <a:prstGeom prst="rect">
+                  <a:avLst/>
+                </a:prstGeom>
+                <a:noFill/>
+                <a:extLst>
+                  <a:ext uri="{909E8E84-426E-40DD-AFC4-6F175D3DCCD1}">
+                    <a14:hiddenFill xmlns:a14="http://schemas.microsoft.com/office/drawing/2010/main">
+                      <a:solidFill>
+                        <a:srgbClr val="FFFFFF"/>
+                      </a:solidFill>
+                    </a14:hiddenFill>
+                  </a:ext>
+                </a:extLst>
+              </p:spPr>
+            </p:pic>
+            <p:sp>
+              <p:nvSpPr>
+                <p:cNvPr id="51" name="ZoneTexte 50"/>
+                <p:cNvSpPr txBox="1"/>
+                <p:nvPr/>
+              </p:nvSpPr>
+              <p:spPr>
+                <a:xfrm>
+                  <a:off x="3106820" y="3486265"/>
+                  <a:ext cx="1067403" cy="339556"/>
+                </a:xfrm>
+                <a:prstGeom prst="rect">
+                  <a:avLst/>
+                </a:prstGeom>
+                <a:noFill/>
+              </p:spPr>
+              <p:txBody>
+                <a:bodyPr wrap="none" rtlCol="0">
+                  <a:spAutoFit/>
+                </a:bodyPr>
+                <a:lstStyle/>
+                <a:p>
+                  <a:pPr algn="ctr"/>
+                  <a:r>
+                    <a:rPr lang="fr-FR" sz="1200" dirty="0" smtClean="0"/>
+                    <a:t>Client PC1</a:t>
+                  </a:r>
+                  <a:endParaRPr lang="fr-FR" sz="1200" dirty="0"/>
+                </a:p>
+              </p:txBody>
+            </p:sp>
+          </p:grpSp>
+          <p:grpSp>
+            <p:nvGrpSpPr>
+              <p:cNvPr id="52" name="Groupe 51"/>
+              <p:cNvGrpSpPr/>
+              <p:nvPr/>
+            </p:nvGrpSpPr>
+            <p:grpSpPr>
+              <a:xfrm>
+                <a:off x="5206132" y="1839124"/>
+                <a:ext cx="870751" cy="930872"/>
+                <a:chOff x="3106818" y="2684721"/>
+                <a:chExt cx="1067402" cy="1141100"/>
+              </a:xfrm>
+            </p:grpSpPr>
+            <p:pic>
+              <p:nvPicPr>
+                <p:cNvPr id="54" name="Picture 2" descr="C:\Enseignement\GitHub\Informatique_College\Formation_2018\Quizz_Pomme\Images\1427456029-300px.png"/>
+                <p:cNvPicPr>
+                  <a:picLocks noChangeAspect="1" noChangeArrowheads="1"/>
+                </p:cNvPicPr>
+                <p:nvPr/>
+              </p:nvPicPr>
+              <p:blipFill>
+                <a:blip r:embed="rId2" cstate="print">
+                  <a:extLst>
+                    <a:ext uri="{28A0092B-C50C-407E-A947-70E740481C1C}">
+                      <a14:useLocalDpi xmlns:a14="http://schemas.microsoft.com/office/drawing/2010/main" val="0"/>
+                    </a:ext>
+                  </a:extLst>
+                </a:blip>
+                <a:srcRect/>
+                <a:stretch>
+                  <a:fillRect/>
+                </a:stretch>
+              </p:blipFill>
+              <p:spPr bwMode="auto">
+                <a:xfrm>
+                  <a:off x="3280481" y="2684721"/>
+                  <a:ext cx="720080" cy="720080"/>
+                </a:xfrm>
+                <a:prstGeom prst="rect">
+                  <a:avLst/>
+                </a:prstGeom>
+                <a:noFill/>
+                <a:extLst>
+                  <a:ext uri="{909E8E84-426E-40DD-AFC4-6F175D3DCCD1}">
+                    <a14:hiddenFill xmlns:a14="http://schemas.microsoft.com/office/drawing/2010/main">
+                      <a:solidFill>
+                        <a:srgbClr val="FFFFFF"/>
+                      </a:solidFill>
+                    </a14:hiddenFill>
+                  </a:ext>
+                </a:extLst>
+              </p:spPr>
+            </p:pic>
+            <p:sp>
+              <p:nvSpPr>
+                <p:cNvPr id="55" name="ZoneTexte 54"/>
+                <p:cNvSpPr txBox="1"/>
+                <p:nvPr/>
+              </p:nvSpPr>
+              <p:spPr>
+                <a:xfrm>
+                  <a:off x="3106818" y="3486265"/>
+                  <a:ext cx="1067402" cy="339556"/>
+                </a:xfrm>
+                <a:prstGeom prst="rect">
+                  <a:avLst/>
+                </a:prstGeom>
+                <a:noFill/>
+              </p:spPr>
+              <p:txBody>
+                <a:bodyPr wrap="none" rtlCol="0">
+                  <a:spAutoFit/>
+                </a:bodyPr>
+                <a:lstStyle/>
+                <a:p>
+                  <a:pPr algn="ctr"/>
+                  <a:r>
+                    <a:rPr lang="fr-FR" sz="1200" dirty="0" smtClean="0"/>
+                    <a:t>Client </a:t>
+                  </a:r>
+                  <a:r>
+                    <a:rPr lang="fr-FR" sz="1200" dirty="0" smtClean="0"/>
+                    <a:t>PC3</a:t>
+                  </a:r>
+                  <a:endParaRPr lang="fr-FR" sz="1200" dirty="0"/>
+                </a:p>
+              </p:txBody>
+            </p:sp>
+          </p:grpSp>
+          <p:cxnSp>
+            <p:nvCxnSpPr>
+              <p:cNvPr id="57" name="Connecteur droit 56"/>
+              <p:cNvCxnSpPr>
+                <a:stCxn id="37" idx="1"/>
+                <a:endCxn id="49" idx="3"/>
+              </p:cNvCxnSpPr>
+              <p:nvPr/>
+            </p:nvCxnSpPr>
+            <p:spPr>
+              <a:xfrm flipH="1" flipV="1">
+                <a:off x="1380413" y="2138533"/>
+                <a:ext cx="1546999" cy="1062849"/>
+              </a:xfrm>
+              <a:prstGeom prst="line">
+                <a:avLst/>
+              </a:prstGeom>
+              <a:ln w="28575">
+                <a:solidFill>
+                  <a:schemeClr val="accent5">
+                    <a:lumMod val="50000"/>
+                  </a:schemeClr>
+                </a:solidFill>
+              </a:ln>
+            </p:spPr>
+            <p:style>
+              <a:lnRef idx="1">
+                <a:schemeClr val="accent1"/>
+              </a:lnRef>
+              <a:fillRef idx="0">
+                <a:schemeClr val="accent1"/>
+              </a:fillRef>
+              <a:effectRef idx="0">
+                <a:schemeClr val="accent1"/>
+              </a:effectRef>
+              <a:fontRef idx="minor">
+                <a:schemeClr val="tx1"/>
+              </a:fontRef>
+            </p:style>
+          </p:cxnSp>
+          <p:cxnSp>
+            <p:nvCxnSpPr>
+              <p:cNvPr id="61" name="Connecteur droit 60"/>
+              <p:cNvCxnSpPr>
+                <a:stCxn id="37" idx="0"/>
+                <a:endCxn id="29" idx="2"/>
+              </p:cNvCxnSpPr>
+              <p:nvPr/>
+            </p:nvCxnSpPr>
+            <p:spPr>
+              <a:xfrm flipV="1">
+                <a:off x="3384727" y="2527676"/>
+                <a:ext cx="1" cy="481834"/>
+              </a:xfrm>
+              <a:prstGeom prst="line">
+                <a:avLst/>
+              </a:prstGeom>
+              <a:ln w="28575">
+                <a:solidFill>
+                  <a:schemeClr val="accent5">
+                    <a:lumMod val="50000"/>
+                  </a:schemeClr>
+                </a:solidFill>
+              </a:ln>
+            </p:spPr>
+            <p:style>
+              <a:lnRef idx="1">
+                <a:schemeClr val="accent1"/>
+              </a:lnRef>
+              <a:fillRef idx="0">
+                <a:schemeClr val="accent1"/>
+              </a:fillRef>
+              <a:effectRef idx="0">
+                <a:schemeClr val="accent1"/>
+              </a:effectRef>
+              <a:fontRef idx="minor">
+                <a:schemeClr val="tx1"/>
+              </a:fontRef>
+            </p:style>
+          </p:cxnSp>
+        </p:grpSp>
+        <p:sp>
+          <p:nvSpPr>
+            <p:cNvPr id="65" name="ZoneTexte 64"/>
+            <p:cNvSpPr txBox="1"/>
+            <p:nvPr/>
+          </p:nvSpPr>
+          <p:spPr>
+            <a:xfrm>
+              <a:off x="3542284" y="3228357"/>
+              <a:ext cx="579839" cy="276999"/>
+            </a:xfrm>
+            <a:prstGeom prst="rect">
+              <a:avLst/>
+            </a:prstGeom>
+            <a:noFill/>
+          </p:spPr>
+          <p:txBody>
+            <a:bodyPr wrap="none" rtlCol="0">
+              <a:spAutoFit/>
+            </a:bodyPr>
+            <a:lstStyle/>
+            <a:p>
+              <a:pPr algn="ctr"/>
+              <a:r>
+                <a:rPr lang="fr-FR" sz="1200" dirty="0" smtClean="0"/>
+                <a:t>Port 1</a:t>
+              </a:r>
+              <a:endParaRPr lang="fr-FR" sz="1200" dirty="0"/>
+            </a:p>
+          </p:txBody>
+        </p:sp>
+        <p:sp>
+          <p:nvSpPr>
+            <p:cNvPr id="66" name="ZoneTexte 65"/>
+            <p:cNvSpPr txBox="1"/>
+            <p:nvPr/>
+          </p:nvSpPr>
+          <p:spPr>
+            <a:xfrm>
+              <a:off x="4246313" y="3173315"/>
+              <a:ext cx="579839" cy="276999"/>
+            </a:xfrm>
+            <a:prstGeom prst="rect">
+              <a:avLst/>
+            </a:prstGeom>
+            <a:noFill/>
+          </p:spPr>
+          <p:txBody>
+            <a:bodyPr wrap="none" rtlCol="0">
+              <a:spAutoFit/>
+            </a:bodyPr>
+            <a:lstStyle/>
+            <a:p>
+              <a:pPr algn="ctr"/>
+              <a:r>
+                <a:rPr lang="fr-FR" sz="1200" dirty="0" smtClean="0"/>
+                <a:t>Port 2</a:t>
+              </a:r>
+              <a:endParaRPr lang="fr-FR" sz="1200" dirty="0"/>
+            </a:p>
+          </p:txBody>
+        </p:sp>
+        <p:sp>
+          <p:nvSpPr>
+            <p:cNvPr id="67" name="ZoneTexte 66"/>
+            <p:cNvSpPr txBox="1"/>
+            <p:nvPr/>
+          </p:nvSpPr>
+          <p:spPr>
+            <a:xfrm>
+              <a:off x="4790693" y="3512041"/>
+              <a:ext cx="579839" cy="276999"/>
+            </a:xfrm>
+            <a:prstGeom prst="rect">
+              <a:avLst/>
+            </a:prstGeom>
+            <a:noFill/>
+          </p:spPr>
+          <p:txBody>
+            <a:bodyPr wrap="none" rtlCol="0">
+              <a:spAutoFit/>
+            </a:bodyPr>
+            <a:lstStyle/>
+            <a:p>
+              <a:pPr algn="ctr"/>
+              <a:r>
+                <a:rPr lang="fr-FR" sz="1200" dirty="0" smtClean="0"/>
+                <a:t>Port 3</a:t>
+              </a:r>
+              <a:endParaRPr lang="fr-FR" sz="1200" dirty="0"/>
+            </a:p>
+          </p:txBody>
+        </p:sp>
+      </p:grpSp>
+      <p:grpSp>
+        <p:nvGrpSpPr>
+          <p:cNvPr id="69" name="Groupe 68"/>
+          <p:cNvGrpSpPr/>
+          <p:nvPr/>
+        </p:nvGrpSpPr>
+        <p:grpSpPr>
+          <a:xfrm>
+            <a:off x="2989388" y="4428122"/>
+            <a:ext cx="5425556" cy="2061938"/>
+            <a:chOff x="1533535" y="2070083"/>
+            <a:chExt cx="5425556" cy="2061938"/>
+          </a:xfrm>
+        </p:grpSpPr>
+        <p:grpSp>
+          <p:nvGrpSpPr>
+            <p:cNvPr id="70" name="Groupe 69"/>
+            <p:cNvGrpSpPr/>
+            <p:nvPr/>
+          </p:nvGrpSpPr>
+          <p:grpSpPr>
+            <a:xfrm>
+              <a:off x="1533535" y="2070083"/>
+              <a:ext cx="5425556" cy="2061938"/>
+              <a:chOff x="651327" y="1596807"/>
+              <a:chExt cx="5425556" cy="2061938"/>
+            </a:xfrm>
+          </p:grpSpPr>
+          <p:grpSp>
+            <p:nvGrpSpPr>
+              <p:cNvPr id="74" name="Groupe 73"/>
+              <p:cNvGrpSpPr/>
+              <p:nvPr/>
+            </p:nvGrpSpPr>
+            <p:grpSpPr>
+              <a:xfrm>
+                <a:off x="2949352" y="1596807"/>
+                <a:ext cx="870751" cy="930869"/>
+                <a:chOff x="3106818" y="2380693"/>
+                <a:chExt cx="1067402" cy="1141097"/>
+              </a:xfrm>
+            </p:grpSpPr>
+            <p:pic>
+              <p:nvPicPr>
+                <p:cNvPr id="87" name="Picture 2" descr="C:\Enseignement\GitHub\Informatique_College\Formation_2018\Quizz_Pomme\Images\1427456029-300px.png"/>
+                <p:cNvPicPr>
+                  <a:picLocks noChangeAspect="1" noChangeArrowheads="1"/>
+                </p:cNvPicPr>
+                <p:nvPr/>
+              </p:nvPicPr>
+              <p:blipFill>
+                <a:blip r:embed="rId2" cstate="print">
+                  <a:extLst>
+                    <a:ext uri="{28A0092B-C50C-407E-A947-70E740481C1C}">
+                      <a14:useLocalDpi xmlns:a14="http://schemas.microsoft.com/office/drawing/2010/main" val="0"/>
+                    </a:ext>
+                  </a:extLst>
+                </a:blip>
+                <a:srcRect/>
+                <a:stretch>
+                  <a:fillRect/>
+                </a:stretch>
+              </p:blipFill>
+              <p:spPr bwMode="auto">
+                <a:xfrm>
+                  <a:off x="3280480" y="2380693"/>
+                  <a:ext cx="720080" cy="720081"/>
+                </a:xfrm>
+                <a:prstGeom prst="rect">
+                  <a:avLst/>
+                </a:prstGeom>
+                <a:noFill/>
+                <a:extLst>
+                  <a:ext uri="{909E8E84-426E-40DD-AFC4-6F175D3DCCD1}">
+                    <a14:hiddenFill xmlns:a14="http://schemas.microsoft.com/office/drawing/2010/main">
+                      <a:solidFill>
+                        <a:srgbClr val="FFFFFF"/>
+                      </a:solidFill>
+                    </a14:hiddenFill>
+                  </a:ext>
+                </a:extLst>
+              </p:spPr>
+            </p:pic>
+            <p:sp>
+              <p:nvSpPr>
+                <p:cNvPr id="88" name="ZoneTexte 87"/>
+                <p:cNvSpPr txBox="1"/>
+                <p:nvPr/>
+              </p:nvSpPr>
+              <p:spPr>
+                <a:xfrm>
+                  <a:off x="3106818" y="3182233"/>
+                  <a:ext cx="1067402" cy="339557"/>
+                </a:xfrm>
+                <a:prstGeom prst="rect">
+                  <a:avLst/>
+                </a:prstGeom>
+                <a:noFill/>
+              </p:spPr>
+              <p:txBody>
+                <a:bodyPr wrap="none" rtlCol="0">
+                  <a:spAutoFit/>
+                </a:bodyPr>
+                <a:lstStyle/>
+                <a:p>
+                  <a:pPr algn="ctr"/>
+                  <a:r>
+                    <a:rPr lang="fr-FR" sz="1200" dirty="0" smtClean="0"/>
+                    <a:t>Client </a:t>
+                  </a:r>
+                  <a:r>
+                    <a:rPr lang="fr-FR" sz="1200" dirty="0" smtClean="0"/>
+                    <a:t>PC2</a:t>
+                  </a:r>
+                  <a:endParaRPr lang="fr-FR" sz="1200" dirty="0"/>
+                </a:p>
+              </p:txBody>
+            </p:sp>
+          </p:grpSp>
+          <p:grpSp>
+            <p:nvGrpSpPr>
+              <p:cNvPr id="75" name="Groupe 74"/>
+              <p:cNvGrpSpPr/>
+              <p:nvPr/>
+            </p:nvGrpSpPr>
+            <p:grpSpPr>
+              <a:xfrm>
+                <a:off x="2927412" y="3009510"/>
+                <a:ext cx="914630" cy="649235"/>
+                <a:chOff x="5267525" y="4581825"/>
+                <a:chExt cx="1121190" cy="795858"/>
+              </a:xfrm>
+            </p:grpSpPr>
+            <p:pic>
+              <p:nvPicPr>
+                <p:cNvPr id="85" name="Picture 4" descr="C:\Enseignement\GitHub\Informatique_College\Formation_2018\Quizz_Pomme\Images\rgtaylor-csc-net-switch-300px.png"/>
+                <p:cNvPicPr>
+                  <a:picLocks noChangeAspect="1" noChangeArrowheads="1"/>
+                </p:cNvPicPr>
+                <p:nvPr/>
+              </p:nvPicPr>
+              <p:blipFill>
+                <a:blip r:embed="rId3" cstate="print">
+                  <a:extLst>
+                    <a:ext uri="{28A0092B-C50C-407E-A947-70E740481C1C}">
+                      <a14:useLocalDpi xmlns:a14="http://schemas.microsoft.com/office/drawing/2010/main" val="0"/>
+                    </a:ext>
+                  </a:extLst>
+                </a:blip>
+                <a:srcRect/>
+                <a:stretch>
+                  <a:fillRect/>
+                </a:stretch>
+              </p:blipFill>
+              <p:spPr bwMode="auto">
+                <a:xfrm>
+                  <a:off x="5267525" y="4581825"/>
+                  <a:ext cx="1121190" cy="470409"/>
+                </a:xfrm>
+                <a:prstGeom prst="rect">
+                  <a:avLst/>
+                </a:prstGeom>
+                <a:noFill/>
+                <a:extLst>
+                  <a:ext uri="{909E8E84-426E-40DD-AFC4-6F175D3DCCD1}">
+                    <a14:hiddenFill xmlns:a14="http://schemas.microsoft.com/office/drawing/2010/main">
+                      <a:solidFill>
+                        <a:srgbClr val="FFFFFF"/>
+                      </a:solidFill>
+                    </a14:hiddenFill>
+                  </a:ext>
+                </a:extLst>
+              </p:spPr>
+            </p:pic>
+            <p:sp>
+              <p:nvSpPr>
+                <p:cNvPr id="86" name="ZoneTexte 85"/>
+                <p:cNvSpPr txBox="1"/>
+                <p:nvPr/>
+              </p:nvSpPr>
+              <p:spPr>
+                <a:xfrm>
+                  <a:off x="5463411" y="5038127"/>
+                  <a:ext cx="729419" cy="339556"/>
+                </a:xfrm>
+                <a:prstGeom prst="rect">
+                  <a:avLst/>
+                </a:prstGeom>
+                <a:noFill/>
+              </p:spPr>
+              <p:txBody>
+                <a:bodyPr wrap="none" rtlCol="0">
+                  <a:spAutoFit/>
+                </a:bodyPr>
+                <a:lstStyle/>
+                <a:p>
+                  <a:pPr algn="ctr"/>
+                  <a:r>
+                    <a:rPr lang="fr-FR" sz="1200" dirty="0" smtClean="0"/>
+                    <a:t>Switch</a:t>
+                  </a:r>
+                </a:p>
+              </p:txBody>
+            </p:sp>
+          </p:grpSp>
+          <p:cxnSp>
+            <p:nvCxnSpPr>
+              <p:cNvPr id="76" name="Connecteur droit 75"/>
+              <p:cNvCxnSpPr>
+                <a:stCxn id="85" idx="3"/>
+                <a:endCxn id="81" idx="1"/>
+              </p:cNvCxnSpPr>
+              <p:nvPr/>
+            </p:nvCxnSpPr>
+            <p:spPr>
+              <a:xfrm flipV="1">
+                <a:off x="3842042" y="2132833"/>
+                <a:ext cx="1505758" cy="1068549"/>
+              </a:xfrm>
+              <a:prstGeom prst="line">
+                <a:avLst/>
+              </a:prstGeom>
+              <a:ln w="28575">
+                <a:solidFill>
+                  <a:schemeClr val="accent5">
+                    <a:lumMod val="50000"/>
+                  </a:schemeClr>
+                </a:solidFill>
+              </a:ln>
+            </p:spPr>
+            <p:style>
+              <a:lnRef idx="1">
+                <a:schemeClr val="accent1"/>
+              </a:lnRef>
+              <a:fillRef idx="0">
+                <a:schemeClr val="accent1"/>
+              </a:fillRef>
+              <a:effectRef idx="0">
+                <a:schemeClr val="accent1"/>
+              </a:effectRef>
+              <a:fontRef idx="minor">
+                <a:schemeClr val="tx1"/>
+              </a:fontRef>
+            </p:style>
+          </p:cxnSp>
+          <p:grpSp>
+            <p:nvGrpSpPr>
+              <p:cNvPr id="77" name="Groupe 76"/>
+              <p:cNvGrpSpPr/>
+              <p:nvPr/>
+            </p:nvGrpSpPr>
+            <p:grpSpPr>
+              <a:xfrm>
+                <a:off x="651327" y="1844824"/>
+                <a:ext cx="870751" cy="930872"/>
+                <a:chOff x="3106820" y="2684721"/>
+                <a:chExt cx="1067403" cy="1141100"/>
+              </a:xfrm>
+            </p:grpSpPr>
+            <p:pic>
+              <p:nvPicPr>
+                <p:cNvPr id="83" name="Picture 2" descr="C:\Enseignement\GitHub\Informatique_College\Formation_2018\Quizz_Pomme\Images\1427456029-300px.png"/>
+                <p:cNvPicPr>
+                  <a:picLocks noChangeAspect="1" noChangeArrowheads="1"/>
+                </p:cNvPicPr>
+                <p:nvPr/>
+              </p:nvPicPr>
+              <p:blipFill>
+                <a:blip r:embed="rId2" cstate="print">
+                  <a:extLst>
+                    <a:ext uri="{28A0092B-C50C-407E-A947-70E740481C1C}">
+                      <a14:useLocalDpi xmlns:a14="http://schemas.microsoft.com/office/drawing/2010/main" val="0"/>
+                    </a:ext>
+                  </a:extLst>
+                </a:blip>
+                <a:srcRect/>
+                <a:stretch>
+                  <a:fillRect/>
+                </a:stretch>
+              </p:blipFill>
+              <p:spPr bwMode="auto">
+                <a:xfrm>
+                  <a:off x="3280481" y="2684721"/>
+                  <a:ext cx="720080" cy="720080"/>
+                </a:xfrm>
+                <a:prstGeom prst="rect">
+                  <a:avLst/>
+                </a:prstGeom>
+                <a:noFill/>
+                <a:extLst>
+                  <a:ext uri="{909E8E84-426E-40DD-AFC4-6F175D3DCCD1}">
+                    <a14:hiddenFill xmlns:a14="http://schemas.microsoft.com/office/drawing/2010/main">
+                      <a:solidFill>
+                        <a:srgbClr val="FFFFFF"/>
+                      </a:solidFill>
+                    </a14:hiddenFill>
+                  </a:ext>
+                </a:extLst>
+              </p:spPr>
+            </p:pic>
+            <p:sp>
+              <p:nvSpPr>
+                <p:cNvPr id="84" name="ZoneTexte 83"/>
+                <p:cNvSpPr txBox="1"/>
+                <p:nvPr/>
+              </p:nvSpPr>
+              <p:spPr>
+                <a:xfrm>
+                  <a:off x="3106820" y="3486265"/>
+                  <a:ext cx="1067403" cy="339556"/>
+                </a:xfrm>
+                <a:prstGeom prst="rect">
+                  <a:avLst/>
+                </a:prstGeom>
+                <a:noFill/>
+              </p:spPr>
+              <p:txBody>
+                <a:bodyPr wrap="none" rtlCol="0">
+                  <a:spAutoFit/>
+                </a:bodyPr>
+                <a:lstStyle/>
+                <a:p>
+                  <a:pPr algn="ctr"/>
+                  <a:r>
+                    <a:rPr lang="fr-FR" sz="1200" dirty="0" smtClean="0"/>
+                    <a:t>Client PC1</a:t>
+                  </a:r>
+                  <a:endParaRPr lang="fr-FR" sz="1200" dirty="0"/>
+                </a:p>
+              </p:txBody>
+            </p:sp>
+          </p:grpSp>
+          <p:grpSp>
+            <p:nvGrpSpPr>
+              <p:cNvPr id="78" name="Groupe 77"/>
+              <p:cNvGrpSpPr/>
+              <p:nvPr/>
+            </p:nvGrpSpPr>
+            <p:grpSpPr>
+              <a:xfrm>
+                <a:off x="5206132" y="1839124"/>
+                <a:ext cx="870751" cy="930872"/>
+                <a:chOff x="3106818" y="2684721"/>
+                <a:chExt cx="1067402" cy="1141100"/>
+              </a:xfrm>
+            </p:grpSpPr>
+            <p:pic>
+              <p:nvPicPr>
+                <p:cNvPr id="81" name="Picture 2" descr="C:\Enseignement\GitHub\Informatique_College\Formation_2018\Quizz_Pomme\Images\1427456029-300px.png"/>
+                <p:cNvPicPr>
+                  <a:picLocks noChangeAspect="1" noChangeArrowheads="1"/>
+                </p:cNvPicPr>
+                <p:nvPr/>
+              </p:nvPicPr>
+              <p:blipFill>
+                <a:blip r:embed="rId2" cstate="print">
+                  <a:extLst>
+                    <a:ext uri="{28A0092B-C50C-407E-A947-70E740481C1C}">
+                      <a14:useLocalDpi xmlns:a14="http://schemas.microsoft.com/office/drawing/2010/main" val="0"/>
+                    </a:ext>
+                  </a:extLst>
+                </a:blip>
+                <a:srcRect/>
+                <a:stretch>
+                  <a:fillRect/>
+                </a:stretch>
+              </p:blipFill>
+              <p:spPr bwMode="auto">
+                <a:xfrm>
+                  <a:off x="3280481" y="2684721"/>
+                  <a:ext cx="720080" cy="720080"/>
+                </a:xfrm>
+                <a:prstGeom prst="rect">
+                  <a:avLst/>
+                </a:prstGeom>
+                <a:noFill/>
+                <a:extLst>
+                  <a:ext uri="{909E8E84-426E-40DD-AFC4-6F175D3DCCD1}">
+                    <a14:hiddenFill xmlns:a14="http://schemas.microsoft.com/office/drawing/2010/main">
+                      <a:solidFill>
+                        <a:srgbClr val="FFFFFF"/>
+                      </a:solidFill>
+                    </a14:hiddenFill>
+                  </a:ext>
+                </a:extLst>
+              </p:spPr>
+            </p:pic>
+            <p:sp>
+              <p:nvSpPr>
+                <p:cNvPr id="82" name="ZoneTexte 81"/>
+                <p:cNvSpPr txBox="1"/>
+                <p:nvPr/>
+              </p:nvSpPr>
+              <p:spPr>
+                <a:xfrm>
+                  <a:off x="3106818" y="3486265"/>
+                  <a:ext cx="1067402" cy="339556"/>
+                </a:xfrm>
+                <a:prstGeom prst="rect">
+                  <a:avLst/>
+                </a:prstGeom>
+                <a:noFill/>
+              </p:spPr>
+              <p:txBody>
+                <a:bodyPr wrap="none" rtlCol="0">
+                  <a:spAutoFit/>
+                </a:bodyPr>
+                <a:lstStyle/>
+                <a:p>
+                  <a:pPr algn="ctr"/>
+                  <a:r>
+                    <a:rPr lang="fr-FR" sz="1200" dirty="0" smtClean="0"/>
+                    <a:t>Client </a:t>
+                  </a:r>
+                  <a:r>
+                    <a:rPr lang="fr-FR" sz="1200" dirty="0" smtClean="0"/>
+                    <a:t>PC3</a:t>
+                  </a:r>
+                  <a:endParaRPr lang="fr-FR" sz="1200" dirty="0"/>
+                </a:p>
+              </p:txBody>
+            </p:sp>
+          </p:grpSp>
+          <p:cxnSp>
+            <p:nvCxnSpPr>
+              <p:cNvPr id="79" name="Connecteur droit 78"/>
+              <p:cNvCxnSpPr>
+                <a:stCxn id="85" idx="1"/>
+                <a:endCxn id="83" idx="3"/>
+              </p:cNvCxnSpPr>
+              <p:nvPr/>
+            </p:nvCxnSpPr>
+            <p:spPr>
+              <a:xfrm flipH="1" flipV="1">
+                <a:off x="1380413" y="2138533"/>
+                <a:ext cx="1546999" cy="1062849"/>
+              </a:xfrm>
+              <a:prstGeom prst="line">
+                <a:avLst/>
+              </a:prstGeom>
+              <a:ln w="28575">
+                <a:solidFill>
+                  <a:schemeClr val="accent5">
+                    <a:lumMod val="50000"/>
+                  </a:schemeClr>
+                </a:solidFill>
+              </a:ln>
+            </p:spPr>
+            <p:style>
+              <a:lnRef idx="1">
+                <a:schemeClr val="accent1"/>
+              </a:lnRef>
+              <a:fillRef idx="0">
+                <a:schemeClr val="accent1"/>
+              </a:fillRef>
+              <a:effectRef idx="0">
+                <a:schemeClr val="accent1"/>
+              </a:effectRef>
+              <a:fontRef idx="minor">
+                <a:schemeClr val="tx1"/>
+              </a:fontRef>
+            </p:style>
+          </p:cxnSp>
+          <p:cxnSp>
+            <p:nvCxnSpPr>
+              <p:cNvPr id="80" name="Connecteur droit 79"/>
+              <p:cNvCxnSpPr>
+                <a:stCxn id="85" idx="0"/>
+                <a:endCxn id="88" idx="2"/>
+              </p:cNvCxnSpPr>
+              <p:nvPr/>
+            </p:nvCxnSpPr>
+            <p:spPr>
+              <a:xfrm flipV="1">
+                <a:off x="3384727" y="2527676"/>
+                <a:ext cx="1" cy="481834"/>
+              </a:xfrm>
+              <a:prstGeom prst="line">
+                <a:avLst/>
+              </a:prstGeom>
+              <a:ln w="28575">
+                <a:solidFill>
+                  <a:schemeClr val="accent5">
+                    <a:lumMod val="50000"/>
+                  </a:schemeClr>
+                </a:solidFill>
+              </a:ln>
+            </p:spPr>
+            <p:style>
+              <a:lnRef idx="1">
+                <a:schemeClr val="accent1"/>
+              </a:lnRef>
+              <a:fillRef idx="0">
+                <a:schemeClr val="accent1"/>
+              </a:fillRef>
+              <a:effectRef idx="0">
+                <a:schemeClr val="accent1"/>
+              </a:effectRef>
+              <a:fontRef idx="minor">
+                <a:schemeClr val="tx1"/>
+              </a:fontRef>
+            </p:style>
+          </p:cxnSp>
+        </p:grpSp>
+        <p:sp>
+          <p:nvSpPr>
+            <p:cNvPr id="71" name="ZoneTexte 70"/>
+            <p:cNvSpPr txBox="1"/>
+            <p:nvPr/>
+          </p:nvSpPr>
+          <p:spPr>
+            <a:xfrm>
+              <a:off x="3542284" y="3228357"/>
+              <a:ext cx="579839" cy="276999"/>
+            </a:xfrm>
+            <a:prstGeom prst="rect">
+              <a:avLst/>
+            </a:prstGeom>
+            <a:noFill/>
+          </p:spPr>
+          <p:txBody>
+            <a:bodyPr wrap="none" rtlCol="0">
+              <a:spAutoFit/>
+            </a:bodyPr>
+            <a:lstStyle/>
+            <a:p>
+              <a:pPr algn="ctr"/>
+              <a:r>
+                <a:rPr lang="fr-FR" sz="1200" dirty="0" smtClean="0"/>
+                <a:t>Port 1</a:t>
+              </a:r>
+              <a:endParaRPr lang="fr-FR" sz="1200" dirty="0"/>
+            </a:p>
+          </p:txBody>
+        </p:sp>
+        <p:sp>
+          <p:nvSpPr>
+            <p:cNvPr id="72" name="ZoneTexte 71"/>
+            <p:cNvSpPr txBox="1"/>
+            <p:nvPr/>
+          </p:nvSpPr>
+          <p:spPr>
+            <a:xfrm>
+              <a:off x="4246313" y="3173315"/>
+              <a:ext cx="579839" cy="276999"/>
+            </a:xfrm>
+            <a:prstGeom prst="rect">
+              <a:avLst/>
+            </a:prstGeom>
+            <a:noFill/>
+          </p:spPr>
+          <p:txBody>
+            <a:bodyPr wrap="none" rtlCol="0">
+              <a:spAutoFit/>
+            </a:bodyPr>
+            <a:lstStyle/>
+            <a:p>
+              <a:pPr algn="ctr"/>
+              <a:r>
+                <a:rPr lang="fr-FR" sz="1200" dirty="0" smtClean="0"/>
+                <a:t>Port 2</a:t>
+              </a:r>
+              <a:endParaRPr lang="fr-FR" sz="1200" dirty="0"/>
+            </a:p>
+          </p:txBody>
+        </p:sp>
+        <p:sp>
+          <p:nvSpPr>
+            <p:cNvPr id="73" name="ZoneTexte 72"/>
+            <p:cNvSpPr txBox="1"/>
+            <p:nvPr/>
+          </p:nvSpPr>
+          <p:spPr>
+            <a:xfrm>
+              <a:off x="4790693" y="3512041"/>
+              <a:ext cx="579839" cy="276999"/>
+            </a:xfrm>
+            <a:prstGeom prst="rect">
+              <a:avLst/>
+            </a:prstGeom>
+            <a:noFill/>
+          </p:spPr>
+          <p:txBody>
+            <a:bodyPr wrap="none" rtlCol="0">
+              <a:spAutoFit/>
+            </a:bodyPr>
+            <a:lstStyle/>
+            <a:p>
+              <a:pPr algn="ctr"/>
+              <a:r>
+                <a:rPr lang="fr-FR" sz="1200" dirty="0" smtClean="0"/>
+                <a:t>Port 3</a:t>
+              </a:r>
+              <a:endParaRPr lang="fr-FR" sz="1200" dirty="0"/>
+            </a:p>
+          </p:txBody>
+        </p:sp>
+      </p:grpSp>
+      <p:cxnSp>
+        <p:nvCxnSpPr>
+          <p:cNvPr id="109" name="Connecteur droit 108"/>
+          <p:cNvCxnSpPr/>
+          <p:nvPr/>
+        </p:nvCxnSpPr>
+        <p:spPr>
+          <a:xfrm flipH="1" flipV="1">
+            <a:off x="3721868" y="5138428"/>
+            <a:ext cx="1546999" cy="1062849"/>
+          </a:xfrm>
+          <a:prstGeom prst="line">
+            <a:avLst/>
+          </a:prstGeom>
+          <a:ln w="28575">
+            <a:solidFill>
+              <a:srgbClr val="FF0000"/>
+            </a:solidFill>
+            <a:headEnd type="stealth" w="med" len="lg"/>
+            <a:tailEnd type="none" w="med" len="lg"/>
+          </a:ln>
+        </p:spPr>
+        <p:style>
+          <a:lnRef idx="1">
+            <a:schemeClr val="accent1"/>
+          </a:lnRef>
+          <a:fillRef idx="0">
+            <a:schemeClr val="accent1"/>
+          </a:fillRef>
+          <a:effectRef idx="0">
+            <a:schemeClr val="accent1"/>
+          </a:effectRef>
+          <a:fontRef idx="minor">
+            <a:schemeClr val="tx1"/>
+          </a:fontRef>
+        </p:style>
+      </p:cxnSp>
+      <p:cxnSp>
+        <p:nvCxnSpPr>
+          <p:cNvPr id="111" name="Connecteur droit 110"/>
+          <p:cNvCxnSpPr/>
+          <p:nvPr/>
+        </p:nvCxnSpPr>
+        <p:spPr>
+          <a:xfrm flipH="1">
+            <a:off x="6230008" y="5072736"/>
+            <a:ext cx="1505758" cy="1068549"/>
+          </a:xfrm>
+          <a:prstGeom prst="line">
+            <a:avLst/>
+          </a:prstGeom>
+          <a:ln w="28575">
+            <a:solidFill>
+              <a:srgbClr val="FF0000"/>
+            </a:solidFill>
+            <a:headEnd type="stealth" w="med" len="lg"/>
+            <a:tailEnd type="none" w="med" len="lg"/>
+          </a:ln>
+        </p:spPr>
+        <p:style>
+          <a:lnRef idx="1">
+            <a:schemeClr val="accent1"/>
+          </a:lnRef>
+          <a:fillRef idx="0">
+            <a:schemeClr val="accent1"/>
+          </a:fillRef>
+          <a:effectRef idx="0">
+            <a:schemeClr val="accent1"/>
+          </a:effectRef>
+          <a:fontRef idx="minor">
+            <a:schemeClr val="tx1"/>
+          </a:fontRef>
+        </p:style>
+      </p:cxnSp>
+    </p:spTree>
+    <p:extLst>
+      <p:ext uri="{BB962C8B-B14F-4D97-AF65-F5344CB8AC3E}">
+        <p14:creationId xmlns:p14="http://schemas.microsoft.com/office/powerpoint/2010/main" val="1199161679"/>
+      </p:ext>
+    </p:extLst>
+  </p:cSld>
+  <p:clrMapOvr>
+    <a:masterClrMapping/>
+  </p:clrMapOvr>
+</p:sld>
+</file>
+
+<file path=ppt/slides/slide26.xml><?xml version="1.0" encoding="utf-8"?>
+<p:sld xmlns:a="http://schemas.openxmlformats.org/drawingml/2006/main" xmlns:r="http://schemas.openxmlformats.org/officeDocument/2006/relationships" xmlns:p="http://schemas.openxmlformats.org/presentationml/2006/main">
+  <p:cSld>
+    <p:spTree>
+      <p:nvGrpSpPr>
+        <p:cNvPr id="1" name=""/>
+        <p:cNvGrpSpPr/>
+        <p:nvPr/>
+      </p:nvGrpSpPr>
+      <p:grpSpPr>
+        <a:xfrm>
+          <a:off x="0" y="0"/>
+          <a:ext cx="0" cy="0"/>
+          <a:chOff x="0" y="0"/>
+          <a:chExt cx="0" cy="0"/>
+        </a:xfrm>
+      </p:grpSpPr>
+      <p:sp>
+        <p:nvSpPr>
+          <p:cNvPr id="2" name="Titre 1"/>
+          <p:cNvSpPr>
+            <a:spLocks noGrp="1"/>
+          </p:cNvSpPr>
+          <p:nvPr>
+            <p:ph type="title"/>
+          </p:nvPr>
+        </p:nvSpPr>
+        <p:spPr/>
+        <p:txBody>
+          <a:bodyPr>
+            <a:normAutofit fontScale="90000"/>
+          </a:bodyPr>
+          <a:lstStyle/>
+          <a:p>
+            <a:r>
+              <a:rPr lang="fr-FR" dirty="0" smtClean="0"/>
+              <a:t>8. Mettre en place un réseau</a:t>
+            </a:r>
+            <a:br>
+              <a:rPr lang="fr-FR" dirty="0" smtClean="0"/>
+            </a:br>
+            <a:r>
+              <a:rPr lang="fr-FR" dirty="0" err="1" smtClean="0"/>
+              <a:t>Réseau</a:t>
+            </a:r>
+            <a:r>
+              <a:rPr lang="fr-FR" dirty="0" smtClean="0"/>
+              <a:t> local</a:t>
+            </a:r>
+            <a:endParaRPr lang="fr-FR" dirty="0"/>
+          </a:p>
+        </p:txBody>
+      </p:sp>
+      <p:sp>
+        <p:nvSpPr>
+          <p:cNvPr id="3" name="Espace réservé du pied de page 2"/>
+          <p:cNvSpPr>
+            <a:spLocks noGrp="1"/>
+          </p:cNvSpPr>
+          <p:nvPr>
+            <p:ph type="ftr" sz="quarter" idx="11"/>
+          </p:nvPr>
+        </p:nvSpPr>
         <p:spPr/>
         <p:txBody>
           <a:bodyPr/>
           <a:lstStyle/>
           <a:p>
+            <a:r>
+              <a:rPr lang="fr-FR"/>
+              <a:t>David Violeau – Xavier Pessoles</a:t>
+            </a:r>
+          </a:p>
+        </p:txBody>
+      </p:sp>
+      <p:sp>
+        <p:nvSpPr>
+          <p:cNvPr id="4" name="Espace réservé du numéro de diapositive 3"/>
+          <p:cNvSpPr>
+            <a:spLocks noGrp="1"/>
+          </p:cNvSpPr>
+          <p:nvPr>
+            <p:ph type="sldNum" sz="quarter" idx="12"/>
+          </p:nvPr>
+        </p:nvSpPr>
+        <p:spPr/>
+        <p:txBody>
+          <a:bodyPr/>
+          <a:lstStyle/>
+          <a:p>
+            <a:fld id="{69AC6D6E-35D0-489D-B18A-03530B324155}" type="slidenum">
+              <a:rPr lang="fr-FR" smtClean="0"/>
+              <a:t>26</a:t>
+            </a:fld>
             <a:endParaRPr lang="fr-FR"/>
+          </a:p>
+        </p:txBody>
+      </p:sp>
+      <p:sp>
+        <p:nvSpPr>
+          <p:cNvPr id="5" name="Espace réservé du contenu 4"/>
+          <p:cNvSpPr>
+            <a:spLocks noGrp="1"/>
+          </p:cNvSpPr>
+          <p:nvPr>
+            <p:ph sz="quarter" idx="1"/>
+          </p:nvPr>
+        </p:nvSpPr>
+        <p:spPr>
+          <a:xfrm>
+            <a:off x="251520" y="980727"/>
+            <a:ext cx="3616290" cy="1869681"/>
+          </a:xfrm>
+        </p:spPr>
+        <p:txBody>
+          <a:bodyPr>
+            <a:normAutofit fontScale="62500" lnSpcReduction="20000"/>
+          </a:bodyPr>
+          <a:lstStyle/>
+          <a:p>
+            <a:r>
+              <a:rPr lang="fr-FR" dirty="0" smtClean="0"/>
+              <a:t>3 PC viennent d’être reliés à un switch. </a:t>
+            </a:r>
+          </a:p>
+          <a:p>
+            <a:r>
+              <a:rPr lang="fr-FR" dirty="0" smtClean="0"/>
+              <a:t>PC 1doit envoyer un message à PC 3.</a:t>
+            </a:r>
+          </a:p>
+          <a:p>
+            <a:r>
+              <a:rPr lang="fr-FR" dirty="0" smtClean="0"/>
+              <a:t>Quel va être le chemin du message. </a:t>
+            </a:r>
+            <a:r>
+              <a:rPr lang="fr-FR" dirty="0" smtClean="0">
+                <a:solidFill>
+                  <a:srgbClr val="FF0000"/>
+                </a:solidFill>
+              </a:rPr>
+              <a:t>(QCM)</a:t>
+            </a:r>
+          </a:p>
+          <a:p>
+            <a:r>
+              <a:rPr lang="fr-FR" dirty="0" smtClean="0"/>
+              <a:t>Quel sera le contenu de la table après envoi du message ? </a:t>
+            </a:r>
+            <a:r>
+              <a:rPr lang="fr-FR" dirty="0" smtClean="0">
+                <a:solidFill>
+                  <a:srgbClr val="FF0000"/>
+                </a:solidFill>
+              </a:rPr>
+              <a:t>(QCM)</a:t>
+            </a:r>
+            <a:endParaRPr lang="fr-FR" dirty="0">
+              <a:solidFill>
+                <a:srgbClr val="FF0000"/>
+              </a:solidFill>
+            </a:endParaRPr>
+          </a:p>
+        </p:txBody>
+      </p:sp>
+      <p:sp>
+        <p:nvSpPr>
+          <p:cNvPr id="26" name="Espace réservé du contenu 4">
+            <a:extLst>
+              <a:ext uri="{FF2B5EF4-FFF2-40B4-BE49-F238E27FC236}">
+                <a16:creationId xmlns:a16="http://schemas.microsoft.com/office/drawing/2014/main" xmlns="" id="{E0ECA4FB-A27A-4EF4-8C7D-5B9524C6BE3F}"/>
+              </a:ext>
+            </a:extLst>
+          </p:cNvPr>
+          <p:cNvSpPr txBox="1">
+            <a:spLocks/>
+          </p:cNvSpPr>
+          <p:nvPr/>
+        </p:nvSpPr>
+        <p:spPr>
+          <a:xfrm>
+            <a:off x="251520" y="3212976"/>
+            <a:ext cx="6993819" cy="3138611"/>
+          </a:xfrm>
+          <a:prstGeom prst="rect">
+            <a:avLst/>
+          </a:prstGeom>
+          <a:ln>
+            <a:solidFill>
+              <a:schemeClr val="accent5">
+                <a:lumMod val="50000"/>
+              </a:schemeClr>
+            </a:solidFill>
+            <a:prstDash val="lgDash"/>
+          </a:ln>
+        </p:spPr>
+        <p:txBody>
+          <a:bodyPr vert="horz">
+            <a:normAutofit/>
+          </a:bodyPr>
+          <a:lstStyle>
+            <a:lvl1pPr marL="274320" indent="-274320" algn="l" rtl="0" eaLnBrk="1" latinLnBrk="0" hangingPunct="1">
+              <a:spcBef>
+                <a:spcPts val="600"/>
+              </a:spcBef>
+              <a:buClr>
+                <a:schemeClr val="accent5">
+                  <a:lumMod val="50000"/>
+                </a:schemeClr>
+              </a:buClr>
+              <a:buSzPct val="76000"/>
+              <a:buFont typeface="Wingdings 3"/>
+              <a:buChar char=""/>
+              <a:defRPr kumimoji="0" sz="2600" kern="1200">
+                <a:solidFill>
+                  <a:schemeClr val="tx1"/>
+                </a:solidFill>
+                <a:latin typeface="+mn-lt"/>
+                <a:ea typeface="+mn-ea"/>
+                <a:cs typeface="+mn-cs"/>
+              </a:defRPr>
+            </a:lvl1pPr>
+            <a:lvl2pPr marL="548640" indent="-274320" algn="l" rtl="0" eaLnBrk="1" latinLnBrk="0" hangingPunct="1">
+              <a:spcBef>
+                <a:spcPts val="500"/>
+              </a:spcBef>
+              <a:buClr>
+                <a:schemeClr val="accent5">
+                  <a:lumMod val="75000"/>
+                </a:schemeClr>
+              </a:buClr>
+              <a:buSzPct val="76000"/>
+              <a:buFont typeface="Wingdings 3"/>
+              <a:buChar char=""/>
+              <a:defRPr kumimoji="0" sz="2300" kern="1200">
+                <a:solidFill>
+                  <a:schemeClr val="tx1"/>
+                </a:solidFill>
+                <a:latin typeface="+mn-lt"/>
+                <a:ea typeface="+mn-ea"/>
+                <a:cs typeface="+mn-cs"/>
+              </a:defRPr>
+            </a:lvl2pPr>
+            <a:lvl3pPr marL="822960" indent="-228600" algn="l" rtl="0" eaLnBrk="1" latinLnBrk="0" hangingPunct="1">
+              <a:spcBef>
+                <a:spcPts val="500"/>
+              </a:spcBef>
+              <a:buClr>
+                <a:schemeClr val="accent5">
+                  <a:lumMod val="75000"/>
+                </a:schemeClr>
+              </a:buClr>
+              <a:buSzPct val="76000"/>
+              <a:buFont typeface="Wingdings 3"/>
+              <a:buChar char=""/>
+              <a:defRPr kumimoji="0" sz="2000" kern="1200">
+                <a:solidFill>
+                  <a:schemeClr val="tx1"/>
+                </a:solidFill>
+                <a:latin typeface="+mn-lt"/>
+                <a:ea typeface="+mn-ea"/>
+                <a:cs typeface="+mn-cs"/>
+              </a:defRPr>
+            </a:lvl3pPr>
+            <a:lvl4pPr marL="1097280" indent="-228600" algn="l" rtl="0" eaLnBrk="1" latinLnBrk="0" hangingPunct="1">
+              <a:spcBef>
+                <a:spcPts val="400"/>
+              </a:spcBef>
+              <a:buClr>
+                <a:schemeClr val="accent5">
+                  <a:lumMod val="75000"/>
+                </a:schemeClr>
+              </a:buClr>
+              <a:buSzPct val="70000"/>
+              <a:buFont typeface="Wingdings"/>
+              <a:buChar char=""/>
+              <a:defRPr kumimoji="0" sz="1800" kern="1200">
+                <a:solidFill>
+                  <a:schemeClr val="tx1"/>
+                </a:solidFill>
+                <a:latin typeface="+mn-lt"/>
+                <a:ea typeface="+mn-ea"/>
+                <a:cs typeface="+mn-cs"/>
+              </a:defRPr>
+            </a:lvl4pPr>
+            <a:lvl5pPr marL="1371600" indent="-228600" algn="l" rtl="0" eaLnBrk="1" latinLnBrk="0" hangingPunct="1">
+              <a:spcBef>
+                <a:spcPts val="300"/>
+              </a:spcBef>
+              <a:buClr>
+                <a:schemeClr val="accent5">
+                  <a:lumMod val="75000"/>
+                </a:schemeClr>
+              </a:buClr>
+              <a:buSzPct val="70000"/>
+              <a:buFont typeface="Wingdings"/>
+              <a:buChar char=""/>
+              <a:defRPr kumimoji="0" sz="1600" kern="1200">
+                <a:solidFill>
+                  <a:schemeClr val="tx1"/>
+                </a:solidFill>
+                <a:latin typeface="+mn-lt"/>
+                <a:ea typeface="+mn-ea"/>
+                <a:cs typeface="+mn-cs"/>
+              </a:defRPr>
+            </a:lvl5pPr>
+            <a:lvl6pPr marL="1645920" indent="-182880" algn="l" rtl="0" eaLnBrk="1" latinLnBrk="0" hangingPunct="1">
+              <a:spcBef>
+                <a:spcPts val="300"/>
+              </a:spcBef>
+              <a:buClr>
+                <a:srgbClr val="9FB8CD">
+                  <a:shade val="75000"/>
+                </a:srgbClr>
+              </a:buClr>
+              <a:buSzPct val="75000"/>
+              <a:buFont typeface="Wingdings 3"/>
+              <a:buChar char=""/>
+              <a:defRPr kumimoji="0" lang="en-US" sz="1600" kern="1200" smtClean="0">
+                <a:solidFill>
+                  <a:schemeClr val="tx1"/>
+                </a:solidFill>
+                <a:latin typeface="+mn-lt"/>
+                <a:ea typeface="+mn-ea"/>
+                <a:cs typeface="+mn-cs"/>
+              </a:defRPr>
+            </a:lvl6pPr>
+            <a:lvl7pPr marL="1828800" indent="-182880" algn="l" rtl="0" eaLnBrk="1" latinLnBrk="0" hangingPunct="1">
+              <a:spcBef>
+                <a:spcPts val="300"/>
+              </a:spcBef>
+              <a:buClr>
+                <a:srgbClr val="727CA3">
+                  <a:shade val="75000"/>
+                </a:srgbClr>
+              </a:buClr>
+              <a:buSzPct val="75000"/>
+              <a:buFont typeface="Wingdings 3"/>
+              <a:buChar char=""/>
+              <a:defRPr kumimoji="0" lang="en-US" sz="1400" kern="1200" smtClean="0">
+                <a:solidFill>
+                  <a:schemeClr val="tx1"/>
+                </a:solidFill>
+                <a:latin typeface="+mn-lt"/>
+                <a:ea typeface="+mn-ea"/>
+                <a:cs typeface="+mn-cs"/>
+              </a:defRPr>
+            </a:lvl7pPr>
+            <a:lvl8pPr marL="2011680" indent="-182880" algn="l" rtl="0" eaLnBrk="1" latinLnBrk="0" hangingPunct="1">
+              <a:spcBef>
+                <a:spcPts val="300"/>
+              </a:spcBef>
+              <a:buClr>
+                <a:prstClr val="white">
+                  <a:shade val="50000"/>
+                </a:prstClr>
+              </a:buClr>
+              <a:buSzPct val="75000"/>
+              <a:buFont typeface="Wingdings 3"/>
+              <a:buChar char=""/>
+              <a:defRPr kumimoji="0" lang="en-US" sz="1400" kern="1200" smtClean="0">
+                <a:solidFill>
+                  <a:schemeClr val="tx1"/>
+                </a:solidFill>
+                <a:latin typeface="+mn-lt"/>
+                <a:ea typeface="+mn-ea"/>
+                <a:cs typeface="+mn-cs"/>
+              </a:defRPr>
+            </a:lvl8pPr>
+            <a:lvl9pPr marL="2194560" indent="-182880" algn="l" rtl="0" eaLnBrk="1" latinLnBrk="0" hangingPunct="1">
+              <a:spcBef>
+                <a:spcPts val="300"/>
+              </a:spcBef>
+              <a:buClr>
+                <a:srgbClr val="9FB8CD"/>
+              </a:buClr>
+              <a:buSzPct val="75000"/>
+              <a:buFont typeface="Wingdings 3"/>
+              <a:buChar char=""/>
+              <a:defRPr kumimoji="0" lang="en-US" sz="1200" kern="1200" smtClean="0">
+                <a:solidFill>
+                  <a:schemeClr val="tx1"/>
+                </a:solidFill>
+                <a:latin typeface="+mn-lt"/>
+                <a:ea typeface="+mn-ea"/>
+                <a:cs typeface="+mn-cs"/>
+              </a:defRPr>
+            </a:lvl9pPr>
+          </a:lstStyle>
+          <a:p>
+            <a:r>
+              <a:rPr lang="fr-FR" sz="1600" dirty="0">
+                <a:solidFill>
+                  <a:srgbClr val="FF0000"/>
+                </a:solidFill>
+              </a:rPr>
+              <a:t>Solution </a:t>
+            </a:r>
+            <a:r>
+              <a:rPr lang="fr-FR" sz="1600" dirty="0" smtClean="0">
+                <a:solidFill>
+                  <a:srgbClr val="FF0000"/>
+                </a:solidFill>
+              </a:rPr>
+              <a:t>: </a:t>
+            </a:r>
+          </a:p>
+          <a:p>
+            <a:pPr lvl="1"/>
+            <a:r>
+              <a:rPr lang="fr-FR" sz="1400" dirty="0" smtClean="0">
+                <a:solidFill>
+                  <a:srgbClr val="FF0000"/>
+                </a:solidFill>
+              </a:rPr>
+              <a:t>au branchement le switch ne connait pas encore la table de relation port – adresse mac. Il envoie donc le message à tous les </a:t>
+            </a:r>
+            <a:r>
+              <a:rPr lang="fr-FR" sz="1400" dirty="0" err="1" smtClean="0">
+                <a:solidFill>
+                  <a:srgbClr val="FF0000"/>
+                </a:solidFill>
+              </a:rPr>
+              <a:t>PCs</a:t>
+            </a:r>
+            <a:r>
+              <a:rPr lang="fr-FR" sz="1400" dirty="0" smtClean="0">
+                <a:solidFill>
+                  <a:srgbClr val="FF0000"/>
+                </a:solidFill>
+              </a:rPr>
+              <a:t>. </a:t>
+            </a:r>
+          </a:p>
+          <a:p>
+            <a:pPr lvl="1"/>
+            <a:r>
+              <a:rPr lang="fr-FR" sz="1400" dirty="0" smtClean="0">
+                <a:solidFill>
+                  <a:srgbClr val="FF0000"/>
+                </a:solidFill>
+              </a:rPr>
+              <a:t>Le switch ne connait que l’association Port 1 &lt;&gt; Mac 1 car il a lu l’adresse mac de l’expéditeur lorsqu’il a reçu le message provenant de PC 1. Il l’a ensuite renvoyé sur tous les ports car il ne savait pas sur quel port était branché le destinataire. (Il ne connaitra le l’association Port3 &lt;&gt; Mac 3 si PC 3 répond à PC 1).</a:t>
+            </a:r>
+            <a:endParaRPr lang="fr-FR" sz="1400" dirty="0">
+              <a:solidFill>
+                <a:srgbClr val="FF0000"/>
+              </a:solidFill>
+            </a:endParaRPr>
+          </a:p>
+          <a:p>
+            <a:pPr lvl="1"/>
+            <a:endParaRPr lang="fr-FR" sz="1400" dirty="0">
+              <a:solidFill>
+                <a:srgbClr val="FF0000"/>
+              </a:solidFill>
+            </a:endParaRPr>
+          </a:p>
+        </p:txBody>
+      </p:sp>
+      <p:grpSp>
+        <p:nvGrpSpPr>
+          <p:cNvPr id="6" name="Groupe 5"/>
+          <p:cNvGrpSpPr/>
+          <p:nvPr/>
+        </p:nvGrpSpPr>
+        <p:grpSpPr>
+          <a:xfrm>
+            <a:off x="3726143" y="926970"/>
+            <a:ext cx="5425556" cy="2061938"/>
+            <a:chOff x="1534178" y="2447182"/>
+            <a:chExt cx="5425556" cy="2061938"/>
+          </a:xfrm>
+        </p:grpSpPr>
+        <p:grpSp>
+          <p:nvGrpSpPr>
+            <p:cNvPr id="46" name="Groupe 45"/>
+            <p:cNvGrpSpPr/>
+            <p:nvPr/>
+          </p:nvGrpSpPr>
+          <p:grpSpPr>
+            <a:xfrm>
+              <a:off x="1534178" y="2447182"/>
+              <a:ext cx="5425556" cy="2061938"/>
+              <a:chOff x="651327" y="1596807"/>
+              <a:chExt cx="5425556" cy="2061938"/>
+            </a:xfrm>
+          </p:grpSpPr>
+          <p:grpSp>
+            <p:nvGrpSpPr>
+              <p:cNvPr id="27" name="Groupe 26"/>
+              <p:cNvGrpSpPr/>
+              <p:nvPr/>
+            </p:nvGrpSpPr>
+            <p:grpSpPr>
+              <a:xfrm>
+                <a:off x="2949352" y="1596807"/>
+                <a:ext cx="870751" cy="930869"/>
+                <a:chOff x="3106818" y="2380693"/>
+                <a:chExt cx="1067402" cy="1141097"/>
+              </a:xfrm>
+            </p:grpSpPr>
+            <p:pic>
+              <p:nvPicPr>
+                <p:cNvPr id="28" name="Picture 2" descr="C:\Enseignement\GitHub\Informatique_College\Formation_2018\Quizz_Pomme\Images\1427456029-300px.png"/>
+                <p:cNvPicPr>
+                  <a:picLocks noChangeAspect="1" noChangeArrowheads="1"/>
+                </p:cNvPicPr>
+                <p:nvPr/>
+              </p:nvPicPr>
+              <p:blipFill>
+                <a:blip r:embed="rId2" cstate="print">
+                  <a:extLst>
+                    <a:ext uri="{28A0092B-C50C-407E-A947-70E740481C1C}">
+                      <a14:useLocalDpi xmlns:a14="http://schemas.microsoft.com/office/drawing/2010/main" val="0"/>
+                    </a:ext>
+                  </a:extLst>
+                </a:blip>
+                <a:srcRect/>
+                <a:stretch>
+                  <a:fillRect/>
+                </a:stretch>
+              </p:blipFill>
+              <p:spPr bwMode="auto">
+                <a:xfrm>
+                  <a:off x="3280480" y="2380693"/>
+                  <a:ext cx="720080" cy="720081"/>
+                </a:xfrm>
+                <a:prstGeom prst="rect">
+                  <a:avLst/>
+                </a:prstGeom>
+                <a:noFill/>
+                <a:extLst>
+                  <a:ext uri="{909E8E84-426E-40DD-AFC4-6F175D3DCCD1}">
+                    <a14:hiddenFill xmlns:a14="http://schemas.microsoft.com/office/drawing/2010/main">
+                      <a:solidFill>
+                        <a:srgbClr val="FFFFFF"/>
+                      </a:solidFill>
+                    </a14:hiddenFill>
+                  </a:ext>
+                </a:extLst>
+              </p:spPr>
+            </p:pic>
+            <p:sp>
+              <p:nvSpPr>
+                <p:cNvPr id="29" name="ZoneTexte 28"/>
+                <p:cNvSpPr txBox="1"/>
+                <p:nvPr/>
+              </p:nvSpPr>
+              <p:spPr>
+                <a:xfrm>
+                  <a:off x="3106818" y="3182233"/>
+                  <a:ext cx="1067402" cy="339557"/>
+                </a:xfrm>
+                <a:prstGeom prst="rect">
+                  <a:avLst/>
+                </a:prstGeom>
+                <a:noFill/>
+              </p:spPr>
+              <p:txBody>
+                <a:bodyPr wrap="none" rtlCol="0">
+                  <a:spAutoFit/>
+                </a:bodyPr>
+                <a:lstStyle/>
+                <a:p>
+                  <a:pPr algn="ctr"/>
+                  <a:r>
+                    <a:rPr lang="fr-FR" sz="1200" dirty="0" smtClean="0"/>
+                    <a:t>Client </a:t>
+                  </a:r>
+                  <a:r>
+                    <a:rPr lang="fr-FR" sz="1200" dirty="0" smtClean="0"/>
+                    <a:t>PC2</a:t>
+                  </a:r>
+                  <a:endParaRPr lang="fr-FR" sz="1200" dirty="0"/>
+                </a:p>
+              </p:txBody>
+            </p:sp>
+          </p:grpSp>
+          <p:grpSp>
+            <p:nvGrpSpPr>
+              <p:cNvPr id="36" name="Groupe 35"/>
+              <p:cNvGrpSpPr/>
+              <p:nvPr/>
+            </p:nvGrpSpPr>
+            <p:grpSpPr>
+              <a:xfrm>
+                <a:off x="2927412" y="3009510"/>
+                <a:ext cx="914630" cy="649235"/>
+                <a:chOff x="5267525" y="4581825"/>
+                <a:chExt cx="1121190" cy="795858"/>
+              </a:xfrm>
+            </p:grpSpPr>
+            <p:pic>
+              <p:nvPicPr>
+                <p:cNvPr id="37" name="Picture 4" descr="C:\Enseignement\GitHub\Informatique_College\Formation_2018\Quizz_Pomme\Images\rgtaylor-csc-net-switch-300px.png"/>
+                <p:cNvPicPr>
+                  <a:picLocks noChangeAspect="1" noChangeArrowheads="1"/>
+                </p:cNvPicPr>
+                <p:nvPr/>
+              </p:nvPicPr>
+              <p:blipFill>
+                <a:blip r:embed="rId3" cstate="print">
+                  <a:extLst>
+                    <a:ext uri="{28A0092B-C50C-407E-A947-70E740481C1C}">
+                      <a14:useLocalDpi xmlns:a14="http://schemas.microsoft.com/office/drawing/2010/main" val="0"/>
+                    </a:ext>
+                  </a:extLst>
+                </a:blip>
+                <a:srcRect/>
+                <a:stretch>
+                  <a:fillRect/>
+                </a:stretch>
+              </p:blipFill>
+              <p:spPr bwMode="auto">
+                <a:xfrm>
+                  <a:off x="5267525" y="4581825"/>
+                  <a:ext cx="1121190" cy="470409"/>
+                </a:xfrm>
+                <a:prstGeom prst="rect">
+                  <a:avLst/>
+                </a:prstGeom>
+                <a:noFill/>
+                <a:extLst>
+                  <a:ext uri="{909E8E84-426E-40DD-AFC4-6F175D3DCCD1}">
+                    <a14:hiddenFill xmlns:a14="http://schemas.microsoft.com/office/drawing/2010/main">
+                      <a:solidFill>
+                        <a:srgbClr val="FFFFFF"/>
+                      </a:solidFill>
+                    </a14:hiddenFill>
+                  </a:ext>
+                </a:extLst>
+              </p:spPr>
+            </p:pic>
+            <p:sp>
+              <p:nvSpPr>
+                <p:cNvPr id="38" name="ZoneTexte 37"/>
+                <p:cNvSpPr txBox="1"/>
+                <p:nvPr/>
+              </p:nvSpPr>
+              <p:spPr>
+                <a:xfrm>
+                  <a:off x="5463411" y="5038127"/>
+                  <a:ext cx="729419" cy="339556"/>
+                </a:xfrm>
+                <a:prstGeom prst="rect">
+                  <a:avLst/>
+                </a:prstGeom>
+                <a:noFill/>
+              </p:spPr>
+              <p:txBody>
+                <a:bodyPr wrap="none" rtlCol="0">
+                  <a:spAutoFit/>
+                </a:bodyPr>
+                <a:lstStyle/>
+                <a:p>
+                  <a:pPr algn="ctr"/>
+                  <a:r>
+                    <a:rPr lang="fr-FR" sz="1200" dirty="0" smtClean="0"/>
+                    <a:t>Switch</a:t>
+                  </a:r>
+                </a:p>
+              </p:txBody>
+            </p:sp>
+          </p:grpSp>
+          <p:cxnSp>
+            <p:nvCxnSpPr>
+              <p:cNvPr id="50" name="Connecteur droit 49"/>
+              <p:cNvCxnSpPr>
+                <a:stCxn id="37" idx="3"/>
+                <a:endCxn id="54" idx="1"/>
+              </p:cNvCxnSpPr>
+              <p:nvPr/>
+            </p:nvCxnSpPr>
+            <p:spPr>
+              <a:xfrm flipV="1">
+                <a:off x="3842042" y="2132833"/>
+                <a:ext cx="1505758" cy="1068549"/>
+              </a:xfrm>
+              <a:prstGeom prst="line">
+                <a:avLst/>
+              </a:prstGeom>
+              <a:ln w="28575">
+                <a:solidFill>
+                  <a:schemeClr val="accent5">
+                    <a:lumMod val="50000"/>
+                  </a:schemeClr>
+                </a:solidFill>
+              </a:ln>
+            </p:spPr>
+            <p:style>
+              <a:lnRef idx="1">
+                <a:schemeClr val="accent1"/>
+              </a:lnRef>
+              <a:fillRef idx="0">
+                <a:schemeClr val="accent1"/>
+              </a:fillRef>
+              <a:effectRef idx="0">
+                <a:schemeClr val="accent1"/>
+              </a:effectRef>
+              <a:fontRef idx="minor">
+                <a:schemeClr val="tx1"/>
+              </a:fontRef>
+            </p:style>
+          </p:cxnSp>
+          <p:grpSp>
+            <p:nvGrpSpPr>
+              <p:cNvPr id="48" name="Groupe 47"/>
+              <p:cNvGrpSpPr/>
+              <p:nvPr/>
+            </p:nvGrpSpPr>
+            <p:grpSpPr>
+              <a:xfrm>
+                <a:off x="651327" y="1844824"/>
+                <a:ext cx="870751" cy="930872"/>
+                <a:chOff x="3106820" y="2684721"/>
+                <a:chExt cx="1067403" cy="1141100"/>
+              </a:xfrm>
+            </p:grpSpPr>
+            <p:pic>
+              <p:nvPicPr>
+                <p:cNvPr id="49" name="Picture 2" descr="C:\Enseignement\GitHub\Informatique_College\Formation_2018\Quizz_Pomme\Images\1427456029-300px.png"/>
+                <p:cNvPicPr>
+                  <a:picLocks noChangeAspect="1" noChangeArrowheads="1"/>
+                </p:cNvPicPr>
+                <p:nvPr/>
+              </p:nvPicPr>
+              <p:blipFill>
+                <a:blip r:embed="rId2" cstate="print">
+                  <a:extLst>
+                    <a:ext uri="{28A0092B-C50C-407E-A947-70E740481C1C}">
+                      <a14:useLocalDpi xmlns:a14="http://schemas.microsoft.com/office/drawing/2010/main" val="0"/>
+                    </a:ext>
+                  </a:extLst>
+                </a:blip>
+                <a:srcRect/>
+                <a:stretch>
+                  <a:fillRect/>
+                </a:stretch>
+              </p:blipFill>
+              <p:spPr bwMode="auto">
+                <a:xfrm>
+                  <a:off x="3280481" y="2684721"/>
+                  <a:ext cx="720080" cy="720080"/>
+                </a:xfrm>
+                <a:prstGeom prst="rect">
+                  <a:avLst/>
+                </a:prstGeom>
+                <a:noFill/>
+                <a:extLst>
+                  <a:ext uri="{909E8E84-426E-40DD-AFC4-6F175D3DCCD1}">
+                    <a14:hiddenFill xmlns:a14="http://schemas.microsoft.com/office/drawing/2010/main">
+                      <a:solidFill>
+                        <a:srgbClr val="FFFFFF"/>
+                      </a:solidFill>
+                    </a14:hiddenFill>
+                  </a:ext>
+                </a:extLst>
+              </p:spPr>
+            </p:pic>
+            <p:sp>
+              <p:nvSpPr>
+                <p:cNvPr id="51" name="ZoneTexte 50"/>
+                <p:cNvSpPr txBox="1"/>
+                <p:nvPr/>
+              </p:nvSpPr>
+              <p:spPr>
+                <a:xfrm>
+                  <a:off x="3106820" y="3486265"/>
+                  <a:ext cx="1067403" cy="339556"/>
+                </a:xfrm>
+                <a:prstGeom prst="rect">
+                  <a:avLst/>
+                </a:prstGeom>
+                <a:noFill/>
+              </p:spPr>
+              <p:txBody>
+                <a:bodyPr wrap="none" rtlCol="0">
+                  <a:spAutoFit/>
+                </a:bodyPr>
+                <a:lstStyle/>
+                <a:p>
+                  <a:pPr algn="ctr"/>
+                  <a:r>
+                    <a:rPr lang="fr-FR" sz="1200" dirty="0" smtClean="0"/>
+                    <a:t>Client PC1</a:t>
+                  </a:r>
+                  <a:endParaRPr lang="fr-FR" sz="1200" dirty="0"/>
+                </a:p>
+              </p:txBody>
+            </p:sp>
+          </p:grpSp>
+          <p:grpSp>
+            <p:nvGrpSpPr>
+              <p:cNvPr id="52" name="Groupe 51"/>
+              <p:cNvGrpSpPr/>
+              <p:nvPr/>
+            </p:nvGrpSpPr>
+            <p:grpSpPr>
+              <a:xfrm>
+                <a:off x="5206132" y="1839124"/>
+                <a:ext cx="870751" cy="930872"/>
+                <a:chOff x="3106818" y="2684721"/>
+                <a:chExt cx="1067402" cy="1141100"/>
+              </a:xfrm>
+            </p:grpSpPr>
+            <p:pic>
+              <p:nvPicPr>
+                <p:cNvPr id="54" name="Picture 2" descr="C:\Enseignement\GitHub\Informatique_College\Formation_2018\Quizz_Pomme\Images\1427456029-300px.png"/>
+                <p:cNvPicPr>
+                  <a:picLocks noChangeAspect="1" noChangeArrowheads="1"/>
+                </p:cNvPicPr>
+                <p:nvPr/>
+              </p:nvPicPr>
+              <p:blipFill>
+                <a:blip r:embed="rId2" cstate="print">
+                  <a:extLst>
+                    <a:ext uri="{28A0092B-C50C-407E-A947-70E740481C1C}">
+                      <a14:useLocalDpi xmlns:a14="http://schemas.microsoft.com/office/drawing/2010/main" val="0"/>
+                    </a:ext>
+                  </a:extLst>
+                </a:blip>
+                <a:srcRect/>
+                <a:stretch>
+                  <a:fillRect/>
+                </a:stretch>
+              </p:blipFill>
+              <p:spPr bwMode="auto">
+                <a:xfrm>
+                  <a:off x="3280481" y="2684721"/>
+                  <a:ext cx="720080" cy="720080"/>
+                </a:xfrm>
+                <a:prstGeom prst="rect">
+                  <a:avLst/>
+                </a:prstGeom>
+                <a:noFill/>
+                <a:extLst>
+                  <a:ext uri="{909E8E84-426E-40DD-AFC4-6F175D3DCCD1}">
+                    <a14:hiddenFill xmlns:a14="http://schemas.microsoft.com/office/drawing/2010/main">
+                      <a:solidFill>
+                        <a:srgbClr val="FFFFFF"/>
+                      </a:solidFill>
+                    </a14:hiddenFill>
+                  </a:ext>
+                </a:extLst>
+              </p:spPr>
+            </p:pic>
+            <p:sp>
+              <p:nvSpPr>
+                <p:cNvPr id="55" name="ZoneTexte 54"/>
+                <p:cNvSpPr txBox="1"/>
+                <p:nvPr/>
+              </p:nvSpPr>
+              <p:spPr>
+                <a:xfrm>
+                  <a:off x="3106818" y="3486265"/>
+                  <a:ext cx="1067402" cy="339556"/>
+                </a:xfrm>
+                <a:prstGeom prst="rect">
+                  <a:avLst/>
+                </a:prstGeom>
+                <a:noFill/>
+              </p:spPr>
+              <p:txBody>
+                <a:bodyPr wrap="none" rtlCol="0">
+                  <a:spAutoFit/>
+                </a:bodyPr>
+                <a:lstStyle/>
+                <a:p>
+                  <a:pPr algn="ctr"/>
+                  <a:r>
+                    <a:rPr lang="fr-FR" sz="1200" dirty="0" smtClean="0"/>
+                    <a:t>Client </a:t>
+                  </a:r>
+                  <a:r>
+                    <a:rPr lang="fr-FR" sz="1200" dirty="0" smtClean="0"/>
+                    <a:t>PC3</a:t>
+                  </a:r>
+                  <a:endParaRPr lang="fr-FR" sz="1200" dirty="0"/>
+                </a:p>
+              </p:txBody>
+            </p:sp>
+          </p:grpSp>
+          <p:cxnSp>
+            <p:nvCxnSpPr>
+              <p:cNvPr id="57" name="Connecteur droit 56"/>
+              <p:cNvCxnSpPr>
+                <a:stCxn id="37" idx="1"/>
+                <a:endCxn id="49" idx="3"/>
+              </p:cNvCxnSpPr>
+              <p:nvPr/>
+            </p:nvCxnSpPr>
+            <p:spPr>
+              <a:xfrm flipH="1" flipV="1">
+                <a:off x="1380413" y="2138533"/>
+                <a:ext cx="1546999" cy="1062849"/>
+              </a:xfrm>
+              <a:prstGeom prst="line">
+                <a:avLst/>
+              </a:prstGeom>
+              <a:ln w="28575">
+                <a:solidFill>
+                  <a:schemeClr val="accent5">
+                    <a:lumMod val="50000"/>
+                  </a:schemeClr>
+                </a:solidFill>
+              </a:ln>
+            </p:spPr>
+            <p:style>
+              <a:lnRef idx="1">
+                <a:schemeClr val="accent1"/>
+              </a:lnRef>
+              <a:fillRef idx="0">
+                <a:schemeClr val="accent1"/>
+              </a:fillRef>
+              <a:effectRef idx="0">
+                <a:schemeClr val="accent1"/>
+              </a:effectRef>
+              <a:fontRef idx="minor">
+                <a:schemeClr val="tx1"/>
+              </a:fontRef>
+            </p:style>
+          </p:cxnSp>
+          <p:cxnSp>
+            <p:nvCxnSpPr>
+              <p:cNvPr id="61" name="Connecteur droit 60"/>
+              <p:cNvCxnSpPr>
+                <a:stCxn id="37" idx="0"/>
+                <a:endCxn id="29" idx="2"/>
+              </p:cNvCxnSpPr>
+              <p:nvPr/>
+            </p:nvCxnSpPr>
+            <p:spPr>
+              <a:xfrm flipV="1">
+                <a:off x="3384727" y="2527676"/>
+                <a:ext cx="1" cy="481834"/>
+              </a:xfrm>
+              <a:prstGeom prst="line">
+                <a:avLst/>
+              </a:prstGeom>
+              <a:ln w="28575">
+                <a:solidFill>
+                  <a:schemeClr val="accent5">
+                    <a:lumMod val="50000"/>
+                  </a:schemeClr>
+                </a:solidFill>
+              </a:ln>
+            </p:spPr>
+            <p:style>
+              <a:lnRef idx="1">
+                <a:schemeClr val="accent1"/>
+              </a:lnRef>
+              <a:fillRef idx="0">
+                <a:schemeClr val="accent1"/>
+              </a:fillRef>
+              <a:effectRef idx="0">
+                <a:schemeClr val="accent1"/>
+              </a:effectRef>
+              <a:fontRef idx="minor">
+                <a:schemeClr val="tx1"/>
+              </a:fontRef>
+            </p:style>
+          </p:cxnSp>
+        </p:grpSp>
+        <p:sp>
+          <p:nvSpPr>
+            <p:cNvPr id="65" name="ZoneTexte 64"/>
+            <p:cNvSpPr txBox="1"/>
+            <p:nvPr/>
+          </p:nvSpPr>
+          <p:spPr>
+            <a:xfrm>
+              <a:off x="3542284" y="3675782"/>
+              <a:ext cx="579839" cy="276999"/>
+            </a:xfrm>
+            <a:prstGeom prst="rect">
+              <a:avLst/>
+            </a:prstGeom>
+            <a:noFill/>
+          </p:spPr>
+          <p:txBody>
+            <a:bodyPr wrap="none" rtlCol="0">
+              <a:spAutoFit/>
+            </a:bodyPr>
+            <a:lstStyle/>
+            <a:p>
+              <a:pPr algn="ctr"/>
+              <a:r>
+                <a:rPr lang="fr-FR" sz="1200" dirty="0" smtClean="0"/>
+                <a:t>Port 1</a:t>
+              </a:r>
+              <a:endParaRPr lang="fr-FR" sz="1200" dirty="0"/>
+            </a:p>
+          </p:txBody>
+        </p:sp>
+        <p:sp>
+          <p:nvSpPr>
+            <p:cNvPr id="66" name="ZoneTexte 65"/>
+            <p:cNvSpPr txBox="1"/>
+            <p:nvPr/>
+          </p:nvSpPr>
+          <p:spPr>
+            <a:xfrm>
+              <a:off x="4246313" y="3620740"/>
+              <a:ext cx="579839" cy="276999"/>
+            </a:xfrm>
+            <a:prstGeom prst="rect">
+              <a:avLst/>
+            </a:prstGeom>
+            <a:noFill/>
+          </p:spPr>
+          <p:txBody>
+            <a:bodyPr wrap="none" rtlCol="0">
+              <a:spAutoFit/>
+            </a:bodyPr>
+            <a:lstStyle/>
+            <a:p>
+              <a:pPr algn="ctr"/>
+              <a:r>
+                <a:rPr lang="fr-FR" sz="1200" dirty="0" smtClean="0"/>
+                <a:t>Port 2</a:t>
+              </a:r>
+              <a:endParaRPr lang="fr-FR" sz="1200" dirty="0"/>
+            </a:p>
+          </p:txBody>
+        </p:sp>
+        <p:sp>
+          <p:nvSpPr>
+            <p:cNvPr id="67" name="ZoneTexte 66"/>
+            <p:cNvSpPr txBox="1"/>
+            <p:nvPr/>
+          </p:nvSpPr>
+          <p:spPr>
+            <a:xfrm>
+              <a:off x="4790693" y="3959466"/>
+              <a:ext cx="579839" cy="276999"/>
+            </a:xfrm>
+            <a:prstGeom prst="rect">
+              <a:avLst/>
+            </a:prstGeom>
+            <a:noFill/>
+          </p:spPr>
+          <p:txBody>
+            <a:bodyPr wrap="none" rtlCol="0">
+              <a:spAutoFit/>
+            </a:bodyPr>
+            <a:lstStyle/>
+            <a:p>
+              <a:pPr algn="ctr"/>
+              <a:r>
+                <a:rPr lang="fr-FR" sz="1200" dirty="0" smtClean="0"/>
+                <a:t>Port 3</a:t>
+              </a:r>
+              <a:endParaRPr lang="fr-FR" sz="1200" dirty="0"/>
+            </a:p>
+          </p:txBody>
+        </p:sp>
+      </p:grpSp>
+      <p:pic>
+        <p:nvPicPr>
+          <p:cNvPr id="1026" name="Picture 2"/>
+          <p:cNvPicPr>
+            <a:picLocks noChangeAspect="1" noChangeArrowheads="1"/>
+          </p:cNvPicPr>
+          <p:nvPr/>
+        </p:nvPicPr>
+        <p:blipFill>
+          <a:blip r:embed="rId4" cstate="print">
+            <a:extLst>
+              <a:ext uri="{28A0092B-C50C-407E-A947-70E740481C1C}">
+                <a14:useLocalDpi xmlns:a14="http://schemas.microsoft.com/office/drawing/2010/main" val="0"/>
+              </a:ext>
+            </a:extLst>
+          </a:blip>
+          <a:srcRect/>
+          <a:stretch>
+            <a:fillRect/>
+          </a:stretch>
+        </p:blipFill>
+        <p:spPr bwMode="auto">
+          <a:xfrm>
+            <a:off x="384083" y="5416941"/>
+            <a:ext cx="2295073" cy="892379"/>
+          </a:xfrm>
+          <a:prstGeom prst="rect">
+            <a:avLst/>
+          </a:prstGeom>
+          <a:noFill/>
+          <a:ln>
+            <a:noFill/>
+          </a:ln>
+          <a:effectLst/>
+          <a:extLst>
+            <a:ext uri="{909E8E84-426E-40DD-AFC4-6F175D3DCCD1}">
+              <a14:hiddenFill xmlns:a14="http://schemas.microsoft.com/office/drawing/2010/main">
+                <a:solidFill>
+                  <a:schemeClr val="accent1"/>
+                </a:solidFill>
+              </a14:hiddenFill>
+            </a:ext>
+            <a:ext uri="{91240B29-F687-4F45-9708-019B960494DF}">
+              <a14:hiddenLine xmlns:a14="http://schemas.microsoft.com/office/drawing/2010/main" w="9525">
+                <a:solidFill>
+                  <a:schemeClr val="tx1"/>
+                </a:solidFill>
+                <a:miter lim="800000"/>
+                <a:headEnd/>
+                <a:tailEnd/>
+              </a14:hiddenLine>
+            </a:ext>
+            <a:ext uri="{AF507438-7753-43E0-B8FC-AC1667EBCBE1}">
+              <a14:hiddenEffects xmlns:a14="http://schemas.microsoft.com/office/drawing/2010/main">
+                <a:effectLst>
+                  <a:outerShdw dist="35921" dir="2700000" algn="ctr" rotWithShape="0">
+                    <a:schemeClr val="bg2"/>
+                  </a:outerShdw>
+                </a:effectLst>
+              </a14:hiddenEffects>
+            </a:ext>
+          </a:extLst>
+        </p:spPr>
+      </p:pic>
+      <p:cxnSp>
+        <p:nvCxnSpPr>
+          <p:cNvPr id="63" name="Connecteur droit 62"/>
+          <p:cNvCxnSpPr/>
+          <p:nvPr/>
+        </p:nvCxnSpPr>
+        <p:spPr>
+          <a:xfrm flipH="1" flipV="1">
+            <a:off x="758120" y="5777896"/>
+            <a:ext cx="522714" cy="359125"/>
+          </a:xfrm>
+          <a:prstGeom prst="line">
+            <a:avLst/>
+          </a:prstGeom>
+          <a:ln w="28575">
+            <a:solidFill>
+              <a:srgbClr val="FF0000"/>
+            </a:solidFill>
+            <a:headEnd type="stealth" w="med" len="lg"/>
+            <a:tailEnd type="none" w="med" len="lg"/>
+          </a:ln>
+        </p:spPr>
+        <p:style>
+          <a:lnRef idx="1">
+            <a:schemeClr val="accent1"/>
+          </a:lnRef>
+          <a:fillRef idx="0">
+            <a:schemeClr val="accent1"/>
+          </a:fillRef>
+          <a:effectRef idx="0">
+            <a:schemeClr val="accent1"/>
+          </a:effectRef>
+          <a:fontRef idx="minor">
+            <a:schemeClr val="tx1"/>
+          </a:fontRef>
+        </p:style>
+      </p:cxnSp>
+      <p:cxnSp>
+        <p:nvCxnSpPr>
+          <p:cNvPr id="64" name="Connecteur droit 63"/>
+          <p:cNvCxnSpPr/>
+          <p:nvPr/>
+        </p:nvCxnSpPr>
+        <p:spPr>
+          <a:xfrm flipH="1">
+            <a:off x="1896251" y="5777896"/>
+            <a:ext cx="522714" cy="371151"/>
+          </a:xfrm>
+          <a:prstGeom prst="line">
+            <a:avLst/>
+          </a:prstGeom>
+          <a:ln w="28575">
+            <a:solidFill>
+              <a:srgbClr val="FF0000"/>
+            </a:solidFill>
+            <a:headEnd type="stealth" w="med" len="lg"/>
+            <a:tailEnd type="none" w="med" len="lg"/>
+          </a:ln>
+        </p:spPr>
+        <p:style>
+          <a:lnRef idx="1">
+            <a:schemeClr val="accent1"/>
+          </a:lnRef>
+          <a:fillRef idx="0">
+            <a:schemeClr val="accent1"/>
+          </a:fillRef>
+          <a:effectRef idx="0">
+            <a:schemeClr val="accent1"/>
+          </a:effectRef>
+          <a:fontRef idx="minor">
+            <a:schemeClr val="tx1"/>
+          </a:fontRef>
+        </p:style>
+      </p:cxnSp>
+      <p:cxnSp>
+        <p:nvCxnSpPr>
+          <p:cNvPr id="68" name="Connecteur droit 67"/>
+          <p:cNvCxnSpPr/>
+          <p:nvPr/>
+        </p:nvCxnSpPr>
+        <p:spPr>
+          <a:xfrm>
+            <a:off x="1476184" y="5769290"/>
+            <a:ext cx="0" cy="185575"/>
+          </a:xfrm>
+          <a:prstGeom prst="line">
+            <a:avLst/>
+          </a:prstGeom>
+          <a:ln w="28575">
+            <a:solidFill>
+              <a:srgbClr val="FF0000"/>
+            </a:solidFill>
+            <a:headEnd type="stealth" w="med" len="lg"/>
+            <a:tailEnd type="none" w="med" len="lg"/>
+          </a:ln>
+        </p:spPr>
+        <p:style>
+          <a:lnRef idx="1">
+            <a:schemeClr val="accent1"/>
+          </a:lnRef>
+          <a:fillRef idx="0">
+            <a:schemeClr val="accent1"/>
+          </a:fillRef>
+          <a:effectRef idx="0">
+            <a:schemeClr val="accent1"/>
+          </a:effectRef>
+          <a:fontRef idx="minor">
+            <a:schemeClr val="tx1"/>
+          </a:fontRef>
+        </p:style>
+      </p:cxnSp>
+      <p:grpSp>
+        <p:nvGrpSpPr>
+          <p:cNvPr id="11" name="Groupe 10"/>
+          <p:cNvGrpSpPr/>
+          <p:nvPr/>
+        </p:nvGrpSpPr>
+        <p:grpSpPr>
+          <a:xfrm>
+            <a:off x="2708975" y="5416941"/>
+            <a:ext cx="2295073" cy="892379"/>
+            <a:chOff x="619944" y="4805536"/>
+            <a:chExt cx="2295073" cy="892379"/>
+          </a:xfrm>
+        </p:grpSpPr>
+        <p:pic>
+          <p:nvPicPr>
+            <p:cNvPr id="73" name="Picture 2"/>
+            <p:cNvPicPr>
+              <a:picLocks noChangeAspect="1" noChangeArrowheads="1"/>
+            </p:cNvPicPr>
+            <p:nvPr/>
+          </p:nvPicPr>
+          <p:blipFill>
+            <a:blip r:embed="rId4" cstate="print">
+              <a:extLst>
+                <a:ext uri="{28A0092B-C50C-407E-A947-70E740481C1C}">
+                  <a14:useLocalDpi xmlns:a14="http://schemas.microsoft.com/office/drawing/2010/main" val="0"/>
+                </a:ext>
+              </a:extLst>
+            </a:blip>
+            <a:srcRect/>
+            <a:stretch>
+              <a:fillRect/>
+            </a:stretch>
+          </p:blipFill>
+          <p:spPr bwMode="auto">
+            <a:xfrm>
+              <a:off x="619944" y="4805536"/>
+              <a:ext cx="2295073" cy="892379"/>
+            </a:xfrm>
+            <a:prstGeom prst="rect">
+              <a:avLst/>
+            </a:prstGeom>
+            <a:noFill/>
+            <a:ln>
+              <a:noFill/>
+            </a:ln>
+            <a:effectLst/>
+            <a:extLst>
+              <a:ext uri="{909E8E84-426E-40DD-AFC4-6F175D3DCCD1}">
+                <a14:hiddenFill xmlns:a14="http://schemas.microsoft.com/office/drawing/2010/main">
+                  <a:solidFill>
+                    <a:schemeClr val="accent1"/>
+                  </a:solidFill>
+                </a14:hiddenFill>
+              </a:ext>
+              <a:ext uri="{91240B29-F687-4F45-9708-019B960494DF}">
+                <a14:hiddenLine xmlns:a14="http://schemas.microsoft.com/office/drawing/2010/main" w="9525">
+                  <a:solidFill>
+                    <a:schemeClr val="tx1"/>
+                  </a:solidFill>
+                  <a:miter lim="800000"/>
+                  <a:headEnd/>
+                  <a:tailEnd/>
+                </a14:hiddenLine>
+              </a:ext>
+              <a:ext uri="{AF507438-7753-43E0-B8FC-AC1667EBCBE1}">
+                <a14:hiddenEffects xmlns:a14="http://schemas.microsoft.com/office/drawing/2010/main">
+                  <a:effectLst>
+                    <a:outerShdw dist="35921" dir="2700000" algn="ctr" rotWithShape="0">
+                      <a:schemeClr val="bg2"/>
+                    </a:outerShdw>
+                  </a:effectLst>
+                </a14:hiddenEffects>
+              </a:ext>
+            </a:extLst>
+          </p:spPr>
+        </p:pic>
+        <p:cxnSp>
+          <p:nvCxnSpPr>
+            <p:cNvPr id="74" name="Connecteur droit 73"/>
+            <p:cNvCxnSpPr/>
+            <p:nvPr/>
+          </p:nvCxnSpPr>
+          <p:spPr>
+            <a:xfrm flipH="1" flipV="1">
+              <a:off x="993981" y="5166491"/>
+              <a:ext cx="522714" cy="359125"/>
+            </a:xfrm>
+            <a:prstGeom prst="line">
+              <a:avLst/>
+            </a:prstGeom>
+            <a:ln w="28575">
+              <a:solidFill>
+                <a:srgbClr val="FF0000"/>
+              </a:solidFill>
+              <a:headEnd type="stealth" w="med" len="lg"/>
+              <a:tailEnd type="none" w="med" len="lg"/>
+            </a:ln>
+          </p:spPr>
+          <p:style>
+            <a:lnRef idx="1">
+              <a:schemeClr val="accent1"/>
+            </a:lnRef>
+            <a:fillRef idx="0">
+              <a:schemeClr val="accent1"/>
+            </a:fillRef>
+            <a:effectRef idx="0">
+              <a:schemeClr val="accent1"/>
+            </a:effectRef>
+            <a:fontRef idx="minor">
+              <a:schemeClr val="tx1"/>
+            </a:fontRef>
+          </p:style>
+        </p:cxnSp>
+        <p:cxnSp>
+          <p:nvCxnSpPr>
+            <p:cNvPr id="75" name="Connecteur droit 74"/>
+            <p:cNvCxnSpPr/>
+            <p:nvPr/>
+          </p:nvCxnSpPr>
+          <p:spPr>
+            <a:xfrm flipH="1">
+              <a:off x="2132112" y="5166491"/>
+              <a:ext cx="522714" cy="371151"/>
+            </a:xfrm>
+            <a:prstGeom prst="line">
+              <a:avLst/>
+            </a:prstGeom>
+            <a:ln w="28575">
+              <a:solidFill>
+                <a:srgbClr val="FF0000"/>
+              </a:solidFill>
+              <a:headEnd type="stealth" w="med" len="lg"/>
+              <a:tailEnd type="none" w="med" len="lg"/>
+            </a:ln>
+          </p:spPr>
+          <p:style>
+            <a:lnRef idx="1">
+              <a:schemeClr val="accent1"/>
+            </a:lnRef>
+            <a:fillRef idx="0">
+              <a:schemeClr val="accent1"/>
+            </a:fillRef>
+            <a:effectRef idx="0">
+              <a:schemeClr val="accent1"/>
+            </a:effectRef>
+            <a:fontRef idx="minor">
+              <a:schemeClr val="tx1"/>
+            </a:fontRef>
+          </p:style>
+        </p:cxnSp>
+      </p:grpSp>
+      <p:sp>
+        <p:nvSpPr>
+          <p:cNvPr id="14" name="Rectangle 13"/>
+          <p:cNvSpPr/>
+          <p:nvPr/>
+        </p:nvSpPr>
+        <p:spPr>
+          <a:xfrm>
+            <a:off x="323528" y="5416941"/>
+            <a:ext cx="2355628" cy="892379"/>
+          </a:xfrm>
+          <a:prstGeom prst="rect">
+            <a:avLst/>
+          </a:prstGeom>
+          <a:ln w="19050">
+            <a:solidFill>
+              <a:schemeClr val="accent5">
+                <a:lumMod val="50000"/>
+              </a:schemeClr>
+            </a:solidFill>
+            <a:prstDash val="lgDash"/>
+          </a:ln>
+        </p:spPr>
+        <p:txBody>
+          <a:bodyPr vert="horz">
+            <a:normAutofit/>
+          </a:bodyPr>
+          <a:lstStyle/>
+          <a:p>
+            <a:pPr marL="274320" indent="-274320">
+              <a:spcBef>
+                <a:spcPts val="600"/>
+              </a:spcBef>
+              <a:buClr>
+                <a:schemeClr val="accent5">
+                  <a:lumMod val="50000"/>
+                </a:schemeClr>
+              </a:buClr>
+              <a:buSzPct val="76000"/>
+              <a:buFont typeface="Wingdings 3"/>
+              <a:buChar char=""/>
+            </a:pPr>
+            <a:endParaRPr lang="fr-FR" sz="2600">
+              <a:solidFill>
+                <a:srgbClr val="FF0000"/>
+              </a:solidFill>
+            </a:endParaRPr>
+          </a:p>
+        </p:txBody>
+      </p:sp>
+      <p:graphicFrame>
+        <p:nvGraphicFramePr>
+          <p:cNvPr id="15" name="Tableau 14"/>
+          <p:cNvGraphicFramePr>
+            <a:graphicFrameLocks noGrp="1"/>
+          </p:cNvGraphicFramePr>
+          <p:nvPr>
+            <p:extLst>
+              <p:ext uri="{D42A27DB-BD31-4B8C-83A1-F6EECF244321}">
+                <p14:modId xmlns:p14="http://schemas.microsoft.com/office/powerpoint/2010/main" val="2540180997"/>
+              </p:ext>
+            </p:extLst>
+          </p:nvPr>
+        </p:nvGraphicFramePr>
+        <p:xfrm>
+          <a:off x="7288732" y="3140968"/>
+          <a:ext cx="1387724" cy="844328"/>
+        </p:xfrm>
+        <a:graphic>
+          <a:graphicData uri="http://schemas.openxmlformats.org/drawingml/2006/table">
+            <a:tbl>
+              <a:tblPr firstRow="1" bandRow="1">
+                <a:tableStyleId>{5C22544A-7EE6-4342-B048-85BDC9FD1C3A}</a:tableStyleId>
+              </a:tblPr>
+              <a:tblGrid>
+                <a:gridCol w="667644"/>
+                <a:gridCol w="720080"/>
+              </a:tblGrid>
+              <a:tr h="188242">
+                <a:tc>
+                  <a:txBody>
+                    <a:bodyPr/>
+                    <a:lstStyle/>
+                    <a:p>
+                      <a:r>
+                        <a:rPr lang="fr-FR" sz="1000" dirty="0" smtClean="0">
+                          <a:solidFill>
+                            <a:schemeClr val="tx1"/>
+                          </a:solidFill>
+                        </a:rPr>
+                        <a:t>Port</a:t>
+                      </a:r>
+                      <a:endParaRPr lang="fr-FR" sz="1000" dirty="0">
+                        <a:solidFill>
+                          <a:schemeClr val="tx1"/>
+                        </a:solidFill>
+                      </a:endParaRPr>
+                    </a:p>
+                  </a:txBody>
+                  <a:tcPr marL="58681" marR="58681" marT="29341" marB="29341">
+                    <a:lnL w="12700" cap="flat" cmpd="sng" algn="ctr">
+                      <a:solidFill>
+                        <a:schemeClr val="tx1"/>
+                      </a:solidFill>
+                      <a:prstDash val="solid"/>
+                      <a:round/>
+                      <a:headEnd type="none" w="med" len="med"/>
+                      <a:tailEnd type="none" w="med" len="med"/>
+                    </a:lnL>
+                    <a:lnR w="12700" cap="flat" cmpd="sng" algn="ctr">
+                      <a:solidFill>
+                        <a:schemeClr val="tx1"/>
+                      </a:solidFill>
+                      <a:prstDash val="solid"/>
+                      <a:round/>
+                      <a:headEnd type="none" w="med" len="med"/>
+                      <a:tailEnd type="none" w="med" len="med"/>
+                    </a:lnR>
+                    <a:lnT w="12700" cap="flat" cmpd="sng" algn="ctr">
+                      <a:solidFill>
+                        <a:schemeClr val="tx1"/>
+                      </a:solidFill>
+                      <a:prstDash val="solid"/>
+                      <a:round/>
+                      <a:headEnd type="none" w="med" len="med"/>
+                      <a:tailEnd type="none" w="med" len="med"/>
+                    </a:lnT>
+                    <a:lnB w="12700" cap="flat" cmpd="sng" algn="ctr">
+                      <a:solidFill>
+                        <a:schemeClr val="tx1"/>
+                      </a:solidFill>
+                      <a:prstDash val="solid"/>
+                      <a:round/>
+                      <a:headEnd type="none" w="med" len="med"/>
+                      <a:tailEnd type="none" w="med" len="med"/>
+                    </a:lnB>
+                    <a:solidFill>
+                      <a:schemeClr val="bg1"/>
+                    </a:solidFill>
+                  </a:tcPr>
+                </a:tc>
+                <a:tc>
+                  <a:txBody>
+                    <a:bodyPr/>
+                    <a:lstStyle/>
+                    <a:p>
+                      <a:r>
+                        <a:rPr lang="fr-FR" sz="1000" dirty="0" smtClean="0">
+                          <a:solidFill>
+                            <a:schemeClr val="tx1"/>
+                          </a:solidFill>
+                        </a:rPr>
+                        <a:t>Mac</a:t>
+                      </a:r>
+                      <a:endParaRPr lang="fr-FR" sz="1000" dirty="0">
+                        <a:solidFill>
+                          <a:schemeClr val="tx1"/>
+                        </a:solidFill>
+                      </a:endParaRPr>
+                    </a:p>
+                  </a:txBody>
+                  <a:tcPr marL="58681" marR="58681" marT="29341" marB="29341">
+                    <a:lnL w="12700" cap="flat" cmpd="sng" algn="ctr">
+                      <a:solidFill>
+                        <a:schemeClr val="tx1"/>
+                      </a:solidFill>
+                      <a:prstDash val="solid"/>
+                      <a:round/>
+                      <a:headEnd type="none" w="med" len="med"/>
+                      <a:tailEnd type="none" w="med" len="med"/>
+                    </a:lnL>
+                    <a:lnR w="12700" cap="flat" cmpd="sng" algn="ctr">
+                      <a:solidFill>
+                        <a:schemeClr val="tx1"/>
+                      </a:solidFill>
+                      <a:prstDash val="solid"/>
+                      <a:round/>
+                      <a:headEnd type="none" w="med" len="med"/>
+                      <a:tailEnd type="none" w="med" len="med"/>
+                    </a:lnR>
+                    <a:lnT w="12700" cap="flat" cmpd="sng" algn="ctr">
+                      <a:solidFill>
+                        <a:schemeClr val="tx1"/>
+                      </a:solidFill>
+                      <a:prstDash val="solid"/>
+                      <a:round/>
+                      <a:headEnd type="none" w="med" len="med"/>
+                      <a:tailEnd type="none" w="med" len="med"/>
+                    </a:lnT>
+                    <a:lnB w="12700" cap="flat" cmpd="sng" algn="ctr">
+                      <a:solidFill>
+                        <a:schemeClr val="tx1"/>
+                      </a:solidFill>
+                      <a:prstDash val="solid"/>
+                      <a:round/>
+                      <a:headEnd type="none" w="med" len="med"/>
+                      <a:tailEnd type="none" w="med" len="med"/>
+                    </a:lnB>
+                    <a:solidFill>
+                      <a:schemeClr val="bg1"/>
+                    </a:solidFill>
+                  </a:tcPr>
+                </a:tc>
+              </a:tr>
+              <a:tr h="188242">
+                <a:tc>
+                  <a:txBody>
+                    <a:bodyPr/>
+                    <a:lstStyle/>
+                    <a:p>
+                      <a:r>
+                        <a:rPr lang="fr-FR" sz="1000" dirty="0" smtClean="0">
+                          <a:solidFill>
+                            <a:schemeClr val="tx1"/>
+                          </a:solidFill>
+                        </a:rPr>
+                        <a:t>1</a:t>
+                      </a:r>
+                      <a:endParaRPr lang="fr-FR" sz="1000" dirty="0">
+                        <a:solidFill>
+                          <a:schemeClr val="tx1"/>
+                        </a:solidFill>
+                      </a:endParaRPr>
+                    </a:p>
+                  </a:txBody>
+                  <a:tcPr marL="58681" marR="58681" marT="29341" marB="29341">
+                    <a:lnL w="12700" cap="flat" cmpd="sng" algn="ctr">
+                      <a:solidFill>
+                        <a:schemeClr val="tx1"/>
+                      </a:solidFill>
+                      <a:prstDash val="solid"/>
+                      <a:round/>
+                      <a:headEnd type="none" w="med" len="med"/>
+                      <a:tailEnd type="none" w="med" len="med"/>
+                    </a:lnL>
+                    <a:lnR w="12700" cap="flat" cmpd="sng" algn="ctr">
+                      <a:solidFill>
+                        <a:schemeClr val="tx1"/>
+                      </a:solidFill>
+                      <a:prstDash val="solid"/>
+                      <a:round/>
+                      <a:headEnd type="none" w="med" len="med"/>
+                      <a:tailEnd type="none" w="med" len="med"/>
+                    </a:lnR>
+                    <a:lnT w="12700" cap="flat" cmpd="sng" algn="ctr">
+                      <a:solidFill>
+                        <a:schemeClr val="tx1"/>
+                      </a:solidFill>
+                      <a:prstDash val="solid"/>
+                      <a:round/>
+                      <a:headEnd type="none" w="med" len="med"/>
+                      <a:tailEnd type="none" w="med" len="med"/>
+                    </a:lnT>
+                    <a:lnB w="12700" cap="flat" cmpd="sng" algn="ctr">
+                      <a:solidFill>
+                        <a:schemeClr val="tx1"/>
+                      </a:solidFill>
+                      <a:prstDash val="solid"/>
+                      <a:round/>
+                      <a:headEnd type="none" w="med" len="med"/>
+                      <a:tailEnd type="none" w="med" len="med"/>
+                    </a:lnB>
+                    <a:solidFill>
+                      <a:schemeClr val="bg1"/>
+                    </a:solidFill>
+                  </a:tcPr>
+                </a:tc>
+                <a:tc>
+                  <a:txBody>
+                    <a:bodyPr/>
+                    <a:lstStyle/>
+                    <a:p>
+                      <a:r>
+                        <a:rPr lang="fr-FR" sz="1000" dirty="0" smtClean="0">
+                          <a:solidFill>
+                            <a:schemeClr val="tx1"/>
+                          </a:solidFill>
+                        </a:rPr>
+                        <a:t>Mac PC1</a:t>
+                      </a:r>
+                      <a:endParaRPr lang="fr-FR" sz="1000" dirty="0">
+                        <a:solidFill>
+                          <a:schemeClr val="tx1"/>
+                        </a:solidFill>
+                      </a:endParaRPr>
+                    </a:p>
+                  </a:txBody>
+                  <a:tcPr marL="58681" marR="58681" marT="29341" marB="29341">
+                    <a:lnL w="12700" cap="flat" cmpd="sng" algn="ctr">
+                      <a:solidFill>
+                        <a:schemeClr val="tx1"/>
+                      </a:solidFill>
+                      <a:prstDash val="solid"/>
+                      <a:round/>
+                      <a:headEnd type="none" w="med" len="med"/>
+                      <a:tailEnd type="none" w="med" len="med"/>
+                    </a:lnL>
+                    <a:lnR w="12700" cap="flat" cmpd="sng" algn="ctr">
+                      <a:solidFill>
+                        <a:schemeClr val="tx1"/>
+                      </a:solidFill>
+                      <a:prstDash val="solid"/>
+                      <a:round/>
+                      <a:headEnd type="none" w="med" len="med"/>
+                      <a:tailEnd type="none" w="med" len="med"/>
+                    </a:lnR>
+                    <a:lnT w="12700" cap="flat" cmpd="sng" algn="ctr">
+                      <a:solidFill>
+                        <a:schemeClr val="tx1"/>
+                      </a:solidFill>
+                      <a:prstDash val="solid"/>
+                      <a:round/>
+                      <a:headEnd type="none" w="med" len="med"/>
+                      <a:tailEnd type="none" w="med" len="med"/>
+                    </a:lnT>
+                    <a:lnB w="12700" cap="flat" cmpd="sng" algn="ctr">
+                      <a:solidFill>
+                        <a:schemeClr val="tx1"/>
+                      </a:solidFill>
+                      <a:prstDash val="solid"/>
+                      <a:round/>
+                      <a:headEnd type="none" w="med" len="med"/>
+                      <a:tailEnd type="none" w="med" len="med"/>
+                    </a:lnB>
+                    <a:solidFill>
+                      <a:schemeClr val="bg1"/>
+                    </a:solidFill>
+                  </a:tcPr>
+                </a:tc>
+              </a:tr>
+              <a:tr h="188242">
+                <a:tc>
+                  <a:txBody>
+                    <a:bodyPr/>
+                    <a:lstStyle/>
+                    <a:p>
+                      <a:r>
+                        <a:rPr lang="fr-FR" sz="1000" dirty="0" smtClean="0">
+                          <a:solidFill>
+                            <a:schemeClr val="tx1"/>
+                          </a:solidFill>
+                        </a:rPr>
+                        <a:t>2</a:t>
+                      </a:r>
+                      <a:endParaRPr lang="fr-FR" sz="1000" dirty="0">
+                        <a:solidFill>
+                          <a:schemeClr val="tx1"/>
+                        </a:solidFill>
+                      </a:endParaRPr>
+                    </a:p>
+                  </a:txBody>
+                  <a:tcPr marL="58681" marR="58681" marT="29341" marB="29341">
+                    <a:lnL w="12700" cap="flat" cmpd="sng" algn="ctr">
+                      <a:solidFill>
+                        <a:schemeClr val="tx1"/>
+                      </a:solidFill>
+                      <a:prstDash val="solid"/>
+                      <a:round/>
+                      <a:headEnd type="none" w="med" len="med"/>
+                      <a:tailEnd type="none" w="med" len="med"/>
+                    </a:lnL>
+                    <a:lnR w="12700" cap="flat" cmpd="sng" algn="ctr">
+                      <a:solidFill>
+                        <a:schemeClr val="tx1"/>
+                      </a:solidFill>
+                      <a:prstDash val="solid"/>
+                      <a:round/>
+                      <a:headEnd type="none" w="med" len="med"/>
+                      <a:tailEnd type="none" w="med" len="med"/>
+                    </a:lnR>
+                    <a:lnT w="12700" cap="flat" cmpd="sng" algn="ctr">
+                      <a:solidFill>
+                        <a:schemeClr val="tx1"/>
+                      </a:solidFill>
+                      <a:prstDash val="solid"/>
+                      <a:round/>
+                      <a:headEnd type="none" w="med" len="med"/>
+                      <a:tailEnd type="none" w="med" len="med"/>
+                    </a:lnT>
+                    <a:lnB w="12700" cap="flat" cmpd="sng" algn="ctr">
+                      <a:solidFill>
+                        <a:schemeClr val="tx1"/>
+                      </a:solidFill>
+                      <a:prstDash val="solid"/>
+                      <a:round/>
+                      <a:headEnd type="none" w="med" len="med"/>
+                      <a:tailEnd type="none" w="med" len="med"/>
+                    </a:lnB>
+                    <a:solidFill>
+                      <a:schemeClr val="bg1"/>
+                    </a:solidFill>
+                  </a:tcPr>
+                </a:tc>
+                <a:tc>
+                  <a:txBody>
+                    <a:bodyPr/>
+                    <a:lstStyle/>
+                    <a:p>
+                      <a:r>
+                        <a:rPr lang="fr-FR" sz="1000" dirty="0" smtClean="0">
+                          <a:solidFill>
+                            <a:schemeClr val="tx1"/>
+                          </a:solidFill>
+                        </a:rPr>
+                        <a:t>Mac PC2</a:t>
+                      </a:r>
+                      <a:endParaRPr lang="fr-FR" sz="1000" dirty="0">
+                        <a:solidFill>
+                          <a:schemeClr val="tx1"/>
+                        </a:solidFill>
+                      </a:endParaRPr>
+                    </a:p>
+                  </a:txBody>
+                  <a:tcPr marL="58681" marR="58681" marT="29341" marB="29341">
+                    <a:lnL w="12700" cap="flat" cmpd="sng" algn="ctr">
+                      <a:solidFill>
+                        <a:schemeClr val="tx1"/>
+                      </a:solidFill>
+                      <a:prstDash val="solid"/>
+                      <a:round/>
+                      <a:headEnd type="none" w="med" len="med"/>
+                      <a:tailEnd type="none" w="med" len="med"/>
+                    </a:lnL>
+                    <a:lnR w="12700" cap="flat" cmpd="sng" algn="ctr">
+                      <a:solidFill>
+                        <a:schemeClr val="tx1"/>
+                      </a:solidFill>
+                      <a:prstDash val="solid"/>
+                      <a:round/>
+                      <a:headEnd type="none" w="med" len="med"/>
+                      <a:tailEnd type="none" w="med" len="med"/>
+                    </a:lnR>
+                    <a:lnT w="12700" cap="flat" cmpd="sng" algn="ctr">
+                      <a:solidFill>
+                        <a:schemeClr val="tx1"/>
+                      </a:solidFill>
+                      <a:prstDash val="solid"/>
+                      <a:round/>
+                      <a:headEnd type="none" w="med" len="med"/>
+                      <a:tailEnd type="none" w="med" len="med"/>
+                    </a:lnT>
+                    <a:lnB w="12700" cap="flat" cmpd="sng" algn="ctr">
+                      <a:solidFill>
+                        <a:schemeClr val="tx1"/>
+                      </a:solidFill>
+                      <a:prstDash val="solid"/>
+                      <a:round/>
+                      <a:headEnd type="none" w="med" len="med"/>
+                      <a:tailEnd type="none" w="med" len="med"/>
+                    </a:lnB>
+                    <a:solidFill>
+                      <a:schemeClr val="bg1"/>
+                    </a:solidFill>
+                  </a:tcPr>
+                </a:tc>
+              </a:tr>
+              <a:tr h="188242">
+                <a:tc>
+                  <a:txBody>
+                    <a:bodyPr/>
+                    <a:lstStyle/>
+                    <a:p>
+                      <a:r>
+                        <a:rPr lang="fr-FR" sz="1000" dirty="0" smtClean="0">
+                          <a:solidFill>
+                            <a:schemeClr val="tx1"/>
+                          </a:solidFill>
+                        </a:rPr>
+                        <a:t>3</a:t>
+                      </a:r>
+                      <a:endParaRPr lang="fr-FR" sz="1000" dirty="0">
+                        <a:solidFill>
+                          <a:schemeClr val="tx1"/>
+                        </a:solidFill>
+                      </a:endParaRPr>
+                    </a:p>
+                  </a:txBody>
+                  <a:tcPr marL="58681" marR="58681" marT="29341" marB="29341">
+                    <a:lnL w="12700" cap="flat" cmpd="sng" algn="ctr">
+                      <a:solidFill>
+                        <a:schemeClr val="tx1"/>
+                      </a:solidFill>
+                      <a:prstDash val="solid"/>
+                      <a:round/>
+                      <a:headEnd type="none" w="med" len="med"/>
+                      <a:tailEnd type="none" w="med" len="med"/>
+                    </a:lnL>
+                    <a:lnR w="12700" cap="flat" cmpd="sng" algn="ctr">
+                      <a:solidFill>
+                        <a:schemeClr val="tx1"/>
+                      </a:solidFill>
+                      <a:prstDash val="solid"/>
+                      <a:round/>
+                      <a:headEnd type="none" w="med" len="med"/>
+                      <a:tailEnd type="none" w="med" len="med"/>
+                    </a:lnR>
+                    <a:lnT w="12700" cap="flat" cmpd="sng" algn="ctr">
+                      <a:solidFill>
+                        <a:schemeClr val="tx1"/>
+                      </a:solidFill>
+                      <a:prstDash val="solid"/>
+                      <a:round/>
+                      <a:headEnd type="none" w="med" len="med"/>
+                      <a:tailEnd type="none" w="med" len="med"/>
+                    </a:lnT>
+                    <a:lnB w="12700" cap="flat" cmpd="sng" algn="ctr">
+                      <a:solidFill>
+                        <a:schemeClr val="tx1"/>
+                      </a:solidFill>
+                      <a:prstDash val="solid"/>
+                      <a:round/>
+                      <a:headEnd type="none" w="med" len="med"/>
+                      <a:tailEnd type="none" w="med" len="med"/>
+                    </a:lnB>
+                    <a:solidFill>
+                      <a:schemeClr val="bg1"/>
+                    </a:solidFill>
+                  </a:tcPr>
+                </a:tc>
+                <a:tc>
+                  <a:txBody>
+                    <a:bodyPr/>
+                    <a:lstStyle/>
+                    <a:p>
+                      <a:r>
+                        <a:rPr lang="fr-FR" sz="1000" dirty="0" smtClean="0">
+                          <a:solidFill>
+                            <a:schemeClr val="tx1"/>
+                          </a:solidFill>
+                        </a:rPr>
+                        <a:t>Mac PC3</a:t>
+                      </a:r>
+                      <a:endParaRPr lang="fr-FR" sz="1000" dirty="0">
+                        <a:solidFill>
+                          <a:schemeClr val="tx1"/>
+                        </a:solidFill>
+                      </a:endParaRPr>
+                    </a:p>
+                  </a:txBody>
+                  <a:tcPr marL="58681" marR="58681" marT="29341" marB="29341">
+                    <a:lnL w="12700" cap="flat" cmpd="sng" algn="ctr">
+                      <a:solidFill>
+                        <a:schemeClr val="tx1"/>
+                      </a:solidFill>
+                      <a:prstDash val="solid"/>
+                      <a:round/>
+                      <a:headEnd type="none" w="med" len="med"/>
+                      <a:tailEnd type="none" w="med" len="med"/>
+                    </a:lnL>
+                    <a:lnR w="12700" cap="flat" cmpd="sng" algn="ctr">
+                      <a:solidFill>
+                        <a:schemeClr val="tx1"/>
+                      </a:solidFill>
+                      <a:prstDash val="solid"/>
+                      <a:round/>
+                      <a:headEnd type="none" w="med" len="med"/>
+                      <a:tailEnd type="none" w="med" len="med"/>
+                    </a:lnR>
+                    <a:lnT w="12700" cap="flat" cmpd="sng" algn="ctr">
+                      <a:solidFill>
+                        <a:schemeClr val="tx1"/>
+                      </a:solidFill>
+                      <a:prstDash val="solid"/>
+                      <a:round/>
+                      <a:headEnd type="none" w="med" len="med"/>
+                      <a:tailEnd type="none" w="med" len="med"/>
+                    </a:lnT>
+                    <a:lnB w="12700" cap="flat" cmpd="sng" algn="ctr">
+                      <a:solidFill>
+                        <a:schemeClr val="tx1"/>
+                      </a:solidFill>
+                      <a:prstDash val="solid"/>
+                      <a:round/>
+                      <a:headEnd type="none" w="med" len="med"/>
+                      <a:tailEnd type="none" w="med" len="med"/>
+                    </a:lnB>
+                    <a:solidFill>
+                      <a:schemeClr val="bg1"/>
+                    </a:solidFill>
+                  </a:tcPr>
+                </a:tc>
+              </a:tr>
+            </a:tbl>
+          </a:graphicData>
+        </a:graphic>
+      </p:graphicFrame>
+      <p:graphicFrame>
+        <p:nvGraphicFramePr>
+          <p:cNvPr id="78" name="Tableau 77"/>
+          <p:cNvGraphicFramePr>
+            <a:graphicFrameLocks noGrp="1"/>
+          </p:cNvGraphicFramePr>
+          <p:nvPr>
+            <p:extLst>
+              <p:ext uri="{D42A27DB-BD31-4B8C-83A1-F6EECF244321}">
+                <p14:modId xmlns:p14="http://schemas.microsoft.com/office/powerpoint/2010/main" val="1893416934"/>
+              </p:ext>
+            </p:extLst>
+          </p:nvPr>
+        </p:nvGraphicFramePr>
+        <p:xfrm>
+          <a:off x="7326548" y="4888927"/>
+          <a:ext cx="1387724" cy="633246"/>
+        </p:xfrm>
+        <a:graphic>
+          <a:graphicData uri="http://schemas.openxmlformats.org/drawingml/2006/table">
+            <a:tbl>
+              <a:tblPr firstRow="1" bandRow="1">
+                <a:tableStyleId>{5C22544A-7EE6-4342-B048-85BDC9FD1C3A}</a:tableStyleId>
+              </a:tblPr>
+              <a:tblGrid>
+                <a:gridCol w="667644"/>
+                <a:gridCol w="720080"/>
+              </a:tblGrid>
+              <a:tr h="188242">
+                <a:tc>
+                  <a:txBody>
+                    <a:bodyPr/>
+                    <a:lstStyle/>
+                    <a:p>
+                      <a:r>
+                        <a:rPr lang="fr-FR" sz="1000" dirty="0" smtClean="0">
+                          <a:solidFill>
+                            <a:schemeClr val="tx1"/>
+                          </a:solidFill>
+                        </a:rPr>
+                        <a:t>Port</a:t>
+                      </a:r>
+                      <a:endParaRPr lang="fr-FR" sz="1000" dirty="0">
+                        <a:solidFill>
+                          <a:schemeClr val="tx1"/>
+                        </a:solidFill>
+                      </a:endParaRPr>
+                    </a:p>
+                  </a:txBody>
+                  <a:tcPr marL="58681" marR="58681" marT="29341" marB="29341">
+                    <a:lnL w="12700" cap="flat" cmpd="sng" algn="ctr">
+                      <a:solidFill>
+                        <a:schemeClr val="tx1"/>
+                      </a:solidFill>
+                      <a:prstDash val="solid"/>
+                      <a:round/>
+                      <a:headEnd type="none" w="med" len="med"/>
+                      <a:tailEnd type="none" w="med" len="med"/>
+                    </a:lnL>
+                    <a:lnR w="12700" cap="flat" cmpd="sng" algn="ctr">
+                      <a:solidFill>
+                        <a:schemeClr val="tx1"/>
+                      </a:solidFill>
+                      <a:prstDash val="solid"/>
+                      <a:round/>
+                      <a:headEnd type="none" w="med" len="med"/>
+                      <a:tailEnd type="none" w="med" len="med"/>
+                    </a:lnR>
+                    <a:lnT w="12700" cap="flat" cmpd="sng" algn="ctr">
+                      <a:solidFill>
+                        <a:schemeClr val="tx1"/>
+                      </a:solidFill>
+                      <a:prstDash val="solid"/>
+                      <a:round/>
+                      <a:headEnd type="none" w="med" len="med"/>
+                      <a:tailEnd type="none" w="med" len="med"/>
+                    </a:lnT>
+                    <a:lnB w="12700" cap="flat" cmpd="sng" algn="ctr">
+                      <a:solidFill>
+                        <a:schemeClr val="tx1"/>
+                      </a:solidFill>
+                      <a:prstDash val="solid"/>
+                      <a:round/>
+                      <a:headEnd type="none" w="med" len="med"/>
+                      <a:tailEnd type="none" w="med" len="med"/>
+                    </a:lnB>
+                    <a:solidFill>
+                      <a:schemeClr val="bg1"/>
+                    </a:solidFill>
+                  </a:tcPr>
+                </a:tc>
+                <a:tc>
+                  <a:txBody>
+                    <a:bodyPr/>
+                    <a:lstStyle/>
+                    <a:p>
+                      <a:r>
+                        <a:rPr lang="fr-FR" sz="1000" dirty="0" smtClean="0">
+                          <a:solidFill>
+                            <a:schemeClr val="tx1"/>
+                          </a:solidFill>
+                        </a:rPr>
+                        <a:t>Mac</a:t>
+                      </a:r>
+                      <a:endParaRPr lang="fr-FR" sz="1000" dirty="0">
+                        <a:solidFill>
+                          <a:schemeClr val="tx1"/>
+                        </a:solidFill>
+                      </a:endParaRPr>
+                    </a:p>
+                  </a:txBody>
+                  <a:tcPr marL="58681" marR="58681" marT="29341" marB="29341">
+                    <a:lnL w="12700" cap="flat" cmpd="sng" algn="ctr">
+                      <a:solidFill>
+                        <a:schemeClr val="tx1"/>
+                      </a:solidFill>
+                      <a:prstDash val="solid"/>
+                      <a:round/>
+                      <a:headEnd type="none" w="med" len="med"/>
+                      <a:tailEnd type="none" w="med" len="med"/>
+                    </a:lnL>
+                    <a:lnR w="12700" cap="flat" cmpd="sng" algn="ctr">
+                      <a:solidFill>
+                        <a:schemeClr val="tx1"/>
+                      </a:solidFill>
+                      <a:prstDash val="solid"/>
+                      <a:round/>
+                      <a:headEnd type="none" w="med" len="med"/>
+                      <a:tailEnd type="none" w="med" len="med"/>
+                    </a:lnR>
+                    <a:lnT w="12700" cap="flat" cmpd="sng" algn="ctr">
+                      <a:solidFill>
+                        <a:schemeClr val="tx1"/>
+                      </a:solidFill>
+                      <a:prstDash val="solid"/>
+                      <a:round/>
+                      <a:headEnd type="none" w="med" len="med"/>
+                      <a:tailEnd type="none" w="med" len="med"/>
+                    </a:lnT>
+                    <a:lnB w="12700" cap="flat" cmpd="sng" algn="ctr">
+                      <a:solidFill>
+                        <a:schemeClr val="tx1"/>
+                      </a:solidFill>
+                      <a:prstDash val="solid"/>
+                      <a:round/>
+                      <a:headEnd type="none" w="med" len="med"/>
+                      <a:tailEnd type="none" w="med" len="med"/>
+                    </a:lnB>
+                    <a:solidFill>
+                      <a:schemeClr val="bg1"/>
+                    </a:solidFill>
+                  </a:tcPr>
+                </a:tc>
+              </a:tr>
+              <a:tr h="188242">
+                <a:tc>
+                  <a:txBody>
+                    <a:bodyPr/>
+                    <a:lstStyle/>
+                    <a:p>
+                      <a:r>
+                        <a:rPr lang="fr-FR" sz="1000" dirty="0" smtClean="0">
+                          <a:solidFill>
+                            <a:schemeClr val="tx1"/>
+                          </a:solidFill>
+                        </a:rPr>
+                        <a:t>1</a:t>
+                      </a:r>
+                      <a:endParaRPr lang="fr-FR" sz="1000" dirty="0">
+                        <a:solidFill>
+                          <a:schemeClr val="tx1"/>
+                        </a:solidFill>
+                      </a:endParaRPr>
+                    </a:p>
+                  </a:txBody>
+                  <a:tcPr marL="58681" marR="58681" marT="29341" marB="29341">
+                    <a:lnL w="12700" cap="flat" cmpd="sng" algn="ctr">
+                      <a:solidFill>
+                        <a:schemeClr val="tx1"/>
+                      </a:solidFill>
+                      <a:prstDash val="solid"/>
+                      <a:round/>
+                      <a:headEnd type="none" w="med" len="med"/>
+                      <a:tailEnd type="none" w="med" len="med"/>
+                    </a:lnL>
+                    <a:lnR w="12700" cap="flat" cmpd="sng" algn="ctr">
+                      <a:solidFill>
+                        <a:schemeClr val="tx1"/>
+                      </a:solidFill>
+                      <a:prstDash val="solid"/>
+                      <a:round/>
+                      <a:headEnd type="none" w="med" len="med"/>
+                      <a:tailEnd type="none" w="med" len="med"/>
+                    </a:lnR>
+                    <a:lnT w="12700" cap="flat" cmpd="sng" algn="ctr">
+                      <a:solidFill>
+                        <a:schemeClr val="tx1"/>
+                      </a:solidFill>
+                      <a:prstDash val="solid"/>
+                      <a:round/>
+                      <a:headEnd type="none" w="med" len="med"/>
+                      <a:tailEnd type="none" w="med" len="med"/>
+                    </a:lnT>
+                    <a:lnB w="12700" cap="flat" cmpd="sng" algn="ctr">
+                      <a:solidFill>
+                        <a:schemeClr val="tx1"/>
+                      </a:solidFill>
+                      <a:prstDash val="solid"/>
+                      <a:round/>
+                      <a:headEnd type="none" w="med" len="med"/>
+                      <a:tailEnd type="none" w="med" len="med"/>
+                    </a:lnB>
+                    <a:solidFill>
+                      <a:schemeClr val="bg1"/>
+                    </a:solidFill>
+                  </a:tcPr>
+                </a:tc>
+                <a:tc>
+                  <a:txBody>
+                    <a:bodyPr/>
+                    <a:lstStyle/>
+                    <a:p>
+                      <a:r>
+                        <a:rPr lang="fr-FR" sz="1000" dirty="0" smtClean="0">
+                          <a:solidFill>
+                            <a:schemeClr val="tx1"/>
+                          </a:solidFill>
+                        </a:rPr>
+                        <a:t>Mac PC1</a:t>
+                      </a:r>
+                      <a:endParaRPr lang="fr-FR" sz="1000" dirty="0">
+                        <a:solidFill>
+                          <a:schemeClr val="tx1"/>
+                        </a:solidFill>
+                      </a:endParaRPr>
+                    </a:p>
+                  </a:txBody>
+                  <a:tcPr marL="58681" marR="58681" marT="29341" marB="29341">
+                    <a:lnL w="12700" cap="flat" cmpd="sng" algn="ctr">
+                      <a:solidFill>
+                        <a:schemeClr val="tx1"/>
+                      </a:solidFill>
+                      <a:prstDash val="solid"/>
+                      <a:round/>
+                      <a:headEnd type="none" w="med" len="med"/>
+                      <a:tailEnd type="none" w="med" len="med"/>
+                    </a:lnL>
+                    <a:lnR w="12700" cap="flat" cmpd="sng" algn="ctr">
+                      <a:solidFill>
+                        <a:schemeClr val="tx1"/>
+                      </a:solidFill>
+                      <a:prstDash val="solid"/>
+                      <a:round/>
+                      <a:headEnd type="none" w="med" len="med"/>
+                      <a:tailEnd type="none" w="med" len="med"/>
+                    </a:lnR>
+                    <a:lnT w="12700" cap="flat" cmpd="sng" algn="ctr">
+                      <a:solidFill>
+                        <a:schemeClr val="tx1"/>
+                      </a:solidFill>
+                      <a:prstDash val="solid"/>
+                      <a:round/>
+                      <a:headEnd type="none" w="med" len="med"/>
+                      <a:tailEnd type="none" w="med" len="med"/>
+                    </a:lnT>
+                    <a:lnB w="12700" cap="flat" cmpd="sng" algn="ctr">
+                      <a:solidFill>
+                        <a:schemeClr val="tx1"/>
+                      </a:solidFill>
+                      <a:prstDash val="solid"/>
+                      <a:round/>
+                      <a:headEnd type="none" w="med" len="med"/>
+                      <a:tailEnd type="none" w="med" len="med"/>
+                    </a:lnB>
+                    <a:solidFill>
+                      <a:schemeClr val="bg1"/>
+                    </a:solidFill>
+                  </a:tcPr>
+                </a:tc>
+              </a:tr>
+              <a:tr h="188242">
+                <a:tc>
+                  <a:txBody>
+                    <a:bodyPr/>
+                    <a:lstStyle/>
+                    <a:p>
+                      <a:r>
+                        <a:rPr lang="fr-FR" sz="1000" dirty="0" smtClean="0">
+                          <a:solidFill>
+                            <a:schemeClr val="tx1"/>
+                          </a:solidFill>
+                        </a:rPr>
+                        <a:t>2</a:t>
+                      </a:r>
+                      <a:endParaRPr lang="fr-FR" sz="1000" dirty="0">
+                        <a:solidFill>
+                          <a:schemeClr val="tx1"/>
+                        </a:solidFill>
+                      </a:endParaRPr>
+                    </a:p>
+                  </a:txBody>
+                  <a:tcPr marL="58681" marR="58681" marT="29341" marB="29341">
+                    <a:lnL w="12700" cap="flat" cmpd="sng" algn="ctr">
+                      <a:solidFill>
+                        <a:schemeClr val="tx1"/>
+                      </a:solidFill>
+                      <a:prstDash val="solid"/>
+                      <a:round/>
+                      <a:headEnd type="none" w="med" len="med"/>
+                      <a:tailEnd type="none" w="med" len="med"/>
+                    </a:lnL>
+                    <a:lnR w="12700" cap="flat" cmpd="sng" algn="ctr">
+                      <a:solidFill>
+                        <a:schemeClr val="tx1"/>
+                      </a:solidFill>
+                      <a:prstDash val="solid"/>
+                      <a:round/>
+                      <a:headEnd type="none" w="med" len="med"/>
+                      <a:tailEnd type="none" w="med" len="med"/>
+                    </a:lnR>
+                    <a:lnT w="12700" cap="flat" cmpd="sng" algn="ctr">
+                      <a:solidFill>
+                        <a:schemeClr val="tx1"/>
+                      </a:solidFill>
+                      <a:prstDash val="solid"/>
+                      <a:round/>
+                      <a:headEnd type="none" w="med" len="med"/>
+                      <a:tailEnd type="none" w="med" len="med"/>
+                    </a:lnT>
+                    <a:lnB w="12700" cap="flat" cmpd="sng" algn="ctr">
+                      <a:solidFill>
+                        <a:schemeClr val="tx1"/>
+                      </a:solidFill>
+                      <a:prstDash val="solid"/>
+                      <a:round/>
+                      <a:headEnd type="none" w="med" len="med"/>
+                      <a:tailEnd type="none" w="med" len="med"/>
+                    </a:lnB>
+                    <a:solidFill>
+                      <a:schemeClr val="bg1"/>
+                    </a:solidFill>
+                  </a:tcPr>
+                </a:tc>
+                <a:tc>
+                  <a:txBody>
+                    <a:bodyPr/>
+                    <a:lstStyle/>
+                    <a:p>
+                      <a:r>
+                        <a:rPr lang="fr-FR" sz="1000" dirty="0" smtClean="0">
+                          <a:solidFill>
+                            <a:schemeClr val="tx1"/>
+                          </a:solidFill>
+                        </a:rPr>
+                        <a:t>Mac PC2</a:t>
+                      </a:r>
+                      <a:endParaRPr lang="fr-FR" sz="1000" dirty="0">
+                        <a:solidFill>
+                          <a:schemeClr val="tx1"/>
+                        </a:solidFill>
+                      </a:endParaRPr>
+                    </a:p>
+                  </a:txBody>
+                  <a:tcPr marL="58681" marR="58681" marT="29341" marB="29341">
+                    <a:lnL w="12700" cap="flat" cmpd="sng" algn="ctr">
+                      <a:solidFill>
+                        <a:schemeClr val="tx1"/>
+                      </a:solidFill>
+                      <a:prstDash val="solid"/>
+                      <a:round/>
+                      <a:headEnd type="none" w="med" len="med"/>
+                      <a:tailEnd type="none" w="med" len="med"/>
+                    </a:lnL>
+                    <a:lnR w="12700" cap="flat" cmpd="sng" algn="ctr">
+                      <a:solidFill>
+                        <a:schemeClr val="tx1"/>
+                      </a:solidFill>
+                      <a:prstDash val="solid"/>
+                      <a:round/>
+                      <a:headEnd type="none" w="med" len="med"/>
+                      <a:tailEnd type="none" w="med" len="med"/>
+                    </a:lnR>
+                    <a:lnT w="12700" cap="flat" cmpd="sng" algn="ctr">
+                      <a:solidFill>
+                        <a:schemeClr val="tx1"/>
+                      </a:solidFill>
+                      <a:prstDash val="solid"/>
+                      <a:round/>
+                      <a:headEnd type="none" w="med" len="med"/>
+                      <a:tailEnd type="none" w="med" len="med"/>
+                    </a:lnT>
+                    <a:lnB w="12700" cap="flat" cmpd="sng" algn="ctr">
+                      <a:solidFill>
+                        <a:schemeClr val="tx1"/>
+                      </a:solidFill>
+                      <a:prstDash val="solid"/>
+                      <a:round/>
+                      <a:headEnd type="none" w="med" len="med"/>
+                      <a:tailEnd type="none" w="med" len="med"/>
+                    </a:lnB>
+                    <a:solidFill>
+                      <a:schemeClr val="bg1"/>
+                    </a:solidFill>
+                  </a:tcPr>
+                </a:tc>
+              </a:tr>
+            </a:tbl>
+          </a:graphicData>
+        </a:graphic>
+      </p:graphicFrame>
+      <p:graphicFrame>
+        <p:nvGraphicFramePr>
+          <p:cNvPr id="79" name="Tableau 78"/>
+          <p:cNvGraphicFramePr>
+            <a:graphicFrameLocks noGrp="1"/>
+          </p:cNvGraphicFramePr>
+          <p:nvPr>
+            <p:extLst>
+              <p:ext uri="{D42A27DB-BD31-4B8C-83A1-F6EECF244321}">
+                <p14:modId xmlns:p14="http://schemas.microsoft.com/office/powerpoint/2010/main" val="468343764"/>
+              </p:ext>
+            </p:extLst>
+          </p:nvPr>
+        </p:nvGraphicFramePr>
+        <p:xfrm>
+          <a:off x="7288732" y="4149080"/>
+          <a:ext cx="1387724" cy="633246"/>
+        </p:xfrm>
+        <a:graphic>
+          <a:graphicData uri="http://schemas.openxmlformats.org/drawingml/2006/table">
+            <a:tbl>
+              <a:tblPr firstRow="1" bandRow="1">
+                <a:tableStyleId>{5C22544A-7EE6-4342-B048-85BDC9FD1C3A}</a:tableStyleId>
+              </a:tblPr>
+              <a:tblGrid>
+                <a:gridCol w="667644"/>
+                <a:gridCol w="720080"/>
+              </a:tblGrid>
+              <a:tr h="188242">
+                <a:tc>
+                  <a:txBody>
+                    <a:bodyPr/>
+                    <a:lstStyle/>
+                    <a:p>
+                      <a:r>
+                        <a:rPr lang="fr-FR" sz="1000" dirty="0" smtClean="0">
+                          <a:solidFill>
+                            <a:schemeClr val="tx1"/>
+                          </a:solidFill>
+                        </a:rPr>
+                        <a:t>Port</a:t>
+                      </a:r>
+                      <a:endParaRPr lang="fr-FR" sz="1000" dirty="0">
+                        <a:solidFill>
+                          <a:schemeClr val="tx1"/>
+                        </a:solidFill>
+                      </a:endParaRPr>
+                    </a:p>
+                  </a:txBody>
+                  <a:tcPr marL="58681" marR="58681" marT="29341" marB="29341">
+                    <a:lnL w="12700" cap="flat" cmpd="sng" algn="ctr">
+                      <a:solidFill>
+                        <a:schemeClr val="tx1"/>
+                      </a:solidFill>
+                      <a:prstDash val="solid"/>
+                      <a:round/>
+                      <a:headEnd type="none" w="med" len="med"/>
+                      <a:tailEnd type="none" w="med" len="med"/>
+                    </a:lnL>
+                    <a:lnR w="12700" cap="flat" cmpd="sng" algn="ctr">
+                      <a:solidFill>
+                        <a:schemeClr val="tx1"/>
+                      </a:solidFill>
+                      <a:prstDash val="solid"/>
+                      <a:round/>
+                      <a:headEnd type="none" w="med" len="med"/>
+                      <a:tailEnd type="none" w="med" len="med"/>
+                    </a:lnR>
+                    <a:lnT w="12700" cap="flat" cmpd="sng" algn="ctr">
+                      <a:solidFill>
+                        <a:schemeClr val="tx1"/>
+                      </a:solidFill>
+                      <a:prstDash val="solid"/>
+                      <a:round/>
+                      <a:headEnd type="none" w="med" len="med"/>
+                      <a:tailEnd type="none" w="med" len="med"/>
+                    </a:lnT>
+                    <a:lnB w="12700" cap="flat" cmpd="sng" algn="ctr">
+                      <a:solidFill>
+                        <a:schemeClr val="tx1"/>
+                      </a:solidFill>
+                      <a:prstDash val="solid"/>
+                      <a:round/>
+                      <a:headEnd type="none" w="med" len="med"/>
+                      <a:tailEnd type="none" w="med" len="med"/>
+                    </a:lnB>
+                    <a:solidFill>
+                      <a:schemeClr val="bg1"/>
+                    </a:solidFill>
+                  </a:tcPr>
+                </a:tc>
+                <a:tc>
+                  <a:txBody>
+                    <a:bodyPr/>
+                    <a:lstStyle/>
+                    <a:p>
+                      <a:r>
+                        <a:rPr lang="fr-FR" sz="1000" dirty="0" smtClean="0">
+                          <a:solidFill>
+                            <a:schemeClr val="tx1"/>
+                          </a:solidFill>
+                        </a:rPr>
+                        <a:t>Mac</a:t>
+                      </a:r>
+                      <a:endParaRPr lang="fr-FR" sz="1000" dirty="0">
+                        <a:solidFill>
+                          <a:schemeClr val="tx1"/>
+                        </a:solidFill>
+                      </a:endParaRPr>
+                    </a:p>
+                  </a:txBody>
+                  <a:tcPr marL="58681" marR="58681" marT="29341" marB="29341">
+                    <a:lnL w="12700" cap="flat" cmpd="sng" algn="ctr">
+                      <a:solidFill>
+                        <a:schemeClr val="tx1"/>
+                      </a:solidFill>
+                      <a:prstDash val="solid"/>
+                      <a:round/>
+                      <a:headEnd type="none" w="med" len="med"/>
+                      <a:tailEnd type="none" w="med" len="med"/>
+                    </a:lnL>
+                    <a:lnR w="12700" cap="flat" cmpd="sng" algn="ctr">
+                      <a:solidFill>
+                        <a:schemeClr val="tx1"/>
+                      </a:solidFill>
+                      <a:prstDash val="solid"/>
+                      <a:round/>
+                      <a:headEnd type="none" w="med" len="med"/>
+                      <a:tailEnd type="none" w="med" len="med"/>
+                    </a:lnR>
+                    <a:lnT w="12700" cap="flat" cmpd="sng" algn="ctr">
+                      <a:solidFill>
+                        <a:schemeClr val="tx1"/>
+                      </a:solidFill>
+                      <a:prstDash val="solid"/>
+                      <a:round/>
+                      <a:headEnd type="none" w="med" len="med"/>
+                      <a:tailEnd type="none" w="med" len="med"/>
+                    </a:lnT>
+                    <a:lnB w="12700" cap="flat" cmpd="sng" algn="ctr">
+                      <a:solidFill>
+                        <a:schemeClr val="tx1"/>
+                      </a:solidFill>
+                      <a:prstDash val="solid"/>
+                      <a:round/>
+                      <a:headEnd type="none" w="med" len="med"/>
+                      <a:tailEnd type="none" w="med" len="med"/>
+                    </a:lnB>
+                    <a:solidFill>
+                      <a:schemeClr val="bg1"/>
+                    </a:solidFill>
+                  </a:tcPr>
+                </a:tc>
+              </a:tr>
+              <a:tr h="188242">
+                <a:tc>
+                  <a:txBody>
+                    <a:bodyPr/>
+                    <a:lstStyle/>
+                    <a:p>
+                      <a:r>
+                        <a:rPr lang="fr-FR" sz="1000" dirty="0" smtClean="0">
+                          <a:solidFill>
+                            <a:schemeClr val="tx1"/>
+                          </a:solidFill>
+                        </a:rPr>
+                        <a:t>1</a:t>
+                      </a:r>
+                      <a:endParaRPr lang="fr-FR" sz="1000" dirty="0">
+                        <a:solidFill>
+                          <a:schemeClr val="tx1"/>
+                        </a:solidFill>
+                      </a:endParaRPr>
+                    </a:p>
+                  </a:txBody>
+                  <a:tcPr marL="58681" marR="58681" marT="29341" marB="29341">
+                    <a:lnL w="12700" cap="flat" cmpd="sng" algn="ctr">
+                      <a:solidFill>
+                        <a:schemeClr val="tx1"/>
+                      </a:solidFill>
+                      <a:prstDash val="solid"/>
+                      <a:round/>
+                      <a:headEnd type="none" w="med" len="med"/>
+                      <a:tailEnd type="none" w="med" len="med"/>
+                    </a:lnL>
+                    <a:lnR w="12700" cap="flat" cmpd="sng" algn="ctr">
+                      <a:solidFill>
+                        <a:schemeClr val="tx1"/>
+                      </a:solidFill>
+                      <a:prstDash val="solid"/>
+                      <a:round/>
+                      <a:headEnd type="none" w="med" len="med"/>
+                      <a:tailEnd type="none" w="med" len="med"/>
+                    </a:lnR>
+                    <a:lnT w="12700" cap="flat" cmpd="sng" algn="ctr">
+                      <a:solidFill>
+                        <a:schemeClr val="tx1"/>
+                      </a:solidFill>
+                      <a:prstDash val="solid"/>
+                      <a:round/>
+                      <a:headEnd type="none" w="med" len="med"/>
+                      <a:tailEnd type="none" w="med" len="med"/>
+                    </a:lnT>
+                    <a:lnB w="12700" cap="flat" cmpd="sng" algn="ctr">
+                      <a:solidFill>
+                        <a:schemeClr val="tx1"/>
+                      </a:solidFill>
+                      <a:prstDash val="solid"/>
+                      <a:round/>
+                      <a:headEnd type="none" w="med" len="med"/>
+                      <a:tailEnd type="none" w="med" len="med"/>
+                    </a:lnB>
+                    <a:solidFill>
+                      <a:schemeClr val="bg1"/>
+                    </a:solidFill>
+                  </a:tcPr>
+                </a:tc>
+                <a:tc>
+                  <a:txBody>
+                    <a:bodyPr/>
+                    <a:lstStyle/>
+                    <a:p>
+                      <a:r>
+                        <a:rPr lang="fr-FR" sz="1000" dirty="0" smtClean="0">
+                          <a:solidFill>
+                            <a:schemeClr val="tx1"/>
+                          </a:solidFill>
+                        </a:rPr>
+                        <a:t>Mac PC1</a:t>
+                      </a:r>
+                      <a:endParaRPr lang="fr-FR" sz="1000" dirty="0">
+                        <a:solidFill>
+                          <a:schemeClr val="tx1"/>
+                        </a:solidFill>
+                      </a:endParaRPr>
+                    </a:p>
+                  </a:txBody>
+                  <a:tcPr marL="58681" marR="58681" marT="29341" marB="29341">
+                    <a:lnL w="12700" cap="flat" cmpd="sng" algn="ctr">
+                      <a:solidFill>
+                        <a:schemeClr val="tx1"/>
+                      </a:solidFill>
+                      <a:prstDash val="solid"/>
+                      <a:round/>
+                      <a:headEnd type="none" w="med" len="med"/>
+                      <a:tailEnd type="none" w="med" len="med"/>
+                    </a:lnL>
+                    <a:lnR w="12700" cap="flat" cmpd="sng" algn="ctr">
+                      <a:solidFill>
+                        <a:schemeClr val="tx1"/>
+                      </a:solidFill>
+                      <a:prstDash val="solid"/>
+                      <a:round/>
+                      <a:headEnd type="none" w="med" len="med"/>
+                      <a:tailEnd type="none" w="med" len="med"/>
+                    </a:lnR>
+                    <a:lnT w="12700" cap="flat" cmpd="sng" algn="ctr">
+                      <a:solidFill>
+                        <a:schemeClr val="tx1"/>
+                      </a:solidFill>
+                      <a:prstDash val="solid"/>
+                      <a:round/>
+                      <a:headEnd type="none" w="med" len="med"/>
+                      <a:tailEnd type="none" w="med" len="med"/>
+                    </a:lnT>
+                    <a:lnB w="12700" cap="flat" cmpd="sng" algn="ctr">
+                      <a:solidFill>
+                        <a:schemeClr val="tx1"/>
+                      </a:solidFill>
+                      <a:prstDash val="solid"/>
+                      <a:round/>
+                      <a:headEnd type="none" w="med" len="med"/>
+                      <a:tailEnd type="none" w="med" len="med"/>
+                    </a:lnB>
+                    <a:solidFill>
+                      <a:schemeClr val="bg1"/>
+                    </a:solidFill>
+                  </a:tcPr>
+                </a:tc>
+              </a:tr>
+              <a:tr h="188242">
+                <a:tc>
+                  <a:txBody>
+                    <a:bodyPr/>
+                    <a:lstStyle/>
+                    <a:p>
+                      <a:r>
+                        <a:rPr lang="fr-FR" sz="1000" dirty="0" smtClean="0">
+                          <a:solidFill>
+                            <a:schemeClr val="tx1"/>
+                          </a:solidFill>
+                        </a:rPr>
+                        <a:t>3</a:t>
+                      </a:r>
+                      <a:endParaRPr lang="fr-FR" sz="1000" dirty="0">
+                        <a:solidFill>
+                          <a:schemeClr val="tx1"/>
+                        </a:solidFill>
+                      </a:endParaRPr>
+                    </a:p>
+                  </a:txBody>
+                  <a:tcPr marL="58681" marR="58681" marT="29341" marB="29341">
+                    <a:lnL w="12700" cap="flat" cmpd="sng" algn="ctr">
+                      <a:solidFill>
+                        <a:schemeClr val="tx1"/>
+                      </a:solidFill>
+                      <a:prstDash val="solid"/>
+                      <a:round/>
+                      <a:headEnd type="none" w="med" len="med"/>
+                      <a:tailEnd type="none" w="med" len="med"/>
+                    </a:lnL>
+                    <a:lnR w="12700" cap="flat" cmpd="sng" algn="ctr">
+                      <a:solidFill>
+                        <a:schemeClr val="tx1"/>
+                      </a:solidFill>
+                      <a:prstDash val="solid"/>
+                      <a:round/>
+                      <a:headEnd type="none" w="med" len="med"/>
+                      <a:tailEnd type="none" w="med" len="med"/>
+                    </a:lnR>
+                    <a:lnT w="12700" cap="flat" cmpd="sng" algn="ctr">
+                      <a:solidFill>
+                        <a:schemeClr val="tx1"/>
+                      </a:solidFill>
+                      <a:prstDash val="solid"/>
+                      <a:round/>
+                      <a:headEnd type="none" w="med" len="med"/>
+                      <a:tailEnd type="none" w="med" len="med"/>
+                    </a:lnT>
+                    <a:lnB w="12700" cap="flat" cmpd="sng" algn="ctr">
+                      <a:solidFill>
+                        <a:schemeClr val="tx1"/>
+                      </a:solidFill>
+                      <a:prstDash val="solid"/>
+                      <a:round/>
+                      <a:headEnd type="none" w="med" len="med"/>
+                      <a:tailEnd type="none" w="med" len="med"/>
+                    </a:lnB>
+                    <a:solidFill>
+                      <a:schemeClr val="bg1"/>
+                    </a:solidFill>
+                  </a:tcPr>
+                </a:tc>
+                <a:tc>
+                  <a:txBody>
+                    <a:bodyPr/>
+                    <a:lstStyle/>
+                    <a:p>
+                      <a:r>
+                        <a:rPr lang="fr-FR" sz="1000" dirty="0" smtClean="0">
+                          <a:solidFill>
+                            <a:schemeClr val="tx1"/>
+                          </a:solidFill>
+                        </a:rPr>
+                        <a:t>Mac PC3</a:t>
+                      </a:r>
+                      <a:endParaRPr lang="fr-FR" sz="1000" dirty="0">
+                        <a:solidFill>
+                          <a:schemeClr val="tx1"/>
+                        </a:solidFill>
+                      </a:endParaRPr>
+                    </a:p>
+                  </a:txBody>
+                  <a:tcPr marL="58681" marR="58681" marT="29341" marB="29341">
+                    <a:lnL w="12700" cap="flat" cmpd="sng" algn="ctr">
+                      <a:solidFill>
+                        <a:schemeClr val="tx1"/>
+                      </a:solidFill>
+                      <a:prstDash val="solid"/>
+                      <a:round/>
+                      <a:headEnd type="none" w="med" len="med"/>
+                      <a:tailEnd type="none" w="med" len="med"/>
+                    </a:lnL>
+                    <a:lnR w="12700" cap="flat" cmpd="sng" algn="ctr">
+                      <a:solidFill>
+                        <a:schemeClr val="tx1"/>
+                      </a:solidFill>
+                      <a:prstDash val="solid"/>
+                      <a:round/>
+                      <a:headEnd type="none" w="med" len="med"/>
+                      <a:tailEnd type="none" w="med" len="med"/>
+                    </a:lnR>
+                    <a:lnT w="12700" cap="flat" cmpd="sng" algn="ctr">
+                      <a:solidFill>
+                        <a:schemeClr val="tx1"/>
+                      </a:solidFill>
+                      <a:prstDash val="solid"/>
+                      <a:round/>
+                      <a:headEnd type="none" w="med" len="med"/>
+                      <a:tailEnd type="none" w="med" len="med"/>
+                    </a:lnT>
+                    <a:lnB w="12700" cap="flat" cmpd="sng" algn="ctr">
+                      <a:solidFill>
+                        <a:schemeClr val="tx1"/>
+                      </a:solidFill>
+                      <a:prstDash val="solid"/>
+                      <a:round/>
+                      <a:headEnd type="none" w="med" len="med"/>
+                      <a:tailEnd type="none" w="med" len="med"/>
+                    </a:lnB>
+                    <a:solidFill>
+                      <a:schemeClr val="bg1"/>
+                    </a:solidFill>
+                  </a:tcPr>
+                </a:tc>
+              </a:tr>
+            </a:tbl>
+          </a:graphicData>
+        </a:graphic>
+      </p:graphicFrame>
+      <p:graphicFrame>
+        <p:nvGraphicFramePr>
+          <p:cNvPr id="80" name="Tableau 79"/>
+          <p:cNvGraphicFramePr>
+            <a:graphicFrameLocks noGrp="1"/>
+          </p:cNvGraphicFramePr>
+          <p:nvPr>
+            <p:extLst>
+              <p:ext uri="{D42A27DB-BD31-4B8C-83A1-F6EECF244321}">
+                <p14:modId xmlns:p14="http://schemas.microsoft.com/office/powerpoint/2010/main" val="4011594723"/>
+              </p:ext>
+            </p:extLst>
+          </p:nvPr>
+        </p:nvGraphicFramePr>
+        <p:xfrm>
+          <a:off x="7308506" y="5726397"/>
+          <a:ext cx="1387724" cy="422164"/>
+        </p:xfrm>
+        <a:graphic>
+          <a:graphicData uri="http://schemas.openxmlformats.org/drawingml/2006/table">
+            <a:tbl>
+              <a:tblPr firstRow="1" bandRow="1">
+                <a:tableStyleId>{5C22544A-7EE6-4342-B048-85BDC9FD1C3A}</a:tableStyleId>
+              </a:tblPr>
+              <a:tblGrid>
+                <a:gridCol w="667644"/>
+                <a:gridCol w="720080"/>
+              </a:tblGrid>
+              <a:tr h="188242">
+                <a:tc>
+                  <a:txBody>
+                    <a:bodyPr/>
+                    <a:lstStyle/>
+                    <a:p>
+                      <a:r>
+                        <a:rPr lang="fr-FR" sz="1000" dirty="0" smtClean="0">
+                          <a:solidFill>
+                            <a:schemeClr val="tx1"/>
+                          </a:solidFill>
+                        </a:rPr>
+                        <a:t>Port</a:t>
+                      </a:r>
+                      <a:endParaRPr lang="fr-FR" sz="1000" dirty="0">
+                        <a:solidFill>
+                          <a:schemeClr val="tx1"/>
+                        </a:solidFill>
+                      </a:endParaRPr>
+                    </a:p>
+                  </a:txBody>
+                  <a:tcPr marL="58681" marR="58681" marT="29341" marB="29341">
+                    <a:lnL w="12700" cap="flat" cmpd="sng" algn="ctr">
+                      <a:solidFill>
+                        <a:schemeClr val="tx1"/>
+                      </a:solidFill>
+                      <a:prstDash val="solid"/>
+                      <a:round/>
+                      <a:headEnd type="none" w="med" len="med"/>
+                      <a:tailEnd type="none" w="med" len="med"/>
+                    </a:lnL>
+                    <a:lnR w="12700" cap="flat" cmpd="sng" algn="ctr">
+                      <a:solidFill>
+                        <a:schemeClr val="tx1"/>
+                      </a:solidFill>
+                      <a:prstDash val="solid"/>
+                      <a:round/>
+                      <a:headEnd type="none" w="med" len="med"/>
+                      <a:tailEnd type="none" w="med" len="med"/>
+                    </a:lnR>
+                    <a:lnT w="12700" cap="flat" cmpd="sng" algn="ctr">
+                      <a:solidFill>
+                        <a:schemeClr val="tx1"/>
+                      </a:solidFill>
+                      <a:prstDash val="solid"/>
+                      <a:round/>
+                      <a:headEnd type="none" w="med" len="med"/>
+                      <a:tailEnd type="none" w="med" len="med"/>
+                    </a:lnT>
+                    <a:lnB w="12700" cap="flat" cmpd="sng" algn="ctr">
+                      <a:solidFill>
+                        <a:schemeClr val="tx1"/>
+                      </a:solidFill>
+                      <a:prstDash val="solid"/>
+                      <a:round/>
+                      <a:headEnd type="none" w="med" len="med"/>
+                      <a:tailEnd type="none" w="med" len="med"/>
+                    </a:lnB>
+                    <a:solidFill>
+                      <a:schemeClr val="bg1"/>
+                    </a:solidFill>
+                  </a:tcPr>
+                </a:tc>
+                <a:tc>
+                  <a:txBody>
+                    <a:bodyPr/>
+                    <a:lstStyle/>
+                    <a:p>
+                      <a:r>
+                        <a:rPr lang="fr-FR" sz="1000" dirty="0" smtClean="0">
+                          <a:solidFill>
+                            <a:schemeClr val="tx1"/>
+                          </a:solidFill>
+                        </a:rPr>
+                        <a:t>Mac</a:t>
+                      </a:r>
+                      <a:endParaRPr lang="fr-FR" sz="1000" dirty="0">
+                        <a:solidFill>
+                          <a:schemeClr val="tx1"/>
+                        </a:solidFill>
+                      </a:endParaRPr>
+                    </a:p>
+                  </a:txBody>
+                  <a:tcPr marL="58681" marR="58681" marT="29341" marB="29341">
+                    <a:lnL w="12700" cap="flat" cmpd="sng" algn="ctr">
+                      <a:solidFill>
+                        <a:schemeClr val="tx1"/>
+                      </a:solidFill>
+                      <a:prstDash val="solid"/>
+                      <a:round/>
+                      <a:headEnd type="none" w="med" len="med"/>
+                      <a:tailEnd type="none" w="med" len="med"/>
+                    </a:lnL>
+                    <a:lnR w="12700" cap="flat" cmpd="sng" algn="ctr">
+                      <a:solidFill>
+                        <a:schemeClr val="tx1"/>
+                      </a:solidFill>
+                      <a:prstDash val="solid"/>
+                      <a:round/>
+                      <a:headEnd type="none" w="med" len="med"/>
+                      <a:tailEnd type="none" w="med" len="med"/>
+                    </a:lnR>
+                    <a:lnT w="12700" cap="flat" cmpd="sng" algn="ctr">
+                      <a:solidFill>
+                        <a:schemeClr val="tx1"/>
+                      </a:solidFill>
+                      <a:prstDash val="solid"/>
+                      <a:round/>
+                      <a:headEnd type="none" w="med" len="med"/>
+                      <a:tailEnd type="none" w="med" len="med"/>
+                    </a:lnT>
+                    <a:lnB w="12700" cap="flat" cmpd="sng" algn="ctr">
+                      <a:solidFill>
+                        <a:schemeClr val="tx1"/>
+                      </a:solidFill>
+                      <a:prstDash val="solid"/>
+                      <a:round/>
+                      <a:headEnd type="none" w="med" len="med"/>
+                      <a:tailEnd type="none" w="med" len="med"/>
+                    </a:lnB>
+                    <a:solidFill>
+                      <a:schemeClr val="bg1"/>
+                    </a:solidFill>
+                  </a:tcPr>
+                </a:tc>
+              </a:tr>
+              <a:tr h="188242">
+                <a:tc>
+                  <a:txBody>
+                    <a:bodyPr/>
+                    <a:lstStyle/>
+                    <a:p>
+                      <a:r>
+                        <a:rPr lang="fr-FR" sz="1000" dirty="0" smtClean="0">
+                          <a:solidFill>
+                            <a:schemeClr val="tx1"/>
+                          </a:solidFill>
+                        </a:rPr>
+                        <a:t>1</a:t>
+                      </a:r>
+                      <a:endParaRPr lang="fr-FR" sz="1000" dirty="0">
+                        <a:solidFill>
+                          <a:schemeClr val="tx1"/>
+                        </a:solidFill>
+                      </a:endParaRPr>
+                    </a:p>
+                  </a:txBody>
+                  <a:tcPr marL="58681" marR="58681" marT="29341" marB="29341">
+                    <a:lnL w="12700" cap="flat" cmpd="sng" algn="ctr">
+                      <a:solidFill>
+                        <a:schemeClr val="tx1"/>
+                      </a:solidFill>
+                      <a:prstDash val="solid"/>
+                      <a:round/>
+                      <a:headEnd type="none" w="med" len="med"/>
+                      <a:tailEnd type="none" w="med" len="med"/>
+                    </a:lnL>
+                    <a:lnR w="12700" cap="flat" cmpd="sng" algn="ctr">
+                      <a:solidFill>
+                        <a:schemeClr val="tx1"/>
+                      </a:solidFill>
+                      <a:prstDash val="solid"/>
+                      <a:round/>
+                      <a:headEnd type="none" w="med" len="med"/>
+                      <a:tailEnd type="none" w="med" len="med"/>
+                    </a:lnR>
+                    <a:lnT w="12700" cap="flat" cmpd="sng" algn="ctr">
+                      <a:solidFill>
+                        <a:schemeClr val="tx1"/>
+                      </a:solidFill>
+                      <a:prstDash val="solid"/>
+                      <a:round/>
+                      <a:headEnd type="none" w="med" len="med"/>
+                      <a:tailEnd type="none" w="med" len="med"/>
+                    </a:lnT>
+                    <a:lnB w="12700" cap="flat" cmpd="sng" algn="ctr">
+                      <a:solidFill>
+                        <a:schemeClr val="tx1"/>
+                      </a:solidFill>
+                      <a:prstDash val="solid"/>
+                      <a:round/>
+                      <a:headEnd type="none" w="med" len="med"/>
+                      <a:tailEnd type="none" w="med" len="med"/>
+                    </a:lnB>
+                    <a:solidFill>
+                      <a:schemeClr val="bg1"/>
+                    </a:solidFill>
+                  </a:tcPr>
+                </a:tc>
+                <a:tc>
+                  <a:txBody>
+                    <a:bodyPr/>
+                    <a:lstStyle/>
+                    <a:p>
+                      <a:r>
+                        <a:rPr lang="fr-FR" sz="1000" dirty="0" smtClean="0">
+                          <a:solidFill>
+                            <a:schemeClr val="tx1"/>
+                          </a:solidFill>
+                        </a:rPr>
+                        <a:t>Mac PC1</a:t>
+                      </a:r>
+                      <a:endParaRPr lang="fr-FR" sz="1000" dirty="0">
+                        <a:solidFill>
+                          <a:schemeClr val="tx1"/>
+                        </a:solidFill>
+                      </a:endParaRPr>
+                    </a:p>
+                  </a:txBody>
+                  <a:tcPr marL="58681" marR="58681" marT="29341" marB="29341">
+                    <a:lnL w="12700" cap="flat" cmpd="sng" algn="ctr">
+                      <a:solidFill>
+                        <a:schemeClr val="tx1"/>
+                      </a:solidFill>
+                      <a:prstDash val="solid"/>
+                      <a:round/>
+                      <a:headEnd type="none" w="med" len="med"/>
+                      <a:tailEnd type="none" w="med" len="med"/>
+                    </a:lnL>
+                    <a:lnR w="12700" cap="flat" cmpd="sng" algn="ctr">
+                      <a:solidFill>
+                        <a:schemeClr val="tx1"/>
+                      </a:solidFill>
+                      <a:prstDash val="solid"/>
+                      <a:round/>
+                      <a:headEnd type="none" w="med" len="med"/>
+                      <a:tailEnd type="none" w="med" len="med"/>
+                    </a:lnR>
+                    <a:lnT w="12700" cap="flat" cmpd="sng" algn="ctr">
+                      <a:solidFill>
+                        <a:schemeClr val="tx1"/>
+                      </a:solidFill>
+                      <a:prstDash val="solid"/>
+                      <a:round/>
+                      <a:headEnd type="none" w="med" len="med"/>
+                      <a:tailEnd type="none" w="med" len="med"/>
+                    </a:lnT>
+                    <a:lnB w="12700" cap="flat" cmpd="sng" algn="ctr">
+                      <a:solidFill>
+                        <a:schemeClr val="tx1"/>
+                      </a:solidFill>
+                      <a:prstDash val="solid"/>
+                      <a:round/>
+                      <a:headEnd type="none" w="med" len="med"/>
+                      <a:tailEnd type="none" w="med" len="med"/>
+                    </a:lnB>
+                    <a:solidFill>
+                      <a:schemeClr val="bg1"/>
+                    </a:solidFill>
+                  </a:tcPr>
+                </a:tc>
+              </a:tr>
+            </a:tbl>
+          </a:graphicData>
+        </a:graphic>
+      </p:graphicFrame>
+      <p:sp>
+        <p:nvSpPr>
+          <p:cNvPr id="81" name="Rectangle 80"/>
+          <p:cNvSpPr/>
+          <p:nvPr/>
+        </p:nvSpPr>
+        <p:spPr>
+          <a:xfrm>
+            <a:off x="7245339" y="5575098"/>
+            <a:ext cx="1503125" cy="662214"/>
+          </a:xfrm>
+          <a:prstGeom prst="rect">
+            <a:avLst/>
+          </a:prstGeom>
+          <a:ln w="19050">
+            <a:solidFill>
+              <a:schemeClr val="accent5">
+                <a:lumMod val="50000"/>
+              </a:schemeClr>
+            </a:solidFill>
+            <a:prstDash val="lgDash"/>
+          </a:ln>
+        </p:spPr>
+        <p:txBody>
+          <a:bodyPr vert="horz">
+            <a:normAutofit/>
+          </a:bodyPr>
+          <a:lstStyle/>
+          <a:p>
+            <a:pPr marL="274320" indent="-274320">
+              <a:spcBef>
+                <a:spcPts val="600"/>
+              </a:spcBef>
+              <a:buClr>
+                <a:schemeClr val="accent5">
+                  <a:lumMod val="50000"/>
+                </a:schemeClr>
+              </a:buClr>
+              <a:buSzPct val="76000"/>
+              <a:buFont typeface="Wingdings 3"/>
+              <a:buChar char=""/>
+            </a:pPr>
+            <a:endParaRPr lang="fr-FR" sz="2600">
+              <a:solidFill>
+                <a:srgbClr val="FF0000"/>
+              </a:solidFill>
+            </a:endParaRPr>
+          </a:p>
+        </p:txBody>
+      </p:sp>
+    </p:spTree>
+    <p:extLst>
+      <p:ext uri="{BB962C8B-B14F-4D97-AF65-F5344CB8AC3E}">
+        <p14:creationId xmlns:p14="http://schemas.microsoft.com/office/powerpoint/2010/main" val="968524699"/>
+      </p:ext>
+    </p:extLst>
+  </p:cSld>
+  <p:clrMapOvr>
+    <a:masterClrMapping/>
+  </p:clrMapOvr>
+</p:sld>
+</file>
+
+<file path=ppt/slides/slide27.xml><?xml version="1.0" encoding="utf-8"?>
+<p:sld xmlns:a="http://schemas.openxmlformats.org/drawingml/2006/main" xmlns:r="http://schemas.openxmlformats.org/officeDocument/2006/relationships" xmlns:p="http://schemas.openxmlformats.org/presentationml/2006/main">
+  <p:cSld>
+    <p:spTree>
+      <p:nvGrpSpPr>
+        <p:cNvPr id="1" name=""/>
+        <p:cNvGrpSpPr/>
+        <p:nvPr/>
+      </p:nvGrpSpPr>
+      <p:grpSpPr>
+        <a:xfrm>
+          <a:off x="0" y="0"/>
+          <a:ext cx="0" cy="0"/>
+          <a:chOff x="0" y="0"/>
+          <a:chExt cx="0" cy="0"/>
+        </a:xfrm>
+      </p:grpSpPr>
+      <p:sp>
+        <p:nvSpPr>
+          <p:cNvPr id="2" name="Titre 1"/>
+          <p:cNvSpPr>
+            <a:spLocks noGrp="1"/>
+          </p:cNvSpPr>
+          <p:nvPr>
+            <p:ph type="title"/>
+          </p:nvPr>
+        </p:nvSpPr>
+        <p:spPr/>
+        <p:txBody>
+          <a:bodyPr>
+            <a:normAutofit fontScale="90000"/>
+          </a:bodyPr>
+          <a:lstStyle/>
+          <a:p>
+            <a:r>
+              <a:rPr lang="fr-FR" dirty="0"/>
+              <a:t>8. Mettre en place un réseau</a:t>
+            </a:r>
+            <a:br>
+              <a:rPr lang="fr-FR" dirty="0"/>
+            </a:br>
+            <a:r>
+              <a:rPr lang="fr-FR" dirty="0" err="1"/>
+              <a:t>Réseau</a:t>
+            </a:r>
+            <a:r>
+              <a:rPr lang="fr-FR" dirty="0"/>
+              <a:t> local</a:t>
+            </a:r>
+            <a:endParaRPr lang="fr-FR" dirty="0"/>
+          </a:p>
+        </p:txBody>
+      </p:sp>
+      <p:sp>
+        <p:nvSpPr>
+          <p:cNvPr id="3" name="Espace réservé du pied de page 2"/>
+          <p:cNvSpPr>
+            <a:spLocks noGrp="1"/>
+          </p:cNvSpPr>
+          <p:nvPr>
+            <p:ph type="ftr" sz="quarter" idx="11"/>
+          </p:nvPr>
+        </p:nvSpPr>
+        <p:spPr/>
+        <p:txBody>
+          <a:bodyPr/>
+          <a:lstStyle/>
+          <a:p>
+            <a:r>
+              <a:rPr lang="fr-FR" smtClean="0"/>
+              <a:t>David Violeau – Xavier Pessoles</a:t>
+            </a:r>
+            <a:endParaRPr lang="fr-FR"/>
+          </a:p>
+        </p:txBody>
+      </p:sp>
+      <p:sp>
+        <p:nvSpPr>
+          <p:cNvPr id="4" name="Espace réservé du numéro de diapositive 3"/>
+          <p:cNvSpPr>
+            <a:spLocks noGrp="1"/>
+          </p:cNvSpPr>
+          <p:nvPr>
+            <p:ph type="sldNum" sz="quarter" idx="12"/>
+          </p:nvPr>
+        </p:nvSpPr>
+        <p:spPr/>
+        <p:txBody>
+          <a:bodyPr/>
+          <a:lstStyle/>
+          <a:p>
+            <a:fld id="{69AC6D6E-35D0-489D-B18A-03530B324155}" type="slidenum">
+              <a:rPr lang="fr-FR" smtClean="0"/>
+              <a:t>27</a:t>
+            </a:fld>
+            <a:endParaRPr lang="fr-FR"/>
+          </a:p>
+        </p:txBody>
+      </p:sp>
+      <p:sp>
+        <p:nvSpPr>
+          <p:cNvPr id="5" name="Espace réservé du contenu 4"/>
+          <p:cNvSpPr>
+            <a:spLocks noGrp="1"/>
+          </p:cNvSpPr>
+          <p:nvPr>
+            <p:ph sz="quarter" idx="1"/>
+          </p:nvPr>
+        </p:nvSpPr>
+        <p:spPr/>
+        <p:txBody>
+          <a:bodyPr>
+            <a:normAutofit/>
+          </a:bodyPr>
+          <a:lstStyle/>
+          <a:p>
+            <a:r>
+              <a:rPr lang="fr-FR" sz="2000" dirty="0" smtClean="0"/>
+              <a:t>Soit le réseau local câblé ainsi. PC1 veut envoyer un message à PC 2. Que se passe-t-il ? </a:t>
+            </a:r>
+            <a:endParaRPr lang="fr-FR" sz="2000" dirty="0"/>
+          </a:p>
+        </p:txBody>
+      </p:sp>
+      <p:grpSp>
+        <p:nvGrpSpPr>
+          <p:cNvPr id="11" name="Groupe 10"/>
+          <p:cNvGrpSpPr/>
+          <p:nvPr/>
+        </p:nvGrpSpPr>
+        <p:grpSpPr>
+          <a:xfrm>
+            <a:off x="3310747" y="1680940"/>
+            <a:ext cx="870751" cy="930869"/>
+            <a:chOff x="3106818" y="2380693"/>
+            <a:chExt cx="1067402" cy="1141097"/>
+          </a:xfrm>
+        </p:grpSpPr>
+        <p:pic>
+          <p:nvPicPr>
+            <p:cNvPr id="24" name="Picture 2" descr="C:\Enseignement\GitHub\Informatique_College\Formation_2018\Quizz_Pomme\Images\1427456029-300px.png"/>
+            <p:cNvPicPr>
+              <a:picLocks noChangeAspect="1" noChangeArrowheads="1"/>
+            </p:cNvPicPr>
+            <p:nvPr/>
+          </p:nvPicPr>
+          <p:blipFill>
+            <a:blip r:embed="rId2" cstate="print">
+              <a:extLst>
+                <a:ext uri="{28A0092B-C50C-407E-A947-70E740481C1C}">
+                  <a14:useLocalDpi xmlns:a14="http://schemas.microsoft.com/office/drawing/2010/main" val="0"/>
+                </a:ext>
+              </a:extLst>
+            </a:blip>
+            <a:srcRect/>
+            <a:stretch>
+              <a:fillRect/>
+            </a:stretch>
+          </p:blipFill>
+          <p:spPr bwMode="auto">
+            <a:xfrm>
+              <a:off x="3280480" y="2380693"/>
+              <a:ext cx="720080" cy="720081"/>
+            </a:xfrm>
+            <a:prstGeom prst="rect">
+              <a:avLst/>
+            </a:prstGeom>
+            <a:noFill/>
+            <a:extLst>
+              <a:ext uri="{909E8E84-426E-40DD-AFC4-6F175D3DCCD1}">
+                <a14:hiddenFill xmlns:a14="http://schemas.microsoft.com/office/drawing/2010/main">
+                  <a:solidFill>
+                    <a:srgbClr val="FFFFFF"/>
+                  </a:solidFill>
+                </a14:hiddenFill>
+              </a:ext>
+            </a:extLst>
+          </p:spPr>
+        </p:pic>
+        <p:sp>
+          <p:nvSpPr>
+            <p:cNvPr id="25" name="ZoneTexte 24"/>
+            <p:cNvSpPr txBox="1"/>
+            <p:nvPr/>
+          </p:nvSpPr>
+          <p:spPr>
+            <a:xfrm>
+              <a:off x="3106818" y="3182233"/>
+              <a:ext cx="1067402" cy="339557"/>
+            </a:xfrm>
+            <a:prstGeom prst="rect">
+              <a:avLst/>
+            </a:prstGeom>
+            <a:noFill/>
+          </p:spPr>
+          <p:txBody>
+            <a:bodyPr wrap="none" rtlCol="0">
+              <a:spAutoFit/>
+            </a:bodyPr>
+            <a:lstStyle/>
+            <a:p>
+              <a:pPr algn="ctr"/>
+              <a:r>
+                <a:rPr lang="fr-FR" sz="1200" dirty="0" smtClean="0"/>
+                <a:t>Client </a:t>
+              </a:r>
+              <a:r>
+                <a:rPr lang="fr-FR" sz="1200" dirty="0" smtClean="0"/>
+                <a:t>PC2</a:t>
+              </a:r>
+              <a:endParaRPr lang="fr-FR" sz="1200" dirty="0"/>
+            </a:p>
+          </p:txBody>
+        </p:sp>
+      </p:grpSp>
+      <p:cxnSp>
+        <p:nvCxnSpPr>
+          <p:cNvPr id="13" name="Connecteur droit 12"/>
+          <p:cNvCxnSpPr>
+            <a:stCxn id="27" idx="0"/>
+            <a:endCxn id="25" idx="2"/>
+          </p:cNvCxnSpPr>
+          <p:nvPr/>
+        </p:nvCxnSpPr>
+        <p:spPr>
+          <a:xfrm flipV="1">
+            <a:off x="3724183" y="2611809"/>
+            <a:ext cx="21940" cy="194824"/>
+          </a:xfrm>
+          <a:prstGeom prst="line">
+            <a:avLst/>
+          </a:prstGeom>
+          <a:ln w="28575">
+            <a:solidFill>
+              <a:schemeClr val="accent5">
+                <a:lumMod val="50000"/>
+              </a:schemeClr>
+            </a:solidFill>
+          </a:ln>
+        </p:spPr>
+        <p:style>
+          <a:lnRef idx="1">
+            <a:schemeClr val="accent1"/>
+          </a:lnRef>
+          <a:fillRef idx="0">
+            <a:schemeClr val="accent1"/>
+          </a:fillRef>
+          <a:effectRef idx="0">
+            <a:schemeClr val="accent1"/>
+          </a:effectRef>
+          <a:fontRef idx="minor">
+            <a:schemeClr val="tx1"/>
+          </a:fontRef>
+        </p:style>
+      </p:cxnSp>
+      <p:grpSp>
+        <p:nvGrpSpPr>
+          <p:cNvPr id="14" name="Groupe 13"/>
+          <p:cNvGrpSpPr/>
+          <p:nvPr/>
+        </p:nvGrpSpPr>
+        <p:grpSpPr>
+          <a:xfrm>
+            <a:off x="872567" y="1706256"/>
+            <a:ext cx="870751" cy="930872"/>
+            <a:chOff x="3106820" y="2684721"/>
+            <a:chExt cx="1067403" cy="1141100"/>
+          </a:xfrm>
+        </p:grpSpPr>
+        <p:pic>
+          <p:nvPicPr>
+            <p:cNvPr id="20" name="Picture 2" descr="C:\Enseignement\GitHub\Informatique_College\Formation_2018\Quizz_Pomme\Images\1427456029-300px.png"/>
+            <p:cNvPicPr>
+              <a:picLocks noChangeAspect="1" noChangeArrowheads="1"/>
+            </p:cNvPicPr>
+            <p:nvPr/>
+          </p:nvPicPr>
+          <p:blipFill>
+            <a:blip r:embed="rId2" cstate="print">
+              <a:extLst>
+                <a:ext uri="{28A0092B-C50C-407E-A947-70E740481C1C}">
+                  <a14:useLocalDpi xmlns:a14="http://schemas.microsoft.com/office/drawing/2010/main" val="0"/>
+                </a:ext>
+              </a:extLst>
+            </a:blip>
+            <a:srcRect/>
+            <a:stretch>
+              <a:fillRect/>
+            </a:stretch>
+          </p:blipFill>
+          <p:spPr bwMode="auto">
+            <a:xfrm>
+              <a:off x="3280481" y="2684721"/>
+              <a:ext cx="720080" cy="720080"/>
+            </a:xfrm>
+            <a:prstGeom prst="rect">
+              <a:avLst/>
+            </a:prstGeom>
+            <a:noFill/>
+            <a:extLst>
+              <a:ext uri="{909E8E84-426E-40DD-AFC4-6F175D3DCCD1}">
+                <a14:hiddenFill xmlns:a14="http://schemas.microsoft.com/office/drawing/2010/main">
+                  <a:solidFill>
+                    <a:srgbClr val="FFFFFF"/>
+                  </a:solidFill>
+                </a14:hiddenFill>
+              </a:ext>
+            </a:extLst>
+          </p:spPr>
+        </p:pic>
+        <p:sp>
+          <p:nvSpPr>
+            <p:cNvPr id="21" name="ZoneTexte 20"/>
+            <p:cNvSpPr txBox="1"/>
+            <p:nvPr/>
+          </p:nvSpPr>
+          <p:spPr>
+            <a:xfrm>
+              <a:off x="3106820" y="3486265"/>
+              <a:ext cx="1067403" cy="339556"/>
+            </a:xfrm>
+            <a:prstGeom prst="rect">
+              <a:avLst/>
+            </a:prstGeom>
+            <a:noFill/>
+          </p:spPr>
+          <p:txBody>
+            <a:bodyPr wrap="none" rtlCol="0">
+              <a:spAutoFit/>
+            </a:bodyPr>
+            <a:lstStyle/>
+            <a:p>
+              <a:pPr algn="ctr"/>
+              <a:r>
+                <a:rPr lang="fr-FR" sz="1200" dirty="0" smtClean="0"/>
+                <a:t>Client PC1</a:t>
+              </a:r>
+              <a:endParaRPr lang="fr-FR" sz="1200" dirty="0"/>
+            </a:p>
+          </p:txBody>
+        </p:sp>
+      </p:grpSp>
+      <p:grpSp>
+        <p:nvGrpSpPr>
+          <p:cNvPr id="15" name="Groupe 14"/>
+          <p:cNvGrpSpPr/>
+          <p:nvPr/>
+        </p:nvGrpSpPr>
+        <p:grpSpPr>
+          <a:xfrm>
+            <a:off x="437191" y="2887425"/>
+            <a:ext cx="870751" cy="930872"/>
+            <a:chOff x="3106818" y="2684721"/>
+            <a:chExt cx="1067402" cy="1141100"/>
+          </a:xfrm>
+        </p:grpSpPr>
+        <p:pic>
+          <p:nvPicPr>
+            <p:cNvPr id="18" name="Picture 2" descr="C:\Enseignement\GitHub\Informatique_College\Formation_2018\Quizz_Pomme\Images\1427456029-300px.png"/>
+            <p:cNvPicPr>
+              <a:picLocks noChangeAspect="1" noChangeArrowheads="1"/>
+            </p:cNvPicPr>
+            <p:nvPr/>
+          </p:nvPicPr>
+          <p:blipFill>
+            <a:blip r:embed="rId2" cstate="print">
+              <a:extLst>
+                <a:ext uri="{28A0092B-C50C-407E-A947-70E740481C1C}">
+                  <a14:useLocalDpi xmlns:a14="http://schemas.microsoft.com/office/drawing/2010/main" val="0"/>
+                </a:ext>
+              </a:extLst>
+            </a:blip>
+            <a:srcRect/>
+            <a:stretch>
+              <a:fillRect/>
+            </a:stretch>
+          </p:blipFill>
+          <p:spPr bwMode="auto">
+            <a:xfrm>
+              <a:off x="3280481" y="2684721"/>
+              <a:ext cx="720080" cy="720080"/>
+            </a:xfrm>
+            <a:prstGeom prst="rect">
+              <a:avLst/>
+            </a:prstGeom>
+            <a:noFill/>
+            <a:extLst>
+              <a:ext uri="{909E8E84-426E-40DD-AFC4-6F175D3DCCD1}">
+                <a14:hiddenFill xmlns:a14="http://schemas.microsoft.com/office/drawing/2010/main">
+                  <a:solidFill>
+                    <a:srgbClr val="FFFFFF"/>
+                  </a:solidFill>
+                </a14:hiddenFill>
+              </a:ext>
+            </a:extLst>
+          </p:spPr>
+        </p:pic>
+        <p:sp>
+          <p:nvSpPr>
+            <p:cNvPr id="19" name="ZoneTexte 18"/>
+            <p:cNvSpPr txBox="1"/>
+            <p:nvPr/>
+          </p:nvSpPr>
+          <p:spPr>
+            <a:xfrm>
+              <a:off x="3106818" y="3486265"/>
+              <a:ext cx="1067402" cy="339556"/>
+            </a:xfrm>
+            <a:prstGeom prst="rect">
+              <a:avLst/>
+            </a:prstGeom>
+            <a:noFill/>
+          </p:spPr>
+          <p:txBody>
+            <a:bodyPr wrap="none" rtlCol="0">
+              <a:spAutoFit/>
+            </a:bodyPr>
+            <a:lstStyle/>
+            <a:p>
+              <a:pPr algn="ctr"/>
+              <a:r>
+                <a:rPr lang="fr-FR" sz="1200" dirty="0" smtClean="0"/>
+                <a:t>Client </a:t>
+              </a:r>
+              <a:r>
+                <a:rPr lang="fr-FR" sz="1200" dirty="0" smtClean="0"/>
+                <a:t>PC3</a:t>
+              </a:r>
+              <a:endParaRPr lang="fr-FR" sz="1200" dirty="0"/>
+            </a:p>
+          </p:txBody>
+        </p:sp>
+      </p:grpSp>
+      <p:cxnSp>
+        <p:nvCxnSpPr>
+          <p:cNvPr id="16" name="Connecteur droit 15"/>
+          <p:cNvCxnSpPr>
+            <a:stCxn id="33" idx="0"/>
+            <a:endCxn id="20" idx="3"/>
+          </p:cNvCxnSpPr>
+          <p:nvPr/>
+        </p:nvCxnSpPr>
+        <p:spPr>
+          <a:xfrm flipH="1" flipV="1">
+            <a:off x="1601651" y="1999965"/>
+            <a:ext cx="558544" cy="557321"/>
+          </a:xfrm>
+          <a:prstGeom prst="line">
+            <a:avLst/>
+          </a:prstGeom>
+          <a:ln w="28575">
+            <a:solidFill>
+              <a:schemeClr val="accent5">
+                <a:lumMod val="50000"/>
+              </a:schemeClr>
+            </a:solidFill>
+          </a:ln>
+        </p:spPr>
+        <p:style>
+          <a:lnRef idx="1">
+            <a:schemeClr val="accent1"/>
+          </a:lnRef>
+          <a:fillRef idx="0">
+            <a:schemeClr val="accent1"/>
+          </a:fillRef>
+          <a:effectRef idx="0">
+            <a:schemeClr val="accent1"/>
+          </a:effectRef>
+          <a:fontRef idx="minor">
+            <a:schemeClr val="tx1"/>
+          </a:fontRef>
+        </p:style>
+      </p:cxnSp>
+      <p:cxnSp>
+        <p:nvCxnSpPr>
+          <p:cNvPr id="17" name="Connecteur droit 16"/>
+          <p:cNvCxnSpPr>
+            <a:stCxn id="19" idx="2"/>
+            <a:endCxn id="31" idx="1"/>
+          </p:cNvCxnSpPr>
+          <p:nvPr/>
+        </p:nvCxnSpPr>
+        <p:spPr>
+          <a:xfrm>
+            <a:off x="872567" y="3818297"/>
+            <a:ext cx="1700711" cy="138500"/>
+          </a:xfrm>
+          <a:prstGeom prst="line">
+            <a:avLst/>
+          </a:prstGeom>
+          <a:ln w="28575">
+            <a:solidFill>
+              <a:schemeClr val="accent5">
+                <a:lumMod val="50000"/>
+              </a:schemeClr>
+            </a:solidFill>
+          </a:ln>
+        </p:spPr>
+        <p:style>
+          <a:lnRef idx="1">
+            <a:schemeClr val="accent1"/>
+          </a:lnRef>
+          <a:fillRef idx="0">
+            <a:schemeClr val="accent1"/>
+          </a:fillRef>
+          <a:effectRef idx="0">
+            <a:schemeClr val="accent1"/>
+          </a:effectRef>
+          <a:fontRef idx="minor">
+            <a:schemeClr val="tx1"/>
+          </a:fontRef>
+        </p:style>
+      </p:cxnSp>
+      <p:grpSp>
+        <p:nvGrpSpPr>
+          <p:cNvPr id="26" name="Groupe 25"/>
+          <p:cNvGrpSpPr/>
+          <p:nvPr/>
+        </p:nvGrpSpPr>
+        <p:grpSpPr>
+          <a:xfrm>
+            <a:off x="3266868" y="2806633"/>
+            <a:ext cx="914630" cy="649235"/>
+            <a:chOff x="5267525" y="4581825"/>
+            <a:chExt cx="1121190" cy="795858"/>
+          </a:xfrm>
+        </p:grpSpPr>
+        <p:pic>
+          <p:nvPicPr>
+            <p:cNvPr id="27" name="Picture 4" descr="C:\Enseignement\GitHub\Informatique_College\Formation_2018\Quizz_Pomme\Images\rgtaylor-csc-net-switch-300px.png"/>
+            <p:cNvPicPr>
+              <a:picLocks noChangeAspect="1" noChangeArrowheads="1"/>
+            </p:cNvPicPr>
+            <p:nvPr/>
+          </p:nvPicPr>
+          <p:blipFill>
+            <a:blip r:embed="rId3" cstate="print">
+              <a:extLst>
+                <a:ext uri="{28A0092B-C50C-407E-A947-70E740481C1C}">
+                  <a14:useLocalDpi xmlns:a14="http://schemas.microsoft.com/office/drawing/2010/main" val="0"/>
+                </a:ext>
+              </a:extLst>
+            </a:blip>
+            <a:srcRect/>
+            <a:stretch>
+              <a:fillRect/>
+            </a:stretch>
+          </p:blipFill>
+          <p:spPr bwMode="auto">
+            <a:xfrm>
+              <a:off x="5267525" y="4581825"/>
+              <a:ext cx="1121190" cy="470409"/>
+            </a:xfrm>
+            <a:prstGeom prst="rect">
+              <a:avLst/>
+            </a:prstGeom>
+            <a:noFill/>
+            <a:extLst>
+              <a:ext uri="{909E8E84-426E-40DD-AFC4-6F175D3DCCD1}">
+                <a14:hiddenFill xmlns:a14="http://schemas.microsoft.com/office/drawing/2010/main">
+                  <a:solidFill>
+                    <a:srgbClr val="FFFFFF"/>
+                  </a:solidFill>
+                </a14:hiddenFill>
+              </a:ext>
+            </a:extLst>
+          </p:spPr>
+        </p:pic>
+        <p:sp>
+          <p:nvSpPr>
+            <p:cNvPr id="28" name="ZoneTexte 27"/>
+            <p:cNvSpPr txBox="1"/>
+            <p:nvPr/>
+          </p:nvSpPr>
+          <p:spPr>
+            <a:xfrm>
+              <a:off x="5416251" y="5038127"/>
+              <a:ext cx="823739" cy="339556"/>
+            </a:xfrm>
+            <a:prstGeom prst="rect">
+              <a:avLst/>
+            </a:prstGeom>
+            <a:noFill/>
+          </p:spPr>
+          <p:txBody>
+            <a:bodyPr wrap="none" rtlCol="0">
+              <a:spAutoFit/>
+            </a:bodyPr>
+            <a:lstStyle/>
+            <a:p>
+              <a:pPr algn="ctr"/>
+              <a:r>
+                <a:rPr lang="fr-FR" sz="1200" dirty="0" smtClean="0"/>
+                <a:t>Switch2</a:t>
+              </a:r>
+              <a:endParaRPr lang="fr-FR" sz="1200" dirty="0" smtClean="0"/>
+            </a:p>
+          </p:txBody>
+        </p:sp>
+      </p:grpSp>
+      <p:grpSp>
+        <p:nvGrpSpPr>
+          <p:cNvPr id="29" name="Groupe 28"/>
+          <p:cNvGrpSpPr/>
+          <p:nvPr/>
+        </p:nvGrpSpPr>
+        <p:grpSpPr>
+          <a:xfrm>
+            <a:off x="2451952" y="3446061"/>
+            <a:ext cx="914630" cy="649235"/>
+            <a:chOff x="5267525" y="4581825"/>
+            <a:chExt cx="1121190" cy="795858"/>
+          </a:xfrm>
+        </p:grpSpPr>
+        <p:pic>
+          <p:nvPicPr>
+            <p:cNvPr id="30" name="Picture 4" descr="C:\Enseignement\GitHub\Informatique_College\Formation_2018\Quizz_Pomme\Images\rgtaylor-csc-net-switch-300px.png"/>
+            <p:cNvPicPr>
+              <a:picLocks noChangeAspect="1" noChangeArrowheads="1"/>
+            </p:cNvPicPr>
+            <p:nvPr/>
+          </p:nvPicPr>
+          <p:blipFill>
+            <a:blip r:embed="rId3" cstate="print">
+              <a:extLst>
+                <a:ext uri="{28A0092B-C50C-407E-A947-70E740481C1C}">
+                  <a14:useLocalDpi xmlns:a14="http://schemas.microsoft.com/office/drawing/2010/main" val="0"/>
+                </a:ext>
+              </a:extLst>
+            </a:blip>
+            <a:srcRect/>
+            <a:stretch>
+              <a:fillRect/>
+            </a:stretch>
+          </p:blipFill>
+          <p:spPr bwMode="auto">
+            <a:xfrm>
+              <a:off x="5267525" y="4581825"/>
+              <a:ext cx="1121190" cy="470409"/>
+            </a:xfrm>
+            <a:prstGeom prst="rect">
+              <a:avLst/>
+            </a:prstGeom>
+            <a:noFill/>
+            <a:extLst>
+              <a:ext uri="{909E8E84-426E-40DD-AFC4-6F175D3DCCD1}">
+                <a14:hiddenFill xmlns:a14="http://schemas.microsoft.com/office/drawing/2010/main">
+                  <a:solidFill>
+                    <a:srgbClr val="FFFFFF"/>
+                  </a:solidFill>
+                </a14:hiddenFill>
+              </a:ext>
+            </a:extLst>
+          </p:spPr>
+        </p:pic>
+        <p:sp>
+          <p:nvSpPr>
+            <p:cNvPr id="31" name="ZoneTexte 30"/>
+            <p:cNvSpPr txBox="1"/>
+            <p:nvPr/>
+          </p:nvSpPr>
+          <p:spPr>
+            <a:xfrm>
+              <a:off x="5416251" y="5038127"/>
+              <a:ext cx="823739" cy="339556"/>
+            </a:xfrm>
+            <a:prstGeom prst="rect">
+              <a:avLst/>
+            </a:prstGeom>
+            <a:noFill/>
+          </p:spPr>
+          <p:txBody>
+            <a:bodyPr wrap="none" rtlCol="0">
+              <a:spAutoFit/>
+            </a:bodyPr>
+            <a:lstStyle/>
+            <a:p>
+              <a:pPr algn="ctr"/>
+              <a:r>
+                <a:rPr lang="fr-FR" sz="1200" dirty="0" smtClean="0"/>
+                <a:t>Switch3</a:t>
+              </a:r>
+              <a:endParaRPr lang="fr-FR" sz="1200" dirty="0" smtClean="0"/>
+            </a:p>
+          </p:txBody>
+        </p:sp>
+      </p:grpSp>
+      <p:grpSp>
+        <p:nvGrpSpPr>
+          <p:cNvPr id="32" name="Groupe 31"/>
+          <p:cNvGrpSpPr/>
+          <p:nvPr/>
+        </p:nvGrpSpPr>
+        <p:grpSpPr>
+          <a:xfrm>
+            <a:off x="1702880" y="2557286"/>
+            <a:ext cx="914630" cy="649235"/>
+            <a:chOff x="5267525" y="4581825"/>
+            <a:chExt cx="1121190" cy="795858"/>
+          </a:xfrm>
+        </p:grpSpPr>
+        <p:pic>
+          <p:nvPicPr>
+            <p:cNvPr id="33" name="Picture 4" descr="C:\Enseignement\GitHub\Informatique_College\Formation_2018\Quizz_Pomme\Images\rgtaylor-csc-net-switch-300px.png"/>
+            <p:cNvPicPr>
+              <a:picLocks noChangeAspect="1" noChangeArrowheads="1"/>
+            </p:cNvPicPr>
+            <p:nvPr/>
+          </p:nvPicPr>
+          <p:blipFill>
+            <a:blip r:embed="rId3" cstate="print">
+              <a:extLst>
+                <a:ext uri="{28A0092B-C50C-407E-A947-70E740481C1C}">
+                  <a14:useLocalDpi xmlns:a14="http://schemas.microsoft.com/office/drawing/2010/main" val="0"/>
+                </a:ext>
+              </a:extLst>
+            </a:blip>
+            <a:srcRect/>
+            <a:stretch>
+              <a:fillRect/>
+            </a:stretch>
+          </p:blipFill>
+          <p:spPr bwMode="auto">
+            <a:xfrm>
+              <a:off x="5267525" y="4581825"/>
+              <a:ext cx="1121190" cy="470409"/>
+            </a:xfrm>
+            <a:prstGeom prst="rect">
+              <a:avLst/>
+            </a:prstGeom>
+            <a:noFill/>
+            <a:extLst>
+              <a:ext uri="{909E8E84-426E-40DD-AFC4-6F175D3DCCD1}">
+                <a14:hiddenFill xmlns:a14="http://schemas.microsoft.com/office/drawing/2010/main">
+                  <a:solidFill>
+                    <a:srgbClr val="FFFFFF"/>
+                  </a:solidFill>
+                </a14:hiddenFill>
+              </a:ext>
+            </a:extLst>
+          </p:spPr>
+        </p:pic>
+        <p:sp>
+          <p:nvSpPr>
+            <p:cNvPr id="34" name="ZoneTexte 33"/>
+            <p:cNvSpPr txBox="1"/>
+            <p:nvPr/>
+          </p:nvSpPr>
+          <p:spPr>
+            <a:xfrm>
+              <a:off x="5416251" y="5038127"/>
+              <a:ext cx="823739" cy="339556"/>
+            </a:xfrm>
+            <a:prstGeom prst="rect">
+              <a:avLst/>
+            </a:prstGeom>
+            <a:noFill/>
+          </p:spPr>
+          <p:txBody>
+            <a:bodyPr wrap="none" rtlCol="0">
+              <a:spAutoFit/>
+            </a:bodyPr>
+            <a:lstStyle/>
+            <a:p>
+              <a:pPr algn="ctr"/>
+              <a:r>
+                <a:rPr lang="fr-FR" sz="1200" dirty="0" smtClean="0"/>
+                <a:t>Switch1</a:t>
+              </a:r>
+              <a:endParaRPr lang="fr-FR" sz="1200" dirty="0" smtClean="0"/>
+            </a:p>
+          </p:txBody>
+        </p:sp>
+      </p:grpSp>
+      <p:cxnSp>
+        <p:nvCxnSpPr>
+          <p:cNvPr id="40" name="Connecteur droit 39"/>
+          <p:cNvCxnSpPr>
+            <a:stCxn id="33" idx="3"/>
+            <a:endCxn id="27" idx="1"/>
+          </p:cNvCxnSpPr>
+          <p:nvPr/>
+        </p:nvCxnSpPr>
+        <p:spPr>
+          <a:xfrm>
+            <a:off x="2617510" y="2749158"/>
+            <a:ext cx="649358" cy="249347"/>
+          </a:xfrm>
+          <a:prstGeom prst="line">
+            <a:avLst/>
+          </a:prstGeom>
+          <a:ln w="28575">
+            <a:solidFill>
+              <a:schemeClr val="accent5">
+                <a:lumMod val="50000"/>
+              </a:schemeClr>
+            </a:solidFill>
+          </a:ln>
+        </p:spPr>
+        <p:style>
+          <a:lnRef idx="1">
+            <a:schemeClr val="accent1"/>
+          </a:lnRef>
+          <a:fillRef idx="0">
+            <a:schemeClr val="accent1"/>
+          </a:fillRef>
+          <a:effectRef idx="0">
+            <a:schemeClr val="accent1"/>
+          </a:effectRef>
+          <a:fontRef idx="minor">
+            <a:schemeClr val="tx1"/>
+          </a:fontRef>
+        </p:style>
+      </p:cxnSp>
+      <p:cxnSp>
+        <p:nvCxnSpPr>
+          <p:cNvPr id="43" name="Connecteur droit 42"/>
+          <p:cNvCxnSpPr>
+            <a:stCxn id="30" idx="1"/>
+            <a:endCxn id="34" idx="2"/>
+          </p:cNvCxnSpPr>
+          <p:nvPr/>
+        </p:nvCxnSpPr>
+        <p:spPr>
+          <a:xfrm flipH="1" flipV="1">
+            <a:off x="2160196" y="3206521"/>
+            <a:ext cx="291756" cy="431412"/>
+          </a:xfrm>
+          <a:prstGeom prst="line">
+            <a:avLst/>
+          </a:prstGeom>
+          <a:ln w="28575">
+            <a:solidFill>
+              <a:schemeClr val="accent5">
+                <a:lumMod val="50000"/>
+              </a:schemeClr>
+            </a:solidFill>
+          </a:ln>
+        </p:spPr>
+        <p:style>
+          <a:lnRef idx="1">
+            <a:schemeClr val="accent1"/>
+          </a:lnRef>
+          <a:fillRef idx="0">
+            <a:schemeClr val="accent1"/>
+          </a:fillRef>
+          <a:effectRef idx="0">
+            <a:schemeClr val="accent1"/>
+          </a:effectRef>
+          <a:fontRef idx="minor">
+            <a:schemeClr val="tx1"/>
+          </a:fontRef>
+        </p:style>
+      </p:cxnSp>
+      <p:cxnSp>
+        <p:nvCxnSpPr>
+          <p:cNvPr id="46" name="Connecteur droit 45"/>
+          <p:cNvCxnSpPr>
+            <a:stCxn id="30" idx="3"/>
+            <a:endCxn id="28" idx="2"/>
+          </p:cNvCxnSpPr>
+          <p:nvPr/>
+        </p:nvCxnSpPr>
+        <p:spPr>
+          <a:xfrm flipV="1">
+            <a:off x="3366582" y="3455868"/>
+            <a:ext cx="357602" cy="182065"/>
+          </a:xfrm>
+          <a:prstGeom prst="line">
+            <a:avLst/>
+          </a:prstGeom>
+          <a:ln w="28575">
+            <a:solidFill>
+              <a:schemeClr val="accent5">
+                <a:lumMod val="50000"/>
+              </a:schemeClr>
+            </a:solidFill>
+          </a:ln>
+        </p:spPr>
+        <p:style>
+          <a:lnRef idx="1">
+            <a:schemeClr val="accent1"/>
+          </a:lnRef>
+          <a:fillRef idx="0">
+            <a:schemeClr val="accent1"/>
+          </a:fillRef>
+          <a:effectRef idx="0">
+            <a:schemeClr val="accent1"/>
+          </a:effectRef>
+          <a:fontRef idx="minor">
+            <a:schemeClr val="tx1"/>
+          </a:fontRef>
+        </p:style>
+      </p:cxnSp>
+      <p:sp>
+        <p:nvSpPr>
+          <p:cNvPr id="50" name="Espace réservé du contenu 4">
+            <a:extLst>
+              <a:ext uri="{FF2B5EF4-FFF2-40B4-BE49-F238E27FC236}">
+                <a16:creationId xmlns:a16="http://schemas.microsoft.com/office/drawing/2014/main" xmlns="" id="{E0ECA4FB-A27A-4EF4-8C7D-5B9524C6BE3F}"/>
+              </a:ext>
+            </a:extLst>
+          </p:cNvPr>
+          <p:cNvSpPr txBox="1">
+            <a:spLocks/>
+          </p:cNvSpPr>
+          <p:nvPr/>
+        </p:nvSpPr>
+        <p:spPr>
+          <a:xfrm>
+            <a:off x="251520" y="4653136"/>
+            <a:ext cx="8568952" cy="1698451"/>
+          </a:xfrm>
+          <a:prstGeom prst="rect">
+            <a:avLst/>
+          </a:prstGeom>
+          <a:ln>
+            <a:solidFill>
+              <a:schemeClr val="accent5">
+                <a:lumMod val="50000"/>
+              </a:schemeClr>
+            </a:solidFill>
+            <a:prstDash val="lgDash"/>
+          </a:ln>
+        </p:spPr>
+        <p:txBody>
+          <a:bodyPr vert="horz">
+            <a:normAutofit/>
+          </a:bodyPr>
+          <a:lstStyle>
+            <a:lvl1pPr marL="274320" indent="-274320" algn="l" rtl="0" eaLnBrk="1" latinLnBrk="0" hangingPunct="1">
+              <a:spcBef>
+                <a:spcPts val="600"/>
+              </a:spcBef>
+              <a:buClr>
+                <a:schemeClr val="accent5">
+                  <a:lumMod val="50000"/>
+                </a:schemeClr>
+              </a:buClr>
+              <a:buSzPct val="76000"/>
+              <a:buFont typeface="Wingdings 3"/>
+              <a:buChar char=""/>
+              <a:defRPr kumimoji="0" sz="2600" kern="1200">
+                <a:solidFill>
+                  <a:schemeClr val="tx1"/>
+                </a:solidFill>
+                <a:latin typeface="+mn-lt"/>
+                <a:ea typeface="+mn-ea"/>
+                <a:cs typeface="+mn-cs"/>
+              </a:defRPr>
+            </a:lvl1pPr>
+            <a:lvl2pPr marL="548640" indent="-274320" algn="l" rtl="0" eaLnBrk="1" latinLnBrk="0" hangingPunct="1">
+              <a:spcBef>
+                <a:spcPts val="500"/>
+              </a:spcBef>
+              <a:buClr>
+                <a:schemeClr val="accent5">
+                  <a:lumMod val="75000"/>
+                </a:schemeClr>
+              </a:buClr>
+              <a:buSzPct val="76000"/>
+              <a:buFont typeface="Wingdings 3"/>
+              <a:buChar char=""/>
+              <a:defRPr kumimoji="0" sz="2300" kern="1200">
+                <a:solidFill>
+                  <a:schemeClr val="tx1"/>
+                </a:solidFill>
+                <a:latin typeface="+mn-lt"/>
+                <a:ea typeface="+mn-ea"/>
+                <a:cs typeface="+mn-cs"/>
+              </a:defRPr>
+            </a:lvl2pPr>
+            <a:lvl3pPr marL="822960" indent="-228600" algn="l" rtl="0" eaLnBrk="1" latinLnBrk="0" hangingPunct="1">
+              <a:spcBef>
+                <a:spcPts val="500"/>
+              </a:spcBef>
+              <a:buClr>
+                <a:schemeClr val="accent5">
+                  <a:lumMod val="75000"/>
+                </a:schemeClr>
+              </a:buClr>
+              <a:buSzPct val="76000"/>
+              <a:buFont typeface="Wingdings 3"/>
+              <a:buChar char=""/>
+              <a:defRPr kumimoji="0" sz="2000" kern="1200">
+                <a:solidFill>
+                  <a:schemeClr val="tx1"/>
+                </a:solidFill>
+                <a:latin typeface="+mn-lt"/>
+                <a:ea typeface="+mn-ea"/>
+                <a:cs typeface="+mn-cs"/>
+              </a:defRPr>
+            </a:lvl3pPr>
+            <a:lvl4pPr marL="1097280" indent="-228600" algn="l" rtl="0" eaLnBrk="1" latinLnBrk="0" hangingPunct="1">
+              <a:spcBef>
+                <a:spcPts val="400"/>
+              </a:spcBef>
+              <a:buClr>
+                <a:schemeClr val="accent5">
+                  <a:lumMod val="75000"/>
+                </a:schemeClr>
+              </a:buClr>
+              <a:buSzPct val="70000"/>
+              <a:buFont typeface="Wingdings"/>
+              <a:buChar char=""/>
+              <a:defRPr kumimoji="0" sz="1800" kern="1200">
+                <a:solidFill>
+                  <a:schemeClr val="tx1"/>
+                </a:solidFill>
+                <a:latin typeface="+mn-lt"/>
+                <a:ea typeface="+mn-ea"/>
+                <a:cs typeface="+mn-cs"/>
+              </a:defRPr>
+            </a:lvl4pPr>
+            <a:lvl5pPr marL="1371600" indent="-228600" algn="l" rtl="0" eaLnBrk="1" latinLnBrk="0" hangingPunct="1">
+              <a:spcBef>
+                <a:spcPts val="300"/>
+              </a:spcBef>
+              <a:buClr>
+                <a:schemeClr val="accent5">
+                  <a:lumMod val="75000"/>
+                </a:schemeClr>
+              </a:buClr>
+              <a:buSzPct val="70000"/>
+              <a:buFont typeface="Wingdings"/>
+              <a:buChar char=""/>
+              <a:defRPr kumimoji="0" sz="1600" kern="1200">
+                <a:solidFill>
+                  <a:schemeClr val="tx1"/>
+                </a:solidFill>
+                <a:latin typeface="+mn-lt"/>
+                <a:ea typeface="+mn-ea"/>
+                <a:cs typeface="+mn-cs"/>
+              </a:defRPr>
+            </a:lvl5pPr>
+            <a:lvl6pPr marL="1645920" indent="-182880" algn="l" rtl="0" eaLnBrk="1" latinLnBrk="0" hangingPunct="1">
+              <a:spcBef>
+                <a:spcPts val="300"/>
+              </a:spcBef>
+              <a:buClr>
+                <a:srgbClr val="9FB8CD">
+                  <a:shade val="75000"/>
+                </a:srgbClr>
+              </a:buClr>
+              <a:buSzPct val="75000"/>
+              <a:buFont typeface="Wingdings 3"/>
+              <a:buChar char=""/>
+              <a:defRPr kumimoji="0" lang="en-US" sz="1600" kern="1200" smtClean="0">
+                <a:solidFill>
+                  <a:schemeClr val="tx1"/>
+                </a:solidFill>
+                <a:latin typeface="+mn-lt"/>
+                <a:ea typeface="+mn-ea"/>
+                <a:cs typeface="+mn-cs"/>
+              </a:defRPr>
+            </a:lvl6pPr>
+            <a:lvl7pPr marL="1828800" indent="-182880" algn="l" rtl="0" eaLnBrk="1" latinLnBrk="0" hangingPunct="1">
+              <a:spcBef>
+                <a:spcPts val="300"/>
+              </a:spcBef>
+              <a:buClr>
+                <a:srgbClr val="727CA3">
+                  <a:shade val="75000"/>
+                </a:srgbClr>
+              </a:buClr>
+              <a:buSzPct val="75000"/>
+              <a:buFont typeface="Wingdings 3"/>
+              <a:buChar char=""/>
+              <a:defRPr kumimoji="0" lang="en-US" sz="1400" kern="1200" smtClean="0">
+                <a:solidFill>
+                  <a:schemeClr val="tx1"/>
+                </a:solidFill>
+                <a:latin typeface="+mn-lt"/>
+                <a:ea typeface="+mn-ea"/>
+                <a:cs typeface="+mn-cs"/>
+              </a:defRPr>
+            </a:lvl7pPr>
+            <a:lvl8pPr marL="2011680" indent="-182880" algn="l" rtl="0" eaLnBrk="1" latinLnBrk="0" hangingPunct="1">
+              <a:spcBef>
+                <a:spcPts val="300"/>
+              </a:spcBef>
+              <a:buClr>
+                <a:prstClr val="white">
+                  <a:shade val="50000"/>
+                </a:prstClr>
+              </a:buClr>
+              <a:buSzPct val="75000"/>
+              <a:buFont typeface="Wingdings 3"/>
+              <a:buChar char=""/>
+              <a:defRPr kumimoji="0" lang="en-US" sz="1400" kern="1200" smtClean="0">
+                <a:solidFill>
+                  <a:schemeClr val="tx1"/>
+                </a:solidFill>
+                <a:latin typeface="+mn-lt"/>
+                <a:ea typeface="+mn-ea"/>
+                <a:cs typeface="+mn-cs"/>
+              </a:defRPr>
+            </a:lvl8pPr>
+            <a:lvl9pPr marL="2194560" indent="-182880" algn="l" rtl="0" eaLnBrk="1" latinLnBrk="0" hangingPunct="1">
+              <a:spcBef>
+                <a:spcPts val="300"/>
+              </a:spcBef>
+              <a:buClr>
+                <a:srgbClr val="9FB8CD"/>
+              </a:buClr>
+              <a:buSzPct val="75000"/>
+              <a:buFont typeface="Wingdings 3"/>
+              <a:buChar char=""/>
+              <a:defRPr kumimoji="0" lang="en-US" sz="1200" kern="1200" smtClean="0">
+                <a:solidFill>
+                  <a:schemeClr val="tx1"/>
+                </a:solidFill>
+                <a:latin typeface="+mn-lt"/>
+                <a:ea typeface="+mn-ea"/>
+                <a:cs typeface="+mn-cs"/>
+              </a:defRPr>
+            </a:lvl9pPr>
+          </a:lstStyle>
+          <a:p>
+            <a:r>
+              <a:rPr lang="fr-FR" sz="1600">
+                <a:solidFill>
+                  <a:srgbClr val="FF0000"/>
+                </a:solidFill>
+              </a:rPr>
+              <a:t>Solution </a:t>
+            </a:r>
+            <a:r>
+              <a:rPr lang="fr-FR" sz="1600" smtClean="0">
+                <a:solidFill>
+                  <a:srgbClr val="FF0000"/>
+                </a:solidFill>
+              </a:rPr>
+              <a:t>(QCM)</a:t>
+            </a:r>
+            <a:endParaRPr lang="fr-FR" sz="1600" dirty="0" smtClean="0">
+              <a:solidFill>
+                <a:srgbClr val="FF0000"/>
+              </a:solidFill>
+            </a:endParaRPr>
+          </a:p>
+          <a:p>
+            <a:pPr lvl="1"/>
+            <a:r>
+              <a:rPr lang="fr-FR" sz="1400" dirty="0" smtClean="0">
+                <a:solidFill>
+                  <a:srgbClr val="FF0000"/>
+                </a:solidFill>
+              </a:rPr>
+              <a:t>PC1 envoie le message à switch 1 qui envoie à switch 2 qui envoie à PC 2</a:t>
+            </a:r>
+          </a:p>
+          <a:p>
+            <a:pPr lvl="1"/>
+            <a:r>
+              <a:rPr lang="fr-FR" sz="1400" dirty="0">
+                <a:solidFill>
+                  <a:srgbClr val="FF0000"/>
+                </a:solidFill>
+              </a:rPr>
+              <a:t>PC1 envoie le message à switch </a:t>
+            </a:r>
+            <a:r>
+              <a:rPr lang="fr-FR" sz="1400" dirty="0" smtClean="0">
+                <a:solidFill>
+                  <a:srgbClr val="FF0000"/>
+                </a:solidFill>
+              </a:rPr>
+              <a:t>3 </a:t>
+            </a:r>
+            <a:r>
+              <a:rPr lang="fr-FR" sz="1400" dirty="0">
+                <a:solidFill>
+                  <a:srgbClr val="FF0000"/>
+                </a:solidFill>
+              </a:rPr>
+              <a:t>qui envoie à </a:t>
+            </a:r>
+            <a:r>
+              <a:rPr lang="fr-FR" sz="1400" dirty="0" smtClean="0">
+                <a:solidFill>
+                  <a:srgbClr val="FF0000"/>
+                </a:solidFill>
+              </a:rPr>
+              <a:t>switch 2 </a:t>
+            </a:r>
+            <a:r>
+              <a:rPr lang="fr-FR" sz="1400" dirty="0">
+                <a:solidFill>
+                  <a:srgbClr val="FF0000"/>
+                </a:solidFill>
+              </a:rPr>
+              <a:t>qui envoie à PC 2</a:t>
+            </a:r>
+          </a:p>
+          <a:p>
+            <a:pPr lvl="1"/>
+            <a:r>
+              <a:rPr lang="fr-FR" sz="1400" b="1" dirty="0" smtClean="0">
+                <a:solidFill>
+                  <a:srgbClr val="FF0000"/>
+                </a:solidFill>
+              </a:rPr>
+              <a:t>PC1 envoie le message à switch 1 qui envoie à switch 2 et 3 qui envoient respectivement  à PC 2 et Switch 3 et PC3 et switch3… et c’est l’écroulement du réseau. </a:t>
+            </a:r>
+            <a:endParaRPr lang="fr-FR" sz="1400" b="1" dirty="0">
+              <a:solidFill>
+                <a:srgbClr val="FF0000"/>
+              </a:solidFill>
+            </a:endParaRPr>
+          </a:p>
+        </p:txBody>
+      </p:sp>
+      <p:sp>
+        <p:nvSpPr>
+          <p:cNvPr id="51" name="Rectangle 50"/>
+          <p:cNvSpPr/>
+          <p:nvPr/>
+        </p:nvSpPr>
+        <p:spPr>
+          <a:xfrm>
+            <a:off x="323528" y="5502361"/>
+            <a:ext cx="8424936" cy="806959"/>
+          </a:xfrm>
+          <a:prstGeom prst="rect">
+            <a:avLst/>
+          </a:prstGeom>
+          <a:ln w="19050">
+            <a:solidFill>
+              <a:schemeClr val="accent5">
+                <a:lumMod val="50000"/>
+              </a:schemeClr>
+            </a:solidFill>
+            <a:prstDash val="lgDash"/>
+          </a:ln>
+        </p:spPr>
+        <p:txBody>
+          <a:bodyPr vert="horz">
+            <a:normAutofit/>
+          </a:bodyPr>
+          <a:lstStyle/>
+          <a:p>
+            <a:pPr marL="274320" indent="-274320">
+              <a:spcBef>
+                <a:spcPts val="600"/>
+              </a:spcBef>
+              <a:buClr>
+                <a:schemeClr val="accent5">
+                  <a:lumMod val="50000"/>
+                </a:schemeClr>
+              </a:buClr>
+              <a:buSzPct val="76000"/>
+              <a:buFont typeface="Wingdings 3"/>
+              <a:buChar char=""/>
+            </a:pPr>
+            <a:endParaRPr lang="fr-FR" sz="2600">
+              <a:solidFill>
+                <a:srgbClr val="FF0000"/>
+              </a:solidFill>
+            </a:endParaRPr>
           </a:p>
         </p:txBody>
       </p:sp>
@@ -27511,7 +32876,7 @@
           <p:cNvPr id="56" name="Groupe 55">
             <a:extLst>
               <a:ext uri="{FF2B5EF4-FFF2-40B4-BE49-F238E27FC236}">
-                <a16:creationId xmlns="" xmlns:a16="http://schemas.microsoft.com/office/drawing/2014/main" id="{829E4CAB-EA83-4DC5-88DD-088B85284F44}"/>
+                <a16:creationId xmlns:a16="http://schemas.microsoft.com/office/drawing/2014/main" xmlns="" id="{829E4CAB-EA83-4DC5-88DD-088B85284F44}"/>
               </a:ext>
             </a:extLst>
           </p:cNvPr>
@@ -27531,7 +32896,7 @@
             <p:cNvPr id="8" name="Groupe 7">
               <a:extLst>
                 <a:ext uri="{FF2B5EF4-FFF2-40B4-BE49-F238E27FC236}">
-                  <a16:creationId xmlns="" xmlns:a16="http://schemas.microsoft.com/office/drawing/2014/main" id="{420C7BCC-6D63-4B9F-A036-311AB999F576}"/>
+                  <a16:creationId xmlns:a16="http://schemas.microsoft.com/office/drawing/2014/main" xmlns="" id="{420C7BCC-6D63-4B9F-A036-311AB999F576}"/>
                 </a:ext>
               </a:extLst>
             </p:cNvPr>
@@ -27551,7 +32916,7 @@
               <p:cNvPr id="38" name="Groupe 37">
                 <a:extLst>
                   <a:ext uri="{FF2B5EF4-FFF2-40B4-BE49-F238E27FC236}">
-                    <a16:creationId xmlns="" xmlns:a16="http://schemas.microsoft.com/office/drawing/2014/main" id="{473E1171-AF8C-403A-ADE2-506F820B68F9}"/>
+                    <a16:creationId xmlns:a16="http://schemas.microsoft.com/office/drawing/2014/main" xmlns="" id="{473E1171-AF8C-403A-ADE2-506F820B68F9}"/>
                   </a:ext>
                 </a:extLst>
               </p:cNvPr>
@@ -27571,7 +32936,7 @@
                 <p:cNvPr id="48" name="Chevron 184">
                   <a:extLst>
                     <a:ext uri="{FF2B5EF4-FFF2-40B4-BE49-F238E27FC236}">
-                      <a16:creationId xmlns="" xmlns:a16="http://schemas.microsoft.com/office/drawing/2014/main" id="{14E2E699-AB3C-4A93-A242-3D676BE1AE78}"/>
+                      <a16:creationId xmlns:a16="http://schemas.microsoft.com/office/drawing/2014/main" xmlns="" id="{14E2E699-AB3C-4A93-A242-3D676BE1AE78}"/>
                     </a:ext>
                   </a:extLst>
                 </p:cNvPr>
@@ -27621,7 +32986,7 @@
                 <p:cNvPr id="49" name="Rectangle 48">
                   <a:extLst>
                     <a:ext uri="{FF2B5EF4-FFF2-40B4-BE49-F238E27FC236}">
-                      <a16:creationId xmlns="" xmlns:a16="http://schemas.microsoft.com/office/drawing/2014/main" id="{0FB6D7F8-51B9-4825-805E-C852F6B67989}"/>
+                      <a16:creationId xmlns:a16="http://schemas.microsoft.com/office/drawing/2014/main" xmlns="" id="{0FB6D7F8-51B9-4825-805E-C852F6B67989}"/>
                     </a:ext>
                   </a:extLst>
                 </p:cNvPr>
@@ -27669,7 +33034,7 @@
               <p:cNvPr id="39" name="Groupe 38">
                 <a:extLst>
                   <a:ext uri="{FF2B5EF4-FFF2-40B4-BE49-F238E27FC236}">
-                    <a16:creationId xmlns="" xmlns:a16="http://schemas.microsoft.com/office/drawing/2014/main" id="{9A20EB79-0B5F-4A63-8F6C-ECC600105C0C}"/>
+                    <a16:creationId xmlns:a16="http://schemas.microsoft.com/office/drawing/2014/main" xmlns="" id="{9A20EB79-0B5F-4A63-8F6C-ECC600105C0C}"/>
                   </a:ext>
                 </a:extLst>
               </p:cNvPr>
@@ -27689,7 +33054,7 @@
                 <p:cNvPr id="45" name="Chevron 181">
                   <a:extLst>
                     <a:ext uri="{FF2B5EF4-FFF2-40B4-BE49-F238E27FC236}">
-                      <a16:creationId xmlns="" xmlns:a16="http://schemas.microsoft.com/office/drawing/2014/main" id="{2D5FFA58-5E36-468A-B57F-D7D3477028F4}"/>
+                      <a16:creationId xmlns:a16="http://schemas.microsoft.com/office/drawing/2014/main" xmlns="" id="{2D5FFA58-5E36-468A-B57F-D7D3477028F4}"/>
                     </a:ext>
                   </a:extLst>
                 </p:cNvPr>
@@ -27739,7 +33104,7 @@
                 <p:cNvPr id="46" name="Rectangle 45">
                   <a:extLst>
                     <a:ext uri="{FF2B5EF4-FFF2-40B4-BE49-F238E27FC236}">
-                      <a16:creationId xmlns="" xmlns:a16="http://schemas.microsoft.com/office/drawing/2014/main" id="{C7DFC75C-B66A-4291-A07E-891BC33B6B23}"/>
+                      <a16:creationId xmlns:a16="http://schemas.microsoft.com/office/drawing/2014/main" xmlns="" id="{C7DFC75C-B66A-4291-A07E-891BC33B6B23}"/>
                     </a:ext>
                   </a:extLst>
                 </p:cNvPr>
@@ -27786,7 +33151,7 @@
                 <p:cNvPr id="47" name="Rectangle 46">
                   <a:extLst>
                     <a:ext uri="{FF2B5EF4-FFF2-40B4-BE49-F238E27FC236}">
-                      <a16:creationId xmlns="" xmlns:a16="http://schemas.microsoft.com/office/drawing/2014/main" id="{F046E9A3-065D-4ED5-A94C-CC38C6BDE078}"/>
+                      <a16:creationId xmlns:a16="http://schemas.microsoft.com/office/drawing/2014/main" xmlns="" id="{F046E9A3-065D-4ED5-A94C-CC38C6BDE078}"/>
                     </a:ext>
                   </a:extLst>
                 </p:cNvPr>
@@ -27831,7 +33196,7 @@
               <p:cNvPr id="40" name="Groupe 39">
                 <a:extLst>
                   <a:ext uri="{FF2B5EF4-FFF2-40B4-BE49-F238E27FC236}">
-                    <a16:creationId xmlns="" xmlns:a16="http://schemas.microsoft.com/office/drawing/2014/main" id="{94CAF8A2-855E-4D6A-B7A1-48503B438EDC}"/>
+                    <a16:creationId xmlns:a16="http://schemas.microsoft.com/office/drawing/2014/main" xmlns="" id="{94CAF8A2-855E-4D6A-B7A1-48503B438EDC}"/>
                   </a:ext>
                 </a:extLst>
               </p:cNvPr>
@@ -27851,7 +33216,7 @@
                 <p:cNvPr id="41" name="Groupe 40">
                   <a:extLst>
                     <a:ext uri="{FF2B5EF4-FFF2-40B4-BE49-F238E27FC236}">
-                      <a16:creationId xmlns="" xmlns:a16="http://schemas.microsoft.com/office/drawing/2014/main" id="{0D6A2B82-9CA7-41F5-9195-B8CA328BEC73}"/>
+                      <a16:creationId xmlns:a16="http://schemas.microsoft.com/office/drawing/2014/main" xmlns="" id="{0D6A2B82-9CA7-41F5-9195-B8CA328BEC73}"/>
                     </a:ext>
                   </a:extLst>
                 </p:cNvPr>
@@ -27871,7 +33236,7 @@
                   <p:cNvPr id="43" name="Chevron 179">
                     <a:extLst>
                       <a:ext uri="{FF2B5EF4-FFF2-40B4-BE49-F238E27FC236}">
-                        <a16:creationId xmlns="" xmlns:a16="http://schemas.microsoft.com/office/drawing/2014/main" id="{F0E58AD2-F2F8-4179-8042-7F2895746C0C}"/>
+                        <a16:creationId xmlns:a16="http://schemas.microsoft.com/office/drawing/2014/main" xmlns="" id="{F0E58AD2-F2F8-4179-8042-7F2895746C0C}"/>
                       </a:ext>
                     </a:extLst>
                   </p:cNvPr>
@@ -27921,7 +33286,7 @@
                   <p:cNvPr id="44" name="Rectangle 43">
                     <a:extLst>
                       <a:ext uri="{FF2B5EF4-FFF2-40B4-BE49-F238E27FC236}">
-                        <a16:creationId xmlns="" xmlns:a16="http://schemas.microsoft.com/office/drawing/2014/main" id="{E89E9C67-9D70-4AAE-83CD-FFA6AC4166A0}"/>
+                        <a16:creationId xmlns:a16="http://schemas.microsoft.com/office/drawing/2014/main" xmlns="" id="{E89E9C67-9D70-4AAE-83CD-FFA6AC4166A0}"/>
                       </a:ext>
                     </a:extLst>
                   </p:cNvPr>
@@ -27969,7 +33334,7 @@
                 <p:cNvPr id="42" name="Rectangle 41">
                   <a:extLst>
                     <a:ext uri="{FF2B5EF4-FFF2-40B4-BE49-F238E27FC236}">
-                      <a16:creationId xmlns="" xmlns:a16="http://schemas.microsoft.com/office/drawing/2014/main" id="{9F940A4B-EF94-4D2B-A282-9D7E8A9E62B1}"/>
+                      <a16:creationId xmlns:a16="http://schemas.microsoft.com/office/drawing/2014/main" xmlns="" id="{9F940A4B-EF94-4D2B-A282-9D7E8A9E62B1}"/>
                     </a:ext>
                   </a:extLst>
                 </p:cNvPr>
@@ -28015,7 +33380,7 @@
             <p:cNvPr id="55" name="Groupe 54">
               <a:extLst>
                 <a:ext uri="{FF2B5EF4-FFF2-40B4-BE49-F238E27FC236}">
-                  <a16:creationId xmlns="" xmlns:a16="http://schemas.microsoft.com/office/drawing/2014/main" id="{513E2DEA-CB3B-4EB8-82C6-E59AC1AFBC53}"/>
+                  <a16:creationId xmlns:a16="http://schemas.microsoft.com/office/drawing/2014/main" xmlns="" id="{513E2DEA-CB3B-4EB8-82C6-E59AC1AFBC53}"/>
                 </a:ext>
               </a:extLst>
             </p:cNvPr>
@@ -28035,7 +33400,7 @@
               <p:cNvPr id="52" name="Chevron 181">
                 <a:extLst>
                   <a:ext uri="{FF2B5EF4-FFF2-40B4-BE49-F238E27FC236}">
-                    <a16:creationId xmlns="" xmlns:a16="http://schemas.microsoft.com/office/drawing/2014/main" id="{D139509A-2297-4537-B264-0518B3446CA0}"/>
+                    <a16:creationId xmlns:a16="http://schemas.microsoft.com/office/drawing/2014/main" xmlns="" id="{D139509A-2297-4537-B264-0518B3446CA0}"/>
                   </a:ext>
                 </a:extLst>
               </p:cNvPr>
@@ -28085,7 +33450,7 @@
               <p:cNvPr id="53" name="Rectangle 52">
                 <a:extLst>
                   <a:ext uri="{FF2B5EF4-FFF2-40B4-BE49-F238E27FC236}">
-                    <a16:creationId xmlns="" xmlns:a16="http://schemas.microsoft.com/office/drawing/2014/main" id="{4EBC1CE8-426C-46AF-8088-E34A0B46DF5A}"/>
+                    <a16:creationId xmlns:a16="http://schemas.microsoft.com/office/drawing/2014/main" xmlns="" id="{4EBC1CE8-426C-46AF-8088-E34A0B46DF5A}"/>
                   </a:ext>
                 </a:extLst>
               </p:cNvPr>
@@ -28134,7 +33499,7 @@
           <p:cNvPr id="57" name="Groupe 56">
             <a:extLst>
               <a:ext uri="{FF2B5EF4-FFF2-40B4-BE49-F238E27FC236}">
-                <a16:creationId xmlns="" xmlns:a16="http://schemas.microsoft.com/office/drawing/2014/main" id="{4B8D0827-97EC-477E-8FCC-C544CFC9AEB1}"/>
+                <a16:creationId xmlns:a16="http://schemas.microsoft.com/office/drawing/2014/main" xmlns="" id="{4B8D0827-97EC-477E-8FCC-C544CFC9AEB1}"/>
               </a:ext>
             </a:extLst>
           </p:cNvPr>
@@ -28154,7 +33519,7 @@
             <p:cNvPr id="58" name="Groupe 57">
               <a:extLst>
                 <a:ext uri="{FF2B5EF4-FFF2-40B4-BE49-F238E27FC236}">
-                  <a16:creationId xmlns="" xmlns:a16="http://schemas.microsoft.com/office/drawing/2014/main" id="{FF649601-B6D6-466F-93F4-B93F9D3F376F}"/>
+                  <a16:creationId xmlns:a16="http://schemas.microsoft.com/office/drawing/2014/main" xmlns="" id="{FF649601-B6D6-466F-93F4-B93F9D3F376F}"/>
                 </a:ext>
               </a:extLst>
             </p:cNvPr>
@@ -28174,7 +33539,7 @@
               <p:cNvPr id="62" name="Groupe 61">
                 <a:extLst>
                   <a:ext uri="{FF2B5EF4-FFF2-40B4-BE49-F238E27FC236}">
-                    <a16:creationId xmlns="" xmlns:a16="http://schemas.microsoft.com/office/drawing/2014/main" id="{A705152C-F305-46C3-BFC8-963DE257480E}"/>
+                    <a16:creationId xmlns:a16="http://schemas.microsoft.com/office/drawing/2014/main" xmlns="" id="{A705152C-F305-46C3-BFC8-963DE257480E}"/>
                   </a:ext>
                 </a:extLst>
               </p:cNvPr>
@@ -28194,7 +33559,7 @@
                 <p:cNvPr id="72" name="Chevron 184">
                   <a:extLst>
                     <a:ext uri="{FF2B5EF4-FFF2-40B4-BE49-F238E27FC236}">
-                      <a16:creationId xmlns="" xmlns:a16="http://schemas.microsoft.com/office/drawing/2014/main" id="{D0479429-1365-4B35-AA79-0E895466274C}"/>
+                      <a16:creationId xmlns:a16="http://schemas.microsoft.com/office/drawing/2014/main" xmlns="" id="{D0479429-1365-4B35-AA79-0E895466274C}"/>
                     </a:ext>
                   </a:extLst>
                 </p:cNvPr>
@@ -28244,7 +33609,7 @@
                 <p:cNvPr id="73" name="Rectangle 72">
                   <a:extLst>
                     <a:ext uri="{FF2B5EF4-FFF2-40B4-BE49-F238E27FC236}">
-                      <a16:creationId xmlns="" xmlns:a16="http://schemas.microsoft.com/office/drawing/2014/main" id="{A04C5625-C991-4331-A28E-327BCD831012}"/>
+                      <a16:creationId xmlns:a16="http://schemas.microsoft.com/office/drawing/2014/main" xmlns="" id="{A04C5625-C991-4331-A28E-327BCD831012}"/>
                     </a:ext>
                   </a:extLst>
                 </p:cNvPr>
@@ -28292,7 +33657,7 @@
               <p:cNvPr id="63" name="Groupe 62">
                 <a:extLst>
                   <a:ext uri="{FF2B5EF4-FFF2-40B4-BE49-F238E27FC236}">
-                    <a16:creationId xmlns="" xmlns:a16="http://schemas.microsoft.com/office/drawing/2014/main" id="{891EFF85-8551-4520-AF81-9FFF3FAB4B56}"/>
+                    <a16:creationId xmlns:a16="http://schemas.microsoft.com/office/drawing/2014/main" xmlns="" id="{891EFF85-8551-4520-AF81-9FFF3FAB4B56}"/>
                   </a:ext>
                 </a:extLst>
               </p:cNvPr>
@@ -28312,7 +33677,7 @@
                 <p:cNvPr id="69" name="Chevron 181">
                   <a:extLst>
                     <a:ext uri="{FF2B5EF4-FFF2-40B4-BE49-F238E27FC236}">
-                      <a16:creationId xmlns="" xmlns:a16="http://schemas.microsoft.com/office/drawing/2014/main" id="{09B6DD4D-C151-42D8-B898-1508D2D54892}"/>
+                      <a16:creationId xmlns:a16="http://schemas.microsoft.com/office/drawing/2014/main" xmlns="" id="{09B6DD4D-C151-42D8-B898-1508D2D54892}"/>
                     </a:ext>
                   </a:extLst>
                 </p:cNvPr>
@@ -28362,7 +33727,7 @@
                 <p:cNvPr id="70" name="Rectangle 69">
                   <a:extLst>
                     <a:ext uri="{FF2B5EF4-FFF2-40B4-BE49-F238E27FC236}">
-                      <a16:creationId xmlns="" xmlns:a16="http://schemas.microsoft.com/office/drawing/2014/main" id="{2015BB36-84CB-4CB2-BBA2-41000A5EA831}"/>
+                      <a16:creationId xmlns:a16="http://schemas.microsoft.com/office/drawing/2014/main" xmlns="" id="{2015BB36-84CB-4CB2-BBA2-41000A5EA831}"/>
                     </a:ext>
                   </a:extLst>
                 </p:cNvPr>
@@ -28409,7 +33774,7 @@
                 <p:cNvPr id="71" name="Rectangle 70">
                   <a:extLst>
                     <a:ext uri="{FF2B5EF4-FFF2-40B4-BE49-F238E27FC236}">
-                      <a16:creationId xmlns="" xmlns:a16="http://schemas.microsoft.com/office/drawing/2014/main" id="{2D477056-2DC6-468C-9457-E9F78969CA07}"/>
+                      <a16:creationId xmlns:a16="http://schemas.microsoft.com/office/drawing/2014/main" xmlns="" id="{2D477056-2DC6-468C-9457-E9F78969CA07}"/>
                     </a:ext>
                   </a:extLst>
                 </p:cNvPr>
@@ -28454,7 +33819,7 @@
               <p:cNvPr id="64" name="Groupe 63">
                 <a:extLst>
                   <a:ext uri="{FF2B5EF4-FFF2-40B4-BE49-F238E27FC236}">
-                    <a16:creationId xmlns="" xmlns:a16="http://schemas.microsoft.com/office/drawing/2014/main" id="{FA20EE8D-4845-4900-8094-1F2E19A74C78}"/>
+                    <a16:creationId xmlns:a16="http://schemas.microsoft.com/office/drawing/2014/main" xmlns="" id="{FA20EE8D-4845-4900-8094-1F2E19A74C78}"/>
                   </a:ext>
                 </a:extLst>
               </p:cNvPr>
@@ -28474,7 +33839,7 @@
                 <p:cNvPr id="65" name="Groupe 64">
                   <a:extLst>
                     <a:ext uri="{FF2B5EF4-FFF2-40B4-BE49-F238E27FC236}">
-                      <a16:creationId xmlns="" xmlns:a16="http://schemas.microsoft.com/office/drawing/2014/main" id="{939BDACC-5712-4813-B8A3-F2F299F86A28}"/>
+                      <a16:creationId xmlns:a16="http://schemas.microsoft.com/office/drawing/2014/main" xmlns="" id="{939BDACC-5712-4813-B8A3-F2F299F86A28}"/>
                     </a:ext>
                   </a:extLst>
                 </p:cNvPr>
@@ -28494,7 +33859,7 @@
                   <p:cNvPr id="67" name="Chevron 179">
                     <a:extLst>
                       <a:ext uri="{FF2B5EF4-FFF2-40B4-BE49-F238E27FC236}">
-                        <a16:creationId xmlns="" xmlns:a16="http://schemas.microsoft.com/office/drawing/2014/main" id="{AA50265B-A851-460A-B677-32B68888AC1E}"/>
+                        <a16:creationId xmlns:a16="http://schemas.microsoft.com/office/drawing/2014/main" xmlns="" id="{AA50265B-A851-460A-B677-32B68888AC1E}"/>
                       </a:ext>
                     </a:extLst>
                   </p:cNvPr>
@@ -28544,7 +33909,7 @@
                   <p:cNvPr id="68" name="Rectangle 67">
                     <a:extLst>
                       <a:ext uri="{FF2B5EF4-FFF2-40B4-BE49-F238E27FC236}">
-                        <a16:creationId xmlns="" xmlns:a16="http://schemas.microsoft.com/office/drawing/2014/main" id="{59F80878-C864-41F6-8E46-762F396D5DA8}"/>
+                        <a16:creationId xmlns:a16="http://schemas.microsoft.com/office/drawing/2014/main" xmlns="" id="{59F80878-C864-41F6-8E46-762F396D5DA8}"/>
                       </a:ext>
                     </a:extLst>
                   </p:cNvPr>
@@ -28592,7 +33957,7 @@
                 <p:cNvPr id="66" name="Rectangle 65">
                   <a:extLst>
                     <a:ext uri="{FF2B5EF4-FFF2-40B4-BE49-F238E27FC236}">
-                      <a16:creationId xmlns="" xmlns:a16="http://schemas.microsoft.com/office/drawing/2014/main" id="{4135BCA8-0C12-4BAD-BC07-A69BAB71BB1F}"/>
+                      <a16:creationId xmlns:a16="http://schemas.microsoft.com/office/drawing/2014/main" xmlns="" id="{4135BCA8-0C12-4BAD-BC07-A69BAB71BB1F}"/>
                     </a:ext>
                   </a:extLst>
                 </p:cNvPr>
@@ -28638,7 +34003,7 @@
             <p:cNvPr id="59" name="Groupe 58">
               <a:extLst>
                 <a:ext uri="{FF2B5EF4-FFF2-40B4-BE49-F238E27FC236}">
-                  <a16:creationId xmlns="" xmlns:a16="http://schemas.microsoft.com/office/drawing/2014/main" id="{C0F90D35-A22B-4BE7-931D-DAFAB5F92660}"/>
+                  <a16:creationId xmlns:a16="http://schemas.microsoft.com/office/drawing/2014/main" xmlns="" id="{C0F90D35-A22B-4BE7-931D-DAFAB5F92660}"/>
                 </a:ext>
               </a:extLst>
             </p:cNvPr>
@@ -28658,7 +34023,7 @@
               <p:cNvPr id="60" name="Chevron 181">
                 <a:extLst>
                   <a:ext uri="{FF2B5EF4-FFF2-40B4-BE49-F238E27FC236}">
-                    <a16:creationId xmlns="" xmlns:a16="http://schemas.microsoft.com/office/drawing/2014/main" id="{692291C0-CA8E-4354-9054-828EF65F4BA1}"/>
+                    <a16:creationId xmlns:a16="http://schemas.microsoft.com/office/drawing/2014/main" xmlns="" id="{692291C0-CA8E-4354-9054-828EF65F4BA1}"/>
                   </a:ext>
                 </a:extLst>
               </p:cNvPr>
@@ -28708,7 +34073,7 @@
               <p:cNvPr id="61" name="Rectangle 60">
                 <a:extLst>
                   <a:ext uri="{FF2B5EF4-FFF2-40B4-BE49-F238E27FC236}">
-                    <a16:creationId xmlns="" xmlns:a16="http://schemas.microsoft.com/office/drawing/2014/main" id="{C7CBCD65-7C6C-4B90-AEE1-5B574EA20C04}"/>
+                    <a16:creationId xmlns:a16="http://schemas.microsoft.com/office/drawing/2014/main" xmlns="" id="{C7CBCD65-7C6C-4B90-AEE1-5B574EA20C04}"/>
                   </a:ext>
                 </a:extLst>
               </p:cNvPr>
@@ -28757,7 +34122,7 @@
           <p:cNvPr id="74" name="Groupe 73">
             <a:extLst>
               <a:ext uri="{FF2B5EF4-FFF2-40B4-BE49-F238E27FC236}">
-                <a16:creationId xmlns="" xmlns:a16="http://schemas.microsoft.com/office/drawing/2014/main" id="{14BBF4AF-ED8A-44E8-837E-EE62A4D8B28E}"/>
+                <a16:creationId xmlns:a16="http://schemas.microsoft.com/office/drawing/2014/main" xmlns="" id="{14BBF4AF-ED8A-44E8-837E-EE62A4D8B28E}"/>
               </a:ext>
             </a:extLst>
           </p:cNvPr>
@@ -28777,7 +34142,7 @@
             <p:cNvPr id="75" name="Groupe 74">
               <a:extLst>
                 <a:ext uri="{FF2B5EF4-FFF2-40B4-BE49-F238E27FC236}">
-                  <a16:creationId xmlns="" xmlns:a16="http://schemas.microsoft.com/office/drawing/2014/main" id="{B056B36F-72C6-4732-B08D-51FD3E5EFC4F}"/>
+                  <a16:creationId xmlns:a16="http://schemas.microsoft.com/office/drawing/2014/main" xmlns="" id="{B056B36F-72C6-4732-B08D-51FD3E5EFC4F}"/>
                 </a:ext>
               </a:extLst>
             </p:cNvPr>
@@ -28797,7 +34162,7 @@
               <p:cNvPr id="79" name="Groupe 78">
                 <a:extLst>
                   <a:ext uri="{FF2B5EF4-FFF2-40B4-BE49-F238E27FC236}">
-                    <a16:creationId xmlns="" xmlns:a16="http://schemas.microsoft.com/office/drawing/2014/main" id="{694D587B-FF31-40E1-8F41-E195E1433F91}"/>
+                    <a16:creationId xmlns:a16="http://schemas.microsoft.com/office/drawing/2014/main" xmlns="" id="{694D587B-FF31-40E1-8F41-E195E1433F91}"/>
                   </a:ext>
                 </a:extLst>
               </p:cNvPr>
@@ -28817,7 +34182,7 @@
                 <p:cNvPr id="89" name="Chevron 184">
                   <a:extLst>
                     <a:ext uri="{FF2B5EF4-FFF2-40B4-BE49-F238E27FC236}">
-                      <a16:creationId xmlns="" xmlns:a16="http://schemas.microsoft.com/office/drawing/2014/main" id="{A2E1914A-1C07-42AA-8CCA-6F4AC79DAB83}"/>
+                      <a16:creationId xmlns:a16="http://schemas.microsoft.com/office/drawing/2014/main" xmlns="" id="{A2E1914A-1C07-42AA-8CCA-6F4AC79DAB83}"/>
                     </a:ext>
                   </a:extLst>
                 </p:cNvPr>
@@ -28867,7 +34232,7 @@
                 <p:cNvPr id="90" name="Rectangle 89">
                   <a:extLst>
                     <a:ext uri="{FF2B5EF4-FFF2-40B4-BE49-F238E27FC236}">
-                      <a16:creationId xmlns="" xmlns:a16="http://schemas.microsoft.com/office/drawing/2014/main" id="{24A85BAD-D086-495E-80D1-FDC7F8D2F05C}"/>
+                      <a16:creationId xmlns:a16="http://schemas.microsoft.com/office/drawing/2014/main" xmlns="" id="{24A85BAD-D086-495E-80D1-FDC7F8D2F05C}"/>
                     </a:ext>
                   </a:extLst>
                 </p:cNvPr>
@@ -28915,7 +34280,7 @@
               <p:cNvPr id="80" name="Groupe 79">
                 <a:extLst>
                   <a:ext uri="{FF2B5EF4-FFF2-40B4-BE49-F238E27FC236}">
-                    <a16:creationId xmlns="" xmlns:a16="http://schemas.microsoft.com/office/drawing/2014/main" id="{B411E08B-7E4A-47CF-9895-DD883EB8E3DF}"/>
+                    <a16:creationId xmlns:a16="http://schemas.microsoft.com/office/drawing/2014/main" xmlns="" id="{B411E08B-7E4A-47CF-9895-DD883EB8E3DF}"/>
                   </a:ext>
                 </a:extLst>
               </p:cNvPr>
@@ -28935,7 +34300,7 @@
                 <p:cNvPr id="86" name="Chevron 181">
                   <a:extLst>
                     <a:ext uri="{FF2B5EF4-FFF2-40B4-BE49-F238E27FC236}">
-                      <a16:creationId xmlns="" xmlns:a16="http://schemas.microsoft.com/office/drawing/2014/main" id="{37B26757-C735-4162-A94F-2C76580B9E9B}"/>
+                      <a16:creationId xmlns:a16="http://schemas.microsoft.com/office/drawing/2014/main" xmlns="" id="{37B26757-C735-4162-A94F-2C76580B9E9B}"/>
                     </a:ext>
                   </a:extLst>
                 </p:cNvPr>
@@ -28985,7 +34350,7 @@
                 <p:cNvPr id="87" name="Rectangle 86">
                   <a:extLst>
                     <a:ext uri="{FF2B5EF4-FFF2-40B4-BE49-F238E27FC236}">
-                      <a16:creationId xmlns="" xmlns:a16="http://schemas.microsoft.com/office/drawing/2014/main" id="{47A144DD-3077-4129-9E69-DD4063FB0968}"/>
+                      <a16:creationId xmlns:a16="http://schemas.microsoft.com/office/drawing/2014/main" xmlns="" id="{47A144DD-3077-4129-9E69-DD4063FB0968}"/>
                     </a:ext>
                   </a:extLst>
                 </p:cNvPr>
@@ -29032,7 +34397,7 @@
                 <p:cNvPr id="88" name="Rectangle 87">
                   <a:extLst>
                     <a:ext uri="{FF2B5EF4-FFF2-40B4-BE49-F238E27FC236}">
-                      <a16:creationId xmlns="" xmlns:a16="http://schemas.microsoft.com/office/drawing/2014/main" id="{B9EAFEF5-E5A1-411D-BB89-9F1B18193020}"/>
+                      <a16:creationId xmlns:a16="http://schemas.microsoft.com/office/drawing/2014/main" xmlns="" id="{B9EAFEF5-E5A1-411D-BB89-9F1B18193020}"/>
                     </a:ext>
                   </a:extLst>
                 </p:cNvPr>
@@ -29077,7 +34442,7 @@
               <p:cNvPr id="81" name="Groupe 80">
                 <a:extLst>
                   <a:ext uri="{FF2B5EF4-FFF2-40B4-BE49-F238E27FC236}">
-                    <a16:creationId xmlns="" xmlns:a16="http://schemas.microsoft.com/office/drawing/2014/main" id="{D726288C-0E94-422C-90C0-9693DEAF072D}"/>
+                    <a16:creationId xmlns:a16="http://schemas.microsoft.com/office/drawing/2014/main" xmlns="" id="{D726288C-0E94-422C-90C0-9693DEAF072D}"/>
                   </a:ext>
                 </a:extLst>
               </p:cNvPr>
@@ -29097,7 +34462,7 @@
                 <p:cNvPr id="82" name="Groupe 81">
                   <a:extLst>
                     <a:ext uri="{FF2B5EF4-FFF2-40B4-BE49-F238E27FC236}">
-                      <a16:creationId xmlns="" xmlns:a16="http://schemas.microsoft.com/office/drawing/2014/main" id="{03BD84C5-663C-4A89-9FC2-5AA7516D9709}"/>
+                      <a16:creationId xmlns:a16="http://schemas.microsoft.com/office/drawing/2014/main" xmlns="" id="{03BD84C5-663C-4A89-9FC2-5AA7516D9709}"/>
                     </a:ext>
                   </a:extLst>
                 </p:cNvPr>
@@ -29117,7 +34482,7 @@
                   <p:cNvPr id="84" name="Chevron 179">
                     <a:extLst>
                       <a:ext uri="{FF2B5EF4-FFF2-40B4-BE49-F238E27FC236}">
-                        <a16:creationId xmlns="" xmlns:a16="http://schemas.microsoft.com/office/drawing/2014/main" id="{82C8625C-15DA-4DB4-88FE-73E3E46521FF}"/>
+                        <a16:creationId xmlns:a16="http://schemas.microsoft.com/office/drawing/2014/main" xmlns="" id="{82C8625C-15DA-4DB4-88FE-73E3E46521FF}"/>
                       </a:ext>
                     </a:extLst>
                   </p:cNvPr>
@@ -29167,7 +34532,7 @@
                   <p:cNvPr id="85" name="Rectangle 84">
                     <a:extLst>
                       <a:ext uri="{FF2B5EF4-FFF2-40B4-BE49-F238E27FC236}">
-                        <a16:creationId xmlns="" xmlns:a16="http://schemas.microsoft.com/office/drawing/2014/main" id="{6623DF70-698B-4249-9AB1-0CE53018952B}"/>
+                        <a16:creationId xmlns:a16="http://schemas.microsoft.com/office/drawing/2014/main" xmlns="" id="{6623DF70-698B-4249-9AB1-0CE53018952B}"/>
                       </a:ext>
                     </a:extLst>
                   </p:cNvPr>
@@ -29215,7 +34580,7 @@
                 <p:cNvPr id="83" name="Rectangle 82">
                   <a:extLst>
                     <a:ext uri="{FF2B5EF4-FFF2-40B4-BE49-F238E27FC236}">
-                      <a16:creationId xmlns="" xmlns:a16="http://schemas.microsoft.com/office/drawing/2014/main" id="{718ECBC4-0CC4-4875-B56E-F1FB5FB0DBB1}"/>
+                      <a16:creationId xmlns:a16="http://schemas.microsoft.com/office/drawing/2014/main" xmlns="" id="{718ECBC4-0CC4-4875-B56E-F1FB5FB0DBB1}"/>
                     </a:ext>
                   </a:extLst>
                 </p:cNvPr>
@@ -29261,7 +34626,7 @@
             <p:cNvPr id="76" name="Groupe 75">
               <a:extLst>
                 <a:ext uri="{FF2B5EF4-FFF2-40B4-BE49-F238E27FC236}">
-                  <a16:creationId xmlns="" xmlns:a16="http://schemas.microsoft.com/office/drawing/2014/main" id="{5BDED342-DF47-4F9A-B955-EB2887BC88ED}"/>
+                  <a16:creationId xmlns:a16="http://schemas.microsoft.com/office/drawing/2014/main" xmlns="" id="{5BDED342-DF47-4F9A-B955-EB2887BC88ED}"/>
                 </a:ext>
               </a:extLst>
             </p:cNvPr>
@@ -29281,7 +34646,7 @@
               <p:cNvPr id="77" name="Chevron 181">
                 <a:extLst>
                   <a:ext uri="{FF2B5EF4-FFF2-40B4-BE49-F238E27FC236}">
-                    <a16:creationId xmlns="" xmlns:a16="http://schemas.microsoft.com/office/drawing/2014/main" id="{1070B61D-8E6B-43EF-8430-24892B000525}"/>
+                    <a16:creationId xmlns:a16="http://schemas.microsoft.com/office/drawing/2014/main" xmlns="" id="{1070B61D-8E6B-43EF-8430-24892B000525}"/>
                   </a:ext>
                 </a:extLst>
               </p:cNvPr>
@@ -29331,7 +34696,7 @@
               <p:cNvPr id="78" name="Rectangle 77">
                 <a:extLst>
                   <a:ext uri="{FF2B5EF4-FFF2-40B4-BE49-F238E27FC236}">
-                    <a16:creationId xmlns="" xmlns:a16="http://schemas.microsoft.com/office/drawing/2014/main" id="{DFD96C01-E121-4117-84FA-EE95BB844198}"/>
+                    <a16:creationId xmlns:a16="http://schemas.microsoft.com/office/drawing/2014/main" xmlns="" id="{DFD96C01-E121-4117-84FA-EE95BB844198}"/>
                   </a:ext>
                 </a:extLst>
               </p:cNvPr>
@@ -29380,7 +34745,7 @@
           <p:cNvPr id="91" name="Groupe 90">
             <a:extLst>
               <a:ext uri="{FF2B5EF4-FFF2-40B4-BE49-F238E27FC236}">
-                <a16:creationId xmlns="" xmlns:a16="http://schemas.microsoft.com/office/drawing/2014/main" id="{17F3F0D3-23C5-45CD-B181-B456ABBB5089}"/>
+                <a16:creationId xmlns:a16="http://schemas.microsoft.com/office/drawing/2014/main" xmlns="" id="{17F3F0D3-23C5-45CD-B181-B456ABBB5089}"/>
               </a:ext>
             </a:extLst>
           </p:cNvPr>
@@ -29400,7 +34765,7 @@
             <p:cNvPr id="92" name="Groupe 91">
               <a:extLst>
                 <a:ext uri="{FF2B5EF4-FFF2-40B4-BE49-F238E27FC236}">
-                  <a16:creationId xmlns="" xmlns:a16="http://schemas.microsoft.com/office/drawing/2014/main" id="{C48ED8B1-BA99-4948-8595-47CB433E7C3A}"/>
+                  <a16:creationId xmlns:a16="http://schemas.microsoft.com/office/drawing/2014/main" xmlns="" id="{C48ED8B1-BA99-4948-8595-47CB433E7C3A}"/>
                 </a:ext>
               </a:extLst>
             </p:cNvPr>
@@ -29420,7 +34785,7 @@
               <p:cNvPr id="96" name="Groupe 95">
                 <a:extLst>
                   <a:ext uri="{FF2B5EF4-FFF2-40B4-BE49-F238E27FC236}">
-                    <a16:creationId xmlns="" xmlns:a16="http://schemas.microsoft.com/office/drawing/2014/main" id="{25CBD622-74C7-4A82-9FDE-4A2BAD12F32E}"/>
+                    <a16:creationId xmlns:a16="http://schemas.microsoft.com/office/drawing/2014/main" xmlns="" id="{25CBD622-74C7-4A82-9FDE-4A2BAD12F32E}"/>
                   </a:ext>
                 </a:extLst>
               </p:cNvPr>
@@ -29440,7 +34805,7 @@
                 <p:cNvPr id="106" name="Chevron 184">
                   <a:extLst>
                     <a:ext uri="{FF2B5EF4-FFF2-40B4-BE49-F238E27FC236}">
-                      <a16:creationId xmlns="" xmlns:a16="http://schemas.microsoft.com/office/drawing/2014/main" id="{2A4144C6-4235-46DB-81D0-82DF827AD946}"/>
+                      <a16:creationId xmlns:a16="http://schemas.microsoft.com/office/drawing/2014/main" xmlns="" id="{2A4144C6-4235-46DB-81D0-82DF827AD946}"/>
                     </a:ext>
                   </a:extLst>
                 </p:cNvPr>
@@ -29490,7 +34855,7 @@
                 <p:cNvPr id="107" name="Rectangle 106">
                   <a:extLst>
                     <a:ext uri="{FF2B5EF4-FFF2-40B4-BE49-F238E27FC236}">
-                      <a16:creationId xmlns="" xmlns:a16="http://schemas.microsoft.com/office/drawing/2014/main" id="{6CF36787-137A-4551-84C9-38570AD213A3}"/>
+                      <a16:creationId xmlns:a16="http://schemas.microsoft.com/office/drawing/2014/main" xmlns="" id="{6CF36787-137A-4551-84C9-38570AD213A3}"/>
                     </a:ext>
                   </a:extLst>
                 </p:cNvPr>
@@ -29538,7 +34903,7 @@
               <p:cNvPr id="97" name="Groupe 96">
                 <a:extLst>
                   <a:ext uri="{FF2B5EF4-FFF2-40B4-BE49-F238E27FC236}">
-                    <a16:creationId xmlns="" xmlns:a16="http://schemas.microsoft.com/office/drawing/2014/main" id="{2E616337-BB6B-45A2-8163-A1652452118C}"/>
+                    <a16:creationId xmlns:a16="http://schemas.microsoft.com/office/drawing/2014/main" xmlns="" id="{2E616337-BB6B-45A2-8163-A1652452118C}"/>
                   </a:ext>
                 </a:extLst>
               </p:cNvPr>
@@ -29558,7 +34923,7 @@
                 <p:cNvPr id="103" name="Chevron 181">
                   <a:extLst>
                     <a:ext uri="{FF2B5EF4-FFF2-40B4-BE49-F238E27FC236}">
-                      <a16:creationId xmlns="" xmlns:a16="http://schemas.microsoft.com/office/drawing/2014/main" id="{C3FDFFDD-65D6-4312-B0CA-57B463C6FB82}"/>
+                      <a16:creationId xmlns:a16="http://schemas.microsoft.com/office/drawing/2014/main" xmlns="" id="{C3FDFFDD-65D6-4312-B0CA-57B463C6FB82}"/>
                     </a:ext>
                   </a:extLst>
                 </p:cNvPr>
@@ -29608,7 +34973,7 @@
                 <p:cNvPr id="104" name="Rectangle 103">
                   <a:extLst>
                     <a:ext uri="{FF2B5EF4-FFF2-40B4-BE49-F238E27FC236}">
-                      <a16:creationId xmlns="" xmlns:a16="http://schemas.microsoft.com/office/drawing/2014/main" id="{A9E5BADC-6BA1-4AC5-A6B7-531B7B2B7AFD}"/>
+                      <a16:creationId xmlns:a16="http://schemas.microsoft.com/office/drawing/2014/main" xmlns="" id="{A9E5BADC-6BA1-4AC5-A6B7-531B7B2B7AFD}"/>
                     </a:ext>
                   </a:extLst>
                 </p:cNvPr>
@@ -29655,7 +35020,7 @@
                 <p:cNvPr id="105" name="Rectangle 104">
                   <a:extLst>
                     <a:ext uri="{FF2B5EF4-FFF2-40B4-BE49-F238E27FC236}">
-                      <a16:creationId xmlns="" xmlns:a16="http://schemas.microsoft.com/office/drawing/2014/main" id="{970B1975-9D51-4AC3-B5B3-5153D8C34557}"/>
+                      <a16:creationId xmlns:a16="http://schemas.microsoft.com/office/drawing/2014/main" xmlns="" id="{970B1975-9D51-4AC3-B5B3-5153D8C34557}"/>
                     </a:ext>
                   </a:extLst>
                 </p:cNvPr>
@@ -29700,7 +35065,7 @@
               <p:cNvPr id="98" name="Groupe 97">
                 <a:extLst>
                   <a:ext uri="{FF2B5EF4-FFF2-40B4-BE49-F238E27FC236}">
-                    <a16:creationId xmlns="" xmlns:a16="http://schemas.microsoft.com/office/drawing/2014/main" id="{9340A004-8E05-424D-8634-DB267649A5F5}"/>
+                    <a16:creationId xmlns:a16="http://schemas.microsoft.com/office/drawing/2014/main" xmlns="" id="{9340A004-8E05-424D-8634-DB267649A5F5}"/>
                   </a:ext>
                 </a:extLst>
               </p:cNvPr>
@@ -29720,7 +35085,7 @@
                 <p:cNvPr id="99" name="Groupe 98">
                   <a:extLst>
                     <a:ext uri="{FF2B5EF4-FFF2-40B4-BE49-F238E27FC236}">
-                      <a16:creationId xmlns="" xmlns:a16="http://schemas.microsoft.com/office/drawing/2014/main" id="{09F20627-7421-4CC8-977B-2A703BC19EFC}"/>
+                      <a16:creationId xmlns:a16="http://schemas.microsoft.com/office/drawing/2014/main" xmlns="" id="{09F20627-7421-4CC8-977B-2A703BC19EFC}"/>
                     </a:ext>
                   </a:extLst>
                 </p:cNvPr>
@@ -29740,7 +35105,7 @@
                   <p:cNvPr id="101" name="Chevron 179">
                     <a:extLst>
                       <a:ext uri="{FF2B5EF4-FFF2-40B4-BE49-F238E27FC236}">
-                        <a16:creationId xmlns="" xmlns:a16="http://schemas.microsoft.com/office/drawing/2014/main" id="{45A8018B-7A5C-48D9-BBB8-DCB38F23D79F}"/>
+                        <a16:creationId xmlns:a16="http://schemas.microsoft.com/office/drawing/2014/main" xmlns="" id="{45A8018B-7A5C-48D9-BBB8-DCB38F23D79F}"/>
                       </a:ext>
                     </a:extLst>
                   </p:cNvPr>
@@ -29790,7 +35155,7 @@
                   <p:cNvPr id="102" name="Rectangle 101">
                     <a:extLst>
                       <a:ext uri="{FF2B5EF4-FFF2-40B4-BE49-F238E27FC236}">
-                        <a16:creationId xmlns="" xmlns:a16="http://schemas.microsoft.com/office/drawing/2014/main" id="{2AEAB818-4520-4146-8887-252B8A58E1A3}"/>
+                        <a16:creationId xmlns:a16="http://schemas.microsoft.com/office/drawing/2014/main" xmlns="" id="{2AEAB818-4520-4146-8887-252B8A58E1A3}"/>
                       </a:ext>
                     </a:extLst>
                   </p:cNvPr>
@@ -29838,7 +35203,7 @@
                 <p:cNvPr id="100" name="Rectangle 99">
                   <a:extLst>
                     <a:ext uri="{FF2B5EF4-FFF2-40B4-BE49-F238E27FC236}">
-                      <a16:creationId xmlns="" xmlns:a16="http://schemas.microsoft.com/office/drawing/2014/main" id="{1C46400A-8CFC-4335-A64A-811A3C7C8562}"/>
+                      <a16:creationId xmlns:a16="http://schemas.microsoft.com/office/drawing/2014/main" xmlns="" id="{1C46400A-8CFC-4335-A64A-811A3C7C8562}"/>
                     </a:ext>
                   </a:extLst>
                 </p:cNvPr>
@@ -29884,7 +35249,7 @@
             <p:cNvPr id="93" name="Groupe 92">
               <a:extLst>
                 <a:ext uri="{FF2B5EF4-FFF2-40B4-BE49-F238E27FC236}">
-                  <a16:creationId xmlns="" xmlns:a16="http://schemas.microsoft.com/office/drawing/2014/main" id="{31E7A2DC-4A4B-4E40-A3B1-19C3E4E0BF76}"/>
+                  <a16:creationId xmlns:a16="http://schemas.microsoft.com/office/drawing/2014/main" xmlns="" id="{31E7A2DC-4A4B-4E40-A3B1-19C3E4E0BF76}"/>
                 </a:ext>
               </a:extLst>
             </p:cNvPr>
@@ -29904,7 +35269,7 @@
               <p:cNvPr id="94" name="Chevron 181">
                 <a:extLst>
                   <a:ext uri="{FF2B5EF4-FFF2-40B4-BE49-F238E27FC236}">
-                    <a16:creationId xmlns="" xmlns:a16="http://schemas.microsoft.com/office/drawing/2014/main" id="{98A2BB87-41B0-4227-8DCF-4460658C4385}"/>
+                    <a16:creationId xmlns:a16="http://schemas.microsoft.com/office/drawing/2014/main" xmlns="" id="{98A2BB87-41B0-4227-8DCF-4460658C4385}"/>
                   </a:ext>
                 </a:extLst>
               </p:cNvPr>
@@ -29954,7 +35319,7 @@
               <p:cNvPr id="95" name="Rectangle 94">
                 <a:extLst>
                   <a:ext uri="{FF2B5EF4-FFF2-40B4-BE49-F238E27FC236}">
-                    <a16:creationId xmlns="" xmlns:a16="http://schemas.microsoft.com/office/drawing/2014/main" id="{68CEDC2E-F75F-4945-A591-4D74AA47A872}"/>
+                    <a16:creationId xmlns:a16="http://schemas.microsoft.com/office/drawing/2014/main" xmlns="" id="{68CEDC2E-F75F-4945-A591-4D74AA47A872}"/>
                   </a:ext>
                 </a:extLst>
               </p:cNvPr>
@@ -30003,7 +35368,7 @@
           <p:cNvPr id="108" name="Espace réservé du contenu 4">
             <a:extLst>
               <a:ext uri="{FF2B5EF4-FFF2-40B4-BE49-F238E27FC236}">
-                <a16:creationId xmlns="" xmlns:a16="http://schemas.microsoft.com/office/drawing/2014/main" id="{60D7FE11-2136-447F-AFC6-6E9AFCACCBAE}"/>
+                <a16:creationId xmlns:a16="http://schemas.microsoft.com/office/drawing/2014/main" xmlns="" id="{60D7FE11-2136-447F-AFC6-6E9AFCACCBAE}"/>
               </a:ext>
             </a:extLst>
           </p:cNvPr>
@@ -30257,7 +35622,7 @@
           <p:cNvPr id="126" name="Espace réservé du contenu 4">
             <a:extLst>
               <a:ext uri="{FF2B5EF4-FFF2-40B4-BE49-F238E27FC236}">
-                <a16:creationId xmlns="" xmlns:a16="http://schemas.microsoft.com/office/drawing/2014/main" id="{E0ECA4FB-A27A-4EF4-8C7D-5B9524C6BE3F}"/>
+                <a16:creationId xmlns:a16="http://schemas.microsoft.com/office/drawing/2014/main" xmlns="" id="{E0ECA4FB-A27A-4EF4-8C7D-5B9524C6BE3F}"/>
               </a:ext>
             </a:extLst>
           </p:cNvPr>
@@ -30489,7 +35854,7 @@
           <p:cNvPr id="156" name="Groupe 155">
             <a:extLst>
               <a:ext uri="{FF2B5EF4-FFF2-40B4-BE49-F238E27FC236}">
-                <a16:creationId xmlns="" xmlns:a16="http://schemas.microsoft.com/office/drawing/2014/main" id="{6E7214D1-80B3-424F-8CED-56E1F3C85FBE}"/>
+                <a16:creationId xmlns:a16="http://schemas.microsoft.com/office/drawing/2014/main" xmlns="" id="{6E7214D1-80B3-424F-8CED-56E1F3C85FBE}"/>
               </a:ext>
             </a:extLst>
           </p:cNvPr>
@@ -30509,7 +35874,7 @@
             <p:cNvPr id="132" name="Groupe 131">
               <a:extLst>
                 <a:ext uri="{FF2B5EF4-FFF2-40B4-BE49-F238E27FC236}">
-                  <a16:creationId xmlns="" xmlns:a16="http://schemas.microsoft.com/office/drawing/2014/main" id="{A6BFE50E-ABEE-40F4-9258-9C3B37D95C1A}"/>
+                  <a16:creationId xmlns:a16="http://schemas.microsoft.com/office/drawing/2014/main" xmlns="" id="{A6BFE50E-ABEE-40F4-9258-9C3B37D95C1A}"/>
                 </a:ext>
               </a:extLst>
             </p:cNvPr>
@@ -30529,7 +35894,7 @@
               <p:cNvPr id="142" name="Chevron 184">
                 <a:extLst>
                   <a:ext uri="{FF2B5EF4-FFF2-40B4-BE49-F238E27FC236}">
-                    <a16:creationId xmlns="" xmlns:a16="http://schemas.microsoft.com/office/drawing/2014/main" id="{060ADCA1-B048-4391-939D-CCC14D3E745E}"/>
+                    <a16:creationId xmlns:a16="http://schemas.microsoft.com/office/drawing/2014/main" xmlns="" id="{060ADCA1-B048-4391-939D-CCC14D3E745E}"/>
                   </a:ext>
                 </a:extLst>
               </p:cNvPr>
@@ -30579,7 +35944,7 @@
               <p:cNvPr id="143" name="Rectangle 142">
                 <a:extLst>
                   <a:ext uri="{FF2B5EF4-FFF2-40B4-BE49-F238E27FC236}">
-                    <a16:creationId xmlns="" xmlns:a16="http://schemas.microsoft.com/office/drawing/2014/main" id="{A692746D-F4E3-4388-A8FA-BB4A9C3B8D45}"/>
+                    <a16:creationId xmlns:a16="http://schemas.microsoft.com/office/drawing/2014/main" xmlns="" id="{A692746D-F4E3-4388-A8FA-BB4A9C3B8D45}"/>
                   </a:ext>
                 </a:extLst>
               </p:cNvPr>
@@ -30627,7 +35992,7 @@
             <p:cNvPr id="133" name="Groupe 132">
               <a:extLst>
                 <a:ext uri="{FF2B5EF4-FFF2-40B4-BE49-F238E27FC236}">
-                  <a16:creationId xmlns="" xmlns:a16="http://schemas.microsoft.com/office/drawing/2014/main" id="{DA07AC01-18D7-4482-BA61-0322FC131E05}"/>
+                  <a16:creationId xmlns:a16="http://schemas.microsoft.com/office/drawing/2014/main" xmlns="" id="{DA07AC01-18D7-4482-BA61-0322FC131E05}"/>
                 </a:ext>
               </a:extLst>
             </p:cNvPr>
@@ -30647,7 +36012,7 @@
               <p:cNvPr id="139" name="Chevron 181">
                 <a:extLst>
                   <a:ext uri="{FF2B5EF4-FFF2-40B4-BE49-F238E27FC236}">
-                    <a16:creationId xmlns="" xmlns:a16="http://schemas.microsoft.com/office/drawing/2014/main" id="{4FCC5054-5FDC-4322-8606-80F1EE94607C}"/>
+                    <a16:creationId xmlns:a16="http://schemas.microsoft.com/office/drawing/2014/main" xmlns="" id="{4FCC5054-5FDC-4322-8606-80F1EE94607C}"/>
                   </a:ext>
                 </a:extLst>
               </p:cNvPr>
@@ -30697,7 +36062,7 @@
               <p:cNvPr id="140" name="Rectangle 139">
                 <a:extLst>
                   <a:ext uri="{FF2B5EF4-FFF2-40B4-BE49-F238E27FC236}">
-                    <a16:creationId xmlns="" xmlns:a16="http://schemas.microsoft.com/office/drawing/2014/main" id="{C02523AE-FF50-4AE1-A7E7-A38B6123C54F}"/>
+                    <a16:creationId xmlns:a16="http://schemas.microsoft.com/office/drawing/2014/main" xmlns="" id="{C02523AE-FF50-4AE1-A7E7-A38B6123C54F}"/>
                   </a:ext>
                 </a:extLst>
               </p:cNvPr>
@@ -30744,7 +36109,7 @@
               <p:cNvPr id="141" name="Rectangle 140">
                 <a:extLst>
                   <a:ext uri="{FF2B5EF4-FFF2-40B4-BE49-F238E27FC236}">
-                    <a16:creationId xmlns="" xmlns:a16="http://schemas.microsoft.com/office/drawing/2014/main" id="{ED0FE0DB-058C-41A5-8ED9-4D4BE041A0D1}"/>
+                    <a16:creationId xmlns:a16="http://schemas.microsoft.com/office/drawing/2014/main" xmlns="" id="{ED0FE0DB-058C-41A5-8ED9-4D4BE041A0D1}"/>
                   </a:ext>
                 </a:extLst>
               </p:cNvPr>
@@ -30789,7 +36154,7 @@
             <p:cNvPr id="134" name="Groupe 133">
               <a:extLst>
                 <a:ext uri="{FF2B5EF4-FFF2-40B4-BE49-F238E27FC236}">
-                  <a16:creationId xmlns="" xmlns:a16="http://schemas.microsoft.com/office/drawing/2014/main" id="{30D18EFE-7523-425D-B741-410C7EFC7EEA}"/>
+                  <a16:creationId xmlns:a16="http://schemas.microsoft.com/office/drawing/2014/main" xmlns="" id="{30D18EFE-7523-425D-B741-410C7EFC7EEA}"/>
                 </a:ext>
               </a:extLst>
             </p:cNvPr>
@@ -30809,7 +36174,7 @@
               <p:cNvPr id="135" name="Groupe 134">
                 <a:extLst>
                   <a:ext uri="{FF2B5EF4-FFF2-40B4-BE49-F238E27FC236}">
-                    <a16:creationId xmlns="" xmlns:a16="http://schemas.microsoft.com/office/drawing/2014/main" id="{8607D004-D387-4B9A-8035-E29DB1803356}"/>
+                    <a16:creationId xmlns:a16="http://schemas.microsoft.com/office/drawing/2014/main" xmlns="" id="{8607D004-D387-4B9A-8035-E29DB1803356}"/>
                   </a:ext>
                 </a:extLst>
               </p:cNvPr>
@@ -30829,7 +36194,7 @@
                 <p:cNvPr id="137" name="Chevron 179">
                   <a:extLst>
                     <a:ext uri="{FF2B5EF4-FFF2-40B4-BE49-F238E27FC236}">
-                      <a16:creationId xmlns="" xmlns:a16="http://schemas.microsoft.com/office/drawing/2014/main" id="{D6F62799-2E13-447E-9A07-95F16FD66B3D}"/>
+                      <a16:creationId xmlns:a16="http://schemas.microsoft.com/office/drawing/2014/main" xmlns="" id="{D6F62799-2E13-447E-9A07-95F16FD66B3D}"/>
                     </a:ext>
                   </a:extLst>
                 </p:cNvPr>
@@ -30879,7 +36244,7 @@
                 <p:cNvPr id="138" name="Rectangle 137">
                   <a:extLst>
                     <a:ext uri="{FF2B5EF4-FFF2-40B4-BE49-F238E27FC236}">
-                      <a16:creationId xmlns="" xmlns:a16="http://schemas.microsoft.com/office/drawing/2014/main" id="{942291E3-BC16-4EAB-8372-037E05FC2ABF}"/>
+                      <a16:creationId xmlns:a16="http://schemas.microsoft.com/office/drawing/2014/main" xmlns="" id="{942291E3-BC16-4EAB-8372-037E05FC2ABF}"/>
                     </a:ext>
                   </a:extLst>
                 </p:cNvPr>
@@ -30927,7 +36292,7 @@
               <p:cNvPr id="136" name="Rectangle 135">
                 <a:extLst>
                   <a:ext uri="{FF2B5EF4-FFF2-40B4-BE49-F238E27FC236}">
-                    <a16:creationId xmlns="" xmlns:a16="http://schemas.microsoft.com/office/drawing/2014/main" id="{367E3550-F35B-4166-BBEE-8D7E67F86DBA}"/>
+                    <a16:creationId xmlns:a16="http://schemas.microsoft.com/office/drawing/2014/main" xmlns="" id="{367E3550-F35B-4166-BBEE-8D7E67F86DBA}"/>
                   </a:ext>
                 </a:extLst>
               </p:cNvPr>
@@ -30972,7 +36337,7 @@
             <p:cNvPr id="144" name="Groupe 143">
               <a:extLst>
                 <a:ext uri="{FF2B5EF4-FFF2-40B4-BE49-F238E27FC236}">
-                  <a16:creationId xmlns="" xmlns:a16="http://schemas.microsoft.com/office/drawing/2014/main" id="{0F80591A-1CC4-425A-B932-DBE18AFEF594}"/>
+                  <a16:creationId xmlns:a16="http://schemas.microsoft.com/office/drawing/2014/main" xmlns="" id="{0F80591A-1CC4-425A-B932-DBE18AFEF594}"/>
                 </a:ext>
               </a:extLst>
             </p:cNvPr>
@@ -30992,7 +36357,7 @@
               <p:cNvPr id="145" name="Chevron 184">
                 <a:extLst>
                   <a:ext uri="{FF2B5EF4-FFF2-40B4-BE49-F238E27FC236}">
-                    <a16:creationId xmlns="" xmlns:a16="http://schemas.microsoft.com/office/drawing/2014/main" id="{00811DAE-C41D-4CDC-9686-F289D7E36306}"/>
+                    <a16:creationId xmlns:a16="http://schemas.microsoft.com/office/drawing/2014/main" xmlns="" id="{00811DAE-C41D-4CDC-9686-F289D7E36306}"/>
                   </a:ext>
                 </a:extLst>
               </p:cNvPr>
@@ -31042,7 +36407,7 @@
               <p:cNvPr id="146" name="Rectangle 145">
                 <a:extLst>
                   <a:ext uri="{FF2B5EF4-FFF2-40B4-BE49-F238E27FC236}">
-                    <a16:creationId xmlns="" xmlns:a16="http://schemas.microsoft.com/office/drawing/2014/main" id="{0F0C62D7-7A92-4892-8E0E-7BE4D0CA5A6C}"/>
+                    <a16:creationId xmlns:a16="http://schemas.microsoft.com/office/drawing/2014/main" xmlns="" id="{0F0C62D7-7A92-4892-8E0E-7BE4D0CA5A6C}"/>
                   </a:ext>
                 </a:extLst>
               </p:cNvPr>
@@ -31090,7 +36455,7 @@
             <p:cNvPr id="147" name="Groupe 146">
               <a:extLst>
                 <a:ext uri="{FF2B5EF4-FFF2-40B4-BE49-F238E27FC236}">
-                  <a16:creationId xmlns="" xmlns:a16="http://schemas.microsoft.com/office/drawing/2014/main" id="{F76A4CF3-1975-456A-95FE-F8DF35C9D542}"/>
+                  <a16:creationId xmlns:a16="http://schemas.microsoft.com/office/drawing/2014/main" xmlns="" id="{F76A4CF3-1975-456A-95FE-F8DF35C9D542}"/>
                 </a:ext>
               </a:extLst>
             </p:cNvPr>
@@ -31110,7 +36475,7 @@
               <p:cNvPr id="148" name="Chevron 184">
                 <a:extLst>
                   <a:ext uri="{FF2B5EF4-FFF2-40B4-BE49-F238E27FC236}">
-                    <a16:creationId xmlns="" xmlns:a16="http://schemas.microsoft.com/office/drawing/2014/main" id="{4860BCAB-998B-4CB5-80AF-56355F42527B}"/>
+                    <a16:creationId xmlns:a16="http://schemas.microsoft.com/office/drawing/2014/main" xmlns="" id="{4860BCAB-998B-4CB5-80AF-56355F42527B}"/>
                   </a:ext>
                 </a:extLst>
               </p:cNvPr>
@@ -31160,7 +36525,7 @@
               <p:cNvPr id="149" name="Rectangle 148">
                 <a:extLst>
                   <a:ext uri="{FF2B5EF4-FFF2-40B4-BE49-F238E27FC236}">
-                    <a16:creationId xmlns="" xmlns:a16="http://schemas.microsoft.com/office/drawing/2014/main" id="{EB3A9658-097B-4D88-AA10-5CADDD7D7D28}"/>
+                    <a16:creationId xmlns:a16="http://schemas.microsoft.com/office/drawing/2014/main" xmlns="" id="{EB3A9658-097B-4D88-AA10-5CADDD7D7D28}"/>
                   </a:ext>
                 </a:extLst>
               </p:cNvPr>
@@ -31208,7 +36573,7 @@
             <p:cNvPr id="150" name="Groupe 149">
               <a:extLst>
                 <a:ext uri="{FF2B5EF4-FFF2-40B4-BE49-F238E27FC236}">
-                  <a16:creationId xmlns="" xmlns:a16="http://schemas.microsoft.com/office/drawing/2014/main" id="{038411FF-2CA7-40D7-A5AC-22731C19A6FA}"/>
+                  <a16:creationId xmlns:a16="http://schemas.microsoft.com/office/drawing/2014/main" xmlns="" id="{038411FF-2CA7-40D7-A5AC-22731C19A6FA}"/>
                 </a:ext>
               </a:extLst>
             </p:cNvPr>
@@ -31228,7 +36593,7 @@
               <p:cNvPr id="151" name="Chevron 184">
                 <a:extLst>
                   <a:ext uri="{FF2B5EF4-FFF2-40B4-BE49-F238E27FC236}">
-                    <a16:creationId xmlns="" xmlns:a16="http://schemas.microsoft.com/office/drawing/2014/main" id="{873B35CB-050E-446E-ADF7-343153489B34}"/>
+                    <a16:creationId xmlns:a16="http://schemas.microsoft.com/office/drawing/2014/main" xmlns="" id="{873B35CB-050E-446E-ADF7-343153489B34}"/>
                   </a:ext>
                 </a:extLst>
               </p:cNvPr>
@@ -31278,7 +36643,7 @@
               <p:cNvPr id="152" name="Rectangle 151">
                 <a:extLst>
                   <a:ext uri="{FF2B5EF4-FFF2-40B4-BE49-F238E27FC236}">
-                    <a16:creationId xmlns="" xmlns:a16="http://schemas.microsoft.com/office/drawing/2014/main" id="{7C37E744-A46A-4139-8FA3-6313D04339A3}"/>
+                    <a16:creationId xmlns:a16="http://schemas.microsoft.com/office/drawing/2014/main" xmlns="" id="{7C37E744-A46A-4139-8FA3-6313D04339A3}"/>
                   </a:ext>
                 </a:extLst>
               </p:cNvPr>
@@ -31326,7 +36691,7 @@
             <p:cNvPr id="153" name="Groupe 152">
               <a:extLst>
                 <a:ext uri="{FF2B5EF4-FFF2-40B4-BE49-F238E27FC236}">
-                  <a16:creationId xmlns="" xmlns:a16="http://schemas.microsoft.com/office/drawing/2014/main" id="{D375954A-451E-4A8D-B2E7-5959FD68C3BB}"/>
+                  <a16:creationId xmlns:a16="http://schemas.microsoft.com/office/drawing/2014/main" xmlns="" id="{D375954A-451E-4A8D-B2E7-5959FD68C3BB}"/>
                 </a:ext>
               </a:extLst>
             </p:cNvPr>
@@ -31346,7 +36711,7 @@
               <p:cNvPr id="154" name="Chevron 184">
                 <a:extLst>
                   <a:ext uri="{FF2B5EF4-FFF2-40B4-BE49-F238E27FC236}">
-                    <a16:creationId xmlns="" xmlns:a16="http://schemas.microsoft.com/office/drawing/2014/main" id="{D0565C31-EFE6-48CA-B604-9D0634DD9067}"/>
+                    <a16:creationId xmlns:a16="http://schemas.microsoft.com/office/drawing/2014/main" xmlns="" id="{D0565C31-EFE6-48CA-B604-9D0634DD9067}"/>
                   </a:ext>
                 </a:extLst>
               </p:cNvPr>
@@ -31396,7 +36761,7 @@
               <p:cNvPr id="155" name="Rectangle 154">
                 <a:extLst>
                   <a:ext uri="{FF2B5EF4-FFF2-40B4-BE49-F238E27FC236}">
-                    <a16:creationId xmlns="" xmlns:a16="http://schemas.microsoft.com/office/drawing/2014/main" id="{92F3A312-D8C0-4AE7-8FD1-A9A446C3DB6C}"/>
+                    <a16:creationId xmlns:a16="http://schemas.microsoft.com/office/drawing/2014/main" xmlns="" id="{92F3A312-D8C0-4AE7-8FD1-A9A446C3DB6C}"/>
                   </a:ext>
                 </a:extLst>
               </p:cNvPr>
@@ -31445,7 +36810,7 @@
           <p:cNvPr id="157" name="Image 156">
             <a:extLst>
               <a:ext uri="{FF2B5EF4-FFF2-40B4-BE49-F238E27FC236}">
-                <a16:creationId xmlns="" xmlns:a16="http://schemas.microsoft.com/office/drawing/2014/main" id="{649265A4-F60A-437A-817D-C460759ABDAC}"/>
+                <a16:creationId xmlns:a16="http://schemas.microsoft.com/office/drawing/2014/main" xmlns="" id="{649265A4-F60A-437A-817D-C460759ABDAC}"/>
               </a:ext>
             </a:extLst>
           </p:cNvPr>
@@ -31581,7 +36946,7 @@
           <p:cNvPr id="126" name="Espace réservé du contenu 4">
             <a:extLst>
               <a:ext uri="{FF2B5EF4-FFF2-40B4-BE49-F238E27FC236}">
-                <a16:creationId xmlns="" xmlns:a16="http://schemas.microsoft.com/office/drawing/2014/main" id="{E0ECA4FB-A27A-4EF4-8C7D-5B9524C6BE3F}"/>
+                <a16:creationId xmlns:a16="http://schemas.microsoft.com/office/drawing/2014/main" xmlns="" id="{E0ECA4FB-A27A-4EF4-8C7D-5B9524C6BE3F}"/>
               </a:ext>
             </a:extLst>
           </p:cNvPr>
@@ -31813,7 +37178,7 @@
           <p:cNvPr id="157" name="Image 156">
             <a:extLst>
               <a:ext uri="{FF2B5EF4-FFF2-40B4-BE49-F238E27FC236}">
-                <a16:creationId xmlns="" xmlns:a16="http://schemas.microsoft.com/office/drawing/2014/main" id="{649265A4-F60A-437A-817D-C460759ABDAC}"/>
+                <a16:creationId xmlns:a16="http://schemas.microsoft.com/office/drawing/2014/main" xmlns="" id="{649265A4-F60A-437A-817D-C460759ABDAC}"/>
               </a:ext>
             </a:extLst>
           </p:cNvPr>
@@ -31843,7 +37208,7 @@
           <p:cNvPr id="7" name="Espace réservé du contenu 6">
             <a:extLst>
               <a:ext uri="{FF2B5EF4-FFF2-40B4-BE49-F238E27FC236}">
-                <a16:creationId xmlns="" xmlns:a16="http://schemas.microsoft.com/office/drawing/2014/main" id="{DB2A2F5A-13F4-4B6B-B9B0-2031D32AD019}"/>
+                <a16:creationId xmlns:a16="http://schemas.microsoft.com/office/drawing/2014/main" xmlns="" id="{DB2A2F5A-13F4-4B6B-B9B0-2031D32AD019}"/>
               </a:ext>
             </a:extLst>
           </p:cNvPr>
@@ -31901,7 +37266,7 @@
           <p:cNvPr id="9" name="Groupe 8">
             <a:extLst>
               <a:ext uri="{FF2B5EF4-FFF2-40B4-BE49-F238E27FC236}">
-                <a16:creationId xmlns="" xmlns:a16="http://schemas.microsoft.com/office/drawing/2014/main" id="{536B939E-4EC3-4DC9-8186-A7D9B3034CF2}"/>
+                <a16:creationId xmlns:a16="http://schemas.microsoft.com/office/drawing/2014/main" xmlns="" id="{536B939E-4EC3-4DC9-8186-A7D9B3034CF2}"/>
               </a:ext>
             </a:extLst>
           </p:cNvPr>
@@ -31921,7 +37286,7 @@
             <p:cNvPr id="114" name="Groupe 113">
               <a:extLst>
                 <a:ext uri="{FF2B5EF4-FFF2-40B4-BE49-F238E27FC236}">
-                  <a16:creationId xmlns="" xmlns:a16="http://schemas.microsoft.com/office/drawing/2014/main" id="{C9A4DD3A-F434-47D5-AD2A-A0C9A0F9E46E}"/>
+                  <a16:creationId xmlns:a16="http://schemas.microsoft.com/office/drawing/2014/main" xmlns="" id="{C9A4DD3A-F434-47D5-AD2A-A0C9A0F9E46E}"/>
                 </a:ext>
               </a:extLst>
             </p:cNvPr>
@@ -31941,7 +37306,7 @@
               <p:cNvPr id="124" name="Chevron 184">
                 <a:extLst>
                   <a:ext uri="{FF2B5EF4-FFF2-40B4-BE49-F238E27FC236}">
-                    <a16:creationId xmlns="" xmlns:a16="http://schemas.microsoft.com/office/drawing/2014/main" id="{D4C18C82-27D2-4CB7-99C8-97F8CD29B99D}"/>
+                    <a16:creationId xmlns:a16="http://schemas.microsoft.com/office/drawing/2014/main" xmlns="" id="{D4C18C82-27D2-4CB7-99C8-97F8CD29B99D}"/>
                   </a:ext>
                 </a:extLst>
               </p:cNvPr>
@@ -31991,7 +37356,7 @@
               <p:cNvPr id="125" name="Rectangle 124">
                 <a:extLst>
                   <a:ext uri="{FF2B5EF4-FFF2-40B4-BE49-F238E27FC236}">
-                    <a16:creationId xmlns="" xmlns:a16="http://schemas.microsoft.com/office/drawing/2014/main" id="{33C13121-840B-49FA-BF30-BD54E2AB3157}"/>
+                    <a16:creationId xmlns:a16="http://schemas.microsoft.com/office/drawing/2014/main" xmlns="" id="{33C13121-840B-49FA-BF30-BD54E2AB3157}"/>
                   </a:ext>
                 </a:extLst>
               </p:cNvPr>
@@ -32039,7 +37404,7 @@
             <p:cNvPr id="115" name="Groupe 114">
               <a:extLst>
                 <a:ext uri="{FF2B5EF4-FFF2-40B4-BE49-F238E27FC236}">
-                  <a16:creationId xmlns="" xmlns:a16="http://schemas.microsoft.com/office/drawing/2014/main" id="{A61414D3-8BAF-4661-B8DD-838D7816C07E}"/>
+                  <a16:creationId xmlns:a16="http://schemas.microsoft.com/office/drawing/2014/main" xmlns="" id="{A61414D3-8BAF-4661-B8DD-838D7816C07E}"/>
                 </a:ext>
               </a:extLst>
             </p:cNvPr>
@@ -32059,7 +37424,7 @@
               <p:cNvPr id="121" name="Chevron 181">
                 <a:extLst>
                   <a:ext uri="{FF2B5EF4-FFF2-40B4-BE49-F238E27FC236}">
-                    <a16:creationId xmlns="" xmlns:a16="http://schemas.microsoft.com/office/drawing/2014/main" id="{4EABBEBD-32BF-4F8F-9CA5-C37626840FF4}"/>
+                    <a16:creationId xmlns:a16="http://schemas.microsoft.com/office/drawing/2014/main" xmlns="" id="{4EABBEBD-32BF-4F8F-9CA5-C37626840FF4}"/>
                   </a:ext>
                 </a:extLst>
               </p:cNvPr>
@@ -32109,7 +37474,7 @@
               <p:cNvPr id="122" name="Rectangle 121">
                 <a:extLst>
                   <a:ext uri="{FF2B5EF4-FFF2-40B4-BE49-F238E27FC236}">
-                    <a16:creationId xmlns="" xmlns:a16="http://schemas.microsoft.com/office/drawing/2014/main" id="{AE9C24A8-4F3A-43B0-ADE2-9CCB4B658FF6}"/>
+                    <a16:creationId xmlns:a16="http://schemas.microsoft.com/office/drawing/2014/main" xmlns="" id="{AE9C24A8-4F3A-43B0-ADE2-9CCB4B658FF6}"/>
                   </a:ext>
                 </a:extLst>
               </p:cNvPr>
@@ -32156,7 +37521,7 @@
               <p:cNvPr id="123" name="Rectangle 122">
                 <a:extLst>
                   <a:ext uri="{FF2B5EF4-FFF2-40B4-BE49-F238E27FC236}">
-                    <a16:creationId xmlns="" xmlns:a16="http://schemas.microsoft.com/office/drawing/2014/main" id="{55FFCF1D-B9D0-454A-BEFF-1E66B7875144}"/>
+                    <a16:creationId xmlns:a16="http://schemas.microsoft.com/office/drawing/2014/main" xmlns="" id="{55FFCF1D-B9D0-454A-BEFF-1E66B7875144}"/>
                   </a:ext>
                 </a:extLst>
               </p:cNvPr>
@@ -32201,7 +37566,7 @@
             <p:cNvPr id="116" name="Groupe 115">
               <a:extLst>
                 <a:ext uri="{FF2B5EF4-FFF2-40B4-BE49-F238E27FC236}">
-                  <a16:creationId xmlns="" xmlns:a16="http://schemas.microsoft.com/office/drawing/2014/main" id="{F3FFB96C-19DC-43CB-97B4-826FD6EAC44F}"/>
+                  <a16:creationId xmlns:a16="http://schemas.microsoft.com/office/drawing/2014/main" xmlns="" id="{F3FFB96C-19DC-43CB-97B4-826FD6EAC44F}"/>
                 </a:ext>
               </a:extLst>
             </p:cNvPr>
@@ -32221,7 +37586,7 @@
               <p:cNvPr id="117" name="Groupe 116">
                 <a:extLst>
                   <a:ext uri="{FF2B5EF4-FFF2-40B4-BE49-F238E27FC236}">
-                    <a16:creationId xmlns="" xmlns:a16="http://schemas.microsoft.com/office/drawing/2014/main" id="{A81A49A5-78C1-4051-8A78-70C08DACDC5D}"/>
+                    <a16:creationId xmlns:a16="http://schemas.microsoft.com/office/drawing/2014/main" xmlns="" id="{A81A49A5-78C1-4051-8A78-70C08DACDC5D}"/>
                   </a:ext>
                 </a:extLst>
               </p:cNvPr>
@@ -32241,7 +37606,7 @@
                 <p:cNvPr id="119" name="Chevron 179">
                   <a:extLst>
                     <a:ext uri="{FF2B5EF4-FFF2-40B4-BE49-F238E27FC236}">
-                      <a16:creationId xmlns="" xmlns:a16="http://schemas.microsoft.com/office/drawing/2014/main" id="{CDE422D4-A13E-4AC2-B431-A076E8006208}"/>
+                      <a16:creationId xmlns:a16="http://schemas.microsoft.com/office/drawing/2014/main" xmlns="" id="{CDE422D4-A13E-4AC2-B431-A076E8006208}"/>
                     </a:ext>
                   </a:extLst>
                 </p:cNvPr>
@@ -32291,7 +37656,7 @@
                 <p:cNvPr id="120" name="Rectangle 119">
                   <a:extLst>
                     <a:ext uri="{FF2B5EF4-FFF2-40B4-BE49-F238E27FC236}">
-                      <a16:creationId xmlns="" xmlns:a16="http://schemas.microsoft.com/office/drawing/2014/main" id="{232466EE-ED5F-49E5-B238-C3EECA4164DA}"/>
+                      <a16:creationId xmlns:a16="http://schemas.microsoft.com/office/drawing/2014/main" xmlns="" id="{232466EE-ED5F-49E5-B238-C3EECA4164DA}"/>
                     </a:ext>
                   </a:extLst>
                 </p:cNvPr>
@@ -32339,7 +37704,7 @@
               <p:cNvPr id="118" name="Rectangle 117">
                 <a:extLst>
                   <a:ext uri="{FF2B5EF4-FFF2-40B4-BE49-F238E27FC236}">
-                    <a16:creationId xmlns="" xmlns:a16="http://schemas.microsoft.com/office/drawing/2014/main" id="{E7C7902C-8361-43D6-80FA-93EC12535167}"/>
+                    <a16:creationId xmlns:a16="http://schemas.microsoft.com/office/drawing/2014/main" xmlns="" id="{E7C7902C-8361-43D6-80FA-93EC12535167}"/>
                   </a:ext>
                 </a:extLst>
               </p:cNvPr>
@@ -32384,7 +37749,7 @@
             <p:cNvPr id="127" name="Groupe 126">
               <a:extLst>
                 <a:ext uri="{FF2B5EF4-FFF2-40B4-BE49-F238E27FC236}">
-                  <a16:creationId xmlns="" xmlns:a16="http://schemas.microsoft.com/office/drawing/2014/main" id="{66AE943C-39FC-4313-822F-75A7D8C71A50}"/>
+                  <a16:creationId xmlns:a16="http://schemas.microsoft.com/office/drawing/2014/main" xmlns="" id="{66AE943C-39FC-4313-822F-75A7D8C71A50}"/>
                 </a:ext>
               </a:extLst>
             </p:cNvPr>
@@ -32404,7 +37769,7 @@
               <p:cNvPr id="128" name="Chevron 184">
                 <a:extLst>
                   <a:ext uri="{FF2B5EF4-FFF2-40B4-BE49-F238E27FC236}">
-                    <a16:creationId xmlns="" xmlns:a16="http://schemas.microsoft.com/office/drawing/2014/main" id="{08083D15-8586-4C86-B11B-FBDA5CF985B8}"/>
+                    <a16:creationId xmlns:a16="http://schemas.microsoft.com/office/drawing/2014/main" xmlns="" id="{08083D15-8586-4C86-B11B-FBDA5CF985B8}"/>
                   </a:ext>
                 </a:extLst>
               </p:cNvPr>
@@ -32454,7 +37819,7 @@
               <p:cNvPr id="129" name="Rectangle 128">
                 <a:extLst>
                   <a:ext uri="{FF2B5EF4-FFF2-40B4-BE49-F238E27FC236}">
-                    <a16:creationId xmlns="" xmlns:a16="http://schemas.microsoft.com/office/drawing/2014/main" id="{AEDA7288-2DDE-4829-B1AA-AA9C2E0CCE8C}"/>
+                    <a16:creationId xmlns:a16="http://schemas.microsoft.com/office/drawing/2014/main" xmlns="" id="{AEDA7288-2DDE-4829-B1AA-AA9C2E0CCE8C}"/>
                   </a:ext>
                 </a:extLst>
               </p:cNvPr>
@@ -32502,7 +37867,7 @@
             <p:cNvPr id="130" name="Groupe 129">
               <a:extLst>
                 <a:ext uri="{FF2B5EF4-FFF2-40B4-BE49-F238E27FC236}">
-                  <a16:creationId xmlns="" xmlns:a16="http://schemas.microsoft.com/office/drawing/2014/main" id="{9A13244F-CE74-4175-B165-D81B8FEF6D11}"/>
+                  <a16:creationId xmlns:a16="http://schemas.microsoft.com/office/drawing/2014/main" xmlns="" id="{9A13244F-CE74-4175-B165-D81B8FEF6D11}"/>
                 </a:ext>
               </a:extLst>
             </p:cNvPr>
@@ -32522,7 +37887,7 @@
               <p:cNvPr id="131" name="Chevron 184">
                 <a:extLst>
                   <a:ext uri="{FF2B5EF4-FFF2-40B4-BE49-F238E27FC236}">
-                    <a16:creationId xmlns="" xmlns:a16="http://schemas.microsoft.com/office/drawing/2014/main" id="{2D792480-A2FF-4222-9B04-A588C555A44A}"/>
+                    <a16:creationId xmlns:a16="http://schemas.microsoft.com/office/drawing/2014/main" xmlns="" id="{2D792480-A2FF-4222-9B04-A588C555A44A}"/>
                   </a:ext>
                 </a:extLst>
               </p:cNvPr>
@@ -32572,7 +37937,7 @@
               <p:cNvPr id="158" name="Rectangle 157">
                 <a:extLst>
                   <a:ext uri="{FF2B5EF4-FFF2-40B4-BE49-F238E27FC236}">
-                    <a16:creationId xmlns="" xmlns:a16="http://schemas.microsoft.com/office/drawing/2014/main" id="{0E0FF4D2-8C45-4A59-B77E-E224D1EEF8FB}"/>
+                    <a16:creationId xmlns:a16="http://schemas.microsoft.com/office/drawing/2014/main" xmlns="" id="{0E0FF4D2-8C45-4A59-B77E-E224D1EEF8FB}"/>
                   </a:ext>
                 </a:extLst>
               </p:cNvPr>
@@ -32621,7 +37986,7 @@
           <p:cNvPr id="159" name="Groupe 158">
             <a:extLst>
               <a:ext uri="{FF2B5EF4-FFF2-40B4-BE49-F238E27FC236}">
-                <a16:creationId xmlns="" xmlns:a16="http://schemas.microsoft.com/office/drawing/2014/main" id="{33970DFB-60CB-4B31-B928-1896A515DF87}"/>
+                <a16:creationId xmlns:a16="http://schemas.microsoft.com/office/drawing/2014/main" xmlns="" id="{33970DFB-60CB-4B31-B928-1896A515DF87}"/>
               </a:ext>
             </a:extLst>
           </p:cNvPr>
@@ -32641,7 +38006,7 @@
             <p:cNvPr id="160" name="Groupe 159">
               <a:extLst>
                 <a:ext uri="{FF2B5EF4-FFF2-40B4-BE49-F238E27FC236}">
-                  <a16:creationId xmlns="" xmlns:a16="http://schemas.microsoft.com/office/drawing/2014/main" id="{9BD63A40-7C0D-462F-9E1A-59A172A911F6}"/>
+                  <a16:creationId xmlns:a16="http://schemas.microsoft.com/office/drawing/2014/main" xmlns="" id="{9BD63A40-7C0D-462F-9E1A-59A172A911F6}"/>
                 </a:ext>
               </a:extLst>
             </p:cNvPr>
@@ -32661,7 +38026,7 @@
               <p:cNvPr id="176" name="Chevron 184">
                 <a:extLst>
                   <a:ext uri="{FF2B5EF4-FFF2-40B4-BE49-F238E27FC236}">
-                    <a16:creationId xmlns="" xmlns:a16="http://schemas.microsoft.com/office/drawing/2014/main" id="{DE1720F0-91B5-425E-8AAA-453791773973}"/>
+                    <a16:creationId xmlns:a16="http://schemas.microsoft.com/office/drawing/2014/main" xmlns="" id="{DE1720F0-91B5-425E-8AAA-453791773973}"/>
                   </a:ext>
                 </a:extLst>
               </p:cNvPr>
@@ -32711,7 +38076,7 @@
               <p:cNvPr id="177" name="Rectangle 176">
                 <a:extLst>
                   <a:ext uri="{FF2B5EF4-FFF2-40B4-BE49-F238E27FC236}">
-                    <a16:creationId xmlns="" xmlns:a16="http://schemas.microsoft.com/office/drawing/2014/main" id="{A443344C-E7D4-4703-997C-F204F87E6BFA}"/>
+                    <a16:creationId xmlns:a16="http://schemas.microsoft.com/office/drawing/2014/main" xmlns="" id="{A443344C-E7D4-4703-997C-F204F87E6BFA}"/>
                   </a:ext>
                 </a:extLst>
               </p:cNvPr>
@@ -32759,7 +38124,7 @@
             <p:cNvPr id="161" name="Groupe 160">
               <a:extLst>
                 <a:ext uri="{FF2B5EF4-FFF2-40B4-BE49-F238E27FC236}">
-                  <a16:creationId xmlns="" xmlns:a16="http://schemas.microsoft.com/office/drawing/2014/main" id="{AC690727-5AE5-4E0B-A752-21ACF4690BD3}"/>
+                  <a16:creationId xmlns:a16="http://schemas.microsoft.com/office/drawing/2014/main" xmlns="" id="{AC690727-5AE5-4E0B-A752-21ACF4690BD3}"/>
                 </a:ext>
               </a:extLst>
             </p:cNvPr>
@@ -32779,7 +38144,7 @@
               <p:cNvPr id="173" name="Chevron 181">
                 <a:extLst>
                   <a:ext uri="{FF2B5EF4-FFF2-40B4-BE49-F238E27FC236}">
-                    <a16:creationId xmlns="" xmlns:a16="http://schemas.microsoft.com/office/drawing/2014/main" id="{DA9AA604-DD50-4B12-BCDA-2514FFFCC53C}"/>
+                    <a16:creationId xmlns:a16="http://schemas.microsoft.com/office/drawing/2014/main" xmlns="" id="{DA9AA604-DD50-4B12-BCDA-2514FFFCC53C}"/>
                   </a:ext>
                 </a:extLst>
               </p:cNvPr>
@@ -32829,7 +38194,7 @@
               <p:cNvPr id="174" name="Rectangle 173">
                 <a:extLst>
                   <a:ext uri="{FF2B5EF4-FFF2-40B4-BE49-F238E27FC236}">
-                    <a16:creationId xmlns="" xmlns:a16="http://schemas.microsoft.com/office/drawing/2014/main" id="{9C116F8B-6D0B-43AC-96A1-3C82DB95CDEF}"/>
+                    <a16:creationId xmlns:a16="http://schemas.microsoft.com/office/drawing/2014/main" xmlns="" id="{9C116F8B-6D0B-43AC-96A1-3C82DB95CDEF}"/>
                   </a:ext>
                 </a:extLst>
               </p:cNvPr>
@@ -32876,7 +38241,7 @@
               <p:cNvPr id="175" name="Rectangle 174">
                 <a:extLst>
                   <a:ext uri="{FF2B5EF4-FFF2-40B4-BE49-F238E27FC236}">
-                    <a16:creationId xmlns="" xmlns:a16="http://schemas.microsoft.com/office/drawing/2014/main" id="{CD8494DE-AA20-4CEA-B4BD-5F86E05798D5}"/>
+                    <a16:creationId xmlns:a16="http://schemas.microsoft.com/office/drawing/2014/main" xmlns="" id="{CD8494DE-AA20-4CEA-B4BD-5F86E05798D5}"/>
                   </a:ext>
                 </a:extLst>
               </p:cNvPr>
@@ -32921,7 +38286,7 @@
             <p:cNvPr id="162" name="Groupe 161">
               <a:extLst>
                 <a:ext uri="{FF2B5EF4-FFF2-40B4-BE49-F238E27FC236}">
-                  <a16:creationId xmlns="" xmlns:a16="http://schemas.microsoft.com/office/drawing/2014/main" id="{AF8609D3-E454-422B-96EE-EA19837A0128}"/>
+                  <a16:creationId xmlns:a16="http://schemas.microsoft.com/office/drawing/2014/main" xmlns="" id="{AF8609D3-E454-422B-96EE-EA19837A0128}"/>
                 </a:ext>
               </a:extLst>
             </p:cNvPr>
@@ -32941,7 +38306,7 @@
               <p:cNvPr id="169" name="Groupe 168">
                 <a:extLst>
                   <a:ext uri="{FF2B5EF4-FFF2-40B4-BE49-F238E27FC236}">
-                    <a16:creationId xmlns="" xmlns:a16="http://schemas.microsoft.com/office/drawing/2014/main" id="{28D36A66-525D-49C9-96EA-E239578742E3}"/>
+                    <a16:creationId xmlns:a16="http://schemas.microsoft.com/office/drawing/2014/main" xmlns="" id="{28D36A66-525D-49C9-96EA-E239578742E3}"/>
                   </a:ext>
                 </a:extLst>
               </p:cNvPr>
@@ -32961,7 +38326,7 @@
                 <p:cNvPr id="171" name="Chevron 179">
                   <a:extLst>
                     <a:ext uri="{FF2B5EF4-FFF2-40B4-BE49-F238E27FC236}">
-                      <a16:creationId xmlns="" xmlns:a16="http://schemas.microsoft.com/office/drawing/2014/main" id="{CD074C14-C84F-40D8-9D5F-0DC3BE6D3B58}"/>
+                      <a16:creationId xmlns:a16="http://schemas.microsoft.com/office/drawing/2014/main" xmlns="" id="{CD074C14-C84F-40D8-9D5F-0DC3BE6D3B58}"/>
                     </a:ext>
                   </a:extLst>
                 </p:cNvPr>
@@ -33011,7 +38376,7 @@
                 <p:cNvPr id="172" name="Rectangle 171">
                   <a:extLst>
                     <a:ext uri="{FF2B5EF4-FFF2-40B4-BE49-F238E27FC236}">
-                      <a16:creationId xmlns="" xmlns:a16="http://schemas.microsoft.com/office/drawing/2014/main" id="{1371C12B-3919-45C6-AC75-04204AEE862B}"/>
+                      <a16:creationId xmlns:a16="http://schemas.microsoft.com/office/drawing/2014/main" xmlns="" id="{1371C12B-3919-45C6-AC75-04204AEE862B}"/>
                     </a:ext>
                   </a:extLst>
                 </p:cNvPr>
@@ -33059,7 +38424,7 @@
               <p:cNvPr id="170" name="Rectangle 169">
                 <a:extLst>
                   <a:ext uri="{FF2B5EF4-FFF2-40B4-BE49-F238E27FC236}">
-                    <a16:creationId xmlns="" xmlns:a16="http://schemas.microsoft.com/office/drawing/2014/main" id="{17E2F57C-6E9D-46F1-8AB6-757ED5EF793E}"/>
+                    <a16:creationId xmlns:a16="http://schemas.microsoft.com/office/drawing/2014/main" xmlns="" id="{17E2F57C-6E9D-46F1-8AB6-757ED5EF793E}"/>
                   </a:ext>
                 </a:extLst>
               </p:cNvPr>
@@ -33104,7 +38469,7 @@
             <p:cNvPr id="163" name="Groupe 162">
               <a:extLst>
                 <a:ext uri="{FF2B5EF4-FFF2-40B4-BE49-F238E27FC236}">
-                  <a16:creationId xmlns="" xmlns:a16="http://schemas.microsoft.com/office/drawing/2014/main" id="{4F4A299C-AA64-40E0-AD20-E20FB8DEC0C8}"/>
+                  <a16:creationId xmlns:a16="http://schemas.microsoft.com/office/drawing/2014/main" xmlns="" id="{4F4A299C-AA64-40E0-AD20-E20FB8DEC0C8}"/>
                 </a:ext>
               </a:extLst>
             </p:cNvPr>
@@ -33124,7 +38489,7 @@
               <p:cNvPr id="167" name="Chevron 184">
                 <a:extLst>
                   <a:ext uri="{FF2B5EF4-FFF2-40B4-BE49-F238E27FC236}">
-                    <a16:creationId xmlns="" xmlns:a16="http://schemas.microsoft.com/office/drawing/2014/main" id="{F35CF838-A072-4261-98DC-CD06C1915C7F}"/>
+                    <a16:creationId xmlns:a16="http://schemas.microsoft.com/office/drawing/2014/main" xmlns="" id="{F35CF838-A072-4261-98DC-CD06C1915C7F}"/>
                   </a:ext>
                 </a:extLst>
               </p:cNvPr>
@@ -33174,7 +38539,7 @@
               <p:cNvPr id="168" name="Rectangle 167">
                 <a:extLst>
                   <a:ext uri="{FF2B5EF4-FFF2-40B4-BE49-F238E27FC236}">
-                    <a16:creationId xmlns="" xmlns:a16="http://schemas.microsoft.com/office/drawing/2014/main" id="{708E5A46-A52A-4907-8D30-A361432D9727}"/>
+                    <a16:creationId xmlns:a16="http://schemas.microsoft.com/office/drawing/2014/main" xmlns="" id="{708E5A46-A52A-4907-8D30-A361432D9727}"/>
                   </a:ext>
                 </a:extLst>
               </p:cNvPr>
@@ -33222,7 +38587,7 @@
             <p:cNvPr id="164" name="Groupe 163">
               <a:extLst>
                 <a:ext uri="{FF2B5EF4-FFF2-40B4-BE49-F238E27FC236}">
-                  <a16:creationId xmlns="" xmlns:a16="http://schemas.microsoft.com/office/drawing/2014/main" id="{BD9E69AA-8190-44F6-9F99-E059439D93B6}"/>
+                  <a16:creationId xmlns:a16="http://schemas.microsoft.com/office/drawing/2014/main" xmlns="" id="{BD9E69AA-8190-44F6-9F99-E059439D93B6}"/>
                 </a:ext>
               </a:extLst>
             </p:cNvPr>
@@ -33242,7 +38607,7 @@
               <p:cNvPr id="165" name="Chevron 184">
                 <a:extLst>
                   <a:ext uri="{FF2B5EF4-FFF2-40B4-BE49-F238E27FC236}">
-                    <a16:creationId xmlns="" xmlns:a16="http://schemas.microsoft.com/office/drawing/2014/main" id="{4A49DFA6-600C-4E2C-BECB-8F26509A2C04}"/>
+                    <a16:creationId xmlns:a16="http://schemas.microsoft.com/office/drawing/2014/main" xmlns="" id="{4A49DFA6-600C-4E2C-BECB-8F26509A2C04}"/>
                   </a:ext>
                 </a:extLst>
               </p:cNvPr>
@@ -33292,7 +38657,7 @@
               <p:cNvPr id="166" name="Rectangle 165">
                 <a:extLst>
                   <a:ext uri="{FF2B5EF4-FFF2-40B4-BE49-F238E27FC236}">
-                    <a16:creationId xmlns="" xmlns:a16="http://schemas.microsoft.com/office/drawing/2014/main" id="{CBD6F808-29C7-4635-984B-AB8B8118669A}"/>
+                    <a16:creationId xmlns:a16="http://schemas.microsoft.com/office/drawing/2014/main" xmlns="" id="{CBD6F808-29C7-4635-984B-AB8B8118669A}"/>
                   </a:ext>
                 </a:extLst>
               </p:cNvPr>
@@ -33341,7 +38706,7 @@
           <p:cNvPr id="178" name="Groupe 177">
             <a:extLst>
               <a:ext uri="{FF2B5EF4-FFF2-40B4-BE49-F238E27FC236}">
-                <a16:creationId xmlns="" xmlns:a16="http://schemas.microsoft.com/office/drawing/2014/main" id="{EE726740-5853-4A49-886D-C22E8B33E639}"/>
+                <a16:creationId xmlns:a16="http://schemas.microsoft.com/office/drawing/2014/main" xmlns="" id="{EE726740-5853-4A49-886D-C22E8B33E639}"/>
               </a:ext>
             </a:extLst>
           </p:cNvPr>
@@ -33361,7 +38726,7 @@
             <p:cNvPr id="179" name="Groupe 178">
               <a:extLst>
                 <a:ext uri="{FF2B5EF4-FFF2-40B4-BE49-F238E27FC236}">
-                  <a16:creationId xmlns="" xmlns:a16="http://schemas.microsoft.com/office/drawing/2014/main" id="{54CD7A7B-614E-477C-A1AB-997AA577A0C5}"/>
+                  <a16:creationId xmlns:a16="http://schemas.microsoft.com/office/drawing/2014/main" xmlns="" id="{54CD7A7B-614E-477C-A1AB-997AA577A0C5}"/>
                 </a:ext>
               </a:extLst>
             </p:cNvPr>
@@ -33381,7 +38746,7 @@
               <p:cNvPr id="195" name="Chevron 184">
                 <a:extLst>
                   <a:ext uri="{FF2B5EF4-FFF2-40B4-BE49-F238E27FC236}">
-                    <a16:creationId xmlns="" xmlns:a16="http://schemas.microsoft.com/office/drawing/2014/main" id="{44EF42D8-B4A0-4EF5-9060-35031FDBA049}"/>
+                    <a16:creationId xmlns:a16="http://schemas.microsoft.com/office/drawing/2014/main" xmlns="" id="{44EF42D8-B4A0-4EF5-9060-35031FDBA049}"/>
                   </a:ext>
                 </a:extLst>
               </p:cNvPr>
@@ -33431,7 +38796,7 @@
               <p:cNvPr id="196" name="Rectangle 195">
                 <a:extLst>
                   <a:ext uri="{FF2B5EF4-FFF2-40B4-BE49-F238E27FC236}">
-                    <a16:creationId xmlns="" xmlns:a16="http://schemas.microsoft.com/office/drawing/2014/main" id="{B6E2B9BA-77EF-4410-971D-DAC3D2EECE84}"/>
+                    <a16:creationId xmlns:a16="http://schemas.microsoft.com/office/drawing/2014/main" xmlns="" id="{B6E2B9BA-77EF-4410-971D-DAC3D2EECE84}"/>
                   </a:ext>
                 </a:extLst>
               </p:cNvPr>
@@ -33479,7 +38844,7 @@
             <p:cNvPr id="180" name="Groupe 179">
               <a:extLst>
                 <a:ext uri="{FF2B5EF4-FFF2-40B4-BE49-F238E27FC236}">
-                  <a16:creationId xmlns="" xmlns:a16="http://schemas.microsoft.com/office/drawing/2014/main" id="{A4D18A42-9AF2-4881-8762-52912450E9E2}"/>
+                  <a16:creationId xmlns:a16="http://schemas.microsoft.com/office/drawing/2014/main" xmlns="" id="{A4D18A42-9AF2-4881-8762-52912450E9E2}"/>
                 </a:ext>
               </a:extLst>
             </p:cNvPr>
@@ -33499,7 +38864,7 @@
               <p:cNvPr id="192" name="Chevron 181">
                 <a:extLst>
                   <a:ext uri="{FF2B5EF4-FFF2-40B4-BE49-F238E27FC236}">
-                    <a16:creationId xmlns="" xmlns:a16="http://schemas.microsoft.com/office/drawing/2014/main" id="{75A7E3F1-381B-4555-8385-0A871F66333C}"/>
+                    <a16:creationId xmlns:a16="http://schemas.microsoft.com/office/drawing/2014/main" xmlns="" id="{75A7E3F1-381B-4555-8385-0A871F66333C}"/>
                   </a:ext>
                 </a:extLst>
               </p:cNvPr>
@@ -33549,7 +38914,7 @@
               <p:cNvPr id="193" name="Rectangle 192">
                 <a:extLst>
                   <a:ext uri="{FF2B5EF4-FFF2-40B4-BE49-F238E27FC236}">
-                    <a16:creationId xmlns="" xmlns:a16="http://schemas.microsoft.com/office/drawing/2014/main" id="{EC039605-027A-4188-BBAF-B4A8B1B270F5}"/>
+                    <a16:creationId xmlns:a16="http://schemas.microsoft.com/office/drawing/2014/main" xmlns="" id="{EC039605-027A-4188-BBAF-B4A8B1B270F5}"/>
                   </a:ext>
                 </a:extLst>
               </p:cNvPr>
@@ -33596,7 +38961,7 @@
               <p:cNvPr id="194" name="Rectangle 193">
                 <a:extLst>
                   <a:ext uri="{FF2B5EF4-FFF2-40B4-BE49-F238E27FC236}">
-                    <a16:creationId xmlns="" xmlns:a16="http://schemas.microsoft.com/office/drawing/2014/main" id="{24B3C0C1-8C19-453C-81CD-F46A426E190B}"/>
+                    <a16:creationId xmlns:a16="http://schemas.microsoft.com/office/drawing/2014/main" xmlns="" id="{24B3C0C1-8C19-453C-81CD-F46A426E190B}"/>
                   </a:ext>
                 </a:extLst>
               </p:cNvPr>
@@ -33641,7 +39006,7 @@
             <p:cNvPr id="181" name="Groupe 180">
               <a:extLst>
                 <a:ext uri="{FF2B5EF4-FFF2-40B4-BE49-F238E27FC236}">
-                  <a16:creationId xmlns="" xmlns:a16="http://schemas.microsoft.com/office/drawing/2014/main" id="{5E8CF3A9-5A64-4E0D-BC6B-6B003455C1DE}"/>
+                  <a16:creationId xmlns:a16="http://schemas.microsoft.com/office/drawing/2014/main" xmlns="" id="{5E8CF3A9-5A64-4E0D-BC6B-6B003455C1DE}"/>
                 </a:ext>
               </a:extLst>
             </p:cNvPr>
@@ -33661,7 +39026,7 @@
               <p:cNvPr id="188" name="Groupe 187">
                 <a:extLst>
                   <a:ext uri="{FF2B5EF4-FFF2-40B4-BE49-F238E27FC236}">
-                    <a16:creationId xmlns="" xmlns:a16="http://schemas.microsoft.com/office/drawing/2014/main" id="{7C715C9A-13A3-4CE2-87DD-9859B3A9C4AB}"/>
+                    <a16:creationId xmlns:a16="http://schemas.microsoft.com/office/drawing/2014/main" xmlns="" id="{7C715C9A-13A3-4CE2-87DD-9859B3A9C4AB}"/>
                   </a:ext>
                 </a:extLst>
               </p:cNvPr>
@@ -33681,7 +39046,7 @@
                 <p:cNvPr id="190" name="Chevron 179">
                   <a:extLst>
                     <a:ext uri="{FF2B5EF4-FFF2-40B4-BE49-F238E27FC236}">
-                      <a16:creationId xmlns="" xmlns:a16="http://schemas.microsoft.com/office/drawing/2014/main" id="{325CEDAD-2B0F-4003-8168-8420E24BF83E}"/>
+                      <a16:creationId xmlns:a16="http://schemas.microsoft.com/office/drawing/2014/main" xmlns="" id="{325CEDAD-2B0F-4003-8168-8420E24BF83E}"/>
                     </a:ext>
                   </a:extLst>
                 </p:cNvPr>
@@ -33731,7 +39096,7 @@
                 <p:cNvPr id="191" name="Rectangle 190">
                   <a:extLst>
                     <a:ext uri="{FF2B5EF4-FFF2-40B4-BE49-F238E27FC236}">
-                      <a16:creationId xmlns="" xmlns:a16="http://schemas.microsoft.com/office/drawing/2014/main" id="{BCC64859-7FDA-4F9E-B4FA-54904F962E82}"/>
+                      <a16:creationId xmlns:a16="http://schemas.microsoft.com/office/drawing/2014/main" xmlns="" id="{BCC64859-7FDA-4F9E-B4FA-54904F962E82}"/>
                     </a:ext>
                   </a:extLst>
                 </p:cNvPr>
@@ -33779,7 +39144,7 @@
               <p:cNvPr id="189" name="Rectangle 188">
                 <a:extLst>
                   <a:ext uri="{FF2B5EF4-FFF2-40B4-BE49-F238E27FC236}">
-                    <a16:creationId xmlns="" xmlns:a16="http://schemas.microsoft.com/office/drawing/2014/main" id="{48CCF4FF-D989-404B-B7D1-737238AF654B}"/>
+                    <a16:creationId xmlns:a16="http://schemas.microsoft.com/office/drawing/2014/main" xmlns="" id="{48CCF4FF-D989-404B-B7D1-737238AF654B}"/>
                   </a:ext>
                 </a:extLst>
               </p:cNvPr>
@@ -33824,7 +39189,7 @@
             <p:cNvPr id="182" name="Groupe 181">
               <a:extLst>
                 <a:ext uri="{FF2B5EF4-FFF2-40B4-BE49-F238E27FC236}">
-                  <a16:creationId xmlns="" xmlns:a16="http://schemas.microsoft.com/office/drawing/2014/main" id="{F16FCC4E-916E-4FA2-B3E1-3D8F1E62A50B}"/>
+                  <a16:creationId xmlns:a16="http://schemas.microsoft.com/office/drawing/2014/main" xmlns="" id="{F16FCC4E-916E-4FA2-B3E1-3D8F1E62A50B}"/>
                 </a:ext>
               </a:extLst>
             </p:cNvPr>
@@ -33844,7 +39209,7 @@
               <p:cNvPr id="186" name="Chevron 184">
                 <a:extLst>
                   <a:ext uri="{FF2B5EF4-FFF2-40B4-BE49-F238E27FC236}">
-                    <a16:creationId xmlns="" xmlns:a16="http://schemas.microsoft.com/office/drawing/2014/main" id="{1B986730-A297-42A8-A8EC-EEAE39F2C590}"/>
+                    <a16:creationId xmlns:a16="http://schemas.microsoft.com/office/drawing/2014/main" xmlns="" id="{1B986730-A297-42A8-A8EC-EEAE39F2C590}"/>
                   </a:ext>
                 </a:extLst>
               </p:cNvPr>
@@ -33894,7 +39259,7 @@
               <p:cNvPr id="187" name="Rectangle 186">
                 <a:extLst>
                   <a:ext uri="{FF2B5EF4-FFF2-40B4-BE49-F238E27FC236}">
-                    <a16:creationId xmlns="" xmlns:a16="http://schemas.microsoft.com/office/drawing/2014/main" id="{BDE4ABAE-5B28-48BE-AF24-F64682FD4F19}"/>
+                    <a16:creationId xmlns:a16="http://schemas.microsoft.com/office/drawing/2014/main" xmlns="" id="{BDE4ABAE-5B28-48BE-AF24-F64682FD4F19}"/>
                   </a:ext>
                 </a:extLst>
               </p:cNvPr>
@@ -33942,7 +39307,7 @@
             <p:cNvPr id="183" name="Groupe 182">
               <a:extLst>
                 <a:ext uri="{FF2B5EF4-FFF2-40B4-BE49-F238E27FC236}">
-                  <a16:creationId xmlns="" xmlns:a16="http://schemas.microsoft.com/office/drawing/2014/main" id="{CF8D83B9-EE96-4F36-8314-13B9AF804E1E}"/>
+                  <a16:creationId xmlns:a16="http://schemas.microsoft.com/office/drawing/2014/main" xmlns="" id="{CF8D83B9-EE96-4F36-8314-13B9AF804E1E}"/>
                 </a:ext>
               </a:extLst>
             </p:cNvPr>
@@ -33962,7 +39327,7 @@
               <p:cNvPr id="184" name="Chevron 184">
                 <a:extLst>
                   <a:ext uri="{FF2B5EF4-FFF2-40B4-BE49-F238E27FC236}">
-                    <a16:creationId xmlns="" xmlns:a16="http://schemas.microsoft.com/office/drawing/2014/main" id="{69D93EE8-761E-4FC6-A40B-41C19ED50BB8}"/>
+                    <a16:creationId xmlns:a16="http://schemas.microsoft.com/office/drawing/2014/main" xmlns="" id="{69D93EE8-761E-4FC6-A40B-41C19ED50BB8}"/>
                   </a:ext>
                 </a:extLst>
               </p:cNvPr>
@@ -34012,7 +39377,7 @@
               <p:cNvPr id="185" name="Rectangle 184">
                 <a:extLst>
                   <a:ext uri="{FF2B5EF4-FFF2-40B4-BE49-F238E27FC236}">
-                    <a16:creationId xmlns="" xmlns:a16="http://schemas.microsoft.com/office/drawing/2014/main" id="{15A4F52D-D327-4138-8017-DA7288805A11}"/>
+                    <a16:creationId xmlns:a16="http://schemas.microsoft.com/office/drawing/2014/main" xmlns="" id="{15A4F52D-D327-4138-8017-DA7288805A11}"/>
                   </a:ext>
                 </a:extLst>
               </p:cNvPr>
@@ -34061,7 +39426,7 @@
           <p:cNvPr id="197" name="Groupe 196">
             <a:extLst>
               <a:ext uri="{FF2B5EF4-FFF2-40B4-BE49-F238E27FC236}">
-                <a16:creationId xmlns="" xmlns:a16="http://schemas.microsoft.com/office/drawing/2014/main" id="{870C8519-EAC6-43F0-85C2-C8344619B720}"/>
+                <a16:creationId xmlns:a16="http://schemas.microsoft.com/office/drawing/2014/main" xmlns="" id="{870C8519-EAC6-43F0-85C2-C8344619B720}"/>
               </a:ext>
             </a:extLst>
           </p:cNvPr>
@@ -34081,7 +39446,7 @@
             <p:cNvPr id="198" name="Groupe 197">
               <a:extLst>
                 <a:ext uri="{FF2B5EF4-FFF2-40B4-BE49-F238E27FC236}">
-                  <a16:creationId xmlns="" xmlns:a16="http://schemas.microsoft.com/office/drawing/2014/main" id="{3592F38C-6FF7-42BE-87B4-03159EF7F194}"/>
+                  <a16:creationId xmlns:a16="http://schemas.microsoft.com/office/drawing/2014/main" xmlns="" id="{3592F38C-6FF7-42BE-87B4-03159EF7F194}"/>
                 </a:ext>
               </a:extLst>
             </p:cNvPr>
@@ -34101,7 +39466,7 @@
               <p:cNvPr id="214" name="Chevron 184">
                 <a:extLst>
                   <a:ext uri="{FF2B5EF4-FFF2-40B4-BE49-F238E27FC236}">
-                    <a16:creationId xmlns="" xmlns:a16="http://schemas.microsoft.com/office/drawing/2014/main" id="{DCE12F21-E636-4779-B429-000C57D9F713}"/>
+                    <a16:creationId xmlns:a16="http://schemas.microsoft.com/office/drawing/2014/main" xmlns="" id="{DCE12F21-E636-4779-B429-000C57D9F713}"/>
                   </a:ext>
                 </a:extLst>
               </p:cNvPr>
@@ -34151,7 +39516,7 @@
               <p:cNvPr id="215" name="Rectangle 214">
                 <a:extLst>
                   <a:ext uri="{FF2B5EF4-FFF2-40B4-BE49-F238E27FC236}">
-                    <a16:creationId xmlns="" xmlns:a16="http://schemas.microsoft.com/office/drawing/2014/main" id="{9FF54DF4-193F-4491-8F49-E262C5D6DE66}"/>
+                    <a16:creationId xmlns:a16="http://schemas.microsoft.com/office/drawing/2014/main" xmlns="" id="{9FF54DF4-193F-4491-8F49-E262C5D6DE66}"/>
                   </a:ext>
                 </a:extLst>
               </p:cNvPr>
@@ -34199,7 +39564,7 @@
             <p:cNvPr id="199" name="Groupe 198">
               <a:extLst>
                 <a:ext uri="{FF2B5EF4-FFF2-40B4-BE49-F238E27FC236}">
-                  <a16:creationId xmlns="" xmlns:a16="http://schemas.microsoft.com/office/drawing/2014/main" id="{14FC723C-29C9-4B4C-ACAA-9329910116E9}"/>
+                  <a16:creationId xmlns:a16="http://schemas.microsoft.com/office/drawing/2014/main" xmlns="" id="{14FC723C-29C9-4B4C-ACAA-9329910116E9}"/>
                 </a:ext>
               </a:extLst>
             </p:cNvPr>
@@ -34219,7 +39584,7 @@
               <p:cNvPr id="211" name="Chevron 181">
                 <a:extLst>
                   <a:ext uri="{FF2B5EF4-FFF2-40B4-BE49-F238E27FC236}">
-                    <a16:creationId xmlns="" xmlns:a16="http://schemas.microsoft.com/office/drawing/2014/main" id="{DEC6596A-AC05-47E1-91B9-16D64012EEB9}"/>
+                    <a16:creationId xmlns:a16="http://schemas.microsoft.com/office/drawing/2014/main" xmlns="" id="{DEC6596A-AC05-47E1-91B9-16D64012EEB9}"/>
                   </a:ext>
                 </a:extLst>
               </p:cNvPr>
@@ -34269,7 +39634,7 @@
               <p:cNvPr id="212" name="Rectangle 211">
                 <a:extLst>
                   <a:ext uri="{FF2B5EF4-FFF2-40B4-BE49-F238E27FC236}">
-                    <a16:creationId xmlns="" xmlns:a16="http://schemas.microsoft.com/office/drawing/2014/main" id="{A59E242B-1442-439B-9168-576E8499B45D}"/>
+                    <a16:creationId xmlns:a16="http://schemas.microsoft.com/office/drawing/2014/main" xmlns="" id="{A59E242B-1442-439B-9168-576E8499B45D}"/>
                   </a:ext>
                 </a:extLst>
               </p:cNvPr>
@@ -34316,7 +39681,7 @@
               <p:cNvPr id="213" name="Rectangle 212">
                 <a:extLst>
                   <a:ext uri="{FF2B5EF4-FFF2-40B4-BE49-F238E27FC236}">
-                    <a16:creationId xmlns="" xmlns:a16="http://schemas.microsoft.com/office/drawing/2014/main" id="{C9E36343-2405-4A22-B410-2BE0334B1DEA}"/>
+                    <a16:creationId xmlns:a16="http://schemas.microsoft.com/office/drawing/2014/main" xmlns="" id="{C9E36343-2405-4A22-B410-2BE0334B1DEA}"/>
                   </a:ext>
                 </a:extLst>
               </p:cNvPr>
@@ -34361,7 +39726,7 @@
             <p:cNvPr id="200" name="Groupe 199">
               <a:extLst>
                 <a:ext uri="{FF2B5EF4-FFF2-40B4-BE49-F238E27FC236}">
-                  <a16:creationId xmlns="" xmlns:a16="http://schemas.microsoft.com/office/drawing/2014/main" id="{631AAFF0-1ED1-4F4B-815B-53744929EBDB}"/>
+                  <a16:creationId xmlns:a16="http://schemas.microsoft.com/office/drawing/2014/main" xmlns="" id="{631AAFF0-1ED1-4F4B-815B-53744929EBDB}"/>
                 </a:ext>
               </a:extLst>
             </p:cNvPr>
@@ -34381,7 +39746,7 @@
               <p:cNvPr id="207" name="Groupe 206">
                 <a:extLst>
                   <a:ext uri="{FF2B5EF4-FFF2-40B4-BE49-F238E27FC236}">
-                    <a16:creationId xmlns="" xmlns:a16="http://schemas.microsoft.com/office/drawing/2014/main" id="{A8555EE5-E7E4-4DF9-BF70-57526435B48C}"/>
+                    <a16:creationId xmlns:a16="http://schemas.microsoft.com/office/drawing/2014/main" xmlns="" id="{A8555EE5-E7E4-4DF9-BF70-57526435B48C}"/>
                   </a:ext>
                 </a:extLst>
               </p:cNvPr>
@@ -34401,7 +39766,7 @@
                 <p:cNvPr id="209" name="Chevron 179">
                   <a:extLst>
                     <a:ext uri="{FF2B5EF4-FFF2-40B4-BE49-F238E27FC236}">
-                      <a16:creationId xmlns="" xmlns:a16="http://schemas.microsoft.com/office/drawing/2014/main" id="{A247C88C-2C20-4499-9B6D-3EFA423CEC48}"/>
+                      <a16:creationId xmlns:a16="http://schemas.microsoft.com/office/drawing/2014/main" xmlns="" id="{A247C88C-2C20-4499-9B6D-3EFA423CEC48}"/>
                     </a:ext>
                   </a:extLst>
                 </p:cNvPr>
@@ -34451,7 +39816,7 @@
                 <p:cNvPr id="210" name="Rectangle 209">
                   <a:extLst>
                     <a:ext uri="{FF2B5EF4-FFF2-40B4-BE49-F238E27FC236}">
-                      <a16:creationId xmlns="" xmlns:a16="http://schemas.microsoft.com/office/drawing/2014/main" id="{166BC918-B6CE-4023-88C6-848E166B014D}"/>
+                      <a16:creationId xmlns:a16="http://schemas.microsoft.com/office/drawing/2014/main" xmlns="" id="{166BC918-B6CE-4023-88C6-848E166B014D}"/>
                     </a:ext>
                   </a:extLst>
                 </p:cNvPr>
@@ -34499,7 +39864,7 @@
               <p:cNvPr id="208" name="Rectangle 207">
                 <a:extLst>
                   <a:ext uri="{FF2B5EF4-FFF2-40B4-BE49-F238E27FC236}">
-                    <a16:creationId xmlns="" xmlns:a16="http://schemas.microsoft.com/office/drawing/2014/main" id="{2D11BD0B-266A-44E7-85B6-3E363B62ED35}"/>
+                    <a16:creationId xmlns:a16="http://schemas.microsoft.com/office/drawing/2014/main" xmlns="" id="{2D11BD0B-266A-44E7-85B6-3E363B62ED35}"/>
                   </a:ext>
                 </a:extLst>
               </p:cNvPr>
@@ -34544,7 +39909,7 @@
             <p:cNvPr id="201" name="Groupe 200">
               <a:extLst>
                 <a:ext uri="{FF2B5EF4-FFF2-40B4-BE49-F238E27FC236}">
-                  <a16:creationId xmlns="" xmlns:a16="http://schemas.microsoft.com/office/drawing/2014/main" id="{3CF55348-05E8-4578-B6D7-4EFD5F1FABE9}"/>
+                  <a16:creationId xmlns:a16="http://schemas.microsoft.com/office/drawing/2014/main" xmlns="" id="{3CF55348-05E8-4578-B6D7-4EFD5F1FABE9}"/>
                 </a:ext>
               </a:extLst>
             </p:cNvPr>
@@ -34564,7 +39929,7 @@
               <p:cNvPr id="205" name="Chevron 184">
                 <a:extLst>
                   <a:ext uri="{FF2B5EF4-FFF2-40B4-BE49-F238E27FC236}">
-                    <a16:creationId xmlns="" xmlns:a16="http://schemas.microsoft.com/office/drawing/2014/main" id="{FD04B26B-0292-478E-889D-A94A3F4087DE}"/>
+                    <a16:creationId xmlns:a16="http://schemas.microsoft.com/office/drawing/2014/main" xmlns="" id="{FD04B26B-0292-478E-889D-A94A3F4087DE}"/>
                   </a:ext>
                 </a:extLst>
               </p:cNvPr>
@@ -34614,7 +39979,7 @@
               <p:cNvPr id="206" name="Rectangle 205">
                 <a:extLst>
                   <a:ext uri="{FF2B5EF4-FFF2-40B4-BE49-F238E27FC236}">
-                    <a16:creationId xmlns="" xmlns:a16="http://schemas.microsoft.com/office/drawing/2014/main" id="{9CA5B48D-DDFB-427B-A7D4-8023AA3C908A}"/>
+                    <a16:creationId xmlns:a16="http://schemas.microsoft.com/office/drawing/2014/main" xmlns="" id="{9CA5B48D-DDFB-427B-A7D4-8023AA3C908A}"/>
                   </a:ext>
                 </a:extLst>
               </p:cNvPr>
@@ -34662,7 +40027,7 @@
             <p:cNvPr id="202" name="Groupe 201">
               <a:extLst>
                 <a:ext uri="{FF2B5EF4-FFF2-40B4-BE49-F238E27FC236}">
-                  <a16:creationId xmlns="" xmlns:a16="http://schemas.microsoft.com/office/drawing/2014/main" id="{309BADCA-8E44-4DD6-8833-CF6906EC1BE2}"/>
+                  <a16:creationId xmlns:a16="http://schemas.microsoft.com/office/drawing/2014/main" xmlns="" id="{309BADCA-8E44-4DD6-8833-CF6906EC1BE2}"/>
                 </a:ext>
               </a:extLst>
             </p:cNvPr>
@@ -34682,7 +40047,7 @@
               <p:cNvPr id="203" name="Chevron 184">
                 <a:extLst>
                   <a:ext uri="{FF2B5EF4-FFF2-40B4-BE49-F238E27FC236}">
-                    <a16:creationId xmlns="" xmlns:a16="http://schemas.microsoft.com/office/drawing/2014/main" id="{27E5F47F-EA1C-4B1F-A51C-62841B8C85BA}"/>
+                    <a16:creationId xmlns:a16="http://schemas.microsoft.com/office/drawing/2014/main" xmlns="" id="{27E5F47F-EA1C-4B1F-A51C-62841B8C85BA}"/>
                   </a:ext>
                 </a:extLst>
               </p:cNvPr>
@@ -34732,7 +40097,7 @@
               <p:cNvPr id="204" name="Rectangle 203">
                 <a:extLst>
                   <a:ext uri="{FF2B5EF4-FFF2-40B4-BE49-F238E27FC236}">
-                    <a16:creationId xmlns="" xmlns:a16="http://schemas.microsoft.com/office/drawing/2014/main" id="{A2721E10-54F0-44BE-8610-3CD4535EA994}"/>
+                    <a16:creationId xmlns:a16="http://schemas.microsoft.com/office/drawing/2014/main" xmlns="" id="{A2721E10-54F0-44BE-8610-3CD4535EA994}"/>
                   </a:ext>
                 </a:extLst>
               </p:cNvPr>
@@ -34781,7 +40146,7 @@
           <p:cNvPr id="216" name="Groupe 215">
             <a:extLst>
               <a:ext uri="{FF2B5EF4-FFF2-40B4-BE49-F238E27FC236}">
-                <a16:creationId xmlns="" xmlns:a16="http://schemas.microsoft.com/office/drawing/2014/main" id="{75F41C04-627B-472B-B8BD-D619F9B6303C}"/>
+                <a16:creationId xmlns:a16="http://schemas.microsoft.com/office/drawing/2014/main" xmlns="" id="{75F41C04-627B-472B-B8BD-D619F9B6303C}"/>
               </a:ext>
             </a:extLst>
           </p:cNvPr>
@@ -34801,7 +40166,7 @@
             <p:cNvPr id="217" name="Groupe 216">
               <a:extLst>
                 <a:ext uri="{FF2B5EF4-FFF2-40B4-BE49-F238E27FC236}">
-                  <a16:creationId xmlns="" xmlns:a16="http://schemas.microsoft.com/office/drawing/2014/main" id="{D0542D0B-D263-4A77-AC26-87B591CF0DB0}"/>
+                  <a16:creationId xmlns:a16="http://schemas.microsoft.com/office/drawing/2014/main" xmlns="" id="{D0542D0B-D263-4A77-AC26-87B591CF0DB0}"/>
                 </a:ext>
               </a:extLst>
             </p:cNvPr>
@@ -34821,7 +40186,7 @@
               <p:cNvPr id="233" name="Chevron 184">
                 <a:extLst>
                   <a:ext uri="{FF2B5EF4-FFF2-40B4-BE49-F238E27FC236}">
-                    <a16:creationId xmlns="" xmlns:a16="http://schemas.microsoft.com/office/drawing/2014/main" id="{933D535A-F3F4-4920-B090-1AAAA257B112}"/>
+                    <a16:creationId xmlns:a16="http://schemas.microsoft.com/office/drawing/2014/main" xmlns="" id="{933D535A-F3F4-4920-B090-1AAAA257B112}"/>
                   </a:ext>
                 </a:extLst>
               </p:cNvPr>
@@ -34871,7 +40236,7 @@
               <p:cNvPr id="234" name="Rectangle 233">
                 <a:extLst>
                   <a:ext uri="{FF2B5EF4-FFF2-40B4-BE49-F238E27FC236}">
-                    <a16:creationId xmlns="" xmlns:a16="http://schemas.microsoft.com/office/drawing/2014/main" id="{015A77ED-C6C8-4CB8-B701-14F522EBB484}"/>
+                    <a16:creationId xmlns:a16="http://schemas.microsoft.com/office/drawing/2014/main" xmlns="" id="{015A77ED-C6C8-4CB8-B701-14F522EBB484}"/>
                   </a:ext>
                 </a:extLst>
               </p:cNvPr>
@@ -34919,7 +40284,7 @@
             <p:cNvPr id="218" name="Groupe 217">
               <a:extLst>
                 <a:ext uri="{FF2B5EF4-FFF2-40B4-BE49-F238E27FC236}">
-                  <a16:creationId xmlns="" xmlns:a16="http://schemas.microsoft.com/office/drawing/2014/main" id="{51B713CF-9928-41D0-8939-E490DC1858C7}"/>
+                  <a16:creationId xmlns:a16="http://schemas.microsoft.com/office/drawing/2014/main" xmlns="" id="{51B713CF-9928-41D0-8939-E490DC1858C7}"/>
                 </a:ext>
               </a:extLst>
             </p:cNvPr>
@@ -34939,7 +40304,7 @@
               <p:cNvPr id="230" name="Chevron 181">
                 <a:extLst>
                   <a:ext uri="{FF2B5EF4-FFF2-40B4-BE49-F238E27FC236}">
-                    <a16:creationId xmlns="" xmlns:a16="http://schemas.microsoft.com/office/drawing/2014/main" id="{DCE29611-C5C8-43BC-9226-6C3C4C1F41D6}"/>
+                    <a16:creationId xmlns:a16="http://schemas.microsoft.com/office/drawing/2014/main" xmlns="" id="{DCE29611-C5C8-43BC-9226-6C3C4C1F41D6}"/>
                   </a:ext>
                 </a:extLst>
               </p:cNvPr>
@@ -34989,7 +40354,7 @@
               <p:cNvPr id="231" name="Rectangle 230">
                 <a:extLst>
                   <a:ext uri="{FF2B5EF4-FFF2-40B4-BE49-F238E27FC236}">
-                    <a16:creationId xmlns="" xmlns:a16="http://schemas.microsoft.com/office/drawing/2014/main" id="{922956CD-CA7F-43CD-94A1-DD53AE422349}"/>
+                    <a16:creationId xmlns:a16="http://schemas.microsoft.com/office/drawing/2014/main" xmlns="" id="{922956CD-CA7F-43CD-94A1-DD53AE422349}"/>
                   </a:ext>
                 </a:extLst>
               </p:cNvPr>
@@ -35036,7 +40401,7 @@
               <p:cNvPr id="232" name="Rectangle 231">
                 <a:extLst>
                   <a:ext uri="{FF2B5EF4-FFF2-40B4-BE49-F238E27FC236}">
-                    <a16:creationId xmlns="" xmlns:a16="http://schemas.microsoft.com/office/drawing/2014/main" id="{535A17D0-0F37-4EBC-9FA3-D662D9F27F78}"/>
+                    <a16:creationId xmlns:a16="http://schemas.microsoft.com/office/drawing/2014/main" xmlns="" id="{535A17D0-0F37-4EBC-9FA3-D662D9F27F78}"/>
                   </a:ext>
                 </a:extLst>
               </p:cNvPr>
@@ -35081,7 +40446,7 @@
             <p:cNvPr id="219" name="Groupe 218">
               <a:extLst>
                 <a:ext uri="{FF2B5EF4-FFF2-40B4-BE49-F238E27FC236}">
-                  <a16:creationId xmlns="" xmlns:a16="http://schemas.microsoft.com/office/drawing/2014/main" id="{6075E884-FA8F-4762-B694-2E92D301C098}"/>
+                  <a16:creationId xmlns:a16="http://schemas.microsoft.com/office/drawing/2014/main" xmlns="" id="{6075E884-FA8F-4762-B694-2E92D301C098}"/>
                 </a:ext>
               </a:extLst>
             </p:cNvPr>
@@ -35101,7 +40466,7 @@
               <p:cNvPr id="226" name="Groupe 225">
                 <a:extLst>
                   <a:ext uri="{FF2B5EF4-FFF2-40B4-BE49-F238E27FC236}">
-                    <a16:creationId xmlns="" xmlns:a16="http://schemas.microsoft.com/office/drawing/2014/main" id="{B4A57067-106C-4988-9013-D8B2B4949B6A}"/>
+                    <a16:creationId xmlns:a16="http://schemas.microsoft.com/office/drawing/2014/main" xmlns="" id="{B4A57067-106C-4988-9013-D8B2B4949B6A}"/>
                   </a:ext>
                 </a:extLst>
               </p:cNvPr>
@@ -35121,7 +40486,7 @@
                 <p:cNvPr id="228" name="Chevron 179">
                   <a:extLst>
                     <a:ext uri="{FF2B5EF4-FFF2-40B4-BE49-F238E27FC236}">
-                      <a16:creationId xmlns="" xmlns:a16="http://schemas.microsoft.com/office/drawing/2014/main" id="{5DCA07FB-B616-40BA-8727-A98183DC1499}"/>
+                      <a16:creationId xmlns:a16="http://schemas.microsoft.com/office/drawing/2014/main" xmlns="" id="{5DCA07FB-B616-40BA-8727-A98183DC1499}"/>
                     </a:ext>
                   </a:extLst>
                 </p:cNvPr>
@@ -35171,7 +40536,7 @@
                 <p:cNvPr id="229" name="Rectangle 228">
                   <a:extLst>
                     <a:ext uri="{FF2B5EF4-FFF2-40B4-BE49-F238E27FC236}">
-                      <a16:creationId xmlns="" xmlns:a16="http://schemas.microsoft.com/office/drawing/2014/main" id="{2E304AD9-A0F6-449D-881D-982D990DDAAA}"/>
+                      <a16:creationId xmlns:a16="http://schemas.microsoft.com/office/drawing/2014/main" xmlns="" id="{2E304AD9-A0F6-449D-881D-982D990DDAAA}"/>
                     </a:ext>
                   </a:extLst>
                 </p:cNvPr>
@@ -35219,7 +40584,7 @@
               <p:cNvPr id="227" name="Rectangle 226">
                 <a:extLst>
                   <a:ext uri="{FF2B5EF4-FFF2-40B4-BE49-F238E27FC236}">
-                    <a16:creationId xmlns="" xmlns:a16="http://schemas.microsoft.com/office/drawing/2014/main" id="{C2C25DDB-9724-47D0-A40B-F662F0874729}"/>
+                    <a16:creationId xmlns:a16="http://schemas.microsoft.com/office/drawing/2014/main" xmlns="" id="{C2C25DDB-9724-47D0-A40B-F662F0874729}"/>
                   </a:ext>
                 </a:extLst>
               </p:cNvPr>
@@ -35264,7 +40629,7 @@
             <p:cNvPr id="220" name="Groupe 219">
               <a:extLst>
                 <a:ext uri="{FF2B5EF4-FFF2-40B4-BE49-F238E27FC236}">
-                  <a16:creationId xmlns="" xmlns:a16="http://schemas.microsoft.com/office/drawing/2014/main" id="{069A4548-FED4-4DFA-9758-8FAB79CD8937}"/>
+                  <a16:creationId xmlns:a16="http://schemas.microsoft.com/office/drawing/2014/main" xmlns="" id="{069A4548-FED4-4DFA-9758-8FAB79CD8937}"/>
                 </a:ext>
               </a:extLst>
             </p:cNvPr>
@@ -35284,7 +40649,7 @@
               <p:cNvPr id="224" name="Chevron 184">
                 <a:extLst>
                   <a:ext uri="{FF2B5EF4-FFF2-40B4-BE49-F238E27FC236}">
-                    <a16:creationId xmlns="" xmlns:a16="http://schemas.microsoft.com/office/drawing/2014/main" id="{45AA3AF7-DF40-415B-A3DB-54CC6EF7B8E4}"/>
+                    <a16:creationId xmlns:a16="http://schemas.microsoft.com/office/drawing/2014/main" xmlns="" id="{45AA3AF7-DF40-415B-A3DB-54CC6EF7B8E4}"/>
                   </a:ext>
                 </a:extLst>
               </p:cNvPr>
@@ -35334,7 +40699,7 @@
               <p:cNvPr id="225" name="Rectangle 224">
                 <a:extLst>
                   <a:ext uri="{FF2B5EF4-FFF2-40B4-BE49-F238E27FC236}">
-                    <a16:creationId xmlns="" xmlns:a16="http://schemas.microsoft.com/office/drawing/2014/main" id="{F316CDEC-9A20-46BC-8710-00CE61E7810F}"/>
+                    <a16:creationId xmlns:a16="http://schemas.microsoft.com/office/drawing/2014/main" xmlns="" id="{F316CDEC-9A20-46BC-8710-00CE61E7810F}"/>
                   </a:ext>
                 </a:extLst>
               </p:cNvPr>
@@ -35382,7 +40747,7 @@
             <p:cNvPr id="221" name="Groupe 220">
               <a:extLst>
                 <a:ext uri="{FF2B5EF4-FFF2-40B4-BE49-F238E27FC236}">
-                  <a16:creationId xmlns="" xmlns:a16="http://schemas.microsoft.com/office/drawing/2014/main" id="{F93B3397-0203-470F-8025-8CB8CF33CD2A}"/>
+                  <a16:creationId xmlns:a16="http://schemas.microsoft.com/office/drawing/2014/main" xmlns="" id="{F93B3397-0203-470F-8025-8CB8CF33CD2A}"/>
                 </a:ext>
               </a:extLst>
             </p:cNvPr>
@@ -35402,7 +40767,7 @@
               <p:cNvPr id="222" name="Chevron 184">
                 <a:extLst>
                   <a:ext uri="{FF2B5EF4-FFF2-40B4-BE49-F238E27FC236}">
-                    <a16:creationId xmlns="" xmlns:a16="http://schemas.microsoft.com/office/drawing/2014/main" id="{FD9084C1-7DBE-4D55-B2F8-45BB04E3C274}"/>
+                    <a16:creationId xmlns:a16="http://schemas.microsoft.com/office/drawing/2014/main" xmlns="" id="{FD9084C1-7DBE-4D55-B2F8-45BB04E3C274}"/>
                   </a:ext>
                 </a:extLst>
               </p:cNvPr>
@@ -35452,7 +40817,7 @@
               <p:cNvPr id="223" name="Rectangle 222">
                 <a:extLst>
                   <a:ext uri="{FF2B5EF4-FFF2-40B4-BE49-F238E27FC236}">
-                    <a16:creationId xmlns="" xmlns:a16="http://schemas.microsoft.com/office/drawing/2014/main" id="{7AA106D0-5989-4829-A999-1EA484E01652}"/>
+                    <a16:creationId xmlns:a16="http://schemas.microsoft.com/office/drawing/2014/main" xmlns="" id="{7AA106D0-5989-4829-A999-1EA484E01652}"/>
                   </a:ext>
                 </a:extLst>
               </p:cNvPr>
@@ -35501,7 +40866,7 @@
           <p:cNvPr id="235" name="Espace réservé du contenu 4">
             <a:extLst>
               <a:ext uri="{FF2B5EF4-FFF2-40B4-BE49-F238E27FC236}">
-                <a16:creationId xmlns="" xmlns:a16="http://schemas.microsoft.com/office/drawing/2014/main" id="{C1FF215B-08F1-4C35-B85A-6B6B08E5DE04}"/>
+                <a16:creationId xmlns:a16="http://schemas.microsoft.com/office/drawing/2014/main" xmlns="" id="{C1FF215B-08F1-4C35-B85A-6B6B08E5DE04}"/>
               </a:ext>
             </a:extLst>
           </p:cNvPr>
@@ -35839,7 +41204,7 @@
           <p:cNvPr id="126" name="Espace réservé du contenu 4">
             <a:extLst>
               <a:ext uri="{FF2B5EF4-FFF2-40B4-BE49-F238E27FC236}">
-                <a16:creationId xmlns="" xmlns:a16="http://schemas.microsoft.com/office/drawing/2014/main" id="{E0ECA4FB-A27A-4EF4-8C7D-5B9524C6BE3F}"/>
+                <a16:creationId xmlns:a16="http://schemas.microsoft.com/office/drawing/2014/main" xmlns="" id="{E0ECA4FB-A27A-4EF4-8C7D-5B9524C6BE3F}"/>
               </a:ext>
             </a:extLst>
           </p:cNvPr>
@@ -36071,7 +41436,7 @@
           <p:cNvPr id="157" name="Image 156">
             <a:extLst>
               <a:ext uri="{FF2B5EF4-FFF2-40B4-BE49-F238E27FC236}">
-                <a16:creationId xmlns="" xmlns:a16="http://schemas.microsoft.com/office/drawing/2014/main" id="{649265A4-F60A-437A-817D-C460759ABDAC}"/>
+                <a16:creationId xmlns:a16="http://schemas.microsoft.com/office/drawing/2014/main" xmlns="" id="{649265A4-F60A-437A-817D-C460759ABDAC}"/>
               </a:ext>
             </a:extLst>
           </p:cNvPr>
@@ -36101,7 +41466,7 @@
           <p:cNvPr id="7" name="Espace réservé du contenu 6">
             <a:extLst>
               <a:ext uri="{FF2B5EF4-FFF2-40B4-BE49-F238E27FC236}">
-                <a16:creationId xmlns="" xmlns:a16="http://schemas.microsoft.com/office/drawing/2014/main" id="{DB2A2F5A-13F4-4B6B-B9B0-2031D32AD019}"/>
+                <a16:creationId xmlns:a16="http://schemas.microsoft.com/office/drawing/2014/main" xmlns="" id="{DB2A2F5A-13F4-4B6B-B9B0-2031D32AD019}"/>
               </a:ext>
             </a:extLst>
           </p:cNvPr>
@@ -36177,7 +41542,7 @@
           <p:cNvPr id="114" name="Groupe 113">
             <a:extLst>
               <a:ext uri="{FF2B5EF4-FFF2-40B4-BE49-F238E27FC236}">
-                <a16:creationId xmlns="" xmlns:a16="http://schemas.microsoft.com/office/drawing/2014/main" id="{C9A4DD3A-F434-47D5-AD2A-A0C9A0F9E46E}"/>
+                <a16:creationId xmlns:a16="http://schemas.microsoft.com/office/drawing/2014/main" xmlns="" id="{C9A4DD3A-F434-47D5-AD2A-A0C9A0F9E46E}"/>
               </a:ext>
             </a:extLst>
           </p:cNvPr>
@@ -36197,7 +41562,7 @@
             <p:cNvPr id="124" name="Chevron 184">
               <a:extLst>
                 <a:ext uri="{FF2B5EF4-FFF2-40B4-BE49-F238E27FC236}">
-                  <a16:creationId xmlns="" xmlns:a16="http://schemas.microsoft.com/office/drawing/2014/main" id="{D4C18C82-27D2-4CB7-99C8-97F8CD29B99D}"/>
+                  <a16:creationId xmlns:a16="http://schemas.microsoft.com/office/drawing/2014/main" xmlns="" id="{D4C18C82-27D2-4CB7-99C8-97F8CD29B99D}"/>
                 </a:ext>
               </a:extLst>
             </p:cNvPr>
@@ -36247,7 +41612,7 @@
             <p:cNvPr id="125" name="Rectangle 124">
               <a:extLst>
                 <a:ext uri="{FF2B5EF4-FFF2-40B4-BE49-F238E27FC236}">
-                  <a16:creationId xmlns="" xmlns:a16="http://schemas.microsoft.com/office/drawing/2014/main" id="{33C13121-840B-49FA-BF30-BD54E2AB3157}"/>
+                  <a16:creationId xmlns:a16="http://schemas.microsoft.com/office/drawing/2014/main" xmlns="" id="{33C13121-840B-49FA-BF30-BD54E2AB3157}"/>
                 </a:ext>
               </a:extLst>
             </p:cNvPr>
@@ -36295,7 +41660,7 @@
           <p:cNvPr id="115" name="Groupe 114">
             <a:extLst>
               <a:ext uri="{FF2B5EF4-FFF2-40B4-BE49-F238E27FC236}">
-                <a16:creationId xmlns="" xmlns:a16="http://schemas.microsoft.com/office/drawing/2014/main" id="{A61414D3-8BAF-4661-B8DD-838D7816C07E}"/>
+                <a16:creationId xmlns:a16="http://schemas.microsoft.com/office/drawing/2014/main" xmlns="" id="{A61414D3-8BAF-4661-B8DD-838D7816C07E}"/>
               </a:ext>
             </a:extLst>
           </p:cNvPr>
@@ -36315,7 +41680,7 @@
             <p:cNvPr id="121" name="Chevron 181">
               <a:extLst>
                 <a:ext uri="{FF2B5EF4-FFF2-40B4-BE49-F238E27FC236}">
-                  <a16:creationId xmlns="" xmlns:a16="http://schemas.microsoft.com/office/drawing/2014/main" id="{4EABBEBD-32BF-4F8F-9CA5-C37626840FF4}"/>
+                  <a16:creationId xmlns:a16="http://schemas.microsoft.com/office/drawing/2014/main" xmlns="" id="{4EABBEBD-32BF-4F8F-9CA5-C37626840FF4}"/>
                 </a:ext>
               </a:extLst>
             </p:cNvPr>
@@ -36365,7 +41730,7 @@
             <p:cNvPr id="122" name="Rectangle 121">
               <a:extLst>
                 <a:ext uri="{FF2B5EF4-FFF2-40B4-BE49-F238E27FC236}">
-                  <a16:creationId xmlns="" xmlns:a16="http://schemas.microsoft.com/office/drawing/2014/main" id="{AE9C24A8-4F3A-43B0-ADE2-9CCB4B658FF6}"/>
+                  <a16:creationId xmlns:a16="http://schemas.microsoft.com/office/drawing/2014/main" xmlns="" id="{AE9C24A8-4F3A-43B0-ADE2-9CCB4B658FF6}"/>
                 </a:ext>
               </a:extLst>
             </p:cNvPr>
@@ -36412,7 +41777,7 @@
             <p:cNvPr id="123" name="Rectangle 122">
               <a:extLst>
                 <a:ext uri="{FF2B5EF4-FFF2-40B4-BE49-F238E27FC236}">
-                  <a16:creationId xmlns="" xmlns:a16="http://schemas.microsoft.com/office/drawing/2014/main" id="{55FFCF1D-B9D0-454A-BEFF-1E66B7875144}"/>
+                  <a16:creationId xmlns:a16="http://schemas.microsoft.com/office/drawing/2014/main" xmlns="" id="{55FFCF1D-B9D0-454A-BEFF-1E66B7875144}"/>
                 </a:ext>
               </a:extLst>
             </p:cNvPr>
@@ -36457,7 +41822,7 @@
           <p:cNvPr id="116" name="Groupe 115">
             <a:extLst>
               <a:ext uri="{FF2B5EF4-FFF2-40B4-BE49-F238E27FC236}">
-                <a16:creationId xmlns="" xmlns:a16="http://schemas.microsoft.com/office/drawing/2014/main" id="{F3FFB96C-19DC-43CB-97B4-826FD6EAC44F}"/>
+                <a16:creationId xmlns:a16="http://schemas.microsoft.com/office/drawing/2014/main" xmlns="" id="{F3FFB96C-19DC-43CB-97B4-826FD6EAC44F}"/>
               </a:ext>
             </a:extLst>
           </p:cNvPr>
@@ -36477,7 +41842,7 @@
             <p:cNvPr id="117" name="Groupe 116">
               <a:extLst>
                 <a:ext uri="{FF2B5EF4-FFF2-40B4-BE49-F238E27FC236}">
-                  <a16:creationId xmlns="" xmlns:a16="http://schemas.microsoft.com/office/drawing/2014/main" id="{A81A49A5-78C1-4051-8A78-70C08DACDC5D}"/>
+                  <a16:creationId xmlns:a16="http://schemas.microsoft.com/office/drawing/2014/main" xmlns="" id="{A81A49A5-78C1-4051-8A78-70C08DACDC5D}"/>
                 </a:ext>
               </a:extLst>
             </p:cNvPr>
@@ -36497,7 +41862,7 @@
               <p:cNvPr id="119" name="Chevron 179">
                 <a:extLst>
                   <a:ext uri="{FF2B5EF4-FFF2-40B4-BE49-F238E27FC236}">
-                    <a16:creationId xmlns="" xmlns:a16="http://schemas.microsoft.com/office/drawing/2014/main" id="{CDE422D4-A13E-4AC2-B431-A076E8006208}"/>
+                    <a16:creationId xmlns:a16="http://schemas.microsoft.com/office/drawing/2014/main" xmlns="" id="{CDE422D4-A13E-4AC2-B431-A076E8006208}"/>
                   </a:ext>
                 </a:extLst>
               </p:cNvPr>
@@ -36547,7 +41912,7 @@
               <p:cNvPr id="120" name="Rectangle 119">
                 <a:extLst>
                   <a:ext uri="{FF2B5EF4-FFF2-40B4-BE49-F238E27FC236}">
-                    <a16:creationId xmlns="" xmlns:a16="http://schemas.microsoft.com/office/drawing/2014/main" id="{232466EE-ED5F-49E5-B238-C3EECA4164DA}"/>
+                    <a16:creationId xmlns:a16="http://schemas.microsoft.com/office/drawing/2014/main" xmlns="" id="{232466EE-ED5F-49E5-B238-C3EECA4164DA}"/>
                   </a:ext>
                 </a:extLst>
               </p:cNvPr>
@@ -36595,7 +41960,7 @@
             <p:cNvPr id="118" name="Rectangle 117">
               <a:extLst>
                 <a:ext uri="{FF2B5EF4-FFF2-40B4-BE49-F238E27FC236}">
-                  <a16:creationId xmlns="" xmlns:a16="http://schemas.microsoft.com/office/drawing/2014/main" id="{E7C7902C-8361-43D6-80FA-93EC12535167}"/>
+                  <a16:creationId xmlns:a16="http://schemas.microsoft.com/office/drawing/2014/main" xmlns="" id="{E7C7902C-8361-43D6-80FA-93EC12535167}"/>
                 </a:ext>
               </a:extLst>
             </p:cNvPr>
@@ -36640,7 +42005,7 @@
           <p:cNvPr id="127" name="Groupe 126">
             <a:extLst>
               <a:ext uri="{FF2B5EF4-FFF2-40B4-BE49-F238E27FC236}">
-                <a16:creationId xmlns="" xmlns:a16="http://schemas.microsoft.com/office/drawing/2014/main" id="{66AE943C-39FC-4313-822F-75A7D8C71A50}"/>
+                <a16:creationId xmlns:a16="http://schemas.microsoft.com/office/drawing/2014/main" xmlns="" id="{66AE943C-39FC-4313-822F-75A7D8C71A50}"/>
               </a:ext>
             </a:extLst>
           </p:cNvPr>
@@ -36660,7 +42025,7 @@
             <p:cNvPr id="128" name="Chevron 184">
               <a:extLst>
                 <a:ext uri="{FF2B5EF4-FFF2-40B4-BE49-F238E27FC236}">
-                  <a16:creationId xmlns="" xmlns:a16="http://schemas.microsoft.com/office/drawing/2014/main" id="{08083D15-8586-4C86-B11B-FBDA5CF985B8}"/>
+                  <a16:creationId xmlns:a16="http://schemas.microsoft.com/office/drawing/2014/main" xmlns="" id="{08083D15-8586-4C86-B11B-FBDA5CF985B8}"/>
                 </a:ext>
               </a:extLst>
             </p:cNvPr>
@@ -36710,7 +42075,7 @@
             <p:cNvPr id="129" name="Rectangle 128">
               <a:extLst>
                 <a:ext uri="{FF2B5EF4-FFF2-40B4-BE49-F238E27FC236}">
-                  <a16:creationId xmlns="" xmlns:a16="http://schemas.microsoft.com/office/drawing/2014/main" id="{AEDA7288-2DDE-4829-B1AA-AA9C2E0CCE8C}"/>
+                  <a16:creationId xmlns:a16="http://schemas.microsoft.com/office/drawing/2014/main" xmlns="" id="{AEDA7288-2DDE-4829-B1AA-AA9C2E0CCE8C}"/>
                 </a:ext>
               </a:extLst>
             </p:cNvPr>
@@ -36758,7 +42123,7 @@
           <p:cNvPr id="130" name="Groupe 129">
             <a:extLst>
               <a:ext uri="{FF2B5EF4-FFF2-40B4-BE49-F238E27FC236}">
-                <a16:creationId xmlns="" xmlns:a16="http://schemas.microsoft.com/office/drawing/2014/main" id="{9A13244F-CE74-4175-B165-D81B8FEF6D11}"/>
+                <a16:creationId xmlns:a16="http://schemas.microsoft.com/office/drawing/2014/main" xmlns="" id="{9A13244F-CE74-4175-B165-D81B8FEF6D11}"/>
               </a:ext>
             </a:extLst>
           </p:cNvPr>
@@ -36778,7 +42143,7 @@
             <p:cNvPr id="131" name="Chevron 184">
               <a:extLst>
                 <a:ext uri="{FF2B5EF4-FFF2-40B4-BE49-F238E27FC236}">
-                  <a16:creationId xmlns="" xmlns:a16="http://schemas.microsoft.com/office/drawing/2014/main" id="{2D792480-A2FF-4222-9B04-A588C555A44A}"/>
+                  <a16:creationId xmlns:a16="http://schemas.microsoft.com/office/drawing/2014/main" xmlns="" id="{2D792480-A2FF-4222-9B04-A588C555A44A}"/>
                 </a:ext>
               </a:extLst>
             </p:cNvPr>
@@ -36828,7 +42193,7 @@
             <p:cNvPr id="158" name="Rectangle 157">
               <a:extLst>
                 <a:ext uri="{FF2B5EF4-FFF2-40B4-BE49-F238E27FC236}">
-                  <a16:creationId xmlns="" xmlns:a16="http://schemas.microsoft.com/office/drawing/2014/main" id="{0E0FF4D2-8C45-4A59-B77E-E224D1EEF8FB}"/>
+                  <a16:creationId xmlns:a16="http://schemas.microsoft.com/office/drawing/2014/main" xmlns="" id="{0E0FF4D2-8C45-4A59-B77E-E224D1EEF8FB}"/>
                 </a:ext>
               </a:extLst>
             </p:cNvPr>
@@ -36876,7 +42241,7 @@
           <p:cNvPr id="104" name="Groupe 103">
             <a:extLst>
               <a:ext uri="{FF2B5EF4-FFF2-40B4-BE49-F238E27FC236}">
-                <a16:creationId xmlns="" xmlns:a16="http://schemas.microsoft.com/office/drawing/2014/main" id="{5A1CBCFF-BC5F-459E-9552-70EF549F7CAD}"/>
+                <a16:creationId xmlns:a16="http://schemas.microsoft.com/office/drawing/2014/main" xmlns="" id="{5A1CBCFF-BC5F-459E-9552-70EF549F7CAD}"/>
               </a:ext>
             </a:extLst>
           </p:cNvPr>
@@ -36896,7 +42261,7 @@
             <p:cNvPr id="105" name="Chevron 184">
               <a:extLst>
                 <a:ext uri="{FF2B5EF4-FFF2-40B4-BE49-F238E27FC236}">
-                  <a16:creationId xmlns="" xmlns:a16="http://schemas.microsoft.com/office/drawing/2014/main" id="{7A22324B-EDD9-4A15-8ADB-F1653A7A6646}"/>
+                  <a16:creationId xmlns:a16="http://schemas.microsoft.com/office/drawing/2014/main" xmlns="" id="{7A22324B-EDD9-4A15-8ADB-F1653A7A6646}"/>
                 </a:ext>
               </a:extLst>
             </p:cNvPr>
@@ -36946,7 +42311,7 @@
             <p:cNvPr id="106" name="Rectangle 105">
               <a:extLst>
                 <a:ext uri="{FF2B5EF4-FFF2-40B4-BE49-F238E27FC236}">
-                  <a16:creationId xmlns="" xmlns:a16="http://schemas.microsoft.com/office/drawing/2014/main" id="{AFC1508A-A877-4482-9726-F02FF1A612B2}"/>
+                  <a16:creationId xmlns:a16="http://schemas.microsoft.com/office/drawing/2014/main" xmlns="" id="{AFC1508A-A877-4482-9726-F02FF1A612B2}"/>
                 </a:ext>
               </a:extLst>
             </p:cNvPr>
@@ -37101,7 +42466,7 @@
           <p:cNvPr id="126" name="Espace réservé du contenu 4">
             <a:extLst>
               <a:ext uri="{FF2B5EF4-FFF2-40B4-BE49-F238E27FC236}">
-                <a16:creationId xmlns="" xmlns:a16="http://schemas.microsoft.com/office/drawing/2014/main" id="{E0ECA4FB-A27A-4EF4-8C7D-5B9524C6BE3F}"/>
+                <a16:creationId xmlns:a16="http://schemas.microsoft.com/office/drawing/2014/main" xmlns="" id="{E0ECA4FB-A27A-4EF4-8C7D-5B9524C6BE3F}"/>
               </a:ext>
             </a:extLst>
           </p:cNvPr>
@@ -37354,7 +42719,7 @@
           <p:cNvPr id="157" name="Image 156">
             <a:extLst>
               <a:ext uri="{FF2B5EF4-FFF2-40B4-BE49-F238E27FC236}">
-                <a16:creationId xmlns="" xmlns:a16="http://schemas.microsoft.com/office/drawing/2014/main" id="{649265A4-F60A-437A-817D-C460759ABDAC}"/>
+                <a16:creationId xmlns:a16="http://schemas.microsoft.com/office/drawing/2014/main" xmlns="" id="{649265A4-F60A-437A-817D-C460759ABDAC}"/>
               </a:ext>
             </a:extLst>
           </p:cNvPr>
@@ -37384,7 +42749,7 @@
           <p:cNvPr id="7" name="Espace réservé du contenu 6">
             <a:extLst>
               <a:ext uri="{FF2B5EF4-FFF2-40B4-BE49-F238E27FC236}">
-                <a16:creationId xmlns="" xmlns:a16="http://schemas.microsoft.com/office/drawing/2014/main" id="{DB2A2F5A-13F4-4B6B-B9B0-2031D32AD019}"/>
+                <a16:creationId xmlns:a16="http://schemas.microsoft.com/office/drawing/2014/main" xmlns="" id="{DB2A2F5A-13F4-4B6B-B9B0-2031D32AD019}"/>
               </a:ext>
             </a:extLst>
           </p:cNvPr>

--- a/Formation_2018/Quizz_Pomme/Quizz_Pomme.pptx
+++ b/Formation_2018/Quizz_Pomme/Quizz_Pomme.pptx
@@ -5,10 +5,10 @@
     <p:sldMasterId id="2147483792" r:id="rId1"/>
   </p:sldMasterIdLst>
   <p:notesMasterIdLst>
-    <p:notesMasterId r:id="rId29"/>
+    <p:notesMasterId r:id="rId30"/>
   </p:notesMasterIdLst>
   <p:handoutMasterIdLst>
-    <p:handoutMasterId r:id="rId30"/>
+    <p:handoutMasterId r:id="rId31"/>
   </p:handoutMasterIdLst>
   <p:sldIdLst>
     <p:sldId id="256" r:id="rId2"/>
@@ -38,6 +38,7 @@
     <p:sldId id="290" r:id="rId26"/>
     <p:sldId id="296" r:id="rId27"/>
     <p:sldId id="294" r:id="rId28"/>
+    <p:sldId id="297" r:id="rId29"/>
   </p:sldIdLst>
   <p:sldSz cx="9144000" cy="6858000" type="screen4x3"/>
   <p:notesSz cx="6858000" cy="9144000"/>
@@ -138,7 +139,7 @@
   </p:defaultTextStyle>
   <p:extLst>
     <p:ext uri="{EFAFB233-063F-42B5-8137-9DF3F51BA10A}">
-      <p15:sldGuideLst xmlns:p15="http://schemas.microsoft.com/office/powerpoint/2012/main" xmlns="">
+      <p15:sldGuideLst xmlns="" xmlns:p15="http://schemas.microsoft.com/office/powerpoint/2012/main">
         <p15:guide id="1" orient="horz" pos="2160">
           <p15:clr>
             <a:srgbClr val="A4A3A4"/>
@@ -152,7 +153,7 @@
       </p15:sldGuideLst>
     </p:ext>
     <p:ext uri="{2D200454-40CA-4A62-9FC3-DE9A4176ACB9}">
-      <p15:notesGuideLst xmlns:p15="http://schemas.microsoft.com/office/powerpoint/2012/main" xmlns="">
+      <p15:notesGuideLst xmlns="" xmlns:p15="http://schemas.microsoft.com/office/powerpoint/2012/main">
         <p15:guide id="1" orient="horz" pos="2880">
           <p15:clr>
             <a:srgbClr val="A4A3A4"/>
@@ -4956,7 +4957,7 @@
           <p:cNvPr id="126" name="Espace réservé du contenu 4">
             <a:extLst>
               <a:ext uri="{FF2B5EF4-FFF2-40B4-BE49-F238E27FC236}">
-                <a16:creationId xmlns:a16="http://schemas.microsoft.com/office/drawing/2014/main" xmlns="" id="{E0ECA4FB-A27A-4EF4-8C7D-5B9524C6BE3F}"/>
+                <a16:creationId xmlns="" xmlns:a16="http://schemas.microsoft.com/office/drawing/2014/main" id="{E0ECA4FB-A27A-4EF4-8C7D-5B9524C6BE3F}"/>
               </a:ext>
             </a:extLst>
           </p:cNvPr>
@@ -5188,7 +5189,7 @@
           <p:cNvPr id="7" name="Espace réservé du contenu 6">
             <a:extLst>
               <a:ext uri="{FF2B5EF4-FFF2-40B4-BE49-F238E27FC236}">
-                <a16:creationId xmlns:a16="http://schemas.microsoft.com/office/drawing/2014/main" xmlns="" id="{DB2A2F5A-13F4-4B6B-B9B0-2031D32AD019}"/>
+                <a16:creationId xmlns="" xmlns:a16="http://schemas.microsoft.com/office/drawing/2014/main" id="{DB2A2F5A-13F4-4B6B-B9B0-2031D32AD019}"/>
               </a:ext>
             </a:extLst>
           </p:cNvPr>
@@ -5948,7 +5949,7 @@
           <p:cNvPr id="2" name="Titre 1">
             <a:extLst>
               <a:ext uri="{FF2B5EF4-FFF2-40B4-BE49-F238E27FC236}">
-                <a16:creationId xmlns:a16="http://schemas.microsoft.com/office/drawing/2014/main" xmlns="" id="{A50E88D1-9F88-4DD9-B49F-E0B6DA92E401}"/>
+                <a16:creationId xmlns="" xmlns:a16="http://schemas.microsoft.com/office/drawing/2014/main" id="{A50E88D1-9F88-4DD9-B49F-E0B6DA92E401}"/>
               </a:ext>
             </a:extLst>
           </p:cNvPr>
@@ -5985,7 +5986,7 @@
           <p:cNvPr id="3" name="Espace réservé du pied de page 2">
             <a:extLst>
               <a:ext uri="{FF2B5EF4-FFF2-40B4-BE49-F238E27FC236}">
-                <a16:creationId xmlns:a16="http://schemas.microsoft.com/office/drawing/2014/main" xmlns="" id="{374C4879-A86D-4EED-816C-EBCBBEFE99DE}"/>
+                <a16:creationId xmlns="" xmlns:a16="http://schemas.microsoft.com/office/drawing/2014/main" id="{374C4879-A86D-4EED-816C-EBCBBEFE99DE}"/>
               </a:ext>
             </a:extLst>
           </p:cNvPr>
@@ -6013,7 +6014,7 @@
           <p:cNvPr id="4" name="Espace réservé du numéro de diapositive 3">
             <a:extLst>
               <a:ext uri="{FF2B5EF4-FFF2-40B4-BE49-F238E27FC236}">
-                <a16:creationId xmlns:a16="http://schemas.microsoft.com/office/drawing/2014/main" xmlns="" id="{A638A11C-FC34-488C-84D2-D9C4BE342283}"/>
+                <a16:creationId xmlns="" xmlns:a16="http://schemas.microsoft.com/office/drawing/2014/main" id="{A638A11C-FC34-488C-84D2-D9C4BE342283}"/>
               </a:ext>
             </a:extLst>
           </p:cNvPr>
@@ -6042,7 +6043,7 @@
           <p:cNvPr id="5" name="Espace réservé du contenu 4">
             <a:extLst>
               <a:ext uri="{FF2B5EF4-FFF2-40B4-BE49-F238E27FC236}">
-                <a16:creationId xmlns:a16="http://schemas.microsoft.com/office/drawing/2014/main" xmlns="" id="{9BF805D8-C616-4736-9695-A9AC51FC4C31}"/>
+                <a16:creationId xmlns="" xmlns:a16="http://schemas.microsoft.com/office/drawing/2014/main" id="{9BF805D8-C616-4736-9695-A9AC51FC4C31}"/>
               </a:ext>
             </a:extLst>
           </p:cNvPr>
@@ -6089,7 +6090,7 @@
           <p:cNvPr id="6" name="Image 5">
             <a:extLst>
               <a:ext uri="{FF2B5EF4-FFF2-40B4-BE49-F238E27FC236}">
-                <a16:creationId xmlns:a16="http://schemas.microsoft.com/office/drawing/2014/main" xmlns="" id="{D94F185B-CCE5-4782-8231-38E17005C9D3}"/>
+                <a16:creationId xmlns="" xmlns:a16="http://schemas.microsoft.com/office/drawing/2014/main" id="{D94F185B-CCE5-4782-8231-38E17005C9D3}"/>
               </a:ext>
             </a:extLst>
           </p:cNvPr>
@@ -6118,7 +6119,7 @@
           <p:cNvPr id="8" name="Image 7">
             <a:extLst>
               <a:ext uri="{FF2B5EF4-FFF2-40B4-BE49-F238E27FC236}">
-                <a16:creationId xmlns:a16="http://schemas.microsoft.com/office/drawing/2014/main" xmlns="" id="{8C7975D4-9548-4DB8-BB05-D8A340D8E2FC}"/>
+                <a16:creationId xmlns="" xmlns:a16="http://schemas.microsoft.com/office/drawing/2014/main" id="{8C7975D4-9548-4DB8-BB05-D8A340D8E2FC}"/>
               </a:ext>
             </a:extLst>
           </p:cNvPr>
@@ -6147,7 +6148,7 @@
           <p:cNvPr id="9" name="Image 8">
             <a:extLst>
               <a:ext uri="{FF2B5EF4-FFF2-40B4-BE49-F238E27FC236}">
-                <a16:creationId xmlns:a16="http://schemas.microsoft.com/office/drawing/2014/main" xmlns="" id="{CDA311BF-3DC3-40D9-B00F-39C51A44EFB0}"/>
+                <a16:creationId xmlns="" xmlns:a16="http://schemas.microsoft.com/office/drawing/2014/main" id="{CDA311BF-3DC3-40D9-B00F-39C51A44EFB0}"/>
               </a:ext>
             </a:extLst>
           </p:cNvPr>
@@ -6176,7 +6177,7 @@
           <p:cNvPr id="10" name="Espace réservé du contenu 4">
             <a:extLst>
               <a:ext uri="{FF2B5EF4-FFF2-40B4-BE49-F238E27FC236}">
-                <a16:creationId xmlns:a16="http://schemas.microsoft.com/office/drawing/2014/main" xmlns="" id="{1E1A7E71-EF3C-4791-8B1A-8D54D07ABA46}"/>
+                <a16:creationId xmlns="" xmlns:a16="http://schemas.microsoft.com/office/drawing/2014/main" id="{1E1A7E71-EF3C-4791-8B1A-8D54D07ABA46}"/>
               </a:ext>
             </a:extLst>
           </p:cNvPr>
@@ -6413,7 +6414,7 @@
           <p:cNvPr id="11" name="Espace réservé du contenu 4">
             <a:extLst>
               <a:ext uri="{FF2B5EF4-FFF2-40B4-BE49-F238E27FC236}">
-                <a16:creationId xmlns:a16="http://schemas.microsoft.com/office/drawing/2014/main" xmlns="" id="{9AEB556E-8C9C-49DE-A707-7756BAB2F86E}"/>
+                <a16:creationId xmlns="" xmlns:a16="http://schemas.microsoft.com/office/drawing/2014/main" id="{9AEB556E-8C9C-49DE-A707-7756BAB2F86E}"/>
               </a:ext>
             </a:extLst>
           </p:cNvPr>
@@ -6650,7 +6651,7 @@
           <p:cNvPr id="12" name="Espace réservé du contenu 4">
             <a:extLst>
               <a:ext uri="{FF2B5EF4-FFF2-40B4-BE49-F238E27FC236}">
-                <a16:creationId xmlns:a16="http://schemas.microsoft.com/office/drawing/2014/main" xmlns="" id="{ECBDC822-6D98-409B-9897-7DFF5B4DFF33}"/>
+                <a16:creationId xmlns="" xmlns:a16="http://schemas.microsoft.com/office/drawing/2014/main" id="{ECBDC822-6D98-409B-9897-7DFF5B4DFF33}"/>
               </a:ext>
             </a:extLst>
           </p:cNvPr>
@@ -6905,7 +6906,7 @@
           <p:cNvPr id="13" name="Espace réservé du contenu 4">
             <a:extLst>
               <a:ext uri="{FF2B5EF4-FFF2-40B4-BE49-F238E27FC236}">
-                <a16:creationId xmlns:a16="http://schemas.microsoft.com/office/drawing/2014/main" xmlns="" id="{E0ECA4FB-A27A-4EF4-8C7D-5B9524C6BE3F}"/>
+                <a16:creationId xmlns="" xmlns:a16="http://schemas.microsoft.com/office/drawing/2014/main" id="{E0ECA4FB-A27A-4EF4-8C7D-5B9524C6BE3F}"/>
               </a:ext>
             </a:extLst>
           </p:cNvPr>
@@ -7322,7 +7323,7 @@
           <p:cNvPr id="6" name="Image 5">
             <a:extLst>
               <a:ext uri="{FF2B5EF4-FFF2-40B4-BE49-F238E27FC236}">
-                <a16:creationId xmlns:a16="http://schemas.microsoft.com/office/drawing/2014/main" xmlns="" id="{B04C115A-AD3C-4466-92FC-82EBEC44A19C}"/>
+                <a16:creationId xmlns="" xmlns:a16="http://schemas.microsoft.com/office/drawing/2014/main" id="{B04C115A-AD3C-4466-92FC-82EBEC44A19C}"/>
               </a:ext>
             </a:extLst>
           </p:cNvPr>
@@ -7352,7 +7353,7 @@
           <p:cNvPr id="7" name="Image 6">
             <a:extLst>
               <a:ext uri="{FF2B5EF4-FFF2-40B4-BE49-F238E27FC236}">
-                <a16:creationId xmlns:a16="http://schemas.microsoft.com/office/drawing/2014/main" xmlns="" id="{05B13936-50E7-423B-8912-23682D98AC98}"/>
+                <a16:creationId xmlns="" xmlns:a16="http://schemas.microsoft.com/office/drawing/2014/main" id="{05B13936-50E7-423B-8912-23682D98AC98}"/>
               </a:ext>
             </a:extLst>
           </p:cNvPr>
@@ -7382,7 +7383,7 @@
           <p:cNvPr id="8" name="Espace réservé du contenu 4">
             <a:extLst>
               <a:ext uri="{FF2B5EF4-FFF2-40B4-BE49-F238E27FC236}">
-                <a16:creationId xmlns:a16="http://schemas.microsoft.com/office/drawing/2014/main" xmlns="" id="{E0ECA4FB-A27A-4EF4-8C7D-5B9524C6BE3F}"/>
+                <a16:creationId xmlns="" xmlns:a16="http://schemas.microsoft.com/office/drawing/2014/main" id="{E0ECA4FB-A27A-4EF4-8C7D-5B9524C6BE3F}"/>
               </a:ext>
             </a:extLst>
           </p:cNvPr>
@@ -7796,7 +7797,7 @@
           <p:cNvPr id="7" name="Image 6">
             <a:extLst>
               <a:ext uri="{FF2B5EF4-FFF2-40B4-BE49-F238E27FC236}">
-                <a16:creationId xmlns:a16="http://schemas.microsoft.com/office/drawing/2014/main" xmlns="" id="{D44839DF-3A5A-4B9E-A112-FF65D7CD0C33}"/>
+                <a16:creationId xmlns="" xmlns:a16="http://schemas.microsoft.com/office/drawing/2014/main" id="{D44839DF-3A5A-4B9E-A112-FF65D7CD0C33}"/>
               </a:ext>
             </a:extLst>
           </p:cNvPr>
@@ -7986,7 +7987,7 @@
           <p:cNvPr id="6" name="Image 5">
             <a:extLst>
               <a:ext uri="{FF2B5EF4-FFF2-40B4-BE49-F238E27FC236}">
-                <a16:creationId xmlns:a16="http://schemas.microsoft.com/office/drawing/2014/main" xmlns="" id="{97998113-6F67-4122-8C7C-3494D318CB06}"/>
+                <a16:creationId xmlns="" xmlns:a16="http://schemas.microsoft.com/office/drawing/2014/main" id="{97998113-6F67-4122-8C7C-3494D318CB06}"/>
               </a:ext>
             </a:extLst>
           </p:cNvPr>
@@ -8016,7 +8017,7 @@
           <p:cNvPr id="7" name="Image 6">
             <a:extLst>
               <a:ext uri="{FF2B5EF4-FFF2-40B4-BE49-F238E27FC236}">
-                <a16:creationId xmlns:a16="http://schemas.microsoft.com/office/drawing/2014/main" xmlns="" id="{79296190-7E7C-4BF5-89E2-B767E1861F21}"/>
+                <a16:creationId xmlns="" xmlns:a16="http://schemas.microsoft.com/office/drawing/2014/main" id="{79296190-7E7C-4BF5-89E2-B767E1861F21}"/>
               </a:ext>
             </a:extLst>
           </p:cNvPr>
@@ -8046,7 +8047,7 @@
           <p:cNvPr id="8" name="Espace réservé du contenu 4">
             <a:extLst>
               <a:ext uri="{FF2B5EF4-FFF2-40B4-BE49-F238E27FC236}">
-                <a16:creationId xmlns:a16="http://schemas.microsoft.com/office/drawing/2014/main" xmlns="" id="{E0ECA4FB-A27A-4EF4-8C7D-5B9524C6BE3F}"/>
+                <a16:creationId xmlns="" xmlns:a16="http://schemas.microsoft.com/office/drawing/2014/main" id="{E0ECA4FB-A27A-4EF4-8C7D-5B9524C6BE3F}"/>
               </a:ext>
             </a:extLst>
           </p:cNvPr>
@@ -8508,7 +8509,7 @@
           <p:cNvPr id="6" name="Image 5">
             <a:extLst>
               <a:ext uri="{FF2B5EF4-FFF2-40B4-BE49-F238E27FC236}">
-                <a16:creationId xmlns:a16="http://schemas.microsoft.com/office/drawing/2014/main" xmlns="" id="{3DA1429C-F38B-47FC-9516-BF723844CE69}"/>
+                <a16:creationId xmlns="" xmlns:a16="http://schemas.microsoft.com/office/drawing/2014/main" id="{3DA1429C-F38B-47FC-9516-BF723844CE69}"/>
               </a:ext>
             </a:extLst>
           </p:cNvPr>
@@ -8724,7 +8725,7 @@
           <p:cNvPr id="6" name="Espace réservé du contenu 4">
             <a:extLst>
               <a:ext uri="{FF2B5EF4-FFF2-40B4-BE49-F238E27FC236}">
-                <a16:creationId xmlns:a16="http://schemas.microsoft.com/office/drawing/2014/main" xmlns="" id="{E0ECA4FB-A27A-4EF4-8C7D-5B9524C6BE3F}"/>
+                <a16:creationId xmlns="" xmlns:a16="http://schemas.microsoft.com/office/drawing/2014/main" id="{E0ECA4FB-A27A-4EF4-8C7D-5B9524C6BE3F}"/>
               </a:ext>
             </a:extLst>
           </p:cNvPr>
@@ -9195,7 +9196,7 @@
           <p:cNvPr id="7" name="Image 6">
             <a:extLst>
               <a:ext uri="{FF2B5EF4-FFF2-40B4-BE49-F238E27FC236}">
-                <a16:creationId xmlns:a16="http://schemas.microsoft.com/office/drawing/2014/main" xmlns="" id="{79296190-7E7C-4BF5-89E2-B767E1861F21}"/>
+                <a16:creationId xmlns="" xmlns:a16="http://schemas.microsoft.com/office/drawing/2014/main" id="{79296190-7E7C-4BF5-89E2-B767E1861F21}"/>
               </a:ext>
             </a:extLst>
           </p:cNvPr>
@@ -9289,7 +9290,7 @@
           <p:cNvPr id="8" name="Espace réservé du contenu 4">
             <a:extLst>
               <a:ext uri="{FF2B5EF4-FFF2-40B4-BE49-F238E27FC236}">
-                <a16:creationId xmlns:a16="http://schemas.microsoft.com/office/drawing/2014/main" xmlns="" id="{E0ECA4FB-A27A-4EF4-8C7D-5B9524C6BE3F}"/>
+                <a16:creationId xmlns="" xmlns:a16="http://schemas.microsoft.com/office/drawing/2014/main" id="{E0ECA4FB-A27A-4EF4-8C7D-5B9524C6BE3F}"/>
               </a:ext>
             </a:extLst>
           </p:cNvPr>
@@ -9700,7 +9701,7 @@
           <p:cNvPr id="7" name="Image 6">
             <a:extLst>
               <a:ext uri="{FF2B5EF4-FFF2-40B4-BE49-F238E27FC236}">
-                <a16:creationId xmlns:a16="http://schemas.microsoft.com/office/drawing/2014/main" xmlns="" id="{79296190-7E7C-4BF5-89E2-B767E1861F21}"/>
+                <a16:creationId xmlns="" xmlns:a16="http://schemas.microsoft.com/office/drawing/2014/main" id="{79296190-7E7C-4BF5-89E2-B767E1861F21}"/>
               </a:ext>
             </a:extLst>
           </p:cNvPr>
@@ -9794,7 +9795,7 @@
           <p:cNvPr id="8" name="Espace réservé du contenu 4">
             <a:extLst>
               <a:ext uri="{FF2B5EF4-FFF2-40B4-BE49-F238E27FC236}">
-                <a16:creationId xmlns:a16="http://schemas.microsoft.com/office/drawing/2014/main" xmlns="" id="{E0ECA4FB-A27A-4EF4-8C7D-5B9524C6BE3F}"/>
+                <a16:creationId xmlns="" xmlns:a16="http://schemas.microsoft.com/office/drawing/2014/main" id="{E0ECA4FB-A27A-4EF4-8C7D-5B9524C6BE3F}"/>
               </a:ext>
             </a:extLst>
           </p:cNvPr>
@@ -10187,11 +10188,7 @@
           <a:p>
             <a:r>
               <a:rPr lang="fr-FR" dirty="0" smtClean="0"/>
-              <a:t>Relier les différents matériels ci-dessous afin qu’ils soient en </a:t>
-            </a:r>
-            <a:r>
-              <a:rPr lang="fr-FR" dirty="0" smtClean="0"/>
-              <a:t>réseaux</a:t>
+              <a:t>Relier les différents matériels ci-dessous afin qu’ils soient en réseaux</a:t>
             </a:r>
             <a:endParaRPr lang="fr-FR" dirty="0"/>
           </a:p>
@@ -10202,7 +10199,7 @@
           <p:cNvPr id="26" name="Espace réservé du contenu 4">
             <a:extLst>
               <a:ext uri="{FF2B5EF4-FFF2-40B4-BE49-F238E27FC236}">
-                <a16:creationId xmlns:a16="http://schemas.microsoft.com/office/drawing/2014/main" xmlns="" id="{E0ECA4FB-A27A-4EF4-8C7D-5B9524C6BE3F}"/>
+                <a16:creationId xmlns="" xmlns:a16="http://schemas.microsoft.com/office/drawing/2014/main" id="{E0ECA4FB-A27A-4EF4-8C7D-5B9524C6BE3F}"/>
               </a:ext>
             </a:extLst>
           </p:cNvPr>
@@ -11553,7 +11550,7 @@
           <p:cNvPr id="26" name="Espace réservé du contenu 4">
             <a:extLst>
               <a:ext uri="{FF2B5EF4-FFF2-40B4-BE49-F238E27FC236}">
-                <a16:creationId xmlns:a16="http://schemas.microsoft.com/office/drawing/2014/main" xmlns="" id="{E0ECA4FB-A27A-4EF4-8C7D-5B9524C6BE3F}"/>
+                <a16:creationId xmlns="" xmlns:a16="http://schemas.microsoft.com/office/drawing/2014/main" id="{E0ECA4FB-A27A-4EF4-8C7D-5B9524C6BE3F}"/>
               </a:ext>
             </a:extLst>
           </p:cNvPr>
@@ -13064,7 +13061,7 @@
           <p:cNvPr id="9" name="Espace réservé du contenu 4">
             <a:extLst>
               <a:ext uri="{FF2B5EF4-FFF2-40B4-BE49-F238E27FC236}">
-                <a16:creationId xmlns:a16="http://schemas.microsoft.com/office/drawing/2014/main" xmlns="" id="{E0ECA4FB-A27A-4EF4-8C7D-5B9524C6BE3F}"/>
+                <a16:creationId xmlns="" xmlns:a16="http://schemas.microsoft.com/office/drawing/2014/main" id="{E0ECA4FB-A27A-4EF4-8C7D-5B9524C6BE3F}"/>
               </a:ext>
             </a:extLst>
           </p:cNvPr>
@@ -14063,7 +14060,7 @@
           <p:cNvPr id="6" name="Espace réservé du contenu 4">
             <a:extLst>
               <a:ext uri="{FF2B5EF4-FFF2-40B4-BE49-F238E27FC236}">
-                <a16:creationId xmlns:a16="http://schemas.microsoft.com/office/drawing/2014/main" xmlns="" id="{E0ECA4FB-A27A-4EF4-8C7D-5B9524C6BE3F}"/>
+                <a16:creationId xmlns="" xmlns:a16="http://schemas.microsoft.com/office/drawing/2014/main" id="{E0ECA4FB-A27A-4EF4-8C7D-5B9524C6BE3F}"/>
               </a:ext>
             </a:extLst>
           </p:cNvPr>
@@ -14593,7 +14590,7 @@
           <p:cNvPr id="6" name="Espace réservé du contenu 4">
             <a:extLst>
               <a:ext uri="{FF2B5EF4-FFF2-40B4-BE49-F238E27FC236}">
-                <a16:creationId xmlns:a16="http://schemas.microsoft.com/office/drawing/2014/main" xmlns="" id="{E0ECA4FB-A27A-4EF4-8C7D-5B9524C6BE3F}"/>
+                <a16:creationId xmlns="" xmlns:a16="http://schemas.microsoft.com/office/drawing/2014/main" id="{E0ECA4FB-A27A-4EF4-8C7D-5B9524C6BE3F}"/>
               </a:ext>
             </a:extLst>
           </p:cNvPr>
@@ -17600,7 +17597,7 @@
           <p:cNvPr id="26" name="Espace réservé du contenu 4">
             <a:extLst>
               <a:ext uri="{FF2B5EF4-FFF2-40B4-BE49-F238E27FC236}">
-                <a16:creationId xmlns:a16="http://schemas.microsoft.com/office/drawing/2014/main" xmlns="" id="{E0ECA4FB-A27A-4EF4-8C7D-5B9524C6BE3F}"/>
+                <a16:creationId xmlns="" xmlns:a16="http://schemas.microsoft.com/office/drawing/2014/main" id="{E0ECA4FB-A27A-4EF4-8C7D-5B9524C6BE3F}"/>
               </a:ext>
             </a:extLst>
           </p:cNvPr>
@@ -17867,15 +17864,7 @@
                   <a:srgbClr val="FF0000"/>
                 </a:solidFill>
               </a:rPr>
-              <a:t>Port 3 : Mac 3</a:t>
-            </a:r>
-            <a:r>
-              <a:rPr lang="fr-FR" sz="1800" dirty="0" smtClean="0">
-                <a:solidFill>
-                  <a:srgbClr val="FF0000"/>
-                </a:solidFill>
-              </a:rPr>
-              <a:t> </a:t>
+              <a:t>Port 3 : Mac 3 </a:t>
             </a:r>
             <a:endParaRPr lang="fr-FR" sz="1800" dirty="0">
               <a:solidFill>
@@ -18001,11 +17990,7 @@
                   <a:pPr algn="ctr"/>
                   <a:r>
                     <a:rPr lang="fr-FR" sz="1200" dirty="0" smtClean="0"/>
-                    <a:t>Client </a:t>
-                  </a:r>
-                  <a:r>
-                    <a:rPr lang="fr-FR" sz="1200" dirty="0" smtClean="0"/>
-                    <a:t>PC2</a:t>
+                    <a:t>Client PC2</a:t>
                   </a:r>
                   <a:endParaRPr lang="fr-FR" sz="1200" dirty="0"/>
                 </a:p>
@@ -18305,11 +18290,7 @@
                   <a:pPr algn="ctr"/>
                   <a:r>
                     <a:rPr lang="fr-FR" sz="1200" dirty="0" smtClean="0"/>
-                    <a:t>Client </a:t>
-                  </a:r>
-                  <a:r>
-                    <a:rPr lang="fr-FR" sz="1200" dirty="0" smtClean="0"/>
-                    <a:t>PC3</a:t>
+                    <a:t>Client PC3</a:t>
                   </a:r>
                   <a:endParaRPr lang="fr-FR" sz="1200" dirty="0"/>
                 </a:p>
@@ -18599,11 +18580,7 @@
                   <a:pPr algn="ctr"/>
                   <a:r>
                     <a:rPr lang="fr-FR" sz="1200" dirty="0" smtClean="0"/>
-                    <a:t>Client </a:t>
-                  </a:r>
-                  <a:r>
-                    <a:rPr lang="fr-FR" sz="1200" dirty="0" smtClean="0"/>
-                    <a:t>PC2</a:t>
+                    <a:t>Client PC2</a:t>
                   </a:r>
                   <a:endParaRPr lang="fr-FR" sz="1200" dirty="0"/>
                 </a:p>
@@ -18903,11 +18880,7 @@
                   <a:pPr algn="ctr"/>
                   <a:r>
                     <a:rPr lang="fr-FR" sz="1200" dirty="0" smtClean="0"/>
-                    <a:t>Client </a:t>
-                  </a:r>
-                  <a:r>
-                    <a:rPr lang="fr-FR" sz="1200" dirty="0" smtClean="0"/>
-                    <a:t>PC3</a:t>
+                    <a:t>Client PC3</a:t>
                   </a:r>
                   <a:endParaRPr lang="fr-FR" sz="1200" dirty="0"/>
                 </a:p>
@@ -19347,7 +19320,7 @@
           <p:cNvPr id="26" name="Espace réservé du contenu 4">
             <a:extLst>
               <a:ext uri="{FF2B5EF4-FFF2-40B4-BE49-F238E27FC236}">
-                <a16:creationId xmlns:a16="http://schemas.microsoft.com/office/drawing/2014/main" xmlns="" id="{E0ECA4FB-A27A-4EF4-8C7D-5B9524C6BE3F}"/>
+                <a16:creationId xmlns="" xmlns:a16="http://schemas.microsoft.com/office/drawing/2014/main" id="{E0ECA4FB-A27A-4EF4-8C7D-5B9524C6BE3F}"/>
               </a:ext>
             </a:extLst>
           </p:cNvPr>
@@ -19745,11 +19718,7 @@
                   <a:pPr algn="ctr"/>
                   <a:r>
                     <a:rPr lang="fr-FR" sz="1200" dirty="0" smtClean="0"/>
-                    <a:t>Client </a:t>
-                  </a:r>
-                  <a:r>
-                    <a:rPr lang="fr-FR" sz="1200" dirty="0" smtClean="0"/>
-                    <a:t>PC2</a:t>
+                    <a:t>Client PC2</a:t>
                   </a:r>
                   <a:endParaRPr lang="fr-FR" sz="1200" dirty="0"/>
                 </a:p>
@@ -20049,11 +20018,7 @@
                   <a:pPr algn="ctr"/>
                   <a:r>
                     <a:rPr lang="fr-FR" sz="1200" dirty="0" smtClean="0"/>
-                    <a:t>Client </a:t>
-                  </a:r>
-                  <a:r>
-                    <a:rPr lang="fr-FR" sz="1200" dirty="0" smtClean="0"/>
-                    <a:t>PC3</a:t>
+                    <a:t>Client PC3</a:t>
                   </a:r>
                   <a:endParaRPr lang="fr-FR" sz="1200" dirty="0"/>
                 </a:p>
@@ -22365,7 +22330,6 @@
               <a:rPr lang="fr-FR" dirty="0"/>
               <a:t> local</a:t>
             </a:r>
-            <a:endParaRPr lang="fr-FR" dirty="0"/>
           </a:p>
         </p:txBody>
       </p:sp>
@@ -22520,11 +22484,7 @@
               <a:pPr algn="ctr"/>
               <a:r>
                 <a:rPr lang="fr-FR" sz="1200" dirty="0" smtClean="0"/>
-                <a:t>Client </a:t>
-              </a:r>
-              <a:r>
-                <a:rPr lang="fr-FR" sz="1200" dirty="0" smtClean="0"/>
-                <a:t>PC2</a:t>
+                <a:t>Client PC2</a:t>
               </a:r>
               <a:endParaRPr lang="fr-FR" sz="1200" dirty="0"/>
             </a:p>
@@ -22738,11 +22698,7 @@
               <a:pPr algn="ctr"/>
               <a:r>
                 <a:rPr lang="fr-FR" sz="1200" dirty="0" smtClean="0"/>
-                <a:t>Client </a:t>
-              </a:r>
-              <a:r>
-                <a:rPr lang="fr-FR" sz="1200" dirty="0" smtClean="0"/>
-                <a:t>PC3</a:t>
+                <a:t>Client PC3</a:t>
               </a:r>
               <a:endParaRPr lang="fr-FR" sz="1200" dirty="0"/>
             </a:p>
@@ -22911,7 +22867,6 @@
                 <a:rPr lang="fr-FR" sz="1200" dirty="0" smtClean="0"/>
                 <a:t>Switch2</a:t>
               </a:r>
-              <a:endParaRPr lang="fr-FR" sz="1200" dirty="0" smtClean="0"/>
             </a:p>
           </p:txBody>
         </p:sp>
@@ -22998,7 +22953,6 @@
                 <a:rPr lang="fr-FR" sz="1200" dirty="0" smtClean="0"/>
                 <a:t>Switch3</a:t>
               </a:r>
-              <a:endParaRPr lang="fr-FR" sz="1200" dirty="0" smtClean="0"/>
             </a:p>
           </p:txBody>
         </p:sp>
@@ -23085,7 +23039,6 @@
                 <a:rPr lang="fr-FR" sz="1200" dirty="0" smtClean="0"/>
                 <a:t>Switch1</a:t>
               </a:r>
-              <a:endParaRPr lang="fr-FR" sz="1200" dirty="0" smtClean="0"/>
             </a:p>
           </p:txBody>
         </p:sp>
@@ -23215,7 +23168,7 @@
           <p:cNvPr id="50" name="Espace réservé du contenu 4">
             <a:extLst>
               <a:ext uri="{FF2B5EF4-FFF2-40B4-BE49-F238E27FC236}">
-                <a16:creationId xmlns:a16="http://schemas.microsoft.com/office/drawing/2014/main" xmlns="" id="{E0ECA4FB-A27A-4EF4-8C7D-5B9524C6BE3F}"/>
+                <a16:creationId xmlns="" xmlns:a16="http://schemas.microsoft.com/office/drawing/2014/main" id="{E0ECA4FB-A27A-4EF4-8C7D-5B9524C6BE3F}"/>
               </a:ext>
             </a:extLst>
           </p:cNvPr>
@@ -23583,6 +23536,367 @@
     <p:extLst>
       <p:ext uri="{BB962C8B-B14F-4D97-AF65-F5344CB8AC3E}">
         <p14:creationId xmlns:p14="http://schemas.microsoft.com/office/powerpoint/2010/main" val="3067921885"/>
+      </p:ext>
+    </p:extLst>
+  </p:cSld>
+  <p:clrMapOvr>
+    <a:masterClrMapping/>
+  </p:clrMapOvr>
+</p:sld>
+</file>
+
+<file path=ppt/slides/slide28.xml><?xml version="1.0" encoding="utf-8"?>
+<p:sld xmlns:a="http://schemas.openxmlformats.org/drawingml/2006/main" xmlns:r="http://schemas.openxmlformats.org/officeDocument/2006/relationships" xmlns:p="http://schemas.openxmlformats.org/presentationml/2006/main">
+  <p:cSld>
+    <p:spTree>
+      <p:nvGrpSpPr>
+        <p:cNvPr id="1" name=""/>
+        <p:cNvGrpSpPr/>
+        <p:nvPr/>
+      </p:nvGrpSpPr>
+      <p:grpSpPr>
+        <a:xfrm>
+          <a:off x="0" y="0"/>
+          <a:ext cx="0" cy="0"/>
+          <a:chOff x="0" y="0"/>
+          <a:chExt cx="0" cy="0"/>
+        </a:xfrm>
+      </p:grpSpPr>
+      <p:sp>
+        <p:nvSpPr>
+          <p:cNvPr id="2" name="Titre 1"/>
+          <p:cNvSpPr>
+            <a:spLocks noGrp="1"/>
+          </p:cNvSpPr>
+          <p:nvPr>
+            <p:ph type="title"/>
+          </p:nvPr>
+        </p:nvSpPr>
+        <p:spPr/>
+        <p:txBody>
+          <a:bodyPr>
+            <a:normAutofit fontScale="90000"/>
+          </a:bodyPr>
+          <a:lstStyle/>
+          <a:p>
+            <a:r>
+              <a:rPr lang="fr-FR" dirty="0"/>
+              <a:t>8. Mettre en place un réseau</a:t>
+            </a:r>
+            <a:br>
+              <a:rPr lang="fr-FR" dirty="0"/>
+            </a:br>
+            <a:r>
+              <a:rPr lang="fr-FR" dirty="0" smtClean="0"/>
+              <a:t>Adressage IP</a:t>
+            </a:r>
+            <a:endParaRPr lang="fr-FR" dirty="0"/>
+          </a:p>
+        </p:txBody>
+      </p:sp>
+      <p:sp>
+        <p:nvSpPr>
+          <p:cNvPr id="3" name="Espace réservé du pied de page 2"/>
+          <p:cNvSpPr>
+            <a:spLocks noGrp="1"/>
+          </p:cNvSpPr>
+          <p:nvPr>
+            <p:ph type="ftr" sz="quarter" idx="11"/>
+          </p:nvPr>
+        </p:nvSpPr>
+        <p:spPr/>
+        <p:txBody>
+          <a:bodyPr/>
+          <a:lstStyle/>
+          <a:p>
+            <a:r>
+              <a:rPr lang="fr-FR" smtClean="0"/>
+              <a:t>David Violeau – Xavier Pessoles</a:t>
+            </a:r>
+            <a:endParaRPr lang="fr-FR"/>
+          </a:p>
+        </p:txBody>
+      </p:sp>
+      <p:sp>
+        <p:nvSpPr>
+          <p:cNvPr id="4" name="Espace réservé du numéro de diapositive 3"/>
+          <p:cNvSpPr>
+            <a:spLocks noGrp="1"/>
+          </p:cNvSpPr>
+          <p:nvPr>
+            <p:ph type="sldNum" sz="quarter" idx="12"/>
+          </p:nvPr>
+        </p:nvSpPr>
+        <p:spPr/>
+        <p:txBody>
+          <a:bodyPr/>
+          <a:lstStyle/>
+          <a:p>
+            <a:fld id="{69AC6D6E-35D0-489D-B18A-03530B324155}" type="slidenum">
+              <a:rPr lang="fr-FR" smtClean="0"/>
+              <a:t>28</a:t>
+            </a:fld>
+            <a:endParaRPr lang="fr-FR"/>
+          </a:p>
+        </p:txBody>
+      </p:sp>
+      <p:sp>
+        <p:nvSpPr>
+          <p:cNvPr id="5" name="Espace réservé du contenu 4"/>
+          <p:cNvSpPr>
+            <a:spLocks noGrp="1"/>
+          </p:cNvSpPr>
+          <p:nvPr>
+            <p:ph sz="quarter" idx="1"/>
+          </p:nvPr>
+        </p:nvSpPr>
+        <p:spPr/>
+        <p:txBody>
+          <a:bodyPr>
+            <a:normAutofit/>
+          </a:bodyPr>
+          <a:lstStyle/>
+          <a:p>
+            <a:r>
+              <a:rPr lang="fr-FR" sz="2000" dirty="0" smtClean="0"/>
+              <a:t>On donne une adresse IP et le masque de sous réseau associé : </a:t>
+            </a:r>
+          </a:p>
+          <a:p>
+            <a:pPr lvl="1"/>
+            <a:r>
+              <a:rPr lang="fr-FR" sz="1700" dirty="0" smtClean="0"/>
+              <a:t>Adresse : 192.168.1.110 = </a:t>
+            </a:r>
+            <a:r>
+              <a:rPr lang="fr-FR" sz="1800" dirty="0" smtClean="0"/>
+              <a:t>11000000.10101000.00000001. 01101110</a:t>
+            </a:r>
+          </a:p>
+          <a:p>
+            <a:pPr lvl="1"/>
+            <a:r>
+              <a:rPr lang="fr-FR" sz="1800" dirty="0" smtClean="0"/>
+              <a:t>Masque : 255.255.255.0 = 11111111.11111111.11111111.00000000</a:t>
+            </a:r>
+            <a:r>
+              <a:rPr lang="fr-FR" sz="1800" dirty="0"/>
+              <a:t/>
+            </a:r>
+            <a:br>
+              <a:rPr lang="fr-FR" sz="1800" dirty="0"/>
+            </a:br>
+            <a:endParaRPr lang="fr-FR" sz="1800" dirty="0" smtClean="0"/>
+          </a:p>
+          <a:p>
+            <a:r>
+              <a:rPr lang="fr-FR" sz="2100" dirty="0" smtClean="0"/>
+              <a:t>QCM</a:t>
+            </a:r>
+          </a:p>
+          <a:p>
+            <a:pPr lvl="1"/>
+            <a:r>
+              <a:rPr lang="fr-FR" sz="2100" dirty="0"/>
+              <a:t>Donner la partie réseau de l’adresse. </a:t>
+            </a:r>
+          </a:p>
+          <a:p>
+            <a:pPr lvl="2"/>
+            <a:r>
+              <a:rPr lang="fr-FR" sz="1800" dirty="0"/>
+              <a:t>a. 192. </a:t>
+            </a:r>
+            <a:r>
+              <a:rPr lang="fr-FR" sz="1800" dirty="0" smtClean="0"/>
+              <a:t>168     </a:t>
+            </a:r>
+            <a:r>
+              <a:rPr lang="fr-FR" sz="1800" u="sng" dirty="0" smtClean="0"/>
+              <a:t>b</a:t>
+            </a:r>
+            <a:r>
+              <a:rPr lang="fr-FR" sz="1800" u="sng" dirty="0"/>
+              <a:t>. 192.168.1</a:t>
+            </a:r>
+            <a:r>
+              <a:rPr lang="fr-FR" sz="1800" dirty="0"/>
+              <a:t> </a:t>
+            </a:r>
+            <a:r>
+              <a:rPr lang="fr-FR" sz="1800" dirty="0" smtClean="0"/>
+              <a:t>     c</a:t>
+            </a:r>
+            <a:r>
+              <a:rPr lang="fr-FR" sz="1800" dirty="0"/>
+              <a:t>. 255.255.255</a:t>
+            </a:r>
+            <a:r>
+              <a:rPr lang="fr-FR" sz="1800" dirty="0" smtClean="0"/>
+              <a:t>.      d</a:t>
+            </a:r>
+            <a:r>
+              <a:rPr lang="fr-FR" sz="1800" dirty="0"/>
+              <a:t>. 110</a:t>
+            </a:r>
+          </a:p>
+          <a:p>
+            <a:pPr lvl="1"/>
+            <a:r>
+              <a:rPr lang="fr-FR" sz="2100" dirty="0" smtClean="0"/>
+              <a:t>Donner </a:t>
+            </a:r>
+            <a:r>
+              <a:rPr lang="fr-FR" sz="2100" dirty="0"/>
+              <a:t>la partie machine de l’adresse IP </a:t>
+            </a:r>
+            <a:endParaRPr lang="fr-FR" sz="2100" dirty="0" smtClean="0"/>
+          </a:p>
+          <a:p>
+            <a:pPr lvl="2"/>
+            <a:r>
+              <a:rPr lang="fr-FR" sz="1800" dirty="0"/>
+              <a:t>a. 192. 168     b. 192.168.1      c. 255.255.255.0      </a:t>
+            </a:r>
+            <a:r>
+              <a:rPr lang="fr-FR" sz="1800" u="sng" dirty="0"/>
+              <a:t>d. 110</a:t>
+            </a:r>
+          </a:p>
+          <a:p>
+            <a:pPr lvl="1"/>
+            <a:r>
+              <a:rPr lang="fr-FR" sz="1800" dirty="0" smtClean="0"/>
+              <a:t>Quelle est la première adresse de la plage IP : </a:t>
+            </a:r>
+          </a:p>
+          <a:p>
+            <a:pPr lvl="2"/>
+            <a:r>
+              <a:rPr lang="fr-FR" sz="1600" u="sng" dirty="0"/>
+              <a:t>a. 192. </a:t>
+            </a:r>
+            <a:r>
+              <a:rPr lang="fr-FR" sz="1600" u="sng" dirty="0" smtClean="0"/>
+              <a:t>168.1.0</a:t>
+            </a:r>
+            <a:r>
+              <a:rPr lang="fr-FR" sz="1600" dirty="0" smtClean="0"/>
+              <a:t>    b. </a:t>
+            </a:r>
+            <a:r>
+              <a:rPr lang="fr-FR" sz="1600" dirty="0"/>
+              <a:t>1</a:t>
+            </a:r>
+            <a:r>
+              <a:rPr lang="fr-FR" sz="1600" dirty="0" smtClean="0"/>
+              <a:t>92</a:t>
+            </a:r>
+            <a:r>
+              <a:rPr lang="fr-FR" sz="1600" dirty="0"/>
+              <a:t>. </a:t>
+            </a:r>
+            <a:r>
+              <a:rPr lang="fr-FR" sz="1600" dirty="0" smtClean="0"/>
+              <a:t>168.1.1    c. </a:t>
+            </a:r>
+            <a:r>
+              <a:rPr lang="fr-FR" sz="1600" dirty="0"/>
+              <a:t>192. </a:t>
+            </a:r>
+            <a:r>
+              <a:rPr lang="fr-FR" sz="1600" dirty="0" smtClean="0"/>
+              <a:t>168.0.01    d. </a:t>
+            </a:r>
+            <a:r>
+              <a:rPr lang="fr-FR" sz="1600" dirty="0"/>
+              <a:t>192. </a:t>
+            </a:r>
+            <a:r>
+              <a:rPr lang="fr-FR" sz="1600" dirty="0" smtClean="0"/>
+              <a:t>168.1.110</a:t>
+            </a:r>
+            <a:endParaRPr lang="fr-FR" sz="1600" dirty="0"/>
+          </a:p>
+          <a:p>
+            <a:pPr lvl="1"/>
+            <a:r>
+              <a:rPr lang="fr-FR" sz="1800" dirty="0"/>
+              <a:t>Quelle est la </a:t>
+            </a:r>
+            <a:r>
+              <a:rPr lang="fr-FR" sz="1800" dirty="0" smtClean="0"/>
+              <a:t>dernière </a:t>
+            </a:r>
+            <a:r>
+              <a:rPr lang="fr-FR" sz="1800" dirty="0"/>
+              <a:t>adresse de la plage IP : </a:t>
+            </a:r>
+          </a:p>
+          <a:p>
+            <a:pPr lvl="2"/>
+            <a:r>
+              <a:rPr lang="fr-FR" sz="1600" dirty="0"/>
+              <a:t>a. 192. 168.1.0    b. 192. 168.1.1    c. 192. </a:t>
+            </a:r>
+            <a:r>
+              <a:rPr lang="fr-FR" sz="1600" dirty="0" smtClean="0"/>
+              <a:t>168.1.110    </a:t>
+            </a:r>
+            <a:r>
+              <a:rPr lang="fr-FR" sz="1600" u="sng" dirty="0"/>
+              <a:t>d. 192. </a:t>
+            </a:r>
+            <a:r>
+              <a:rPr lang="fr-FR" sz="1600" u="sng" dirty="0" smtClean="0"/>
+              <a:t>168.1.255</a:t>
+            </a:r>
+            <a:endParaRPr lang="fr-FR" sz="1600" u="sng" dirty="0"/>
+          </a:p>
+          <a:p>
+            <a:pPr lvl="1"/>
+            <a:r>
+              <a:rPr lang="fr-FR" sz="1800" dirty="0"/>
+              <a:t>Quelle est </a:t>
+            </a:r>
+            <a:r>
+              <a:rPr lang="fr-FR" sz="1800" dirty="0" smtClean="0"/>
+              <a:t>le </a:t>
+            </a:r>
+            <a:r>
+              <a:rPr lang="fr-FR" sz="1800" dirty="0"/>
+              <a:t>dernière adresse de la plage IP : </a:t>
+            </a:r>
+          </a:p>
+          <a:p>
+            <a:pPr lvl="2"/>
+            <a:r>
+              <a:rPr lang="fr-FR" sz="1600" dirty="0"/>
+              <a:t>a. 192. 168.1.0    b. 192. 168.1.1    c. 192. 168.1.110    </a:t>
+            </a:r>
+            <a:r>
+              <a:rPr lang="fr-FR" sz="1600" u="sng" dirty="0"/>
+              <a:t>d. 192. </a:t>
+            </a:r>
+            <a:r>
+              <a:rPr lang="fr-FR" sz="1600" u="sng" dirty="0" smtClean="0"/>
+              <a:t>168.1.255</a:t>
+            </a:r>
+            <a:r>
+              <a:rPr lang="fr-FR" sz="1500" smtClean="0"/>
+              <a:t/>
+            </a:r>
+            <a:br>
+              <a:rPr lang="fr-FR" sz="1500" smtClean="0"/>
+            </a:br>
+            <a:endParaRPr lang="fr-FR" sz="1400" dirty="0"/>
+          </a:p>
+        </p:txBody>
+      </p:sp>
+    </p:spTree>
+    <p:extLst>
+      <p:ext uri="{BB962C8B-B14F-4D97-AF65-F5344CB8AC3E}">
+        <p14:creationId xmlns:p14="http://schemas.microsoft.com/office/powerpoint/2010/main" val="1995135279"/>
       </p:ext>
     </p:extLst>
   </p:cSld>
@@ -32876,7 +33190,7 @@
           <p:cNvPr id="56" name="Groupe 55">
             <a:extLst>
               <a:ext uri="{FF2B5EF4-FFF2-40B4-BE49-F238E27FC236}">
-                <a16:creationId xmlns:a16="http://schemas.microsoft.com/office/drawing/2014/main" xmlns="" id="{829E4CAB-EA83-4DC5-88DD-088B85284F44}"/>
+                <a16:creationId xmlns="" xmlns:a16="http://schemas.microsoft.com/office/drawing/2014/main" id="{829E4CAB-EA83-4DC5-88DD-088B85284F44}"/>
               </a:ext>
             </a:extLst>
           </p:cNvPr>
@@ -32896,7 +33210,7 @@
             <p:cNvPr id="8" name="Groupe 7">
               <a:extLst>
                 <a:ext uri="{FF2B5EF4-FFF2-40B4-BE49-F238E27FC236}">
-                  <a16:creationId xmlns:a16="http://schemas.microsoft.com/office/drawing/2014/main" xmlns="" id="{420C7BCC-6D63-4B9F-A036-311AB999F576}"/>
+                  <a16:creationId xmlns="" xmlns:a16="http://schemas.microsoft.com/office/drawing/2014/main" id="{420C7BCC-6D63-4B9F-A036-311AB999F576}"/>
                 </a:ext>
               </a:extLst>
             </p:cNvPr>
@@ -32916,7 +33230,7 @@
               <p:cNvPr id="38" name="Groupe 37">
                 <a:extLst>
                   <a:ext uri="{FF2B5EF4-FFF2-40B4-BE49-F238E27FC236}">
-                    <a16:creationId xmlns:a16="http://schemas.microsoft.com/office/drawing/2014/main" xmlns="" id="{473E1171-AF8C-403A-ADE2-506F820B68F9}"/>
+                    <a16:creationId xmlns="" xmlns:a16="http://schemas.microsoft.com/office/drawing/2014/main" id="{473E1171-AF8C-403A-ADE2-506F820B68F9}"/>
                   </a:ext>
                 </a:extLst>
               </p:cNvPr>
@@ -32936,7 +33250,7 @@
                 <p:cNvPr id="48" name="Chevron 184">
                   <a:extLst>
                     <a:ext uri="{FF2B5EF4-FFF2-40B4-BE49-F238E27FC236}">
-                      <a16:creationId xmlns:a16="http://schemas.microsoft.com/office/drawing/2014/main" xmlns="" id="{14E2E699-AB3C-4A93-A242-3D676BE1AE78}"/>
+                      <a16:creationId xmlns="" xmlns:a16="http://schemas.microsoft.com/office/drawing/2014/main" id="{14E2E699-AB3C-4A93-A242-3D676BE1AE78}"/>
                     </a:ext>
                   </a:extLst>
                 </p:cNvPr>
@@ -32986,7 +33300,7 @@
                 <p:cNvPr id="49" name="Rectangle 48">
                   <a:extLst>
                     <a:ext uri="{FF2B5EF4-FFF2-40B4-BE49-F238E27FC236}">
-                      <a16:creationId xmlns:a16="http://schemas.microsoft.com/office/drawing/2014/main" xmlns="" id="{0FB6D7F8-51B9-4825-805E-C852F6B67989}"/>
+                      <a16:creationId xmlns="" xmlns:a16="http://schemas.microsoft.com/office/drawing/2014/main" id="{0FB6D7F8-51B9-4825-805E-C852F6B67989}"/>
                     </a:ext>
                   </a:extLst>
                 </p:cNvPr>
@@ -33034,7 +33348,7 @@
               <p:cNvPr id="39" name="Groupe 38">
                 <a:extLst>
                   <a:ext uri="{FF2B5EF4-FFF2-40B4-BE49-F238E27FC236}">
-                    <a16:creationId xmlns:a16="http://schemas.microsoft.com/office/drawing/2014/main" xmlns="" id="{9A20EB79-0B5F-4A63-8F6C-ECC600105C0C}"/>
+                    <a16:creationId xmlns="" xmlns:a16="http://schemas.microsoft.com/office/drawing/2014/main" id="{9A20EB79-0B5F-4A63-8F6C-ECC600105C0C}"/>
                   </a:ext>
                 </a:extLst>
               </p:cNvPr>
@@ -33054,7 +33368,7 @@
                 <p:cNvPr id="45" name="Chevron 181">
                   <a:extLst>
                     <a:ext uri="{FF2B5EF4-FFF2-40B4-BE49-F238E27FC236}">
-                      <a16:creationId xmlns:a16="http://schemas.microsoft.com/office/drawing/2014/main" xmlns="" id="{2D5FFA58-5E36-468A-B57F-D7D3477028F4}"/>
+                      <a16:creationId xmlns="" xmlns:a16="http://schemas.microsoft.com/office/drawing/2014/main" id="{2D5FFA58-5E36-468A-B57F-D7D3477028F4}"/>
                     </a:ext>
                   </a:extLst>
                 </p:cNvPr>
@@ -33104,7 +33418,7 @@
                 <p:cNvPr id="46" name="Rectangle 45">
                   <a:extLst>
                     <a:ext uri="{FF2B5EF4-FFF2-40B4-BE49-F238E27FC236}">
-                      <a16:creationId xmlns:a16="http://schemas.microsoft.com/office/drawing/2014/main" xmlns="" id="{C7DFC75C-B66A-4291-A07E-891BC33B6B23}"/>
+                      <a16:creationId xmlns="" xmlns:a16="http://schemas.microsoft.com/office/drawing/2014/main" id="{C7DFC75C-B66A-4291-A07E-891BC33B6B23}"/>
                     </a:ext>
                   </a:extLst>
                 </p:cNvPr>
@@ -33151,7 +33465,7 @@
                 <p:cNvPr id="47" name="Rectangle 46">
                   <a:extLst>
                     <a:ext uri="{FF2B5EF4-FFF2-40B4-BE49-F238E27FC236}">
-                      <a16:creationId xmlns:a16="http://schemas.microsoft.com/office/drawing/2014/main" xmlns="" id="{F046E9A3-065D-4ED5-A94C-CC38C6BDE078}"/>
+                      <a16:creationId xmlns="" xmlns:a16="http://schemas.microsoft.com/office/drawing/2014/main" id="{F046E9A3-065D-4ED5-A94C-CC38C6BDE078}"/>
                     </a:ext>
                   </a:extLst>
                 </p:cNvPr>
@@ -33196,7 +33510,7 @@
               <p:cNvPr id="40" name="Groupe 39">
                 <a:extLst>
                   <a:ext uri="{FF2B5EF4-FFF2-40B4-BE49-F238E27FC236}">
-                    <a16:creationId xmlns:a16="http://schemas.microsoft.com/office/drawing/2014/main" xmlns="" id="{94CAF8A2-855E-4D6A-B7A1-48503B438EDC}"/>
+                    <a16:creationId xmlns="" xmlns:a16="http://schemas.microsoft.com/office/drawing/2014/main" id="{94CAF8A2-855E-4D6A-B7A1-48503B438EDC}"/>
                   </a:ext>
                 </a:extLst>
               </p:cNvPr>
@@ -33216,7 +33530,7 @@
                 <p:cNvPr id="41" name="Groupe 40">
                   <a:extLst>
                     <a:ext uri="{FF2B5EF4-FFF2-40B4-BE49-F238E27FC236}">
-                      <a16:creationId xmlns:a16="http://schemas.microsoft.com/office/drawing/2014/main" xmlns="" id="{0D6A2B82-9CA7-41F5-9195-B8CA328BEC73}"/>
+                      <a16:creationId xmlns="" xmlns:a16="http://schemas.microsoft.com/office/drawing/2014/main" id="{0D6A2B82-9CA7-41F5-9195-B8CA328BEC73}"/>
                     </a:ext>
                   </a:extLst>
                 </p:cNvPr>
@@ -33236,7 +33550,7 @@
                   <p:cNvPr id="43" name="Chevron 179">
                     <a:extLst>
                       <a:ext uri="{FF2B5EF4-FFF2-40B4-BE49-F238E27FC236}">
-                        <a16:creationId xmlns:a16="http://schemas.microsoft.com/office/drawing/2014/main" xmlns="" id="{F0E58AD2-F2F8-4179-8042-7F2895746C0C}"/>
+                        <a16:creationId xmlns="" xmlns:a16="http://schemas.microsoft.com/office/drawing/2014/main" id="{F0E58AD2-F2F8-4179-8042-7F2895746C0C}"/>
                       </a:ext>
                     </a:extLst>
                   </p:cNvPr>
@@ -33286,7 +33600,7 @@
                   <p:cNvPr id="44" name="Rectangle 43">
                     <a:extLst>
                       <a:ext uri="{FF2B5EF4-FFF2-40B4-BE49-F238E27FC236}">
-                        <a16:creationId xmlns:a16="http://schemas.microsoft.com/office/drawing/2014/main" xmlns="" id="{E89E9C67-9D70-4AAE-83CD-FFA6AC4166A0}"/>
+                        <a16:creationId xmlns="" xmlns:a16="http://schemas.microsoft.com/office/drawing/2014/main" id="{E89E9C67-9D70-4AAE-83CD-FFA6AC4166A0}"/>
                       </a:ext>
                     </a:extLst>
                   </p:cNvPr>
@@ -33334,7 +33648,7 @@
                 <p:cNvPr id="42" name="Rectangle 41">
                   <a:extLst>
                     <a:ext uri="{FF2B5EF4-FFF2-40B4-BE49-F238E27FC236}">
-                      <a16:creationId xmlns:a16="http://schemas.microsoft.com/office/drawing/2014/main" xmlns="" id="{9F940A4B-EF94-4D2B-A282-9D7E8A9E62B1}"/>
+                      <a16:creationId xmlns="" xmlns:a16="http://schemas.microsoft.com/office/drawing/2014/main" id="{9F940A4B-EF94-4D2B-A282-9D7E8A9E62B1}"/>
                     </a:ext>
                   </a:extLst>
                 </p:cNvPr>
@@ -33380,7 +33694,7 @@
             <p:cNvPr id="55" name="Groupe 54">
               <a:extLst>
                 <a:ext uri="{FF2B5EF4-FFF2-40B4-BE49-F238E27FC236}">
-                  <a16:creationId xmlns:a16="http://schemas.microsoft.com/office/drawing/2014/main" xmlns="" id="{513E2DEA-CB3B-4EB8-82C6-E59AC1AFBC53}"/>
+                  <a16:creationId xmlns="" xmlns:a16="http://schemas.microsoft.com/office/drawing/2014/main" id="{513E2DEA-CB3B-4EB8-82C6-E59AC1AFBC53}"/>
                 </a:ext>
               </a:extLst>
             </p:cNvPr>
@@ -33400,7 +33714,7 @@
               <p:cNvPr id="52" name="Chevron 181">
                 <a:extLst>
                   <a:ext uri="{FF2B5EF4-FFF2-40B4-BE49-F238E27FC236}">
-                    <a16:creationId xmlns:a16="http://schemas.microsoft.com/office/drawing/2014/main" xmlns="" id="{D139509A-2297-4537-B264-0518B3446CA0}"/>
+                    <a16:creationId xmlns="" xmlns:a16="http://schemas.microsoft.com/office/drawing/2014/main" id="{D139509A-2297-4537-B264-0518B3446CA0}"/>
                   </a:ext>
                 </a:extLst>
               </p:cNvPr>
@@ -33450,7 +33764,7 @@
               <p:cNvPr id="53" name="Rectangle 52">
                 <a:extLst>
                   <a:ext uri="{FF2B5EF4-FFF2-40B4-BE49-F238E27FC236}">
-                    <a16:creationId xmlns:a16="http://schemas.microsoft.com/office/drawing/2014/main" xmlns="" id="{4EBC1CE8-426C-46AF-8088-E34A0B46DF5A}"/>
+                    <a16:creationId xmlns="" xmlns:a16="http://schemas.microsoft.com/office/drawing/2014/main" id="{4EBC1CE8-426C-46AF-8088-E34A0B46DF5A}"/>
                   </a:ext>
                 </a:extLst>
               </p:cNvPr>
@@ -33499,7 +33813,7 @@
           <p:cNvPr id="57" name="Groupe 56">
             <a:extLst>
               <a:ext uri="{FF2B5EF4-FFF2-40B4-BE49-F238E27FC236}">
-                <a16:creationId xmlns:a16="http://schemas.microsoft.com/office/drawing/2014/main" xmlns="" id="{4B8D0827-97EC-477E-8FCC-C544CFC9AEB1}"/>
+                <a16:creationId xmlns="" xmlns:a16="http://schemas.microsoft.com/office/drawing/2014/main" id="{4B8D0827-97EC-477E-8FCC-C544CFC9AEB1}"/>
               </a:ext>
             </a:extLst>
           </p:cNvPr>
@@ -33519,7 +33833,7 @@
             <p:cNvPr id="58" name="Groupe 57">
               <a:extLst>
                 <a:ext uri="{FF2B5EF4-FFF2-40B4-BE49-F238E27FC236}">
-                  <a16:creationId xmlns:a16="http://schemas.microsoft.com/office/drawing/2014/main" xmlns="" id="{FF649601-B6D6-466F-93F4-B93F9D3F376F}"/>
+                  <a16:creationId xmlns="" xmlns:a16="http://schemas.microsoft.com/office/drawing/2014/main" id="{FF649601-B6D6-466F-93F4-B93F9D3F376F}"/>
                 </a:ext>
               </a:extLst>
             </p:cNvPr>
@@ -33539,7 +33853,7 @@
               <p:cNvPr id="62" name="Groupe 61">
                 <a:extLst>
                   <a:ext uri="{FF2B5EF4-FFF2-40B4-BE49-F238E27FC236}">
-                    <a16:creationId xmlns:a16="http://schemas.microsoft.com/office/drawing/2014/main" xmlns="" id="{A705152C-F305-46C3-BFC8-963DE257480E}"/>
+                    <a16:creationId xmlns="" xmlns:a16="http://schemas.microsoft.com/office/drawing/2014/main" id="{A705152C-F305-46C3-BFC8-963DE257480E}"/>
                   </a:ext>
                 </a:extLst>
               </p:cNvPr>
@@ -33559,7 +33873,7 @@
                 <p:cNvPr id="72" name="Chevron 184">
                   <a:extLst>
                     <a:ext uri="{FF2B5EF4-FFF2-40B4-BE49-F238E27FC236}">
-                      <a16:creationId xmlns:a16="http://schemas.microsoft.com/office/drawing/2014/main" xmlns="" id="{D0479429-1365-4B35-AA79-0E895466274C}"/>
+                      <a16:creationId xmlns="" xmlns:a16="http://schemas.microsoft.com/office/drawing/2014/main" id="{D0479429-1365-4B35-AA79-0E895466274C}"/>
                     </a:ext>
                   </a:extLst>
                 </p:cNvPr>
@@ -33609,7 +33923,7 @@
                 <p:cNvPr id="73" name="Rectangle 72">
                   <a:extLst>
                     <a:ext uri="{FF2B5EF4-FFF2-40B4-BE49-F238E27FC236}">
-                      <a16:creationId xmlns:a16="http://schemas.microsoft.com/office/drawing/2014/main" xmlns="" id="{A04C5625-C991-4331-A28E-327BCD831012}"/>
+                      <a16:creationId xmlns="" xmlns:a16="http://schemas.microsoft.com/office/drawing/2014/main" id="{A04C5625-C991-4331-A28E-327BCD831012}"/>
                     </a:ext>
                   </a:extLst>
                 </p:cNvPr>
@@ -33657,7 +33971,7 @@
               <p:cNvPr id="63" name="Groupe 62">
                 <a:extLst>
                   <a:ext uri="{FF2B5EF4-FFF2-40B4-BE49-F238E27FC236}">
-                    <a16:creationId xmlns:a16="http://schemas.microsoft.com/office/drawing/2014/main" xmlns="" id="{891EFF85-8551-4520-AF81-9FFF3FAB4B56}"/>
+                    <a16:creationId xmlns="" xmlns:a16="http://schemas.microsoft.com/office/drawing/2014/main" id="{891EFF85-8551-4520-AF81-9FFF3FAB4B56}"/>
                   </a:ext>
                 </a:extLst>
               </p:cNvPr>
@@ -33677,7 +33991,7 @@
                 <p:cNvPr id="69" name="Chevron 181">
                   <a:extLst>
                     <a:ext uri="{FF2B5EF4-FFF2-40B4-BE49-F238E27FC236}">
-                      <a16:creationId xmlns:a16="http://schemas.microsoft.com/office/drawing/2014/main" xmlns="" id="{09B6DD4D-C151-42D8-B898-1508D2D54892}"/>
+                      <a16:creationId xmlns="" xmlns:a16="http://schemas.microsoft.com/office/drawing/2014/main" id="{09B6DD4D-C151-42D8-B898-1508D2D54892}"/>
                     </a:ext>
                   </a:extLst>
                 </p:cNvPr>
@@ -33727,7 +34041,7 @@
                 <p:cNvPr id="70" name="Rectangle 69">
                   <a:extLst>
                     <a:ext uri="{FF2B5EF4-FFF2-40B4-BE49-F238E27FC236}">
-                      <a16:creationId xmlns:a16="http://schemas.microsoft.com/office/drawing/2014/main" xmlns="" id="{2015BB36-84CB-4CB2-BBA2-41000A5EA831}"/>
+                      <a16:creationId xmlns="" xmlns:a16="http://schemas.microsoft.com/office/drawing/2014/main" id="{2015BB36-84CB-4CB2-BBA2-41000A5EA831}"/>
                     </a:ext>
                   </a:extLst>
                 </p:cNvPr>
@@ -33774,7 +34088,7 @@
                 <p:cNvPr id="71" name="Rectangle 70">
                   <a:extLst>
                     <a:ext uri="{FF2B5EF4-FFF2-40B4-BE49-F238E27FC236}">
-                      <a16:creationId xmlns:a16="http://schemas.microsoft.com/office/drawing/2014/main" xmlns="" id="{2D477056-2DC6-468C-9457-E9F78969CA07}"/>
+                      <a16:creationId xmlns="" xmlns:a16="http://schemas.microsoft.com/office/drawing/2014/main" id="{2D477056-2DC6-468C-9457-E9F78969CA07}"/>
                     </a:ext>
                   </a:extLst>
                 </p:cNvPr>
@@ -33819,7 +34133,7 @@
               <p:cNvPr id="64" name="Groupe 63">
                 <a:extLst>
                   <a:ext uri="{FF2B5EF4-FFF2-40B4-BE49-F238E27FC236}">
-                    <a16:creationId xmlns:a16="http://schemas.microsoft.com/office/drawing/2014/main" xmlns="" id="{FA20EE8D-4845-4900-8094-1F2E19A74C78}"/>
+                    <a16:creationId xmlns="" xmlns:a16="http://schemas.microsoft.com/office/drawing/2014/main" id="{FA20EE8D-4845-4900-8094-1F2E19A74C78}"/>
                   </a:ext>
                 </a:extLst>
               </p:cNvPr>
@@ -33839,7 +34153,7 @@
                 <p:cNvPr id="65" name="Groupe 64">
                   <a:extLst>
                     <a:ext uri="{FF2B5EF4-FFF2-40B4-BE49-F238E27FC236}">
-                      <a16:creationId xmlns:a16="http://schemas.microsoft.com/office/drawing/2014/main" xmlns="" id="{939BDACC-5712-4813-B8A3-F2F299F86A28}"/>
+                      <a16:creationId xmlns="" xmlns:a16="http://schemas.microsoft.com/office/drawing/2014/main" id="{939BDACC-5712-4813-B8A3-F2F299F86A28}"/>
                     </a:ext>
                   </a:extLst>
                 </p:cNvPr>
@@ -33859,7 +34173,7 @@
                   <p:cNvPr id="67" name="Chevron 179">
                     <a:extLst>
                       <a:ext uri="{FF2B5EF4-FFF2-40B4-BE49-F238E27FC236}">
-                        <a16:creationId xmlns:a16="http://schemas.microsoft.com/office/drawing/2014/main" xmlns="" id="{AA50265B-A851-460A-B677-32B68888AC1E}"/>
+                        <a16:creationId xmlns="" xmlns:a16="http://schemas.microsoft.com/office/drawing/2014/main" id="{AA50265B-A851-460A-B677-32B68888AC1E}"/>
                       </a:ext>
                     </a:extLst>
                   </p:cNvPr>
@@ -33909,7 +34223,7 @@
                   <p:cNvPr id="68" name="Rectangle 67">
                     <a:extLst>
                       <a:ext uri="{FF2B5EF4-FFF2-40B4-BE49-F238E27FC236}">
-                        <a16:creationId xmlns:a16="http://schemas.microsoft.com/office/drawing/2014/main" xmlns="" id="{59F80878-C864-41F6-8E46-762F396D5DA8}"/>
+                        <a16:creationId xmlns="" xmlns:a16="http://schemas.microsoft.com/office/drawing/2014/main" id="{59F80878-C864-41F6-8E46-762F396D5DA8}"/>
                       </a:ext>
                     </a:extLst>
                   </p:cNvPr>
@@ -33957,7 +34271,7 @@
                 <p:cNvPr id="66" name="Rectangle 65">
                   <a:extLst>
                     <a:ext uri="{FF2B5EF4-FFF2-40B4-BE49-F238E27FC236}">
-                      <a16:creationId xmlns:a16="http://schemas.microsoft.com/office/drawing/2014/main" xmlns="" id="{4135BCA8-0C12-4BAD-BC07-A69BAB71BB1F}"/>
+                      <a16:creationId xmlns="" xmlns:a16="http://schemas.microsoft.com/office/drawing/2014/main" id="{4135BCA8-0C12-4BAD-BC07-A69BAB71BB1F}"/>
                     </a:ext>
                   </a:extLst>
                 </p:cNvPr>
@@ -34003,7 +34317,7 @@
             <p:cNvPr id="59" name="Groupe 58">
               <a:extLst>
                 <a:ext uri="{FF2B5EF4-FFF2-40B4-BE49-F238E27FC236}">
-                  <a16:creationId xmlns:a16="http://schemas.microsoft.com/office/drawing/2014/main" xmlns="" id="{C0F90D35-A22B-4BE7-931D-DAFAB5F92660}"/>
+                  <a16:creationId xmlns="" xmlns:a16="http://schemas.microsoft.com/office/drawing/2014/main" id="{C0F90D35-A22B-4BE7-931D-DAFAB5F92660}"/>
                 </a:ext>
               </a:extLst>
             </p:cNvPr>
@@ -34023,7 +34337,7 @@
               <p:cNvPr id="60" name="Chevron 181">
                 <a:extLst>
                   <a:ext uri="{FF2B5EF4-FFF2-40B4-BE49-F238E27FC236}">
-                    <a16:creationId xmlns:a16="http://schemas.microsoft.com/office/drawing/2014/main" xmlns="" id="{692291C0-CA8E-4354-9054-828EF65F4BA1}"/>
+                    <a16:creationId xmlns="" xmlns:a16="http://schemas.microsoft.com/office/drawing/2014/main" id="{692291C0-CA8E-4354-9054-828EF65F4BA1}"/>
                   </a:ext>
                 </a:extLst>
               </p:cNvPr>
@@ -34073,7 +34387,7 @@
               <p:cNvPr id="61" name="Rectangle 60">
                 <a:extLst>
                   <a:ext uri="{FF2B5EF4-FFF2-40B4-BE49-F238E27FC236}">
-                    <a16:creationId xmlns:a16="http://schemas.microsoft.com/office/drawing/2014/main" xmlns="" id="{C7CBCD65-7C6C-4B90-AEE1-5B574EA20C04}"/>
+                    <a16:creationId xmlns="" xmlns:a16="http://schemas.microsoft.com/office/drawing/2014/main" id="{C7CBCD65-7C6C-4B90-AEE1-5B574EA20C04}"/>
                   </a:ext>
                 </a:extLst>
               </p:cNvPr>
@@ -34122,7 +34436,7 @@
           <p:cNvPr id="74" name="Groupe 73">
             <a:extLst>
               <a:ext uri="{FF2B5EF4-FFF2-40B4-BE49-F238E27FC236}">
-                <a16:creationId xmlns:a16="http://schemas.microsoft.com/office/drawing/2014/main" xmlns="" id="{14BBF4AF-ED8A-44E8-837E-EE62A4D8B28E}"/>
+                <a16:creationId xmlns="" xmlns:a16="http://schemas.microsoft.com/office/drawing/2014/main" id="{14BBF4AF-ED8A-44E8-837E-EE62A4D8B28E}"/>
               </a:ext>
             </a:extLst>
           </p:cNvPr>
@@ -34142,7 +34456,7 @@
             <p:cNvPr id="75" name="Groupe 74">
               <a:extLst>
                 <a:ext uri="{FF2B5EF4-FFF2-40B4-BE49-F238E27FC236}">
-                  <a16:creationId xmlns:a16="http://schemas.microsoft.com/office/drawing/2014/main" xmlns="" id="{B056B36F-72C6-4732-B08D-51FD3E5EFC4F}"/>
+                  <a16:creationId xmlns="" xmlns:a16="http://schemas.microsoft.com/office/drawing/2014/main" id="{B056B36F-72C6-4732-B08D-51FD3E5EFC4F}"/>
                 </a:ext>
               </a:extLst>
             </p:cNvPr>
@@ -34162,7 +34476,7 @@
               <p:cNvPr id="79" name="Groupe 78">
                 <a:extLst>
                   <a:ext uri="{FF2B5EF4-FFF2-40B4-BE49-F238E27FC236}">
-                    <a16:creationId xmlns:a16="http://schemas.microsoft.com/office/drawing/2014/main" xmlns="" id="{694D587B-FF31-40E1-8F41-E195E1433F91}"/>
+                    <a16:creationId xmlns="" xmlns:a16="http://schemas.microsoft.com/office/drawing/2014/main" id="{694D587B-FF31-40E1-8F41-E195E1433F91}"/>
                   </a:ext>
                 </a:extLst>
               </p:cNvPr>
@@ -34182,7 +34496,7 @@
                 <p:cNvPr id="89" name="Chevron 184">
                   <a:extLst>
                     <a:ext uri="{FF2B5EF4-FFF2-40B4-BE49-F238E27FC236}">
-                      <a16:creationId xmlns:a16="http://schemas.microsoft.com/office/drawing/2014/main" xmlns="" id="{A2E1914A-1C07-42AA-8CCA-6F4AC79DAB83}"/>
+                      <a16:creationId xmlns="" xmlns:a16="http://schemas.microsoft.com/office/drawing/2014/main" id="{A2E1914A-1C07-42AA-8CCA-6F4AC79DAB83}"/>
                     </a:ext>
                   </a:extLst>
                 </p:cNvPr>
@@ -34232,7 +34546,7 @@
                 <p:cNvPr id="90" name="Rectangle 89">
                   <a:extLst>
                     <a:ext uri="{FF2B5EF4-FFF2-40B4-BE49-F238E27FC236}">
-                      <a16:creationId xmlns:a16="http://schemas.microsoft.com/office/drawing/2014/main" xmlns="" id="{24A85BAD-D086-495E-80D1-FDC7F8D2F05C}"/>
+                      <a16:creationId xmlns="" xmlns:a16="http://schemas.microsoft.com/office/drawing/2014/main" id="{24A85BAD-D086-495E-80D1-FDC7F8D2F05C}"/>
                     </a:ext>
                   </a:extLst>
                 </p:cNvPr>
@@ -34280,7 +34594,7 @@
               <p:cNvPr id="80" name="Groupe 79">
                 <a:extLst>
                   <a:ext uri="{FF2B5EF4-FFF2-40B4-BE49-F238E27FC236}">
-                    <a16:creationId xmlns:a16="http://schemas.microsoft.com/office/drawing/2014/main" xmlns="" id="{B411E08B-7E4A-47CF-9895-DD883EB8E3DF}"/>
+                    <a16:creationId xmlns="" xmlns:a16="http://schemas.microsoft.com/office/drawing/2014/main" id="{B411E08B-7E4A-47CF-9895-DD883EB8E3DF}"/>
                   </a:ext>
                 </a:extLst>
               </p:cNvPr>
@@ -34300,7 +34614,7 @@
                 <p:cNvPr id="86" name="Chevron 181">
                   <a:extLst>
                     <a:ext uri="{FF2B5EF4-FFF2-40B4-BE49-F238E27FC236}">
-                      <a16:creationId xmlns:a16="http://schemas.microsoft.com/office/drawing/2014/main" xmlns="" id="{37B26757-C735-4162-A94F-2C76580B9E9B}"/>
+                      <a16:creationId xmlns="" xmlns:a16="http://schemas.microsoft.com/office/drawing/2014/main" id="{37B26757-C735-4162-A94F-2C76580B9E9B}"/>
                     </a:ext>
                   </a:extLst>
                 </p:cNvPr>
@@ -34350,7 +34664,7 @@
                 <p:cNvPr id="87" name="Rectangle 86">
                   <a:extLst>
                     <a:ext uri="{FF2B5EF4-FFF2-40B4-BE49-F238E27FC236}">
-                      <a16:creationId xmlns:a16="http://schemas.microsoft.com/office/drawing/2014/main" xmlns="" id="{47A144DD-3077-4129-9E69-DD4063FB0968}"/>
+                      <a16:creationId xmlns="" xmlns:a16="http://schemas.microsoft.com/office/drawing/2014/main" id="{47A144DD-3077-4129-9E69-DD4063FB0968}"/>
                     </a:ext>
                   </a:extLst>
                 </p:cNvPr>
@@ -34397,7 +34711,7 @@
                 <p:cNvPr id="88" name="Rectangle 87">
                   <a:extLst>
                     <a:ext uri="{FF2B5EF4-FFF2-40B4-BE49-F238E27FC236}">
-                      <a16:creationId xmlns:a16="http://schemas.microsoft.com/office/drawing/2014/main" xmlns="" id="{B9EAFEF5-E5A1-411D-BB89-9F1B18193020}"/>
+                      <a16:creationId xmlns="" xmlns:a16="http://schemas.microsoft.com/office/drawing/2014/main" id="{B9EAFEF5-E5A1-411D-BB89-9F1B18193020}"/>
                     </a:ext>
                   </a:extLst>
                 </p:cNvPr>
@@ -34442,7 +34756,7 @@
               <p:cNvPr id="81" name="Groupe 80">
                 <a:extLst>
                   <a:ext uri="{FF2B5EF4-FFF2-40B4-BE49-F238E27FC236}">
-                    <a16:creationId xmlns:a16="http://schemas.microsoft.com/office/drawing/2014/main" xmlns="" id="{D726288C-0E94-422C-90C0-9693DEAF072D}"/>
+                    <a16:creationId xmlns="" xmlns:a16="http://schemas.microsoft.com/office/drawing/2014/main" id="{D726288C-0E94-422C-90C0-9693DEAF072D}"/>
                   </a:ext>
                 </a:extLst>
               </p:cNvPr>
@@ -34462,7 +34776,7 @@
                 <p:cNvPr id="82" name="Groupe 81">
                   <a:extLst>
                     <a:ext uri="{FF2B5EF4-FFF2-40B4-BE49-F238E27FC236}">
-                      <a16:creationId xmlns:a16="http://schemas.microsoft.com/office/drawing/2014/main" xmlns="" id="{03BD84C5-663C-4A89-9FC2-5AA7516D9709}"/>
+                      <a16:creationId xmlns="" xmlns:a16="http://schemas.microsoft.com/office/drawing/2014/main" id="{03BD84C5-663C-4A89-9FC2-5AA7516D9709}"/>
                     </a:ext>
                   </a:extLst>
                 </p:cNvPr>
@@ -34482,7 +34796,7 @@
                   <p:cNvPr id="84" name="Chevron 179">
                     <a:extLst>
                       <a:ext uri="{FF2B5EF4-FFF2-40B4-BE49-F238E27FC236}">
-                        <a16:creationId xmlns:a16="http://schemas.microsoft.com/office/drawing/2014/main" xmlns="" id="{82C8625C-15DA-4DB4-88FE-73E3E46521FF}"/>
+                        <a16:creationId xmlns="" xmlns:a16="http://schemas.microsoft.com/office/drawing/2014/main" id="{82C8625C-15DA-4DB4-88FE-73E3E46521FF}"/>
                       </a:ext>
                     </a:extLst>
                   </p:cNvPr>
@@ -34532,7 +34846,7 @@
                   <p:cNvPr id="85" name="Rectangle 84">
                     <a:extLst>
                       <a:ext uri="{FF2B5EF4-FFF2-40B4-BE49-F238E27FC236}">
-                        <a16:creationId xmlns:a16="http://schemas.microsoft.com/office/drawing/2014/main" xmlns="" id="{6623DF70-698B-4249-9AB1-0CE53018952B}"/>
+                        <a16:creationId xmlns="" xmlns:a16="http://schemas.microsoft.com/office/drawing/2014/main" id="{6623DF70-698B-4249-9AB1-0CE53018952B}"/>
                       </a:ext>
                     </a:extLst>
                   </p:cNvPr>
@@ -34580,7 +34894,7 @@
                 <p:cNvPr id="83" name="Rectangle 82">
                   <a:extLst>
                     <a:ext uri="{FF2B5EF4-FFF2-40B4-BE49-F238E27FC236}">
-                      <a16:creationId xmlns:a16="http://schemas.microsoft.com/office/drawing/2014/main" xmlns="" id="{718ECBC4-0CC4-4875-B56E-F1FB5FB0DBB1}"/>
+                      <a16:creationId xmlns="" xmlns:a16="http://schemas.microsoft.com/office/drawing/2014/main" id="{718ECBC4-0CC4-4875-B56E-F1FB5FB0DBB1}"/>
                     </a:ext>
                   </a:extLst>
                 </p:cNvPr>
@@ -34626,7 +34940,7 @@
             <p:cNvPr id="76" name="Groupe 75">
               <a:extLst>
                 <a:ext uri="{FF2B5EF4-FFF2-40B4-BE49-F238E27FC236}">
-                  <a16:creationId xmlns:a16="http://schemas.microsoft.com/office/drawing/2014/main" xmlns="" id="{5BDED342-DF47-4F9A-B955-EB2887BC88ED}"/>
+                  <a16:creationId xmlns="" xmlns:a16="http://schemas.microsoft.com/office/drawing/2014/main" id="{5BDED342-DF47-4F9A-B955-EB2887BC88ED}"/>
                 </a:ext>
               </a:extLst>
             </p:cNvPr>
@@ -34646,7 +34960,7 @@
               <p:cNvPr id="77" name="Chevron 181">
                 <a:extLst>
                   <a:ext uri="{FF2B5EF4-FFF2-40B4-BE49-F238E27FC236}">
-                    <a16:creationId xmlns:a16="http://schemas.microsoft.com/office/drawing/2014/main" xmlns="" id="{1070B61D-8E6B-43EF-8430-24892B000525}"/>
+                    <a16:creationId xmlns="" xmlns:a16="http://schemas.microsoft.com/office/drawing/2014/main" id="{1070B61D-8E6B-43EF-8430-24892B000525}"/>
                   </a:ext>
                 </a:extLst>
               </p:cNvPr>
@@ -34696,7 +35010,7 @@
               <p:cNvPr id="78" name="Rectangle 77">
                 <a:extLst>
                   <a:ext uri="{FF2B5EF4-FFF2-40B4-BE49-F238E27FC236}">
-                    <a16:creationId xmlns:a16="http://schemas.microsoft.com/office/drawing/2014/main" xmlns="" id="{DFD96C01-E121-4117-84FA-EE95BB844198}"/>
+                    <a16:creationId xmlns="" xmlns:a16="http://schemas.microsoft.com/office/drawing/2014/main" id="{DFD96C01-E121-4117-84FA-EE95BB844198}"/>
                   </a:ext>
                 </a:extLst>
               </p:cNvPr>
@@ -34745,7 +35059,7 @@
           <p:cNvPr id="91" name="Groupe 90">
             <a:extLst>
               <a:ext uri="{FF2B5EF4-FFF2-40B4-BE49-F238E27FC236}">
-                <a16:creationId xmlns:a16="http://schemas.microsoft.com/office/drawing/2014/main" xmlns="" id="{17F3F0D3-23C5-45CD-B181-B456ABBB5089}"/>
+                <a16:creationId xmlns="" xmlns:a16="http://schemas.microsoft.com/office/drawing/2014/main" id="{17F3F0D3-23C5-45CD-B181-B456ABBB5089}"/>
               </a:ext>
             </a:extLst>
           </p:cNvPr>
@@ -34765,7 +35079,7 @@
             <p:cNvPr id="92" name="Groupe 91">
               <a:extLst>
                 <a:ext uri="{FF2B5EF4-FFF2-40B4-BE49-F238E27FC236}">
-                  <a16:creationId xmlns:a16="http://schemas.microsoft.com/office/drawing/2014/main" xmlns="" id="{C48ED8B1-BA99-4948-8595-47CB433E7C3A}"/>
+                  <a16:creationId xmlns="" xmlns:a16="http://schemas.microsoft.com/office/drawing/2014/main" id="{C48ED8B1-BA99-4948-8595-47CB433E7C3A}"/>
                 </a:ext>
               </a:extLst>
             </p:cNvPr>
@@ -34785,7 +35099,7 @@
               <p:cNvPr id="96" name="Groupe 95">
                 <a:extLst>
                   <a:ext uri="{FF2B5EF4-FFF2-40B4-BE49-F238E27FC236}">
-                    <a16:creationId xmlns:a16="http://schemas.microsoft.com/office/drawing/2014/main" xmlns="" id="{25CBD622-74C7-4A82-9FDE-4A2BAD12F32E}"/>
+                    <a16:creationId xmlns="" xmlns:a16="http://schemas.microsoft.com/office/drawing/2014/main" id="{25CBD622-74C7-4A82-9FDE-4A2BAD12F32E}"/>
                   </a:ext>
                 </a:extLst>
               </p:cNvPr>
@@ -34805,7 +35119,7 @@
                 <p:cNvPr id="106" name="Chevron 184">
                   <a:extLst>
                     <a:ext uri="{FF2B5EF4-FFF2-40B4-BE49-F238E27FC236}">
-                      <a16:creationId xmlns:a16="http://schemas.microsoft.com/office/drawing/2014/main" xmlns="" id="{2A4144C6-4235-46DB-81D0-82DF827AD946}"/>
+                      <a16:creationId xmlns="" xmlns:a16="http://schemas.microsoft.com/office/drawing/2014/main" id="{2A4144C6-4235-46DB-81D0-82DF827AD946}"/>
                     </a:ext>
                   </a:extLst>
                 </p:cNvPr>
@@ -34855,7 +35169,7 @@
                 <p:cNvPr id="107" name="Rectangle 106">
                   <a:extLst>
                     <a:ext uri="{FF2B5EF4-FFF2-40B4-BE49-F238E27FC236}">
-                      <a16:creationId xmlns:a16="http://schemas.microsoft.com/office/drawing/2014/main" xmlns="" id="{6CF36787-137A-4551-84C9-38570AD213A3}"/>
+                      <a16:creationId xmlns="" xmlns:a16="http://schemas.microsoft.com/office/drawing/2014/main" id="{6CF36787-137A-4551-84C9-38570AD213A3}"/>
                     </a:ext>
                   </a:extLst>
                 </p:cNvPr>
@@ -34903,7 +35217,7 @@
               <p:cNvPr id="97" name="Groupe 96">
                 <a:extLst>
                   <a:ext uri="{FF2B5EF4-FFF2-40B4-BE49-F238E27FC236}">
-                    <a16:creationId xmlns:a16="http://schemas.microsoft.com/office/drawing/2014/main" xmlns="" id="{2E616337-BB6B-45A2-8163-A1652452118C}"/>
+                    <a16:creationId xmlns="" xmlns:a16="http://schemas.microsoft.com/office/drawing/2014/main" id="{2E616337-BB6B-45A2-8163-A1652452118C}"/>
                   </a:ext>
                 </a:extLst>
               </p:cNvPr>
@@ -34923,7 +35237,7 @@
                 <p:cNvPr id="103" name="Chevron 181">
                   <a:extLst>
                     <a:ext uri="{FF2B5EF4-FFF2-40B4-BE49-F238E27FC236}">
-                      <a16:creationId xmlns:a16="http://schemas.microsoft.com/office/drawing/2014/main" xmlns="" id="{C3FDFFDD-65D6-4312-B0CA-57B463C6FB82}"/>
+                      <a16:creationId xmlns="" xmlns:a16="http://schemas.microsoft.com/office/drawing/2014/main" id="{C3FDFFDD-65D6-4312-B0CA-57B463C6FB82}"/>
                     </a:ext>
                   </a:extLst>
                 </p:cNvPr>
@@ -34973,7 +35287,7 @@
                 <p:cNvPr id="104" name="Rectangle 103">
                   <a:extLst>
                     <a:ext uri="{FF2B5EF4-FFF2-40B4-BE49-F238E27FC236}">
-                      <a16:creationId xmlns:a16="http://schemas.microsoft.com/office/drawing/2014/main" xmlns="" id="{A9E5BADC-6BA1-4AC5-A6B7-531B7B2B7AFD}"/>
+                      <a16:creationId xmlns="" xmlns:a16="http://schemas.microsoft.com/office/drawing/2014/main" id="{A9E5BADC-6BA1-4AC5-A6B7-531B7B2B7AFD}"/>
                     </a:ext>
                   </a:extLst>
                 </p:cNvPr>
@@ -35020,7 +35334,7 @@
                 <p:cNvPr id="105" name="Rectangle 104">
                   <a:extLst>
                     <a:ext uri="{FF2B5EF4-FFF2-40B4-BE49-F238E27FC236}">
-                      <a16:creationId xmlns:a16="http://schemas.microsoft.com/office/drawing/2014/main" xmlns="" id="{970B1975-9D51-4AC3-B5B3-5153D8C34557}"/>
+                      <a16:creationId xmlns="" xmlns:a16="http://schemas.microsoft.com/office/drawing/2014/main" id="{970B1975-9D51-4AC3-B5B3-5153D8C34557}"/>
                     </a:ext>
                   </a:extLst>
                 </p:cNvPr>
@@ -35065,7 +35379,7 @@
               <p:cNvPr id="98" name="Groupe 97">
                 <a:extLst>
                   <a:ext uri="{FF2B5EF4-FFF2-40B4-BE49-F238E27FC236}">
-                    <a16:creationId xmlns:a16="http://schemas.microsoft.com/office/drawing/2014/main" xmlns="" id="{9340A004-8E05-424D-8634-DB267649A5F5}"/>
+                    <a16:creationId xmlns="" xmlns:a16="http://schemas.microsoft.com/office/drawing/2014/main" id="{9340A004-8E05-424D-8634-DB267649A5F5}"/>
                   </a:ext>
                 </a:extLst>
               </p:cNvPr>
@@ -35085,7 +35399,7 @@
                 <p:cNvPr id="99" name="Groupe 98">
                   <a:extLst>
                     <a:ext uri="{FF2B5EF4-FFF2-40B4-BE49-F238E27FC236}">
-                      <a16:creationId xmlns:a16="http://schemas.microsoft.com/office/drawing/2014/main" xmlns="" id="{09F20627-7421-4CC8-977B-2A703BC19EFC}"/>
+                      <a16:creationId xmlns="" xmlns:a16="http://schemas.microsoft.com/office/drawing/2014/main" id="{09F20627-7421-4CC8-977B-2A703BC19EFC}"/>
                     </a:ext>
                   </a:extLst>
                 </p:cNvPr>
@@ -35105,7 +35419,7 @@
                   <p:cNvPr id="101" name="Chevron 179">
                     <a:extLst>
                       <a:ext uri="{FF2B5EF4-FFF2-40B4-BE49-F238E27FC236}">
-                        <a16:creationId xmlns:a16="http://schemas.microsoft.com/office/drawing/2014/main" xmlns="" id="{45A8018B-7A5C-48D9-BBB8-DCB38F23D79F}"/>
+                        <a16:creationId xmlns="" xmlns:a16="http://schemas.microsoft.com/office/drawing/2014/main" id="{45A8018B-7A5C-48D9-BBB8-DCB38F23D79F}"/>
                       </a:ext>
                     </a:extLst>
                   </p:cNvPr>
@@ -35155,7 +35469,7 @@
                   <p:cNvPr id="102" name="Rectangle 101">
                     <a:extLst>
                       <a:ext uri="{FF2B5EF4-FFF2-40B4-BE49-F238E27FC236}">
-                        <a16:creationId xmlns:a16="http://schemas.microsoft.com/office/drawing/2014/main" xmlns="" id="{2AEAB818-4520-4146-8887-252B8A58E1A3}"/>
+                        <a16:creationId xmlns="" xmlns:a16="http://schemas.microsoft.com/office/drawing/2014/main" id="{2AEAB818-4520-4146-8887-252B8A58E1A3}"/>
                       </a:ext>
                     </a:extLst>
                   </p:cNvPr>
@@ -35203,7 +35517,7 @@
                 <p:cNvPr id="100" name="Rectangle 99">
                   <a:extLst>
                     <a:ext uri="{FF2B5EF4-FFF2-40B4-BE49-F238E27FC236}">
-                      <a16:creationId xmlns:a16="http://schemas.microsoft.com/office/drawing/2014/main" xmlns="" id="{1C46400A-8CFC-4335-A64A-811A3C7C8562}"/>
+                      <a16:creationId xmlns="" xmlns:a16="http://schemas.microsoft.com/office/drawing/2014/main" id="{1C46400A-8CFC-4335-A64A-811A3C7C8562}"/>
                     </a:ext>
                   </a:extLst>
                 </p:cNvPr>
@@ -35249,7 +35563,7 @@
             <p:cNvPr id="93" name="Groupe 92">
               <a:extLst>
                 <a:ext uri="{FF2B5EF4-FFF2-40B4-BE49-F238E27FC236}">
-                  <a16:creationId xmlns:a16="http://schemas.microsoft.com/office/drawing/2014/main" xmlns="" id="{31E7A2DC-4A4B-4E40-A3B1-19C3E4E0BF76}"/>
+                  <a16:creationId xmlns="" xmlns:a16="http://schemas.microsoft.com/office/drawing/2014/main" id="{31E7A2DC-4A4B-4E40-A3B1-19C3E4E0BF76}"/>
                 </a:ext>
               </a:extLst>
             </p:cNvPr>
@@ -35269,7 +35583,7 @@
               <p:cNvPr id="94" name="Chevron 181">
                 <a:extLst>
                   <a:ext uri="{FF2B5EF4-FFF2-40B4-BE49-F238E27FC236}">
-                    <a16:creationId xmlns:a16="http://schemas.microsoft.com/office/drawing/2014/main" xmlns="" id="{98A2BB87-41B0-4227-8DCF-4460658C4385}"/>
+                    <a16:creationId xmlns="" xmlns:a16="http://schemas.microsoft.com/office/drawing/2014/main" id="{98A2BB87-41B0-4227-8DCF-4460658C4385}"/>
                   </a:ext>
                 </a:extLst>
               </p:cNvPr>
@@ -35319,7 +35633,7 @@
               <p:cNvPr id="95" name="Rectangle 94">
                 <a:extLst>
                   <a:ext uri="{FF2B5EF4-FFF2-40B4-BE49-F238E27FC236}">
-                    <a16:creationId xmlns:a16="http://schemas.microsoft.com/office/drawing/2014/main" xmlns="" id="{68CEDC2E-F75F-4945-A591-4D74AA47A872}"/>
+                    <a16:creationId xmlns="" xmlns:a16="http://schemas.microsoft.com/office/drawing/2014/main" id="{68CEDC2E-F75F-4945-A591-4D74AA47A872}"/>
                   </a:ext>
                 </a:extLst>
               </p:cNvPr>
@@ -35368,7 +35682,7 @@
           <p:cNvPr id="108" name="Espace réservé du contenu 4">
             <a:extLst>
               <a:ext uri="{FF2B5EF4-FFF2-40B4-BE49-F238E27FC236}">
-                <a16:creationId xmlns:a16="http://schemas.microsoft.com/office/drawing/2014/main" xmlns="" id="{60D7FE11-2136-447F-AFC6-6E9AFCACCBAE}"/>
+                <a16:creationId xmlns="" xmlns:a16="http://schemas.microsoft.com/office/drawing/2014/main" id="{60D7FE11-2136-447F-AFC6-6E9AFCACCBAE}"/>
               </a:ext>
             </a:extLst>
           </p:cNvPr>
@@ -35622,7 +35936,7 @@
           <p:cNvPr id="126" name="Espace réservé du contenu 4">
             <a:extLst>
               <a:ext uri="{FF2B5EF4-FFF2-40B4-BE49-F238E27FC236}">
-                <a16:creationId xmlns:a16="http://schemas.microsoft.com/office/drawing/2014/main" xmlns="" id="{E0ECA4FB-A27A-4EF4-8C7D-5B9524C6BE3F}"/>
+                <a16:creationId xmlns="" xmlns:a16="http://schemas.microsoft.com/office/drawing/2014/main" id="{E0ECA4FB-A27A-4EF4-8C7D-5B9524C6BE3F}"/>
               </a:ext>
             </a:extLst>
           </p:cNvPr>
@@ -35854,7 +36168,7 @@
           <p:cNvPr id="156" name="Groupe 155">
             <a:extLst>
               <a:ext uri="{FF2B5EF4-FFF2-40B4-BE49-F238E27FC236}">
-                <a16:creationId xmlns:a16="http://schemas.microsoft.com/office/drawing/2014/main" xmlns="" id="{6E7214D1-80B3-424F-8CED-56E1F3C85FBE}"/>
+                <a16:creationId xmlns="" xmlns:a16="http://schemas.microsoft.com/office/drawing/2014/main" id="{6E7214D1-80B3-424F-8CED-56E1F3C85FBE}"/>
               </a:ext>
             </a:extLst>
           </p:cNvPr>
@@ -35874,7 +36188,7 @@
             <p:cNvPr id="132" name="Groupe 131">
               <a:extLst>
                 <a:ext uri="{FF2B5EF4-FFF2-40B4-BE49-F238E27FC236}">
-                  <a16:creationId xmlns:a16="http://schemas.microsoft.com/office/drawing/2014/main" xmlns="" id="{A6BFE50E-ABEE-40F4-9258-9C3B37D95C1A}"/>
+                  <a16:creationId xmlns="" xmlns:a16="http://schemas.microsoft.com/office/drawing/2014/main" id="{A6BFE50E-ABEE-40F4-9258-9C3B37D95C1A}"/>
                 </a:ext>
               </a:extLst>
             </p:cNvPr>
@@ -35894,7 +36208,7 @@
               <p:cNvPr id="142" name="Chevron 184">
                 <a:extLst>
                   <a:ext uri="{FF2B5EF4-FFF2-40B4-BE49-F238E27FC236}">
-                    <a16:creationId xmlns:a16="http://schemas.microsoft.com/office/drawing/2014/main" xmlns="" id="{060ADCA1-B048-4391-939D-CCC14D3E745E}"/>
+                    <a16:creationId xmlns="" xmlns:a16="http://schemas.microsoft.com/office/drawing/2014/main" id="{060ADCA1-B048-4391-939D-CCC14D3E745E}"/>
                   </a:ext>
                 </a:extLst>
               </p:cNvPr>
@@ -35944,7 +36258,7 @@
               <p:cNvPr id="143" name="Rectangle 142">
                 <a:extLst>
                   <a:ext uri="{FF2B5EF4-FFF2-40B4-BE49-F238E27FC236}">
-                    <a16:creationId xmlns:a16="http://schemas.microsoft.com/office/drawing/2014/main" xmlns="" id="{A692746D-F4E3-4388-A8FA-BB4A9C3B8D45}"/>
+                    <a16:creationId xmlns="" xmlns:a16="http://schemas.microsoft.com/office/drawing/2014/main" id="{A692746D-F4E3-4388-A8FA-BB4A9C3B8D45}"/>
                   </a:ext>
                 </a:extLst>
               </p:cNvPr>
@@ -35992,7 +36306,7 @@
             <p:cNvPr id="133" name="Groupe 132">
               <a:extLst>
                 <a:ext uri="{FF2B5EF4-FFF2-40B4-BE49-F238E27FC236}">
-                  <a16:creationId xmlns:a16="http://schemas.microsoft.com/office/drawing/2014/main" xmlns="" id="{DA07AC01-18D7-4482-BA61-0322FC131E05}"/>
+                  <a16:creationId xmlns="" xmlns:a16="http://schemas.microsoft.com/office/drawing/2014/main" id="{DA07AC01-18D7-4482-BA61-0322FC131E05}"/>
                 </a:ext>
               </a:extLst>
             </p:cNvPr>
@@ -36012,7 +36326,7 @@
               <p:cNvPr id="139" name="Chevron 181">
                 <a:extLst>
                   <a:ext uri="{FF2B5EF4-FFF2-40B4-BE49-F238E27FC236}">
-                    <a16:creationId xmlns:a16="http://schemas.microsoft.com/office/drawing/2014/main" xmlns="" id="{4FCC5054-5FDC-4322-8606-80F1EE94607C}"/>
+                    <a16:creationId xmlns="" xmlns:a16="http://schemas.microsoft.com/office/drawing/2014/main" id="{4FCC5054-5FDC-4322-8606-80F1EE94607C}"/>
                   </a:ext>
                 </a:extLst>
               </p:cNvPr>
@@ -36062,7 +36376,7 @@
               <p:cNvPr id="140" name="Rectangle 139">
                 <a:extLst>
                   <a:ext uri="{FF2B5EF4-FFF2-40B4-BE49-F238E27FC236}">
-                    <a16:creationId xmlns:a16="http://schemas.microsoft.com/office/drawing/2014/main" xmlns="" id="{C02523AE-FF50-4AE1-A7E7-A38B6123C54F}"/>
+                    <a16:creationId xmlns="" xmlns:a16="http://schemas.microsoft.com/office/drawing/2014/main" id="{C02523AE-FF50-4AE1-A7E7-A38B6123C54F}"/>
                   </a:ext>
                 </a:extLst>
               </p:cNvPr>
@@ -36109,7 +36423,7 @@
               <p:cNvPr id="141" name="Rectangle 140">
                 <a:extLst>
                   <a:ext uri="{FF2B5EF4-FFF2-40B4-BE49-F238E27FC236}">
-                    <a16:creationId xmlns:a16="http://schemas.microsoft.com/office/drawing/2014/main" xmlns="" id="{ED0FE0DB-058C-41A5-8ED9-4D4BE041A0D1}"/>
+                    <a16:creationId xmlns="" xmlns:a16="http://schemas.microsoft.com/office/drawing/2014/main" id="{ED0FE0DB-058C-41A5-8ED9-4D4BE041A0D1}"/>
                   </a:ext>
                 </a:extLst>
               </p:cNvPr>
@@ -36154,7 +36468,7 @@
             <p:cNvPr id="134" name="Groupe 133">
               <a:extLst>
                 <a:ext uri="{FF2B5EF4-FFF2-40B4-BE49-F238E27FC236}">
-                  <a16:creationId xmlns:a16="http://schemas.microsoft.com/office/drawing/2014/main" xmlns="" id="{30D18EFE-7523-425D-B741-410C7EFC7EEA}"/>
+                  <a16:creationId xmlns="" xmlns:a16="http://schemas.microsoft.com/office/drawing/2014/main" id="{30D18EFE-7523-425D-B741-410C7EFC7EEA}"/>
                 </a:ext>
               </a:extLst>
             </p:cNvPr>
@@ -36174,7 +36488,7 @@
               <p:cNvPr id="135" name="Groupe 134">
                 <a:extLst>
                   <a:ext uri="{FF2B5EF4-FFF2-40B4-BE49-F238E27FC236}">
-                    <a16:creationId xmlns:a16="http://schemas.microsoft.com/office/drawing/2014/main" xmlns="" id="{8607D004-D387-4B9A-8035-E29DB1803356}"/>
+                    <a16:creationId xmlns="" xmlns:a16="http://schemas.microsoft.com/office/drawing/2014/main" id="{8607D004-D387-4B9A-8035-E29DB1803356}"/>
                   </a:ext>
                 </a:extLst>
               </p:cNvPr>
@@ -36194,7 +36508,7 @@
                 <p:cNvPr id="137" name="Chevron 179">
                   <a:extLst>
                     <a:ext uri="{FF2B5EF4-FFF2-40B4-BE49-F238E27FC236}">
-                      <a16:creationId xmlns:a16="http://schemas.microsoft.com/office/drawing/2014/main" xmlns="" id="{D6F62799-2E13-447E-9A07-95F16FD66B3D}"/>
+                      <a16:creationId xmlns="" xmlns:a16="http://schemas.microsoft.com/office/drawing/2014/main" id="{D6F62799-2E13-447E-9A07-95F16FD66B3D}"/>
                     </a:ext>
                   </a:extLst>
                 </p:cNvPr>
@@ -36244,7 +36558,7 @@
                 <p:cNvPr id="138" name="Rectangle 137">
                   <a:extLst>
                     <a:ext uri="{FF2B5EF4-FFF2-40B4-BE49-F238E27FC236}">
-                      <a16:creationId xmlns:a16="http://schemas.microsoft.com/office/drawing/2014/main" xmlns="" id="{942291E3-BC16-4EAB-8372-037E05FC2ABF}"/>
+                      <a16:creationId xmlns="" xmlns:a16="http://schemas.microsoft.com/office/drawing/2014/main" id="{942291E3-BC16-4EAB-8372-037E05FC2ABF}"/>
                     </a:ext>
                   </a:extLst>
                 </p:cNvPr>
@@ -36292,7 +36606,7 @@
               <p:cNvPr id="136" name="Rectangle 135">
                 <a:extLst>
                   <a:ext uri="{FF2B5EF4-FFF2-40B4-BE49-F238E27FC236}">
-                    <a16:creationId xmlns:a16="http://schemas.microsoft.com/office/drawing/2014/main" xmlns="" id="{367E3550-F35B-4166-BBEE-8D7E67F86DBA}"/>
+                    <a16:creationId xmlns="" xmlns:a16="http://schemas.microsoft.com/office/drawing/2014/main" id="{367E3550-F35B-4166-BBEE-8D7E67F86DBA}"/>
                   </a:ext>
                 </a:extLst>
               </p:cNvPr>
@@ -36337,7 +36651,7 @@
             <p:cNvPr id="144" name="Groupe 143">
               <a:extLst>
                 <a:ext uri="{FF2B5EF4-FFF2-40B4-BE49-F238E27FC236}">
-                  <a16:creationId xmlns:a16="http://schemas.microsoft.com/office/drawing/2014/main" xmlns="" id="{0F80591A-1CC4-425A-B932-DBE18AFEF594}"/>
+                  <a16:creationId xmlns="" xmlns:a16="http://schemas.microsoft.com/office/drawing/2014/main" id="{0F80591A-1CC4-425A-B932-DBE18AFEF594}"/>
                 </a:ext>
               </a:extLst>
             </p:cNvPr>
@@ -36357,7 +36671,7 @@
               <p:cNvPr id="145" name="Chevron 184">
                 <a:extLst>
                   <a:ext uri="{FF2B5EF4-FFF2-40B4-BE49-F238E27FC236}">
-                    <a16:creationId xmlns:a16="http://schemas.microsoft.com/office/drawing/2014/main" xmlns="" id="{00811DAE-C41D-4CDC-9686-F289D7E36306}"/>
+                    <a16:creationId xmlns="" xmlns:a16="http://schemas.microsoft.com/office/drawing/2014/main" id="{00811DAE-C41D-4CDC-9686-F289D7E36306}"/>
                   </a:ext>
                 </a:extLst>
               </p:cNvPr>
@@ -36407,7 +36721,7 @@
               <p:cNvPr id="146" name="Rectangle 145">
                 <a:extLst>
                   <a:ext uri="{FF2B5EF4-FFF2-40B4-BE49-F238E27FC236}">
-                    <a16:creationId xmlns:a16="http://schemas.microsoft.com/office/drawing/2014/main" xmlns="" id="{0F0C62D7-7A92-4892-8E0E-7BE4D0CA5A6C}"/>
+                    <a16:creationId xmlns="" xmlns:a16="http://schemas.microsoft.com/office/drawing/2014/main" id="{0F0C62D7-7A92-4892-8E0E-7BE4D0CA5A6C}"/>
                   </a:ext>
                 </a:extLst>
               </p:cNvPr>
@@ -36455,7 +36769,7 @@
             <p:cNvPr id="147" name="Groupe 146">
               <a:extLst>
                 <a:ext uri="{FF2B5EF4-FFF2-40B4-BE49-F238E27FC236}">
-                  <a16:creationId xmlns:a16="http://schemas.microsoft.com/office/drawing/2014/main" xmlns="" id="{F76A4CF3-1975-456A-95FE-F8DF35C9D542}"/>
+                  <a16:creationId xmlns="" xmlns:a16="http://schemas.microsoft.com/office/drawing/2014/main" id="{F76A4CF3-1975-456A-95FE-F8DF35C9D542}"/>
                 </a:ext>
               </a:extLst>
             </p:cNvPr>
@@ -36475,7 +36789,7 @@
               <p:cNvPr id="148" name="Chevron 184">
                 <a:extLst>
                   <a:ext uri="{FF2B5EF4-FFF2-40B4-BE49-F238E27FC236}">
-                    <a16:creationId xmlns:a16="http://schemas.microsoft.com/office/drawing/2014/main" xmlns="" id="{4860BCAB-998B-4CB5-80AF-56355F42527B}"/>
+                    <a16:creationId xmlns="" xmlns:a16="http://schemas.microsoft.com/office/drawing/2014/main" id="{4860BCAB-998B-4CB5-80AF-56355F42527B}"/>
                   </a:ext>
                 </a:extLst>
               </p:cNvPr>
@@ -36525,7 +36839,7 @@
               <p:cNvPr id="149" name="Rectangle 148">
                 <a:extLst>
                   <a:ext uri="{FF2B5EF4-FFF2-40B4-BE49-F238E27FC236}">
-                    <a16:creationId xmlns:a16="http://schemas.microsoft.com/office/drawing/2014/main" xmlns="" id="{EB3A9658-097B-4D88-AA10-5CADDD7D7D28}"/>
+                    <a16:creationId xmlns="" xmlns:a16="http://schemas.microsoft.com/office/drawing/2014/main" id="{EB3A9658-097B-4D88-AA10-5CADDD7D7D28}"/>
                   </a:ext>
                 </a:extLst>
               </p:cNvPr>
@@ -36573,7 +36887,7 @@
             <p:cNvPr id="150" name="Groupe 149">
               <a:extLst>
                 <a:ext uri="{FF2B5EF4-FFF2-40B4-BE49-F238E27FC236}">
-                  <a16:creationId xmlns:a16="http://schemas.microsoft.com/office/drawing/2014/main" xmlns="" id="{038411FF-2CA7-40D7-A5AC-22731C19A6FA}"/>
+                  <a16:creationId xmlns="" xmlns:a16="http://schemas.microsoft.com/office/drawing/2014/main" id="{038411FF-2CA7-40D7-A5AC-22731C19A6FA}"/>
                 </a:ext>
               </a:extLst>
             </p:cNvPr>
@@ -36593,7 +36907,7 @@
               <p:cNvPr id="151" name="Chevron 184">
                 <a:extLst>
                   <a:ext uri="{FF2B5EF4-FFF2-40B4-BE49-F238E27FC236}">
-                    <a16:creationId xmlns:a16="http://schemas.microsoft.com/office/drawing/2014/main" xmlns="" id="{873B35CB-050E-446E-ADF7-343153489B34}"/>
+                    <a16:creationId xmlns="" xmlns:a16="http://schemas.microsoft.com/office/drawing/2014/main" id="{873B35CB-050E-446E-ADF7-343153489B34}"/>
                   </a:ext>
                 </a:extLst>
               </p:cNvPr>
@@ -36643,7 +36957,7 @@
               <p:cNvPr id="152" name="Rectangle 151">
                 <a:extLst>
                   <a:ext uri="{FF2B5EF4-FFF2-40B4-BE49-F238E27FC236}">
-                    <a16:creationId xmlns:a16="http://schemas.microsoft.com/office/drawing/2014/main" xmlns="" id="{7C37E744-A46A-4139-8FA3-6313D04339A3}"/>
+                    <a16:creationId xmlns="" xmlns:a16="http://schemas.microsoft.com/office/drawing/2014/main" id="{7C37E744-A46A-4139-8FA3-6313D04339A3}"/>
                   </a:ext>
                 </a:extLst>
               </p:cNvPr>
@@ -36691,7 +37005,7 @@
             <p:cNvPr id="153" name="Groupe 152">
               <a:extLst>
                 <a:ext uri="{FF2B5EF4-FFF2-40B4-BE49-F238E27FC236}">
-                  <a16:creationId xmlns:a16="http://schemas.microsoft.com/office/drawing/2014/main" xmlns="" id="{D375954A-451E-4A8D-B2E7-5959FD68C3BB}"/>
+                  <a16:creationId xmlns="" xmlns:a16="http://schemas.microsoft.com/office/drawing/2014/main" id="{D375954A-451E-4A8D-B2E7-5959FD68C3BB}"/>
                 </a:ext>
               </a:extLst>
             </p:cNvPr>
@@ -36711,7 +37025,7 @@
               <p:cNvPr id="154" name="Chevron 184">
                 <a:extLst>
                   <a:ext uri="{FF2B5EF4-FFF2-40B4-BE49-F238E27FC236}">
-                    <a16:creationId xmlns:a16="http://schemas.microsoft.com/office/drawing/2014/main" xmlns="" id="{D0565C31-EFE6-48CA-B604-9D0634DD9067}"/>
+                    <a16:creationId xmlns="" xmlns:a16="http://schemas.microsoft.com/office/drawing/2014/main" id="{D0565C31-EFE6-48CA-B604-9D0634DD9067}"/>
                   </a:ext>
                 </a:extLst>
               </p:cNvPr>
@@ -36761,7 +37075,7 @@
               <p:cNvPr id="155" name="Rectangle 154">
                 <a:extLst>
                   <a:ext uri="{FF2B5EF4-FFF2-40B4-BE49-F238E27FC236}">
-                    <a16:creationId xmlns:a16="http://schemas.microsoft.com/office/drawing/2014/main" xmlns="" id="{92F3A312-D8C0-4AE7-8FD1-A9A446C3DB6C}"/>
+                    <a16:creationId xmlns="" xmlns:a16="http://schemas.microsoft.com/office/drawing/2014/main" id="{92F3A312-D8C0-4AE7-8FD1-A9A446C3DB6C}"/>
                   </a:ext>
                 </a:extLst>
               </p:cNvPr>
@@ -36810,7 +37124,7 @@
           <p:cNvPr id="157" name="Image 156">
             <a:extLst>
               <a:ext uri="{FF2B5EF4-FFF2-40B4-BE49-F238E27FC236}">
-                <a16:creationId xmlns:a16="http://schemas.microsoft.com/office/drawing/2014/main" xmlns="" id="{649265A4-F60A-437A-817D-C460759ABDAC}"/>
+                <a16:creationId xmlns="" xmlns:a16="http://schemas.microsoft.com/office/drawing/2014/main" id="{649265A4-F60A-437A-817D-C460759ABDAC}"/>
               </a:ext>
             </a:extLst>
           </p:cNvPr>
@@ -36946,7 +37260,7 @@
           <p:cNvPr id="126" name="Espace réservé du contenu 4">
             <a:extLst>
               <a:ext uri="{FF2B5EF4-FFF2-40B4-BE49-F238E27FC236}">
-                <a16:creationId xmlns:a16="http://schemas.microsoft.com/office/drawing/2014/main" xmlns="" id="{E0ECA4FB-A27A-4EF4-8C7D-5B9524C6BE3F}"/>
+                <a16:creationId xmlns="" xmlns:a16="http://schemas.microsoft.com/office/drawing/2014/main" id="{E0ECA4FB-A27A-4EF4-8C7D-5B9524C6BE3F}"/>
               </a:ext>
             </a:extLst>
           </p:cNvPr>
@@ -37178,7 +37492,7 @@
           <p:cNvPr id="157" name="Image 156">
             <a:extLst>
               <a:ext uri="{FF2B5EF4-FFF2-40B4-BE49-F238E27FC236}">
-                <a16:creationId xmlns:a16="http://schemas.microsoft.com/office/drawing/2014/main" xmlns="" id="{649265A4-F60A-437A-817D-C460759ABDAC}"/>
+                <a16:creationId xmlns="" xmlns:a16="http://schemas.microsoft.com/office/drawing/2014/main" id="{649265A4-F60A-437A-817D-C460759ABDAC}"/>
               </a:ext>
             </a:extLst>
           </p:cNvPr>
@@ -37208,7 +37522,7 @@
           <p:cNvPr id="7" name="Espace réservé du contenu 6">
             <a:extLst>
               <a:ext uri="{FF2B5EF4-FFF2-40B4-BE49-F238E27FC236}">
-                <a16:creationId xmlns:a16="http://schemas.microsoft.com/office/drawing/2014/main" xmlns="" id="{DB2A2F5A-13F4-4B6B-B9B0-2031D32AD019}"/>
+                <a16:creationId xmlns="" xmlns:a16="http://schemas.microsoft.com/office/drawing/2014/main" id="{DB2A2F5A-13F4-4B6B-B9B0-2031D32AD019}"/>
               </a:ext>
             </a:extLst>
           </p:cNvPr>
@@ -37266,7 +37580,7 @@
           <p:cNvPr id="9" name="Groupe 8">
             <a:extLst>
               <a:ext uri="{FF2B5EF4-FFF2-40B4-BE49-F238E27FC236}">
-                <a16:creationId xmlns:a16="http://schemas.microsoft.com/office/drawing/2014/main" xmlns="" id="{536B939E-4EC3-4DC9-8186-A7D9B3034CF2}"/>
+                <a16:creationId xmlns="" xmlns:a16="http://schemas.microsoft.com/office/drawing/2014/main" id="{536B939E-4EC3-4DC9-8186-A7D9B3034CF2}"/>
               </a:ext>
             </a:extLst>
           </p:cNvPr>
@@ -37286,7 +37600,7 @@
             <p:cNvPr id="114" name="Groupe 113">
               <a:extLst>
                 <a:ext uri="{FF2B5EF4-FFF2-40B4-BE49-F238E27FC236}">
-                  <a16:creationId xmlns:a16="http://schemas.microsoft.com/office/drawing/2014/main" xmlns="" id="{C9A4DD3A-F434-47D5-AD2A-A0C9A0F9E46E}"/>
+                  <a16:creationId xmlns="" xmlns:a16="http://schemas.microsoft.com/office/drawing/2014/main" id="{C9A4DD3A-F434-47D5-AD2A-A0C9A0F9E46E}"/>
                 </a:ext>
               </a:extLst>
             </p:cNvPr>
@@ -37306,7 +37620,7 @@
               <p:cNvPr id="124" name="Chevron 184">
                 <a:extLst>
                   <a:ext uri="{FF2B5EF4-FFF2-40B4-BE49-F238E27FC236}">
-                    <a16:creationId xmlns:a16="http://schemas.microsoft.com/office/drawing/2014/main" xmlns="" id="{D4C18C82-27D2-4CB7-99C8-97F8CD29B99D}"/>
+                    <a16:creationId xmlns="" xmlns:a16="http://schemas.microsoft.com/office/drawing/2014/main" id="{D4C18C82-27D2-4CB7-99C8-97F8CD29B99D}"/>
                   </a:ext>
                 </a:extLst>
               </p:cNvPr>
@@ -37356,7 +37670,7 @@
               <p:cNvPr id="125" name="Rectangle 124">
                 <a:extLst>
                   <a:ext uri="{FF2B5EF4-FFF2-40B4-BE49-F238E27FC236}">
-                    <a16:creationId xmlns:a16="http://schemas.microsoft.com/office/drawing/2014/main" xmlns="" id="{33C13121-840B-49FA-BF30-BD54E2AB3157}"/>
+                    <a16:creationId xmlns="" xmlns:a16="http://schemas.microsoft.com/office/drawing/2014/main" id="{33C13121-840B-49FA-BF30-BD54E2AB3157}"/>
                   </a:ext>
                 </a:extLst>
               </p:cNvPr>
@@ -37404,7 +37718,7 @@
             <p:cNvPr id="115" name="Groupe 114">
               <a:extLst>
                 <a:ext uri="{FF2B5EF4-FFF2-40B4-BE49-F238E27FC236}">
-                  <a16:creationId xmlns:a16="http://schemas.microsoft.com/office/drawing/2014/main" xmlns="" id="{A61414D3-8BAF-4661-B8DD-838D7816C07E}"/>
+                  <a16:creationId xmlns="" xmlns:a16="http://schemas.microsoft.com/office/drawing/2014/main" id="{A61414D3-8BAF-4661-B8DD-838D7816C07E}"/>
                 </a:ext>
               </a:extLst>
             </p:cNvPr>
@@ -37424,7 +37738,7 @@
               <p:cNvPr id="121" name="Chevron 181">
                 <a:extLst>
                   <a:ext uri="{FF2B5EF4-FFF2-40B4-BE49-F238E27FC236}">
-                    <a16:creationId xmlns:a16="http://schemas.microsoft.com/office/drawing/2014/main" xmlns="" id="{4EABBEBD-32BF-4F8F-9CA5-C37626840FF4}"/>
+                    <a16:creationId xmlns="" xmlns:a16="http://schemas.microsoft.com/office/drawing/2014/main" id="{4EABBEBD-32BF-4F8F-9CA5-C37626840FF4}"/>
                   </a:ext>
                 </a:extLst>
               </p:cNvPr>
@@ -37474,7 +37788,7 @@
               <p:cNvPr id="122" name="Rectangle 121">
                 <a:extLst>
                   <a:ext uri="{FF2B5EF4-FFF2-40B4-BE49-F238E27FC236}">
-                    <a16:creationId xmlns:a16="http://schemas.microsoft.com/office/drawing/2014/main" xmlns="" id="{AE9C24A8-4F3A-43B0-ADE2-9CCB4B658FF6}"/>
+                    <a16:creationId xmlns="" xmlns:a16="http://schemas.microsoft.com/office/drawing/2014/main" id="{AE9C24A8-4F3A-43B0-ADE2-9CCB4B658FF6}"/>
                   </a:ext>
                 </a:extLst>
               </p:cNvPr>
@@ -37521,7 +37835,7 @@
               <p:cNvPr id="123" name="Rectangle 122">
                 <a:extLst>
                   <a:ext uri="{FF2B5EF4-FFF2-40B4-BE49-F238E27FC236}">
-                    <a16:creationId xmlns:a16="http://schemas.microsoft.com/office/drawing/2014/main" xmlns="" id="{55FFCF1D-B9D0-454A-BEFF-1E66B7875144}"/>
+                    <a16:creationId xmlns="" xmlns:a16="http://schemas.microsoft.com/office/drawing/2014/main" id="{55FFCF1D-B9D0-454A-BEFF-1E66B7875144}"/>
                   </a:ext>
                 </a:extLst>
               </p:cNvPr>
@@ -37566,7 +37880,7 @@
             <p:cNvPr id="116" name="Groupe 115">
               <a:extLst>
                 <a:ext uri="{FF2B5EF4-FFF2-40B4-BE49-F238E27FC236}">
-                  <a16:creationId xmlns:a16="http://schemas.microsoft.com/office/drawing/2014/main" xmlns="" id="{F3FFB96C-19DC-43CB-97B4-826FD6EAC44F}"/>
+                  <a16:creationId xmlns="" xmlns:a16="http://schemas.microsoft.com/office/drawing/2014/main" id="{F3FFB96C-19DC-43CB-97B4-826FD6EAC44F}"/>
                 </a:ext>
               </a:extLst>
             </p:cNvPr>
@@ -37586,7 +37900,7 @@
               <p:cNvPr id="117" name="Groupe 116">
                 <a:extLst>
                   <a:ext uri="{FF2B5EF4-FFF2-40B4-BE49-F238E27FC236}">
-                    <a16:creationId xmlns:a16="http://schemas.microsoft.com/office/drawing/2014/main" xmlns="" id="{A81A49A5-78C1-4051-8A78-70C08DACDC5D}"/>
+                    <a16:creationId xmlns="" xmlns:a16="http://schemas.microsoft.com/office/drawing/2014/main" id="{A81A49A5-78C1-4051-8A78-70C08DACDC5D}"/>
                   </a:ext>
                 </a:extLst>
               </p:cNvPr>
@@ -37606,7 +37920,7 @@
                 <p:cNvPr id="119" name="Chevron 179">
                   <a:extLst>
                     <a:ext uri="{FF2B5EF4-FFF2-40B4-BE49-F238E27FC236}">
-                      <a16:creationId xmlns:a16="http://schemas.microsoft.com/office/drawing/2014/main" xmlns="" id="{CDE422D4-A13E-4AC2-B431-A076E8006208}"/>
+                      <a16:creationId xmlns="" xmlns:a16="http://schemas.microsoft.com/office/drawing/2014/main" id="{CDE422D4-A13E-4AC2-B431-A076E8006208}"/>
                     </a:ext>
                   </a:extLst>
                 </p:cNvPr>
@@ -37656,7 +37970,7 @@
                 <p:cNvPr id="120" name="Rectangle 119">
                   <a:extLst>
                     <a:ext uri="{FF2B5EF4-FFF2-40B4-BE49-F238E27FC236}">
-                      <a16:creationId xmlns:a16="http://schemas.microsoft.com/office/drawing/2014/main" xmlns="" id="{232466EE-ED5F-49E5-B238-C3EECA4164DA}"/>
+                      <a16:creationId xmlns="" xmlns:a16="http://schemas.microsoft.com/office/drawing/2014/main" id="{232466EE-ED5F-49E5-B238-C3EECA4164DA}"/>
                     </a:ext>
                   </a:extLst>
                 </p:cNvPr>
@@ -37704,7 +38018,7 @@
               <p:cNvPr id="118" name="Rectangle 117">
                 <a:extLst>
                   <a:ext uri="{FF2B5EF4-FFF2-40B4-BE49-F238E27FC236}">
-                    <a16:creationId xmlns:a16="http://schemas.microsoft.com/office/drawing/2014/main" xmlns="" id="{E7C7902C-8361-43D6-80FA-93EC12535167}"/>
+                    <a16:creationId xmlns="" xmlns:a16="http://schemas.microsoft.com/office/drawing/2014/main" id="{E7C7902C-8361-43D6-80FA-93EC12535167}"/>
                   </a:ext>
                 </a:extLst>
               </p:cNvPr>
@@ -37749,7 +38063,7 @@
             <p:cNvPr id="127" name="Groupe 126">
               <a:extLst>
                 <a:ext uri="{FF2B5EF4-FFF2-40B4-BE49-F238E27FC236}">
-                  <a16:creationId xmlns:a16="http://schemas.microsoft.com/office/drawing/2014/main" xmlns="" id="{66AE943C-39FC-4313-822F-75A7D8C71A50}"/>
+                  <a16:creationId xmlns="" xmlns:a16="http://schemas.microsoft.com/office/drawing/2014/main" id="{66AE943C-39FC-4313-822F-75A7D8C71A50}"/>
                 </a:ext>
               </a:extLst>
             </p:cNvPr>
@@ -37769,7 +38083,7 @@
               <p:cNvPr id="128" name="Chevron 184">
                 <a:extLst>
                   <a:ext uri="{FF2B5EF4-FFF2-40B4-BE49-F238E27FC236}">
-                    <a16:creationId xmlns:a16="http://schemas.microsoft.com/office/drawing/2014/main" xmlns="" id="{08083D15-8586-4C86-B11B-FBDA5CF985B8}"/>
+                    <a16:creationId xmlns="" xmlns:a16="http://schemas.microsoft.com/office/drawing/2014/main" id="{08083D15-8586-4C86-B11B-FBDA5CF985B8}"/>
                   </a:ext>
                 </a:extLst>
               </p:cNvPr>
@@ -37819,7 +38133,7 @@
               <p:cNvPr id="129" name="Rectangle 128">
                 <a:extLst>
                   <a:ext uri="{FF2B5EF4-FFF2-40B4-BE49-F238E27FC236}">
-                    <a16:creationId xmlns:a16="http://schemas.microsoft.com/office/drawing/2014/main" xmlns="" id="{AEDA7288-2DDE-4829-B1AA-AA9C2E0CCE8C}"/>
+                    <a16:creationId xmlns="" xmlns:a16="http://schemas.microsoft.com/office/drawing/2014/main" id="{AEDA7288-2DDE-4829-B1AA-AA9C2E0CCE8C}"/>
                   </a:ext>
                 </a:extLst>
               </p:cNvPr>
@@ -37867,7 +38181,7 @@
             <p:cNvPr id="130" name="Groupe 129">
               <a:extLst>
                 <a:ext uri="{FF2B5EF4-FFF2-40B4-BE49-F238E27FC236}">
-                  <a16:creationId xmlns:a16="http://schemas.microsoft.com/office/drawing/2014/main" xmlns="" id="{9A13244F-CE74-4175-B165-D81B8FEF6D11}"/>
+                  <a16:creationId xmlns="" xmlns:a16="http://schemas.microsoft.com/office/drawing/2014/main" id="{9A13244F-CE74-4175-B165-D81B8FEF6D11}"/>
                 </a:ext>
               </a:extLst>
             </p:cNvPr>
@@ -37887,7 +38201,7 @@
               <p:cNvPr id="131" name="Chevron 184">
                 <a:extLst>
                   <a:ext uri="{FF2B5EF4-FFF2-40B4-BE49-F238E27FC236}">
-                    <a16:creationId xmlns:a16="http://schemas.microsoft.com/office/drawing/2014/main" xmlns="" id="{2D792480-A2FF-4222-9B04-A588C555A44A}"/>
+                    <a16:creationId xmlns="" xmlns:a16="http://schemas.microsoft.com/office/drawing/2014/main" id="{2D792480-A2FF-4222-9B04-A588C555A44A}"/>
                   </a:ext>
                 </a:extLst>
               </p:cNvPr>
@@ -37937,7 +38251,7 @@
               <p:cNvPr id="158" name="Rectangle 157">
                 <a:extLst>
                   <a:ext uri="{FF2B5EF4-FFF2-40B4-BE49-F238E27FC236}">
-                    <a16:creationId xmlns:a16="http://schemas.microsoft.com/office/drawing/2014/main" xmlns="" id="{0E0FF4D2-8C45-4A59-B77E-E224D1EEF8FB}"/>
+                    <a16:creationId xmlns="" xmlns:a16="http://schemas.microsoft.com/office/drawing/2014/main" id="{0E0FF4D2-8C45-4A59-B77E-E224D1EEF8FB}"/>
                   </a:ext>
                 </a:extLst>
               </p:cNvPr>
@@ -37986,7 +38300,7 @@
           <p:cNvPr id="159" name="Groupe 158">
             <a:extLst>
               <a:ext uri="{FF2B5EF4-FFF2-40B4-BE49-F238E27FC236}">
-                <a16:creationId xmlns:a16="http://schemas.microsoft.com/office/drawing/2014/main" xmlns="" id="{33970DFB-60CB-4B31-B928-1896A515DF87}"/>
+                <a16:creationId xmlns="" xmlns:a16="http://schemas.microsoft.com/office/drawing/2014/main" id="{33970DFB-60CB-4B31-B928-1896A515DF87}"/>
               </a:ext>
             </a:extLst>
           </p:cNvPr>
@@ -38006,7 +38320,7 @@
             <p:cNvPr id="160" name="Groupe 159">
               <a:extLst>
                 <a:ext uri="{FF2B5EF4-FFF2-40B4-BE49-F238E27FC236}">
-                  <a16:creationId xmlns:a16="http://schemas.microsoft.com/office/drawing/2014/main" xmlns="" id="{9BD63A40-7C0D-462F-9E1A-59A172A911F6}"/>
+                  <a16:creationId xmlns="" xmlns:a16="http://schemas.microsoft.com/office/drawing/2014/main" id="{9BD63A40-7C0D-462F-9E1A-59A172A911F6}"/>
                 </a:ext>
               </a:extLst>
             </p:cNvPr>
@@ -38026,7 +38340,7 @@
               <p:cNvPr id="176" name="Chevron 184">
                 <a:extLst>
                   <a:ext uri="{FF2B5EF4-FFF2-40B4-BE49-F238E27FC236}">
-                    <a16:creationId xmlns:a16="http://schemas.microsoft.com/office/drawing/2014/main" xmlns="" id="{DE1720F0-91B5-425E-8AAA-453791773973}"/>
+                    <a16:creationId xmlns="" xmlns:a16="http://schemas.microsoft.com/office/drawing/2014/main" id="{DE1720F0-91B5-425E-8AAA-453791773973}"/>
                   </a:ext>
                 </a:extLst>
               </p:cNvPr>
@@ -38076,7 +38390,7 @@
               <p:cNvPr id="177" name="Rectangle 176">
                 <a:extLst>
                   <a:ext uri="{FF2B5EF4-FFF2-40B4-BE49-F238E27FC236}">
-                    <a16:creationId xmlns:a16="http://schemas.microsoft.com/office/drawing/2014/main" xmlns="" id="{A443344C-E7D4-4703-997C-F204F87E6BFA}"/>
+                    <a16:creationId xmlns="" xmlns:a16="http://schemas.microsoft.com/office/drawing/2014/main" id="{A443344C-E7D4-4703-997C-F204F87E6BFA}"/>
                   </a:ext>
                 </a:extLst>
               </p:cNvPr>
@@ -38124,7 +38438,7 @@
             <p:cNvPr id="161" name="Groupe 160">
               <a:extLst>
                 <a:ext uri="{FF2B5EF4-FFF2-40B4-BE49-F238E27FC236}">
-                  <a16:creationId xmlns:a16="http://schemas.microsoft.com/office/drawing/2014/main" xmlns="" id="{AC690727-5AE5-4E0B-A752-21ACF4690BD3}"/>
+                  <a16:creationId xmlns="" xmlns:a16="http://schemas.microsoft.com/office/drawing/2014/main" id="{AC690727-5AE5-4E0B-A752-21ACF4690BD3}"/>
                 </a:ext>
               </a:extLst>
             </p:cNvPr>
@@ -38144,7 +38458,7 @@
               <p:cNvPr id="173" name="Chevron 181">
                 <a:extLst>
                   <a:ext uri="{FF2B5EF4-FFF2-40B4-BE49-F238E27FC236}">
-                    <a16:creationId xmlns:a16="http://schemas.microsoft.com/office/drawing/2014/main" xmlns="" id="{DA9AA604-DD50-4B12-BCDA-2514FFFCC53C}"/>
+                    <a16:creationId xmlns="" xmlns:a16="http://schemas.microsoft.com/office/drawing/2014/main" id="{DA9AA604-DD50-4B12-BCDA-2514FFFCC53C}"/>
                   </a:ext>
                 </a:extLst>
               </p:cNvPr>
@@ -38194,7 +38508,7 @@
               <p:cNvPr id="174" name="Rectangle 173">
                 <a:extLst>
                   <a:ext uri="{FF2B5EF4-FFF2-40B4-BE49-F238E27FC236}">
-                    <a16:creationId xmlns:a16="http://schemas.microsoft.com/office/drawing/2014/main" xmlns="" id="{9C116F8B-6D0B-43AC-96A1-3C82DB95CDEF}"/>
+                    <a16:creationId xmlns="" xmlns:a16="http://schemas.microsoft.com/office/drawing/2014/main" id="{9C116F8B-6D0B-43AC-96A1-3C82DB95CDEF}"/>
                   </a:ext>
                 </a:extLst>
               </p:cNvPr>
@@ -38241,7 +38555,7 @@
               <p:cNvPr id="175" name="Rectangle 174">
                 <a:extLst>
                   <a:ext uri="{FF2B5EF4-FFF2-40B4-BE49-F238E27FC236}">
-                    <a16:creationId xmlns:a16="http://schemas.microsoft.com/office/drawing/2014/main" xmlns="" id="{CD8494DE-AA20-4CEA-B4BD-5F86E05798D5}"/>
+                    <a16:creationId xmlns="" xmlns:a16="http://schemas.microsoft.com/office/drawing/2014/main" id="{CD8494DE-AA20-4CEA-B4BD-5F86E05798D5}"/>
                   </a:ext>
                 </a:extLst>
               </p:cNvPr>
@@ -38286,7 +38600,7 @@
             <p:cNvPr id="162" name="Groupe 161">
               <a:extLst>
                 <a:ext uri="{FF2B5EF4-FFF2-40B4-BE49-F238E27FC236}">
-                  <a16:creationId xmlns:a16="http://schemas.microsoft.com/office/drawing/2014/main" xmlns="" id="{AF8609D3-E454-422B-96EE-EA19837A0128}"/>
+                  <a16:creationId xmlns="" xmlns:a16="http://schemas.microsoft.com/office/drawing/2014/main" id="{AF8609D3-E454-422B-96EE-EA19837A0128}"/>
                 </a:ext>
               </a:extLst>
             </p:cNvPr>
@@ -38306,7 +38620,7 @@
               <p:cNvPr id="169" name="Groupe 168">
                 <a:extLst>
                   <a:ext uri="{FF2B5EF4-FFF2-40B4-BE49-F238E27FC236}">
-                    <a16:creationId xmlns:a16="http://schemas.microsoft.com/office/drawing/2014/main" xmlns="" id="{28D36A66-525D-49C9-96EA-E239578742E3}"/>
+                    <a16:creationId xmlns="" xmlns:a16="http://schemas.microsoft.com/office/drawing/2014/main" id="{28D36A66-525D-49C9-96EA-E239578742E3}"/>
                   </a:ext>
                 </a:extLst>
               </p:cNvPr>
@@ -38326,7 +38640,7 @@
                 <p:cNvPr id="171" name="Chevron 179">
                   <a:extLst>
                     <a:ext uri="{FF2B5EF4-FFF2-40B4-BE49-F238E27FC236}">
-                      <a16:creationId xmlns:a16="http://schemas.microsoft.com/office/drawing/2014/main" xmlns="" id="{CD074C14-C84F-40D8-9D5F-0DC3BE6D3B58}"/>
+                      <a16:creationId xmlns="" xmlns:a16="http://schemas.microsoft.com/office/drawing/2014/main" id="{CD074C14-C84F-40D8-9D5F-0DC3BE6D3B58}"/>
                     </a:ext>
                   </a:extLst>
                 </p:cNvPr>
@@ -38376,7 +38690,7 @@
                 <p:cNvPr id="172" name="Rectangle 171">
                   <a:extLst>
                     <a:ext uri="{FF2B5EF4-FFF2-40B4-BE49-F238E27FC236}">
-                      <a16:creationId xmlns:a16="http://schemas.microsoft.com/office/drawing/2014/main" xmlns="" id="{1371C12B-3919-45C6-AC75-04204AEE862B}"/>
+                      <a16:creationId xmlns="" xmlns:a16="http://schemas.microsoft.com/office/drawing/2014/main" id="{1371C12B-3919-45C6-AC75-04204AEE862B}"/>
                     </a:ext>
                   </a:extLst>
                 </p:cNvPr>
@@ -38424,7 +38738,7 @@
               <p:cNvPr id="170" name="Rectangle 169">
                 <a:extLst>
                   <a:ext uri="{FF2B5EF4-FFF2-40B4-BE49-F238E27FC236}">
-                    <a16:creationId xmlns:a16="http://schemas.microsoft.com/office/drawing/2014/main" xmlns="" id="{17E2F57C-6E9D-46F1-8AB6-757ED5EF793E}"/>
+                    <a16:creationId xmlns="" xmlns:a16="http://schemas.microsoft.com/office/drawing/2014/main" id="{17E2F57C-6E9D-46F1-8AB6-757ED5EF793E}"/>
                   </a:ext>
                 </a:extLst>
               </p:cNvPr>
@@ -38469,7 +38783,7 @@
             <p:cNvPr id="163" name="Groupe 162">
               <a:extLst>
                 <a:ext uri="{FF2B5EF4-FFF2-40B4-BE49-F238E27FC236}">
-                  <a16:creationId xmlns:a16="http://schemas.microsoft.com/office/drawing/2014/main" xmlns="" id="{4F4A299C-AA64-40E0-AD20-E20FB8DEC0C8}"/>
+                  <a16:creationId xmlns="" xmlns:a16="http://schemas.microsoft.com/office/drawing/2014/main" id="{4F4A299C-AA64-40E0-AD20-E20FB8DEC0C8}"/>
                 </a:ext>
               </a:extLst>
             </p:cNvPr>
@@ -38489,7 +38803,7 @@
               <p:cNvPr id="167" name="Chevron 184">
                 <a:extLst>
                   <a:ext uri="{FF2B5EF4-FFF2-40B4-BE49-F238E27FC236}">
-                    <a16:creationId xmlns:a16="http://schemas.microsoft.com/office/drawing/2014/main" xmlns="" id="{F35CF838-A072-4261-98DC-CD06C1915C7F}"/>
+                    <a16:creationId xmlns="" xmlns:a16="http://schemas.microsoft.com/office/drawing/2014/main" id="{F35CF838-A072-4261-98DC-CD06C1915C7F}"/>
                   </a:ext>
                 </a:extLst>
               </p:cNvPr>
@@ -38539,7 +38853,7 @@
               <p:cNvPr id="168" name="Rectangle 167">
                 <a:extLst>
                   <a:ext uri="{FF2B5EF4-FFF2-40B4-BE49-F238E27FC236}">
-                    <a16:creationId xmlns:a16="http://schemas.microsoft.com/office/drawing/2014/main" xmlns="" id="{708E5A46-A52A-4907-8D30-A361432D9727}"/>
+                    <a16:creationId xmlns="" xmlns:a16="http://schemas.microsoft.com/office/drawing/2014/main" id="{708E5A46-A52A-4907-8D30-A361432D9727}"/>
                   </a:ext>
                 </a:extLst>
               </p:cNvPr>
@@ -38587,7 +38901,7 @@
             <p:cNvPr id="164" name="Groupe 163">
               <a:extLst>
                 <a:ext uri="{FF2B5EF4-FFF2-40B4-BE49-F238E27FC236}">
-                  <a16:creationId xmlns:a16="http://schemas.microsoft.com/office/drawing/2014/main" xmlns="" id="{BD9E69AA-8190-44F6-9F99-E059439D93B6}"/>
+                  <a16:creationId xmlns="" xmlns:a16="http://schemas.microsoft.com/office/drawing/2014/main" id="{BD9E69AA-8190-44F6-9F99-E059439D93B6}"/>
                 </a:ext>
               </a:extLst>
             </p:cNvPr>
@@ -38607,7 +38921,7 @@
               <p:cNvPr id="165" name="Chevron 184">
                 <a:extLst>
                   <a:ext uri="{FF2B5EF4-FFF2-40B4-BE49-F238E27FC236}">
-                    <a16:creationId xmlns:a16="http://schemas.microsoft.com/office/drawing/2014/main" xmlns="" id="{4A49DFA6-600C-4E2C-BECB-8F26509A2C04}"/>
+                    <a16:creationId xmlns="" xmlns:a16="http://schemas.microsoft.com/office/drawing/2014/main" id="{4A49DFA6-600C-4E2C-BECB-8F26509A2C04}"/>
                   </a:ext>
                 </a:extLst>
               </p:cNvPr>
@@ -38657,7 +38971,7 @@
               <p:cNvPr id="166" name="Rectangle 165">
                 <a:extLst>
                   <a:ext uri="{FF2B5EF4-FFF2-40B4-BE49-F238E27FC236}">
-                    <a16:creationId xmlns:a16="http://schemas.microsoft.com/office/drawing/2014/main" xmlns="" id="{CBD6F808-29C7-4635-984B-AB8B8118669A}"/>
+                    <a16:creationId xmlns="" xmlns:a16="http://schemas.microsoft.com/office/drawing/2014/main" id="{CBD6F808-29C7-4635-984B-AB8B8118669A}"/>
                   </a:ext>
                 </a:extLst>
               </p:cNvPr>
@@ -38706,7 +39020,7 @@
           <p:cNvPr id="178" name="Groupe 177">
             <a:extLst>
               <a:ext uri="{FF2B5EF4-FFF2-40B4-BE49-F238E27FC236}">
-                <a16:creationId xmlns:a16="http://schemas.microsoft.com/office/drawing/2014/main" xmlns="" id="{EE726740-5853-4A49-886D-C22E8B33E639}"/>
+                <a16:creationId xmlns="" xmlns:a16="http://schemas.microsoft.com/office/drawing/2014/main" id="{EE726740-5853-4A49-886D-C22E8B33E639}"/>
               </a:ext>
             </a:extLst>
           </p:cNvPr>
@@ -38726,7 +39040,7 @@
             <p:cNvPr id="179" name="Groupe 178">
               <a:extLst>
                 <a:ext uri="{FF2B5EF4-FFF2-40B4-BE49-F238E27FC236}">
-                  <a16:creationId xmlns:a16="http://schemas.microsoft.com/office/drawing/2014/main" xmlns="" id="{54CD7A7B-614E-477C-A1AB-997AA577A0C5}"/>
+                  <a16:creationId xmlns="" xmlns:a16="http://schemas.microsoft.com/office/drawing/2014/main" id="{54CD7A7B-614E-477C-A1AB-997AA577A0C5}"/>
                 </a:ext>
               </a:extLst>
             </p:cNvPr>
@@ -38746,7 +39060,7 @@
               <p:cNvPr id="195" name="Chevron 184">
                 <a:extLst>
                   <a:ext uri="{FF2B5EF4-FFF2-40B4-BE49-F238E27FC236}">
-                    <a16:creationId xmlns:a16="http://schemas.microsoft.com/office/drawing/2014/main" xmlns="" id="{44EF42D8-B4A0-4EF5-9060-35031FDBA049}"/>
+                    <a16:creationId xmlns="" xmlns:a16="http://schemas.microsoft.com/office/drawing/2014/main" id="{44EF42D8-B4A0-4EF5-9060-35031FDBA049}"/>
                   </a:ext>
                 </a:extLst>
               </p:cNvPr>
@@ -38796,7 +39110,7 @@
               <p:cNvPr id="196" name="Rectangle 195">
                 <a:extLst>
                   <a:ext uri="{FF2B5EF4-FFF2-40B4-BE49-F238E27FC236}">
-                    <a16:creationId xmlns:a16="http://schemas.microsoft.com/office/drawing/2014/main" xmlns="" id="{B6E2B9BA-77EF-4410-971D-DAC3D2EECE84}"/>
+                    <a16:creationId xmlns="" xmlns:a16="http://schemas.microsoft.com/office/drawing/2014/main" id="{B6E2B9BA-77EF-4410-971D-DAC3D2EECE84}"/>
                   </a:ext>
                 </a:extLst>
               </p:cNvPr>
@@ -38844,7 +39158,7 @@
             <p:cNvPr id="180" name="Groupe 179">
               <a:extLst>
                 <a:ext uri="{FF2B5EF4-FFF2-40B4-BE49-F238E27FC236}">
-                  <a16:creationId xmlns:a16="http://schemas.microsoft.com/office/drawing/2014/main" xmlns="" id="{A4D18A42-9AF2-4881-8762-52912450E9E2}"/>
+                  <a16:creationId xmlns="" xmlns:a16="http://schemas.microsoft.com/office/drawing/2014/main" id="{A4D18A42-9AF2-4881-8762-52912450E9E2}"/>
                 </a:ext>
               </a:extLst>
             </p:cNvPr>
@@ -38864,7 +39178,7 @@
               <p:cNvPr id="192" name="Chevron 181">
                 <a:extLst>
                   <a:ext uri="{FF2B5EF4-FFF2-40B4-BE49-F238E27FC236}">
-                    <a16:creationId xmlns:a16="http://schemas.microsoft.com/office/drawing/2014/main" xmlns="" id="{75A7E3F1-381B-4555-8385-0A871F66333C}"/>
+                    <a16:creationId xmlns="" xmlns:a16="http://schemas.microsoft.com/office/drawing/2014/main" id="{75A7E3F1-381B-4555-8385-0A871F66333C}"/>
                   </a:ext>
                 </a:extLst>
               </p:cNvPr>
@@ -38914,7 +39228,7 @@
               <p:cNvPr id="193" name="Rectangle 192">
                 <a:extLst>
                   <a:ext uri="{FF2B5EF4-FFF2-40B4-BE49-F238E27FC236}">
-                    <a16:creationId xmlns:a16="http://schemas.microsoft.com/office/drawing/2014/main" xmlns="" id="{EC039605-027A-4188-BBAF-B4A8B1B270F5}"/>
+                    <a16:creationId xmlns="" xmlns:a16="http://schemas.microsoft.com/office/drawing/2014/main" id="{EC039605-027A-4188-BBAF-B4A8B1B270F5}"/>
                   </a:ext>
                 </a:extLst>
               </p:cNvPr>
@@ -38961,7 +39275,7 @@
               <p:cNvPr id="194" name="Rectangle 193">
                 <a:extLst>
                   <a:ext uri="{FF2B5EF4-FFF2-40B4-BE49-F238E27FC236}">
-                    <a16:creationId xmlns:a16="http://schemas.microsoft.com/office/drawing/2014/main" xmlns="" id="{24B3C0C1-8C19-453C-81CD-F46A426E190B}"/>
+                    <a16:creationId xmlns="" xmlns:a16="http://schemas.microsoft.com/office/drawing/2014/main" id="{24B3C0C1-8C19-453C-81CD-F46A426E190B}"/>
                   </a:ext>
                 </a:extLst>
               </p:cNvPr>
@@ -39006,7 +39320,7 @@
             <p:cNvPr id="181" name="Groupe 180">
               <a:extLst>
                 <a:ext uri="{FF2B5EF4-FFF2-40B4-BE49-F238E27FC236}">
-                  <a16:creationId xmlns:a16="http://schemas.microsoft.com/office/drawing/2014/main" xmlns="" id="{5E8CF3A9-5A64-4E0D-BC6B-6B003455C1DE}"/>
+                  <a16:creationId xmlns="" xmlns:a16="http://schemas.microsoft.com/office/drawing/2014/main" id="{5E8CF3A9-5A64-4E0D-BC6B-6B003455C1DE}"/>
                 </a:ext>
               </a:extLst>
             </p:cNvPr>
@@ -39026,7 +39340,7 @@
               <p:cNvPr id="188" name="Groupe 187">
                 <a:extLst>
                   <a:ext uri="{FF2B5EF4-FFF2-40B4-BE49-F238E27FC236}">
-                    <a16:creationId xmlns:a16="http://schemas.microsoft.com/office/drawing/2014/main" xmlns="" id="{7C715C9A-13A3-4CE2-87DD-9859B3A9C4AB}"/>
+                    <a16:creationId xmlns="" xmlns:a16="http://schemas.microsoft.com/office/drawing/2014/main" id="{7C715C9A-13A3-4CE2-87DD-9859B3A9C4AB}"/>
                   </a:ext>
                 </a:extLst>
               </p:cNvPr>
@@ -39046,7 +39360,7 @@
                 <p:cNvPr id="190" name="Chevron 179">
                   <a:extLst>
                     <a:ext uri="{FF2B5EF4-FFF2-40B4-BE49-F238E27FC236}">
-                      <a16:creationId xmlns:a16="http://schemas.microsoft.com/office/drawing/2014/main" xmlns="" id="{325CEDAD-2B0F-4003-8168-8420E24BF83E}"/>
+                      <a16:creationId xmlns="" xmlns:a16="http://schemas.microsoft.com/office/drawing/2014/main" id="{325CEDAD-2B0F-4003-8168-8420E24BF83E}"/>
                     </a:ext>
                   </a:extLst>
                 </p:cNvPr>
@@ -39096,7 +39410,7 @@
                 <p:cNvPr id="191" name="Rectangle 190">
                   <a:extLst>
                     <a:ext uri="{FF2B5EF4-FFF2-40B4-BE49-F238E27FC236}">
-                      <a16:creationId xmlns:a16="http://schemas.microsoft.com/office/drawing/2014/main" xmlns="" id="{BCC64859-7FDA-4F9E-B4FA-54904F962E82}"/>
+                      <a16:creationId xmlns="" xmlns:a16="http://schemas.microsoft.com/office/drawing/2014/main" id="{BCC64859-7FDA-4F9E-B4FA-54904F962E82}"/>
                     </a:ext>
                   </a:extLst>
                 </p:cNvPr>
@@ -39144,7 +39458,7 @@
               <p:cNvPr id="189" name="Rectangle 188">
                 <a:extLst>
                   <a:ext uri="{FF2B5EF4-FFF2-40B4-BE49-F238E27FC236}">
-                    <a16:creationId xmlns:a16="http://schemas.microsoft.com/office/drawing/2014/main" xmlns="" id="{48CCF4FF-D989-404B-B7D1-737238AF654B}"/>
+                    <a16:creationId xmlns="" xmlns:a16="http://schemas.microsoft.com/office/drawing/2014/main" id="{48CCF4FF-D989-404B-B7D1-737238AF654B}"/>
                   </a:ext>
                 </a:extLst>
               </p:cNvPr>
@@ -39189,7 +39503,7 @@
             <p:cNvPr id="182" name="Groupe 181">
               <a:extLst>
                 <a:ext uri="{FF2B5EF4-FFF2-40B4-BE49-F238E27FC236}">
-                  <a16:creationId xmlns:a16="http://schemas.microsoft.com/office/drawing/2014/main" xmlns="" id="{F16FCC4E-916E-4FA2-B3E1-3D8F1E62A50B}"/>
+                  <a16:creationId xmlns="" xmlns:a16="http://schemas.microsoft.com/office/drawing/2014/main" id="{F16FCC4E-916E-4FA2-B3E1-3D8F1E62A50B}"/>
                 </a:ext>
               </a:extLst>
             </p:cNvPr>
@@ -39209,7 +39523,7 @@
               <p:cNvPr id="186" name="Chevron 184">
                 <a:extLst>
                   <a:ext uri="{FF2B5EF4-FFF2-40B4-BE49-F238E27FC236}">
-                    <a16:creationId xmlns:a16="http://schemas.microsoft.com/office/drawing/2014/main" xmlns="" id="{1B986730-A297-42A8-A8EC-EEAE39F2C590}"/>
+                    <a16:creationId xmlns="" xmlns:a16="http://schemas.microsoft.com/office/drawing/2014/main" id="{1B986730-A297-42A8-A8EC-EEAE39F2C590}"/>
                   </a:ext>
                 </a:extLst>
               </p:cNvPr>
@@ -39259,7 +39573,7 @@
               <p:cNvPr id="187" name="Rectangle 186">
                 <a:extLst>
                   <a:ext uri="{FF2B5EF4-FFF2-40B4-BE49-F238E27FC236}">
-                    <a16:creationId xmlns:a16="http://schemas.microsoft.com/office/drawing/2014/main" xmlns="" id="{BDE4ABAE-5B28-48BE-AF24-F64682FD4F19}"/>
+                    <a16:creationId xmlns="" xmlns:a16="http://schemas.microsoft.com/office/drawing/2014/main" id="{BDE4ABAE-5B28-48BE-AF24-F64682FD4F19}"/>
                   </a:ext>
                 </a:extLst>
               </p:cNvPr>
@@ -39307,7 +39621,7 @@
             <p:cNvPr id="183" name="Groupe 182">
               <a:extLst>
                 <a:ext uri="{FF2B5EF4-FFF2-40B4-BE49-F238E27FC236}">
-                  <a16:creationId xmlns:a16="http://schemas.microsoft.com/office/drawing/2014/main" xmlns="" id="{CF8D83B9-EE96-4F36-8314-13B9AF804E1E}"/>
+                  <a16:creationId xmlns="" xmlns:a16="http://schemas.microsoft.com/office/drawing/2014/main" id="{CF8D83B9-EE96-4F36-8314-13B9AF804E1E}"/>
                 </a:ext>
               </a:extLst>
             </p:cNvPr>
@@ -39327,7 +39641,7 @@
               <p:cNvPr id="184" name="Chevron 184">
                 <a:extLst>
                   <a:ext uri="{FF2B5EF4-FFF2-40B4-BE49-F238E27FC236}">
-                    <a16:creationId xmlns:a16="http://schemas.microsoft.com/office/drawing/2014/main" xmlns="" id="{69D93EE8-761E-4FC6-A40B-41C19ED50BB8}"/>
+                    <a16:creationId xmlns="" xmlns:a16="http://schemas.microsoft.com/office/drawing/2014/main" id="{69D93EE8-761E-4FC6-A40B-41C19ED50BB8}"/>
                   </a:ext>
                 </a:extLst>
               </p:cNvPr>
@@ -39377,7 +39691,7 @@
               <p:cNvPr id="185" name="Rectangle 184">
                 <a:extLst>
                   <a:ext uri="{FF2B5EF4-FFF2-40B4-BE49-F238E27FC236}">
-                    <a16:creationId xmlns:a16="http://schemas.microsoft.com/office/drawing/2014/main" xmlns="" id="{15A4F52D-D327-4138-8017-DA7288805A11}"/>
+                    <a16:creationId xmlns="" xmlns:a16="http://schemas.microsoft.com/office/drawing/2014/main" id="{15A4F52D-D327-4138-8017-DA7288805A11}"/>
                   </a:ext>
                 </a:extLst>
               </p:cNvPr>
@@ -39426,7 +39740,7 @@
           <p:cNvPr id="197" name="Groupe 196">
             <a:extLst>
               <a:ext uri="{FF2B5EF4-FFF2-40B4-BE49-F238E27FC236}">
-                <a16:creationId xmlns:a16="http://schemas.microsoft.com/office/drawing/2014/main" xmlns="" id="{870C8519-EAC6-43F0-85C2-C8344619B720}"/>
+                <a16:creationId xmlns="" xmlns:a16="http://schemas.microsoft.com/office/drawing/2014/main" id="{870C8519-EAC6-43F0-85C2-C8344619B720}"/>
               </a:ext>
             </a:extLst>
           </p:cNvPr>
@@ -39446,7 +39760,7 @@
             <p:cNvPr id="198" name="Groupe 197">
               <a:extLst>
                 <a:ext uri="{FF2B5EF4-FFF2-40B4-BE49-F238E27FC236}">
-                  <a16:creationId xmlns:a16="http://schemas.microsoft.com/office/drawing/2014/main" xmlns="" id="{3592F38C-6FF7-42BE-87B4-03159EF7F194}"/>
+                  <a16:creationId xmlns="" xmlns:a16="http://schemas.microsoft.com/office/drawing/2014/main" id="{3592F38C-6FF7-42BE-87B4-03159EF7F194}"/>
                 </a:ext>
               </a:extLst>
             </p:cNvPr>
@@ -39466,7 +39780,7 @@
               <p:cNvPr id="214" name="Chevron 184">
                 <a:extLst>
                   <a:ext uri="{FF2B5EF4-FFF2-40B4-BE49-F238E27FC236}">
-                    <a16:creationId xmlns:a16="http://schemas.microsoft.com/office/drawing/2014/main" xmlns="" id="{DCE12F21-E636-4779-B429-000C57D9F713}"/>
+                    <a16:creationId xmlns="" xmlns:a16="http://schemas.microsoft.com/office/drawing/2014/main" id="{DCE12F21-E636-4779-B429-000C57D9F713}"/>
                   </a:ext>
                 </a:extLst>
               </p:cNvPr>
@@ -39516,7 +39830,7 @@
               <p:cNvPr id="215" name="Rectangle 214">
                 <a:extLst>
                   <a:ext uri="{FF2B5EF4-FFF2-40B4-BE49-F238E27FC236}">
-                    <a16:creationId xmlns:a16="http://schemas.microsoft.com/office/drawing/2014/main" xmlns="" id="{9FF54DF4-193F-4491-8F49-E262C5D6DE66}"/>
+                    <a16:creationId xmlns="" xmlns:a16="http://schemas.microsoft.com/office/drawing/2014/main" id="{9FF54DF4-193F-4491-8F49-E262C5D6DE66}"/>
                   </a:ext>
                 </a:extLst>
               </p:cNvPr>
@@ -39564,7 +39878,7 @@
             <p:cNvPr id="199" name="Groupe 198">
               <a:extLst>
                 <a:ext uri="{FF2B5EF4-FFF2-40B4-BE49-F238E27FC236}">
-                  <a16:creationId xmlns:a16="http://schemas.microsoft.com/office/drawing/2014/main" xmlns="" id="{14FC723C-29C9-4B4C-ACAA-9329910116E9}"/>
+                  <a16:creationId xmlns="" xmlns:a16="http://schemas.microsoft.com/office/drawing/2014/main" id="{14FC723C-29C9-4B4C-ACAA-9329910116E9}"/>
                 </a:ext>
               </a:extLst>
             </p:cNvPr>
@@ -39584,7 +39898,7 @@
               <p:cNvPr id="211" name="Chevron 181">
                 <a:extLst>
                   <a:ext uri="{FF2B5EF4-FFF2-40B4-BE49-F238E27FC236}">
-                    <a16:creationId xmlns:a16="http://schemas.microsoft.com/office/drawing/2014/main" xmlns="" id="{DEC6596A-AC05-47E1-91B9-16D64012EEB9}"/>
+                    <a16:creationId xmlns="" xmlns:a16="http://schemas.microsoft.com/office/drawing/2014/main" id="{DEC6596A-AC05-47E1-91B9-16D64012EEB9}"/>
                   </a:ext>
                 </a:extLst>
               </p:cNvPr>
@@ -39634,7 +39948,7 @@
               <p:cNvPr id="212" name="Rectangle 211">
                 <a:extLst>
                   <a:ext uri="{FF2B5EF4-FFF2-40B4-BE49-F238E27FC236}">
-                    <a16:creationId xmlns:a16="http://schemas.microsoft.com/office/drawing/2014/main" xmlns="" id="{A59E242B-1442-439B-9168-576E8499B45D}"/>
+                    <a16:creationId xmlns="" xmlns:a16="http://schemas.microsoft.com/office/drawing/2014/main" id="{A59E242B-1442-439B-9168-576E8499B45D}"/>
                   </a:ext>
                 </a:extLst>
               </p:cNvPr>
@@ -39681,7 +39995,7 @@
               <p:cNvPr id="213" name="Rectangle 212">
                 <a:extLst>
                   <a:ext uri="{FF2B5EF4-FFF2-40B4-BE49-F238E27FC236}">
-                    <a16:creationId xmlns:a16="http://schemas.microsoft.com/office/drawing/2014/main" xmlns="" id="{C9E36343-2405-4A22-B410-2BE0334B1DEA}"/>
+                    <a16:creationId xmlns="" xmlns:a16="http://schemas.microsoft.com/office/drawing/2014/main" id="{C9E36343-2405-4A22-B410-2BE0334B1DEA}"/>
                   </a:ext>
                 </a:extLst>
               </p:cNvPr>
@@ -39726,7 +40040,7 @@
             <p:cNvPr id="200" name="Groupe 199">
               <a:extLst>
                 <a:ext uri="{FF2B5EF4-FFF2-40B4-BE49-F238E27FC236}">
-                  <a16:creationId xmlns:a16="http://schemas.microsoft.com/office/drawing/2014/main" xmlns="" id="{631AAFF0-1ED1-4F4B-815B-53744929EBDB}"/>
+                  <a16:creationId xmlns="" xmlns:a16="http://schemas.microsoft.com/office/drawing/2014/main" id="{631AAFF0-1ED1-4F4B-815B-53744929EBDB}"/>
                 </a:ext>
               </a:extLst>
             </p:cNvPr>
@@ -39746,7 +40060,7 @@
               <p:cNvPr id="207" name="Groupe 206">
                 <a:extLst>
                   <a:ext uri="{FF2B5EF4-FFF2-40B4-BE49-F238E27FC236}">
-                    <a16:creationId xmlns:a16="http://schemas.microsoft.com/office/drawing/2014/main" xmlns="" id="{A8555EE5-E7E4-4DF9-BF70-57526435B48C}"/>
+                    <a16:creationId xmlns="" xmlns:a16="http://schemas.microsoft.com/office/drawing/2014/main" id="{A8555EE5-E7E4-4DF9-BF70-57526435B48C}"/>
                   </a:ext>
                 </a:extLst>
               </p:cNvPr>
@@ -39766,7 +40080,7 @@
                 <p:cNvPr id="209" name="Chevron 179">
                   <a:extLst>
                     <a:ext uri="{FF2B5EF4-FFF2-40B4-BE49-F238E27FC236}">
-                      <a16:creationId xmlns:a16="http://schemas.microsoft.com/office/drawing/2014/main" xmlns="" id="{A247C88C-2C20-4499-9B6D-3EFA423CEC48}"/>
+                      <a16:creationId xmlns="" xmlns:a16="http://schemas.microsoft.com/office/drawing/2014/main" id="{A247C88C-2C20-4499-9B6D-3EFA423CEC48}"/>
                     </a:ext>
                   </a:extLst>
                 </p:cNvPr>
@@ -39816,7 +40130,7 @@
                 <p:cNvPr id="210" name="Rectangle 209">
                   <a:extLst>
                     <a:ext uri="{FF2B5EF4-FFF2-40B4-BE49-F238E27FC236}">
-                      <a16:creationId xmlns:a16="http://schemas.microsoft.com/office/drawing/2014/main" xmlns="" id="{166BC918-B6CE-4023-88C6-848E166B014D}"/>
+                      <a16:creationId xmlns="" xmlns:a16="http://schemas.microsoft.com/office/drawing/2014/main" id="{166BC918-B6CE-4023-88C6-848E166B014D}"/>
                     </a:ext>
                   </a:extLst>
                 </p:cNvPr>
@@ -39864,7 +40178,7 @@
               <p:cNvPr id="208" name="Rectangle 207">
                 <a:extLst>
                   <a:ext uri="{FF2B5EF4-FFF2-40B4-BE49-F238E27FC236}">
-                    <a16:creationId xmlns:a16="http://schemas.microsoft.com/office/drawing/2014/main" xmlns="" id="{2D11BD0B-266A-44E7-85B6-3E363B62ED35}"/>
+                    <a16:creationId xmlns="" xmlns:a16="http://schemas.microsoft.com/office/drawing/2014/main" id="{2D11BD0B-266A-44E7-85B6-3E363B62ED35}"/>
                   </a:ext>
                 </a:extLst>
               </p:cNvPr>
@@ -39909,7 +40223,7 @@
             <p:cNvPr id="201" name="Groupe 200">
               <a:extLst>
                 <a:ext uri="{FF2B5EF4-FFF2-40B4-BE49-F238E27FC236}">
-                  <a16:creationId xmlns:a16="http://schemas.microsoft.com/office/drawing/2014/main" xmlns="" id="{3CF55348-05E8-4578-B6D7-4EFD5F1FABE9}"/>
+                  <a16:creationId xmlns="" xmlns:a16="http://schemas.microsoft.com/office/drawing/2014/main" id="{3CF55348-05E8-4578-B6D7-4EFD5F1FABE9}"/>
                 </a:ext>
               </a:extLst>
             </p:cNvPr>
@@ -39929,7 +40243,7 @@
               <p:cNvPr id="205" name="Chevron 184">
                 <a:extLst>
                   <a:ext uri="{FF2B5EF4-FFF2-40B4-BE49-F238E27FC236}">
-                    <a16:creationId xmlns:a16="http://schemas.microsoft.com/office/drawing/2014/main" xmlns="" id="{FD04B26B-0292-478E-889D-A94A3F4087DE}"/>
+                    <a16:creationId xmlns="" xmlns:a16="http://schemas.microsoft.com/office/drawing/2014/main" id="{FD04B26B-0292-478E-889D-A94A3F4087DE}"/>
                   </a:ext>
                 </a:extLst>
               </p:cNvPr>
@@ -39979,7 +40293,7 @@
               <p:cNvPr id="206" name="Rectangle 205">
                 <a:extLst>
                   <a:ext uri="{FF2B5EF4-FFF2-40B4-BE49-F238E27FC236}">
-                    <a16:creationId xmlns:a16="http://schemas.microsoft.com/office/drawing/2014/main" xmlns="" id="{9CA5B48D-DDFB-427B-A7D4-8023AA3C908A}"/>
+                    <a16:creationId xmlns="" xmlns:a16="http://schemas.microsoft.com/office/drawing/2014/main" id="{9CA5B48D-DDFB-427B-A7D4-8023AA3C908A}"/>
                   </a:ext>
                 </a:extLst>
               </p:cNvPr>
@@ -40027,7 +40341,7 @@
             <p:cNvPr id="202" name="Groupe 201">
               <a:extLst>
                 <a:ext uri="{FF2B5EF4-FFF2-40B4-BE49-F238E27FC236}">
-                  <a16:creationId xmlns:a16="http://schemas.microsoft.com/office/drawing/2014/main" xmlns="" id="{309BADCA-8E44-4DD6-8833-CF6906EC1BE2}"/>
+                  <a16:creationId xmlns="" xmlns:a16="http://schemas.microsoft.com/office/drawing/2014/main" id="{309BADCA-8E44-4DD6-8833-CF6906EC1BE2}"/>
                 </a:ext>
               </a:extLst>
             </p:cNvPr>
@@ -40047,7 +40361,7 @@
               <p:cNvPr id="203" name="Chevron 184">
                 <a:extLst>
                   <a:ext uri="{FF2B5EF4-FFF2-40B4-BE49-F238E27FC236}">
-                    <a16:creationId xmlns:a16="http://schemas.microsoft.com/office/drawing/2014/main" xmlns="" id="{27E5F47F-EA1C-4B1F-A51C-62841B8C85BA}"/>
+                    <a16:creationId xmlns="" xmlns:a16="http://schemas.microsoft.com/office/drawing/2014/main" id="{27E5F47F-EA1C-4B1F-A51C-62841B8C85BA}"/>
                   </a:ext>
                 </a:extLst>
               </p:cNvPr>
@@ -40097,7 +40411,7 @@
               <p:cNvPr id="204" name="Rectangle 203">
                 <a:extLst>
                   <a:ext uri="{FF2B5EF4-FFF2-40B4-BE49-F238E27FC236}">
-                    <a16:creationId xmlns:a16="http://schemas.microsoft.com/office/drawing/2014/main" xmlns="" id="{A2721E10-54F0-44BE-8610-3CD4535EA994}"/>
+                    <a16:creationId xmlns="" xmlns:a16="http://schemas.microsoft.com/office/drawing/2014/main" id="{A2721E10-54F0-44BE-8610-3CD4535EA994}"/>
                   </a:ext>
                 </a:extLst>
               </p:cNvPr>
@@ -40146,7 +40460,7 @@
           <p:cNvPr id="216" name="Groupe 215">
             <a:extLst>
               <a:ext uri="{FF2B5EF4-FFF2-40B4-BE49-F238E27FC236}">
-                <a16:creationId xmlns:a16="http://schemas.microsoft.com/office/drawing/2014/main" xmlns="" id="{75F41C04-627B-472B-B8BD-D619F9B6303C}"/>
+                <a16:creationId xmlns="" xmlns:a16="http://schemas.microsoft.com/office/drawing/2014/main" id="{75F41C04-627B-472B-B8BD-D619F9B6303C}"/>
               </a:ext>
             </a:extLst>
           </p:cNvPr>
@@ -40166,7 +40480,7 @@
             <p:cNvPr id="217" name="Groupe 216">
               <a:extLst>
                 <a:ext uri="{FF2B5EF4-FFF2-40B4-BE49-F238E27FC236}">
-                  <a16:creationId xmlns:a16="http://schemas.microsoft.com/office/drawing/2014/main" xmlns="" id="{D0542D0B-D263-4A77-AC26-87B591CF0DB0}"/>
+                  <a16:creationId xmlns="" xmlns:a16="http://schemas.microsoft.com/office/drawing/2014/main" id="{D0542D0B-D263-4A77-AC26-87B591CF0DB0}"/>
                 </a:ext>
               </a:extLst>
             </p:cNvPr>
@@ -40186,7 +40500,7 @@
               <p:cNvPr id="233" name="Chevron 184">
                 <a:extLst>
                   <a:ext uri="{FF2B5EF4-FFF2-40B4-BE49-F238E27FC236}">
-                    <a16:creationId xmlns:a16="http://schemas.microsoft.com/office/drawing/2014/main" xmlns="" id="{933D535A-F3F4-4920-B090-1AAAA257B112}"/>
+                    <a16:creationId xmlns="" xmlns:a16="http://schemas.microsoft.com/office/drawing/2014/main" id="{933D535A-F3F4-4920-B090-1AAAA257B112}"/>
                   </a:ext>
                 </a:extLst>
               </p:cNvPr>
@@ -40236,7 +40550,7 @@
               <p:cNvPr id="234" name="Rectangle 233">
                 <a:extLst>
                   <a:ext uri="{FF2B5EF4-FFF2-40B4-BE49-F238E27FC236}">
-                    <a16:creationId xmlns:a16="http://schemas.microsoft.com/office/drawing/2014/main" xmlns="" id="{015A77ED-C6C8-4CB8-B701-14F522EBB484}"/>
+                    <a16:creationId xmlns="" xmlns:a16="http://schemas.microsoft.com/office/drawing/2014/main" id="{015A77ED-C6C8-4CB8-B701-14F522EBB484}"/>
                   </a:ext>
                 </a:extLst>
               </p:cNvPr>
@@ -40284,7 +40598,7 @@
             <p:cNvPr id="218" name="Groupe 217">
               <a:extLst>
                 <a:ext uri="{FF2B5EF4-FFF2-40B4-BE49-F238E27FC236}">
-                  <a16:creationId xmlns:a16="http://schemas.microsoft.com/office/drawing/2014/main" xmlns="" id="{51B713CF-9928-41D0-8939-E490DC1858C7}"/>
+                  <a16:creationId xmlns="" xmlns:a16="http://schemas.microsoft.com/office/drawing/2014/main" id="{51B713CF-9928-41D0-8939-E490DC1858C7}"/>
                 </a:ext>
               </a:extLst>
             </p:cNvPr>
@@ -40304,7 +40618,7 @@
               <p:cNvPr id="230" name="Chevron 181">
                 <a:extLst>
                   <a:ext uri="{FF2B5EF4-FFF2-40B4-BE49-F238E27FC236}">
-                    <a16:creationId xmlns:a16="http://schemas.microsoft.com/office/drawing/2014/main" xmlns="" id="{DCE29611-C5C8-43BC-9226-6C3C4C1F41D6}"/>
+                    <a16:creationId xmlns="" xmlns:a16="http://schemas.microsoft.com/office/drawing/2014/main" id="{DCE29611-C5C8-43BC-9226-6C3C4C1F41D6}"/>
                   </a:ext>
                 </a:extLst>
               </p:cNvPr>
@@ -40354,7 +40668,7 @@
               <p:cNvPr id="231" name="Rectangle 230">
                 <a:extLst>
                   <a:ext uri="{FF2B5EF4-FFF2-40B4-BE49-F238E27FC236}">
-                    <a16:creationId xmlns:a16="http://schemas.microsoft.com/office/drawing/2014/main" xmlns="" id="{922956CD-CA7F-43CD-94A1-DD53AE422349}"/>
+                    <a16:creationId xmlns="" xmlns:a16="http://schemas.microsoft.com/office/drawing/2014/main" id="{922956CD-CA7F-43CD-94A1-DD53AE422349}"/>
                   </a:ext>
                 </a:extLst>
               </p:cNvPr>
@@ -40401,7 +40715,7 @@
               <p:cNvPr id="232" name="Rectangle 231">
                 <a:extLst>
                   <a:ext uri="{FF2B5EF4-FFF2-40B4-BE49-F238E27FC236}">
-                    <a16:creationId xmlns:a16="http://schemas.microsoft.com/office/drawing/2014/main" xmlns="" id="{535A17D0-0F37-4EBC-9FA3-D662D9F27F78}"/>
+                    <a16:creationId xmlns="" xmlns:a16="http://schemas.microsoft.com/office/drawing/2014/main" id="{535A17D0-0F37-4EBC-9FA3-D662D9F27F78}"/>
                   </a:ext>
                 </a:extLst>
               </p:cNvPr>
@@ -40446,7 +40760,7 @@
             <p:cNvPr id="219" name="Groupe 218">
               <a:extLst>
                 <a:ext uri="{FF2B5EF4-FFF2-40B4-BE49-F238E27FC236}">
-                  <a16:creationId xmlns:a16="http://schemas.microsoft.com/office/drawing/2014/main" xmlns="" id="{6075E884-FA8F-4762-B694-2E92D301C098}"/>
+                  <a16:creationId xmlns="" xmlns:a16="http://schemas.microsoft.com/office/drawing/2014/main" id="{6075E884-FA8F-4762-B694-2E92D301C098}"/>
                 </a:ext>
               </a:extLst>
             </p:cNvPr>
@@ -40466,7 +40780,7 @@
               <p:cNvPr id="226" name="Groupe 225">
                 <a:extLst>
                   <a:ext uri="{FF2B5EF4-FFF2-40B4-BE49-F238E27FC236}">
-                    <a16:creationId xmlns:a16="http://schemas.microsoft.com/office/drawing/2014/main" xmlns="" id="{B4A57067-106C-4988-9013-D8B2B4949B6A}"/>
+                    <a16:creationId xmlns="" xmlns:a16="http://schemas.microsoft.com/office/drawing/2014/main" id="{B4A57067-106C-4988-9013-D8B2B4949B6A}"/>
                   </a:ext>
                 </a:extLst>
               </p:cNvPr>
@@ -40486,7 +40800,7 @@
                 <p:cNvPr id="228" name="Chevron 179">
                   <a:extLst>
                     <a:ext uri="{FF2B5EF4-FFF2-40B4-BE49-F238E27FC236}">
-                      <a16:creationId xmlns:a16="http://schemas.microsoft.com/office/drawing/2014/main" xmlns="" id="{5DCA07FB-B616-40BA-8727-A98183DC1499}"/>
+                      <a16:creationId xmlns="" xmlns:a16="http://schemas.microsoft.com/office/drawing/2014/main" id="{5DCA07FB-B616-40BA-8727-A98183DC1499}"/>
                     </a:ext>
                   </a:extLst>
                 </p:cNvPr>
@@ -40536,7 +40850,7 @@
                 <p:cNvPr id="229" name="Rectangle 228">
                   <a:extLst>
                     <a:ext uri="{FF2B5EF4-FFF2-40B4-BE49-F238E27FC236}">
-                      <a16:creationId xmlns:a16="http://schemas.microsoft.com/office/drawing/2014/main" xmlns="" id="{2E304AD9-A0F6-449D-881D-982D990DDAAA}"/>
+                      <a16:creationId xmlns="" xmlns:a16="http://schemas.microsoft.com/office/drawing/2014/main" id="{2E304AD9-A0F6-449D-881D-982D990DDAAA}"/>
                     </a:ext>
                   </a:extLst>
                 </p:cNvPr>
@@ -40584,7 +40898,7 @@
               <p:cNvPr id="227" name="Rectangle 226">
                 <a:extLst>
                   <a:ext uri="{FF2B5EF4-FFF2-40B4-BE49-F238E27FC236}">
-                    <a16:creationId xmlns:a16="http://schemas.microsoft.com/office/drawing/2014/main" xmlns="" id="{C2C25DDB-9724-47D0-A40B-F662F0874729}"/>
+                    <a16:creationId xmlns="" xmlns:a16="http://schemas.microsoft.com/office/drawing/2014/main" id="{C2C25DDB-9724-47D0-A40B-F662F0874729}"/>
                   </a:ext>
                 </a:extLst>
               </p:cNvPr>
@@ -40629,7 +40943,7 @@
             <p:cNvPr id="220" name="Groupe 219">
               <a:extLst>
                 <a:ext uri="{FF2B5EF4-FFF2-40B4-BE49-F238E27FC236}">
-                  <a16:creationId xmlns:a16="http://schemas.microsoft.com/office/drawing/2014/main" xmlns="" id="{069A4548-FED4-4DFA-9758-8FAB79CD8937}"/>
+                  <a16:creationId xmlns="" xmlns:a16="http://schemas.microsoft.com/office/drawing/2014/main" id="{069A4548-FED4-4DFA-9758-8FAB79CD8937}"/>
                 </a:ext>
               </a:extLst>
             </p:cNvPr>
@@ -40649,7 +40963,7 @@
               <p:cNvPr id="224" name="Chevron 184">
                 <a:extLst>
                   <a:ext uri="{FF2B5EF4-FFF2-40B4-BE49-F238E27FC236}">
-                    <a16:creationId xmlns:a16="http://schemas.microsoft.com/office/drawing/2014/main" xmlns="" id="{45AA3AF7-DF40-415B-A3DB-54CC6EF7B8E4}"/>
+                    <a16:creationId xmlns="" xmlns:a16="http://schemas.microsoft.com/office/drawing/2014/main" id="{45AA3AF7-DF40-415B-A3DB-54CC6EF7B8E4}"/>
                   </a:ext>
                 </a:extLst>
               </p:cNvPr>
@@ -40699,7 +41013,7 @@
               <p:cNvPr id="225" name="Rectangle 224">
                 <a:extLst>
                   <a:ext uri="{FF2B5EF4-FFF2-40B4-BE49-F238E27FC236}">
-                    <a16:creationId xmlns:a16="http://schemas.microsoft.com/office/drawing/2014/main" xmlns="" id="{F316CDEC-9A20-46BC-8710-00CE61E7810F}"/>
+                    <a16:creationId xmlns="" xmlns:a16="http://schemas.microsoft.com/office/drawing/2014/main" id="{F316CDEC-9A20-46BC-8710-00CE61E7810F}"/>
                   </a:ext>
                 </a:extLst>
               </p:cNvPr>
@@ -40747,7 +41061,7 @@
             <p:cNvPr id="221" name="Groupe 220">
               <a:extLst>
                 <a:ext uri="{FF2B5EF4-FFF2-40B4-BE49-F238E27FC236}">
-                  <a16:creationId xmlns:a16="http://schemas.microsoft.com/office/drawing/2014/main" xmlns="" id="{F93B3397-0203-470F-8025-8CB8CF33CD2A}"/>
+                  <a16:creationId xmlns="" xmlns:a16="http://schemas.microsoft.com/office/drawing/2014/main" id="{F93B3397-0203-470F-8025-8CB8CF33CD2A}"/>
                 </a:ext>
               </a:extLst>
             </p:cNvPr>
@@ -40767,7 +41081,7 @@
               <p:cNvPr id="222" name="Chevron 184">
                 <a:extLst>
                   <a:ext uri="{FF2B5EF4-FFF2-40B4-BE49-F238E27FC236}">
-                    <a16:creationId xmlns:a16="http://schemas.microsoft.com/office/drawing/2014/main" xmlns="" id="{FD9084C1-7DBE-4D55-B2F8-45BB04E3C274}"/>
+                    <a16:creationId xmlns="" xmlns:a16="http://schemas.microsoft.com/office/drawing/2014/main" id="{FD9084C1-7DBE-4D55-B2F8-45BB04E3C274}"/>
                   </a:ext>
                 </a:extLst>
               </p:cNvPr>
@@ -40817,7 +41131,7 @@
               <p:cNvPr id="223" name="Rectangle 222">
                 <a:extLst>
                   <a:ext uri="{FF2B5EF4-FFF2-40B4-BE49-F238E27FC236}">
-                    <a16:creationId xmlns:a16="http://schemas.microsoft.com/office/drawing/2014/main" xmlns="" id="{7AA106D0-5989-4829-A999-1EA484E01652}"/>
+                    <a16:creationId xmlns="" xmlns:a16="http://schemas.microsoft.com/office/drawing/2014/main" id="{7AA106D0-5989-4829-A999-1EA484E01652}"/>
                   </a:ext>
                 </a:extLst>
               </p:cNvPr>
@@ -40866,7 +41180,7 @@
           <p:cNvPr id="235" name="Espace réservé du contenu 4">
             <a:extLst>
               <a:ext uri="{FF2B5EF4-FFF2-40B4-BE49-F238E27FC236}">
-                <a16:creationId xmlns:a16="http://schemas.microsoft.com/office/drawing/2014/main" xmlns="" id="{C1FF215B-08F1-4C35-B85A-6B6B08E5DE04}"/>
+                <a16:creationId xmlns="" xmlns:a16="http://schemas.microsoft.com/office/drawing/2014/main" id="{C1FF215B-08F1-4C35-B85A-6B6B08E5DE04}"/>
               </a:ext>
             </a:extLst>
           </p:cNvPr>
@@ -41204,7 +41518,7 @@
           <p:cNvPr id="126" name="Espace réservé du contenu 4">
             <a:extLst>
               <a:ext uri="{FF2B5EF4-FFF2-40B4-BE49-F238E27FC236}">
-                <a16:creationId xmlns:a16="http://schemas.microsoft.com/office/drawing/2014/main" xmlns="" id="{E0ECA4FB-A27A-4EF4-8C7D-5B9524C6BE3F}"/>
+                <a16:creationId xmlns="" xmlns:a16="http://schemas.microsoft.com/office/drawing/2014/main" id="{E0ECA4FB-A27A-4EF4-8C7D-5B9524C6BE3F}"/>
               </a:ext>
             </a:extLst>
           </p:cNvPr>
@@ -41436,7 +41750,7 @@
           <p:cNvPr id="157" name="Image 156">
             <a:extLst>
               <a:ext uri="{FF2B5EF4-FFF2-40B4-BE49-F238E27FC236}">
-                <a16:creationId xmlns:a16="http://schemas.microsoft.com/office/drawing/2014/main" xmlns="" id="{649265A4-F60A-437A-817D-C460759ABDAC}"/>
+                <a16:creationId xmlns="" xmlns:a16="http://schemas.microsoft.com/office/drawing/2014/main" id="{649265A4-F60A-437A-817D-C460759ABDAC}"/>
               </a:ext>
             </a:extLst>
           </p:cNvPr>
@@ -41466,7 +41780,7 @@
           <p:cNvPr id="7" name="Espace réservé du contenu 6">
             <a:extLst>
               <a:ext uri="{FF2B5EF4-FFF2-40B4-BE49-F238E27FC236}">
-                <a16:creationId xmlns:a16="http://schemas.microsoft.com/office/drawing/2014/main" xmlns="" id="{DB2A2F5A-13F4-4B6B-B9B0-2031D32AD019}"/>
+                <a16:creationId xmlns="" xmlns:a16="http://schemas.microsoft.com/office/drawing/2014/main" id="{DB2A2F5A-13F4-4B6B-B9B0-2031D32AD019}"/>
               </a:ext>
             </a:extLst>
           </p:cNvPr>
@@ -41542,7 +41856,7 @@
           <p:cNvPr id="114" name="Groupe 113">
             <a:extLst>
               <a:ext uri="{FF2B5EF4-FFF2-40B4-BE49-F238E27FC236}">
-                <a16:creationId xmlns:a16="http://schemas.microsoft.com/office/drawing/2014/main" xmlns="" id="{C9A4DD3A-F434-47D5-AD2A-A0C9A0F9E46E}"/>
+                <a16:creationId xmlns="" xmlns:a16="http://schemas.microsoft.com/office/drawing/2014/main" id="{C9A4DD3A-F434-47D5-AD2A-A0C9A0F9E46E}"/>
               </a:ext>
             </a:extLst>
           </p:cNvPr>
@@ -41562,7 +41876,7 @@
             <p:cNvPr id="124" name="Chevron 184">
               <a:extLst>
                 <a:ext uri="{FF2B5EF4-FFF2-40B4-BE49-F238E27FC236}">
-                  <a16:creationId xmlns:a16="http://schemas.microsoft.com/office/drawing/2014/main" xmlns="" id="{D4C18C82-27D2-4CB7-99C8-97F8CD29B99D}"/>
+                  <a16:creationId xmlns="" xmlns:a16="http://schemas.microsoft.com/office/drawing/2014/main" id="{D4C18C82-27D2-4CB7-99C8-97F8CD29B99D}"/>
                 </a:ext>
               </a:extLst>
             </p:cNvPr>
@@ -41612,7 +41926,7 @@
             <p:cNvPr id="125" name="Rectangle 124">
               <a:extLst>
                 <a:ext uri="{FF2B5EF4-FFF2-40B4-BE49-F238E27FC236}">
-                  <a16:creationId xmlns:a16="http://schemas.microsoft.com/office/drawing/2014/main" xmlns="" id="{33C13121-840B-49FA-BF30-BD54E2AB3157}"/>
+                  <a16:creationId xmlns="" xmlns:a16="http://schemas.microsoft.com/office/drawing/2014/main" id="{33C13121-840B-49FA-BF30-BD54E2AB3157}"/>
                 </a:ext>
               </a:extLst>
             </p:cNvPr>
@@ -41660,7 +41974,7 @@
           <p:cNvPr id="115" name="Groupe 114">
             <a:extLst>
               <a:ext uri="{FF2B5EF4-FFF2-40B4-BE49-F238E27FC236}">
-                <a16:creationId xmlns:a16="http://schemas.microsoft.com/office/drawing/2014/main" xmlns="" id="{A61414D3-8BAF-4661-B8DD-838D7816C07E}"/>
+                <a16:creationId xmlns="" xmlns:a16="http://schemas.microsoft.com/office/drawing/2014/main" id="{A61414D3-8BAF-4661-B8DD-838D7816C07E}"/>
               </a:ext>
             </a:extLst>
           </p:cNvPr>
@@ -41680,7 +41994,7 @@
             <p:cNvPr id="121" name="Chevron 181">
               <a:extLst>
                 <a:ext uri="{FF2B5EF4-FFF2-40B4-BE49-F238E27FC236}">
-                  <a16:creationId xmlns:a16="http://schemas.microsoft.com/office/drawing/2014/main" xmlns="" id="{4EABBEBD-32BF-4F8F-9CA5-C37626840FF4}"/>
+                  <a16:creationId xmlns="" xmlns:a16="http://schemas.microsoft.com/office/drawing/2014/main" id="{4EABBEBD-32BF-4F8F-9CA5-C37626840FF4}"/>
                 </a:ext>
               </a:extLst>
             </p:cNvPr>
@@ -41730,7 +42044,7 @@
             <p:cNvPr id="122" name="Rectangle 121">
               <a:extLst>
                 <a:ext uri="{FF2B5EF4-FFF2-40B4-BE49-F238E27FC236}">
-                  <a16:creationId xmlns:a16="http://schemas.microsoft.com/office/drawing/2014/main" xmlns="" id="{AE9C24A8-4F3A-43B0-ADE2-9CCB4B658FF6}"/>
+                  <a16:creationId xmlns="" xmlns:a16="http://schemas.microsoft.com/office/drawing/2014/main" id="{AE9C24A8-4F3A-43B0-ADE2-9CCB4B658FF6}"/>
                 </a:ext>
               </a:extLst>
             </p:cNvPr>
@@ -41777,7 +42091,7 @@
             <p:cNvPr id="123" name="Rectangle 122">
               <a:extLst>
                 <a:ext uri="{FF2B5EF4-FFF2-40B4-BE49-F238E27FC236}">
-                  <a16:creationId xmlns:a16="http://schemas.microsoft.com/office/drawing/2014/main" xmlns="" id="{55FFCF1D-B9D0-454A-BEFF-1E66B7875144}"/>
+                  <a16:creationId xmlns="" xmlns:a16="http://schemas.microsoft.com/office/drawing/2014/main" id="{55FFCF1D-B9D0-454A-BEFF-1E66B7875144}"/>
                 </a:ext>
               </a:extLst>
             </p:cNvPr>
@@ -41822,7 +42136,7 @@
           <p:cNvPr id="116" name="Groupe 115">
             <a:extLst>
               <a:ext uri="{FF2B5EF4-FFF2-40B4-BE49-F238E27FC236}">
-                <a16:creationId xmlns:a16="http://schemas.microsoft.com/office/drawing/2014/main" xmlns="" id="{F3FFB96C-19DC-43CB-97B4-826FD6EAC44F}"/>
+                <a16:creationId xmlns="" xmlns:a16="http://schemas.microsoft.com/office/drawing/2014/main" id="{F3FFB96C-19DC-43CB-97B4-826FD6EAC44F}"/>
               </a:ext>
             </a:extLst>
           </p:cNvPr>
@@ -41842,7 +42156,7 @@
             <p:cNvPr id="117" name="Groupe 116">
               <a:extLst>
                 <a:ext uri="{FF2B5EF4-FFF2-40B4-BE49-F238E27FC236}">
-                  <a16:creationId xmlns:a16="http://schemas.microsoft.com/office/drawing/2014/main" xmlns="" id="{A81A49A5-78C1-4051-8A78-70C08DACDC5D}"/>
+                  <a16:creationId xmlns="" xmlns:a16="http://schemas.microsoft.com/office/drawing/2014/main" id="{A81A49A5-78C1-4051-8A78-70C08DACDC5D}"/>
                 </a:ext>
               </a:extLst>
             </p:cNvPr>
@@ -41862,7 +42176,7 @@
               <p:cNvPr id="119" name="Chevron 179">
                 <a:extLst>
                   <a:ext uri="{FF2B5EF4-FFF2-40B4-BE49-F238E27FC236}">
-                    <a16:creationId xmlns:a16="http://schemas.microsoft.com/office/drawing/2014/main" xmlns="" id="{CDE422D4-A13E-4AC2-B431-A076E8006208}"/>
+                    <a16:creationId xmlns="" xmlns:a16="http://schemas.microsoft.com/office/drawing/2014/main" id="{CDE422D4-A13E-4AC2-B431-A076E8006208}"/>
                   </a:ext>
                 </a:extLst>
               </p:cNvPr>
@@ -41912,7 +42226,7 @@
               <p:cNvPr id="120" name="Rectangle 119">
                 <a:extLst>
                   <a:ext uri="{FF2B5EF4-FFF2-40B4-BE49-F238E27FC236}">
-                    <a16:creationId xmlns:a16="http://schemas.microsoft.com/office/drawing/2014/main" xmlns="" id="{232466EE-ED5F-49E5-B238-C3EECA4164DA}"/>
+                    <a16:creationId xmlns="" xmlns:a16="http://schemas.microsoft.com/office/drawing/2014/main" id="{232466EE-ED5F-49E5-B238-C3EECA4164DA}"/>
                   </a:ext>
                 </a:extLst>
               </p:cNvPr>
@@ -41960,7 +42274,7 @@
             <p:cNvPr id="118" name="Rectangle 117">
               <a:extLst>
                 <a:ext uri="{FF2B5EF4-FFF2-40B4-BE49-F238E27FC236}">
-                  <a16:creationId xmlns:a16="http://schemas.microsoft.com/office/drawing/2014/main" xmlns="" id="{E7C7902C-8361-43D6-80FA-93EC12535167}"/>
+                  <a16:creationId xmlns="" xmlns:a16="http://schemas.microsoft.com/office/drawing/2014/main" id="{E7C7902C-8361-43D6-80FA-93EC12535167}"/>
                 </a:ext>
               </a:extLst>
             </p:cNvPr>
@@ -42005,7 +42319,7 @@
           <p:cNvPr id="127" name="Groupe 126">
             <a:extLst>
               <a:ext uri="{FF2B5EF4-FFF2-40B4-BE49-F238E27FC236}">
-                <a16:creationId xmlns:a16="http://schemas.microsoft.com/office/drawing/2014/main" xmlns="" id="{66AE943C-39FC-4313-822F-75A7D8C71A50}"/>
+                <a16:creationId xmlns="" xmlns:a16="http://schemas.microsoft.com/office/drawing/2014/main" id="{66AE943C-39FC-4313-822F-75A7D8C71A50}"/>
               </a:ext>
             </a:extLst>
           </p:cNvPr>
@@ -42025,7 +42339,7 @@
             <p:cNvPr id="128" name="Chevron 184">
               <a:extLst>
                 <a:ext uri="{FF2B5EF4-FFF2-40B4-BE49-F238E27FC236}">
-                  <a16:creationId xmlns:a16="http://schemas.microsoft.com/office/drawing/2014/main" xmlns="" id="{08083D15-8586-4C86-B11B-FBDA5CF985B8}"/>
+                  <a16:creationId xmlns="" xmlns:a16="http://schemas.microsoft.com/office/drawing/2014/main" id="{08083D15-8586-4C86-B11B-FBDA5CF985B8}"/>
                 </a:ext>
               </a:extLst>
             </p:cNvPr>
@@ -42075,7 +42389,7 @@
             <p:cNvPr id="129" name="Rectangle 128">
               <a:extLst>
                 <a:ext uri="{FF2B5EF4-FFF2-40B4-BE49-F238E27FC236}">
-                  <a16:creationId xmlns:a16="http://schemas.microsoft.com/office/drawing/2014/main" xmlns="" id="{AEDA7288-2DDE-4829-B1AA-AA9C2E0CCE8C}"/>
+                  <a16:creationId xmlns="" xmlns:a16="http://schemas.microsoft.com/office/drawing/2014/main" id="{AEDA7288-2DDE-4829-B1AA-AA9C2E0CCE8C}"/>
                 </a:ext>
               </a:extLst>
             </p:cNvPr>
@@ -42123,7 +42437,7 @@
           <p:cNvPr id="130" name="Groupe 129">
             <a:extLst>
               <a:ext uri="{FF2B5EF4-FFF2-40B4-BE49-F238E27FC236}">
-                <a16:creationId xmlns:a16="http://schemas.microsoft.com/office/drawing/2014/main" xmlns="" id="{9A13244F-CE74-4175-B165-D81B8FEF6D11}"/>
+                <a16:creationId xmlns="" xmlns:a16="http://schemas.microsoft.com/office/drawing/2014/main" id="{9A13244F-CE74-4175-B165-D81B8FEF6D11}"/>
               </a:ext>
             </a:extLst>
           </p:cNvPr>
@@ -42143,7 +42457,7 @@
             <p:cNvPr id="131" name="Chevron 184">
               <a:extLst>
                 <a:ext uri="{FF2B5EF4-FFF2-40B4-BE49-F238E27FC236}">
-                  <a16:creationId xmlns:a16="http://schemas.microsoft.com/office/drawing/2014/main" xmlns="" id="{2D792480-A2FF-4222-9B04-A588C555A44A}"/>
+                  <a16:creationId xmlns="" xmlns:a16="http://schemas.microsoft.com/office/drawing/2014/main" id="{2D792480-A2FF-4222-9B04-A588C555A44A}"/>
                 </a:ext>
               </a:extLst>
             </p:cNvPr>
@@ -42193,7 +42507,7 @@
             <p:cNvPr id="158" name="Rectangle 157">
               <a:extLst>
                 <a:ext uri="{FF2B5EF4-FFF2-40B4-BE49-F238E27FC236}">
-                  <a16:creationId xmlns:a16="http://schemas.microsoft.com/office/drawing/2014/main" xmlns="" id="{0E0FF4D2-8C45-4A59-B77E-E224D1EEF8FB}"/>
+                  <a16:creationId xmlns="" xmlns:a16="http://schemas.microsoft.com/office/drawing/2014/main" id="{0E0FF4D2-8C45-4A59-B77E-E224D1EEF8FB}"/>
                 </a:ext>
               </a:extLst>
             </p:cNvPr>
@@ -42241,7 +42555,7 @@
           <p:cNvPr id="104" name="Groupe 103">
             <a:extLst>
               <a:ext uri="{FF2B5EF4-FFF2-40B4-BE49-F238E27FC236}">
-                <a16:creationId xmlns:a16="http://schemas.microsoft.com/office/drawing/2014/main" xmlns="" id="{5A1CBCFF-BC5F-459E-9552-70EF549F7CAD}"/>
+                <a16:creationId xmlns="" xmlns:a16="http://schemas.microsoft.com/office/drawing/2014/main" id="{5A1CBCFF-BC5F-459E-9552-70EF549F7CAD}"/>
               </a:ext>
             </a:extLst>
           </p:cNvPr>
@@ -42261,7 +42575,7 @@
             <p:cNvPr id="105" name="Chevron 184">
               <a:extLst>
                 <a:ext uri="{FF2B5EF4-FFF2-40B4-BE49-F238E27FC236}">
-                  <a16:creationId xmlns:a16="http://schemas.microsoft.com/office/drawing/2014/main" xmlns="" id="{7A22324B-EDD9-4A15-8ADB-F1653A7A6646}"/>
+                  <a16:creationId xmlns="" xmlns:a16="http://schemas.microsoft.com/office/drawing/2014/main" id="{7A22324B-EDD9-4A15-8ADB-F1653A7A6646}"/>
                 </a:ext>
               </a:extLst>
             </p:cNvPr>
@@ -42311,7 +42625,7 @@
             <p:cNvPr id="106" name="Rectangle 105">
               <a:extLst>
                 <a:ext uri="{FF2B5EF4-FFF2-40B4-BE49-F238E27FC236}">
-                  <a16:creationId xmlns:a16="http://schemas.microsoft.com/office/drawing/2014/main" xmlns="" id="{AFC1508A-A877-4482-9726-F02FF1A612B2}"/>
+                  <a16:creationId xmlns="" xmlns:a16="http://schemas.microsoft.com/office/drawing/2014/main" id="{AFC1508A-A877-4482-9726-F02FF1A612B2}"/>
                 </a:ext>
               </a:extLst>
             </p:cNvPr>
@@ -42466,7 +42780,7 @@
           <p:cNvPr id="126" name="Espace réservé du contenu 4">
             <a:extLst>
               <a:ext uri="{FF2B5EF4-FFF2-40B4-BE49-F238E27FC236}">
-                <a16:creationId xmlns:a16="http://schemas.microsoft.com/office/drawing/2014/main" xmlns="" id="{E0ECA4FB-A27A-4EF4-8C7D-5B9524C6BE3F}"/>
+                <a16:creationId xmlns="" xmlns:a16="http://schemas.microsoft.com/office/drawing/2014/main" id="{E0ECA4FB-A27A-4EF4-8C7D-5B9524C6BE3F}"/>
               </a:ext>
             </a:extLst>
           </p:cNvPr>
@@ -42719,7 +43033,7 @@
           <p:cNvPr id="157" name="Image 156">
             <a:extLst>
               <a:ext uri="{FF2B5EF4-FFF2-40B4-BE49-F238E27FC236}">
-                <a16:creationId xmlns:a16="http://schemas.microsoft.com/office/drawing/2014/main" xmlns="" id="{649265A4-F60A-437A-817D-C460759ABDAC}"/>
+                <a16:creationId xmlns="" xmlns:a16="http://schemas.microsoft.com/office/drawing/2014/main" id="{649265A4-F60A-437A-817D-C460759ABDAC}"/>
               </a:ext>
             </a:extLst>
           </p:cNvPr>
@@ -42749,7 +43063,7 @@
           <p:cNvPr id="7" name="Espace réservé du contenu 6">
             <a:extLst>
               <a:ext uri="{FF2B5EF4-FFF2-40B4-BE49-F238E27FC236}">
-                <a16:creationId xmlns:a16="http://schemas.microsoft.com/office/drawing/2014/main" xmlns="" id="{DB2A2F5A-13F4-4B6B-B9B0-2031D32AD019}"/>
+                <a16:creationId xmlns="" xmlns:a16="http://schemas.microsoft.com/office/drawing/2014/main" id="{DB2A2F5A-13F4-4B6B-B9B0-2031D32AD019}"/>
               </a:ext>
             </a:extLst>
           </p:cNvPr>
